--- a/images_src/misc_powerpoint.pptx
+++ b/images_src/misc_powerpoint.pptx
@@ -5,12 +5,13 @@
     <p:sldMasterId id="2147483648" r:id="rId1"/>
   </p:sldMasterIdLst>
   <p:notesMasterIdLst>
-    <p:notesMasterId r:id="rId5"/>
+    <p:notesMasterId r:id="rId6"/>
   </p:notesMasterIdLst>
   <p:sldIdLst>
     <p:sldId id="258" r:id="rId2"/>
     <p:sldId id="259" r:id="rId3"/>
     <p:sldId id="260" r:id="rId4"/>
+    <p:sldId id="261" r:id="rId5"/>
   </p:sldIdLst>
   <p:sldSz cx="12192000" cy="6858000"/>
   <p:notesSz cx="6858000" cy="9144000"/>
@@ -109,6 +110,11 @@
       </a:defRPr>
     </a:lvl9pPr>
   </p:defaultTextStyle>
+  <p:extLst>
+    <p:ext uri="{EFAFB233-063F-42B5-8137-9DF3F51BA10A}">
+      <p15:sldGuideLst xmlns:p15="http://schemas.microsoft.com/office/powerpoint/2012/main"/>
+    </p:ext>
+  </p:extLst>
 </p:presentation>
 </file>
 
@@ -194,7 +200,7 @@
           <a:p>
             <a:fld id="{8A2C6B5F-9BC6-4B49-8DDC-1983D75D835F}" type="datetimeFigureOut">
               <a:rPr lang="en-US" smtClean="0"/>
-              <a:t>12/5/15</a:t>
+              <a:t>1/3/16</a:t>
             </a:fld>
             <a:endParaRPr lang="en-US"/>
           </a:p>
@@ -819,7 +825,7 @@
           <a:p>
             <a:fld id="{70491AAC-A65D-7044-B83C-B384503BD135}" type="datetimeFigureOut">
               <a:rPr lang="en-US" smtClean="0"/>
-              <a:t>12/5/15</a:t>
+              <a:t>1/3/16</a:t>
             </a:fld>
             <a:endParaRPr lang="en-US"/>
           </a:p>
@@ -989,7 +995,7 @@
           <a:p>
             <a:fld id="{70491AAC-A65D-7044-B83C-B384503BD135}" type="datetimeFigureOut">
               <a:rPr lang="en-US" smtClean="0"/>
-              <a:t>12/5/15</a:t>
+              <a:t>1/3/16</a:t>
             </a:fld>
             <a:endParaRPr lang="en-US"/>
           </a:p>
@@ -1169,7 +1175,7 @@
           <a:p>
             <a:fld id="{70491AAC-A65D-7044-B83C-B384503BD135}" type="datetimeFigureOut">
               <a:rPr lang="en-US" smtClean="0"/>
-              <a:t>12/5/15</a:t>
+              <a:t>1/3/16</a:t>
             </a:fld>
             <a:endParaRPr lang="en-US"/>
           </a:p>
@@ -1339,7 +1345,7 @@
           <a:p>
             <a:fld id="{70491AAC-A65D-7044-B83C-B384503BD135}" type="datetimeFigureOut">
               <a:rPr lang="en-US" smtClean="0"/>
-              <a:t>12/5/15</a:t>
+              <a:t>1/3/16</a:t>
             </a:fld>
             <a:endParaRPr lang="en-US"/>
           </a:p>
@@ -1585,7 +1591,7 @@
           <a:p>
             <a:fld id="{70491AAC-A65D-7044-B83C-B384503BD135}" type="datetimeFigureOut">
               <a:rPr lang="en-US" smtClean="0"/>
-              <a:t>12/5/15</a:t>
+              <a:t>1/3/16</a:t>
             </a:fld>
             <a:endParaRPr lang="en-US"/>
           </a:p>
@@ -1817,7 +1823,7 @@
           <a:p>
             <a:fld id="{70491AAC-A65D-7044-B83C-B384503BD135}" type="datetimeFigureOut">
               <a:rPr lang="en-US" smtClean="0"/>
-              <a:t>12/5/15</a:t>
+              <a:t>1/3/16</a:t>
             </a:fld>
             <a:endParaRPr lang="en-US"/>
           </a:p>
@@ -2184,7 +2190,7 @@
           <a:p>
             <a:fld id="{70491AAC-A65D-7044-B83C-B384503BD135}" type="datetimeFigureOut">
               <a:rPr lang="en-US" smtClean="0"/>
-              <a:t>12/5/15</a:t>
+              <a:t>1/3/16</a:t>
             </a:fld>
             <a:endParaRPr lang="en-US"/>
           </a:p>
@@ -2302,7 +2308,7 @@
           <a:p>
             <a:fld id="{70491AAC-A65D-7044-B83C-B384503BD135}" type="datetimeFigureOut">
               <a:rPr lang="en-US" smtClean="0"/>
-              <a:t>12/5/15</a:t>
+              <a:t>1/3/16</a:t>
             </a:fld>
             <a:endParaRPr lang="en-US"/>
           </a:p>
@@ -2397,7 +2403,7 @@
           <a:p>
             <a:fld id="{70491AAC-A65D-7044-B83C-B384503BD135}" type="datetimeFigureOut">
               <a:rPr lang="en-US" smtClean="0"/>
-              <a:t>12/5/15</a:t>
+              <a:t>1/3/16</a:t>
             </a:fld>
             <a:endParaRPr lang="en-US"/>
           </a:p>
@@ -2674,7 +2680,7 @@
           <a:p>
             <a:fld id="{70491AAC-A65D-7044-B83C-B384503BD135}" type="datetimeFigureOut">
               <a:rPr lang="en-US" smtClean="0"/>
-              <a:t>12/5/15</a:t>
+              <a:t>1/3/16</a:t>
             </a:fld>
             <a:endParaRPr lang="en-US"/>
           </a:p>
@@ -2927,7 +2933,7 @@
           <a:p>
             <a:fld id="{70491AAC-A65D-7044-B83C-B384503BD135}" type="datetimeFigureOut">
               <a:rPr lang="en-US" smtClean="0"/>
-              <a:t>12/5/15</a:t>
+              <a:t>1/3/16</a:t>
             </a:fld>
             <a:endParaRPr lang="en-US"/>
           </a:p>
@@ -3140,7 +3146,7 @@
           <a:p>
             <a:fld id="{70491AAC-A65D-7044-B83C-B384503BD135}" type="datetimeFigureOut">
               <a:rPr lang="en-US" smtClean="0"/>
-              <a:t>12/5/15</a:t>
+              <a:t>1/3/16</a:t>
             </a:fld>
             <a:endParaRPr lang="en-US"/>
           </a:p>
@@ -4444,11 +4450,6 @@
               </a:rPr>
               <a:t> are referenced in Land Registry’s “Price Paid Data” (LRPP)</a:t>
             </a:r>
-            <a:endParaRPr lang="en-US" sz="1600" dirty="0">
-              <a:latin typeface="Lucida Sans" pitchFamily="-106" charset="0"/>
-              <a:ea typeface="ＭＳ Ｐゴシック" pitchFamily="-106" charset="-128"/>
-              <a:cs typeface="ＭＳ Ｐゴシック" pitchFamily="-106" charset="-128"/>
-            </a:endParaRPr>
           </a:p>
         </p:txBody>
       </p:sp>
@@ -4576,11 +4577,6 @@
               </a:rPr>
               <a:t>house number</a:t>
             </a:r>
-            <a:endParaRPr lang="en-US" sz="1600" dirty="0">
-              <a:latin typeface="Lucida Sans" pitchFamily="-106" charset="0"/>
-              <a:ea typeface="ＭＳ Ｐゴシック" pitchFamily="-106" charset="-128"/>
-              <a:cs typeface="ＭＳ Ｐゴシック" pitchFamily="-106" charset="-128"/>
-            </a:endParaRPr>
           </a:p>
         </p:txBody>
       </p:sp>
@@ -4747,11 +4743,6 @@
               </a:rPr>
               <a:t>74% of the streets qualify for house number inference</a:t>
             </a:r>
-            <a:endParaRPr lang="en-US" sz="1600" dirty="0">
-              <a:latin typeface="Lucida Sans" pitchFamily="-106" charset="0"/>
-              <a:ea typeface="ＭＳ Ｐゴシック" pitchFamily="-106" charset="-128"/>
-              <a:cs typeface="ＭＳ Ｐゴシック" pitchFamily="-106" charset="-128"/>
-            </a:endParaRPr>
           </a:p>
         </p:txBody>
       </p:sp>
@@ -4808,11 +4799,6 @@
               </a:rPr>
               <a:t>111k house numbers are in LRPP</a:t>
             </a:r>
-            <a:endParaRPr lang="en-US" sz="1400" dirty="0">
-              <a:latin typeface="Lucida Sans" pitchFamily="-106" charset="0"/>
-              <a:ea typeface="ＭＳ Ｐゴシック" pitchFamily="-106" charset="-128"/>
-              <a:cs typeface="ＭＳ Ｐゴシック" pitchFamily="-106" charset="-128"/>
-            </a:endParaRPr>
           </a:p>
         </p:txBody>
       </p:sp>
@@ -4869,11 +4855,6 @@
               </a:rPr>
               <a:t>113k house numbers can be inferred</a:t>
             </a:r>
-            <a:endParaRPr lang="en-US" sz="1400" dirty="0">
-              <a:latin typeface="Lucida Sans" pitchFamily="-106" charset="0"/>
-              <a:ea typeface="ＭＳ Ｐゴシック" pitchFamily="-106" charset="-128"/>
-              <a:cs typeface="ＭＳ Ｐゴシック" pitchFamily="-106" charset="-128"/>
-            </a:endParaRPr>
           </a:p>
         </p:txBody>
       </p:sp>
@@ -4948,11 +4929,6 @@
               </a:rPr>
               <a:t>Not known and not suitable for inference</a:t>
             </a:r>
-            <a:endParaRPr lang="en-US" sz="1400" dirty="0">
-              <a:latin typeface="Lucida Sans" pitchFamily="-106" charset="0"/>
-              <a:ea typeface="ＭＳ Ｐゴシック" pitchFamily="-106" charset="-128"/>
-              <a:cs typeface="ＭＳ Ｐゴシック" pitchFamily="-106" charset="-128"/>
-            </a:endParaRPr>
           </a:p>
         </p:txBody>
       </p:sp>
@@ -5011,6 +4987,1073 @@
       </p:par>
     </p:tnLst>
   </p:timing>
+</p:sld>
+</file>
+
+<file path=ppt/slides/slide4.xml><?xml version="1.0" encoding="utf-8"?>
+<p:sld xmlns:a="http://schemas.openxmlformats.org/drawingml/2006/main" xmlns:r="http://schemas.openxmlformats.org/officeDocument/2006/relationships" xmlns:p="http://schemas.openxmlformats.org/presentationml/2006/main">
+  <p:cSld>
+    <p:spTree>
+      <p:nvGrpSpPr>
+        <p:cNvPr id="1" name=""/>
+        <p:cNvGrpSpPr/>
+        <p:nvPr/>
+      </p:nvGrpSpPr>
+      <p:grpSpPr>
+        <a:xfrm>
+          <a:off x="0" y="0"/>
+          <a:ext cx="0" cy="0"/>
+          <a:chOff x="0" y="0"/>
+          <a:chExt cx="0" cy="0"/>
+        </a:xfrm>
+      </p:grpSpPr>
+      <p:sp>
+        <p:nvSpPr>
+          <p:cNvPr id="5" name="Oval 4"/>
+          <p:cNvSpPr/>
+          <p:nvPr/>
+        </p:nvSpPr>
+        <p:spPr>
+          <a:xfrm>
+            <a:off x="534785" y="2640636"/>
+            <a:ext cx="806824" cy="806824"/>
+          </a:xfrm>
+          <a:prstGeom prst="ellipse">
+            <a:avLst/>
+          </a:prstGeom>
+          <a:solidFill>
+            <a:schemeClr val="bg1"/>
+          </a:solidFill>
+        </p:spPr>
+        <p:style>
+          <a:lnRef idx="2">
+            <a:schemeClr val="accent1">
+              <a:shade val="50000"/>
+            </a:schemeClr>
+          </a:lnRef>
+          <a:fillRef idx="1">
+            <a:schemeClr val="accent1"/>
+          </a:fillRef>
+          <a:effectRef idx="0">
+            <a:schemeClr val="accent1"/>
+          </a:effectRef>
+          <a:fontRef idx="minor">
+            <a:schemeClr val="lt1"/>
+          </a:fontRef>
+        </p:style>
+        <p:txBody>
+          <a:bodyPr rtlCol="0" anchor="ctr"/>
+          <a:lstStyle/>
+          <a:p>
+            <a:pPr algn="ctr"/>
+            <a:r>
+              <a:rPr lang="en-US" sz="1400" dirty="0" smtClean="0">
+                <a:solidFill>
+                  <a:schemeClr val="tx1"/>
+                </a:solidFill>
+              </a:rPr>
+              <a:t>OLAF</a:t>
+            </a:r>
+            <a:endParaRPr lang="en-US" sz="1400" dirty="0">
+              <a:solidFill>
+                <a:schemeClr val="tx1"/>
+              </a:solidFill>
+            </a:endParaRPr>
+          </a:p>
+        </p:txBody>
+      </p:sp>
+      <p:sp>
+        <p:nvSpPr>
+          <p:cNvPr id="6" name="Rounded Rectangle 5"/>
+          <p:cNvSpPr/>
+          <p:nvPr/>
+        </p:nvSpPr>
+        <p:spPr>
+          <a:xfrm>
+            <a:off x="2091059" y="1927533"/>
+            <a:ext cx="3352800" cy="597213"/>
+          </a:xfrm>
+          <a:prstGeom prst="roundRect">
+            <a:avLst/>
+          </a:prstGeom>
+          <a:solidFill>
+            <a:schemeClr val="bg1"/>
+          </a:solidFill>
+        </p:spPr>
+        <p:style>
+          <a:lnRef idx="2">
+            <a:schemeClr val="accent1">
+              <a:shade val="50000"/>
+            </a:schemeClr>
+          </a:lnRef>
+          <a:fillRef idx="1">
+            <a:schemeClr val="accent1"/>
+          </a:fillRef>
+          <a:effectRef idx="0">
+            <a:schemeClr val="accent1"/>
+          </a:effectRef>
+          <a:fontRef idx="minor">
+            <a:schemeClr val="lt1"/>
+          </a:fontRef>
+        </p:style>
+        <p:txBody>
+          <a:bodyPr rtlCol="0" anchor="ctr"/>
+          <a:lstStyle/>
+          <a:p>
+            <a:r>
+              <a:rPr lang="en-US" sz="1400" i="1" dirty="0" smtClean="0">
+                <a:solidFill>
+                  <a:schemeClr val="tx1"/>
+                </a:solidFill>
+              </a:rPr>
+              <a:t>p1</a:t>
+            </a:r>
+            <a:r>
+              <a:rPr lang="en-US" sz="1400" dirty="0" smtClean="0">
+                <a:solidFill>
+                  <a:schemeClr val="tx1"/>
+                </a:solidFill>
+              </a:rPr>
+              <a:t>: Create </a:t>
+            </a:r>
+            <a:r>
+              <a:rPr lang="en-US" sz="1400" dirty="0">
+                <a:solidFill>
+                  <a:schemeClr val="tx1"/>
+                </a:solidFill>
+              </a:rPr>
+              <a:t>a list of all existing </a:t>
+            </a:r>
+            <a:r>
+              <a:rPr lang="en-US" sz="1400" i="1" dirty="0" smtClean="0">
+                <a:solidFill>
+                  <a:schemeClr val="tx1"/>
+                </a:solidFill>
+              </a:rPr>
+              <a:t>house numbers </a:t>
+            </a:r>
+            <a:r>
+              <a:rPr lang="en-US" sz="1400" dirty="0">
+                <a:solidFill>
+                  <a:schemeClr val="tx1"/>
+                </a:solidFill>
+              </a:rPr>
+              <a:t>for each road listed in OSON</a:t>
+            </a:r>
+          </a:p>
+        </p:txBody>
+      </p:sp>
+      <p:sp>
+        <p:nvSpPr>
+          <p:cNvPr id="7" name="Rounded Rectangle 6"/>
+          <p:cNvSpPr/>
+          <p:nvPr/>
+        </p:nvSpPr>
+        <p:spPr>
+          <a:xfrm>
+            <a:off x="2091059" y="2734357"/>
+            <a:ext cx="3352800" cy="597213"/>
+          </a:xfrm>
+          <a:prstGeom prst="roundRect">
+            <a:avLst/>
+          </a:prstGeom>
+          <a:solidFill>
+            <a:schemeClr val="bg1">
+              <a:lumMod val="75000"/>
+            </a:schemeClr>
+          </a:solidFill>
+        </p:spPr>
+        <p:style>
+          <a:lnRef idx="2">
+            <a:schemeClr val="accent1">
+              <a:shade val="50000"/>
+            </a:schemeClr>
+          </a:lnRef>
+          <a:fillRef idx="1">
+            <a:schemeClr val="accent1"/>
+          </a:fillRef>
+          <a:effectRef idx="0">
+            <a:schemeClr val="accent1"/>
+          </a:effectRef>
+          <a:fontRef idx="minor">
+            <a:schemeClr val="lt1"/>
+          </a:fontRef>
+        </p:style>
+        <p:txBody>
+          <a:bodyPr rtlCol="0" anchor="ctr"/>
+          <a:lstStyle/>
+          <a:p>
+            <a:r>
+              <a:rPr lang="en-US" sz="1400" i="1" dirty="0" smtClean="0">
+                <a:solidFill>
+                  <a:schemeClr val="tx1"/>
+                </a:solidFill>
+              </a:rPr>
+              <a:t>p2</a:t>
+            </a:r>
+            <a:r>
+              <a:rPr lang="en-US" sz="1400" dirty="0" smtClean="0">
+                <a:solidFill>
+                  <a:schemeClr val="tx1"/>
+                </a:solidFill>
+              </a:rPr>
+              <a:t>: Create </a:t>
+            </a:r>
+            <a:r>
+              <a:rPr lang="en-US" sz="1400" dirty="0">
+                <a:solidFill>
+                  <a:schemeClr val="tx1"/>
+                </a:solidFill>
+              </a:rPr>
+              <a:t>a list of all existing </a:t>
+            </a:r>
+            <a:r>
+              <a:rPr lang="en-US" sz="1400" i="1" dirty="0" smtClean="0">
+                <a:solidFill>
+                  <a:schemeClr val="tx1"/>
+                </a:solidFill>
+              </a:rPr>
+              <a:t>house names</a:t>
+            </a:r>
+            <a:r>
+              <a:rPr lang="en-US" sz="1400" dirty="0" smtClean="0">
+                <a:solidFill>
+                  <a:schemeClr val="tx1"/>
+                </a:solidFill>
+              </a:rPr>
+              <a:t> </a:t>
+            </a:r>
+            <a:r>
+              <a:rPr lang="en-US" sz="1400" dirty="0">
+                <a:solidFill>
+                  <a:schemeClr val="tx1"/>
+                </a:solidFill>
+              </a:rPr>
+              <a:t>for each road listed in </a:t>
+            </a:r>
+            <a:r>
+              <a:rPr lang="en-US" sz="1400" dirty="0" smtClean="0">
+                <a:solidFill>
+                  <a:schemeClr val="tx1"/>
+                </a:solidFill>
+              </a:rPr>
+              <a:t>OSON</a:t>
+            </a:r>
+            <a:endParaRPr lang="en-US" sz="1400" dirty="0">
+              <a:solidFill>
+                <a:schemeClr val="tx1"/>
+              </a:solidFill>
+            </a:endParaRPr>
+          </a:p>
+        </p:txBody>
+      </p:sp>
+      <p:sp>
+        <p:nvSpPr>
+          <p:cNvPr id="8" name="Rounded Rectangle 7"/>
+          <p:cNvSpPr/>
+          <p:nvPr/>
+        </p:nvSpPr>
+        <p:spPr>
+          <a:xfrm>
+            <a:off x="2091059" y="3541181"/>
+            <a:ext cx="3352800" cy="907879"/>
+          </a:xfrm>
+          <a:prstGeom prst="roundRect">
+            <a:avLst/>
+          </a:prstGeom>
+          <a:solidFill>
+            <a:schemeClr val="bg1">
+              <a:lumMod val="75000"/>
+            </a:schemeClr>
+          </a:solidFill>
+        </p:spPr>
+        <p:style>
+          <a:lnRef idx="2">
+            <a:schemeClr val="accent1">
+              <a:shade val="50000"/>
+            </a:schemeClr>
+          </a:lnRef>
+          <a:fillRef idx="1">
+            <a:schemeClr val="accent1"/>
+          </a:fillRef>
+          <a:effectRef idx="0">
+            <a:schemeClr val="accent1"/>
+          </a:effectRef>
+          <a:fontRef idx="minor">
+            <a:schemeClr val="lt1"/>
+          </a:fontRef>
+        </p:style>
+        <p:txBody>
+          <a:bodyPr rtlCol="0" anchor="ctr"/>
+          <a:lstStyle/>
+          <a:p>
+            <a:r>
+              <a:rPr lang="en-US" sz="1400" dirty="0" smtClean="0">
+                <a:solidFill>
+                  <a:schemeClr val="tx1"/>
+                </a:solidFill>
+              </a:rPr>
+              <a:t>p3: Create </a:t>
+            </a:r>
+            <a:r>
+              <a:rPr lang="en-US" sz="1400" dirty="0">
+                <a:solidFill>
+                  <a:schemeClr val="tx1"/>
+                </a:solidFill>
+              </a:rPr>
+              <a:t>a list of the associations between each of the house </a:t>
+            </a:r>
+            <a:r>
+              <a:rPr lang="en-US" sz="1400" dirty="0" smtClean="0">
+                <a:solidFill>
+                  <a:schemeClr val="tx1"/>
+                </a:solidFill>
+              </a:rPr>
+              <a:t>numbers </a:t>
+            </a:r>
+            <a:r>
+              <a:rPr lang="en-US" sz="1400" dirty="0">
+                <a:solidFill>
+                  <a:schemeClr val="tx1"/>
+                </a:solidFill>
+              </a:rPr>
+              <a:t>and names above and the list of </a:t>
+            </a:r>
+            <a:r>
+              <a:rPr lang="en-US" sz="1400" dirty="0" smtClean="0">
+                <a:solidFill>
+                  <a:schemeClr val="tx1"/>
+                </a:solidFill>
+              </a:rPr>
+              <a:t>postcodes in OSON </a:t>
+            </a:r>
+            <a:endParaRPr lang="en-US" sz="1400" dirty="0">
+              <a:solidFill>
+                <a:schemeClr val="tx1"/>
+              </a:solidFill>
+            </a:endParaRPr>
+          </a:p>
+        </p:txBody>
+      </p:sp>
+      <p:cxnSp>
+        <p:nvCxnSpPr>
+          <p:cNvPr id="10" name="Straight Arrow Connector 9"/>
+          <p:cNvCxnSpPr>
+            <a:stCxn id="5" idx="6"/>
+            <a:endCxn id="6" idx="1"/>
+          </p:cNvCxnSpPr>
+          <p:nvPr/>
+        </p:nvCxnSpPr>
+        <p:spPr>
+          <a:xfrm flipV="1">
+            <a:off x="1341609" y="2226140"/>
+            <a:ext cx="749450" cy="817908"/>
+          </a:xfrm>
+          <a:prstGeom prst="straightConnector1">
+            <a:avLst/>
+          </a:prstGeom>
+          <a:ln>
+            <a:solidFill>
+              <a:schemeClr val="tx1"/>
+            </a:solidFill>
+            <a:tailEnd type="triangle" w="lg" len="lg"/>
+          </a:ln>
+        </p:spPr>
+        <p:style>
+          <a:lnRef idx="1">
+            <a:schemeClr val="accent1"/>
+          </a:lnRef>
+          <a:fillRef idx="0">
+            <a:schemeClr val="accent1"/>
+          </a:fillRef>
+          <a:effectRef idx="0">
+            <a:schemeClr val="accent1"/>
+          </a:effectRef>
+          <a:fontRef idx="minor">
+            <a:schemeClr val="tx1"/>
+          </a:fontRef>
+        </p:style>
+      </p:cxnSp>
+      <p:cxnSp>
+        <p:nvCxnSpPr>
+          <p:cNvPr id="11" name="Straight Arrow Connector 10"/>
+          <p:cNvCxnSpPr>
+            <a:stCxn id="5" idx="6"/>
+            <a:endCxn id="7" idx="1"/>
+          </p:cNvCxnSpPr>
+          <p:nvPr/>
+        </p:nvCxnSpPr>
+        <p:spPr>
+          <a:xfrm flipV="1">
+            <a:off x="1341609" y="3032964"/>
+            <a:ext cx="749450" cy="11084"/>
+          </a:xfrm>
+          <a:prstGeom prst="straightConnector1">
+            <a:avLst/>
+          </a:prstGeom>
+          <a:ln>
+            <a:solidFill>
+              <a:schemeClr val="tx1"/>
+            </a:solidFill>
+            <a:tailEnd type="triangle" w="lg" len="lg"/>
+          </a:ln>
+        </p:spPr>
+        <p:style>
+          <a:lnRef idx="1">
+            <a:schemeClr val="accent1"/>
+          </a:lnRef>
+          <a:fillRef idx="0">
+            <a:schemeClr val="accent1"/>
+          </a:fillRef>
+          <a:effectRef idx="0">
+            <a:schemeClr val="accent1"/>
+          </a:effectRef>
+          <a:fontRef idx="minor">
+            <a:schemeClr val="tx1"/>
+          </a:fontRef>
+        </p:style>
+      </p:cxnSp>
+      <p:cxnSp>
+        <p:nvCxnSpPr>
+          <p:cNvPr id="14" name="Straight Arrow Connector 13"/>
+          <p:cNvCxnSpPr>
+            <a:stCxn id="5" idx="6"/>
+            <a:endCxn id="8" idx="1"/>
+          </p:cNvCxnSpPr>
+          <p:nvPr/>
+        </p:nvCxnSpPr>
+        <p:spPr>
+          <a:xfrm>
+            <a:off x="1341609" y="3044048"/>
+            <a:ext cx="749450" cy="951073"/>
+          </a:xfrm>
+          <a:prstGeom prst="straightConnector1">
+            <a:avLst/>
+          </a:prstGeom>
+          <a:ln>
+            <a:solidFill>
+              <a:schemeClr val="tx1"/>
+            </a:solidFill>
+            <a:tailEnd type="triangle" w="lg" len="lg"/>
+          </a:ln>
+        </p:spPr>
+        <p:style>
+          <a:lnRef idx="1">
+            <a:schemeClr val="accent1"/>
+          </a:lnRef>
+          <a:fillRef idx="0">
+            <a:schemeClr val="accent1"/>
+          </a:fillRef>
+          <a:effectRef idx="0">
+            <a:schemeClr val="accent1"/>
+          </a:effectRef>
+          <a:fontRef idx="minor">
+            <a:schemeClr val="tx1"/>
+          </a:fontRef>
+        </p:style>
+      </p:cxnSp>
+      <p:sp>
+        <p:nvSpPr>
+          <p:cNvPr id="17" name="Rounded Rectangle 16"/>
+          <p:cNvSpPr/>
+          <p:nvPr/>
+        </p:nvSpPr>
+        <p:spPr>
+          <a:xfrm>
+            <a:off x="6221996" y="1434750"/>
+            <a:ext cx="3352800" cy="713104"/>
+          </a:xfrm>
+          <a:prstGeom prst="roundRect">
+            <a:avLst/>
+          </a:prstGeom>
+          <a:solidFill>
+            <a:schemeClr val="bg1"/>
+          </a:solidFill>
+        </p:spPr>
+        <p:style>
+          <a:lnRef idx="2">
+            <a:schemeClr val="accent1">
+              <a:shade val="50000"/>
+            </a:schemeClr>
+          </a:lnRef>
+          <a:fillRef idx="1">
+            <a:schemeClr val="accent1"/>
+          </a:fillRef>
+          <a:effectRef idx="0">
+            <a:schemeClr val="accent1"/>
+          </a:effectRef>
+          <a:fontRef idx="minor">
+            <a:schemeClr val="lt1"/>
+          </a:fontRef>
+        </p:style>
+        <p:txBody>
+          <a:bodyPr rtlCol="0" anchor="ctr"/>
+          <a:lstStyle/>
+          <a:p>
+            <a:r>
+              <a:rPr lang="en-US" sz="1400" i="1" dirty="0" smtClean="0">
+                <a:solidFill>
+                  <a:schemeClr val="tx1"/>
+                </a:solidFill>
+              </a:rPr>
+              <a:t>p1.1</a:t>
+            </a:r>
+            <a:r>
+              <a:rPr lang="en-US" sz="1400" dirty="0">
+                <a:solidFill>
+                  <a:schemeClr val="tx1"/>
+                </a:solidFill>
+              </a:rPr>
+              <a:t>: Identify the list of house numbers in each OSON road through references in other open data</a:t>
+            </a:r>
+          </a:p>
+        </p:txBody>
+      </p:sp>
+      <p:sp>
+        <p:nvSpPr>
+          <p:cNvPr id="18" name="Rounded Rectangle 17"/>
+          <p:cNvSpPr/>
+          <p:nvPr/>
+        </p:nvSpPr>
+        <p:spPr>
+          <a:xfrm>
+            <a:off x="6221996" y="2509144"/>
+            <a:ext cx="3352800" cy="713104"/>
+          </a:xfrm>
+          <a:prstGeom prst="roundRect">
+            <a:avLst/>
+          </a:prstGeom>
+          <a:solidFill>
+            <a:schemeClr val="bg1"/>
+          </a:solidFill>
+        </p:spPr>
+        <p:style>
+          <a:lnRef idx="2">
+            <a:schemeClr val="accent1">
+              <a:shade val="50000"/>
+            </a:schemeClr>
+          </a:lnRef>
+          <a:fillRef idx="1">
+            <a:schemeClr val="accent1"/>
+          </a:fillRef>
+          <a:effectRef idx="0">
+            <a:schemeClr val="accent1"/>
+          </a:effectRef>
+          <a:fontRef idx="minor">
+            <a:schemeClr val="lt1"/>
+          </a:fontRef>
+        </p:style>
+        <p:txBody>
+          <a:bodyPr rtlCol="0" anchor="ctr"/>
+          <a:lstStyle/>
+          <a:p>
+            <a:r>
+              <a:rPr lang="en-US" sz="1400" i="1" smtClean="0">
+                <a:solidFill>
+                  <a:schemeClr val="tx1"/>
+                </a:solidFill>
+              </a:rPr>
+              <a:t>p1.2</a:t>
+            </a:r>
+            <a:r>
+              <a:rPr lang="en-US" sz="1400" smtClean="0">
+                <a:solidFill>
+                  <a:schemeClr val="tx1"/>
+                </a:solidFill>
+              </a:rPr>
+              <a:t>: </a:t>
+            </a:r>
+            <a:r>
+              <a:rPr lang="en-US" sz="1400" dirty="0">
+                <a:solidFill>
+                  <a:schemeClr val="tx1"/>
+                </a:solidFill>
+              </a:rPr>
+              <a:t>Statistically infer the existence of house numbers from the house numbers collected at </a:t>
+            </a:r>
+            <a:r>
+              <a:rPr lang="en-US" sz="1400" i="1" dirty="0" smtClean="0">
+                <a:solidFill>
+                  <a:schemeClr val="tx1"/>
+                </a:solidFill>
+              </a:rPr>
+              <a:t>p1.1</a:t>
+            </a:r>
+            <a:endParaRPr lang="en-US" sz="1400" i="1" dirty="0">
+              <a:solidFill>
+                <a:schemeClr val="tx1"/>
+              </a:solidFill>
+            </a:endParaRPr>
+          </a:p>
+        </p:txBody>
+      </p:sp>
+      <p:sp>
+        <p:nvSpPr>
+          <p:cNvPr id="19" name="Rounded Rectangle 18"/>
+          <p:cNvSpPr/>
+          <p:nvPr/>
+        </p:nvSpPr>
+        <p:spPr>
+          <a:xfrm>
+            <a:off x="6221996" y="4092508"/>
+            <a:ext cx="3352800" cy="713104"/>
+          </a:xfrm>
+          <a:prstGeom prst="roundRect">
+            <a:avLst/>
+          </a:prstGeom>
+          <a:solidFill>
+            <a:schemeClr val="bg1"/>
+          </a:solidFill>
+        </p:spPr>
+        <p:style>
+          <a:lnRef idx="2">
+            <a:schemeClr val="accent1">
+              <a:shade val="50000"/>
+            </a:schemeClr>
+          </a:lnRef>
+          <a:fillRef idx="1">
+            <a:schemeClr val="accent1"/>
+          </a:fillRef>
+          <a:effectRef idx="0">
+            <a:schemeClr val="accent1"/>
+          </a:effectRef>
+          <a:fontRef idx="minor">
+            <a:schemeClr val="lt1"/>
+          </a:fontRef>
+        </p:style>
+        <p:txBody>
+          <a:bodyPr rtlCol="0" anchor="ctr"/>
+          <a:lstStyle/>
+          <a:p>
+            <a:r>
+              <a:rPr lang="en-US" sz="1400" i="1" dirty="0" smtClean="0">
+                <a:solidFill>
+                  <a:schemeClr val="tx1"/>
+                </a:solidFill>
+              </a:rPr>
+              <a:t>p1.4</a:t>
+            </a:r>
+            <a:r>
+              <a:rPr lang="en-US" sz="1400" dirty="0" smtClean="0">
+                <a:solidFill>
+                  <a:schemeClr val="tx1"/>
+                </a:solidFill>
+              </a:rPr>
+              <a:t>: </a:t>
+            </a:r>
+            <a:r>
+              <a:rPr lang="en-US" sz="1400" dirty="0">
+                <a:solidFill>
+                  <a:schemeClr val="tx1"/>
+                </a:solidFill>
+              </a:rPr>
+              <a:t>Enable the further application of </a:t>
+            </a:r>
+            <a:r>
+              <a:rPr lang="en-US" sz="1400" i="1" dirty="0" smtClean="0">
+                <a:solidFill>
+                  <a:schemeClr val="tx1"/>
+                </a:solidFill>
+              </a:rPr>
+              <a:t>p1.2</a:t>
+            </a:r>
+            <a:r>
+              <a:rPr lang="en-US" sz="1400" dirty="0" smtClean="0">
+                <a:solidFill>
+                  <a:schemeClr val="tx1"/>
+                </a:solidFill>
+              </a:rPr>
+              <a:t> </a:t>
+            </a:r>
+            <a:r>
+              <a:rPr lang="en-US" sz="1400" dirty="0">
+                <a:solidFill>
+                  <a:schemeClr val="tx1"/>
+                </a:solidFill>
+              </a:rPr>
+              <a:t>by creating the necessary data through </a:t>
+            </a:r>
+            <a:r>
+              <a:rPr lang="en-US" sz="1400" dirty="0" smtClean="0">
+                <a:solidFill>
+                  <a:schemeClr val="tx1"/>
+                </a:solidFill>
+              </a:rPr>
+              <a:t>crowdsourcing</a:t>
+            </a:r>
+            <a:endParaRPr lang="en-US" sz="1400" i="1" dirty="0">
+              <a:solidFill>
+                <a:schemeClr val="tx1"/>
+              </a:solidFill>
+            </a:endParaRPr>
+          </a:p>
+        </p:txBody>
+      </p:sp>
+      <p:sp>
+        <p:nvSpPr>
+          <p:cNvPr id="20" name="Rounded Rectangle 19"/>
+          <p:cNvSpPr/>
+          <p:nvPr/>
+        </p:nvSpPr>
+        <p:spPr>
+          <a:xfrm>
+            <a:off x="6221996" y="3517609"/>
+            <a:ext cx="3352800" cy="304812"/>
+          </a:xfrm>
+          <a:prstGeom prst="roundRect">
+            <a:avLst/>
+          </a:prstGeom>
+          <a:solidFill>
+            <a:schemeClr val="bg1">
+              <a:lumMod val="75000"/>
+            </a:schemeClr>
+          </a:solidFill>
+        </p:spPr>
+        <p:style>
+          <a:lnRef idx="2">
+            <a:schemeClr val="accent1">
+              <a:shade val="50000"/>
+            </a:schemeClr>
+          </a:lnRef>
+          <a:fillRef idx="1">
+            <a:schemeClr val="accent1"/>
+          </a:fillRef>
+          <a:effectRef idx="0">
+            <a:schemeClr val="accent1"/>
+          </a:effectRef>
+          <a:fontRef idx="minor">
+            <a:schemeClr val="lt1"/>
+          </a:fontRef>
+        </p:style>
+        <p:txBody>
+          <a:bodyPr rtlCol="0" anchor="ctr"/>
+          <a:lstStyle/>
+          <a:p>
+            <a:r>
+              <a:rPr lang="en-US" sz="1400" i="1" dirty="0" smtClean="0">
+                <a:solidFill>
+                  <a:schemeClr val="tx1"/>
+                </a:solidFill>
+              </a:rPr>
+              <a:t>p1.3</a:t>
+            </a:r>
+            <a:r>
+              <a:rPr lang="en-US" sz="1400" dirty="0" smtClean="0">
+                <a:solidFill>
+                  <a:schemeClr val="tx1"/>
+                </a:solidFill>
+              </a:rPr>
+              <a:t>: </a:t>
+            </a:r>
+            <a:r>
+              <a:rPr lang="en-US" sz="1400" dirty="0">
+                <a:solidFill>
+                  <a:schemeClr val="tx1"/>
+                </a:solidFill>
+              </a:rPr>
+              <a:t>Correct the output of </a:t>
+            </a:r>
+            <a:r>
+              <a:rPr lang="en-US" sz="1400" i="1" dirty="0" smtClean="0">
+                <a:solidFill>
+                  <a:schemeClr val="tx1"/>
+                </a:solidFill>
+              </a:rPr>
+              <a:t>p1.2</a:t>
+            </a:r>
+            <a:endParaRPr lang="en-US" sz="1400" i="1" dirty="0">
+              <a:solidFill>
+                <a:schemeClr val="tx1"/>
+              </a:solidFill>
+            </a:endParaRPr>
+          </a:p>
+        </p:txBody>
+      </p:sp>
+      <p:cxnSp>
+        <p:nvCxnSpPr>
+          <p:cNvPr id="21" name="Straight Arrow Connector 20"/>
+          <p:cNvCxnSpPr>
+            <a:stCxn id="6" idx="3"/>
+            <a:endCxn id="17" idx="1"/>
+          </p:cNvCxnSpPr>
+          <p:nvPr/>
+        </p:nvCxnSpPr>
+        <p:spPr>
+          <a:xfrm flipV="1">
+            <a:off x="5443859" y="1791302"/>
+            <a:ext cx="778137" cy="434838"/>
+          </a:xfrm>
+          <a:prstGeom prst="straightConnector1">
+            <a:avLst/>
+          </a:prstGeom>
+          <a:ln>
+            <a:solidFill>
+              <a:schemeClr val="tx1"/>
+            </a:solidFill>
+            <a:tailEnd type="triangle" w="lg" len="lg"/>
+          </a:ln>
+        </p:spPr>
+        <p:style>
+          <a:lnRef idx="1">
+            <a:schemeClr val="accent1"/>
+          </a:lnRef>
+          <a:fillRef idx="0">
+            <a:schemeClr val="accent1"/>
+          </a:fillRef>
+          <a:effectRef idx="0">
+            <a:schemeClr val="accent1"/>
+          </a:effectRef>
+          <a:fontRef idx="minor">
+            <a:schemeClr val="tx1"/>
+          </a:fontRef>
+        </p:style>
+      </p:cxnSp>
+      <p:cxnSp>
+        <p:nvCxnSpPr>
+          <p:cNvPr id="24" name="Straight Arrow Connector 23"/>
+          <p:cNvCxnSpPr>
+            <a:stCxn id="6" idx="3"/>
+            <a:endCxn id="18" idx="1"/>
+          </p:cNvCxnSpPr>
+          <p:nvPr/>
+        </p:nvCxnSpPr>
+        <p:spPr>
+          <a:xfrm>
+            <a:off x="5443859" y="2226140"/>
+            <a:ext cx="778137" cy="639556"/>
+          </a:xfrm>
+          <a:prstGeom prst="straightConnector1">
+            <a:avLst/>
+          </a:prstGeom>
+          <a:ln>
+            <a:solidFill>
+              <a:schemeClr val="tx1"/>
+            </a:solidFill>
+            <a:tailEnd type="triangle" w="lg" len="lg"/>
+          </a:ln>
+        </p:spPr>
+        <p:style>
+          <a:lnRef idx="1">
+            <a:schemeClr val="accent1"/>
+          </a:lnRef>
+          <a:fillRef idx="0">
+            <a:schemeClr val="accent1"/>
+          </a:fillRef>
+          <a:effectRef idx="0">
+            <a:schemeClr val="accent1"/>
+          </a:effectRef>
+          <a:fontRef idx="minor">
+            <a:schemeClr val="tx1"/>
+          </a:fontRef>
+        </p:style>
+      </p:cxnSp>
+      <p:cxnSp>
+        <p:nvCxnSpPr>
+          <p:cNvPr id="27" name="Straight Arrow Connector 26"/>
+          <p:cNvCxnSpPr>
+            <a:stCxn id="6" idx="3"/>
+            <a:endCxn id="19" idx="1"/>
+          </p:cNvCxnSpPr>
+          <p:nvPr/>
+        </p:nvCxnSpPr>
+        <p:spPr>
+          <a:xfrm>
+            <a:off x="5443859" y="2226140"/>
+            <a:ext cx="778137" cy="2222920"/>
+          </a:xfrm>
+          <a:prstGeom prst="straightConnector1">
+            <a:avLst/>
+          </a:prstGeom>
+          <a:ln>
+            <a:solidFill>
+              <a:schemeClr val="tx1"/>
+            </a:solidFill>
+            <a:tailEnd type="triangle" w="lg" len="lg"/>
+          </a:ln>
+        </p:spPr>
+        <p:style>
+          <a:lnRef idx="1">
+            <a:schemeClr val="accent1"/>
+          </a:lnRef>
+          <a:fillRef idx="0">
+            <a:schemeClr val="accent1"/>
+          </a:fillRef>
+          <a:effectRef idx="0">
+            <a:schemeClr val="accent1"/>
+          </a:effectRef>
+          <a:fontRef idx="minor">
+            <a:schemeClr val="tx1"/>
+          </a:fontRef>
+        </p:style>
+      </p:cxnSp>
+      <p:cxnSp>
+        <p:nvCxnSpPr>
+          <p:cNvPr id="30" name="Straight Arrow Connector 29"/>
+          <p:cNvCxnSpPr>
+            <a:stCxn id="6" idx="3"/>
+            <a:endCxn id="20" idx="1"/>
+          </p:cNvCxnSpPr>
+          <p:nvPr/>
+        </p:nvCxnSpPr>
+        <p:spPr>
+          <a:xfrm>
+            <a:off x="5443859" y="2226140"/>
+            <a:ext cx="778137" cy="1443875"/>
+          </a:xfrm>
+          <a:prstGeom prst="straightConnector1">
+            <a:avLst/>
+          </a:prstGeom>
+          <a:ln>
+            <a:solidFill>
+              <a:schemeClr val="tx1"/>
+            </a:solidFill>
+            <a:tailEnd type="triangle" w="lg" len="lg"/>
+          </a:ln>
+        </p:spPr>
+        <p:style>
+          <a:lnRef idx="1">
+            <a:schemeClr val="accent1"/>
+          </a:lnRef>
+          <a:fillRef idx="0">
+            <a:schemeClr val="accent1"/>
+          </a:fillRef>
+          <a:effectRef idx="0">
+            <a:schemeClr val="accent1"/>
+          </a:effectRef>
+          <a:fontRef idx="minor">
+            <a:schemeClr val="tx1"/>
+          </a:fontRef>
+        </p:style>
+      </p:cxnSp>
+      <p:cxnSp>
+        <p:nvCxnSpPr>
+          <p:cNvPr id="38" name="Straight Arrow Connector 37"/>
+          <p:cNvCxnSpPr>
+            <a:stCxn id="17" idx="2"/>
+            <a:endCxn id="18" idx="0"/>
+          </p:cNvCxnSpPr>
+          <p:nvPr/>
+        </p:nvCxnSpPr>
+        <p:spPr>
+          <a:xfrm>
+            <a:off x="7898396" y="2147854"/>
+            <a:ext cx="0" cy="361290"/>
+          </a:xfrm>
+          <a:prstGeom prst="straightConnector1">
+            <a:avLst/>
+          </a:prstGeom>
+          <a:ln>
+            <a:solidFill>
+              <a:schemeClr val="tx1"/>
+            </a:solidFill>
+            <a:tailEnd type="triangle" w="lg" len="lg"/>
+          </a:ln>
+        </p:spPr>
+        <p:style>
+          <a:lnRef idx="1">
+            <a:schemeClr val="accent1"/>
+          </a:lnRef>
+          <a:fillRef idx="0">
+            <a:schemeClr val="accent1"/>
+          </a:fillRef>
+          <a:effectRef idx="0">
+            <a:schemeClr val="accent1"/>
+          </a:effectRef>
+          <a:fontRef idx="minor">
+            <a:schemeClr val="tx1"/>
+          </a:fontRef>
+        </p:style>
+      </p:cxnSp>
+      <p:cxnSp>
+        <p:nvCxnSpPr>
+          <p:cNvPr id="46" name="Elbow Connector 45"/>
+          <p:cNvCxnSpPr>
+            <a:stCxn id="19" idx="3"/>
+            <a:endCxn id="18" idx="3"/>
+          </p:cNvCxnSpPr>
+          <p:nvPr/>
+        </p:nvCxnSpPr>
+        <p:spPr>
+          <a:xfrm flipV="1">
+            <a:off x="9574796" y="2865696"/>
+            <a:ext cx="12700" cy="1583364"/>
+          </a:xfrm>
+          <a:prstGeom prst="bentConnector3">
+            <a:avLst>
+              <a:gd name="adj1" fmla="val 2890906"/>
+            </a:avLst>
+          </a:prstGeom>
+          <a:ln>
+            <a:solidFill>
+              <a:schemeClr val="tx1"/>
+            </a:solidFill>
+            <a:tailEnd type="triangle" w="lg" len="lg"/>
+          </a:ln>
+        </p:spPr>
+        <p:style>
+          <a:lnRef idx="1">
+            <a:schemeClr val="accent1"/>
+          </a:lnRef>
+          <a:fillRef idx="0">
+            <a:schemeClr val="accent1"/>
+          </a:fillRef>
+          <a:effectRef idx="0">
+            <a:schemeClr val="accent1"/>
+          </a:effectRef>
+          <a:fontRef idx="minor">
+            <a:schemeClr val="tx1"/>
+          </a:fontRef>
+        </p:style>
+      </p:cxnSp>
+      <p:cxnSp>
+        <p:nvCxnSpPr>
+          <p:cNvPr id="49" name="Straight Arrow Connector 48"/>
+          <p:cNvCxnSpPr>
+            <a:stCxn id="18" idx="2"/>
+            <a:endCxn id="20" idx="0"/>
+          </p:cNvCxnSpPr>
+          <p:nvPr/>
+        </p:nvCxnSpPr>
+        <p:spPr>
+          <a:xfrm>
+            <a:off x="7898396" y="3222248"/>
+            <a:ext cx="0" cy="295361"/>
+          </a:xfrm>
+          <a:prstGeom prst="straightConnector1">
+            <a:avLst/>
+          </a:prstGeom>
+          <a:ln>
+            <a:solidFill>
+              <a:schemeClr val="tx1"/>
+            </a:solidFill>
+            <a:tailEnd type="triangle" w="lg" len="lg"/>
+          </a:ln>
+        </p:spPr>
+        <p:style>
+          <a:lnRef idx="1">
+            <a:schemeClr val="accent1"/>
+          </a:lnRef>
+          <a:fillRef idx="0">
+            <a:schemeClr val="accent1"/>
+          </a:fillRef>
+          <a:effectRef idx="0">
+            <a:schemeClr val="accent1"/>
+          </a:effectRef>
+          <a:fontRef idx="minor">
+            <a:schemeClr val="tx1"/>
+          </a:fontRef>
+        </p:style>
+      </p:cxnSp>
+    </p:spTree>
+    <p:extLst>
+      <p:ext uri="{BB962C8B-B14F-4D97-AF65-F5344CB8AC3E}">
+        <p14:creationId xmlns:p14="http://schemas.microsoft.com/office/powerpoint/2010/main" val="936007067"/>
+      </p:ext>
+    </p:extLst>
+  </p:cSld>
+  <p:clrMapOvr>
+    <a:masterClrMapping/>
+  </p:clrMapOvr>
 </p:sld>
 </file>
 

--- a/images_src/misc_powerpoint.pptx
+++ b/images_src/misc_powerpoint.pptx
@@ -5,13 +5,14 @@
     <p:sldMasterId id="2147483648" r:id="rId1"/>
   </p:sldMasterIdLst>
   <p:notesMasterIdLst>
-    <p:notesMasterId r:id="rId6"/>
+    <p:notesMasterId r:id="rId7"/>
   </p:notesMasterIdLst>
   <p:sldIdLst>
     <p:sldId id="258" r:id="rId2"/>
     <p:sldId id="259" r:id="rId3"/>
     <p:sldId id="260" r:id="rId4"/>
     <p:sldId id="261" r:id="rId5"/>
+    <p:sldId id="262" r:id="rId6"/>
   </p:sldIdLst>
   <p:sldSz cx="12192000" cy="6858000"/>
   <p:notesSz cx="6858000" cy="9144000"/>
@@ -5024,6 +5025,11 @@
           <a:solidFill>
             <a:schemeClr val="bg1"/>
           </a:solidFill>
+          <a:ln>
+            <a:solidFill>
+              <a:schemeClr val="tx1"/>
+            </a:solidFill>
+          </a:ln>
         </p:spPr>
         <p:style>
           <a:lnRef idx="2">
@@ -5079,6 +5085,11 @@
           <a:solidFill>
             <a:schemeClr val="bg1"/>
           </a:solidFill>
+          <a:ln>
+            <a:solidFill>
+              <a:schemeClr val="tx1"/>
+            </a:solidFill>
+          </a:ln>
         </p:spPr>
         <p:style>
           <a:lnRef idx="2">
@@ -5158,10 +5169,13 @@
             <a:avLst/>
           </a:prstGeom>
           <a:solidFill>
-            <a:schemeClr val="bg1">
-              <a:lumMod val="75000"/>
-            </a:schemeClr>
+            <a:schemeClr val="bg1"/>
           </a:solidFill>
+          <a:ln>
+            <a:solidFill>
+              <a:schemeClr val="tx1"/>
+            </a:solidFill>
+          </a:ln>
         </p:spPr>
         <p:style>
           <a:lnRef idx="2">
@@ -5262,10 +5276,13 @@
             <a:avLst/>
           </a:prstGeom>
           <a:solidFill>
-            <a:schemeClr val="bg1">
-              <a:lumMod val="75000"/>
-            </a:schemeClr>
+            <a:schemeClr val="bg1"/>
           </a:solidFill>
+          <a:ln>
+            <a:solidFill>
+              <a:schemeClr val="tx1"/>
+            </a:solidFill>
+          </a:ln>
         </p:spPr>
         <p:style>
           <a:lnRef idx="2">
@@ -5452,23 +5469,58 @@
           </a:fontRef>
         </p:style>
       </p:cxnSp>
-      <p:sp>
-        <p:nvSpPr>
-          <p:cNvPr id="17" name="Rounded Rectangle 16"/>
+    </p:spTree>
+    <p:extLst>
+      <p:ext uri="{BB962C8B-B14F-4D97-AF65-F5344CB8AC3E}">
+        <p14:creationId xmlns:p14="http://schemas.microsoft.com/office/powerpoint/2010/main" val="936007067"/>
+      </p:ext>
+    </p:extLst>
+  </p:cSld>
+  <p:clrMapOvr>
+    <a:masterClrMapping/>
+  </p:clrMapOvr>
+</p:sld>
+</file>
+
+<file path=ppt/slides/slide5.xml><?xml version="1.0" encoding="utf-8"?>
+<p:sld xmlns:a="http://schemas.openxmlformats.org/drawingml/2006/main" xmlns:r="http://schemas.openxmlformats.org/officeDocument/2006/relationships" xmlns:p="http://schemas.openxmlformats.org/presentationml/2006/main">
+  <p:cSld>
+    <p:spTree>
+      <p:nvGrpSpPr>
+        <p:cNvPr id="1" name=""/>
+        <p:cNvGrpSpPr/>
+        <p:nvPr/>
+      </p:nvGrpSpPr>
+      <p:grpSpPr>
+        <a:xfrm>
+          <a:off x="0" y="0"/>
+          <a:ext cx="0" cy="0"/>
+          <a:chOff x="0" y="0"/>
+          <a:chExt cx="0" cy="0"/>
+        </a:xfrm>
+      </p:grpSpPr>
+      <p:sp>
+        <p:nvSpPr>
+          <p:cNvPr id="5" name="Oval 4"/>
           <p:cNvSpPr/>
           <p:nvPr/>
         </p:nvSpPr>
         <p:spPr>
           <a:xfrm>
-            <a:off x="6221996" y="1434750"/>
-            <a:ext cx="3352800" cy="713104"/>
-          </a:xfrm>
-          <a:prstGeom prst="roundRect">
+            <a:off x="534785" y="2640636"/>
+            <a:ext cx="806824" cy="806824"/>
+          </a:xfrm>
+          <a:prstGeom prst="ellipse">
             <a:avLst/>
           </a:prstGeom>
           <a:solidFill>
             <a:schemeClr val="bg1"/>
           </a:solidFill>
+          <a:ln>
+            <a:solidFill>
+              <a:schemeClr val="tx1"/>
+            </a:solidFill>
+          </a:ln>
         </p:spPr>
         <p:style>
           <a:lnRef idx="2">
@@ -5490,35 +5542,33 @@
           <a:bodyPr rtlCol="0" anchor="ctr"/>
           <a:lstStyle/>
           <a:p>
-            <a:r>
-              <a:rPr lang="en-US" sz="1400" i="1" dirty="0" smtClean="0">
+            <a:pPr algn="ctr"/>
+            <a:r>
+              <a:rPr lang="en-US" sz="1400" dirty="0" smtClean="0">
                 <a:solidFill>
                   <a:schemeClr val="tx1"/>
                 </a:solidFill>
               </a:rPr>
-              <a:t>p1.1</a:t>
-            </a:r>
-            <a:r>
-              <a:rPr lang="en-US" sz="1400" dirty="0">
-                <a:solidFill>
-                  <a:schemeClr val="tx1"/>
-                </a:solidFill>
-              </a:rPr>
-              <a:t>: Identify the list of house numbers in each OSON road through references in other open data</a:t>
-            </a:r>
-          </a:p>
-        </p:txBody>
-      </p:sp>
-      <p:sp>
-        <p:nvSpPr>
-          <p:cNvPr id="18" name="Rounded Rectangle 17"/>
+              <a:t>OLAF</a:t>
+            </a:r>
+            <a:endParaRPr lang="en-US" sz="1400" dirty="0">
+              <a:solidFill>
+                <a:schemeClr val="tx1"/>
+              </a:solidFill>
+            </a:endParaRPr>
+          </a:p>
+        </p:txBody>
+      </p:sp>
+      <p:sp>
+        <p:nvSpPr>
+          <p:cNvPr id="6" name="Rounded Rectangle 5"/>
           <p:cNvSpPr/>
           <p:nvPr/>
         </p:nvSpPr>
         <p:spPr>
           <a:xfrm>
-            <a:off x="6221996" y="2509144"/>
-            <a:ext cx="3352800" cy="713104"/>
+            <a:off x="2091059" y="1927533"/>
+            <a:ext cx="3352800" cy="597213"/>
           </a:xfrm>
           <a:prstGeom prst="roundRect">
             <a:avLst/>
@@ -5526,6 +5576,11 @@
           <a:solidFill>
             <a:schemeClr val="bg1"/>
           </a:solidFill>
+          <a:ln>
+            <a:solidFill>
+              <a:schemeClr val="tx1"/>
+            </a:solidFill>
+          </a:ln>
         </p:spPr>
         <p:style>
           <a:lnRef idx="2">
@@ -5548,20 +5603,20 @@
           <a:lstStyle/>
           <a:p>
             <a:r>
-              <a:rPr lang="en-US" sz="1400" i="1" smtClean="0">
+              <a:rPr lang="en-US" sz="1400" i="1" dirty="0" smtClean="0">
                 <a:solidFill>
                   <a:schemeClr val="tx1"/>
                 </a:solidFill>
               </a:rPr>
-              <a:t>p1.2</a:t>
-            </a:r>
-            <a:r>
-              <a:rPr lang="en-US" sz="1400" smtClean="0">
+              <a:t>p1</a:t>
+            </a:r>
+            <a:r>
+              <a:rPr lang="en-US" sz="1400" dirty="0" smtClean="0">
                 <a:solidFill>
                   <a:schemeClr val="tx1"/>
                 </a:solidFill>
               </a:rPr>
-              <a:t>: </a:t>
+              <a:t>: Create </a:t>
             </a:r>
             <a:r>
               <a:rPr lang="en-US" sz="1400" dirty="0">
@@ -5569,7 +5624,7 @@
                   <a:schemeClr val="tx1"/>
                 </a:solidFill>
               </a:rPr>
-              <a:t>Statistically infer the existence of house numbers from the house numbers collected at </a:t>
+              <a:t>a list of all existing </a:t>
             </a:r>
             <a:r>
               <a:rPr lang="en-US" sz="1400" i="1" dirty="0" smtClean="0">
@@ -5577,33 +5632,43 @@
                   <a:schemeClr val="tx1"/>
                 </a:solidFill>
               </a:rPr>
-              <a:t>p1.1</a:t>
-            </a:r>
-            <a:endParaRPr lang="en-US" sz="1400" i="1" dirty="0">
-              <a:solidFill>
-                <a:schemeClr val="tx1"/>
-              </a:solidFill>
-            </a:endParaRPr>
-          </a:p>
-        </p:txBody>
-      </p:sp>
-      <p:sp>
-        <p:nvSpPr>
-          <p:cNvPr id="19" name="Rounded Rectangle 18"/>
+              <a:t>house numbers </a:t>
+            </a:r>
+            <a:r>
+              <a:rPr lang="en-US" sz="1400" dirty="0">
+                <a:solidFill>
+                  <a:schemeClr val="tx1"/>
+                </a:solidFill>
+              </a:rPr>
+              <a:t>for each road listed in OSON</a:t>
+            </a:r>
+          </a:p>
+        </p:txBody>
+      </p:sp>
+      <p:sp>
+        <p:nvSpPr>
+          <p:cNvPr id="7" name="Rounded Rectangle 6"/>
           <p:cNvSpPr/>
           <p:nvPr/>
         </p:nvSpPr>
         <p:spPr>
           <a:xfrm>
-            <a:off x="6221996" y="4092508"/>
-            <a:ext cx="3352800" cy="713104"/>
+            <a:off x="2091059" y="2734357"/>
+            <a:ext cx="3352800" cy="597213"/>
           </a:xfrm>
           <a:prstGeom prst="roundRect">
             <a:avLst/>
           </a:prstGeom>
           <a:solidFill>
-            <a:schemeClr val="bg1"/>
+            <a:schemeClr val="bg1">
+              <a:lumMod val="75000"/>
+            </a:schemeClr>
           </a:solidFill>
+          <a:ln>
+            <a:solidFill>
+              <a:schemeClr val="tx1"/>
+            </a:solidFill>
+          </a:ln>
         </p:spPr>
         <p:style>
           <a:lnRef idx="2">
@@ -5631,7 +5696,7 @@
                   <a:schemeClr val="tx1"/>
                 </a:solidFill>
               </a:rPr>
-              <a:t>p1.4</a:t>
+              <a:t>p2</a:t>
             </a:r>
             <a:r>
               <a:rPr lang="en-US" sz="1400" dirty="0" smtClean="0">
@@ -5639,7 +5704,7 @@
                   <a:schemeClr val="tx1"/>
                 </a:solidFill>
               </a:rPr>
-              <a:t>: </a:t>
+              <a:t>: Create </a:t>
             </a:r>
             <a:r>
               <a:rPr lang="en-US" sz="1400" dirty="0">
@@ -5647,7 +5712,7 @@
                   <a:schemeClr val="tx1"/>
                 </a:solidFill>
               </a:rPr>
-              <a:t>Enable the further application of </a:t>
+              <a:t>a list of all existing </a:t>
             </a:r>
             <a:r>
               <a:rPr lang="en-US" sz="1400" i="1" dirty="0" smtClean="0">
@@ -5655,7 +5720,7 @@
                   <a:schemeClr val="tx1"/>
                 </a:solidFill>
               </a:rPr>
-              <a:t>p1.2</a:t>
+              <a:t>house names</a:t>
             </a:r>
             <a:r>
               <a:rPr lang="en-US" sz="1400" dirty="0" smtClean="0">
@@ -5671,7 +5736,7 @@
                   <a:schemeClr val="tx1"/>
                 </a:solidFill>
               </a:rPr>
-              <a:t>by creating the necessary data through </a:t>
+              <a:t>for each road listed in </a:t>
             </a:r>
             <a:r>
               <a:rPr lang="en-US" sz="1400" dirty="0" smtClean="0">
@@ -5679,9 +5744,9 @@
                   <a:schemeClr val="tx1"/>
                 </a:solidFill>
               </a:rPr>
-              <a:t>crowdsourcing</a:t>
-            </a:r>
-            <a:endParaRPr lang="en-US" sz="1400" i="1" dirty="0">
+              <a:t>OSON</a:t>
+            </a:r>
+            <a:endParaRPr lang="en-US" sz="1400" dirty="0">
               <a:solidFill>
                 <a:schemeClr val="tx1"/>
               </a:solidFill>
@@ -5691,14 +5756,14 @@
       </p:sp>
       <p:sp>
         <p:nvSpPr>
-          <p:cNvPr id="20" name="Rounded Rectangle 19"/>
+          <p:cNvPr id="8" name="Rounded Rectangle 7"/>
           <p:cNvSpPr/>
           <p:nvPr/>
         </p:nvSpPr>
         <p:spPr>
           <a:xfrm>
-            <a:off x="6221996" y="3517609"/>
-            <a:ext cx="3352800" cy="304812"/>
+            <a:off x="2091059" y="3541181"/>
+            <a:ext cx="3352800" cy="907879"/>
           </a:xfrm>
           <a:prstGeom prst="roundRect">
             <a:avLst/>
@@ -5708,6 +5773,471 @@
               <a:lumMod val="75000"/>
             </a:schemeClr>
           </a:solidFill>
+          <a:ln>
+            <a:solidFill>
+              <a:schemeClr val="tx1"/>
+            </a:solidFill>
+          </a:ln>
+        </p:spPr>
+        <p:style>
+          <a:lnRef idx="2">
+            <a:schemeClr val="accent1">
+              <a:shade val="50000"/>
+            </a:schemeClr>
+          </a:lnRef>
+          <a:fillRef idx="1">
+            <a:schemeClr val="accent1"/>
+          </a:fillRef>
+          <a:effectRef idx="0">
+            <a:schemeClr val="accent1"/>
+          </a:effectRef>
+          <a:fontRef idx="minor">
+            <a:schemeClr val="lt1"/>
+          </a:fontRef>
+        </p:style>
+        <p:txBody>
+          <a:bodyPr rtlCol="0" anchor="ctr"/>
+          <a:lstStyle/>
+          <a:p>
+            <a:r>
+              <a:rPr lang="en-US" sz="1400" dirty="0" smtClean="0">
+                <a:solidFill>
+                  <a:schemeClr val="tx1"/>
+                </a:solidFill>
+              </a:rPr>
+              <a:t>p3: Create </a:t>
+            </a:r>
+            <a:r>
+              <a:rPr lang="en-US" sz="1400" dirty="0">
+                <a:solidFill>
+                  <a:schemeClr val="tx1"/>
+                </a:solidFill>
+              </a:rPr>
+              <a:t>a list of the associations between each of the house </a:t>
+            </a:r>
+            <a:r>
+              <a:rPr lang="en-US" sz="1400" dirty="0" smtClean="0">
+                <a:solidFill>
+                  <a:schemeClr val="tx1"/>
+                </a:solidFill>
+              </a:rPr>
+              <a:t>numbers </a:t>
+            </a:r>
+            <a:r>
+              <a:rPr lang="en-US" sz="1400" dirty="0">
+                <a:solidFill>
+                  <a:schemeClr val="tx1"/>
+                </a:solidFill>
+              </a:rPr>
+              <a:t>and names above and the list of </a:t>
+            </a:r>
+            <a:r>
+              <a:rPr lang="en-US" sz="1400" dirty="0" smtClean="0">
+                <a:solidFill>
+                  <a:schemeClr val="tx1"/>
+                </a:solidFill>
+              </a:rPr>
+              <a:t>postcodes in OSON </a:t>
+            </a:r>
+            <a:endParaRPr lang="en-US" sz="1400" dirty="0">
+              <a:solidFill>
+                <a:schemeClr val="tx1"/>
+              </a:solidFill>
+            </a:endParaRPr>
+          </a:p>
+        </p:txBody>
+      </p:sp>
+      <p:cxnSp>
+        <p:nvCxnSpPr>
+          <p:cNvPr id="10" name="Straight Arrow Connector 9"/>
+          <p:cNvCxnSpPr>
+            <a:stCxn id="5" idx="6"/>
+            <a:endCxn id="6" idx="1"/>
+          </p:cNvCxnSpPr>
+          <p:nvPr/>
+        </p:nvCxnSpPr>
+        <p:spPr>
+          <a:xfrm flipV="1">
+            <a:off x="1341609" y="2226140"/>
+            <a:ext cx="749450" cy="817908"/>
+          </a:xfrm>
+          <a:prstGeom prst="straightConnector1">
+            <a:avLst/>
+          </a:prstGeom>
+          <a:ln>
+            <a:solidFill>
+              <a:schemeClr val="tx1"/>
+            </a:solidFill>
+            <a:tailEnd type="triangle" w="lg" len="lg"/>
+          </a:ln>
+        </p:spPr>
+        <p:style>
+          <a:lnRef idx="1">
+            <a:schemeClr val="accent1"/>
+          </a:lnRef>
+          <a:fillRef idx="0">
+            <a:schemeClr val="accent1"/>
+          </a:fillRef>
+          <a:effectRef idx="0">
+            <a:schemeClr val="accent1"/>
+          </a:effectRef>
+          <a:fontRef idx="minor">
+            <a:schemeClr val="tx1"/>
+          </a:fontRef>
+        </p:style>
+      </p:cxnSp>
+      <p:cxnSp>
+        <p:nvCxnSpPr>
+          <p:cNvPr id="11" name="Straight Arrow Connector 10"/>
+          <p:cNvCxnSpPr>
+            <a:stCxn id="5" idx="6"/>
+            <a:endCxn id="7" idx="1"/>
+          </p:cNvCxnSpPr>
+          <p:nvPr/>
+        </p:nvCxnSpPr>
+        <p:spPr>
+          <a:xfrm flipV="1">
+            <a:off x="1341609" y="3032964"/>
+            <a:ext cx="749450" cy="11084"/>
+          </a:xfrm>
+          <a:prstGeom prst="straightConnector1">
+            <a:avLst/>
+          </a:prstGeom>
+          <a:ln>
+            <a:solidFill>
+              <a:schemeClr val="tx1"/>
+            </a:solidFill>
+            <a:tailEnd type="triangle" w="lg" len="lg"/>
+          </a:ln>
+        </p:spPr>
+        <p:style>
+          <a:lnRef idx="1">
+            <a:schemeClr val="accent1"/>
+          </a:lnRef>
+          <a:fillRef idx="0">
+            <a:schemeClr val="accent1"/>
+          </a:fillRef>
+          <a:effectRef idx="0">
+            <a:schemeClr val="accent1"/>
+          </a:effectRef>
+          <a:fontRef idx="minor">
+            <a:schemeClr val="tx1"/>
+          </a:fontRef>
+        </p:style>
+      </p:cxnSp>
+      <p:cxnSp>
+        <p:nvCxnSpPr>
+          <p:cNvPr id="14" name="Straight Arrow Connector 13"/>
+          <p:cNvCxnSpPr>
+            <a:stCxn id="5" idx="6"/>
+            <a:endCxn id="8" idx="1"/>
+          </p:cNvCxnSpPr>
+          <p:nvPr/>
+        </p:nvCxnSpPr>
+        <p:spPr>
+          <a:xfrm>
+            <a:off x="1341609" y="3044048"/>
+            <a:ext cx="749450" cy="951073"/>
+          </a:xfrm>
+          <a:prstGeom prst="straightConnector1">
+            <a:avLst/>
+          </a:prstGeom>
+          <a:ln>
+            <a:solidFill>
+              <a:schemeClr val="tx1"/>
+            </a:solidFill>
+            <a:tailEnd type="triangle" w="lg" len="lg"/>
+          </a:ln>
+        </p:spPr>
+        <p:style>
+          <a:lnRef idx="1">
+            <a:schemeClr val="accent1"/>
+          </a:lnRef>
+          <a:fillRef idx="0">
+            <a:schemeClr val="accent1"/>
+          </a:fillRef>
+          <a:effectRef idx="0">
+            <a:schemeClr val="accent1"/>
+          </a:effectRef>
+          <a:fontRef idx="minor">
+            <a:schemeClr val="tx1"/>
+          </a:fontRef>
+        </p:style>
+      </p:cxnSp>
+      <p:sp>
+        <p:nvSpPr>
+          <p:cNvPr id="17" name="Rounded Rectangle 16"/>
+          <p:cNvSpPr/>
+          <p:nvPr/>
+        </p:nvSpPr>
+        <p:spPr>
+          <a:xfrm>
+            <a:off x="6221996" y="1434750"/>
+            <a:ext cx="3352800" cy="713104"/>
+          </a:xfrm>
+          <a:prstGeom prst="roundRect">
+            <a:avLst/>
+          </a:prstGeom>
+          <a:solidFill>
+            <a:schemeClr val="bg1"/>
+          </a:solidFill>
+          <a:ln>
+            <a:solidFill>
+              <a:schemeClr val="tx1"/>
+            </a:solidFill>
+          </a:ln>
+        </p:spPr>
+        <p:style>
+          <a:lnRef idx="2">
+            <a:schemeClr val="accent1">
+              <a:shade val="50000"/>
+            </a:schemeClr>
+          </a:lnRef>
+          <a:fillRef idx="1">
+            <a:schemeClr val="accent1"/>
+          </a:fillRef>
+          <a:effectRef idx="0">
+            <a:schemeClr val="accent1"/>
+          </a:effectRef>
+          <a:fontRef idx="minor">
+            <a:schemeClr val="lt1"/>
+          </a:fontRef>
+        </p:style>
+        <p:txBody>
+          <a:bodyPr rtlCol="0" anchor="ctr"/>
+          <a:lstStyle/>
+          <a:p>
+            <a:r>
+              <a:rPr lang="en-US" sz="1400" i="1" dirty="0" smtClean="0">
+                <a:solidFill>
+                  <a:schemeClr val="tx1"/>
+                </a:solidFill>
+              </a:rPr>
+              <a:t>p1.1</a:t>
+            </a:r>
+            <a:r>
+              <a:rPr lang="en-US" sz="1400" dirty="0">
+                <a:solidFill>
+                  <a:schemeClr val="tx1"/>
+                </a:solidFill>
+              </a:rPr>
+              <a:t>: Identify the list of house numbers in each OSON road through references in other open data</a:t>
+            </a:r>
+          </a:p>
+        </p:txBody>
+      </p:sp>
+      <p:sp>
+        <p:nvSpPr>
+          <p:cNvPr id="18" name="Rounded Rectangle 17"/>
+          <p:cNvSpPr/>
+          <p:nvPr/>
+        </p:nvSpPr>
+        <p:spPr>
+          <a:xfrm>
+            <a:off x="6221996" y="2509144"/>
+            <a:ext cx="3352800" cy="713104"/>
+          </a:xfrm>
+          <a:prstGeom prst="roundRect">
+            <a:avLst/>
+          </a:prstGeom>
+          <a:solidFill>
+            <a:schemeClr val="bg1"/>
+          </a:solidFill>
+          <a:ln>
+            <a:solidFill>
+              <a:schemeClr val="tx1"/>
+            </a:solidFill>
+          </a:ln>
+        </p:spPr>
+        <p:style>
+          <a:lnRef idx="2">
+            <a:schemeClr val="accent1">
+              <a:shade val="50000"/>
+            </a:schemeClr>
+          </a:lnRef>
+          <a:fillRef idx="1">
+            <a:schemeClr val="accent1"/>
+          </a:fillRef>
+          <a:effectRef idx="0">
+            <a:schemeClr val="accent1"/>
+          </a:effectRef>
+          <a:fontRef idx="minor">
+            <a:schemeClr val="lt1"/>
+          </a:fontRef>
+        </p:style>
+        <p:txBody>
+          <a:bodyPr rtlCol="0" anchor="ctr"/>
+          <a:lstStyle/>
+          <a:p>
+            <a:r>
+              <a:rPr lang="en-US" sz="1400" i="1" smtClean="0">
+                <a:solidFill>
+                  <a:schemeClr val="tx1"/>
+                </a:solidFill>
+              </a:rPr>
+              <a:t>p1.2</a:t>
+            </a:r>
+            <a:r>
+              <a:rPr lang="en-US" sz="1400" smtClean="0">
+                <a:solidFill>
+                  <a:schemeClr val="tx1"/>
+                </a:solidFill>
+              </a:rPr>
+              <a:t>: </a:t>
+            </a:r>
+            <a:r>
+              <a:rPr lang="en-US" sz="1400" dirty="0">
+                <a:solidFill>
+                  <a:schemeClr val="tx1"/>
+                </a:solidFill>
+              </a:rPr>
+              <a:t>Statistically infer the existence of house numbers from the house numbers collected at </a:t>
+            </a:r>
+            <a:r>
+              <a:rPr lang="en-US" sz="1400" i="1" dirty="0" smtClean="0">
+                <a:solidFill>
+                  <a:schemeClr val="tx1"/>
+                </a:solidFill>
+              </a:rPr>
+              <a:t>p1.1</a:t>
+            </a:r>
+            <a:endParaRPr lang="en-US" sz="1400" i="1" dirty="0">
+              <a:solidFill>
+                <a:schemeClr val="tx1"/>
+              </a:solidFill>
+            </a:endParaRPr>
+          </a:p>
+        </p:txBody>
+      </p:sp>
+      <p:sp>
+        <p:nvSpPr>
+          <p:cNvPr id="19" name="Rounded Rectangle 18"/>
+          <p:cNvSpPr/>
+          <p:nvPr/>
+        </p:nvSpPr>
+        <p:spPr>
+          <a:xfrm>
+            <a:off x="6221996" y="4092508"/>
+            <a:ext cx="3352800" cy="713104"/>
+          </a:xfrm>
+          <a:prstGeom prst="roundRect">
+            <a:avLst/>
+          </a:prstGeom>
+          <a:solidFill>
+            <a:schemeClr val="bg1"/>
+          </a:solidFill>
+          <a:ln>
+            <a:solidFill>
+              <a:schemeClr val="tx1"/>
+            </a:solidFill>
+          </a:ln>
+        </p:spPr>
+        <p:style>
+          <a:lnRef idx="2">
+            <a:schemeClr val="accent1">
+              <a:shade val="50000"/>
+            </a:schemeClr>
+          </a:lnRef>
+          <a:fillRef idx="1">
+            <a:schemeClr val="accent1"/>
+          </a:fillRef>
+          <a:effectRef idx="0">
+            <a:schemeClr val="accent1"/>
+          </a:effectRef>
+          <a:fontRef idx="minor">
+            <a:schemeClr val="lt1"/>
+          </a:fontRef>
+        </p:style>
+        <p:txBody>
+          <a:bodyPr rtlCol="0" anchor="ctr"/>
+          <a:lstStyle/>
+          <a:p>
+            <a:r>
+              <a:rPr lang="en-US" sz="1400" i="1" dirty="0" smtClean="0">
+                <a:solidFill>
+                  <a:schemeClr val="tx1"/>
+                </a:solidFill>
+              </a:rPr>
+              <a:t>p1.4</a:t>
+            </a:r>
+            <a:r>
+              <a:rPr lang="en-US" sz="1400" dirty="0" smtClean="0">
+                <a:solidFill>
+                  <a:schemeClr val="tx1"/>
+                </a:solidFill>
+              </a:rPr>
+              <a:t>: </a:t>
+            </a:r>
+            <a:r>
+              <a:rPr lang="en-US" sz="1400" dirty="0">
+                <a:solidFill>
+                  <a:schemeClr val="tx1"/>
+                </a:solidFill>
+              </a:rPr>
+              <a:t>Enable the further application of </a:t>
+            </a:r>
+            <a:r>
+              <a:rPr lang="en-US" sz="1400" i="1" dirty="0" smtClean="0">
+                <a:solidFill>
+                  <a:schemeClr val="tx1"/>
+                </a:solidFill>
+              </a:rPr>
+              <a:t>p1.2</a:t>
+            </a:r>
+            <a:r>
+              <a:rPr lang="en-US" sz="1400" dirty="0" smtClean="0">
+                <a:solidFill>
+                  <a:schemeClr val="tx1"/>
+                </a:solidFill>
+              </a:rPr>
+              <a:t> </a:t>
+            </a:r>
+            <a:r>
+              <a:rPr lang="en-US" sz="1400" dirty="0">
+                <a:solidFill>
+                  <a:schemeClr val="tx1"/>
+                </a:solidFill>
+              </a:rPr>
+              <a:t>by creating the necessary data through </a:t>
+            </a:r>
+            <a:r>
+              <a:rPr lang="en-US" sz="1400" dirty="0" smtClean="0">
+                <a:solidFill>
+                  <a:schemeClr val="tx1"/>
+                </a:solidFill>
+              </a:rPr>
+              <a:t>crowdsourcing</a:t>
+            </a:r>
+            <a:endParaRPr lang="en-US" sz="1400" i="1" dirty="0">
+              <a:solidFill>
+                <a:schemeClr val="tx1"/>
+              </a:solidFill>
+            </a:endParaRPr>
+          </a:p>
+        </p:txBody>
+      </p:sp>
+      <p:sp>
+        <p:nvSpPr>
+          <p:cNvPr id="20" name="Rounded Rectangle 19"/>
+          <p:cNvSpPr/>
+          <p:nvPr/>
+        </p:nvSpPr>
+        <p:spPr>
+          <a:xfrm>
+            <a:off x="6221996" y="3517609"/>
+            <a:ext cx="3352800" cy="304812"/>
+          </a:xfrm>
+          <a:prstGeom prst="roundRect">
+            <a:avLst/>
+          </a:prstGeom>
+          <a:solidFill>
+            <a:schemeClr val="bg1"/>
+          </a:solidFill>
+          <a:ln>
+            <a:solidFill>
+              <a:schemeClr val="tx1"/>
+            </a:solidFill>
+          </a:ln>
         </p:spPr>
         <p:style>
           <a:lnRef idx="2">
@@ -6047,7 +6577,7 @@
     </p:spTree>
     <p:extLst>
       <p:ext uri="{BB962C8B-B14F-4D97-AF65-F5344CB8AC3E}">
-        <p14:creationId xmlns:p14="http://schemas.microsoft.com/office/powerpoint/2010/main" val="936007067"/>
+        <p14:creationId xmlns:p14="http://schemas.microsoft.com/office/powerpoint/2010/main" val="1450900125"/>
       </p:ext>
     </p:extLst>
   </p:cSld>

--- a/images_src/misc_powerpoint.pptx
+++ b/images_src/misc_powerpoint.pptx
@@ -6070,7 +6070,7 @@
           <a:lstStyle/>
           <a:p>
             <a:r>
-              <a:rPr lang="en-US" sz="1400" i="1" smtClean="0">
+              <a:rPr lang="en-US" sz="1400" i="1" dirty="0" smtClean="0">
                 <a:solidFill>
                   <a:schemeClr val="tx1"/>
                 </a:solidFill>
@@ -6078,7 +6078,7 @@
               <a:t>p1.2</a:t>
             </a:r>
             <a:r>
-              <a:rPr lang="en-US" sz="1400" smtClean="0">
+              <a:rPr lang="en-US" sz="1400" dirty="0" smtClean="0">
                 <a:solidFill>
                   <a:schemeClr val="tx1"/>
                 </a:solidFill>

--- a/images_src/misc_powerpoint.pptx
+++ b/images_src/misc_powerpoint.pptx
@@ -201,7 +201,7 @@
           <a:p>
             <a:fld id="{8A2C6B5F-9BC6-4B49-8DDC-1983D75D835F}" type="datetimeFigureOut">
               <a:rPr lang="en-US" smtClean="0"/>
-              <a:t>1/3/16</a:t>
+              <a:t>1/4/16</a:t>
             </a:fld>
             <a:endParaRPr lang="en-US"/>
           </a:p>
@@ -826,7 +826,7 @@
           <a:p>
             <a:fld id="{70491AAC-A65D-7044-B83C-B384503BD135}" type="datetimeFigureOut">
               <a:rPr lang="en-US" smtClean="0"/>
-              <a:t>1/3/16</a:t>
+              <a:t>1/4/16</a:t>
             </a:fld>
             <a:endParaRPr lang="en-US"/>
           </a:p>
@@ -996,7 +996,7 @@
           <a:p>
             <a:fld id="{70491AAC-A65D-7044-B83C-B384503BD135}" type="datetimeFigureOut">
               <a:rPr lang="en-US" smtClean="0"/>
-              <a:t>1/3/16</a:t>
+              <a:t>1/4/16</a:t>
             </a:fld>
             <a:endParaRPr lang="en-US"/>
           </a:p>
@@ -1176,7 +1176,7 @@
           <a:p>
             <a:fld id="{70491AAC-A65D-7044-B83C-B384503BD135}" type="datetimeFigureOut">
               <a:rPr lang="en-US" smtClean="0"/>
-              <a:t>1/3/16</a:t>
+              <a:t>1/4/16</a:t>
             </a:fld>
             <a:endParaRPr lang="en-US"/>
           </a:p>
@@ -1346,7 +1346,7 @@
           <a:p>
             <a:fld id="{70491AAC-A65D-7044-B83C-B384503BD135}" type="datetimeFigureOut">
               <a:rPr lang="en-US" smtClean="0"/>
-              <a:t>1/3/16</a:t>
+              <a:t>1/4/16</a:t>
             </a:fld>
             <a:endParaRPr lang="en-US"/>
           </a:p>
@@ -1592,7 +1592,7 @@
           <a:p>
             <a:fld id="{70491AAC-A65D-7044-B83C-B384503BD135}" type="datetimeFigureOut">
               <a:rPr lang="en-US" smtClean="0"/>
-              <a:t>1/3/16</a:t>
+              <a:t>1/4/16</a:t>
             </a:fld>
             <a:endParaRPr lang="en-US"/>
           </a:p>
@@ -1824,7 +1824,7 @@
           <a:p>
             <a:fld id="{70491AAC-A65D-7044-B83C-B384503BD135}" type="datetimeFigureOut">
               <a:rPr lang="en-US" smtClean="0"/>
-              <a:t>1/3/16</a:t>
+              <a:t>1/4/16</a:t>
             </a:fld>
             <a:endParaRPr lang="en-US"/>
           </a:p>
@@ -2191,7 +2191,7 @@
           <a:p>
             <a:fld id="{70491AAC-A65D-7044-B83C-B384503BD135}" type="datetimeFigureOut">
               <a:rPr lang="en-US" smtClean="0"/>
-              <a:t>1/3/16</a:t>
+              <a:t>1/4/16</a:t>
             </a:fld>
             <a:endParaRPr lang="en-US"/>
           </a:p>
@@ -2309,7 +2309,7 @@
           <a:p>
             <a:fld id="{70491AAC-A65D-7044-B83C-B384503BD135}" type="datetimeFigureOut">
               <a:rPr lang="en-US" smtClean="0"/>
-              <a:t>1/3/16</a:t>
+              <a:t>1/4/16</a:t>
             </a:fld>
             <a:endParaRPr lang="en-US"/>
           </a:p>
@@ -2404,7 +2404,7 @@
           <a:p>
             <a:fld id="{70491AAC-A65D-7044-B83C-B384503BD135}" type="datetimeFigureOut">
               <a:rPr lang="en-US" smtClean="0"/>
-              <a:t>1/3/16</a:t>
+              <a:t>1/4/16</a:t>
             </a:fld>
             <a:endParaRPr lang="en-US"/>
           </a:p>
@@ -2681,7 +2681,7 @@
           <a:p>
             <a:fld id="{70491AAC-A65D-7044-B83C-B384503BD135}" type="datetimeFigureOut">
               <a:rPr lang="en-US" smtClean="0"/>
-              <a:t>1/3/16</a:t>
+              <a:t>1/4/16</a:t>
             </a:fld>
             <a:endParaRPr lang="en-US"/>
           </a:p>
@@ -2934,7 +2934,7 @@
           <a:p>
             <a:fld id="{70491AAC-A65D-7044-B83C-B384503BD135}" type="datetimeFigureOut">
               <a:rPr lang="en-US" smtClean="0"/>
-              <a:t>1/3/16</a:t>
+              <a:t>1/4/16</a:t>
             </a:fld>
             <a:endParaRPr lang="en-US"/>
           </a:p>
@@ -3147,7 +3147,7 @@
           <a:p>
             <a:fld id="{70491AAC-A65D-7044-B83C-B384503BD135}" type="datetimeFigureOut">
               <a:rPr lang="en-US" smtClean="0"/>
-              <a:t>1/3/16</a:t>
+              <a:t>1/4/16</a:t>
             </a:fld>
             <a:endParaRPr lang="en-US"/>
           </a:p>
@@ -5010,13 +5010,13 @@
       </p:grpSpPr>
       <p:sp>
         <p:nvSpPr>
-          <p:cNvPr id="5" name="Oval 4"/>
+          <p:cNvPr id="16" name="Oval 15"/>
           <p:cNvSpPr/>
           <p:nvPr/>
         </p:nvSpPr>
         <p:spPr>
           <a:xfrm>
-            <a:off x="534785" y="2640636"/>
+            <a:off x="3739425" y="2879648"/>
             <a:ext cx="806824" cy="806824"/>
           </a:xfrm>
           <a:prstGeom prst="ellipse">
@@ -5048,35 +5048,41 @@
           </a:fontRef>
         </p:style>
         <p:txBody>
-          <a:bodyPr rtlCol="0" anchor="ctr"/>
+          <a:bodyPr lIns="0" tIns="0" rIns="0" bIns="0" rtlCol="0" anchor="ctr"/>
           <a:lstStyle/>
           <a:p>
             <a:pPr algn="ctr"/>
             <a:r>
-              <a:rPr lang="en-US" sz="1400" dirty="0" smtClean="0">
+              <a:rPr lang="en-US" sz="1200" dirty="0" smtClean="0">
                 <a:solidFill>
                   <a:schemeClr val="tx1"/>
                 </a:solidFill>
+                <a:latin typeface="CMU Typewriter Text Variable Width Medium" charset="0"/>
+                <a:ea typeface="CMU Typewriter Text Variable Width Medium" charset="0"/>
+                <a:cs typeface="CMU Typewriter Text Variable Width Medium" charset="0"/>
               </a:rPr>
               <a:t>OLAF</a:t>
             </a:r>
-            <a:endParaRPr lang="en-US" sz="1400" dirty="0">
+            <a:endParaRPr lang="en-US" sz="1200" dirty="0">
               <a:solidFill>
                 <a:schemeClr val="tx1"/>
               </a:solidFill>
+              <a:latin typeface="CMU Typewriter Text Variable Width Medium" charset="0"/>
+              <a:ea typeface="CMU Typewriter Text Variable Width Medium" charset="0"/>
+              <a:cs typeface="CMU Typewriter Text Variable Width Medium" charset="0"/>
             </a:endParaRPr>
           </a:p>
         </p:txBody>
       </p:sp>
       <p:sp>
         <p:nvSpPr>
-          <p:cNvPr id="6" name="Rounded Rectangle 5"/>
+          <p:cNvPr id="17" name="Rounded Rectangle 16"/>
           <p:cNvSpPr/>
           <p:nvPr/>
         </p:nvSpPr>
         <p:spPr>
           <a:xfrm>
-            <a:off x="2091059" y="1927533"/>
+            <a:off x="5295699" y="2166545"/>
             <a:ext cx="3352800" cy="597213"/>
           </a:xfrm>
           <a:prstGeom prst="roundRect">
@@ -5112,42 +5118,57 @@
           <a:lstStyle/>
           <a:p>
             <a:r>
-              <a:rPr lang="en-US" sz="1400" i="1" dirty="0" smtClean="0">
+              <a:rPr lang="en-US" sz="1200" i="1" dirty="0" smtClean="0">
                 <a:solidFill>
                   <a:schemeClr val="tx1"/>
                 </a:solidFill>
+                <a:latin typeface="CMU Typewriter Text Variable Width Medium" charset="0"/>
+                <a:ea typeface="CMU Typewriter Text Variable Width Medium" charset="0"/>
+                <a:cs typeface="CMU Typewriter Text Variable Width Medium" charset="0"/>
               </a:rPr>
               <a:t>p1</a:t>
             </a:r>
             <a:r>
-              <a:rPr lang="en-US" sz="1400" dirty="0" smtClean="0">
+              <a:rPr lang="en-US" sz="1200" dirty="0" smtClean="0">
                 <a:solidFill>
                   <a:schemeClr val="tx1"/>
                 </a:solidFill>
+                <a:latin typeface="CMU Typewriter Text Variable Width Medium" charset="0"/>
+                <a:ea typeface="CMU Typewriter Text Variable Width Medium" charset="0"/>
+                <a:cs typeface="CMU Typewriter Text Variable Width Medium" charset="0"/>
               </a:rPr>
               <a:t>: Create </a:t>
             </a:r>
             <a:r>
-              <a:rPr lang="en-US" sz="1400" dirty="0">
+              <a:rPr lang="en-US" sz="1200" dirty="0">
                 <a:solidFill>
                   <a:schemeClr val="tx1"/>
                 </a:solidFill>
+                <a:latin typeface="CMU Typewriter Text Variable Width Medium" charset="0"/>
+                <a:ea typeface="CMU Typewriter Text Variable Width Medium" charset="0"/>
+                <a:cs typeface="CMU Typewriter Text Variable Width Medium" charset="0"/>
               </a:rPr>
               <a:t>a list of all existing </a:t>
             </a:r>
             <a:r>
-              <a:rPr lang="en-US" sz="1400" i="1" dirty="0" smtClean="0">
+              <a:rPr lang="en-US" sz="1200" i="1" dirty="0" smtClean="0">
                 <a:solidFill>
                   <a:schemeClr val="tx1"/>
                 </a:solidFill>
+                <a:latin typeface="CMU Typewriter Text Variable Width Medium" charset="0"/>
+                <a:ea typeface="CMU Typewriter Text Variable Width Medium" charset="0"/>
+                <a:cs typeface="CMU Typewriter Text Variable Width Medium" charset="0"/>
               </a:rPr>
               <a:t>house numbers </a:t>
             </a:r>
             <a:r>
-              <a:rPr lang="en-US" sz="1400" dirty="0">
+              <a:rPr lang="en-US" sz="1200" dirty="0">
                 <a:solidFill>
                   <a:schemeClr val="tx1"/>
                 </a:solidFill>
+                <a:latin typeface="CMU Typewriter Text Variable Width Medium" charset="0"/>
+                <a:ea typeface="CMU Typewriter Text Variable Width Medium" charset="0"/>
+                <a:cs typeface="CMU Typewriter Text Variable Width Medium" charset="0"/>
               </a:rPr>
               <a:t>for each road listed in OSON</a:t>
             </a:r>
@@ -5156,13 +5177,13 @@
       </p:sp>
       <p:sp>
         <p:nvSpPr>
-          <p:cNvPr id="7" name="Rounded Rectangle 6"/>
+          <p:cNvPr id="18" name="Rounded Rectangle 17"/>
           <p:cNvSpPr/>
           <p:nvPr/>
         </p:nvSpPr>
         <p:spPr>
           <a:xfrm>
-            <a:off x="2091059" y="2734357"/>
+            <a:off x="5295699" y="2973369"/>
             <a:ext cx="3352800" cy="597213"/>
           </a:xfrm>
           <a:prstGeom prst="roundRect">
@@ -5198,78 +5219,102 @@
           <a:lstStyle/>
           <a:p>
             <a:r>
-              <a:rPr lang="en-US" sz="1400" i="1" dirty="0" smtClean="0">
+              <a:rPr lang="en-US" sz="1200" i="1" dirty="0" smtClean="0">
                 <a:solidFill>
                   <a:schemeClr val="tx1"/>
                 </a:solidFill>
+                <a:latin typeface="CMU Typewriter Text Variable Width Medium" charset="0"/>
+                <a:ea typeface="CMU Typewriter Text Variable Width Medium" charset="0"/>
+                <a:cs typeface="CMU Typewriter Text Variable Width Medium" charset="0"/>
               </a:rPr>
               <a:t>p2</a:t>
             </a:r>
             <a:r>
-              <a:rPr lang="en-US" sz="1400" dirty="0" smtClean="0">
+              <a:rPr lang="en-US" sz="1200" dirty="0" smtClean="0">
                 <a:solidFill>
                   <a:schemeClr val="tx1"/>
                 </a:solidFill>
+                <a:latin typeface="CMU Typewriter Text Variable Width Medium" charset="0"/>
+                <a:ea typeface="CMU Typewriter Text Variable Width Medium" charset="0"/>
+                <a:cs typeface="CMU Typewriter Text Variable Width Medium" charset="0"/>
               </a:rPr>
               <a:t>: Create </a:t>
             </a:r>
             <a:r>
-              <a:rPr lang="en-US" sz="1400" dirty="0">
+              <a:rPr lang="en-US" sz="1200" dirty="0">
                 <a:solidFill>
                   <a:schemeClr val="tx1"/>
                 </a:solidFill>
+                <a:latin typeface="CMU Typewriter Text Variable Width Medium" charset="0"/>
+                <a:ea typeface="CMU Typewriter Text Variable Width Medium" charset="0"/>
+                <a:cs typeface="CMU Typewriter Text Variable Width Medium" charset="0"/>
               </a:rPr>
               <a:t>a list of all existing </a:t>
             </a:r>
             <a:r>
-              <a:rPr lang="en-US" sz="1400" i="1" dirty="0" smtClean="0">
+              <a:rPr lang="en-US" sz="1200" i="1" dirty="0" smtClean="0">
                 <a:solidFill>
                   <a:schemeClr val="tx1"/>
                 </a:solidFill>
+                <a:latin typeface="CMU Typewriter Text Variable Width Medium" charset="0"/>
+                <a:ea typeface="CMU Typewriter Text Variable Width Medium" charset="0"/>
+                <a:cs typeface="CMU Typewriter Text Variable Width Medium" charset="0"/>
               </a:rPr>
               <a:t>house names</a:t>
             </a:r>
             <a:r>
-              <a:rPr lang="en-US" sz="1400" dirty="0" smtClean="0">
+              <a:rPr lang="en-US" sz="1200" dirty="0" smtClean="0">
                 <a:solidFill>
                   <a:schemeClr val="tx1"/>
                 </a:solidFill>
+                <a:latin typeface="CMU Typewriter Text Variable Width Medium" charset="0"/>
+                <a:ea typeface="CMU Typewriter Text Variable Width Medium" charset="0"/>
+                <a:cs typeface="CMU Typewriter Text Variable Width Medium" charset="0"/>
               </a:rPr>
               <a:t> </a:t>
             </a:r>
             <a:r>
-              <a:rPr lang="en-US" sz="1400" dirty="0">
+              <a:rPr lang="en-US" sz="1200" dirty="0">
                 <a:solidFill>
                   <a:schemeClr val="tx1"/>
                 </a:solidFill>
+                <a:latin typeface="CMU Typewriter Text Variable Width Medium" charset="0"/>
+                <a:ea typeface="CMU Typewriter Text Variable Width Medium" charset="0"/>
+                <a:cs typeface="CMU Typewriter Text Variable Width Medium" charset="0"/>
               </a:rPr>
               <a:t>for each road listed in </a:t>
             </a:r>
             <a:r>
-              <a:rPr lang="en-US" sz="1400" dirty="0" smtClean="0">
+              <a:rPr lang="en-US" sz="1200" dirty="0" smtClean="0">
                 <a:solidFill>
                   <a:schemeClr val="tx1"/>
                 </a:solidFill>
+                <a:latin typeface="CMU Typewriter Text Variable Width Medium" charset="0"/>
+                <a:ea typeface="CMU Typewriter Text Variable Width Medium" charset="0"/>
+                <a:cs typeface="CMU Typewriter Text Variable Width Medium" charset="0"/>
               </a:rPr>
               <a:t>OSON</a:t>
             </a:r>
-            <a:endParaRPr lang="en-US" sz="1400" dirty="0">
+            <a:endParaRPr lang="en-US" sz="1200" dirty="0">
               <a:solidFill>
                 <a:schemeClr val="tx1"/>
               </a:solidFill>
+              <a:latin typeface="CMU Typewriter Text Variable Width Medium" charset="0"/>
+              <a:ea typeface="CMU Typewriter Text Variable Width Medium" charset="0"/>
+              <a:cs typeface="CMU Typewriter Text Variable Width Medium" charset="0"/>
             </a:endParaRPr>
           </a:p>
         </p:txBody>
       </p:sp>
       <p:sp>
         <p:nvSpPr>
-          <p:cNvPr id="8" name="Rounded Rectangle 7"/>
+          <p:cNvPr id="19" name="Rounded Rectangle 18"/>
           <p:cNvSpPr/>
           <p:nvPr/>
         </p:nvSpPr>
         <p:spPr>
           <a:xfrm>
-            <a:off x="2091059" y="3541181"/>
+            <a:off x="5295699" y="3780193"/>
             <a:ext cx="3352800" cy="907879"/>
           </a:xfrm>
           <a:prstGeom prst="roundRect">
@@ -5305,65 +5350,83 @@
           <a:lstStyle/>
           <a:p>
             <a:r>
-              <a:rPr lang="en-US" sz="1400" dirty="0" smtClean="0">
+              <a:rPr lang="en-US" sz="1200" dirty="0" smtClean="0">
                 <a:solidFill>
                   <a:schemeClr val="tx1"/>
                 </a:solidFill>
+                <a:latin typeface="CMU Typewriter Text Variable Width Medium" charset="0"/>
+                <a:ea typeface="CMU Typewriter Text Variable Width Medium" charset="0"/>
+                <a:cs typeface="CMU Typewriter Text Variable Width Medium" charset="0"/>
               </a:rPr>
               <a:t>p3: Create </a:t>
             </a:r>
             <a:r>
-              <a:rPr lang="en-US" sz="1400" dirty="0">
+              <a:rPr lang="en-US" sz="1200" dirty="0">
                 <a:solidFill>
                   <a:schemeClr val="tx1"/>
                 </a:solidFill>
+                <a:latin typeface="CMU Typewriter Text Variable Width Medium" charset="0"/>
+                <a:ea typeface="CMU Typewriter Text Variable Width Medium" charset="0"/>
+                <a:cs typeface="CMU Typewriter Text Variable Width Medium" charset="0"/>
               </a:rPr>
               <a:t>a list of the associations between each of the house </a:t>
             </a:r>
             <a:r>
-              <a:rPr lang="en-US" sz="1400" dirty="0" smtClean="0">
+              <a:rPr lang="en-US" sz="1200" dirty="0" smtClean="0">
                 <a:solidFill>
                   <a:schemeClr val="tx1"/>
                 </a:solidFill>
+                <a:latin typeface="CMU Typewriter Text Variable Width Medium" charset="0"/>
+                <a:ea typeface="CMU Typewriter Text Variable Width Medium" charset="0"/>
+                <a:cs typeface="CMU Typewriter Text Variable Width Medium" charset="0"/>
               </a:rPr>
               <a:t>numbers </a:t>
             </a:r>
             <a:r>
-              <a:rPr lang="en-US" sz="1400" dirty="0">
+              <a:rPr lang="en-US" sz="1200" dirty="0">
                 <a:solidFill>
                   <a:schemeClr val="tx1"/>
                 </a:solidFill>
+                <a:latin typeface="CMU Typewriter Text Variable Width Medium" charset="0"/>
+                <a:ea typeface="CMU Typewriter Text Variable Width Medium" charset="0"/>
+                <a:cs typeface="CMU Typewriter Text Variable Width Medium" charset="0"/>
               </a:rPr>
               <a:t>and names above and the list of </a:t>
             </a:r>
             <a:r>
-              <a:rPr lang="en-US" sz="1400" dirty="0" smtClean="0">
+              <a:rPr lang="en-US" sz="1200" dirty="0" smtClean="0">
                 <a:solidFill>
                   <a:schemeClr val="tx1"/>
                 </a:solidFill>
+                <a:latin typeface="CMU Typewriter Text Variable Width Medium" charset="0"/>
+                <a:ea typeface="CMU Typewriter Text Variable Width Medium" charset="0"/>
+                <a:cs typeface="CMU Typewriter Text Variable Width Medium" charset="0"/>
               </a:rPr>
               <a:t>postcodes in OSON </a:t>
             </a:r>
-            <a:endParaRPr lang="en-US" sz="1400" dirty="0">
+            <a:endParaRPr lang="en-US" sz="1200" dirty="0">
               <a:solidFill>
                 <a:schemeClr val="tx1"/>
               </a:solidFill>
+              <a:latin typeface="CMU Typewriter Text Variable Width Medium" charset="0"/>
+              <a:ea typeface="CMU Typewriter Text Variable Width Medium" charset="0"/>
+              <a:cs typeface="CMU Typewriter Text Variable Width Medium" charset="0"/>
             </a:endParaRPr>
           </a:p>
         </p:txBody>
       </p:sp>
       <p:cxnSp>
         <p:nvCxnSpPr>
-          <p:cNvPr id="10" name="Straight Arrow Connector 9"/>
+          <p:cNvPr id="20" name="Straight Arrow Connector 19"/>
           <p:cNvCxnSpPr>
-            <a:stCxn id="5" idx="6"/>
-            <a:endCxn id="6" idx="1"/>
+            <a:stCxn id="19" idx="6"/>
+            <a:endCxn id="20" idx="1"/>
           </p:cNvCxnSpPr>
           <p:nvPr/>
         </p:nvCxnSpPr>
         <p:spPr>
           <a:xfrm flipV="1">
-            <a:off x="1341609" y="2226140"/>
+            <a:off x="4546249" y="2465152"/>
             <a:ext cx="749450" cy="817908"/>
           </a:xfrm>
           <a:prstGeom prst="straightConnector1">
@@ -5393,16 +5456,16 @@
       </p:cxnSp>
       <p:cxnSp>
         <p:nvCxnSpPr>
-          <p:cNvPr id="11" name="Straight Arrow Connector 10"/>
+          <p:cNvPr id="21" name="Straight Arrow Connector 20"/>
           <p:cNvCxnSpPr>
-            <a:stCxn id="5" idx="6"/>
-            <a:endCxn id="7" idx="1"/>
+            <a:stCxn id="19" idx="6"/>
+            <a:endCxn id="21" idx="1"/>
           </p:cNvCxnSpPr>
           <p:nvPr/>
         </p:nvCxnSpPr>
         <p:spPr>
           <a:xfrm flipV="1">
-            <a:off x="1341609" y="3032964"/>
+            <a:off x="4546249" y="3271976"/>
             <a:ext cx="749450" cy="11084"/>
           </a:xfrm>
           <a:prstGeom prst="straightConnector1">
@@ -5432,16 +5495,16 @@
       </p:cxnSp>
       <p:cxnSp>
         <p:nvCxnSpPr>
-          <p:cNvPr id="14" name="Straight Arrow Connector 13"/>
+          <p:cNvPr id="22" name="Straight Arrow Connector 21"/>
           <p:cNvCxnSpPr>
-            <a:stCxn id="5" idx="6"/>
-            <a:endCxn id="8" idx="1"/>
+            <a:stCxn id="19" idx="6"/>
+            <a:endCxn id="22" idx="1"/>
           </p:cNvCxnSpPr>
           <p:nvPr/>
         </p:nvCxnSpPr>
         <p:spPr>
           <a:xfrm>
-            <a:off x="1341609" y="3044048"/>
+            <a:off x="4546249" y="3283060"/>
             <a:ext cx="749450" cy="951073"/>
           </a:xfrm>
           <a:prstGeom prst="straightConnector1">
@@ -5539,22 +5602,28 @@
           </a:fontRef>
         </p:style>
         <p:txBody>
-          <a:bodyPr rtlCol="0" anchor="ctr"/>
+          <a:bodyPr lIns="0" tIns="0" rIns="0" bIns="0" rtlCol="0" anchor="ctr"/>
           <a:lstStyle/>
           <a:p>
             <a:pPr algn="ctr"/>
             <a:r>
-              <a:rPr lang="en-US" sz="1400" dirty="0" smtClean="0">
+              <a:rPr lang="en-US" sz="1200" dirty="0" smtClean="0">
                 <a:solidFill>
                   <a:schemeClr val="tx1"/>
                 </a:solidFill>
+                <a:latin typeface="CMU Typewriter Text Variable Width Medium" charset="0"/>
+                <a:ea typeface="CMU Typewriter Text Variable Width Medium" charset="0"/>
+                <a:cs typeface="CMU Typewriter Text Variable Width Medium" charset="0"/>
               </a:rPr>
               <a:t>OLAF</a:t>
             </a:r>
-            <a:endParaRPr lang="en-US" sz="1400" dirty="0">
+            <a:endParaRPr lang="en-US" sz="1200" dirty="0">
               <a:solidFill>
                 <a:schemeClr val="tx1"/>
               </a:solidFill>
+              <a:latin typeface="CMU Typewriter Text Variable Width Medium" charset="0"/>
+              <a:ea typeface="CMU Typewriter Text Variable Width Medium" charset="0"/>
+              <a:cs typeface="CMU Typewriter Text Variable Width Medium" charset="0"/>
             </a:endParaRPr>
           </a:p>
         </p:txBody>
@@ -5603,42 +5672,57 @@
           <a:lstStyle/>
           <a:p>
             <a:r>
-              <a:rPr lang="en-US" sz="1400" i="1" dirty="0" smtClean="0">
+              <a:rPr lang="en-US" sz="1200" i="1" dirty="0" smtClean="0">
                 <a:solidFill>
                   <a:schemeClr val="tx1"/>
                 </a:solidFill>
+                <a:latin typeface="CMU Typewriter Text Variable Width Medium" charset="0"/>
+                <a:ea typeface="CMU Typewriter Text Variable Width Medium" charset="0"/>
+                <a:cs typeface="CMU Typewriter Text Variable Width Medium" charset="0"/>
               </a:rPr>
               <a:t>p1</a:t>
             </a:r>
             <a:r>
-              <a:rPr lang="en-US" sz="1400" dirty="0" smtClean="0">
+              <a:rPr lang="en-US" sz="1200" dirty="0" smtClean="0">
                 <a:solidFill>
                   <a:schemeClr val="tx1"/>
                 </a:solidFill>
+                <a:latin typeface="CMU Typewriter Text Variable Width Medium" charset="0"/>
+                <a:ea typeface="CMU Typewriter Text Variable Width Medium" charset="0"/>
+                <a:cs typeface="CMU Typewriter Text Variable Width Medium" charset="0"/>
               </a:rPr>
               <a:t>: Create </a:t>
             </a:r>
             <a:r>
-              <a:rPr lang="en-US" sz="1400" dirty="0">
+              <a:rPr lang="en-US" sz="1200" dirty="0">
                 <a:solidFill>
                   <a:schemeClr val="tx1"/>
                 </a:solidFill>
+                <a:latin typeface="CMU Typewriter Text Variable Width Medium" charset="0"/>
+                <a:ea typeface="CMU Typewriter Text Variable Width Medium" charset="0"/>
+                <a:cs typeface="CMU Typewriter Text Variable Width Medium" charset="0"/>
               </a:rPr>
               <a:t>a list of all existing </a:t>
             </a:r>
             <a:r>
-              <a:rPr lang="en-US" sz="1400" i="1" dirty="0" smtClean="0">
+              <a:rPr lang="en-US" sz="1200" i="1" dirty="0" smtClean="0">
                 <a:solidFill>
                   <a:schemeClr val="tx1"/>
                 </a:solidFill>
+                <a:latin typeface="CMU Typewriter Text Variable Width Medium" charset="0"/>
+                <a:ea typeface="CMU Typewriter Text Variable Width Medium" charset="0"/>
+                <a:cs typeface="CMU Typewriter Text Variable Width Medium" charset="0"/>
               </a:rPr>
               <a:t>house numbers </a:t>
             </a:r>
             <a:r>
-              <a:rPr lang="en-US" sz="1400" dirty="0">
+              <a:rPr lang="en-US" sz="1200" dirty="0">
                 <a:solidFill>
                   <a:schemeClr val="tx1"/>
                 </a:solidFill>
+                <a:latin typeface="CMU Typewriter Text Variable Width Medium" charset="0"/>
+                <a:ea typeface="CMU Typewriter Text Variable Width Medium" charset="0"/>
+                <a:cs typeface="CMU Typewriter Text Variable Width Medium" charset="0"/>
               </a:rPr>
               <a:t>for each road listed in OSON</a:t>
             </a:r>
@@ -5691,65 +5775,89 @@
           <a:lstStyle/>
           <a:p>
             <a:r>
-              <a:rPr lang="en-US" sz="1400" i="1" dirty="0" smtClean="0">
+              <a:rPr lang="en-US" sz="1200" i="1" dirty="0" smtClean="0">
                 <a:solidFill>
                   <a:schemeClr val="tx1"/>
                 </a:solidFill>
+                <a:latin typeface="CMU Typewriter Text Variable Width Medium" charset="0"/>
+                <a:ea typeface="CMU Typewriter Text Variable Width Medium" charset="0"/>
+                <a:cs typeface="CMU Typewriter Text Variable Width Medium" charset="0"/>
               </a:rPr>
               <a:t>p2</a:t>
             </a:r>
             <a:r>
-              <a:rPr lang="en-US" sz="1400" dirty="0" smtClean="0">
+              <a:rPr lang="en-US" sz="1200" dirty="0" smtClean="0">
                 <a:solidFill>
                   <a:schemeClr val="tx1"/>
                 </a:solidFill>
+                <a:latin typeface="CMU Typewriter Text Variable Width Medium" charset="0"/>
+                <a:ea typeface="CMU Typewriter Text Variable Width Medium" charset="0"/>
+                <a:cs typeface="CMU Typewriter Text Variable Width Medium" charset="0"/>
               </a:rPr>
               <a:t>: Create </a:t>
             </a:r>
             <a:r>
-              <a:rPr lang="en-US" sz="1400" dirty="0">
+              <a:rPr lang="en-US" sz="1200" dirty="0">
                 <a:solidFill>
                   <a:schemeClr val="tx1"/>
                 </a:solidFill>
+                <a:latin typeface="CMU Typewriter Text Variable Width Medium" charset="0"/>
+                <a:ea typeface="CMU Typewriter Text Variable Width Medium" charset="0"/>
+                <a:cs typeface="CMU Typewriter Text Variable Width Medium" charset="0"/>
               </a:rPr>
               <a:t>a list of all existing </a:t>
             </a:r>
             <a:r>
-              <a:rPr lang="en-US" sz="1400" i="1" dirty="0" smtClean="0">
+              <a:rPr lang="en-US" sz="1200" i="1" dirty="0" smtClean="0">
                 <a:solidFill>
                   <a:schemeClr val="tx1"/>
                 </a:solidFill>
+                <a:latin typeface="CMU Typewriter Text Variable Width Medium" charset="0"/>
+                <a:ea typeface="CMU Typewriter Text Variable Width Medium" charset="0"/>
+                <a:cs typeface="CMU Typewriter Text Variable Width Medium" charset="0"/>
               </a:rPr>
               <a:t>house names</a:t>
             </a:r>
             <a:r>
-              <a:rPr lang="en-US" sz="1400" dirty="0" smtClean="0">
+              <a:rPr lang="en-US" sz="1200" dirty="0" smtClean="0">
                 <a:solidFill>
                   <a:schemeClr val="tx1"/>
                 </a:solidFill>
+                <a:latin typeface="CMU Typewriter Text Variable Width Medium" charset="0"/>
+                <a:ea typeface="CMU Typewriter Text Variable Width Medium" charset="0"/>
+                <a:cs typeface="CMU Typewriter Text Variable Width Medium" charset="0"/>
               </a:rPr>
               <a:t> </a:t>
             </a:r>
             <a:r>
-              <a:rPr lang="en-US" sz="1400" dirty="0">
+              <a:rPr lang="en-US" sz="1200" dirty="0">
                 <a:solidFill>
                   <a:schemeClr val="tx1"/>
                 </a:solidFill>
+                <a:latin typeface="CMU Typewriter Text Variable Width Medium" charset="0"/>
+                <a:ea typeface="CMU Typewriter Text Variable Width Medium" charset="0"/>
+                <a:cs typeface="CMU Typewriter Text Variable Width Medium" charset="0"/>
               </a:rPr>
               <a:t>for each road listed in </a:t>
             </a:r>
             <a:r>
-              <a:rPr lang="en-US" sz="1400" dirty="0" smtClean="0">
+              <a:rPr lang="en-US" sz="1200" dirty="0" smtClean="0">
                 <a:solidFill>
                   <a:schemeClr val="tx1"/>
                 </a:solidFill>
+                <a:latin typeface="CMU Typewriter Text Variable Width Medium" charset="0"/>
+                <a:ea typeface="CMU Typewriter Text Variable Width Medium" charset="0"/>
+                <a:cs typeface="CMU Typewriter Text Variable Width Medium" charset="0"/>
               </a:rPr>
               <a:t>OSON</a:t>
             </a:r>
-            <a:endParaRPr lang="en-US" sz="1400" dirty="0">
+            <a:endParaRPr lang="en-US" sz="1200" dirty="0">
               <a:solidFill>
                 <a:schemeClr val="tx1"/>
               </a:solidFill>
+              <a:latin typeface="CMU Typewriter Text Variable Width Medium" charset="0"/>
+              <a:ea typeface="CMU Typewriter Text Variable Width Medium" charset="0"/>
+              <a:cs typeface="CMU Typewriter Text Variable Width Medium" charset="0"/>
             </a:endParaRPr>
           </a:p>
         </p:txBody>
@@ -5800,49 +5908,67 @@
           <a:lstStyle/>
           <a:p>
             <a:r>
-              <a:rPr lang="en-US" sz="1400" dirty="0" smtClean="0">
+              <a:rPr lang="en-US" sz="1200" dirty="0" smtClean="0">
                 <a:solidFill>
                   <a:schemeClr val="tx1"/>
                 </a:solidFill>
+                <a:latin typeface="CMU Typewriter Text Variable Width Medium" charset="0"/>
+                <a:ea typeface="CMU Typewriter Text Variable Width Medium" charset="0"/>
+                <a:cs typeface="CMU Typewriter Text Variable Width Medium" charset="0"/>
               </a:rPr>
               <a:t>p3: Create </a:t>
             </a:r>
             <a:r>
-              <a:rPr lang="en-US" sz="1400" dirty="0">
+              <a:rPr lang="en-US" sz="1200" dirty="0">
                 <a:solidFill>
                   <a:schemeClr val="tx1"/>
                 </a:solidFill>
+                <a:latin typeface="CMU Typewriter Text Variable Width Medium" charset="0"/>
+                <a:ea typeface="CMU Typewriter Text Variable Width Medium" charset="0"/>
+                <a:cs typeface="CMU Typewriter Text Variable Width Medium" charset="0"/>
               </a:rPr>
               <a:t>a list of the associations between each of the house </a:t>
             </a:r>
             <a:r>
-              <a:rPr lang="en-US" sz="1400" dirty="0" smtClean="0">
+              <a:rPr lang="en-US" sz="1200" dirty="0" smtClean="0">
                 <a:solidFill>
                   <a:schemeClr val="tx1"/>
                 </a:solidFill>
+                <a:latin typeface="CMU Typewriter Text Variable Width Medium" charset="0"/>
+                <a:ea typeface="CMU Typewriter Text Variable Width Medium" charset="0"/>
+                <a:cs typeface="CMU Typewriter Text Variable Width Medium" charset="0"/>
               </a:rPr>
               <a:t>numbers </a:t>
             </a:r>
             <a:r>
-              <a:rPr lang="en-US" sz="1400" dirty="0">
+              <a:rPr lang="en-US" sz="1200" dirty="0">
                 <a:solidFill>
                   <a:schemeClr val="tx1"/>
                 </a:solidFill>
+                <a:latin typeface="CMU Typewriter Text Variable Width Medium" charset="0"/>
+                <a:ea typeface="CMU Typewriter Text Variable Width Medium" charset="0"/>
+                <a:cs typeface="CMU Typewriter Text Variable Width Medium" charset="0"/>
               </a:rPr>
               <a:t>and names above and the list of </a:t>
             </a:r>
             <a:r>
-              <a:rPr lang="en-US" sz="1400" dirty="0" smtClean="0">
+              <a:rPr lang="en-US" sz="1200" dirty="0" smtClean="0">
                 <a:solidFill>
                   <a:schemeClr val="tx1"/>
                 </a:solidFill>
+                <a:latin typeface="CMU Typewriter Text Variable Width Medium" charset="0"/>
+                <a:ea typeface="CMU Typewriter Text Variable Width Medium" charset="0"/>
+                <a:cs typeface="CMU Typewriter Text Variable Width Medium" charset="0"/>
               </a:rPr>
               <a:t>postcodes in OSON </a:t>
             </a:r>
-            <a:endParaRPr lang="en-US" sz="1400" dirty="0">
+            <a:endParaRPr lang="en-US" sz="1200" dirty="0">
               <a:solidFill>
                 <a:schemeClr val="tx1"/>
               </a:solidFill>
+              <a:latin typeface="CMU Typewriter Text Variable Width Medium" charset="0"/>
+              <a:ea typeface="CMU Typewriter Text Variable Width Medium" charset="0"/>
+              <a:cs typeface="CMU Typewriter Text Variable Width Medium" charset="0"/>
             </a:endParaRPr>
           </a:p>
         </p:txBody>
@@ -6008,18 +6134,24 @@
           <a:lstStyle/>
           <a:p>
             <a:r>
-              <a:rPr lang="en-US" sz="1400" i="1" dirty="0" smtClean="0">
+              <a:rPr lang="en-US" sz="1200" i="1" dirty="0" smtClean="0">
                 <a:solidFill>
                   <a:schemeClr val="tx1"/>
                 </a:solidFill>
+                <a:latin typeface="CMU Typewriter Text Variable Width Medium" charset="0"/>
+                <a:ea typeface="CMU Typewriter Text Variable Width Medium" charset="0"/>
+                <a:cs typeface="CMU Typewriter Text Variable Width Medium" charset="0"/>
               </a:rPr>
               <a:t>p1.1</a:t>
             </a:r>
             <a:r>
-              <a:rPr lang="en-US" sz="1400" dirty="0">
+              <a:rPr lang="en-US" sz="1200" dirty="0">
                 <a:solidFill>
                   <a:schemeClr val="tx1"/>
                 </a:solidFill>
+                <a:latin typeface="CMU Typewriter Text Variable Width Medium" charset="0"/>
+                <a:ea typeface="CMU Typewriter Text Variable Width Medium" charset="0"/>
+                <a:cs typeface="CMU Typewriter Text Variable Width Medium" charset="0"/>
               </a:rPr>
               <a:t>: Identify the list of house numbers in each OSON road through references in other open data</a:t>
             </a:r>
@@ -6070,41 +6202,56 @@
           <a:lstStyle/>
           <a:p>
             <a:r>
-              <a:rPr lang="en-US" sz="1400" i="1" dirty="0" smtClean="0">
+              <a:rPr lang="en-US" sz="1200" i="1" dirty="0" smtClean="0">
                 <a:solidFill>
                   <a:schemeClr val="tx1"/>
                 </a:solidFill>
+                <a:latin typeface="CMU Typewriter Text Variable Width Medium" charset="0"/>
+                <a:ea typeface="CMU Typewriter Text Variable Width Medium" charset="0"/>
+                <a:cs typeface="CMU Typewriter Text Variable Width Medium" charset="0"/>
               </a:rPr>
               <a:t>p1.2</a:t>
             </a:r>
             <a:r>
-              <a:rPr lang="en-US" sz="1400" dirty="0" smtClean="0">
+              <a:rPr lang="en-US" sz="1200" dirty="0" smtClean="0">
                 <a:solidFill>
                   <a:schemeClr val="tx1"/>
                 </a:solidFill>
+                <a:latin typeface="CMU Typewriter Text Variable Width Medium" charset="0"/>
+                <a:ea typeface="CMU Typewriter Text Variable Width Medium" charset="0"/>
+                <a:cs typeface="CMU Typewriter Text Variable Width Medium" charset="0"/>
               </a:rPr>
               <a:t>: </a:t>
             </a:r>
             <a:r>
-              <a:rPr lang="en-US" sz="1400" dirty="0">
+              <a:rPr lang="en-US" sz="1200" dirty="0">
                 <a:solidFill>
                   <a:schemeClr val="tx1"/>
                 </a:solidFill>
+                <a:latin typeface="CMU Typewriter Text Variable Width Medium" charset="0"/>
+                <a:ea typeface="CMU Typewriter Text Variable Width Medium" charset="0"/>
+                <a:cs typeface="CMU Typewriter Text Variable Width Medium" charset="0"/>
               </a:rPr>
               <a:t>Statistically infer the existence of house numbers from the house numbers collected at </a:t>
             </a:r>
             <a:r>
-              <a:rPr lang="en-US" sz="1400" i="1" dirty="0" smtClean="0">
+              <a:rPr lang="en-US" sz="1200" i="1" dirty="0" smtClean="0">
                 <a:solidFill>
                   <a:schemeClr val="tx1"/>
                 </a:solidFill>
+                <a:latin typeface="CMU Typewriter Text Variable Width Medium" charset="0"/>
+                <a:ea typeface="CMU Typewriter Text Variable Width Medium" charset="0"/>
+                <a:cs typeface="CMU Typewriter Text Variable Width Medium" charset="0"/>
               </a:rPr>
               <a:t>p1.1</a:t>
             </a:r>
-            <a:endParaRPr lang="en-US" sz="1400" i="1" dirty="0">
+            <a:endParaRPr lang="en-US" sz="1200" i="1" dirty="0">
               <a:solidFill>
                 <a:schemeClr val="tx1"/>
               </a:solidFill>
+              <a:latin typeface="CMU Typewriter Text Variable Width Medium" charset="0"/>
+              <a:ea typeface="CMU Typewriter Text Variable Width Medium" charset="0"/>
+              <a:cs typeface="CMU Typewriter Text Variable Width Medium" charset="0"/>
             </a:endParaRPr>
           </a:p>
         </p:txBody>
@@ -6153,65 +6300,89 @@
           <a:lstStyle/>
           <a:p>
             <a:r>
-              <a:rPr lang="en-US" sz="1400" i="1" dirty="0" smtClean="0">
+              <a:rPr lang="en-US" sz="1200" i="1" dirty="0" smtClean="0">
                 <a:solidFill>
                   <a:schemeClr val="tx1"/>
                 </a:solidFill>
+                <a:latin typeface="CMU Typewriter Text Variable Width Medium" charset="0"/>
+                <a:ea typeface="CMU Typewriter Text Variable Width Medium" charset="0"/>
+                <a:cs typeface="CMU Typewriter Text Variable Width Medium" charset="0"/>
               </a:rPr>
               <a:t>p1.4</a:t>
             </a:r>
             <a:r>
-              <a:rPr lang="en-US" sz="1400" dirty="0" smtClean="0">
+              <a:rPr lang="en-US" sz="1200" dirty="0" smtClean="0">
                 <a:solidFill>
                   <a:schemeClr val="tx1"/>
                 </a:solidFill>
+                <a:latin typeface="CMU Typewriter Text Variable Width Medium" charset="0"/>
+                <a:ea typeface="CMU Typewriter Text Variable Width Medium" charset="0"/>
+                <a:cs typeface="CMU Typewriter Text Variable Width Medium" charset="0"/>
               </a:rPr>
               <a:t>: </a:t>
             </a:r>
             <a:r>
-              <a:rPr lang="en-US" sz="1400" dirty="0">
+              <a:rPr lang="en-US" sz="1200" dirty="0">
                 <a:solidFill>
                   <a:schemeClr val="tx1"/>
                 </a:solidFill>
+                <a:latin typeface="CMU Typewriter Text Variable Width Medium" charset="0"/>
+                <a:ea typeface="CMU Typewriter Text Variable Width Medium" charset="0"/>
+                <a:cs typeface="CMU Typewriter Text Variable Width Medium" charset="0"/>
               </a:rPr>
               <a:t>Enable the further application of </a:t>
             </a:r>
             <a:r>
-              <a:rPr lang="en-US" sz="1400" i="1" dirty="0" smtClean="0">
+              <a:rPr lang="en-US" sz="1200" i="1" dirty="0" smtClean="0">
                 <a:solidFill>
                   <a:schemeClr val="tx1"/>
                 </a:solidFill>
+                <a:latin typeface="CMU Typewriter Text Variable Width Medium" charset="0"/>
+                <a:ea typeface="CMU Typewriter Text Variable Width Medium" charset="0"/>
+                <a:cs typeface="CMU Typewriter Text Variable Width Medium" charset="0"/>
               </a:rPr>
               <a:t>p1.2</a:t>
             </a:r>
             <a:r>
-              <a:rPr lang="en-US" sz="1400" dirty="0" smtClean="0">
+              <a:rPr lang="en-US" sz="1200" dirty="0" smtClean="0">
                 <a:solidFill>
                   <a:schemeClr val="tx1"/>
                 </a:solidFill>
+                <a:latin typeface="CMU Typewriter Text Variable Width Medium" charset="0"/>
+                <a:ea typeface="CMU Typewriter Text Variable Width Medium" charset="0"/>
+                <a:cs typeface="CMU Typewriter Text Variable Width Medium" charset="0"/>
               </a:rPr>
               <a:t> </a:t>
             </a:r>
             <a:r>
-              <a:rPr lang="en-US" sz="1400" dirty="0">
+              <a:rPr lang="en-US" sz="1200" dirty="0">
                 <a:solidFill>
                   <a:schemeClr val="tx1"/>
                 </a:solidFill>
+                <a:latin typeface="CMU Typewriter Text Variable Width Medium" charset="0"/>
+                <a:ea typeface="CMU Typewriter Text Variable Width Medium" charset="0"/>
+                <a:cs typeface="CMU Typewriter Text Variable Width Medium" charset="0"/>
               </a:rPr>
               <a:t>by creating the necessary data through </a:t>
             </a:r>
             <a:r>
-              <a:rPr lang="en-US" sz="1400" dirty="0" smtClean="0">
+              <a:rPr lang="en-US" sz="1200" dirty="0" smtClean="0">
                 <a:solidFill>
                   <a:schemeClr val="tx1"/>
                 </a:solidFill>
+                <a:latin typeface="CMU Typewriter Text Variable Width Medium" charset="0"/>
+                <a:ea typeface="CMU Typewriter Text Variable Width Medium" charset="0"/>
+                <a:cs typeface="CMU Typewriter Text Variable Width Medium" charset="0"/>
               </a:rPr>
               <a:t>crowdsourcing</a:t>
             </a:r>
-            <a:endParaRPr lang="en-US" sz="1400" i="1" dirty="0">
+            <a:endParaRPr lang="en-US" sz="1200" i="1" dirty="0">
               <a:solidFill>
                 <a:schemeClr val="tx1"/>
               </a:solidFill>
+              <a:latin typeface="CMU Typewriter Text Variable Width Medium" charset="0"/>
+              <a:ea typeface="CMU Typewriter Text Variable Width Medium" charset="0"/>
+              <a:cs typeface="CMU Typewriter Text Variable Width Medium" charset="0"/>
             </a:endParaRPr>
           </a:p>
         </p:txBody>
@@ -6260,41 +6431,56 @@
           <a:lstStyle/>
           <a:p>
             <a:r>
-              <a:rPr lang="en-US" sz="1400" i="1" dirty="0" smtClean="0">
+              <a:rPr lang="en-US" sz="1200" i="1" dirty="0" smtClean="0">
                 <a:solidFill>
                   <a:schemeClr val="tx1"/>
                 </a:solidFill>
+                <a:latin typeface="CMU Typewriter Text Variable Width Medium" charset="0"/>
+                <a:ea typeface="CMU Typewriter Text Variable Width Medium" charset="0"/>
+                <a:cs typeface="CMU Typewriter Text Variable Width Medium" charset="0"/>
               </a:rPr>
               <a:t>p1.3</a:t>
             </a:r>
             <a:r>
-              <a:rPr lang="en-US" sz="1400" dirty="0" smtClean="0">
+              <a:rPr lang="en-US" sz="1200" dirty="0" smtClean="0">
                 <a:solidFill>
                   <a:schemeClr val="tx1"/>
                 </a:solidFill>
+                <a:latin typeface="CMU Typewriter Text Variable Width Medium" charset="0"/>
+                <a:ea typeface="CMU Typewriter Text Variable Width Medium" charset="0"/>
+                <a:cs typeface="CMU Typewriter Text Variable Width Medium" charset="0"/>
               </a:rPr>
               <a:t>: </a:t>
             </a:r>
             <a:r>
-              <a:rPr lang="en-US" sz="1400" dirty="0">
+              <a:rPr lang="en-US" sz="1200" dirty="0">
                 <a:solidFill>
                   <a:schemeClr val="tx1"/>
                 </a:solidFill>
+                <a:latin typeface="CMU Typewriter Text Variable Width Medium" charset="0"/>
+                <a:ea typeface="CMU Typewriter Text Variable Width Medium" charset="0"/>
+                <a:cs typeface="CMU Typewriter Text Variable Width Medium" charset="0"/>
               </a:rPr>
               <a:t>Correct the output of </a:t>
             </a:r>
             <a:r>
-              <a:rPr lang="en-US" sz="1400" i="1" dirty="0" smtClean="0">
+              <a:rPr lang="en-US" sz="1200" i="1" dirty="0" smtClean="0">
                 <a:solidFill>
                   <a:schemeClr val="tx1"/>
                 </a:solidFill>
+                <a:latin typeface="CMU Typewriter Text Variable Width Medium" charset="0"/>
+                <a:ea typeface="CMU Typewriter Text Variable Width Medium" charset="0"/>
+                <a:cs typeface="CMU Typewriter Text Variable Width Medium" charset="0"/>
               </a:rPr>
               <a:t>p1.2</a:t>
             </a:r>
-            <a:endParaRPr lang="en-US" sz="1400" i="1" dirty="0">
+            <a:endParaRPr lang="en-US" sz="1200" i="1" dirty="0">
               <a:solidFill>
                 <a:schemeClr val="tx1"/>
               </a:solidFill>
+              <a:latin typeface="CMU Typewriter Text Variable Width Medium" charset="0"/>
+              <a:ea typeface="CMU Typewriter Text Variable Width Medium" charset="0"/>
+              <a:cs typeface="CMU Typewriter Text Variable Width Medium" charset="0"/>
             </a:endParaRPr>
           </a:p>
         </p:txBody>

--- a/images_src/misc_powerpoint.pptx
+++ b/images_src/misc_powerpoint.pptx
@@ -5,7 +5,7 @@
     <p:sldMasterId id="2147483648" r:id="rId1"/>
   </p:sldMasterIdLst>
   <p:notesMasterIdLst>
-    <p:notesMasterId r:id="rId7"/>
+    <p:notesMasterId r:id="rId8"/>
   </p:notesMasterIdLst>
   <p:sldIdLst>
     <p:sldId id="258" r:id="rId2"/>
@@ -13,6 +13,7 @@
     <p:sldId id="260" r:id="rId4"/>
     <p:sldId id="261" r:id="rId5"/>
     <p:sldId id="262" r:id="rId6"/>
+    <p:sldId id="263" r:id="rId7"/>
   </p:sldIdLst>
   <p:sldSz cx="12192000" cy="6858000"/>
   <p:notesSz cx="6858000" cy="9144000"/>
@@ -5570,7 +5571,7 @@
         </p:nvSpPr>
         <p:spPr>
           <a:xfrm>
-            <a:off x="534785" y="2640636"/>
+            <a:off x="1393767" y="3083981"/>
             <a:ext cx="806824" cy="806824"/>
           </a:xfrm>
           <a:prstGeom prst="ellipse">
@@ -5636,7 +5637,7 @@
         </p:nvSpPr>
         <p:spPr>
           <a:xfrm>
-            <a:off x="2091059" y="1927533"/>
+            <a:off x="2950041" y="2370878"/>
             <a:ext cx="3352800" cy="597213"/>
           </a:xfrm>
           <a:prstGeom prst="roundRect">
@@ -5737,7 +5738,7 @@
         </p:nvSpPr>
         <p:spPr>
           <a:xfrm>
-            <a:off x="2091059" y="2734357"/>
+            <a:off x="2950041" y="3177702"/>
             <a:ext cx="3352800" cy="597213"/>
           </a:xfrm>
           <a:prstGeom prst="roundRect">
@@ -5870,7 +5871,7 @@
         </p:nvSpPr>
         <p:spPr>
           <a:xfrm>
-            <a:off x="2091059" y="3541181"/>
+            <a:off x="2950041" y="3984526"/>
             <a:ext cx="3352800" cy="907879"/>
           </a:xfrm>
           <a:prstGeom prst="roundRect">
@@ -5984,7 +5985,7 @@
         </p:nvCxnSpPr>
         <p:spPr>
           <a:xfrm flipV="1">
-            <a:off x="1341609" y="2226140"/>
+            <a:off x="2200591" y="2669485"/>
             <a:ext cx="749450" cy="817908"/>
           </a:xfrm>
           <a:prstGeom prst="straightConnector1">
@@ -6023,7 +6024,7 @@
         </p:nvCxnSpPr>
         <p:spPr>
           <a:xfrm flipV="1">
-            <a:off x="1341609" y="3032964"/>
+            <a:off x="2200591" y="3476309"/>
             <a:ext cx="749450" cy="11084"/>
           </a:xfrm>
           <a:prstGeom prst="straightConnector1">
@@ -6062,7 +6063,7 @@
         </p:nvCxnSpPr>
         <p:spPr>
           <a:xfrm>
-            <a:off x="1341609" y="3044048"/>
+            <a:off x="2200591" y="3487393"/>
             <a:ext cx="749450" cy="951073"/>
           </a:xfrm>
           <a:prstGeom prst="straightConnector1">
@@ -6098,7 +6099,7 @@
         </p:nvSpPr>
         <p:spPr>
           <a:xfrm>
-            <a:off x="6221996" y="1434750"/>
+            <a:off x="7080978" y="1878095"/>
             <a:ext cx="3352800" cy="713104"/>
           </a:xfrm>
           <a:prstGeom prst="roundRect">
@@ -6166,7 +6167,7 @@
         </p:nvSpPr>
         <p:spPr>
           <a:xfrm>
-            <a:off x="6221996" y="2509144"/>
+            <a:off x="7080978" y="2952489"/>
             <a:ext cx="3352800" cy="713104"/>
           </a:xfrm>
           <a:prstGeom prst="roundRect">
@@ -6264,7 +6265,7 @@
         </p:nvSpPr>
         <p:spPr>
           <a:xfrm>
-            <a:off x="6221996" y="4092508"/>
+            <a:off x="7080978" y="4535853"/>
             <a:ext cx="3352800" cy="713104"/>
           </a:xfrm>
           <a:prstGeom prst="roundRect">
@@ -6395,7 +6396,7 @@
         </p:nvSpPr>
         <p:spPr>
           <a:xfrm>
-            <a:off x="6221996" y="3517609"/>
+            <a:off x="7080978" y="3960954"/>
             <a:ext cx="3352800" cy="304812"/>
           </a:xfrm>
           <a:prstGeom prst="roundRect">
@@ -6496,7 +6497,7 @@
         </p:nvCxnSpPr>
         <p:spPr>
           <a:xfrm flipV="1">
-            <a:off x="5443859" y="1791302"/>
+            <a:off x="6302841" y="2234647"/>
             <a:ext cx="778137" cy="434838"/>
           </a:xfrm>
           <a:prstGeom prst="straightConnector1">
@@ -6535,7 +6536,7 @@
         </p:nvCxnSpPr>
         <p:spPr>
           <a:xfrm>
-            <a:off x="5443859" y="2226140"/>
+            <a:off x="6302841" y="2669485"/>
             <a:ext cx="778137" cy="639556"/>
           </a:xfrm>
           <a:prstGeom prst="straightConnector1">
@@ -6574,7 +6575,7 @@
         </p:nvCxnSpPr>
         <p:spPr>
           <a:xfrm>
-            <a:off x="5443859" y="2226140"/>
+            <a:off x="6302841" y="2669485"/>
             <a:ext cx="778137" cy="2222920"/>
           </a:xfrm>
           <a:prstGeom prst="straightConnector1">
@@ -6613,7 +6614,7 @@
         </p:nvCxnSpPr>
         <p:spPr>
           <a:xfrm>
-            <a:off x="5443859" y="2226140"/>
+            <a:off x="6302841" y="2669485"/>
             <a:ext cx="778137" cy="1443875"/>
           </a:xfrm>
           <a:prstGeom prst="straightConnector1">
@@ -6652,7 +6653,7 @@
         </p:nvCxnSpPr>
         <p:spPr>
           <a:xfrm>
-            <a:off x="7898396" y="2147854"/>
+            <a:off x="8757378" y="2591199"/>
             <a:ext cx="0" cy="361290"/>
           </a:xfrm>
           <a:prstGeom prst="straightConnector1">
@@ -6691,7 +6692,7 @@
         </p:nvCxnSpPr>
         <p:spPr>
           <a:xfrm flipV="1">
-            <a:off x="9574796" y="2865696"/>
+            <a:off x="10433778" y="3309041"/>
             <a:ext cx="12700" cy="1583364"/>
           </a:xfrm>
           <a:prstGeom prst="bentConnector3">
@@ -6732,7 +6733,7 @@
         </p:nvCxnSpPr>
         <p:spPr>
           <a:xfrm>
-            <a:off x="7898396" y="3222248"/>
+            <a:off x="8757378" y="3665593"/>
             <a:ext cx="0" cy="295361"/>
           </a:xfrm>
           <a:prstGeom prst="straightConnector1">
@@ -6764,6 +6765,1518 @@
     <p:extLst>
       <p:ext uri="{BB962C8B-B14F-4D97-AF65-F5344CB8AC3E}">
         <p14:creationId xmlns:p14="http://schemas.microsoft.com/office/powerpoint/2010/main" val="1450900125"/>
+      </p:ext>
+    </p:extLst>
+  </p:cSld>
+  <p:clrMapOvr>
+    <a:masterClrMapping/>
+  </p:clrMapOvr>
+</p:sld>
+</file>
+
+<file path=ppt/slides/slide6.xml><?xml version="1.0" encoding="utf-8"?>
+<p:sld xmlns:a="http://schemas.openxmlformats.org/drawingml/2006/main" xmlns:r="http://schemas.openxmlformats.org/officeDocument/2006/relationships" xmlns:p="http://schemas.openxmlformats.org/presentationml/2006/main">
+  <p:cSld>
+    <p:spTree>
+      <p:nvGrpSpPr>
+        <p:cNvPr id="1" name=""/>
+        <p:cNvGrpSpPr/>
+        <p:nvPr/>
+      </p:nvGrpSpPr>
+      <p:grpSpPr>
+        <a:xfrm>
+          <a:off x="0" y="0"/>
+          <a:ext cx="0" cy="0"/>
+          <a:chOff x="0" y="0"/>
+          <a:chExt cx="0" cy="0"/>
+        </a:xfrm>
+      </p:grpSpPr>
+      <p:sp>
+        <p:nvSpPr>
+          <p:cNvPr id="2" name="Magnetic Disk 1"/>
+          <p:cNvSpPr/>
+          <p:nvPr/>
+        </p:nvSpPr>
+        <p:spPr>
+          <a:xfrm>
+            <a:off x="697282" y="1302324"/>
+            <a:ext cx="909851" cy="609600"/>
+          </a:xfrm>
+          <a:prstGeom prst="flowChartMagneticDisk">
+            <a:avLst/>
+          </a:prstGeom>
+          <a:solidFill>
+            <a:schemeClr val="bg1"/>
+          </a:solidFill>
+          <a:ln>
+            <a:solidFill>
+              <a:schemeClr val="tx1"/>
+            </a:solidFill>
+          </a:ln>
+        </p:spPr>
+        <p:style>
+          <a:lnRef idx="2">
+            <a:schemeClr val="accent1">
+              <a:shade val="50000"/>
+            </a:schemeClr>
+          </a:lnRef>
+          <a:fillRef idx="1">
+            <a:schemeClr val="accent1"/>
+          </a:fillRef>
+          <a:effectRef idx="0">
+            <a:schemeClr val="accent1"/>
+          </a:effectRef>
+          <a:fontRef idx="minor">
+            <a:schemeClr val="lt1"/>
+          </a:fontRef>
+        </p:style>
+        <p:txBody>
+          <a:bodyPr rtlCol="0" anchor="ctr"/>
+          <a:lstStyle/>
+          <a:p>
+            <a:pPr algn="ctr"/>
+            <a:r>
+              <a:rPr lang="en-US" sz="1200" dirty="0" smtClean="0">
+                <a:solidFill>
+                  <a:schemeClr val="tx1"/>
+                </a:solidFill>
+                <a:latin typeface="CMU Typewriter Text Variable Width Medium" charset="0"/>
+                <a:ea typeface="CMU Typewriter Text Variable Width Medium" charset="0"/>
+                <a:cs typeface="CMU Typewriter Text Variable Width Medium" charset="0"/>
+              </a:rPr>
+              <a:t>OSON</a:t>
+            </a:r>
+            <a:endParaRPr lang="en-US" sz="1200" dirty="0">
+              <a:solidFill>
+                <a:schemeClr val="tx1"/>
+              </a:solidFill>
+              <a:latin typeface="CMU Typewriter Text Variable Width Medium" charset="0"/>
+              <a:ea typeface="CMU Typewriter Text Variable Width Medium" charset="0"/>
+              <a:cs typeface="CMU Typewriter Text Variable Width Medium" charset="0"/>
+            </a:endParaRPr>
+          </a:p>
+        </p:txBody>
+      </p:sp>
+      <p:sp>
+        <p:nvSpPr>
+          <p:cNvPr id="36" name="Magnetic Disk 35"/>
+          <p:cNvSpPr/>
+          <p:nvPr/>
+        </p:nvSpPr>
+        <p:spPr>
+          <a:xfrm>
+            <a:off x="697282" y="2618510"/>
+            <a:ext cx="909851" cy="609600"/>
+          </a:xfrm>
+          <a:prstGeom prst="flowChartMagneticDisk">
+            <a:avLst/>
+          </a:prstGeom>
+          <a:solidFill>
+            <a:schemeClr val="bg1"/>
+          </a:solidFill>
+          <a:ln>
+            <a:solidFill>
+              <a:schemeClr val="tx1"/>
+            </a:solidFill>
+          </a:ln>
+        </p:spPr>
+        <p:style>
+          <a:lnRef idx="2">
+            <a:schemeClr val="accent1">
+              <a:shade val="50000"/>
+            </a:schemeClr>
+          </a:lnRef>
+          <a:fillRef idx="1">
+            <a:schemeClr val="accent1"/>
+          </a:fillRef>
+          <a:effectRef idx="0">
+            <a:schemeClr val="accent1"/>
+          </a:effectRef>
+          <a:fontRef idx="minor">
+            <a:schemeClr val="lt1"/>
+          </a:fontRef>
+        </p:style>
+        <p:txBody>
+          <a:bodyPr rtlCol="0" anchor="ctr"/>
+          <a:lstStyle/>
+          <a:p>
+            <a:pPr algn="ctr"/>
+            <a:r>
+              <a:rPr lang="en-US" sz="1200" dirty="0" smtClean="0">
+                <a:solidFill>
+                  <a:schemeClr val="tx1"/>
+                </a:solidFill>
+                <a:latin typeface="CMU Typewriter Text Variable Width Medium" charset="0"/>
+                <a:ea typeface="CMU Typewriter Text Variable Width Medium" charset="0"/>
+                <a:cs typeface="CMU Typewriter Text Variable Width Medium" charset="0"/>
+              </a:rPr>
+              <a:t>LRPP</a:t>
+            </a:r>
+            <a:endParaRPr lang="en-US" sz="1200" dirty="0">
+              <a:solidFill>
+                <a:schemeClr val="tx1"/>
+              </a:solidFill>
+              <a:latin typeface="CMU Typewriter Text Variable Width Medium" charset="0"/>
+              <a:ea typeface="CMU Typewriter Text Variable Width Medium" charset="0"/>
+              <a:cs typeface="CMU Typewriter Text Variable Width Medium" charset="0"/>
+            </a:endParaRPr>
+          </a:p>
+        </p:txBody>
+      </p:sp>
+      <p:sp>
+        <p:nvSpPr>
+          <p:cNvPr id="43" name="Magnetic Disk 42"/>
+          <p:cNvSpPr/>
+          <p:nvPr/>
+        </p:nvSpPr>
+        <p:spPr>
+          <a:xfrm>
+            <a:off x="2152009" y="1025233"/>
+            <a:ext cx="909851" cy="1163783"/>
+          </a:xfrm>
+          <a:prstGeom prst="flowChartMagneticDisk">
+            <a:avLst/>
+          </a:prstGeom>
+          <a:solidFill>
+            <a:schemeClr val="bg1"/>
+          </a:solidFill>
+          <a:ln>
+            <a:solidFill>
+              <a:schemeClr val="tx1"/>
+            </a:solidFill>
+          </a:ln>
+        </p:spPr>
+        <p:style>
+          <a:lnRef idx="2">
+            <a:schemeClr val="accent1">
+              <a:shade val="50000"/>
+            </a:schemeClr>
+          </a:lnRef>
+          <a:fillRef idx="1">
+            <a:schemeClr val="accent1"/>
+          </a:fillRef>
+          <a:effectRef idx="0">
+            <a:schemeClr val="accent1"/>
+          </a:effectRef>
+          <a:fontRef idx="minor">
+            <a:schemeClr val="lt1"/>
+          </a:fontRef>
+        </p:style>
+        <p:txBody>
+          <a:bodyPr rtlCol="0" anchor="ctr"/>
+          <a:lstStyle/>
+          <a:p>
+            <a:pPr algn="ctr"/>
+            <a:r>
+              <a:rPr lang="en-US" sz="1200" dirty="0" smtClean="0">
+                <a:solidFill>
+                  <a:schemeClr val="tx1"/>
+                </a:solidFill>
+                <a:latin typeface="CMU Typewriter Text Variable Width Medium" charset="0"/>
+                <a:ea typeface="CMU Typewriter Text Variable Width Medium" charset="0"/>
+                <a:cs typeface="CMU Typewriter Text Variable Width Medium" charset="0"/>
+              </a:rPr>
+              <a:t>Reference data</a:t>
+            </a:r>
+            <a:endParaRPr lang="en-US" sz="1200" dirty="0">
+              <a:solidFill>
+                <a:schemeClr val="tx1"/>
+              </a:solidFill>
+              <a:latin typeface="CMU Typewriter Text Variable Width Medium" charset="0"/>
+              <a:ea typeface="CMU Typewriter Text Variable Width Medium" charset="0"/>
+              <a:cs typeface="CMU Typewriter Text Variable Width Medium" charset="0"/>
+            </a:endParaRPr>
+          </a:p>
+        </p:txBody>
+      </p:sp>
+      <p:cxnSp>
+        <p:nvCxnSpPr>
+          <p:cNvPr id="48" name="Elbow Connector 47"/>
+          <p:cNvCxnSpPr>
+            <a:stCxn id="2" idx="4"/>
+            <a:endCxn id="43" idx="2"/>
+          </p:cNvCxnSpPr>
+          <p:nvPr/>
+        </p:nvCxnSpPr>
+        <p:spPr>
+          <a:xfrm>
+            <a:off x="1607133" y="1607124"/>
+            <a:ext cx="544876" cy="1"/>
+          </a:xfrm>
+          <a:prstGeom prst="bentConnector3">
+            <a:avLst>
+              <a:gd name="adj1" fmla="val 50000"/>
+            </a:avLst>
+          </a:prstGeom>
+          <a:ln>
+            <a:solidFill>
+              <a:schemeClr val="tx1"/>
+            </a:solidFill>
+            <a:tailEnd type="triangle" w="lg" len="lg"/>
+          </a:ln>
+        </p:spPr>
+        <p:style>
+          <a:lnRef idx="1">
+            <a:schemeClr val="accent1"/>
+          </a:lnRef>
+          <a:fillRef idx="0">
+            <a:schemeClr val="accent1"/>
+          </a:fillRef>
+          <a:effectRef idx="0">
+            <a:schemeClr val="accent1"/>
+          </a:effectRef>
+          <a:fontRef idx="minor">
+            <a:schemeClr val="tx1"/>
+          </a:fontRef>
+        </p:style>
+      </p:cxnSp>
+      <p:cxnSp>
+        <p:nvCxnSpPr>
+          <p:cNvPr id="51" name="Elbow Connector 50"/>
+          <p:cNvCxnSpPr>
+            <a:stCxn id="36" idx="4"/>
+            <a:endCxn id="58" idx="2"/>
+          </p:cNvCxnSpPr>
+          <p:nvPr/>
+        </p:nvCxnSpPr>
+        <p:spPr>
+          <a:xfrm flipV="1">
+            <a:off x="1607133" y="2202870"/>
+            <a:ext cx="2479963" cy="720440"/>
+          </a:xfrm>
+          <a:prstGeom prst="bentConnector3">
+            <a:avLst>
+              <a:gd name="adj1" fmla="val 68994"/>
+            </a:avLst>
+          </a:prstGeom>
+          <a:ln>
+            <a:solidFill>
+              <a:schemeClr val="tx1"/>
+            </a:solidFill>
+            <a:tailEnd type="triangle" w="lg" len="lg"/>
+          </a:ln>
+        </p:spPr>
+        <p:style>
+          <a:lnRef idx="1">
+            <a:schemeClr val="accent1"/>
+          </a:lnRef>
+          <a:fillRef idx="0">
+            <a:schemeClr val="accent1"/>
+          </a:fillRef>
+          <a:effectRef idx="0">
+            <a:schemeClr val="accent1"/>
+          </a:effectRef>
+          <a:fontRef idx="minor">
+            <a:schemeClr val="tx1"/>
+          </a:fontRef>
+        </p:style>
+      </p:cxnSp>
+      <p:sp>
+        <p:nvSpPr>
+          <p:cNvPr id="58" name="Magnetic Disk 57"/>
+          <p:cNvSpPr/>
+          <p:nvPr/>
+        </p:nvSpPr>
+        <p:spPr>
+          <a:xfrm>
+            <a:off x="4087096" y="1620978"/>
+            <a:ext cx="909851" cy="1163783"/>
+          </a:xfrm>
+          <a:prstGeom prst="flowChartMagneticDisk">
+            <a:avLst/>
+          </a:prstGeom>
+          <a:solidFill>
+            <a:schemeClr val="bg1"/>
+          </a:solidFill>
+          <a:ln>
+            <a:solidFill>
+              <a:schemeClr val="tx1"/>
+            </a:solidFill>
+          </a:ln>
+        </p:spPr>
+        <p:style>
+          <a:lnRef idx="2">
+            <a:schemeClr val="accent1">
+              <a:shade val="50000"/>
+            </a:schemeClr>
+          </a:lnRef>
+          <a:fillRef idx="1">
+            <a:schemeClr val="accent1"/>
+          </a:fillRef>
+          <a:effectRef idx="0">
+            <a:schemeClr val="accent1"/>
+          </a:effectRef>
+          <a:fontRef idx="minor">
+            <a:schemeClr val="lt1"/>
+          </a:fontRef>
+        </p:style>
+        <p:txBody>
+          <a:bodyPr rtlCol="0" anchor="ctr"/>
+          <a:lstStyle/>
+          <a:p>
+            <a:pPr algn="ctr"/>
+            <a:r>
+              <a:rPr lang="en-US" sz="1200" dirty="0" smtClean="0">
+                <a:solidFill>
+                  <a:schemeClr val="tx1"/>
+                </a:solidFill>
+                <a:latin typeface="CMU Typewriter Text Variable Width Medium" charset="0"/>
+                <a:ea typeface="CMU Typewriter Text Variable Width Medium" charset="0"/>
+                <a:cs typeface="CMU Typewriter Text Variable Width Medium" charset="0"/>
+              </a:rPr>
+              <a:t>Known house numbers</a:t>
+            </a:r>
+            <a:endParaRPr lang="en-US" sz="1200" dirty="0">
+              <a:solidFill>
+                <a:schemeClr val="tx1"/>
+              </a:solidFill>
+              <a:latin typeface="CMU Typewriter Text Variable Width Medium" charset="0"/>
+              <a:ea typeface="CMU Typewriter Text Variable Width Medium" charset="0"/>
+              <a:cs typeface="CMU Typewriter Text Variable Width Medium" charset="0"/>
+            </a:endParaRPr>
+          </a:p>
+        </p:txBody>
+      </p:sp>
+      <p:cxnSp>
+        <p:nvCxnSpPr>
+          <p:cNvPr id="71" name="Elbow Connector 70"/>
+          <p:cNvCxnSpPr>
+            <a:stCxn id="43" idx="4"/>
+            <a:endCxn id="58" idx="2"/>
+          </p:cNvCxnSpPr>
+          <p:nvPr/>
+        </p:nvCxnSpPr>
+        <p:spPr>
+          <a:xfrm>
+            <a:off x="3061860" y="1607125"/>
+            <a:ext cx="1025236" cy="595745"/>
+          </a:xfrm>
+          <a:prstGeom prst="bentConnector3">
+            <a:avLst>
+              <a:gd name="adj1" fmla="val 56757"/>
+            </a:avLst>
+          </a:prstGeom>
+          <a:ln>
+            <a:solidFill>
+              <a:schemeClr val="tx1"/>
+            </a:solidFill>
+            <a:tailEnd type="triangle" w="lg" len="lg"/>
+          </a:ln>
+        </p:spPr>
+        <p:style>
+          <a:lnRef idx="1">
+            <a:schemeClr val="accent1"/>
+          </a:lnRef>
+          <a:fillRef idx="0">
+            <a:schemeClr val="accent1"/>
+          </a:fillRef>
+          <a:effectRef idx="0">
+            <a:schemeClr val="accent1"/>
+          </a:effectRef>
+          <a:fontRef idx="minor">
+            <a:schemeClr val="tx1"/>
+          </a:fontRef>
+        </p:style>
+      </p:cxnSp>
+      <p:sp>
+        <p:nvSpPr>
+          <p:cNvPr id="82" name="Magnetic Disk 81"/>
+          <p:cNvSpPr/>
+          <p:nvPr/>
+        </p:nvSpPr>
+        <p:spPr>
+          <a:xfrm>
+            <a:off x="7804662" y="1620978"/>
+            <a:ext cx="909851" cy="1163783"/>
+          </a:xfrm>
+          <a:prstGeom prst="flowChartMagneticDisk">
+            <a:avLst/>
+          </a:prstGeom>
+          <a:solidFill>
+            <a:schemeClr val="bg1"/>
+          </a:solidFill>
+          <a:ln>
+            <a:solidFill>
+              <a:schemeClr val="tx1"/>
+            </a:solidFill>
+          </a:ln>
+        </p:spPr>
+        <p:style>
+          <a:lnRef idx="2">
+            <a:schemeClr val="accent1">
+              <a:shade val="50000"/>
+            </a:schemeClr>
+          </a:lnRef>
+          <a:fillRef idx="1">
+            <a:schemeClr val="accent1"/>
+          </a:fillRef>
+          <a:effectRef idx="0">
+            <a:schemeClr val="accent1"/>
+          </a:effectRef>
+          <a:fontRef idx="minor">
+            <a:schemeClr val="lt1"/>
+          </a:fontRef>
+        </p:style>
+        <p:txBody>
+          <a:bodyPr rtlCol="0" anchor="ctr"/>
+          <a:lstStyle/>
+          <a:p>
+            <a:pPr algn="ctr"/>
+            <a:r>
+              <a:rPr lang="en-US" sz="1200" dirty="0" smtClean="0">
+                <a:solidFill>
+                  <a:schemeClr val="tx1"/>
+                </a:solidFill>
+                <a:latin typeface="CMU Typewriter Text Variable Width Medium" charset="0"/>
+                <a:ea typeface="CMU Typewriter Text Variable Width Medium" charset="0"/>
+                <a:cs typeface="CMU Typewriter Text Variable Width Medium" charset="0"/>
+              </a:rPr>
+              <a:t>Inference data</a:t>
+            </a:r>
+            <a:endParaRPr lang="en-US" sz="1200" dirty="0">
+              <a:solidFill>
+                <a:schemeClr val="tx1"/>
+              </a:solidFill>
+              <a:latin typeface="CMU Typewriter Text Variable Width Medium" charset="0"/>
+              <a:ea typeface="CMU Typewriter Text Variable Width Medium" charset="0"/>
+              <a:cs typeface="CMU Typewriter Text Variable Width Medium" charset="0"/>
+            </a:endParaRPr>
+          </a:p>
+        </p:txBody>
+      </p:sp>
+      <p:cxnSp>
+        <p:nvCxnSpPr>
+          <p:cNvPr id="83" name="Elbow Connector 82"/>
+          <p:cNvCxnSpPr>
+            <a:stCxn id="58" idx="4"/>
+            <a:endCxn id="87" idx="1"/>
+          </p:cNvCxnSpPr>
+          <p:nvPr/>
+        </p:nvCxnSpPr>
+        <p:spPr>
+          <a:xfrm flipV="1">
+            <a:off x="4996947" y="2202869"/>
+            <a:ext cx="992877" cy="1"/>
+          </a:xfrm>
+          <a:prstGeom prst="bentConnector3">
+            <a:avLst>
+              <a:gd name="adj1" fmla="val 50000"/>
+            </a:avLst>
+          </a:prstGeom>
+          <a:ln>
+            <a:solidFill>
+              <a:schemeClr val="tx1"/>
+            </a:solidFill>
+            <a:tailEnd type="triangle" w="lg" len="lg"/>
+          </a:ln>
+        </p:spPr>
+        <p:style>
+          <a:lnRef idx="1">
+            <a:schemeClr val="accent1"/>
+          </a:lnRef>
+          <a:fillRef idx="0">
+            <a:schemeClr val="accent1"/>
+          </a:fillRef>
+          <a:effectRef idx="0">
+            <a:schemeClr val="accent1"/>
+          </a:effectRef>
+          <a:fontRef idx="minor">
+            <a:schemeClr val="tx1"/>
+          </a:fontRef>
+        </p:style>
+      </p:cxnSp>
+      <p:sp>
+        <p:nvSpPr>
+          <p:cNvPr id="87" name="Rectangle 86"/>
+          <p:cNvSpPr/>
+          <p:nvPr/>
+        </p:nvSpPr>
+        <p:spPr>
+          <a:xfrm>
+            <a:off x="5989824" y="1859969"/>
+            <a:ext cx="1015931" cy="685799"/>
+          </a:xfrm>
+          <a:prstGeom prst="rect">
+            <a:avLst/>
+          </a:prstGeom>
+          <a:solidFill>
+            <a:schemeClr val="bg1"/>
+          </a:solidFill>
+          <a:ln>
+            <a:solidFill>
+              <a:schemeClr val="tx1"/>
+            </a:solidFill>
+          </a:ln>
+        </p:spPr>
+        <p:style>
+          <a:lnRef idx="2">
+            <a:schemeClr val="accent1">
+              <a:shade val="50000"/>
+            </a:schemeClr>
+          </a:lnRef>
+          <a:fillRef idx="1">
+            <a:schemeClr val="accent1"/>
+          </a:fillRef>
+          <a:effectRef idx="0">
+            <a:schemeClr val="accent1"/>
+          </a:effectRef>
+          <a:fontRef idx="minor">
+            <a:schemeClr val="lt1"/>
+          </a:fontRef>
+        </p:style>
+        <p:txBody>
+          <a:bodyPr rtlCol="0" anchor="ctr"/>
+          <a:lstStyle/>
+          <a:p>
+            <a:pPr algn="ctr"/>
+            <a:r>
+              <a:rPr lang="en-US" sz="1200" smtClean="0">
+                <a:solidFill>
+                  <a:schemeClr val="tx1"/>
+                </a:solidFill>
+                <a:latin typeface="CMU Typewriter Text Variable Width Medium" charset="0"/>
+                <a:ea typeface="CMU Typewriter Text Variable Width Medium" charset="0"/>
+                <a:cs typeface="CMU Typewriter Text Variable Width Medium" charset="0"/>
+              </a:rPr>
+              <a:t>Inference</a:t>
+            </a:r>
+            <a:endParaRPr lang="en-US" sz="1200" dirty="0">
+              <a:solidFill>
+                <a:schemeClr val="tx1"/>
+              </a:solidFill>
+              <a:latin typeface="CMU Typewriter Text Variable Width Medium" charset="0"/>
+              <a:ea typeface="CMU Typewriter Text Variable Width Medium" charset="0"/>
+              <a:cs typeface="CMU Typewriter Text Variable Width Medium" charset="0"/>
+            </a:endParaRPr>
+          </a:p>
+        </p:txBody>
+      </p:sp>
+      <p:cxnSp>
+        <p:nvCxnSpPr>
+          <p:cNvPr id="90" name="Elbow Connector 89"/>
+          <p:cNvCxnSpPr>
+            <a:stCxn id="87" idx="3"/>
+            <a:endCxn id="82" idx="2"/>
+          </p:cNvCxnSpPr>
+          <p:nvPr/>
+        </p:nvCxnSpPr>
+        <p:spPr>
+          <a:xfrm>
+            <a:off x="7005755" y="2202869"/>
+            <a:ext cx="798907" cy="1"/>
+          </a:xfrm>
+          <a:prstGeom prst="bentConnector3">
+            <a:avLst>
+              <a:gd name="adj1" fmla="val 50000"/>
+            </a:avLst>
+          </a:prstGeom>
+          <a:ln>
+            <a:solidFill>
+              <a:schemeClr val="tx1"/>
+            </a:solidFill>
+            <a:tailEnd type="triangle" w="lg" len="lg"/>
+          </a:ln>
+        </p:spPr>
+        <p:style>
+          <a:lnRef idx="1">
+            <a:schemeClr val="accent1"/>
+          </a:lnRef>
+          <a:fillRef idx="0">
+            <a:schemeClr val="accent1"/>
+          </a:fillRef>
+          <a:effectRef idx="0">
+            <a:schemeClr val="accent1"/>
+          </a:effectRef>
+          <a:fontRef idx="minor">
+            <a:schemeClr val="tx1"/>
+          </a:fontRef>
+        </p:style>
+      </p:cxnSp>
+      <p:sp>
+        <p:nvSpPr>
+          <p:cNvPr id="94" name="Magnetic Disk 93"/>
+          <p:cNvSpPr/>
+          <p:nvPr/>
+        </p:nvSpPr>
+        <p:spPr>
+          <a:xfrm>
+            <a:off x="697281" y="4804060"/>
+            <a:ext cx="909851" cy="609600"/>
+          </a:xfrm>
+          <a:prstGeom prst="flowChartMagneticDisk">
+            <a:avLst/>
+          </a:prstGeom>
+          <a:solidFill>
+            <a:schemeClr val="bg1"/>
+          </a:solidFill>
+          <a:ln>
+            <a:solidFill>
+              <a:schemeClr val="tx1"/>
+            </a:solidFill>
+          </a:ln>
+        </p:spPr>
+        <p:style>
+          <a:lnRef idx="2">
+            <a:schemeClr val="accent1">
+              <a:shade val="50000"/>
+            </a:schemeClr>
+          </a:lnRef>
+          <a:fillRef idx="1">
+            <a:schemeClr val="accent1"/>
+          </a:fillRef>
+          <a:effectRef idx="0">
+            <a:schemeClr val="accent1"/>
+          </a:effectRef>
+          <a:fontRef idx="minor">
+            <a:schemeClr val="lt1"/>
+          </a:fontRef>
+        </p:style>
+        <p:txBody>
+          <a:bodyPr rtlCol="0" anchor="ctr"/>
+          <a:lstStyle/>
+          <a:p>
+            <a:pPr algn="ctr"/>
+            <a:r>
+              <a:rPr lang="en-US" sz="1200" dirty="0" smtClean="0">
+                <a:solidFill>
+                  <a:schemeClr val="tx1"/>
+                </a:solidFill>
+                <a:latin typeface="CMU Typewriter Text Variable Width Medium" charset="0"/>
+                <a:ea typeface="CMU Typewriter Text Variable Width Medium" charset="0"/>
+                <a:cs typeface="CMU Typewriter Text Variable Width Medium" charset="0"/>
+              </a:rPr>
+              <a:t>OSOR</a:t>
+            </a:r>
+            <a:endParaRPr lang="en-US" sz="1200" dirty="0">
+              <a:solidFill>
+                <a:schemeClr val="tx1"/>
+              </a:solidFill>
+              <a:latin typeface="CMU Typewriter Text Variable Width Medium" charset="0"/>
+              <a:ea typeface="CMU Typewriter Text Variable Width Medium" charset="0"/>
+              <a:cs typeface="CMU Typewriter Text Variable Width Medium" charset="0"/>
+            </a:endParaRPr>
+          </a:p>
+        </p:txBody>
+      </p:sp>
+      <p:sp>
+        <p:nvSpPr>
+          <p:cNvPr id="96" name="Magnetic Disk 95"/>
+          <p:cNvSpPr/>
+          <p:nvPr/>
+        </p:nvSpPr>
+        <p:spPr>
+          <a:xfrm>
+            <a:off x="4087096" y="3671460"/>
+            <a:ext cx="909851" cy="1163783"/>
+          </a:xfrm>
+          <a:prstGeom prst="flowChartMagneticDisk">
+            <a:avLst/>
+          </a:prstGeom>
+          <a:solidFill>
+            <a:schemeClr val="bg1"/>
+          </a:solidFill>
+          <a:ln>
+            <a:solidFill>
+              <a:schemeClr val="tx1"/>
+            </a:solidFill>
+          </a:ln>
+        </p:spPr>
+        <p:style>
+          <a:lnRef idx="2">
+            <a:schemeClr val="accent1">
+              <a:shade val="50000"/>
+            </a:schemeClr>
+          </a:lnRef>
+          <a:fillRef idx="1">
+            <a:schemeClr val="accent1"/>
+          </a:fillRef>
+          <a:effectRef idx="0">
+            <a:schemeClr val="accent1"/>
+          </a:effectRef>
+          <a:fontRef idx="minor">
+            <a:schemeClr val="lt1"/>
+          </a:fontRef>
+        </p:style>
+        <p:txBody>
+          <a:bodyPr rtlCol="0" anchor="ctr"/>
+          <a:lstStyle/>
+          <a:p>
+            <a:pPr algn="ctr"/>
+            <a:r>
+              <a:rPr lang="en-US" sz="1200" dirty="0" smtClean="0">
+                <a:solidFill>
+                  <a:schemeClr val="tx1"/>
+                </a:solidFill>
+                <a:latin typeface="CMU Typewriter Text Variable Width Medium" charset="0"/>
+                <a:ea typeface="CMU Typewriter Text Variable Width Medium" charset="0"/>
+                <a:cs typeface="CMU Typewriter Text Variable Width Medium" charset="0"/>
+              </a:rPr>
+              <a:t>Streets for which data is missing</a:t>
+            </a:r>
+            <a:endParaRPr lang="en-US" sz="1200" dirty="0">
+              <a:solidFill>
+                <a:schemeClr val="tx1"/>
+              </a:solidFill>
+              <a:latin typeface="CMU Typewriter Text Variable Width Medium" charset="0"/>
+              <a:ea typeface="CMU Typewriter Text Variable Width Medium" charset="0"/>
+              <a:cs typeface="CMU Typewriter Text Variable Width Medium" charset="0"/>
+            </a:endParaRPr>
+          </a:p>
+        </p:txBody>
+      </p:sp>
+      <p:cxnSp>
+        <p:nvCxnSpPr>
+          <p:cNvPr id="97" name="Elbow Connector 96"/>
+          <p:cNvCxnSpPr>
+            <a:stCxn id="43" idx="4"/>
+            <a:endCxn id="96" idx="2"/>
+          </p:cNvCxnSpPr>
+          <p:nvPr/>
+        </p:nvCxnSpPr>
+        <p:spPr>
+          <a:xfrm>
+            <a:off x="3061860" y="1607125"/>
+            <a:ext cx="1025236" cy="2646227"/>
+          </a:xfrm>
+          <a:prstGeom prst="bentConnector3">
+            <a:avLst>
+              <a:gd name="adj1" fmla="val 56757"/>
+            </a:avLst>
+          </a:prstGeom>
+          <a:ln>
+            <a:solidFill>
+              <a:schemeClr val="tx1"/>
+            </a:solidFill>
+            <a:tailEnd type="triangle" w="lg" len="lg"/>
+          </a:ln>
+        </p:spPr>
+        <p:style>
+          <a:lnRef idx="1">
+            <a:schemeClr val="accent1"/>
+          </a:lnRef>
+          <a:fillRef idx="0">
+            <a:schemeClr val="accent1"/>
+          </a:fillRef>
+          <a:effectRef idx="0">
+            <a:schemeClr val="accent1"/>
+          </a:effectRef>
+          <a:fontRef idx="minor">
+            <a:schemeClr val="tx1"/>
+          </a:fontRef>
+        </p:style>
+      </p:cxnSp>
+      <p:cxnSp>
+        <p:nvCxnSpPr>
+          <p:cNvPr id="100" name="Elbow Connector 99"/>
+          <p:cNvCxnSpPr>
+            <a:stCxn id="36" idx="4"/>
+            <a:endCxn id="96" idx="2"/>
+          </p:cNvCxnSpPr>
+          <p:nvPr/>
+        </p:nvCxnSpPr>
+        <p:spPr>
+          <a:xfrm>
+            <a:off x="1607133" y="2923310"/>
+            <a:ext cx="2479963" cy="1330042"/>
+          </a:xfrm>
+          <a:prstGeom prst="bentConnector3">
+            <a:avLst>
+              <a:gd name="adj1" fmla="val 68994"/>
+            </a:avLst>
+          </a:prstGeom>
+          <a:ln>
+            <a:solidFill>
+              <a:schemeClr val="tx1"/>
+            </a:solidFill>
+            <a:tailEnd type="triangle" w="lg" len="lg"/>
+          </a:ln>
+        </p:spPr>
+        <p:style>
+          <a:lnRef idx="1">
+            <a:schemeClr val="accent1"/>
+          </a:lnRef>
+          <a:fillRef idx="0">
+            <a:schemeClr val="accent1"/>
+          </a:fillRef>
+          <a:effectRef idx="0">
+            <a:schemeClr val="accent1"/>
+          </a:effectRef>
+          <a:fontRef idx="minor">
+            <a:schemeClr val="tx1"/>
+          </a:fontRef>
+        </p:style>
+      </p:cxnSp>
+      <p:sp>
+        <p:nvSpPr>
+          <p:cNvPr id="106" name="Rectangle 105"/>
+          <p:cNvSpPr/>
+          <p:nvPr/>
+        </p:nvSpPr>
+        <p:spPr>
+          <a:xfrm>
+            <a:off x="5948257" y="4156368"/>
+            <a:ext cx="1366947" cy="924790"/>
+          </a:xfrm>
+          <a:prstGeom prst="rect">
+            <a:avLst/>
+          </a:prstGeom>
+          <a:solidFill>
+            <a:schemeClr val="bg1"/>
+          </a:solidFill>
+          <a:ln>
+            <a:solidFill>
+              <a:schemeClr val="tx1"/>
+            </a:solidFill>
+          </a:ln>
+        </p:spPr>
+        <p:style>
+          <a:lnRef idx="2">
+            <a:schemeClr val="accent1">
+              <a:shade val="50000"/>
+            </a:schemeClr>
+          </a:lnRef>
+          <a:fillRef idx="1">
+            <a:schemeClr val="accent1"/>
+          </a:fillRef>
+          <a:effectRef idx="0">
+            <a:schemeClr val="accent1"/>
+          </a:effectRef>
+          <a:fontRef idx="minor">
+            <a:schemeClr val="lt1"/>
+          </a:fontRef>
+        </p:style>
+        <p:txBody>
+          <a:bodyPr rtlCol="0" anchor="ctr"/>
+          <a:lstStyle/>
+          <a:p>
+            <a:pPr algn="ctr"/>
+            <a:r>
+              <a:rPr lang="en-US" sz="1200" dirty="0" smtClean="0">
+                <a:solidFill>
+                  <a:schemeClr val="tx1"/>
+                </a:solidFill>
+                <a:latin typeface="CMU Typewriter Text Variable Width Medium" charset="0"/>
+                <a:ea typeface="CMU Typewriter Text Variable Width Medium" charset="0"/>
+                <a:cs typeface="CMU Typewriter Text Variable Width Medium" charset="0"/>
+              </a:rPr>
+              <a:t>Augmentation with elements to support crowdsourcing</a:t>
+            </a:r>
+            <a:endParaRPr lang="en-US" sz="1200" dirty="0">
+              <a:solidFill>
+                <a:schemeClr val="tx1"/>
+              </a:solidFill>
+              <a:latin typeface="CMU Typewriter Text Variable Width Medium" charset="0"/>
+              <a:ea typeface="CMU Typewriter Text Variable Width Medium" charset="0"/>
+              <a:cs typeface="CMU Typewriter Text Variable Width Medium" charset="0"/>
+            </a:endParaRPr>
+          </a:p>
+        </p:txBody>
+      </p:sp>
+      <p:cxnSp>
+        <p:nvCxnSpPr>
+          <p:cNvPr id="107" name="Elbow Connector 106"/>
+          <p:cNvCxnSpPr>
+            <a:stCxn id="94" idx="4"/>
+            <a:endCxn id="106" idx="1"/>
+          </p:cNvCxnSpPr>
+          <p:nvPr/>
+        </p:nvCxnSpPr>
+        <p:spPr>
+          <a:xfrm flipV="1">
+            <a:off x="1607132" y="4618763"/>
+            <a:ext cx="4341125" cy="490097"/>
+          </a:xfrm>
+          <a:prstGeom prst="bentConnector3">
+            <a:avLst>
+              <a:gd name="adj1" fmla="val 89255"/>
+            </a:avLst>
+          </a:prstGeom>
+          <a:ln>
+            <a:solidFill>
+              <a:schemeClr val="tx1"/>
+            </a:solidFill>
+            <a:tailEnd type="triangle" w="lg" len="lg"/>
+          </a:ln>
+        </p:spPr>
+        <p:style>
+          <a:lnRef idx="1">
+            <a:schemeClr val="accent1"/>
+          </a:lnRef>
+          <a:fillRef idx="0">
+            <a:schemeClr val="accent1"/>
+          </a:fillRef>
+          <a:effectRef idx="0">
+            <a:schemeClr val="accent1"/>
+          </a:effectRef>
+          <a:fontRef idx="minor">
+            <a:schemeClr val="tx1"/>
+          </a:fontRef>
+        </p:style>
+      </p:cxnSp>
+      <p:cxnSp>
+        <p:nvCxnSpPr>
+          <p:cNvPr id="111" name="Elbow Connector 110"/>
+          <p:cNvCxnSpPr>
+            <a:stCxn id="96" idx="4"/>
+            <a:endCxn id="106" idx="1"/>
+          </p:cNvCxnSpPr>
+          <p:nvPr/>
+        </p:nvCxnSpPr>
+        <p:spPr>
+          <a:xfrm>
+            <a:off x="4996947" y="4253352"/>
+            <a:ext cx="951310" cy="365411"/>
+          </a:xfrm>
+          <a:prstGeom prst="bentConnector3">
+            <a:avLst>
+              <a:gd name="adj1" fmla="val 50000"/>
+            </a:avLst>
+          </a:prstGeom>
+          <a:ln>
+            <a:solidFill>
+              <a:schemeClr val="tx1"/>
+            </a:solidFill>
+            <a:tailEnd type="triangle" w="lg" len="lg"/>
+          </a:ln>
+        </p:spPr>
+        <p:style>
+          <a:lnRef idx="1">
+            <a:schemeClr val="accent1"/>
+          </a:lnRef>
+          <a:fillRef idx="0">
+            <a:schemeClr val="accent1"/>
+          </a:fillRef>
+          <a:effectRef idx="0">
+            <a:schemeClr val="accent1"/>
+          </a:effectRef>
+          <a:fontRef idx="minor">
+            <a:schemeClr val="tx1"/>
+          </a:fontRef>
+        </p:style>
+      </p:cxnSp>
+      <p:sp>
+        <p:nvSpPr>
+          <p:cNvPr id="117" name="Cloud 116"/>
+          <p:cNvSpPr/>
+          <p:nvPr/>
+        </p:nvSpPr>
+        <p:spPr>
+          <a:xfrm>
+            <a:off x="7804662" y="4199658"/>
+            <a:ext cx="1011382" cy="827807"/>
+          </a:xfrm>
+          <a:prstGeom prst="cloud">
+            <a:avLst/>
+          </a:prstGeom>
+          <a:solidFill>
+            <a:schemeClr val="bg1"/>
+          </a:solidFill>
+          <a:ln>
+            <a:solidFill>
+              <a:schemeClr val="tx1"/>
+            </a:solidFill>
+          </a:ln>
+        </p:spPr>
+        <p:style>
+          <a:lnRef idx="2">
+            <a:schemeClr val="accent1">
+              <a:shade val="50000"/>
+            </a:schemeClr>
+          </a:lnRef>
+          <a:fillRef idx="1">
+            <a:schemeClr val="accent1"/>
+          </a:fillRef>
+          <a:effectRef idx="0">
+            <a:schemeClr val="accent1"/>
+          </a:effectRef>
+          <a:fontRef idx="minor">
+            <a:schemeClr val="lt1"/>
+          </a:fontRef>
+        </p:style>
+        <p:txBody>
+          <a:bodyPr rtlCol="0" anchor="ctr"/>
+          <a:lstStyle/>
+          <a:p>
+            <a:pPr algn="ctr"/>
+            <a:r>
+              <a:rPr lang="en-US" sz="1200" dirty="0" err="1" smtClean="0">
+                <a:solidFill>
+                  <a:schemeClr val="tx1"/>
+                </a:solidFill>
+                <a:latin typeface="CMU Typewriter Text Variable Width Medium" charset="0"/>
+                <a:ea typeface="CMU Typewriter Text Variable Width Medium" charset="0"/>
+                <a:cs typeface="CMU Typewriter Text Variable Width Medium" charset="0"/>
+              </a:rPr>
+              <a:t>Crowdflower</a:t>
+            </a:r>
+            <a:endParaRPr lang="en-US" sz="1200" dirty="0">
+              <a:solidFill>
+                <a:schemeClr val="tx1"/>
+              </a:solidFill>
+              <a:latin typeface="CMU Typewriter Text Variable Width Medium" charset="0"/>
+              <a:ea typeface="CMU Typewriter Text Variable Width Medium" charset="0"/>
+              <a:cs typeface="CMU Typewriter Text Variable Width Medium" charset="0"/>
+            </a:endParaRPr>
+          </a:p>
+        </p:txBody>
+      </p:sp>
+      <p:cxnSp>
+        <p:nvCxnSpPr>
+          <p:cNvPr id="118" name="Elbow Connector 117"/>
+          <p:cNvCxnSpPr>
+            <a:stCxn id="106" idx="3"/>
+            <a:endCxn id="117" idx="2"/>
+          </p:cNvCxnSpPr>
+          <p:nvPr/>
+        </p:nvCxnSpPr>
+        <p:spPr>
+          <a:xfrm flipV="1">
+            <a:off x="7315204" y="4613562"/>
+            <a:ext cx="492595" cy="5201"/>
+          </a:xfrm>
+          <a:prstGeom prst="bentConnector3">
+            <a:avLst>
+              <a:gd name="adj1" fmla="val 50000"/>
+            </a:avLst>
+          </a:prstGeom>
+          <a:ln>
+            <a:solidFill>
+              <a:schemeClr val="tx1"/>
+            </a:solidFill>
+            <a:tailEnd type="triangle" w="lg" len="lg"/>
+          </a:ln>
+        </p:spPr>
+        <p:style>
+          <a:lnRef idx="1">
+            <a:schemeClr val="accent1"/>
+          </a:lnRef>
+          <a:fillRef idx="0">
+            <a:schemeClr val="accent1"/>
+          </a:fillRef>
+          <a:effectRef idx="0">
+            <a:schemeClr val="accent1"/>
+          </a:effectRef>
+          <a:fontRef idx="minor">
+            <a:schemeClr val="tx1"/>
+          </a:fontRef>
+        </p:style>
+      </p:cxnSp>
+      <p:sp>
+        <p:nvSpPr>
+          <p:cNvPr id="122" name="Rectangle 121"/>
+          <p:cNvSpPr/>
+          <p:nvPr/>
+        </p:nvSpPr>
+        <p:spPr>
+          <a:xfrm>
+            <a:off x="9236987" y="4270661"/>
+            <a:ext cx="1366947" cy="685799"/>
+          </a:xfrm>
+          <a:prstGeom prst="rect">
+            <a:avLst/>
+          </a:prstGeom>
+          <a:solidFill>
+            <a:schemeClr val="bg1"/>
+          </a:solidFill>
+          <a:ln>
+            <a:solidFill>
+              <a:schemeClr val="tx1"/>
+            </a:solidFill>
+          </a:ln>
+        </p:spPr>
+        <p:style>
+          <a:lnRef idx="2">
+            <a:schemeClr val="accent1">
+              <a:shade val="50000"/>
+            </a:schemeClr>
+          </a:lnRef>
+          <a:fillRef idx="1">
+            <a:schemeClr val="accent1"/>
+          </a:fillRef>
+          <a:effectRef idx="0">
+            <a:schemeClr val="accent1"/>
+          </a:effectRef>
+          <a:fontRef idx="minor">
+            <a:schemeClr val="lt1"/>
+          </a:fontRef>
+        </p:style>
+        <p:txBody>
+          <a:bodyPr rtlCol="0" anchor="ctr"/>
+          <a:lstStyle/>
+          <a:p>
+            <a:pPr algn="ctr"/>
+            <a:r>
+              <a:rPr lang="en-US" sz="1200" dirty="0" smtClean="0">
+                <a:solidFill>
+                  <a:schemeClr val="tx1"/>
+                </a:solidFill>
+                <a:latin typeface="CMU Typewriter Text Variable Width Medium" charset="0"/>
+                <a:ea typeface="CMU Typewriter Text Variable Width Medium" charset="0"/>
+                <a:cs typeface="CMU Typewriter Text Variable Width Medium" charset="0"/>
+              </a:rPr>
+              <a:t>Results collection and aggregation</a:t>
+            </a:r>
+            <a:endParaRPr lang="en-US" sz="1200" dirty="0">
+              <a:solidFill>
+                <a:schemeClr val="tx1"/>
+              </a:solidFill>
+              <a:latin typeface="CMU Typewriter Text Variable Width Medium" charset="0"/>
+              <a:ea typeface="CMU Typewriter Text Variable Width Medium" charset="0"/>
+              <a:cs typeface="CMU Typewriter Text Variable Width Medium" charset="0"/>
+            </a:endParaRPr>
+          </a:p>
+        </p:txBody>
+      </p:sp>
+      <p:cxnSp>
+        <p:nvCxnSpPr>
+          <p:cNvPr id="124" name="Elbow Connector 123"/>
+          <p:cNvCxnSpPr>
+            <a:stCxn id="122" idx="3"/>
+            <a:endCxn id="58" idx="3"/>
+          </p:cNvCxnSpPr>
+          <p:nvPr/>
+        </p:nvCxnSpPr>
+        <p:spPr>
+          <a:xfrm flipH="1" flipV="1">
+            <a:off x="4542022" y="2784761"/>
+            <a:ext cx="6061912" cy="1828800"/>
+          </a:xfrm>
+          <a:prstGeom prst="bentConnector4">
+            <a:avLst>
+              <a:gd name="adj1" fmla="val -3771"/>
+              <a:gd name="adj2" fmla="val 79072"/>
+            </a:avLst>
+          </a:prstGeom>
+          <a:ln>
+            <a:solidFill>
+              <a:schemeClr val="tx1"/>
+            </a:solidFill>
+            <a:tailEnd type="triangle" w="lg" len="lg"/>
+          </a:ln>
+        </p:spPr>
+        <p:style>
+          <a:lnRef idx="1">
+            <a:schemeClr val="accent1"/>
+          </a:lnRef>
+          <a:fillRef idx="0">
+            <a:schemeClr val="accent1"/>
+          </a:fillRef>
+          <a:effectRef idx="0">
+            <a:schemeClr val="accent1"/>
+          </a:effectRef>
+          <a:fontRef idx="minor">
+            <a:schemeClr val="tx1"/>
+          </a:fontRef>
+        </p:style>
+      </p:cxnSp>
+      <p:cxnSp>
+        <p:nvCxnSpPr>
+          <p:cNvPr id="128" name="Elbow Connector 127"/>
+          <p:cNvCxnSpPr>
+            <a:stCxn id="117" idx="0"/>
+            <a:endCxn id="122" idx="1"/>
+          </p:cNvCxnSpPr>
+          <p:nvPr/>
+        </p:nvCxnSpPr>
+        <p:spPr>
+          <a:xfrm flipV="1">
+            <a:off x="8815201" y="4613561"/>
+            <a:ext cx="421786" cy="1"/>
+          </a:xfrm>
+          <a:prstGeom prst="bentConnector3">
+            <a:avLst>
+              <a:gd name="adj1" fmla="val 50000"/>
+            </a:avLst>
+          </a:prstGeom>
+          <a:ln>
+            <a:solidFill>
+              <a:schemeClr val="tx1"/>
+            </a:solidFill>
+            <a:tailEnd type="triangle" w="lg" len="lg"/>
+          </a:ln>
+        </p:spPr>
+        <p:style>
+          <a:lnRef idx="1">
+            <a:schemeClr val="accent1"/>
+          </a:lnRef>
+          <a:fillRef idx="0">
+            <a:schemeClr val="accent1"/>
+          </a:fillRef>
+          <a:effectRef idx="0">
+            <a:schemeClr val="accent1"/>
+          </a:effectRef>
+          <a:fontRef idx="minor">
+            <a:schemeClr val="tx1"/>
+          </a:fontRef>
+        </p:style>
+      </p:cxnSp>
+      <p:cxnSp>
+        <p:nvCxnSpPr>
+          <p:cNvPr id="131" name="Elbow Connector 130"/>
+          <p:cNvCxnSpPr>
+            <a:stCxn id="122" idx="0"/>
+            <a:endCxn id="96" idx="1"/>
+          </p:cNvCxnSpPr>
+          <p:nvPr/>
+        </p:nvCxnSpPr>
+        <p:spPr>
+          <a:xfrm rot="16200000" flipV="1">
+            <a:off x="6931642" y="1281841"/>
+            <a:ext cx="599201" cy="5378439"/>
+          </a:xfrm>
+          <a:prstGeom prst="bentConnector3">
+            <a:avLst>
+              <a:gd name="adj1" fmla="val 149712"/>
+            </a:avLst>
+          </a:prstGeom>
+          <a:ln>
+            <a:solidFill>
+              <a:schemeClr val="tx1"/>
+            </a:solidFill>
+            <a:tailEnd type="triangle" w="lg" len="lg"/>
+          </a:ln>
+        </p:spPr>
+        <p:style>
+          <a:lnRef idx="1">
+            <a:schemeClr val="accent1"/>
+          </a:lnRef>
+          <a:fillRef idx="0">
+            <a:schemeClr val="accent1"/>
+          </a:fillRef>
+          <a:effectRef idx="0">
+            <a:schemeClr val="accent1"/>
+          </a:effectRef>
+          <a:fontRef idx="minor">
+            <a:schemeClr val="tx1"/>
+          </a:fontRef>
+        </p:style>
+      </p:cxnSp>
+      <p:sp>
+        <p:nvSpPr>
+          <p:cNvPr id="143" name="TextBox 142"/>
+          <p:cNvSpPr txBox="1"/>
+          <p:nvPr/>
+        </p:nvSpPr>
+        <p:spPr>
+          <a:xfrm>
+            <a:off x="10603934" y="4655125"/>
+            <a:ext cx="708848" cy="276999"/>
+          </a:xfrm>
+          <a:prstGeom prst="rect">
+            <a:avLst/>
+          </a:prstGeom>
+          <a:noFill/>
+        </p:spPr>
+        <p:txBody>
+          <a:bodyPr wrap="none" rtlCol="0">
+            <a:spAutoFit/>
+          </a:bodyPr>
+          <a:lstStyle/>
+          <a:p>
+            <a:r>
+              <a:rPr lang="en-US" sz="1200" dirty="0" smtClean="0">
+                <a:latin typeface="CMU Typewriter Text Variable Width Medium" charset="0"/>
+                <a:ea typeface="CMU Typewriter Text Variable Width Medium" charset="0"/>
+                <a:cs typeface="CMU Typewriter Text Variable Width Medium" charset="0"/>
+              </a:rPr>
+              <a:t>Success</a:t>
+            </a:r>
+            <a:endParaRPr lang="en-US" sz="1200" dirty="0">
+              <a:latin typeface="CMU Typewriter Text Variable Width Medium" charset="0"/>
+              <a:ea typeface="CMU Typewriter Text Variable Width Medium" charset="0"/>
+              <a:cs typeface="CMU Typewriter Text Variable Width Medium" charset="0"/>
+            </a:endParaRPr>
+          </a:p>
+        </p:txBody>
+      </p:sp>
+      <p:sp>
+        <p:nvSpPr>
+          <p:cNvPr id="144" name="TextBox 143"/>
+          <p:cNvSpPr txBox="1"/>
+          <p:nvPr/>
+        </p:nvSpPr>
+        <p:spPr>
+          <a:xfrm>
+            <a:off x="9895087" y="3978082"/>
+            <a:ext cx="455574" cy="276999"/>
+          </a:xfrm>
+          <a:prstGeom prst="rect">
+            <a:avLst/>
+          </a:prstGeom>
+          <a:noFill/>
+        </p:spPr>
+        <p:txBody>
+          <a:bodyPr wrap="none" rtlCol="0">
+            <a:spAutoFit/>
+          </a:bodyPr>
+          <a:lstStyle/>
+          <a:p>
+            <a:r>
+              <a:rPr lang="en-US" sz="1200" dirty="0" smtClean="0">
+                <a:latin typeface="CMU Typewriter Text Variable Width Medium" charset="0"/>
+                <a:ea typeface="CMU Typewriter Text Variable Width Medium" charset="0"/>
+                <a:cs typeface="CMU Typewriter Text Variable Width Medium" charset="0"/>
+              </a:rPr>
+              <a:t>Fail</a:t>
+            </a:r>
+            <a:endParaRPr lang="en-US" sz="1200" dirty="0">
+              <a:latin typeface="CMU Typewriter Text Variable Width Medium" charset="0"/>
+              <a:ea typeface="CMU Typewriter Text Variable Width Medium" charset="0"/>
+              <a:cs typeface="CMU Typewriter Text Variable Width Medium" charset="0"/>
+            </a:endParaRPr>
+          </a:p>
+        </p:txBody>
+      </p:sp>
+      <p:sp>
+        <p:nvSpPr>
+          <p:cNvPr id="149" name="Cloud 148"/>
+          <p:cNvSpPr/>
+          <p:nvPr/>
+        </p:nvSpPr>
+        <p:spPr>
+          <a:xfrm>
+            <a:off x="9404923" y="713070"/>
+            <a:ext cx="1553435" cy="1104034"/>
+          </a:xfrm>
+          <a:prstGeom prst="cloud">
+            <a:avLst/>
+          </a:prstGeom>
+          <a:solidFill>
+            <a:schemeClr val="bg1"/>
+          </a:solidFill>
+          <a:ln>
+            <a:solidFill>
+              <a:schemeClr val="tx1"/>
+            </a:solidFill>
+          </a:ln>
+        </p:spPr>
+        <p:style>
+          <a:lnRef idx="2">
+            <a:schemeClr val="accent1">
+              <a:shade val="50000"/>
+            </a:schemeClr>
+          </a:lnRef>
+          <a:fillRef idx="1">
+            <a:schemeClr val="accent1"/>
+          </a:fillRef>
+          <a:effectRef idx="0">
+            <a:schemeClr val="accent1"/>
+          </a:effectRef>
+          <a:fontRef idx="minor">
+            <a:schemeClr val="lt1"/>
+          </a:fontRef>
+        </p:style>
+        <p:txBody>
+          <a:bodyPr rtlCol="0" anchor="ctr"/>
+          <a:lstStyle/>
+          <a:p>
+            <a:pPr algn="ctr"/>
+            <a:r>
+              <a:rPr lang="en-US" sz="1200" dirty="0" smtClean="0">
+                <a:solidFill>
+                  <a:schemeClr val="tx1"/>
+                </a:solidFill>
+                <a:latin typeface="CMU Typewriter Text Variable Width Medium" charset="0"/>
+                <a:ea typeface="CMU Typewriter Text Variable Width Medium" charset="0"/>
+                <a:cs typeface="CMU Typewriter Text Variable Width Medium" charset="0"/>
+              </a:rPr>
+              <a:t>Other OLAF creation processes</a:t>
+            </a:r>
+            <a:endParaRPr lang="en-US" sz="1200" dirty="0">
+              <a:solidFill>
+                <a:schemeClr val="tx1"/>
+              </a:solidFill>
+              <a:latin typeface="CMU Typewriter Text Variable Width Medium" charset="0"/>
+              <a:ea typeface="CMU Typewriter Text Variable Width Medium" charset="0"/>
+              <a:cs typeface="CMU Typewriter Text Variable Width Medium" charset="0"/>
+            </a:endParaRPr>
+          </a:p>
+        </p:txBody>
+      </p:sp>
+      <p:cxnSp>
+        <p:nvCxnSpPr>
+          <p:cNvPr id="159" name="Elbow Connector 158"/>
+          <p:cNvCxnSpPr>
+            <a:stCxn id="82" idx="4"/>
+            <a:endCxn id="149" idx="1"/>
+          </p:cNvCxnSpPr>
+          <p:nvPr/>
+        </p:nvCxnSpPr>
+        <p:spPr>
+          <a:xfrm flipV="1">
+            <a:off x="8714513" y="1815928"/>
+            <a:ext cx="1467128" cy="386942"/>
+          </a:xfrm>
+          <a:prstGeom prst="bentConnector2">
+            <a:avLst/>
+          </a:prstGeom>
+          <a:ln>
+            <a:solidFill>
+              <a:schemeClr val="tx1"/>
+            </a:solidFill>
+            <a:tailEnd type="triangle" w="lg" len="lg"/>
+          </a:ln>
+        </p:spPr>
+        <p:style>
+          <a:lnRef idx="1">
+            <a:schemeClr val="accent1"/>
+          </a:lnRef>
+          <a:fillRef idx="0">
+            <a:schemeClr val="accent1"/>
+          </a:fillRef>
+          <a:effectRef idx="0">
+            <a:schemeClr val="accent1"/>
+          </a:effectRef>
+          <a:fontRef idx="minor">
+            <a:schemeClr val="tx1"/>
+          </a:fontRef>
+        </p:style>
+      </p:cxnSp>
+      <p:cxnSp>
+        <p:nvCxnSpPr>
+          <p:cNvPr id="187" name="Elbow Connector 186"/>
+          <p:cNvCxnSpPr>
+            <a:stCxn id="58" idx="4"/>
+            <a:endCxn id="149" idx="2"/>
+          </p:cNvCxnSpPr>
+          <p:nvPr/>
+        </p:nvCxnSpPr>
+        <p:spPr>
+          <a:xfrm flipV="1">
+            <a:off x="4996947" y="1265087"/>
+            <a:ext cx="4412795" cy="937783"/>
+          </a:xfrm>
+          <a:prstGeom prst="bentConnector3">
+            <a:avLst>
+              <a:gd name="adj1" fmla="val 8557"/>
+            </a:avLst>
+          </a:prstGeom>
+          <a:ln>
+            <a:solidFill>
+              <a:schemeClr val="tx1"/>
+            </a:solidFill>
+            <a:tailEnd type="triangle" w="lg" len="lg"/>
+          </a:ln>
+        </p:spPr>
+        <p:style>
+          <a:lnRef idx="1">
+            <a:schemeClr val="accent1"/>
+          </a:lnRef>
+          <a:fillRef idx="0">
+            <a:schemeClr val="accent1"/>
+          </a:fillRef>
+          <a:effectRef idx="0">
+            <a:schemeClr val="accent1"/>
+          </a:effectRef>
+          <a:fontRef idx="minor">
+            <a:schemeClr val="tx1"/>
+          </a:fontRef>
+        </p:style>
+      </p:cxnSp>
+    </p:spTree>
+    <p:extLst>
+      <p:ext uri="{BB962C8B-B14F-4D97-AF65-F5344CB8AC3E}">
+        <p14:creationId xmlns:p14="http://schemas.microsoft.com/office/powerpoint/2010/main" val="1708015843"/>
       </p:ext>
     </p:extLst>
   </p:cSld>

--- a/images_src/misc_powerpoint.pptx
+++ b/images_src/misc_powerpoint.pptx
@@ -7400,7 +7400,7 @@
         </p:nvSpPr>
         <p:spPr>
           <a:xfrm>
-            <a:off x="697281" y="4804060"/>
+            <a:off x="697281" y="5344389"/>
             <a:ext cx="909851" cy="609600"/>
           </a:xfrm>
           <a:prstGeom prst="flowChartMagneticDisk">
@@ -7614,7 +7614,7 @@
         </p:nvSpPr>
         <p:spPr>
           <a:xfrm>
-            <a:off x="5948257" y="4156368"/>
+            <a:off x="5948257" y="4696697"/>
             <a:ext cx="1366947" cy="924790"/>
           </a:xfrm>
           <a:prstGeom prst="rect">
@@ -7683,7 +7683,7 @@
         </p:nvCxnSpPr>
         <p:spPr>
           <a:xfrm flipV="1">
-            <a:off x="1607132" y="4618763"/>
+            <a:off x="1607132" y="5159092"/>
             <a:ext cx="4341125" cy="490097"/>
           </a:xfrm>
           <a:prstGeom prst="bentConnector3">
@@ -7725,7 +7725,7 @@
         <p:spPr>
           <a:xfrm>
             <a:off x="4996947" y="4253352"/>
-            <a:ext cx="951310" cy="365411"/>
+            <a:ext cx="951310" cy="905740"/>
           </a:xfrm>
           <a:prstGeom prst="bentConnector3">
             <a:avLst>
@@ -7762,7 +7762,7 @@
         </p:nvSpPr>
         <p:spPr>
           <a:xfrm>
-            <a:off x="7804662" y="4199658"/>
+            <a:off x="7804662" y="4739987"/>
             <a:ext cx="1011382" cy="827807"/>
           </a:xfrm>
           <a:prstGeom prst="cloud">
@@ -7831,7 +7831,7 @@
         </p:nvCxnSpPr>
         <p:spPr>
           <a:xfrm flipV="1">
-            <a:off x="7315204" y="4613562"/>
+            <a:off x="7315204" y="5153891"/>
             <a:ext cx="492595" cy="5201"/>
           </a:xfrm>
           <a:prstGeom prst="bentConnector3">
@@ -7869,7 +7869,7 @@
         </p:nvSpPr>
         <p:spPr>
           <a:xfrm>
-            <a:off x="9236987" y="4270661"/>
+            <a:off x="9236987" y="4810990"/>
             <a:ext cx="1366947" cy="685799"/>
           </a:xfrm>
           <a:prstGeom prst="rect">
@@ -7939,12 +7939,12 @@
         <p:spPr>
           <a:xfrm flipH="1" flipV="1">
             <a:off x="4542022" y="2784761"/>
-            <a:ext cx="6061912" cy="1828800"/>
+            <a:ext cx="6061912" cy="2369129"/>
           </a:xfrm>
           <a:prstGeom prst="bentConnector4">
             <a:avLst>
               <a:gd name="adj1" fmla="val -3771"/>
-              <a:gd name="adj2" fmla="val 79072"/>
+              <a:gd name="adj2" fmla="val 84138"/>
             </a:avLst>
           </a:prstGeom>
           <a:ln>
@@ -7980,7 +7980,7 @@
         </p:nvCxnSpPr>
         <p:spPr>
           <a:xfrm flipV="1">
-            <a:off x="8815201" y="4613561"/>
+            <a:off x="8815201" y="5153890"/>
             <a:ext cx="421786" cy="1"/>
           </a:xfrm>
           <a:prstGeom prst="bentConnector3">
@@ -8021,12 +8021,12 @@
         </p:nvCxnSpPr>
         <p:spPr>
           <a:xfrm rot="16200000" flipV="1">
-            <a:off x="6931642" y="1281841"/>
-            <a:ext cx="599201" cy="5378439"/>
+            <a:off x="6661477" y="1552005"/>
+            <a:ext cx="1139530" cy="5378439"/>
           </a:xfrm>
           <a:prstGeom prst="bentConnector3">
             <a:avLst>
-              <a:gd name="adj1" fmla="val 149712"/>
+              <a:gd name="adj1" fmla="val 126140"/>
             </a:avLst>
           </a:prstGeom>
           <a:ln>
@@ -8059,7 +8059,7 @@
         </p:nvSpPr>
         <p:spPr>
           <a:xfrm>
-            <a:off x="10603934" y="4655125"/>
+            <a:off x="10603934" y="5195454"/>
             <a:ext cx="708848" cy="276999"/>
           </a:xfrm>
           <a:prstGeom prst="rect">
@@ -8097,7 +8097,7 @@
         </p:nvSpPr>
         <p:spPr>
           <a:xfrm>
-            <a:off x="9895087" y="3978082"/>
+            <a:off x="9895087" y="4518411"/>
             <a:ext cx="455574" cy="276999"/>
           </a:xfrm>
           <a:prstGeom prst="rect">
@@ -8249,6 +8249,47 @@
           <a:prstGeom prst="bentConnector3">
             <a:avLst>
               <a:gd name="adj1" fmla="val 8557"/>
+            </a:avLst>
+          </a:prstGeom>
+          <a:ln>
+            <a:solidFill>
+              <a:schemeClr val="tx1"/>
+            </a:solidFill>
+            <a:tailEnd type="triangle" w="lg" len="lg"/>
+          </a:ln>
+        </p:spPr>
+        <p:style>
+          <a:lnRef idx="1">
+            <a:schemeClr val="accent1"/>
+          </a:lnRef>
+          <a:fillRef idx="0">
+            <a:schemeClr val="accent1"/>
+          </a:fillRef>
+          <a:effectRef idx="0">
+            <a:schemeClr val="accent1"/>
+          </a:effectRef>
+          <a:fontRef idx="minor">
+            <a:schemeClr val="tx1"/>
+          </a:fontRef>
+        </p:style>
+      </p:cxnSp>
+      <p:cxnSp>
+        <p:nvCxnSpPr>
+          <p:cNvPr id="191" name="Elbow Connector 190"/>
+          <p:cNvCxnSpPr>
+            <a:stCxn id="43" idx="4"/>
+            <a:endCxn id="106" idx="1"/>
+          </p:cNvCxnSpPr>
+          <p:nvPr/>
+        </p:nvCxnSpPr>
+        <p:spPr>
+          <a:xfrm>
+            <a:off x="3061860" y="1607125"/>
+            <a:ext cx="2886397" cy="3551967"/>
+          </a:xfrm>
+          <a:prstGeom prst="bentConnector3">
+            <a:avLst>
+              <a:gd name="adj1" fmla="val 20240"/>
             </a:avLst>
           </a:prstGeom>
           <a:ln>

--- a/images_src/misc_powerpoint.pptx
+++ b/images_src/misc_powerpoint.pptx
@@ -7400,7 +7400,7 @@
         </p:nvSpPr>
         <p:spPr>
           <a:xfrm>
-            <a:off x="697281" y="5344389"/>
+            <a:off x="752701" y="5496794"/>
             <a:ext cx="909851" cy="609600"/>
           </a:xfrm>
           <a:prstGeom prst="flowChartMagneticDisk">
@@ -7614,7 +7614,7 @@
         </p:nvSpPr>
         <p:spPr>
           <a:xfrm>
-            <a:off x="5948257" y="4696697"/>
+            <a:off x="6488592" y="4849102"/>
             <a:ext cx="1366947" cy="924790"/>
           </a:xfrm>
           <a:prstGeom prst="rect">
@@ -7683,12 +7683,12 @@
         </p:nvCxnSpPr>
         <p:spPr>
           <a:xfrm flipV="1">
-            <a:off x="1607132" y="5159092"/>
-            <a:ext cx="4341125" cy="490097"/>
+            <a:off x="1662552" y="5311497"/>
+            <a:ext cx="4826040" cy="490097"/>
           </a:xfrm>
           <a:prstGeom prst="bentConnector3">
             <a:avLst>
-              <a:gd name="adj1" fmla="val 89255"/>
+              <a:gd name="adj1" fmla="val 41101"/>
             </a:avLst>
           </a:prstGeom>
           <a:ln>
@@ -7718,14 +7718,14 @@
           <p:cNvPr id="111" name="Elbow Connector 110"/>
           <p:cNvCxnSpPr>
             <a:stCxn id="96" idx="4"/>
-            <a:endCxn id="106" idx="1"/>
+            <a:endCxn id="199" idx="1"/>
           </p:cNvCxnSpPr>
           <p:nvPr/>
         </p:nvCxnSpPr>
         <p:spPr>
           <a:xfrm>
             <a:off x="4996947" y="4253352"/>
-            <a:ext cx="951310" cy="905740"/>
+            <a:ext cx="494214" cy="3458"/>
           </a:xfrm>
           <a:prstGeom prst="bentConnector3">
             <a:avLst>
@@ -7762,7 +7762,7 @@
         </p:nvSpPr>
         <p:spPr>
           <a:xfrm>
-            <a:off x="7804662" y="4739987"/>
+            <a:off x="8344997" y="4892392"/>
             <a:ext cx="1011382" cy="827807"/>
           </a:xfrm>
           <a:prstGeom prst="cloud">
@@ -7831,7 +7831,7 @@
         </p:nvCxnSpPr>
         <p:spPr>
           <a:xfrm flipV="1">
-            <a:off x="7315204" y="5153891"/>
+            <a:off x="7855539" y="5306296"/>
             <a:ext cx="492595" cy="5201"/>
           </a:xfrm>
           <a:prstGeom prst="bentConnector3">
@@ -7869,7 +7869,7 @@
         </p:nvSpPr>
         <p:spPr>
           <a:xfrm>
-            <a:off x="9236987" y="4810990"/>
+            <a:off x="9777322" y="4963395"/>
             <a:ext cx="1366947" cy="685799"/>
           </a:xfrm>
           <a:prstGeom prst="rect">
@@ -7939,12 +7939,12 @@
         <p:spPr>
           <a:xfrm flipH="1" flipV="1">
             <a:off x="4542022" y="2784761"/>
-            <a:ext cx="6061912" cy="2369129"/>
+            <a:ext cx="6602247" cy="2521534"/>
           </a:xfrm>
           <a:prstGeom prst="bentConnector4">
             <a:avLst>
-              <a:gd name="adj1" fmla="val -3771"/>
-              <a:gd name="adj2" fmla="val 84138"/>
+              <a:gd name="adj1" fmla="val -3462"/>
+              <a:gd name="adj2" fmla="val 85920"/>
             </a:avLst>
           </a:prstGeom>
           <a:ln>
@@ -7980,7 +7980,7 @@
         </p:nvCxnSpPr>
         <p:spPr>
           <a:xfrm flipV="1">
-            <a:off x="8815201" y="5153890"/>
+            <a:off x="9355536" y="5306295"/>
             <a:ext cx="421786" cy="1"/>
           </a:xfrm>
           <a:prstGeom prst="bentConnector3">
@@ -8021,12 +8021,12 @@
         </p:nvCxnSpPr>
         <p:spPr>
           <a:xfrm rot="16200000" flipV="1">
-            <a:off x="6661477" y="1552005"/>
-            <a:ext cx="1139530" cy="5378439"/>
+            <a:off x="6855442" y="1358041"/>
+            <a:ext cx="1291935" cy="5918774"/>
           </a:xfrm>
           <a:prstGeom prst="bentConnector3">
             <a:avLst>
-              <a:gd name="adj1" fmla="val 126140"/>
+              <a:gd name="adj1" fmla="val 120911"/>
             </a:avLst>
           </a:prstGeom>
           <a:ln>
@@ -8059,7 +8059,7 @@
         </p:nvSpPr>
         <p:spPr>
           <a:xfrm>
-            <a:off x="10603934" y="5195454"/>
+            <a:off x="11144269" y="5347859"/>
             <a:ext cx="708848" cy="276999"/>
           </a:xfrm>
           <a:prstGeom prst="rect">
@@ -8097,7 +8097,7 @@
         </p:nvSpPr>
         <p:spPr>
           <a:xfrm>
-            <a:off x="9895087" y="4518411"/>
+            <a:off x="10435422" y="4670816"/>
             <a:ext cx="455574" cy="276999"/>
           </a:xfrm>
           <a:prstGeom prst="rect">
@@ -8285,12 +8285,128 @@
         <p:spPr>
           <a:xfrm>
             <a:off x="3061860" y="1607125"/>
-            <a:ext cx="2886397" cy="3551967"/>
+            <a:ext cx="3426732" cy="3704372"/>
           </a:xfrm>
           <a:prstGeom prst="bentConnector3">
             <a:avLst>
-              <a:gd name="adj1" fmla="val 20240"/>
+              <a:gd name="adj1" fmla="val 16847"/>
             </a:avLst>
+          </a:prstGeom>
+          <a:ln>
+            <a:solidFill>
+              <a:schemeClr val="tx1"/>
+            </a:solidFill>
+            <a:tailEnd type="triangle" w="lg" len="lg"/>
+          </a:ln>
+        </p:spPr>
+        <p:style>
+          <a:lnRef idx="1">
+            <a:schemeClr val="accent1"/>
+          </a:lnRef>
+          <a:fillRef idx="0">
+            <a:schemeClr val="accent1"/>
+          </a:fillRef>
+          <a:effectRef idx="0">
+            <a:schemeClr val="accent1"/>
+          </a:effectRef>
+          <a:fontRef idx="minor">
+            <a:schemeClr val="tx1"/>
+          </a:fontRef>
+        </p:style>
+      </p:cxnSp>
+      <p:sp>
+        <p:nvSpPr>
+          <p:cNvPr id="199" name="Rectangle 198"/>
+          <p:cNvSpPr/>
+          <p:nvPr/>
+        </p:nvSpPr>
+        <p:spPr>
+          <a:xfrm>
+            <a:off x="5491161" y="3964996"/>
+            <a:ext cx="1366947" cy="583627"/>
+          </a:xfrm>
+          <a:prstGeom prst="rect">
+            <a:avLst/>
+          </a:prstGeom>
+          <a:solidFill>
+            <a:schemeClr val="bg1"/>
+          </a:solidFill>
+          <a:ln>
+            <a:solidFill>
+              <a:schemeClr val="tx1"/>
+            </a:solidFill>
+          </a:ln>
+        </p:spPr>
+        <p:style>
+          <a:lnRef idx="2">
+            <a:schemeClr val="accent1">
+              <a:shade val="50000"/>
+            </a:schemeClr>
+          </a:lnRef>
+          <a:fillRef idx="1">
+            <a:schemeClr val="accent1"/>
+          </a:fillRef>
+          <a:effectRef idx="0">
+            <a:schemeClr val="accent1"/>
+          </a:effectRef>
+          <a:fontRef idx="minor">
+            <a:schemeClr val="lt1"/>
+          </a:fontRef>
+        </p:style>
+        <p:txBody>
+          <a:bodyPr rtlCol="0" anchor="ctr"/>
+          <a:lstStyle/>
+          <a:p>
+            <a:pPr algn="ctr"/>
+            <a:r>
+              <a:rPr lang="en-US" sz="1200" dirty="0" err="1" smtClean="0">
+                <a:solidFill>
+                  <a:schemeClr val="tx1"/>
+                </a:solidFill>
+                <a:latin typeface="CMU Typewriter Text Variable Width Medium" charset="0"/>
+                <a:ea typeface="CMU Typewriter Text Variable Width Medium" charset="0"/>
+                <a:cs typeface="CMU Typewriter Text Variable Width Medium" charset="0"/>
+              </a:rPr>
+              <a:t>Prioritisation</a:t>
+            </a:r>
+            <a:r>
+              <a:rPr lang="en-US" sz="1200" dirty="0" smtClean="0">
+                <a:solidFill>
+                  <a:schemeClr val="tx1"/>
+                </a:solidFill>
+                <a:latin typeface="CMU Typewriter Text Variable Width Medium" charset="0"/>
+                <a:ea typeface="CMU Typewriter Text Variable Width Medium" charset="0"/>
+                <a:cs typeface="CMU Typewriter Text Variable Width Medium" charset="0"/>
+              </a:rPr>
+              <a:t> / filtering</a:t>
+            </a:r>
+            <a:endParaRPr lang="en-US" sz="1200" dirty="0">
+              <a:solidFill>
+                <a:schemeClr val="tx1"/>
+              </a:solidFill>
+              <a:latin typeface="CMU Typewriter Text Variable Width Medium" charset="0"/>
+              <a:ea typeface="CMU Typewriter Text Variable Width Medium" charset="0"/>
+              <a:cs typeface="CMU Typewriter Text Variable Width Medium" charset="0"/>
+            </a:endParaRPr>
+          </a:p>
+        </p:txBody>
+      </p:sp>
+      <p:cxnSp>
+        <p:nvCxnSpPr>
+          <p:cNvPr id="205" name="Elbow Connector 204"/>
+          <p:cNvCxnSpPr>
+            <a:stCxn id="199" idx="3"/>
+            <a:endCxn id="106" idx="0"/>
+          </p:cNvCxnSpPr>
+          <p:nvPr/>
+        </p:nvCxnSpPr>
+        <p:spPr>
+          <a:xfrm>
+            <a:off x="6858108" y="4256810"/>
+            <a:ext cx="313958" cy="592292"/>
+          </a:xfrm>
+          <a:prstGeom prst="bentConnector2">
+            <a:avLst/>
           </a:prstGeom>
           <a:ln>
             <a:solidFill>

--- a/images_src/misc_powerpoint.pptx
+++ b/images_src/misc_powerpoint.pptx
@@ -2,10 +2,10 @@
 <file path=ppt/presentation.xml><?xml version="1.0" encoding="utf-8"?>
 <p:presentation xmlns:a="http://schemas.openxmlformats.org/drawingml/2006/main" xmlns:r="http://schemas.openxmlformats.org/officeDocument/2006/relationships" xmlns:p="http://schemas.openxmlformats.org/presentationml/2006/main" saveSubsetFonts="1" autoCompressPictures="0">
   <p:sldMasterIdLst>
-    <p:sldMasterId id="2147483648" r:id="rId1"/>
+    <p:sldMasterId id="2147483684" r:id="rId1"/>
   </p:sldMasterIdLst>
   <p:notesMasterIdLst>
-    <p:notesMasterId r:id="rId8"/>
+    <p:notesMasterId r:id="rId9"/>
   </p:notesMasterIdLst>
   <p:sldIdLst>
     <p:sldId id="258" r:id="rId2"/>
@@ -14,8 +14,9 @@
     <p:sldId id="261" r:id="rId5"/>
     <p:sldId id="262" r:id="rId6"/>
     <p:sldId id="263" r:id="rId7"/>
+    <p:sldId id="264" r:id="rId8"/>
   </p:sldIdLst>
-  <p:sldSz cx="12192000" cy="6858000"/>
+  <p:sldSz cx="18000663" cy="7747000"/>
   <p:notesSz cx="6858000" cy="9144000"/>
   <p:defaultTextStyle>
     <a:defPPr>
@@ -202,7 +203,7 @@
           <a:p>
             <a:fld id="{8A2C6B5F-9BC6-4B49-8DDC-1983D75D835F}" type="datetimeFigureOut">
               <a:rPr lang="en-US" smtClean="0"/>
-              <a:t>1/4/16</a:t>
+              <a:t>1/6/16</a:t>
             </a:fld>
             <a:endParaRPr lang="en-US"/>
           </a:p>
@@ -220,8 +221,8 @@
         </p:nvSpPr>
         <p:spPr>
           <a:xfrm>
-            <a:off x="685800" y="1143000"/>
-            <a:ext cx="5486400" cy="3086100"/>
+            <a:off x="-155575" y="1143000"/>
+            <a:ext cx="7169150" cy="3086100"/>
           </a:xfrm>
           <a:prstGeom prst="rect">
             <a:avLst/>
@@ -525,8 +526,8 @@
         </p:nvSpPr>
         <p:spPr>
           <a:xfrm>
-            <a:off x="381000" y="685800"/>
-            <a:ext cx="6096000" cy="3429000"/>
+            <a:off x="-554038" y="685800"/>
+            <a:ext cx="7966076" cy="3429000"/>
           </a:xfrm>
           <a:ln/>
         </p:spPr>
@@ -638,8 +639,8 @@
         </p:nvSpPr>
         <p:spPr>
           <a:xfrm>
-            <a:off x="381000" y="685800"/>
-            <a:ext cx="6096000" cy="3429000"/>
+            <a:off x="-554038" y="685800"/>
+            <a:ext cx="7966076" cy="3429000"/>
           </a:xfrm>
           <a:ln/>
         </p:spPr>
@@ -725,15 +726,15 @@
         </p:nvSpPr>
         <p:spPr>
           <a:xfrm>
-            <a:off x="1524000" y="1122363"/>
-            <a:ext cx="9144000" cy="2387600"/>
+            <a:off x="2250083" y="1267854"/>
+            <a:ext cx="13500497" cy="2697104"/>
           </a:xfrm>
         </p:spPr>
         <p:txBody>
           <a:bodyPr anchor="b"/>
           <a:lstStyle>
             <a:lvl1pPr algn="ctr">
-              <a:defRPr sz="6000"/>
+              <a:defRPr sz="6778"/>
             </a:lvl1pPr>
           </a:lstStyle>
           <a:p>
@@ -741,7 +742,7 @@
               <a:rPr lang="en-US" smtClean="0"/>
               <a:t>Click to edit Master title style</a:t>
             </a:r>
-            <a:endParaRPr lang="en-US"/>
+            <a:endParaRPr lang="en-US" dirty="0"/>
           </a:p>
         </p:txBody>
       </p:sp>
@@ -757,8 +758,8 @@
         </p:nvSpPr>
         <p:spPr>
           <a:xfrm>
-            <a:off x="1524000" y="3602038"/>
-            <a:ext cx="9144000" cy="1655762"/>
+            <a:off x="2250083" y="4068969"/>
+            <a:ext cx="13500497" cy="1870398"/>
           </a:xfrm>
         </p:spPr>
         <p:txBody>
@@ -766,39 +767,39 @@
           <a:lstStyle>
             <a:lvl1pPr marL="0" indent="0" algn="ctr">
               <a:buNone/>
-              <a:defRPr sz="2400"/>
+              <a:defRPr sz="2711"/>
             </a:lvl1pPr>
-            <a:lvl2pPr marL="457200" indent="0" algn="ctr">
+            <a:lvl2pPr marL="516453" indent="0" algn="ctr">
               <a:buNone/>
-              <a:defRPr sz="2000"/>
+              <a:defRPr sz="2259"/>
             </a:lvl2pPr>
-            <a:lvl3pPr marL="914400" indent="0" algn="ctr">
+            <a:lvl3pPr marL="1032906" indent="0" algn="ctr">
               <a:buNone/>
-              <a:defRPr sz="1800"/>
+              <a:defRPr sz="2033"/>
             </a:lvl3pPr>
-            <a:lvl4pPr marL="1371600" indent="0" algn="ctr">
+            <a:lvl4pPr marL="1549359" indent="0" algn="ctr">
               <a:buNone/>
-              <a:defRPr sz="1600"/>
+              <a:defRPr sz="1807"/>
             </a:lvl4pPr>
-            <a:lvl5pPr marL="1828800" indent="0" algn="ctr">
+            <a:lvl5pPr marL="2065812" indent="0" algn="ctr">
               <a:buNone/>
-              <a:defRPr sz="1600"/>
+              <a:defRPr sz="1807"/>
             </a:lvl5pPr>
-            <a:lvl6pPr marL="2286000" indent="0" algn="ctr">
+            <a:lvl6pPr marL="2582266" indent="0" algn="ctr">
               <a:buNone/>
-              <a:defRPr sz="1600"/>
+              <a:defRPr sz="1807"/>
             </a:lvl6pPr>
-            <a:lvl7pPr marL="2743200" indent="0" algn="ctr">
+            <a:lvl7pPr marL="3098719" indent="0" algn="ctr">
               <a:buNone/>
-              <a:defRPr sz="1600"/>
+              <a:defRPr sz="1807"/>
             </a:lvl7pPr>
-            <a:lvl8pPr marL="3200400" indent="0" algn="ctr">
+            <a:lvl8pPr marL="3615172" indent="0" algn="ctr">
               <a:buNone/>
-              <a:defRPr sz="1600"/>
+              <a:defRPr sz="1807"/>
             </a:lvl8pPr>
-            <a:lvl9pPr marL="3657600" indent="0" algn="ctr">
+            <a:lvl9pPr marL="4131625" indent="0" algn="ctr">
               <a:buNone/>
-              <a:defRPr sz="1600"/>
+              <a:defRPr sz="1807"/>
             </a:lvl9pPr>
           </a:lstStyle>
           <a:p>
@@ -806,7 +807,7 @@
               <a:rPr lang="en-US" smtClean="0"/>
               <a:t>Click to edit Master subtitle style</a:t>
             </a:r>
-            <a:endParaRPr lang="en-US"/>
+            <a:endParaRPr lang="en-US" dirty="0"/>
           </a:p>
         </p:txBody>
       </p:sp>
@@ -827,7 +828,7 @@
           <a:p>
             <a:fld id="{70491AAC-A65D-7044-B83C-B384503BD135}" type="datetimeFigureOut">
               <a:rPr lang="en-US" smtClean="0"/>
-              <a:t>1/4/16</a:t>
+              <a:t>1/6/16</a:t>
             </a:fld>
             <a:endParaRPr lang="en-US"/>
           </a:p>
@@ -878,7 +879,7 @@
     </p:spTree>
     <p:extLst>
       <p:ext uri="{BB962C8B-B14F-4D97-AF65-F5344CB8AC3E}">
-        <p14:creationId xmlns:p14="http://schemas.microsoft.com/office/powerpoint/2010/main" val="812366863"/>
+        <p14:creationId xmlns:p14="http://schemas.microsoft.com/office/powerpoint/2010/main" val="314931153"/>
       </p:ext>
     </p:extLst>
   </p:cSld>
@@ -924,7 +925,7 @@
               <a:rPr lang="en-US" smtClean="0"/>
               <a:t>Click to edit Master title style</a:t>
             </a:r>
-            <a:endParaRPr lang="en-US"/>
+            <a:endParaRPr lang="en-US" dirty="0"/>
           </a:p>
         </p:txBody>
       </p:sp>
@@ -976,7 +977,7 @@
               <a:rPr lang="en-US" smtClean="0"/>
               <a:t>Fifth level</a:t>
             </a:r>
-            <a:endParaRPr lang="en-US"/>
+            <a:endParaRPr lang="en-US" dirty="0"/>
           </a:p>
         </p:txBody>
       </p:sp>
@@ -997,7 +998,7 @@
           <a:p>
             <a:fld id="{70491AAC-A65D-7044-B83C-B384503BD135}" type="datetimeFigureOut">
               <a:rPr lang="en-US" smtClean="0"/>
-              <a:t>1/4/16</a:t>
+              <a:t>1/6/16</a:t>
             </a:fld>
             <a:endParaRPr lang="en-US"/>
           </a:p>
@@ -1048,7 +1049,7 @@
     </p:spTree>
     <p:extLst>
       <p:ext uri="{BB962C8B-B14F-4D97-AF65-F5344CB8AC3E}">
-        <p14:creationId xmlns:p14="http://schemas.microsoft.com/office/powerpoint/2010/main" val="1315680576"/>
+        <p14:creationId xmlns:p14="http://schemas.microsoft.com/office/powerpoint/2010/main" val="684790019"/>
       </p:ext>
     </p:extLst>
   </p:cSld>
@@ -1087,8 +1088,8 @@
         </p:nvSpPr>
         <p:spPr>
           <a:xfrm>
-            <a:off x="8724900" y="365125"/>
-            <a:ext cx="2628900" cy="5811838"/>
+            <a:off x="12881724" y="412456"/>
+            <a:ext cx="3881393" cy="6565224"/>
           </a:xfrm>
         </p:spPr>
         <p:txBody>
@@ -1099,7 +1100,7 @@
               <a:rPr lang="en-US" smtClean="0"/>
               <a:t>Click to edit Master title style</a:t>
             </a:r>
-            <a:endParaRPr lang="en-US"/>
+            <a:endParaRPr lang="en-US" dirty="0"/>
           </a:p>
         </p:txBody>
       </p:sp>
@@ -1115,8 +1116,8 @@
         </p:nvSpPr>
         <p:spPr>
           <a:xfrm>
-            <a:off x="838200" y="365125"/>
-            <a:ext cx="7734300" cy="5811838"/>
+            <a:off x="1237545" y="412456"/>
+            <a:ext cx="11419171" cy="6565224"/>
           </a:xfrm>
         </p:spPr>
         <p:txBody>
@@ -1156,7 +1157,7 @@
               <a:rPr lang="en-US" smtClean="0"/>
               <a:t>Fifth level</a:t>
             </a:r>
-            <a:endParaRPr lang="en-US"/>
+            <a:endParaRPr lang="en-US" dirty="0"/>
           </a:p>
         </p:txBody>
       </p:sp>
@@ -1177,7 +1178,7 @@
           <a:p>
             <a:fld id="{70491AAC-A65D-7044-B83C-B384503BD135}" type="datetimeFigureOut">
               <a:rPr lang="en-US" smtClean="0"/>
-              <a:t>1/4/16</a:t>
+              <a:t>1/6/16</a:t>
             </a:fld>
             <a:endParaRPr lang="en-US"/>
           </a:p>
@@ -1228,7 +1229,7 @@
     </p:spTree>
     <p:extLst>
       <p:ext uri="{BB962C8B-B14F-4D97-AF65-F5344CB8AC3E}">
-        <p14:creationId xmlns:p14="http://schemas.microsoft.com/office/powerpoint/2010/main" val="4327673"/>
+        <p14:creationId xmlns:p14="http://schemas.microsoft.com/office/powerpoint/2010/main" val="900985060"/>
       </p:ext>
     </p:extLst>
   </p:cSld>
@@ -1274,7 +1275,7 @@
               <a:rPr lang="en-US" smtClean="0"/>
               <a:t>Click to edit Master title style</a:t>
             </a:r>
-            <a:endParaRPr lang="en-US"/>
+            <a:endParaRPr lang="en-US" dirty="0"/>
           </a:p>
         </p:txBody>
       </p:sp>
@@ -1326,7 +1327,7 @@
               <a:rPr lang="en-US" smtClean="0"/>
               <a:t>Fifth level</a:t>
             </a:r>
-            <a:endParaRPr lang="en-US"/>
+            <a:endParaRPr lang="en-US" dirty="0"/>
           </a:p>
         </p:txBody>
       </p:sp>
@@ -1347,7 +1348,7 @@
           <a:p>
             <a:fld id="{70491AAC-A65D-7044-B83C-B384503BD135}" type="datetimeFigureOut">
               <a:rPr lang="en-US" smtClean="0"/>
-              <a:t>1/4/16</a:t>
+              <a:t>1/6/16</a:t>
             </a:fld>
             <a:endParaRPr lang="en-US"/>
           </a:p>
@@ -1398,7 +1399,7 @@
     </p:spTree>
     <p:extLst>
       <p:ext uri="{BB962C8B-B14F-4D97-AF65-F5344CB8AC3E}">
-        <p14:creationId xmlns:p14="http://schemas.microsoft.com/office/powerpoint/2010/main" val="692312747"/>
+        <p14:creationId xmlns:p14="http://schemas.microsoft.com/office/powerpoint/2010/main" val="1648182263"/>
       </p:ext>
     </p:extLst>
   </p:cSld>
@@ -1437,15 +1438,15 @@
         </p:nvSpPr>
         <p:spPr>
           <a:xfrm>
-            <a:off x="831850" y="1709738"/>
-            <a:ext cx="10515600" cy="2852737"/>
+            <a:off x="1228170" y="1931371"/>
+            <a:ext cx="15525572" cy="3222536"/>
           </a:xfrm>
         </p:spPr>
         <p:txBody>
           <a:bodyPr anchor="b"/>
           <a:lstStyle>
             <a:lvl1pPr>
-              <a:defRPr sz="6000"/>
+              <a:defRPr sz="6778"/>
             </a:lvl1pPr>
           </a:lstStyle>
           <a:p>
@@ -1453,7 +1454,7 @@
               <a:rPr lang="en-US" smtClean="0"/>
               <a:t>Click to edit Master title style</a:t>
             </a:r>
-            <a:endParaRPr lang="en-US"/>
+            <a:endParaRPr lang="en-US" dirty="0"/>
           </a:p>
         </p:txBody>
       </p:sp>
@@ -1469,8 +1470,8 @@
         </p:nvSpPr>
         <p:spPr>
           <a:xfrm>
-            <a:off x="831850" y="4589463"/>
-            <a:ext cx="10515600" cy="1500187"/>
+            <a:off x="1228170" y="5184394"/>
+            <a:ext cx="15525572" cy="1694656"/>
           </a:xfrm>
         </p:spPr>
         <p:txBody>
@@ -1478,7 +1479,7 @@
           <a:lstStyle>
             <a:lvl1pPr marL="0" indent="0">
               <a:buNone/>
-              <a:defRPr sz="2400">
+              <a:defRPr sz="2711">
                 <a:solidFill>
                   <a:schemeClr val="tx1">
                     <a:tint val="75000"/>
@@ -1486,9 +1487,9 @@
                 </a:solidFill>
               </a:defRPr>
             </a:lvl1pPr>
-            <a:lvl2pPr marL="457200" indent="0">
+            <a:lvl2pPr marL="516453" indent="0">
               <a:buNone/>
-              <a:defRPr sz="2000">
+              <a:defRPr sz="2259">
                 <a:solidFill>
                   <a:schemeClr val="tx1">
                     <a:tint val="75000"/>
@@ -1496,9 +1497,9 @@
                 </a:solidFill>
               </a:defRPr>
             </a:lvl2pPr>
-            <a:lvl3pPr marL="914400" indent="0">
+            <a:lvl3pPr marL="1032906" indent="0">
               <a:buNone/>
-              <a:defRPr sz="1800">
+              <a:defRPr sz="2033">
                 <a:solidFill>
                   <a:schemeClr val="tx1">
                     <a:tint val="75000"/>
@@ -1506,9 +1507,9 @@
                 </a:solidFill>
               </a:defRPr>
             </a:lvl3pPr>
-            <a:lvl4pPr marL="1371600" indent="0">
+            <a:lvl4pPr marL="1549359" indent="0">
               <a:buNone/>
-              <a:defRPr sz="1600">
+              <a:defRPr sz="1807">
                 <a:solidFill>
                   <a:schemeClr val="tx1">
                     <a:tint val="75000"/>
@@ -1516,9 +1517,9 @@
                 </a:solidFill>
               </a:defRPr>
             </a:lvl4pPr>
-            <a:lvl5pPr marL="1828800" indent="0">
+            <a:lvl5pPr marL="2065812" indent="0">
               <a:buNone/>
-              <a:defRPr sz="1600">
+              <a:defRPr sz="1807">
                 <a:solidFill>
                   <a:schemeClr val="tx1">
                     <a:tint val="75000"/>
@@ -1526,9 +1527,9 @@
                 </a:solidFill>
               </a:defRPr>
             </a:lvl5pPr>
-            <a:lvl6pPr marL="2286000" indent="0">
+            <a:lvl6pPr marL="2582266" indent="0">
               <a:buNone/>
-              <a:defRPr sz="1600">
+              <a:defRPr sz="1807">
                 <a:solidFill>
                   <a:schemeClr val="tx1">
                     <a:tint val="75000"/>
@@ -1536,9 +1537,9 @@
                 </a:solidFill>
               </a:defRPr>
             </a:lvl6pPr>
-            <a:lvl7pPr marL="2743200" indent="0">
+            <a:lvl7pPr marL="3098719" indent="0">
               <a:buNone/>
-              <a:defRPr sz="1600">
+              <a:defRPr sz="1807">
                 <a:solidFill>
                   <a:schemeClr val="tx1">
                     <a:tint val="75000"/>
@@ -1546,9 +1547,9 @@
                 </a:solidFill>
               </a:defRPr>
             </a:lvl7pPr>
-            <a:lvl8pPr marL="3200400" indent="0">
+            <a:lvl8pPr marL="3615172" indent="0">
               <a:buNone/>
-              <a:defRPr sz="1600">
+              <a:defRPr sz="1807">
                 <a:solidFill>
                   <a:schemeClr val="tx1">
                     <a:tint val="75000"/>
@@ -1556,9 +1557,9 @@
                 </a:solidFill>
               </a:defRPr>
             </a:lvl8pPr>
-            <a:lvl9pPr marL="3657600" indent="0">
+            <a:lvl9pPr marL="4131625" indent="0">
               <a:buNone/>
-              <a:defRPr sz="1600">
+              <a:defRPr sz="1807">
                 <a:solidFill>
                   <a:schemeClr val="tx1">
                     <a:tint val="75000"/>
@@ -1593,7 +1594,7 @@
           <a:p>
             <a:fld id="{70491AAC-A65D-7044-B83C-B384503BD135}" type="datetimeFigureOut">
               <a:rPr lang="en-US" smtClean="0"/>
-              <a:t>1/4/16</a:t>
+              <a:t>1/6/16</a:t>
             </a:fld>
             <a:endParaRPr lang="en-US"/>
           </a:p>
@@ -1644,7 +1645,7 @@
     </p:spTree>
     <p:extLst>
       <p:ext uri="{BB962C8B-B14F-4D97-AF65-F5344CB8AC3E}">
-        <p14:creationId xmlns:p14="http://schemas.microsoft.com/office/powerpoint/2010/main" val="834165092"/>
+        <p14:creationId xmlns:p14="http://schemas.microsoft.com/office/powerpoint/2010/main" val="607731588"/>
       </p:ext>
     </p:extLst>
   </p:cSld>
@@ -1690,7 +1691,7 @@
               <a:rPr lang="en-US" smtClean="0"/>
               <a:t>Click to edit Master title style</a:t>
             </a:r>
-            <a:endParaRPr lang="en-US"/>
+            <a:endParaRPr lang="en-US" dirty="0"/>
           </a:p>
         </p:txBody>
       </p:sp>
@@ -1706,8 +1707,8 @@
         </p:nvSpPr>
         <p:spPr>
           <a:xfrm>
-            <a:off x="838200" y="1825625"/>
-            <a:ext cx="5181600" cy="4351338"/>
+            <a:off x="1237545" y="2062280"/>
+            <a:ext cx="7650282" cy="4915400"/>
           </a:xfrm>
         </p:spPr>
         <p:txBody>
@@ -1747,7 +1748,7 @@
               <a:rPr lang="en-US" smtClean="0"/>
               <a:t>Fifth level</a:t>
             </a:r>
-            <a:endParaRPr lang="en-US"/>
+            <a:endParaRPr lang="en-US" dirty="0"/>
           </a:p>
         </p:txBody>
       </p:sp>
@@ -1763,8 +1764,8 @@
         </p:nvSpPr>
         <p:spPr>
           <a:xfrm>
-            <a:off x="6172200" y="1825625"/>
-            <a:ext cx="5181600" cy="4351338"/>
+            <a:off x="9112836" y="2062280"/>
+            <a:ext cx="7650282" cy="4915400"/>
           </a:xfrm>
         </p:spPr>
         <p:txBody>
@@ -1804,7 +1805,7 @@
               <a:rPr lang="en-US" smtClean="0"/>
               <a:t>Fifth level</a:t>
             </a:r>
-            <a:endParaRPr lang="en-US"/>
+            <a:endParaRPr lang="en-US" dirty="0"/>
           </a:p>
         </p:txBody>
       </p:sp>
@@ -1825,7 +1826,7 @@
           <a:p>
             <a:fld id="{70491AAC-A65D-7044-B83C-B384503BD135}" type="datetimeFigureOut">
               <a:rPr lang="en-US" smtClean="0"/>
-              <a:t>1/4/16</a:t>
+              <a:t>1/6/16</a:t>
             </a:fld>
             <a:endParaRPr lang="en-US"/>
           </a:p>
@@ -1876,7 +1877,7 @@
     </p:spTree>
     <p:extLst>
       <p:ext uri="{BB962C8B-B14F-4D97-AF65-F5344CB8AC3E}">
-        <p14:creationId xmlns:p14="http://schemas.microsoft.com/office/powerpoint/2010/main" val="1039453628"/>
+        <p14:creationId xmlns:p14="http://schemas.microsoft.com/office/powerpoint/2010/main" val="712574384"/>
       </p:ext>
     </p:extLst>
   </p:cSld>
@@ -1915,8 +1916,8 @@
         </p:nvSpPr>
         <p:spPr>
           <a:xfrm>
-            <a:off x="839788" y="365125"/>
-            <a:ext cx="10515600" cy="1325563"/>
+            <a:off x="1239890" y="412457"/>
+            <a:ext cx="15525572" cy="1497395"/>
           </a:xfrm>
         </p:spPr>
         <p:txBody>
@@ -1927,7 +1928,7 @@
               <a:rPr lang="en-US" smtClean="0"/>
               <a:t>Click to edit Master title style</a:t>
             </a:r>
-            <a:endParaRPr lang="en-US"/>
+            <a:endParaRPr lang="en-US" dirty="0"/>
           </a:p>
         </p:txBody>
       </p:sp>
@@ -1943,8 +1944,8 @@
         </p:nvSpPr>
         <p:spPr>
           <a:xfrm>
-            <a:off x="839788" y="1681163"/>
-            <a:ext cx="5157787" cy="823912"/>
+            <a:off x="1239891" y="1899092"/>
+            <a:ext cx="7615123" cy="930715"/>
           </a:xfrm>
         </p:spPr>
         <p:txBody>
@@ -1952,39 +1953,39 @@
           <a:lstStyle>
             <a:lvl1pPr marL="0" indent="0">
               <a:buNone/>
-              <a:defRPr sz="2400" b="1"/>
+              <a:defRPr sz="2711" b="1"/>
             </a:lvl1pPr>
-            <a:lvl2pPr marL="457200" indent="0">
+            <a:lvl2pPr marL="516453" indent="0">
               <a:buNone/>
-              <a:defRPr sz="2000" b="1"/>
+              <a:defRPr sz="2259" b="1"/>
             </a:lvl2pPr>
-            <a:lvl3pPr marL="914400" indent="0">
+            <a:lvl3pPr marL="1032906" indent="0">
               <a:buNone/>
-              <a:defRPr sz="1800" b="1"/>
+              <a:defRPr sz="2033" b="1"/>
             </a:lvl3pPr>
-            <a:lvl4pPr marL="1371600" indent="0">
+            <a:lvl4pPr marL="1549359" indent="0">
               <a:buNone/>
-              <a:defRPr sz="1600" b="1"/>
+              <a:defRPr sz="1807" b="1"/>
             </a:lvl4pPr>
-            <a:lvl5pPr marL="1828800" indent="0">
+            <a:lvl5pPr marL="2065812" indent="0">
               <a:buNone/>
-              <a:defRPr sz="1600" b="1"/>
+              <a:defRPr sz="1807" b="1"/>
             </a:lvl5pPr>
-            <a:lvl6pPr marL="2286000" indent="0">
+            <a:lvl6pPr marL="2582266" indent="0">
               <a:buNone/>
-              <a:defRPr sz="1600" b="1"/>
+              <a:defRPr sz="1807" b="1"/>
             </a:lvl6pPr>
-            <a:lvl7pPr marL="2743200" indent="0">
+            <a:lvl7pPr marL="3098719" indent="0">
               <a:buNone/>
-              <a:defRPr sz="1600" b="1"/>
+              <a:defRPr sz="1807" b="1"/>
             </a:lvl7pPr>
-            <a:lvl8pPr marL="3200400" indent="0">
+            <a:lvl8pPr marL="3615172" indent="0">
               <a:buNone/>
-              <a:defRPr sz="1600" b="1"/>
+              <a:defRPr sz="1807" b="1"/>
             </a:lvl8pPr>
-            <a:lvl9pPr marL="3657600" indent="0">
+            <a:lvl9pPr marL="4131625" indent="0">
               <a:buNone/>
-              <a:defRPr sz="1600" b="1"/>
+              <a:defRPr sz="1807" b="1"/>
             </a:lvl9pPr>
           </a:lstStyle>
           <a:p>
@@ -2008,8 +2009,8 @@
         </p:nvSpPr>
         <p:spPr>
           <a:xfrm>
-            <a:off x="839788" y="2505075"/>
-            <a:ext cx="5157787" cy="3684588"/>
+            <a:off x="1239891" y="2829807"/>
+            <a:ext cx="7615123" cy="4162220"/>
           </a:xfrm>
         </p:spPr>
         <p:txBody>
@@ -2049,7 +2050,7 @@
               <a:rPr lang="en-US" smtClean="0"/>
               <a:t>Fifth level</a:t>
             </a:r>
-            <a:endParaRPr lang="en-US"/>
+            <a:endParaRPr lang="en-US" dirty="0"/>
           </a:p>
         </p:txBody>
       </p:sp>
@@ -2065,8 +2066,8 @@
         </p:nvSpPr>
         <p:spPr>
           <a:xfrm>
-            <a:off x="6172200" y="1681163"/>
-            <a:ext cx="5183188" cy="823912"/>
+            <a:off x="9112836" y="1899092"/>
+            <a:ext cx="7652626" cy="930715"/>
           </a:xfrm>
         </p:spPr>
         <p:txBody>
@@ -2074,39 +2075,39 @@
           <a:lstStyle>
             <a:lvl1pPr marL="0" indent="0">
               <a:buNone/>
-              <a:defRPr sz="2400" b="1"/>
+              <a:defRPr sz="2711" b="1"/>
             </a:lvl1pPr>
-            <a:lvl2pPr marL="457200" indent="0">
+            <a:lvl2pPr marL="516453" indent="0">
               <a:buNone/>
-              <a:defRPr sz="2000" b="1"/>
+              <a:defRPr sz="2259" b="1"/>
             </a:lvl2pPr>
-            <a:lvl3pPr marL="914400" indent="0">
+            <a:lvl3pPr marL="1032906" indent="0">
               <a:buNone/>
-              <a:defRPr sz="1800" b="1"/>
+              <a:defRPr sz="2033" b="1"/>
             </a:lvl3pPr>
-            <a:lvl4pPr marL="1371600" indent="0">
+            <a:lvl4pPr marL="1549359" indent="0">
               <a:buNone/>
-              <a:defRPr sz="1600" b="1"/>
+              <a:defRPr sz="1807" b="1"/>
             </a:lvl4pPr>
-            <a:lvl5pPr marL="1828800" indent="0">
+            <a:lvl5pPr marL="2065812" indent="0">
               <a:buNone/>
-              <a:defRPr sz="1600" b="1"/>
+              <a:defRPr sz="1807" b="1"/>
             </a:lvl5pPr>
-            <a:lvl6pPr marL="2286000" indent="0">
+            <a:lvl6pPr marL="2582266" indent="0">
               <a:buNone/>
-              <a:defRPr sz="1600" b="1"/>
+              <a:defRPr sz="1807" b="1"/>
             </a:lvl6pPr>
-            <a:lvl7pPr marL="2743200" indent="0">
+            <a:lvl7pPr marL="3098719" indent="0">
               <a:buNone/>
-              <a:defRPr sz="1600" b="1"/>
+              <a:defRPr sz="1807" b="1"/>
             </a:lvl7pPr>
-            <a:lvl8pPr marL="3200400" indent="0">
+            <a:lvl8pPr marL="3615172" indent="0">
               <a:buNone/>
-              <a:defRPr sz="1600" b="1"/>
+              <a:defRPr sz="1807" b="1"/>
             </a:lvl8pPr>
-            <a:lvl9pPr marL="3657600" indent="0">
+            <a:lvl9pPr marL="4131625" indent="0">
               <a:buNone/>
-              <a:defRPr sz="1600" b="1"/>
+              <a:defRPr sz="1807" b="1"/>
             </a:lvl9pPr>
           </a:lstStyle>
           <a:p>
@@ -2130,8 +2131,8 @@
         </p:nvSpPr>
         <p:spPr>
           <a:xfrm>
-            <a:off x="6172200" y="2505075"/>
-            <a:ext cx="5183188" cy="3684588"/>
+            <a:off x="9112836" y="2829807"/>
+            <a:ext cx="7652626" cy="4162220"/>
           </a:xfrm>
         </p:spPr>
         <p:txBody>
@@ -2171,7 +2172,7 @@
               <a:rPr lang="en-US" smtClean="0"/>
               <a:t>Fifth level</a:t>
             </a:r>
-            <a:endParaRPr lang="en-US"/>
+            <a:endParaRPr lang="en-US" dirty="0"/>
           </a:p>
         </p:txBody>
       </p:sp>
@@ -2192,7 +2193,7 @@
           <a:p>
             <a:fld id="{70491AAC-A65D-7044-B83C-B384503BD135}" type="datetimeFigureOut">
               <a:rPr lang="en-US" smtClean="0"/>
-              <a:t>1/4/16</a:t>
+              <a:t>1/6/16</a:t>
             </a:fld>
             <a:endParaRPr lang="en-US"/>
           </a:p>
@@ -2243,7 +2244,7 @@
     </p:spTree>
     <p:extLst>
       <p:ext uri="{BB962C8B-B14F-4D97-AF65-F5344CB8AC3E}">
-        <p14:creationId xmlns:p14="http://schemas.microsoft.com/office/powerpoint/2010/main" val="317657451"/>
+        <p14:creationId xmlns:p14="http://schemas.microsoft.com/office/powerpoint/2010/main" val="1868856216"/>
       </p:ext>
     </p:extLst>
   </p:cSld>
@@ -2289,7 +2290,7 @@
               <a:rPr lang="en-US" smtClean="0"/>
               <a:t>Click to edit Master title style</a:t>
             </a:r>
-            <a:endParaRPr lang="en-US"/>
+            <a:endParaRPr lang="en-US" dirty="0"/>
           </a:p>
         </p:txBody>
       </p:sp>
@@ -2310,7 +2311,7 @@
           <a:p>
             <a:fld id="{70491AAC-A65D-7044-B83C-B384503BD135}" type="datetimeFigureOut">
               <a:rPr lang="en-US" smtClean="0"/>
-              <a:t>1/4/16</a:t>
+              <a:t>1/6/16</a:t>
             </a:fld>
             <a:endParaRPr lang="en-US"/>
           </a:p>
@@ -2361,7 +2362,7 @@
     </p:spTree>
     <p:extLst>
       <p:ext uri="{BB962C8B-B14F-4D97-AF65-F5344CB8AC3E}">
-        <p14:creationId xmlns:p14="http://schemas.microsoft.com/office/powerpoint/2010/main" val="224432515"/>
+        <p14:creationId xmlns:p14="http://schemas.microsoft.com/office/powerpoint/2010/main" val="770601290"/>
       </p:ext>
     </p:extLst>
   </p:cSld>
@@ -2405,7 +2406,7 @@
           <a:p>
             <a:fld id="{70491AAC-A65D-7044-B83C-B384503BD135}" type="datetimeFigureOut">
               <a:rPr lang="en-US" smtClean="0"/>
-              <a:t>1/4/16</a:t>
+              <a:t>1/6/16</a:t>
             </a:fld>
             <a:endParaRPr lang="en-US"/>
           </a:p>
@@ -2456,7 +2457,7 @@
     </p:spTree>
     <p:extLst>
       <p:ext uri="{BB962C8B-B14F-4D97-AF65-F5344CB8AC3E}">
-        <p14:creationId xmlns:p14="http://schemas.microsoft.com/office/powerpoint/2010/main" val="1055995473"/>
+        <p14:creationId xmlns:p14="http://schemas.microsoft.com/office/powerpoint/2010/main" val="22005973"/>
       </p:ext>
     </p:extLst>
   </p:cSld>
@@ -2495,15 +2496,15 @@
         </p:nvSpPr>
         <p:spPr>
           <a:xfrm>
-            <a:off x="839788" y="457200"/>
-            <a:ext cx="3932237" cy="1600200"/>
+            <a:off x="1239891" y="516467"/>
+            <a:ext cx="5805682" cy="1807633"/>
           </a:xfrm>
         </p:spPr>
         <p:txBody>
           <a:bodyPr anchor="b"/>
           <a:lstStyle>
             <a:lvl1pPr>
-              <a:defRPr sz="3200"/>
+              <a:defRPr sz="3615"/>
             </a:lvl1pPr>
           </a:lstStyle>
           <a:p>
@@ -2511,7 +2512,7 @@
               <a:rPr lang="en-US" smtClean="0"/>
               <a:t>Click to edit Master title style</a:t>
             </a:r>
-            <a:endParaRPr lang="en-US"/>
+            <a:endParaRPr lang="en-US" dirty="0"/>
           </a:p>
         </p:txBody>
       </p:sp>
@@ -2527,39 +2528,39 @@
         </p:nvSpPr>
         <p:spPr>
           <a:xfrm>
-            <a:off x="5183188" y="987425"/>
-            <a:ext cx="6172200" cy="4873625"/>
+            <a:off x="7652626" y="1115425"/>
+            <a:ext cx="9112836" cy="5505391"/>
           </a:xfrm>
         </p:spPr>
         <p:txBody>
           <a:bodyPr/>
           <a:lstStyle>
             <a:lvl1pPr>
-              <a:defRPr sz="3200"/>
+              <a:defRPr sz="3615"/>
             </a:lvl1pPr>
             <a:lvl2pPr>
-              <a:defRPr sz="2800"/>
+              <a:defRPr sz="3163"/>
             </a:lvl2pPr>
             <a:lvl3pPr>
-              <a:defRPr sz="2400"/>
+              <a:defRPr sz="2711"/>
             </a:lvl3pPr>
             <a:lvl4pPr>
-              <a:defRPr sz="2000"/>
+              <a:defRPr sz="2259"/>
             </a:lvl4pPr>
             <a:lvl5pPr>
-              <a:defRPr sz="2000"/>
+              <a:defRPr sz="2259"/>
             </a:lvl5pPr>
             <a:lvl6pPr>
-              <a:defRPr sz="2000"/>
+              <a:defRPr sz="2259"/>
             </a:lvl6pPr>
             <a:lvl7pPr>
-              <a:defRPr sz="2000"/>
+              <a:defRPr sz="2259"/>
             </a:lvl7pPr>
             <a:lvl8pPr>
-              <a:defRPr sz="2000"/>
+              <a:defRPr sz="2259"/>
             </a:lvl8pPr>
             <a:lvl9pPr>
-              <a:defRPr sz="2000"/>
+              <a:defRPr sz="2259"/>
             </a:lvl9pPr>
           </a:lstStyle>
           <a:p>
@@ -2596,7 +2597,7 @@
               <a:rPr lang="en-US" smtClean="0"/>
               <a:t>Fifth level</a:t>
             </a:r>
-            <a:endParaRPr lang="en-US"/>
+            <a:endParaRPr lang="en-US" dirty="0"/>
           </a:p>
         </p:txBody>
       </p:sp>
@@ -2612,8 +2613,8 @@
         </p:nvSpPr>
         <p:spPr>
           <a:xfrm>
-            <a:off x="839788" y="2057400"/>
-            <a:ext cx="3932237" cy="3811588"/>
+            <a:off x="1239891" y="2324100"/>
+            <a:ext cx="5805682" cy="4305683"/>
           </a:xfrm>
         </p:spPr>
         <p:txBody>
@@ -2621,39 +2622,39 @@
           <a:lstStyle>
             <a:lvl1pPr marL="0" indent="0">
               <a:buNone/>
-              <a:defRPr sz="1600"/>
+              <a:defRPr sz="1807"/>
             </a:lvl1pPr>
-            <a:lvl2pPr marL="457200" indent="0">
+            <a:lvl2pPr marL="516453" indent="0">
               <a:buNone/>
-              <a:defRPr sz="1400"/>
+              <a:defRPr sz="1581"/>
             </a:lvl2pPr>
-            <a:lvl3pPr marL="914400" indent="0">
+            <a:lvl3pPr marL="1032906" indent="0">
               <a:buNone/>
-              <a:defRPr sz="1200"/>
+              <a:defRPr sz="1356"/>
             </a:lvl3pPr>
-            <a:lvl4pPr marL="1371600" indent="0">
+            <a:lvl4pPr marL="1549359" indent="0">
               <a:buNone/>
-              <a:defRPr sz="1000"/>
+              <a:defRPr sz="1130"/>
             </a:lvl4pPr>
-            <a:lvl5pPr marL="1828800" indent="0">
+            <a:lvl5pPr marL="2065812" indent="0">
               <a:buNone/>
-              <a:defRPr sz="1000"/>
+              <a:defRPr sz="1130"/>
             </a:lvl5pPr>
-            <a:lvl6pPr marL="2286000" indent="0">
+            <a:lvl6pPr marL="2582266" indent="0">
               <a:buNone/>
-              <a:defRPr sz="1000"/>
+              <a:defRPr sz="1130"/>
             </a:lvl6pPr>
-            <a:lvl7pPr marL="2743200" indent="0">
+            <a:lvl7pPr marL="3098719" indent="0">
               <a:buNone/>
-              <a:defRPr sz="1000"/>
+              <a:defRPr sz="1130"/>
             </a:lvl7pPr>
-            <a:lvl8pPr marL="3200400" indent="0">
+            <a:lvl8pPr marL="3615172" indent="0">
               <a:buNone/>
-              <a:defRPr sz="1000"/>
+              <a:defRPr sz="1130"/>
             </a:lvl8pPr>
-            <a:lvl9pPr marL="3657600" indent="0">
+            <a:lvl9pPr marL="4131625" indent="0">
               <a:buNone/>
-              <a:defRPr sz="1000"/>
+              <a:defRPr sz="1130"/>
             </a:lvl9pPr>
           </a:lstStyle>
           <a:p>
@@ -2682,7 +2683,7 @@
           <a:p>
             <a:fld id="{70491AAC-A65D-7044-B83C-B384503BD135}" type="datetimeFigureOut">
               <a:rPr lang="en-US" smtClean="0"/>
-              <a:t>1/4/16</a:t>
+              <a:t>1/6/16</a:t>
             </a:fld>
             <a:endParaRPr lang="en-US"/>
           </a:p>
@@ -2733,7 +2734,7 @@
     </p:spTree>
     <p:extLst>
       <p:ext uri="{BB962C8B-B14F-4D97-AF65-F5344CB8AC3E}">
-        <p14:creationId xmlns:p14="http://schemas.microsoft.com/office/powerpoint/2010/main" val="1311055903"/>
+        <p14:creationId xmlns:p14="http://schemas.microsoft.com/office/powerpoint/2010/main" val="487200927"/>
       </p:ext>
     </p:extLst>
   </p:cSld>
@@ -2772,15 +2773,15 @@
         </p:nvSpPr>
         <p:spPr>
           <a:xfrm>
-            <a:off x="839788" y="457200"/>
-            <a:ext cx="3932237" cy="1600200"/>
+            <a:off x="1239891" y="516467"/>
+            <a:ext cx="5805682" cy="1807633"/>
           </a:xfrm>
         </p:spPr>
         <p:txBody>
           <a:bodyPr anchor="b"/>
           <a:lstStyle>
             <a:lvl1pPr>
-              <a:defRPr sz="3200"/>
+              <a:defRPr sz="3615"/>
             </a:lvl1pPr>
           </a:lstStyle>
           <a:p>
@@ -2788,7 +2789,7 @@
               <a:rPr lang="en-US" smtClean="0"/>
               <a:t>Click to edit Master title style</a:t>
             </a:r>
-            <a:endParaRPr lang="en-US"/>
+            <a:endParaRPr lang="en-US" dirty="0"/>
           </a:p>
         </p:txBody>
       </p:sp>
@@ -2796,7 +2797,7 @@
         <p:nvSpPr>
           <p:cNvPr id="3" name="Picture Placeholder 2"/>
           <p:cNvSpPr>
-            <a:spLocks noGrp="1"/>
+            <a:spLocks noGrp="1" noChangeAspect="1"/>
           </p:cNvSpPr>
           <p:nvPr>
             <p:ph type="pic" idx="1"/>
@@ -2804,52 +2805,56 @@
         </p:nvSpPr>
         <p:spPr>
           <a:xfrm>
-            <a:off x="5183188" y="987425"/>
-            <a:ext cx="6172200" cy="4873625"/>
-          </a:xfrm>
-        </p:spPr>
-        <p:txBody>
-          <a:bodyPr/>
+            <a:off x="7652626" y="1115425"/>
+            <a:ext cx="9112836" cy="5505391"/>
+          </a:xfrm>
+        </p:spPr>
+        <p:txBody>
+          <a:bodyPr anchor="t"/>
           <a:lstStyle>
             <a:lvl1pPr marL="0" indent="0">
               <a:buNone/>
-              <a:defRPr sz="3200"/>
+              <a:defRPr sz="3615"/>
             </a:lvl1pPr>
-            <a:lvl2pPr marL="457200" indent="0">
+            <a:lvl2pPr marL="516453" indent="0">
               <a:buNone/>
-              <a:defRPr sz="2800"/>
+              <a:defRPr sz="3163"/>
             </a:lvl2pPr>
-            <a:lvl3pPr marL="914400" indent="0">
+            <a:lvl3pPr marL="1032906" indent="0">
               <a:buNone/>
-              <a:defRPr sz="2400"/>
+              <a:defRPr sz="2711"/>
             </a:lvl3pPr>
-            <a:lvl4pPr marL="1371600" indent="0">
+            <a:lvl4pPr marL="1549359" indent="0">
               <a:buNone/>
-              <a:defRPr sz="2000"/>
+              <a:defRPr sz="2259"/>
             </a:lvl4pPr>
-            <a:lvl5pPr marL="1828800" indent="0">
+            <a:lvl5pPr marL="2065812" indent="0">
               <a:buNone/>
-              <a:defRPr sz="2000"/>
+              <a:defRPr sz="2259"/>
             </a:lvl5pPr>
-            <a:lvl6pPr marL="2286000" indent="0">
+            <a:lvl6pPr marL="2582266" indent="0">
               <a:buNone/>
-              <a:defRPr sz="2000"/>
+              <a:defRPr sz="2259"/>
             </a:lvl6pPr>
-            <a:lvl7pPr marL="2743200" indent="0">
+            <a:lvl7pPr marL="3098719" indent="0">
               <a:buNone/>
-              <a:defRPr sz="2000"/>
+              <a:defRPr sz="2259"/>
             </a:lvl7pPr>
-            <a:lvl8pPr marL="3200400" indent="0">
+            <a:lvl8pPr marL="3615172" indent="0">
               <a:buNone/>
-              <a:defRPr sz="2000"/>
+              <a:defRPr sz="2259"/>
             </a:lvl8pPr>
-            <a:lvl9pPr marL="3657600" indent="0">
+            <a:lvl9pPr marL="4131625" indent="0">
               <a:buNone/>
-              <a:defRPr sz="2000"/>
+              <a:defRPr sz="2259"/>
             </a:lvl9pPr>
           </a:lstStyle>
           <a:p>
-            <a:endParaRPr lang="en-US"/>
+            <a:r>
+              <a:rPr lang="en-US" smtClean="0"/>
+              <a:t>Drag picture to placeholder or click icon to add</a:t>
+            </a:r>
+            <a:endParaRPr lang="en-US" dirty="0"/>
           </a:p>
         </p:txBody>
       </p:sp>
@@ -2865,8 +2870,8 @@
         </p:nvSpPr>
         <p:spPr>
           <a:xfrm>
-            <a:off x="839788" y="2057400"/>
-            <a:ext cx="3932237" cy="3811588"/>
+            <a:off x="1239891" y="2324100"/>
+            <a:ext cx="5805682" cy="4305683"/>
           </a:xfrm>
         </p:spPr>
         <p:txBody>
@@ -2874,39 +2879,39 @@
           <a:lstStyle>
             <a:lvl1pPr marL="0" indent="0">
               <a:buNone/>
-              <a:defRPr sz="1600"/>
+              <a:defRPr sz="1807"/>
             </a:lvl1pPr>
-            <a:lvl2pPr marL="457200" indent="0">
+            <a:lvl2pPr marL="516453" indent="0">
               <a:buNone/>
-              <a:defRPr sz="1400"/>
+              <a:defRPr sz="1581"/>
             </a:lvl2pPr>
-            <a:lvl3pPr marL="914400" indent="0">
+            <a:lvl3pPr marL="1032906" indent="0">
               <a:buNone/>
-              <a:defRPr sz="1200"/>
+              <a:defRPr sz="1356"/>
             </a:lvl3pPr>
-            <a:lvl4pPr marL="1371600" indent="0">
+            <a:lvl4pPr marL="1549359" indent="0">
               <a:buNone/>
-              <a:defRPr sz="1000"/>
+              <a:defRPr sz="1130"/>
             </a:lvl4pPr>
-            <a:lvl5pPr marL="1828800" indent="0">
+            <a:lvl5pPr marL="2065812" indent="0">
               <a:buNone/>
-              <a:defRPr sz="1000"/>
+              <a:defRPr sz="1130"/>
             </a:lvl5pPr>
-            <a:lvl6pPr marL="2286000" indent="0">
+            <a:lvl6pPr marL="2582266" indent="0">
               <a:buNone/>
-              <a:defRPr sz="1000"/>
+              <a:defRPr sz="1130"/>
             </a:lvl6pPr>
-            <a:lvl7pPr marL="2743200" indent="0">
+            <a:lvl7pPr marL="3098719" indent="0">
               <a:buNone/>
-              <a:defRPr sz="1000"/>
+              <a:defRPr sz="1130"/>
             </a:lvl7pPr>
-            <a:lvl8pPr marL="3200400" indent="0">
+            <a:lvl8pPr marL="3615172" indent="0">
               <a:buNone/>
-              <a:defRPr sz="1000"/>
+              <a:defRPr sz="1130"/>
             </a:lvl8pPr>
-            <a:lvl9pPr marL="3657600" indent="0">
+            <a:lvl9pPr marL="4131625" indent="0">
               <a:buNone/>
-              <a:defRPr sz="1000"/>
+              <a:defRPr sz="1130"/>
             </a:lvl9pPr>
           </a:lstStyle>
           <a:p>
@@ -2935,7 +2940,7 @@
           <a:p>
             <a:fld id="{70491AAC-A65D-7044-B83C-B384503BD135}" type="datetimeFigureOut">
               <a:rPr lang="en-US" smtClean="0"/>
-              <a:t>1/4/16</a:t>
+              <a:t>1/6/16</a:t>
             </a:fld>
             <a:endParaRPr lang="en-US"/>
           </a:p>
@@ -2986,7 +2991,7 @@
     </p:spTree>
     <p:extLst>
       <p:ext uri="{BB962C8B-B14F-4D97-AF65-F5344CB8AC3E}">
-        <p14:creationId xmlns:p14="http://schemas.microsoft.com/office/powerpoint/2010/main" val="1734343501"/>
+        <p14:creationId xmlns:p14="http://schemas.microsoft.com/office/powerpoint/2010/main" val="30834078"/>
       </p:ext>
     </p:extLst>
   </p:cSld>
@@ -3030,8 +3035,8 @@
         </p:nvSpPr>
         <p:spPr>
           <a:xfrm>
-            <a:off x="838200" y="365125"/>
-            <a:ext cx="10515600" cy="1325563"/>
+            <a:off x="1237546" y="412457"/>
+            <a:ext cx="15525572" cy="1497395"/>
           </a:xfrm>
           <a:prstGeom prst="rect">
             <a:avLst/>
@@ -3047,7 +3052,7 @@
               <a:rPr lang="en-US" smtClean="0"/>
               <a:t>Click to edit Master title style</a:t>
             </a:r>
-            <a:endParaRPr lang="en-US"/>
+            <a:endParaRPr lang="en-US" dirty="0"/>
           </a:p>
         </p:txBody>
       </p:sp>
@@ -3063,8 +3068,8 @@
         </p:nvSpPr>
         <p:spPr>
           <a:xfrm>
-            <a:off x="838200" y="1825625"/>
-            <a:ext cx="10515600" cy="4351338"/>
+            <a:off x="1237546" y="2062280"/>
+            <a:ext cx="15525572" cy="4915400"/>
           </a:xfrm>
           <a:prstGeom prst="rect">
             <a:avLst/>
@@ -3109,7 +3114,7 @@
               <a:rPr lang="en-US" smtClean="0"/>
               <a:t>Fifth level</a:t>
             </a:r>
-            <a:endParaRPr lang="en-US"/>
+            <a:endParaRPr lang="en-US" dirty="0"/>
           </a:p>
         </p:txBody>
       </p:sp>
@@ -3125,8 +3130,8 @@
         </p:nvSpPr>
         <p:spPr>
           <a:xfrm>
-            <a:off x="838200" y="6356350"/>
-            <a:ext cx="2743200" cy="365125"/>
+            <a:off x="1237546" y="7180322"/>
+            <a:ext cx="4050149" cy="412456"/>
           </a:xfrm>
           <a:prstGeom prst="rect">
             <a:avLst/>
@@ -3136,7 +3141,7 @@
           <a:bodyPr vert="horz" lIns="91440" tIns="45720" rIns="91440" bIns="45720" rtlCol="0" anchor="ctr"/>
           <a:lstStyle>
             <a:lvl1pPr algn="l">
-              <a:defRPr sz="1200">
+              <a:defRPr sz="1356">
                 <a:solidFill>
                   <a:schemeClr val="tx1">
                     <a:tint val="75000"/>
@@ -3148,7 +3153,7 @@
           <a:p>
             <a:fld id="{70491AAC-A65D-7044-B83C-B384503BD135}" type="datetimeFigureOut">
               <a:rPr lang="en-US" smtClean="0"/>
-              <a:t>1/4/16</a:t>
+              <a:t>1/6/16</a:t>
             </a:fld>
             <a:endParaRPr lang="en-US"/>
           </a:p>
@@ -3166,8 +3171,8 @@
         </p:nvSpPr>
         <p:spPr>
           <a:xfrm>
-            <a:off x="4038600" y="6356350"/>
-            <a:ext cx="4114800" cy="365125"/>
+            <a:off x="5962720" y="7180322"/>
+            <a:ext cx="6075224" cy="412456"/>
           </a:xfrm>
           <a:prstGeom prst="rect">
             <a:avLst/>
@@ -3177,7 +3182,7 @@
           <a:bodyPr vert="horz" lIns="91440" tIns="45720" rIns="91440" bIns="45720" rtlCol="0" anchor="ctr"/>
           <a:lstStyle>
             <a:lvl1pPr algn="ctr">
-              <a:defRPr sz="1200">
+              <a:defRPr sz="1356">
                 <a:solidFill>
                   <a:schemeClr val="tx1">
                     <a:tint val="75000"/>
@@ -3203,8 +3208,8 @@
         </p:nvSpPr>
         <p:spPr>
           <a:xfrm>
-            <a:off x="8610600" y="6356350"/>
-            <a:ext cx="2743200" cy="365125"/>
+            <a:off x="12712968" y="7180322"/>
+            <a:ext cx="4050149" cy="412456"/>
           </a:xfrm>
           <a:prstGeom prst="rect">
             <a:avLst/>
@@ -3214,7 +3219,7 @@
           <a:bodyPr vert="horz" lIns="91440" tIns="45720" rIns="91440" bIns="45720" rtlCol="0" anchor="ctr"/>
           <a:lstStyle>
             <a:lvl1pPr algn="r">
-              <a:defRPr sz="1200">
+              <a:defRPr sz="1356">
                 <a:solidFill>
                   <a:schemeClr val="tx1">
                     <a:tint val="75000"/>
@@ -3235,27 +3240,27 @@
     </p:spTree>
     <p:extLst>
       <p:ext uri="{BB962C8B-B14F-4D97-AF65-F5344CB8AC3E}">
-        <p14:creationId xmlns:p14="http://schemas.microsoft.com/office/powerpoint/2010/main" val="1179778002"/>
+        <p14:creationId xmlns:p14="http://schemas.microsoft.com/office/powerpoint/2010/main" val="600424858"/>
       </p:ext>
     </p:extLst>
   </p:cSld>
   <p:clrMap bg1="lt1" tx1="dk1" bg2="lt2" tx2="dk2" accent1="accent1" accent2="accent2" accent3="accent3" accent4="accent4" accent5="accent5" accent6="accent6" hlink="hlink" folHlink="folHlink"/>
   <p:sldLayoutIdLst>
-    <p:sldLayoutId id="2147483649" r:id="rId1"/>
-    <p:sldLayoutId id="2147483650" r:id="rId2"/>
-    <p:sldLayoutId id="2147483651" r:id="rId3"/>
-    <p:sldLayoutId id="2147483652" r:id="rId4"/>
-    <p:sldLayoutId id="2147483653" r:id="rId5"/>
-    <p:sldLayoutId id="2147483654" r:id="rId6"/>
-    <p:sldLayoutId id="2147483655" r:id="rId7"/>
-    <p:sldLayoutId id="2147483656" r:id="rId8"/>
-    <p:sldLayoutId id="2147483657" r:id="rId9"/>
-    <p:sldLayoutId id="2147483658" r:id="rId10"/>
-    <p:sldLayoutId id="2147483659" r:id="rId11"/>
+    <p:sldLayoutId id="2147483685" r:id="rId1"/>
+    <p:sldLayoutId id="2147483686" r:id="rId2"/>
+    <p:sldLayoutId id="2147483687" r:id="rId3"/>
+    <p:sldLayoutId id="2147483688" r:id="rId4"/>
+    <p:sldLayoutId id="2147483689" r:id="rId5"/>
+    <p:sldLayoutId id="2147483690" r:id="rId6"/>
+    <p:sldLayoutId id="2147483691" r:id="rId7"/>
+    <p:sldLayoutId id="2147483692" r:id="rId8"/>
+    <p:sldLayoutId id="2147483693" r:id="rId9"/>
+    <p:sldLayoutId id="2147483694" r:id="rId10"/>
+    <p:sldLayoutId id="2147483695" r:id="rId11"/>
   </p:sldLayoutIdLst>
   <p:txStyles>
     <p:titleStyle>
-      <a:lvl1pPr algn="l" defTabSz="914400" rtl="0" eaLnBrk="1" latinLnBrk="0" hangingPunct="1">
+      <a:lvl1pPr algn="l" defTabSz="1032906" rtl="0" eaLnBrk="1" latinLnBrk="0" hangingPunct="1">
         <a:lnSpc>
           <a:spcPct val="90000"/>
         </a:lnSpc>
@@ -3263,7 +3268,7 @@
           <a:spcPct val="0"/>
         </a:spcBef>
         <a:buNone/>
-        <a:defRPr sz="4400" kern="1200">
+        <a:defRPr sz="4970" kern="1200">
           <a:solidFill>
             <a:schemeClr val="tx1"/>
           </a:solidFill>
@@ -3274,16 +3279,16 @@
       </a:lvl1pPr>
     </p:titleStyle>
     <p:bodyStyle>
-      <a:lvl1pPr marL="228600" indent="-228600" algn="l" defTabSz="914400" rtl="0" eaLnBrk="1" latinLnBrk="0" hangingPunct="1">
+      <a:lvl1pPr marL="258227" indent="-258227" algn="l" defTabSz="1032906" rtl="0" eaLnBrk="1" latinLnBrk="0" hangingPunct="1">
         <a:lnSpc>
           <a:spcPct val="90000"/>
         </a:lnSpc>
         <a:spcBef>
-          <a:spcPts val="1000"/>
+          <a:spcPts val="1130"/>
         </a:spcBef>
-        <a:buFont typeface="Arial"/>
+        <a:buFont typeface="Arial" panose="020B0604020202020204" pitchFamily="34" charset="0"/>
         <a:buChar char="•"/>
-        <a:defRPr sz="2800" kern="1200">
+        <a:defRPr sz="3163" kern="1200">
           <a:solidFill>
             <a:schemeClr val="tx1"/>
           </a:solidFill>
@@ -3292,16 +3297,16 @@
           <a:cs typeface="+mn-cs"/>
         </a:defRPr>
       </a:lvl1pPr>
-      <a:lvl2pPr marL="685800" indent="-228600" algn="l" defTabSz="914400" rtl="0" eaLnBrk="1" latinLnBrk="0" hangingPunct="1">
+      <a:lvl2pPr marL="774680" indent="-258227" algn="l" defTabSz="1032906" rtl="0" eaLnBrk="1" latinLnBrk="0" hangingPunct="1">
         <a:lnSpc>
           <a:spcPct val="90000"/>
         </a:lnSpc>
         <a:spcBef>
-          <a:spcPts val="500"/>
+          <a:spcPts val="565"/>
         </a:spcBef>
-        <a:buFont typeface="Arial"/>
+        <a:buFont typeface="Arial" panose="020B0604020202020204" pitchFamily="34" charset="0"/>
         <a:buChar char="•"/>
-        <a:defRPr sz="2400" kern="1200">
+        <a:defRPr sz="2711" kern="1200">
           <a:solidFill>
             <a:schemeClr val="tx1"/>
           </a:solidFill>
@@ -3310,16 +3315,16 @@
           <a:cs typeface="+mn-cs"/>
         </a:defRPr>
       </a:lvl2pPr>
-      <a:lvl3pPr marL="1143000" indent="-228600" algn="l" defTabSz="914400" rtl="0" eaLnBrk="1" latinLnBrk="0" hangingPunct="1">
+      <a:lvl3pPr marL="1291133" indent="-258227" algn="l" defTabSz="1032906" rtl="0" eaLnBrk="1" latinLnBrk="0" hangingPunct="1">
         <a:lnSpc>
           <a:spcPct val="90000"/>
         </a:lnSpc>
         <a:spcBef>
-          <a:spcPts val="500"/>
+          <a:spcPts val="565"/>
         </a:spcBef>
-        <a:buFont typeface="Arial"/>
+        <a:buFont typeface="Arial" panose="020B0604020202020204" pitchFamily="34" charset="0"/>
         <a:buChar char="•"/>
-        <a:defRPr sz="2000" kern="1200">
+        <a:defRPr sz="2259" kern="1200">
           <a:solidFill>
             <a:schemeClr val="tx1"/>
           </a:solidFill>
@@ -3328,16 +3333,16 @@
           <a:cs typeface="+mn-cs"/>
         </a:defRPr>
       </a:lvl3pPr>
-      <a:lvl4pPr marL="1600200" indent="-228600" algn="l" defTabSz="914400" rtl="0" eaLnBrk="1" latinLnBrk="0" hangingPunct="1">
+      <a:lvl4pPr marL="1807586" indent="-258227" algn="l" defTabSz="1032906" rtl="0" eaLnBrk="1" latinLnBrk="0" hangingPunct="1">
         <a:lnSpc>
           <a:spcPct val="90000"/>
         </a:lnSpc>
         <a:spcBef>
-          <a:spcPts val="500"/>
+          <a:spcPts val="565"/>
         </a:spcBef>
-        <a:buFont typeface="Arial"/>
+        <a:buFont typeface="Arial" panose="020B0604020202020204" pitchFamily="34" charset="0"/>
         <a:buChar char="•"/>
-        <a:defRPr sz="1800" kern="1200">
+        <a:defRPr sz="2033" kern="1200">
           <a:solidFill>
             <a:schemeClr val="tx1"/>
           </a:solidFill>
@@ -3346,16 +3351,16 @@
           <a:cs typeface="+mn-cs"/>
         </a:defRPr>
       </a:lvl4pPr>
-      <a:lvl5pPr marL="2057400" indent="-228600" algn="l" defTabSz="914400" rtl="0" eaLnBrk="1" latinLnBrk="0" hangingPunct="1">
+      <a:lvl5pPr marL="2324039" indent="-258227" algn="l" defTabSz="1032906" rtl="0" eaLnBrk="1" latinLnBrk="0" hangingPunct="1">
         <a:lnSpc>
           <a:spcPct val="90000"/>
         </a:lnSpc>
         <a:spcBef>
-          <a:spcPts val="500"/>
+          <a:spcPts val="565"/>
         </a:spcBef>
-        <a:buFont typeface="Arial"/>
+        <a:buFont typeface="Arial" panose="020B0604020202020204" pitchFamily="34" charset="0"/>
         <a:buChar char="•"/>
-        <a:defRPr sz="1800" kern="1200">
+        <a:defRPr sz="2033" kern="1200">
           <a:solidFill>
             <a:schemeClr val="tx1"/>
           </a:solidFill>
@@ -3364,16 +3369,16 @@
           <a:cs typeface="+mn-cs"/>
         </a:defRPr>
       </a:lvl5pPr>
-      <a:lvl6pPr marL="2514600" indent="-228600" algn="l" defTabSz="914400" rtl="0" eaLnBrk="1" latinLnBrk="0" hangingPunct="1">
+      <a:lvl6pPr marL="2840492" indent="-258227" algn="l" defTabSz="1032906" rtl="0" eaLnBrk="1" latinLnBrk="0" hangingPunct="1">
         <a:lnSpc>
           <a:spcPct val="90000"/>
         </a:lnSpc>
         <a:spcBef>
-          <a:spcPts val="500"/>
+          <a:spcPts val="565"/>
         </a:spcBef>
-        <a:buFont typeface="Arial"/>
+        <a:buFont typeface="Arial" panose="020B0604020202020204" pitchFamily="34" charset="0"/>
         <a:buChar char="•"/>
-        <a:defRPr sz="1800" kern="1200">
+        <a:defRPr sz="2033" kern="1200">
           <a:solidFill>
             <a:schemeClr val="tx1"/>
           </a:solidFill>
@@ -3382,16 +3387,16 @@
           <a:cs typeface="+mn-cs"/>
         </a:defRPr>
       </a:lvl6pPr>
-      <a:lvl7pPr marL="2971800" indent="-228600" algn="l" defTabSz="914400" rtl="0" eaLnBrk="1" latinLnBrk="0" hangingPunct="1">
+      <a:lvl7pPr marL="3356945" indent="-258227" algn="l" defTabSz="1032906" rtl="0" eaLnBrk="1" latinLnBrk="0" hangingPunct="1">
         <a:lnSpc>
           <a:spcPct val="90000"/>
         </a:lnSpc>
         <a:spcBef>
-          <a:spcPts val="500"/>
+          <a:spcPts val="565"/>
         </a:spcBef>
-        <a:buFont typeface="Arial"/>
+        <a:buFont typeface="Arial" panose="020B0604020202020204" pitchFamily="34" charset="0"/>
         <a:buChar char="•"/>
-        <a:defRPr sz="1800" kern="1200">
+        <a:defRPr sz="2033" kern="1200">
           <a:solidFill>
             <a:schemeClr val="tx1"/>
           </a:solidFill>
@@ -3400,16 +3405,16 @@
           <a:cs typeface="+mn-cs"/>
         </a:defRPr>
       </a:lvl7pPr>
-      <a:lvl8pPr marL="3429000" indent="-228600" algn="l" defTabSz="914400" rtl="0" eaLnBrk="1" latinLnBrk="0" hangingPunct="1">
+      <a:lvl8pPr marL="3873398" indent="-258227" algn="l" defTabSz="1032906" rtl="0" eaLnBrk="1" latinLnBrk="0" hangingPunct="1">
         <a:lnSpc>
           <a:spcPct val="90000"/>
         </a:lnSpc>
         <a:spcBef>
-          <a:spcPts val="500"/>
+          <a:spcPts val="565"/>
         </a:spcBef>
-        <a:buFont typeface="Arial"/>
+        <a:buFont typeface="Arial" panose="020B0604020202020204" pitchFamily="34" charset="0"/>
         <a:buChar char="•"/>
-        <a:defRPr sz="1800" kern="1200">
+        <a:defRPr sz="2033" kern="1200">
           <a:solidFill>
             <a:schemeClr val="tx1"/>
           </a:solidFill>
@@ -3418,16 +3423,16 @@
           <a:cs typeface="+mn-cs"/>
         </a:defRPr>
       </a:lvl8pPr>
-      <a:lvl9pPr marL="3886200" indent="-228600" algn="l" defTabSz="914400" rtl="0" eaLnBrk="1" latinLnBrk="0" hangingPunct="1">
+      <a:lvl9pPr marL="4389852" indent="-258227" algn="l" defTabSz="1032906" rtl="0" eaLnBrk="1" latinLnBrk="0" hangingPunct="1">
         <a:lnSpc>
           <a:spcPct val="90000"/>
         </a:lnSpc>
         <a:spcBef>
-          <a:spcPts val="500"/>
+          <a:spcPts val="565"/>
         </a:spcBef>
-        <a:buFont typeface="Arial"/>
+        <a:buFont typeface="Arial" panose="020B0604020202020204" pitchFamily="34" charset="0"/>
         <a:buChar char="•"/>
-        <a:defRPr sz="1800" kern="1200">
+        <a:defRPr sz="2033" kern="1200">
           <a:solidFill>
             <a:schemeClr val="tx1"/>
           </a:solidFill>
@@ -3441,8 +3446,8 @@
       <a:defPPr>
         <a:defRPr lang="en-US"/>
       </a:defPPr>
-      <a:lvl1pPr marL="0" algn="l" defTabSz="914400" rtl="0" eaLnBrk="1" latinLnBrk="0" hangingPunct="1">
-        <a:defRPr sz="1800" kern="1200">
+      <a:lvl1pPr marL="0" algn="l" defTabSz="1032906" rtl="0" eaLnBrk="1" latinLnBrk="0" hangingPunct="1">
+        <a:defRPr sz="2033" kern="1200">
           <a:solidFill>
             <a:schemeClr val="tx1"/>
           </a:solidFill>
@@ -3451,8 +3456,8 @@
           <a:cs typeface="+mn-cs"/>
         </a:defRPr>
       </a:lvl1pPr>
-      <a:lvl2pPr marL="457200" algn="l" defTabSz="914400" rtl="0" eaLnBrk="1" latinLnBrk="0" hangingPunct="1">
-        <a:defRPr sz="1800" kern="1200">
+      <a:lvl2pPr marL="516453" algn="l" defTabSz="1032906" rtl="0" eaLnBrk="1" latinLnBrk="0" hangingPunct="1">
+        <a:defRPr sz="2033" kern="1200">
           <a:solidFill>
             <a:schemeClr val="tx1"/>
           </a:solidFill>
@@ -3461,8 +3466,8 @@
           <a:cs typeface="+mn-cs"/>
         </a:defRPr>
       </a:lvl2pPr>
-      <a:lvl3pPr marL="914400" algn="l" defTabSz="914400" rtl="0" eaLnBrk="1" latinLnBrk="0" hangingPunct="1">
-        <a:defRPr sz="1800" kern="1200">
+      <a:lvl3pPr marL="1032906" algn="l" defTabSz="1032906" rtl="0" eaLnBrk="1" latinLnBrk="0" hangingPunct="1">
+        <a:defRPr sz="2033" kern="1200">
           <a:solidFill>
             <a:schemeClr val="tx1"/>
           </a:solidFill>
@@ -3471,8 +3476,8 @@
           <a:cs typeface="+mn-cs"/>
         </a:defRPr>
       </a:lvl3pPr>
-      <a:lvl4pPr marL="1371600" algn="l" defTabSz="914400" rtl="0" eaLnBrk="1" latinLnBrk="0" hangingPunct="1">
-        <a:defRPr sz="1800" kern="1200">
+      <a:lvl4pPr marL="1549359" algn="l" defTabSz="1032906" rtl="0" eaLnBrk="1" latinLnBrk="0" hangingPunct="1">
+        <a:defRPr sz="2033" kern="1200">
           <a:solidFill>
             <a:schemeClr val="tx1"/>
           </a:solidFill>
@@ -3481,8 +3486,8 @@
           <a:cs typeface="+mn-cs"/>
         </a:defRPr>
       </a:lvl4pPr>
-      <a:lvl5pPr marL="1828800" algn="l" defTabSz="914400" rtl="0" eaLnBrk="1" latinLnBrk="0" hangingPunct="1">
-        <a:defRPr sz="1800" kern="1200">
+      <a:lvl5pPr marL="2065812" algn="l" defTabSz="1032906" rtl="0" eaLnBrk="1" latinLnBrk="0" hangingPunct="1">
+        <a:defRPr sz="2033" kern="1200">
           <a:solidFill>
             <a:schemeClr val="tx1"/>
           </a:solidFill>
@@ -3491,8 +3496,8 @@
           <a:cs typeface="+mn-cs"/>
         </a:defRPr>
       </a:lvl5pPr>
-      <a:lvl6pPr marL="2286000" algn="l" defTabSz="914400" rtl="0" eaLnBrk="1" latinLnBrk="0" hangingPunct="1">
-        <a:defRPr sz="1800" kern="1200">
+      <a:lvl6pPr marL="2582266" algn="l" defTabSz="1032906" rtl="0" eaLnBrk="1" latinLnBrk="0" hangingPunct="1">
+        <a:defRPr sz="2033" kern="1200">
           <a:solidFill>
             <a:schemeClr val="tx1"/>
           </a:solidFill>
@@ -3501,8 +3506,8 @@
           <a:cs typeface="+mn-cs"/>
         </a:defRPr>
       </a:lvl6pPr>
-      <a:lvl7pPr marL="2743200" algn="l" defTabSz="914400" rtl="0" eaLnBrk="1" latinLnBrk="0" hangingPunct="1">
-        <a:defRPr sz="1800" kern="1200">
+      <a:lvl7pPr marL="3098719" algn="l" defTabSz="1032906" rtl="0" eaLnBrk="1" latinLnBrk="0" hangingPunct="1">
+        <a:defRPr sz="2033" kern="1200">
           <a:solidFill>
             <a:schemeClr val="tx1"/>
           </a:solidFill>
@@ -3511,8 +3516,8 @@
           <a:cs typeface="+mn-cs"/>
         </a:defRPr>
       </a:lvl7pPr>
-      <a:lvl8pPr marL="3200400" algn="l" defTabSz="914400" rtl="0" eaLnBrk="1" latinLnBrk="0" hangingPunct="1">
-        <a:defRPr sz="1800" kern="1200">
+      <a:lvl8pPr marL="3615172" algn="l" defTabSz="1032906" rtl="0" eaLnBrk="1" latinLnBrk="0" hangingPunct="1">
+        <a:defRPr sz="2033" kern="1200">
           <a:solidFill>
             <a:schemeClr val="tx1"/>
           </a:solidFill>
@@ -3521,8 +3526,8 @@
           <a:cs typeface="+mn-cs"/>
         </a:defRPr>
       </a:lvl8pPr>
-      <a:lvl9pPr marL="3657600" algn="l" defTabSz="914400" rtl="0" eaLnBrk="1" latinLnBrk="0" hangingPunct="1">
-        <a:defRPr sz="1800" kern="1200">
+      <a:lvl9pPr marL="4131625" algn="l" defTabSz="1032906" rtl="0" eaLnBrk="1" latinLnBrk="0" hangingPunct="1">
+        <a:defRPr sz="2033" kern="1200">
           <a:solidFill>
             <a:schemeClr val="tx1"/>
           </a:solidFill>
@@ -3576,6 +3581,39 @@
           </a:p>
         </p:txBody>
       </p:sp>
+      <p:pic>
+        <p:nvPicPr>
+          <p:cNvPr id="12" name="Content Placeholder 4"/>
+          <p:cNvPicPr>
+            <a:picLocks noGrp="1" noChangeAspect="1"/>
+          </p:cNvPicPr>
+          <p:nvPr>
+            <p:ph idx="1"/>
+          </p:nvPr>
+        </p:nvPicPr>
+        <p:blipFill rotWithShape="1">
+          <a:blip r:embed="rId3" cstate="print">
+            <a:extLst>
+              <a:ext uri="{28A0092B-C50C-407E-A947-70E740481C1C}">
+                <a14:useLocalDpi xmlns:a14="http://schemas.microsoft.com/office/drawing/2010/main"/>
+              </a:ext>
+            </a:extLst>
+          </a:blip>
+          <a:srcRect/>
+          <a:stretch/>
+        </p:blipFill>
+        <p:spPr>
+          <a:xfrm>
+            <a:off x="9327694" y="2502734"/>
+            <a:ext cx="1164188" cy="182870"/>
+          </a:xfrm>
+          <a:ln>
+            <a:solidFill>
+              <a:schemeClr val="tx1"/>
+            </a:solidFill>
+          </a:ln>
+        </p:spPr>
+      </p:pic>
       <p:sp>
         <p:nvSpPr>
           <p:cNvPr id="2" name="Slide Number Placeholder 1"/>
@@ -3588,8 +3626,8 @@
         </p:nvSpPr>
         <p:spPr>
           <a:xfrm>
-            <a:off x="9663635" y="6316661"/>
-            <a:ext cx="2088997" cy="312739"/>
+            <a:off x="11910184" y="6228749"/>
+            <a:ext cx="1703838" cy="255078"/>
           </a:xfrm>
         </p:spPr>
         <p:txBody>
@@ -3614,7 +3652,7 @@
           <p:nvPr/>
         </p:nvPicPr>
         <p:blipFill>
-          <a:blip r:embed="rId3" cstate="print">
+          <a:blip r:embed="rId4" cstate="print">
             <a:extLst>
               <a:ext uri="{28A0092B-C50C-407E-A947-70E740481C1C}">
                 <a14:useLocalDpi xmlns:a14="http://schemas.microsoft.com/office/drawing/2010/main"/>
@@ -3627,8 +3665,8 @@
         </p:blipFill>
         <p:spPr>
           <a:xfrm>
-            <a:off x="441730" y="1751031"/>
-            <a:ext cx="3195317" cy="4260424"/>
+            <a:off x="4388568" y="2504907"/>
+            <a:ext cx="2606180" cy="3474908"/>
           </a:xfrm>
           <a:prstGeom prst="rect">
             <a:avLst/>
@@ -3648,8 +3686,8 @@
         </p:nvSpPr>
         <p:spPr>
           <a:xfrm>
-            <a:off x="921490" y="6018670"/>
-            <a:ext cx="2239925" cy="461665"/>
+            <a:off x="4779874" y="5985700"/>
+            <a:ext cx="1826939" cy="393506"/>
           </a:xfrm>
           <a:prstGeom prst="rect">
             <a:avLst/>
@@ -3663,7 +3701,7 @@
           <a:lstStyle/>
           <a:p>
             <a:r>
-              <a:rPr lang="en-US" sz="2400"/>
+              <a:rPr lang="en-US" sz="1957"/>
               <a:t>35m addresses</a:t>
             </a:r>
           </a:p>
@@ -3677,8 +3715,8 @@
         </p:nvSpPr>
         <p:spPr bwMode="auto">
           <a:xfrm>
-            <a:off x="3638200" y="1743740"/>
-            <a:ext cx="1427357" cy="3359889"/>
+            <a:off x="6995688" y="2498962"/>
+            <a:ext cx="1164188" cy="2740409"/>
           </a:xfrm>
           <a:prstGeom prst="rect">
             <a:avLst/>
@@ -3698,7 +3736,7 @@
           <a:effectLst/>
         </p:spPr>
         <p:txBody>
-          <a:bodyPr vert="horz" wrap="square" lIns="121920" tIns="60960" rIns="121920" bIns="0" numCol="1" rtlCol="0" anchor="ctr" anchorCtr="0" compatLnSpc="1">
+          <a:bodyPr vert="horz" wrap="square" lIns="99441" tIns="49721" rIns="99441" bIns="0" numCol="1" rtlCol="0" anchor="ctr" anchorCtr="0" compatLnSpc="1">
             <a:prstTxWarp prst="textNoShape">
               <a:avLst/>
             </a:prstTxWarp>
@@ -3706,7 +3744,7 @@
           </a:bodyPr>
           <a:lstStyle/>
           <a:p>
-            <a:pPr algn="ctr" defTabSz="1219170" eaLnBrk="0" fontAlgn="base" hangingPunct="0">
+            <a:pPr algn="ctr" defTabSz="994355" eaLnBrk="0" fontAlgn="base" hangingPunct="0">
               <a:spcBef>
                 <a:spcPct val="0"/>
               </a:spcBef>
@@ -3715,7 +3753,7 @@
               </a:spcAft>
             </a:pPr>
             <a:r>
-              <a:rPr lang="en-US" sz="1600" dirty="0">
+              <a:rPr lang="en-US" sz="1305" dirty="0">
                 <a:latin typeface="Lucida Sans" pitchFamily="-106" charset="0"/>
                 <a:ea typeface="ＭＳ Ｐゴシック" pitchFamily="-106" charset="-128"/>
                 <a:cs typeface="ＭＳ Ｐゴシック" pitchFamily="-106" charset="-128"/>
@@ -3733,8 +3771,8 @@
         </p:nvSpPr>
         <p:spPr bwMode="auto">
           <a:xfrm>
-            <a:off x="3638200" y="5103628"/>
-            <a:ext cx="1427357" cy="907827"/>
+            <a:off x="6995688" y="5239369"/>
+            <a:ext cx="1164188" cy="740446"/>
           </a:xfrm>
           <a:prstGeom prst="rect">
             <a:avLst/>
@@ -3756,7 +3794,7 @@
           <a:effectLst/>
         </p:spPr>
         <p:txBody>
-          <a:bodyPr vert="horz" wrap="square" lIns="121920" tIns="60960" rIns="121920" bIns="0" numCol="1" rtlCol="0" anchor="ctr" anchorCtr="0" compatLnSpc="1">
+          <a:bodyPr vert="horz" wrap="square" lIns="99441" tIns="49721" rIns="99441" bIns="0" numCol="1" rtlCol="0" anchor="ctr" anchorCtr="0" compatLnSpc="1">
             <a:prstTxWarp prst="textNoShape">
               <a:avLst/>
             </a:prstTxWarp>
@@ -3764,7 +3802,7 @@
           </a:bodyPr>
           <a:lstStyle/>
           <a:p>
-            <a:pPr algn="ctr" defTabSz="1219170" eaLnBrk="0" fontAlgn="base" hangingPunct="0">
+            <a:pPr algn="ctr" defTabSz="994355" eaLnBrk="0" fontAlgn="base" hangingPunct="0">
               <a:spcBef>
                 <a:spcPct val="0"/>
               </a:spcBef>
@@ -3772,7 +3810,7 @@
                 <a:spcPct val="0"/>
               </a:spcAft>
             </a:pPr>
-            <a:endParaRPr lang="en-US" sz="1600" dirty="0">
+            <a:endParaRPr lang="en-US" sz="1305" dirty="0">
               <a:latin typeface="Lucida Sans" pitchFamily="-106" charset="0"/>
               <a:ea typeface="ＭＳ Ｐゴシック" pitchFamily="-106" charset="-128"/>
               <a:cs typeface="ＭＳ Ｐゴシック" pitchFamily="-106" charset="-128"/>
@@ -3788,8 +3826,8 @@
         </p:nvSpPr>
         <p:spPr bwMode="auto">
           <a:xfrm>
-            <a:off x="5065558" y="1743739"/>
-            <a:ext cx="1427357" cy="609603"/>
+            <a:off x="8159877" y="2498962"/>
+            <a:ext cx="1164188" cy="497207"/>
           </a:xfrm>
           <a:prstGeom prst="rect">
             <a:avLst/>
@@ -3809,7 +3847,7 @@
           <a:effectLst/>
         </p:spPr>
         <p:txBody>
-          <a:bodyPr vert="horz" wrap="square" lIns="121920" tIns="60960" rIns="121920" bIns="0" numCol="1" rtlCol="0" anchor="ctr" anchorCtr="0" compatLnSpc="1">
+          <a:bodyPr vert="horz" wrap="square" lIns="99441" tIns="49721" rIns="99441" bIns="0" numCol="1" rtlCol="0" anchor="ctr" anchorCtr="0" compatLnSpc="1">
             <a:prstTxWarp prst="textNoShape">
               <a:avLst/>
             </a:prstTxWarp>
@@ -3817,7 +3855,7 @@
           </a:bodyPr>
           <a:lstStyle/>
           <a:p>
-            <a:pPr algn="ctr" defTabSz="1219170" eaLnBrk="0" fontAlgn="base" hangingPunct="0">
+            <a:pPr algn="ctr" defTabSz="994355" eaLnBrk="0" fontAlgn="base" hangingPunct="0">
               <a:spcBef>
                 <a:spcPct val="0"/>
               </a:spcBef>
@@ -3826,7 +3864,7 @@
               </a:spcAft>
             </a:pPr>
             <a:r>
-              <a:rPr lang="en-US" sz="1600" dirty="0">
+              <a:rPr lang="en-US" sz="1305" dirty="0">
                 <a:latin typeface="Lucida Sans" pitchFamily="-106" charset="0"/>
                 <a:ea typeface="ＭＳ Ｐゴシック" pitchFamily="-106" charset="-128"/>
                 <a:cs typeface="ＭＳ Ｐゴシック" pitchFamily="-106" charset="-128"/>
@@ -3844,8 +3882,8 @@
         </p:nvSpPr>
         <p:spPr bwMode="auto">
           <a:xfrm>
-            <a:off x="5065558" y="2353342"/>
-            <a:ext cx="1427357" cy="2750284"/>
+            <a:off x="8159877" y="2996167"/>
+            <a:ext cx="1164188" cy="2243200"/>
           </a:xfrm>
           <a:prstGeom prst="rect">
             <a:avLst/>
@@ -3867,7 +3905,7 @@
           <a:effectLst/>
         </p:spPr>
         <p:txBody>
-          <a:bodyPr vert="horz" wrap="square" lIns="121920" tIns="60960" rIns="121920" bIns="0" numCol="1" rtlCol="0" anchor="ctr" anchorCtr="0" compatLnSpc="1">
+          <a:bodyPr vert="horz" wrap="square" lIns="99441" tIns="49721" rIns="99441" bIns="0" numCol="1" rtlCol="0" anchor="ctr" anchorCtr="0" compatLnSpc="1">
             <a:prstTxWarp prst="textNoShape">
               <a:avLst/>
             </a:prstTxWarp>
@@ -3875,7 +3913,7 @@
           </a:bodyPr>
           <a:lstStyle/>
           <a:p>
-            <a:pPr algn="ctr" defTabSz="1219170" eaLnBrk="0" fontAlgn="base" hangingPunct="0">
+            <a:pPr algn="ctr" defTabSz="994355" eaLnBrk="0" fontAlgn="base" hangingPunct="0">
               <a:spcBef>
                 <a:spcPct val="0"/>
               </a:spcBef>
@@ -3883,7 +3921,7 @@
                 <a:spcPct val="0"/>
               </a:spcAft>
             </a:pPr>
-            <a:endParaRPr lang="en-US" sz="1600" dirty="0">
+            <a:endParaRPr lang="en-US" sz="1305" dirty="0">
               <a:latin typeface="Lucida Sans" pitchFamily="-106" charset="0"/>
               <a:ea typeface="ＭＳ Ｐゴシック" pitchFamily="-106" charset="-128"/>
               <a:cs typeface="ＭＳ Ｐゴシック" pitchFamily="-106" charset="-128"/>
@@ -3891,39 +3929,6 @@
           </a:p>
         </p:txBody>
       </p:sp>
-      <p:pic>
-        <p:nvPicPr>
-          <p:cNvPr id="12" name="Content Placeholder 4"/>
-          <p:cNvPicPr>
-            <a:picLocks noGrp="1" noChangeAspect="1"/>
-          </p:cNvPicPr>
-          <p:nvPr>
-            <p:ph idx="1"/>
-          </p:nvPr>
-        </p:nvPicPr>
-        <p:blipFill rotWithShape="1">
-          <a:blip r:embed="rId4" cstate="print">
-            <a:extLst>
-              <a:ext uri="{28A0092B-C50C-407E-A947-70E740481C1C}">
-                <a14:useLocalDpi xmlns:a14="http://schemas.microsoft.com/office/drawing/2010/main"/>
-              </a:ext>
-            </a:extLst>
-          </a:blip>
-          <a:srcRect/>
-          <a:stretch/>
-        </p:blipFill>
-        <p:spPr>
-          <a:xfrm>
-            <a:off x="6497364" y="1748368"/>
-            <a:ext cx="1427357" cy="224208"/>
-          </a:xfrm>
-          <a:ln>
-            <a:solidFill>
-              <a:schemeClr val="tx1"/>
-            </a:solidFill>
-          </a:ln>
-        </p:spPr>
-      </p:pic>
       <p:sp>
         <p:nvSpPr>
           <p:cNvPr id="15" name="Rectangle 14"/>
@@ -3932,8 +3937,8 @@
         </p:nvSpPr>
         <p:spPr bwMode="auto">
           <a:xfrm>
-            <a:off x="6492914" y="1974584"/>
-            <a:ext cx="1441535" cy="378755"/>
+            <a:off x="9324064" y="2687242"/>
+            <a:ext cx="1175752" cy="308922"/>
           </a:xfrm>
           <a:prstGeom prst="rect">
             <a:avLst/>
@@ -3955,7 +3960,7 @@
           <a:effectLst/>
         </p:spPr>
         <p:txBody>
-          <a:bodyPr vert="horz" wrap="square" lIns="121920" tIns="60960" rIns="121920" bIns="0" numCol="1" rtlCol="0" anchor="ctr" anchorCtr="0" compatLnSpc="1">
+          <a:bodyPr vert="horz" wrap="square" lIns="99441" tIns="49721" rIns="99441" bIns="0" numCol="1" rtlCol="0" anchor="ctr" anchorCtr="0" compatLnSpc="1">
             <a:prstTxWarp prst="textNoShape">
               <a:avLst/>
             </a:prstTxWarp>
@@ -3963,7 +3968,7 @@
           </a:bodyPr>
           <a:lstStyle/>
           <a:p>
-            <a:pPr algn="ctr" defTabSz="1219170" eaLnBrk="0" fontAlgn="base" hangingPunct="0">
+            <a:pPr algn="ctr" defTabSz="994355" eaLnBrk="0" fontAlgn="base" hangingPunct="0">
               <a:spcBef>
                 <a:spcPct val="0"/>
               </a:spcBef>
@@ -3971,7 +3976,7 @@
                 <a:spcPct val="0"/>
               </a:spcAft>
             </a:pPr>
-            <a:endParaRPr lang="en-US" sz="1600" dirty="0">
+            <a:endParaRPr lang="en-US" sz="1305" dirty="0">
               <a:latin typeface="Lucida Sans" pitchFamily="-106" charset="0"/>
               <a:ea typeface="ＭＳ Ｐゴシック" pitchFamily="-106" charset="-128"/>
               <a:cs typeface="ＭＳ Ｐゴシック" pitchFamily="-106" charset="-128"/>
@@ -3987,8 +3992,8 @@
         </p:nvGrpSpPr>
         <p:grpSpPr>
           <a:xfrm>
-            <a:off x="7903274" y="1261092"/>
-            <a:ext cx="3248223" cy="3419391"/>
+            <a:off x="10474389" y="2105302"/>
+            <a:ext cx="2649332" cy="2788941"/>
             <a:chOff x="5927455" y="748219"/>
             <a:chExt cx="2436167" cy="2564543"/>
           </a:xfrm>
@@ -4032,7 +4037,7 @@
             </a:effectLst>
           </p:spPr>
           <p:txBody>
-            <a:bodyPr vert="horz" wrap="square" lIns="121920" tIns="60960" rIns="121920" bIns="0" numCol="1" rtlCol="0" anchor="b" anchorCtr="0" compatLnSpc="1">
+            <a:bodyPr vert="horz" wrap="square" lIns="99441" tIns="49721" rIns="99441" bIns="0" numCol="1" rtlCol="0" anchor="b" anchorCtr="0" compatLnSpc="1">
               <a:prstTxWarp prst="textNoShape">
                 <a:avLst/>
               </a:prstTxWarp>
@@ -4040,18 +4045,18 @@
             </a:bodyPr>
             <a:lstStyle/>
             <a:p>
-              <a:pPr marL="228594" indent="-228594" defTabSz="1219170" eaLnBrk="0" fontAlgn="base" hangingPunct="0">
+              <a:pPr marL="186441" indent="-186441" defTabSz="994355" eaLnBrk="0" fontAlgn="base" hangingPunct="0">
                 <a:spcBef>
                   <a:spcPct val="0"/>
                 </a:spcBef>
                 <a:spcAft>
-                  <a:spcPts val="800"/>
+                  <a:spcPts val="652"/>
                 </a:spcAft>
                 <a:buFont typeface="Arial" charset="0"/>
                 <a:buChar char="•"/>
               </a:pPr>
               <a:r>
-                <a:rPr lang="en-US" sz="1600" dirty="0">
+                <a:rPr lang="en-US" sz="1305" dirty="0">
                   <a:latin typeface="Lucida Sans" pitchFamily="-106" charset="0"/>
                   <a:ea typeface="ＭＳ Ｐゴシック" pitchFamily="-106" charset="-128"/>
                   <a:cs typeface="ＭＳ Ｐゴシック" pitchFamily="-106" charset="-128"/>
@@ -4059,7 +4064,7 @@
                 <a:t>~</a:t>
               </a:r>
               <a:r>
-                <a:rPr lang="en-US" sz="1600" dirty="0" smtClean="0">
+                <a:rPr lang="en-US" sz="1305" dirty="0">
                   <a:latin typeface="Lucida Sans" pitchFamily="-106" charset="0"/>
                   <a:ea typeface="ＭＳ Ｐゴシック" pitchFamily="-106" charset="-128"/>
                   <a:cs typeface="ＭＳ Ｐゴシック" pitchFamily="-106" charset="-128"/>
@@ -4067,7 +4072,7 @@
                 <a:t>113km2 </a:t>
               </a:r>
               <a:r>
-                <a:rPr lang="en-US" sz="1600" dirty="0">
+                <a:rPr lang="en-US" sz="1305" dirty="0">
                   <a:latin typeface="Lucida Sans" pitchFamily="-106" charset="0"/>
                   <a:ea typeface="ＭＳ Ｐゴシック" pitchFamily="-106" charset="-128"/>
                   <a:cs typeface="ＭＳ Ｐゴシック" pitchFamily="-106" charset="-128"/>
@@ -4076,18 +4081,18 @@
               </a:r>
             </a:p>
             <a:p>
-              <a:pPr marL="228594" indent="-228594" defTabSz="1219170" eaLnBrk="0" fontAlgn="base" hangingPunct="0">
+              <a:pPr marL="186441" indent="-186441" defTabSz="994355" eaLnBrk="0" fontAlgn="base" hangingPunct="0">
                 <a:spcBef>
                   <a:spcPct val="0"/>
                 </a:spcBef>
                 <a:spcAft>
-                  <a:spcPts val="800"/>
+                  <a:spcPts val="652"/>
                 </a:spcAft>
                 <a:buFont typeface="Arial" charset="0"/>
                 <a:buChar char="•"/>
               </a:pPr>
               <a:r>
-                <a:rPr lang="en-US" sz="1600" dirty="0">
+                <a:rPr lang="en-US" sz="1305" dirty="0">
                   <a:latin typeface="Lucida Sans" pitchFamily="-106" charset="0"/>
                   <a:ea typeface="ＭＳ Ｐゴシック" pitchFamily="-106" charset="-128"/>
                   <a:cs typeface="ＭＳ Ｐゴシック" pitchFamily="-106" charset="-128"/>
@@ -4096,18 +4101,18 @@
               </a:r>
             </a:p>
             <a:p>
-              <a:pPr marL="228594" indent="-228594" defTabSz="1219170" eaLnBrk="0" fontAlgn="base" hangingPunct="0">
+              <a:pPr marL="186441" indent="-186441" defTabSz="994355" eaLnBrk="0" fontAlgn="base" hangingPunct="0">
                 <a:spcBef>
                   <a:spcPct val="0"/>
                 </a:spcBef>
                 <a:spcAft>
-                  <a:spcPts val="800"/>
+                  <a:spcPts val="652"/>
                 </a:spcAft>
                 <a:buFont typeface="Arial" charset="0"/>
                 <a:buChar char="•"/>
               </a:pPr>
               <a:r>
-                <a:rPr lang="en-US" sz="1600" dirty="0">
+                <a:rPr lang="en-US" sz="1305" dirty="0">
                   <a:latin typeface="Lucida Sans" pitchFamily="-106" charset="0"/>
                   <a:ea typeface="ＭＳ Ｐゴシック" pitchFamily="-106" charset="-128"/>
                   <a:cs typeface="ＭＳ Ｐゴシック" pitchFamily="-106" charset="-128"/>
@@ -4115,14 +4120,14 @@
                 <a:t>14,088 </a:t>
               </a:r>
               <a:r>
-                <a:rPr lang="en-US" sz="1600" dirty="0" smtClean="0">
+                <a:rPr lang="en-US" sz="1305" dirty="0">
                   <a:latin typeface="Lucida Sans" pitchFamily="-106" charset="0"/>
                   <a:ea typeface="ＭＳ Ｐゴシック" pitchFamily="-106" charset="-128"/>
                   <a:cs typeface="ＭＳ Ｐゴシック" pitchFamily="-106" charset="-128"/>
                 </a:rPr>
                 <a:t>postcodes</a:t>
               </a:r>
-              <a:endParaRPr lang="en-US" sz="1600" dirty="0">
+              <a:endParaRPr lang="en-US" sz="1305" dirty="0">
                 <a:latin typeface="Lucida Sans" pitchFamily="-106" charset="0"/>
                 <a:ea typeface="ＭＳ Ｐゴシック" pitchFamily="-106" charset="-128"/>
                 <a:cs typeface="ＭＳ Ｐゴシック" pitchFamily="-106" charset="-128"/>
@@ -4177,8 +4182,8 @@
         </p:nvSpPr>
         <p:spPr>
           <a:xfrm>
-            <a:off x="7852516" y="977195"/>
-            <a:ext cx="3351628" cy="252921"/>
+            <a:off x="10432989" y="1873749"/>
+            <a:ext cx="2733672" cy="206289"/>
           </a:xfrm>
           <a:prstGeom prst="rect">
             <a:avLst/>
@@ -4211,7 +4216,7 @@
           <a:lstStyle/>
           <a:p>
             <a:pPr algn="ctr"/>
-            <a:endParaRPr lang="en-US"/>
+            <a:endParaRPr lang="en-US" sz="1468"/>
           </a:p>
         </p:txBody>
       </p:sp>
@@ -4343,8 +4348,8 @@
         </p:blipFill>
         <p:spPr>
           <a:xfrm>
-            <a:off x="432001" y="899996"/>
-            <a:ext cx="6362809" cy="5036744"/>
+            <a:off x="4380632" y="1810781"/>
+            <a:ext cx="5189666" cy="4108094"/>
           </a:xfrm>
           <a:ln>
             <a:solidFill>
@@ -4391,8 +4396,8 @@
         </p:nvSpPr>
         <p:spPr bwMode="auto">
           <a:xfrm>
-            <a:off x="6352076" y="1363214"/>
-            <a:ext cx="1427357" cy="3754347"/>
+            <a:off x="9209193" y="2188596"/>
+            <a:ext cx="1164188" cy="3062139"/>
           </a:xfrm>
           <a:prstGeom prst="rect">
             <a:avLst/>
@@ -4412,7 +4417,7 @@
           <a:effectLst/>
         </p:spPr>
         <p:txBody>
-          <a:bodyPr vert="horz" wrap="square" lIns="121920" tIns="60960" rIns="121920" bIns="0" numCol="1" rtlCol="0" anchor="ctr" anchorCtr="0" compatLnSpc="1">
+          <a:bodyPr vert="horz" wrap="square" lIns="99441" tIns="49721" rIns="99441" bIns="0" numCol="1" rtlCol="0" anchor="ctr" anchorCtr="0" compatLnSpc="1">
             <a:prstTxWarp prst="textNoShape">
               <a:avLst/>
             </a:prstTxWarp>
@@ -4420,7 +4425,7 @@
           </a:bodyPr>
           <a:lstStyle/>
           <a:p>
-            <a:pPr algn="ctr" defTabSz="1219170" eaLnBrk="0" fontAlgn="base" hangingPunct="0">
+            <a:pPr algn="ctr" defTabSz="994355" eaLnBrk="0" fontAlgn="base" hangingPunct="0">
               <a:spcBef>
                 <a:spcPct val="0"/>
               </a:spcBef>
@@ -4429,7 +4434,7 @@
               </a:spcAft>
             </a:pPr>
             <a:r>
-              <a:rPr lang="en-US" sz="1600" dirty="0">
+              <a:rPr lang="en-US" sz="1305" dirty="0">
                 <a:latin typeface="Lucida Sans" pitchFamily="-106" charset="0"/>
                 <a:ea typeface="ＭＳ Ｐゴシック" pitchFamily="-106" charset="-128"/>
                 <a:cs typeface="ＭＳ Ｐゴシック" pitchFamily="-106" charset="-128"/>
@@ -4437,7 +4442,7 @@
               <a:t>82% of </a:t>
             </a:r>
             <a:r>
-              <a:rPr lang="en-US" sz="1600" u="sng" dirty="0">
+              <a:rPr lang="en-US" sz="1305" u="sng" dirty="0">
                 <a:latin typeface="Lucida Sans" pitchFamily="-106" charset="0"/>
                 <a:ea typeface="ＭＳ Ｐゴシック" pitchFamily="-106" charset="-128"/>
                 <a:cs typeface="ＭＳ Ｐゴシック" pitchFamily="-106" charset="-128"/>
@@ -4445,7 +4450,7 @@
               <a:t>streets</a:t>
             </a:r>
             <a:r>
-              <a:rPr lang="en-US" sz="1600" dirty="0">
+              <a:rPr lang="en-US" sz="1305" dirty="0">
                 <a:latin typeface="Lucida Sans" pitchFamily="-106" charset="0"/>
                 <a:ea typeface="ＭＳ Ｐゴシック" pitchFamily="-106" charset="-128"/>
                 <a:cs typeface="ＭＳ Ｐゴシック" pitchFamily="-106" charset="-128"/>
@@ -4463,8 +4468,8 @@
         </p:nvSpPr>
         <p:spPr bwMode="auto">
           <a:xfrm>
-            <a:off x="6352076" y="5117562"/>
-            <a:ext cx="1427357" cy="550129"/>
+            <a:off x="9209193" y="5250736"/>
+            <a:ext cx="1164188" cy="448699"/>
           </a:xfrm>
           <a:prstGeom prst="rect">
             <a:avLst/>
@@ -4486,7 +4491,7 @@
           <a:effectLst/>
         </p:spPr>
         <p:txBody>
-          <a:bodyPr vert="horz" wrap="square" lIns="121920" tIns="60960" rIns="121920" bIns="0" numCol="1" rtlCol="0" anchor="ctr" anchorCtr="0" compatLnSpc="1">
+          <a:bodyPr vert="horz" wrap="square" lIns="99441" tIns="49721" rIns="99441" bIns="0" numCol="1" rtlCol="0" anchor="ctr" anchorCtr="0" compatLnSpc="1">
             <a:prstTxWarp prst="textNoShape">
               <a:avLst/>
             </a:prstTxWarp>
@@ -4494,7 +4499,7 @@
           </a:bodyPr>
           <a:lstStyle/>
           <a:p>
-            <a:pPr algn="ctr" defTabSz="1219170" eaLnBrk="0" fontAlgn="base" hangingPunct="0">
+            <a:pPr algn="ctr" defTabSz="994355" eaLnBrk="0" fontAlgn="base" hangingPunct="0">
               <a:spcBef>
                 <a:spcPct val="0"/>
               </a:spcBef>
@@ -4502,7 +4507,7 @@
                 <a:spcPct val="0"/>
               </a:spcAft>
             </a:pPr>
-            <a:endParaRPr lang="en-US" sz="1600" dirty="0">
+            <a:endParaRPr lang="en-US" sz="1305" dirty="0">
               <a:latin typeface="Lucida Sans" pitchFamily="-106" charset="0"/>
               <a:ea typeface="ＭＳ Ｐゴシック" pitchFamily="-106" charset="-128"/>
               <a:cs typeface="ＭＳ Ｐゴシック" pitchFamily="-106" charset="-128"/>
@@ -4518,8 +4523,8 @@
         </p:nvSpPr>
         <p:spPr bwMode="auto">
           <a:xfrm>
-            <a:off x="4924718" y="1363214"/>
-            <a:ext cx="1427357" cy="4304475"/>
+            <a:off x="8045005" y="2188596"/>
+            <a:ext cx="1164188" cy="3510837"/>
           </a:xfrm>
           <a:prstGeom prst="rect">
             <a:avLst/>
@@ -4539,7 +4544,7 @@
           <a:effectLst/>
         </p:spPr>
         <p:txBody>
-          <a:bodyPr vert="horz" wrap="square" lIns="121920" tIns="60960" rIns="121920" bIns="0" numCol="1" rtlCol="0" anchor="ctr" anchorCtr="0" compatLnSpc="1">
+          <a:bodyPr vert="horz" wrap="square" lIns="99441" tIns="49721" rIns="99441" bIns="0" numCol="1" rtlCol="0" anchor="ctr" anchorCtr="0" compatLnSpc="1">
             <a:prstTxWarp prst="textNoShape">
               <a:avLst/>
             </a:prstTxWarp>
@@ -4547,7 +4552,7 @@
           </a:bodyPr>
           <a:lstStyle/>
           <a:p>
-            <a:pPr algn="ctr" defTabSz="1219170" eaLnBrk="0" fontAlgn="base" hangingPunct="0">
+            <a:pPr algn="ctr" defTabSz="994355" eaLnBrk="0" fontAlgn="base" hangingPunct="0">
               <a:spcBef>
                 <a:spcPct val="0"/>
               </a:spcBef>
@@ -4556,7 +4561,7 @@
               </a:spcAft>
             </a:pPr>
             <a:r>
-              <a:rPr lang="en-US" sz="1600" dirty="0">
+              <a:rPr lang="en-US" sz="1305" dirty="0">
                 <a:latin typeface="Lucida Sans" pitchFamily="-106" charset="0"/>
                 <a:ea typeface="ＭＳ Ｐゴシック" pitchFamily="-106" charset="-128"/>
                 <a:cs typeface="ＭＳ Ｐゴシック" pitchFamily="-106" charset="-128"/>
@@ -4564,7 +4569,7 @@
               <a:t>98% of </a:t>
             </a:r>
             <a:r>
-              <a:rPr lang="en-US" sz="1600">
+              <a:rPr lang="en-US" sz="1305">
                 <a:latin typeface="Lucida Sans" pitchFamily="-106" charset="0"/>
                 <a:ea typeface="ＭＳ Ｐゴシック" pitchFamily="-106" charset="-128"/>
                 <a:cs typeface="ＭＳ Ｐゴシック" pitchFamily="-106" charset="-128"/>
@@ -4572,7 +4577,7 @@
               <a:t>addresses include a </a:t>
             </a:r>
             <a:r>
-              <a:rPr lang="en-US" sz="1600" dirty="0">
+              <a:rPr lang="en-US" sz="1305" dirty="0">
                 <a:latin typeface="Lucida Sans" pitchFamily="-106" charset="0"/>
                 <a:ea typeface="ＭＳ Ｐゴシック" pitchFamily="-106" charset="-128"/>
                 <a:cs typeface="ＭＳ Ｐゴシック" pitchFamily="-106" charset="-128"/>
@@ -4590,8 +4595,8 @@
         </p:nvSpPr>
         <p:spPr bwMode="auto">
           <a:xfrm>
-            <a:off x="4924718" y="5674395"/>
-            <a:ext cx="1427357" cy="146320"/>
+            <a:off x="8045005" y="5704900"/>
+            <a:ext cx="1164188" cy="119342"/>
           </a:xfrm>
           <a:prstGeom prst="rect">
             <a:avLst/>
@@ -4613,7 +4618,7 @@
           <a:effectLst/>
         </p:spPr>
         <p:txBody>
-          <a:bodyPr vert="horz" wrap="square" lIns="121920" tIns="60960" rIns="121920" bIns="0" numCol="1" rtlCol="0" anchor="ctr" anchorCtr="0" compatLnSpc="1">
+          <a:bodyPr vert="horz" wrap="square" lIns="99441" tIns="49721" rIns="99441" bIns="0" numCol="1" rtlCol="0" anchor="ctr" anchorCtr="0" compatLnSpc="1">
             <a:prstTxWarp prst="textNoShape">
               <a:avLst/>
             </a:prstTxWarp>
@@ -4621,7 +4626,7 @@
           </a:bodyPr>
           <a:lstStyle/>
           <a:p>
-            <a:pPr algn="ctr" defTabSz="1219170" eaLnBrk="0" fontAlgn="base" hangingPunct="0">
+            <a:pPr algn="ctr" defTabSz="994355" eaLnBrk="0" fontAlgn="base" hangingPunct="0">
               <a:spcBef>
                 <a:spcPct val="0"/>
               </a:spcBef>
@@ -4629,7 +4634,7 @@
                 <a:spcPct val="0"/>
               </a:spcAft>
             </a:pPr>
-            <a:endParaRPr lang="en-US" sz="1600" dirty="0">
+            <a:endParaRPr lang="en-US" sz="1305" dirty="0">
               <a:latin typeface="Lucida Sans" pitchFamily="-106" charset="0"/>
               <a:ea typeface="ＭＳ Ｐゴシック" pitchFamily="-106" charset="-128"/>
               <a:cs typeface="ＭＳ Ｐゴシック" pitchFamily="-106" charset="-128"/>
@@ -4645,8 +4650,8 @@
         </p:nvSpPr>
         <p:spPr bwMode="auto">
           <a:xfrm>
-            <a:off x="7779433" y="4855734"/>
-            <a:ext cx="1427357" cy="811955"/>
+            <a:off x="10373381" y="5037182"/>
+            <a:ext cx="1164188" cy="662251"/>
           </a:xfrm>
           <a:prstGeom prst="rect">
             <a:avLst/>
@@ -4668,7 +4673,7 @@
           <a:effectLst/>
         </p:spPr>
         <p:txBody>
-          <a:bodyPr vert="horz" wrap="square" lIns="121920" tIns="60960" rIns="121920" bIns="0" numCol="1" rtlCol="0" anchor="ctr" anchorCtr="0" compatLnSpc="1">
+          <a:bodyPr vert="horz" wrap="square" lIns="99441" tIns="49721" rIns="99441" bIns="0" numCol="1" rtlCol="0" anchor="ctr" anchorCtr="0" compatLnSpc="1">
             <a:prstTxWarp prst="textNoShape">
               <a:avLst/>
             </a:prstTxWarp>
@@ -4676,7 +4681,7 @@
           </a:bodyPr>
           <a:lstStyle/>
           <a:p>
-            <a:pPr algn="ctr" defTabSz="1219170" eaLnBrk="0" fontAlgn="base" hangingPunct="0">
+            <a:pPr algn="ctr" defTabSz="994355" eaLnBrk="0" fontAlgn="base" hangingPunct="0">
               <a:spcBef>
                 <a:spcPct val="0"/>
               </a:spcBef>
@@ -4684,7 +4689,7 @@
                 <a:spcPct val="0"/>
               </a:spcAft>
             </a:pPr>
-            <a:endParaRPr lang="en-US" sz="1600" dirty="0">
+            <a:endParaRPr lang="en-US" sz="1305" dirty="0">
               <a:latin typeface="Lucida Sans" pitchFamily="-106" charset="0"/>
               <a:ea typeface="ＭＳ Ｐゴシック" pitchFamily="-106" charset="-128"/>
               <a:cs typeface="ＭＳ Ｐゴシック" pitchFamily="-106" charset="-128"/>
@@ -4700,8 +4705,8 @@
         </p:nvSpPr>
         <p:spPr bwMode="auto">
           <a:xfrm>
-            <a:off x="7779433" y="1356508"/>
-            <a:ext cx="1427357" cy="3499225"/>
+            <a:off x="10373381" y="2183126"/>
+            <a:ext cx="1164188" cy="2854055"/>
           </a:xfrm>
           <a:prstGeom prst="rect">
             <a:avLst/>
@@ -4721,7 +4726,7 @@
           <a:effectLst/>
         </p:spPr>
         <p:txBody>
-          <a:bodyPr vert="horz" wrap="square" lIns="121920" tIns="60960" rIns="121920" bIns="0" numCol="1" rtlCol="0" anchor="ctr" anchorCtr="0" compatLnSpc="1">
+          <a:bodyPr vert="horz" wrap="square" lIns="99441" tIns="49721" rIns="99441" bIns="0" numCol="1" rtlCol="0" anchor="ctr" anchorCtr="0" compatLnSpc="1">
             <a:prstTxWarp prst="textNoShape">
               <a:avLst/>
             </a:prstTxWarp>
@@ -4729,7 +4734,7 @@
           </a:bodyPr>
           <a:lstStyle/>
           <a:p>
-            <a:pPr algn="ctr" defTabSz="1219170" eaLnBrk="0" fontAlgn="base" hangingPunct="0">
+            <a:pPr algn="ctr" defTabSz="994355" eaLnBrk="0" fontAlgn="base" hangingPunct="0">
               <a:spcBef>
                 <a:spcPct val="0"/>
               </a:spcBef>
@@ -4738,7 +4743,7 @@
               </a:spcAft>
             </a:pPr>
             <a:r>
-              <a:rPr lang="en-US" sz="1600" dirty="0">
+              <a:rPr lang="en-US" sz="1305" dirty="0">
                 <a:latin typeface="Lucida Sans" pitchFamily="-106" charset="0"/>
                 <a:ea typeface="ＭＳ Ｐゴシック" pitchFamily="-106" charset="-128"/>
                 <a:cs typeface="ＭＳ Ｐゴシック" pitchFamily="-106" charset="-128"/>
@@ -4756,8 +4761,8 @@
         </p:nvSpPr>
         <p:spPr bwMode="auto">
           <a:xfrm>
-            <a:off x="9206790" y="1363215"/>
-            <a:ext cx="1427357" cy="1144235"/>
+            <a:off x="11537570" y="2188596"/>
+            <a:ext cx="1164188" cy="933267"/>
           </a:xfrm>
           <a:prstGeom prst="rect">
             <a:avLst/>
@@ -4777,7 +4782,7 @@
           <a:effectLst/>
         </p:spPr>
         <p:txBody>
-          <a:bodyPr vert="horz" wrap="square" lIns="121920" tIns="60960" rIns="121920" bIns="0" numCol="1" rtlCol="0" anchor="ctr" anchorCtr="0" compatLnSpc="1">
+          <a:bodyPr vert="horz" wrap="square" lIns="99441" tIns="49721" rIns="99441" bIns="0" numCol="1" rtlCol="0" anchor="ctr" anchorCtr="0" compatLnSpc="1">
             <a:prstTxWarp prst="textNoShape">
               <a:avLst/>
             </a:prstTxWarp>
@@ -4785,7 +4790,7 @@
           </a:bodyPr>
           <a:lstStyle/>
           <a:p>
-            <a:pPr algn="ctr" defTabSz="1219170" eaLnBrk="0" fontAlgn="base" hangingPunct="0">
+            <a:pPr algn="ctr" defTabSz="994355" eaLnBrk="0" fontAlgn="base" hangingPunct="0">
               <a:spcBef>
                 <a:spcPct val="0"/>
               </a:spcBef>
@@ -4794,7 +4799,7 @@
               </a:spcAft>
             </a:pPr>
             <a:r>
-              <a:rPr lang="en-US" sz="1400" dirty="0">
+              <a:rPr lang="en-US" sz="1142" dirty="0">
                 <a:latin typeface="Lucida Sans" pitchFamily="-106" charset="0"/>
                 <a:ea typeface="ＭＳ Ｐゴシック" pitchFamily="-106" charset="-128"/>
                 <a:cs typeface="ＭＳ Ｐゴシック" pitchFamily="-106" charset="-128"/>
@@ -4812,8 +4817,8 @@
         </p:nvSpPr>
         <p:spPr bwMode="auto">
           <a:xfrm>
-            <a:off x="9206790" y="2507449"/>
-            <a:ext cx="1427357" cy="1197340"/>
+            <a:off x="11537570" y="3121860"/>
+            <a:ext cx="1164188" cy="976580"/>
           </a:xfrm>
           <a:prstGeom prst="rect">
             <a:avLst/>
@@ -4833,7 +4838,7 @@
           <a:effectLst/>
         </p:spPr>
         <p:txBody>
-          <a:bodyPr vert="horz" wrap="square" lIns="121920" tIns="60960" rIns="121920" bIns="0" numCol="1" rtlCol="0" anchor="ctr" anchorCtr="0" compatLnSpc="1">
+          <a:bodyPr vert="horz" wrap="square" lIns="99441" tIns="49721" rIns="99441" bIns="0" numCol="1" rtlCol="0" anchor="ctr" anchorCtr="0" compatLnSpc="1">
             <a:prstTxWarp prst="textNoShape">
               <a:avLst/>
             </a:prstTxWarp>
@@ -4841,7 +4846,7 @@
           </a:bodyPr>
           <a:lstStyle/>
           <a:p>
-            <a:pPr algn="ctr" defTabSz="1219170" eaLnBrk="0" fontAlgn="base" hangingPunct="0">
+            <a:pPr algn="ctr" defTabSz="994355" eaLnBrk="0" fontAlgn="base" hangingPunct="0">
               <a:spcBef>
                 <a:spcPct val="0"/>
               </a:spcBef>
@@ -4850,7 +4855,7 @@
               </a:spcAft>
             </a:pPr>
             <a:r>
-              <a:rPr lang="en-US" sz="1400" dirty="0">
+              <a:rPr lang="en-US" sz="1142" dirty="0">
                 <a:latin typeface="Lucida Sans" pitchFamily="-106" charset="0"/>
                 <a:ea typeface="ＭＳ Ｐゴシック" pitchFamily="-106" charset="-128"/>
                 <a:cs typeface="ＭＳ Ｐゴシック" pitchFamily="-106" charset="-128"/>
@@ -4868,8 +4873,8 @@
         </p:nvSpPr>
         <p:spPr bwMode="auto">
           <a:xfrm>
-            <a:off x="9206790" y="3711498"/>
-            <a:ext cx="1427357" cy="1956192"/>
+            <a:off x="11537570" y="4103914"/>
+            <a:ext cx="1164188" cy="1595519"/>
           </a:xfrm>
           <a:prstGeom prst="rect">
             <a:avLst/>
@@ -4889,7 +4894,7 @@
           <a:effectLst/>
         </p:spPr>
         <p:txBody>
-          <a:bodyPr vert="horz" wrap="square" lIns="121920" tIns="60960" rIns="121920" bIns="0" numCol="1" rtlCol="0" anchor="ctr" anchorCtr="0" compatLnSpc="1">
+          <a:bodyPr vert="horz" wrap="square" lIns="99441" tIns="49721" rIns="99441" bIns="0" numCol="1" rtlCol="0" anchor="ctr" anchorCtr="0" compatLnSpc="1">
             <a:prstTxWarp prst="textNoShape">
               <a:avLst/>
             </a:prstTxWarp>
@@ -4897,7 +4902,7 @@
           </a:bodyPr>
           <a:lstStyle/>
           <a:p>
-            <a:pPr algn="ctr" defTabSz="1219170" eaLnBrk="0" fontAlgn="base" hangingPunct="0">
+            <a:pPr algn="ctr" defTabSz="994355" eaLnBrk="0" fontAlgn="base" hangingPunct="0">
               <a:spcBef>
                 <a:spcPct val="0"/>
               </a:spcBef>
@@ -4906,7 +4911,7 @@
               </a:spcAft>
             </a:pPr>
             <a:r>
-              <a:rPr lang="en-US" sz="4267" b="1" dirty="0">
+              <a:rPr lang="en-US" sz="3480" b="1" dirty="0">
                 <a:latin typeface="Lucida Sans" pitchFamily="-106" charset="0"/>
                 <a:ea typeface="ＭＳ Ｐゴシック" pitchFamily="-106" charset="-128"/>
                 <a:cs typeface="ＭＳ Ｐゴシック" pitchFamily="-106" charset="-128"/>
@@ -4915,7 +4920,7 @@
             </a:r>
           </a:p>
           <a:p>
-            <a:pPr algn="ctr" defTabSz="1219170" eaLnBrk="0" fontAlgn="base" hangingPunct="0">
+            <a:pPr algn="ctr" defTabSz="994355" eaLnBrk="0" fontAlgn="base" hangingPunct="0">
               <a:spcBef>
                 <a:spcPct val="0"/>
               </a:spcBef>
@@ -4924,7 +4929,7 @@
               </a:spcAft>
             </a:pPr>
             <a:r>
-              <a:rPr lang="en-US" sz="1400" dirty="0">
+              <a:rPr lang="en-US" sz="1142" dirty="0">
                 <a:latin typeface="Lucida Sans" pitchFamily="-106" charset="0"/>
                 <a:ea typeface="ＭＳ Ｐゴシック" pitchFamily="-106" charset="-128"/>
                 <a:cs typeface="ＭＳ Ｐゴシック" pitchFamily="-106" charset="-128"/>
@@ -4955,8 +4960,8 @@
         </p:blipFill>
         <p:spPr bwMode="auto">
           <a:xfrm>
-            <a:off x="1599276" y="1362487"/>
-            <a:ext cx="3326036" cy="4453468"/>
+            <a:off x="5332691" y="2188000"/>
+            <a:ext cx="2712798" cy="3632360"/>
           </a:xfrm>
           <a:prstGeom prst="rect">
             <a:avLst/>
@@ -5017,8 +5022,8 @@
         </p:nvSpPr>
         <p:spPr>
           <a:xfrm>
-            <a:off x="3739425" y="2879648"/>
-            <a:ext cx="806824" cy="806824"/>
+            <a:off x="7078249" y="3425435"/>
+            <a:ext cx="658066" cy="658066"/>
           </a:xfrm>
           <a:prstGeom prst="ellipse">
             <a:avLst/>
@@ -5054,7 +5059,7 @@
           <a:p>
             <a:pPr algn="ctr"/>
             <a:r>
-              <a:rPr lang="en-US" sz="1200" dirty="0" smtClean="0">
+              <a:rPr lang="en-US" sz="979" dirty="0">
                 <a:solidFill>
                   <a:schemeClr val="tx1"/>
                 </a:solidFill>
@@ -5064,7 +5069,7 @@
               </a:rPr>
               <a:t>OLAF</a:t>
             </a:r>
-            <a:endParaRPr lang="en-US" sz="1200" dirty="0">
+            <a:endParaRPr lang="en-US" sz="979" dirty="0">
               <a:solidFill>
                 <a:schemeClr val="tx1"/>
               </a:solidFill>
@@ -5083,8 +5088,8 @@
         </p:nvSpPr>
         <p:spPr>
           <a:xfrm>
-            <a:off x="5295699" y="2166545"/>
-            <a:ext cx="3352800" cy="597213"/>
+            <a:off x="8347585" y="2843810"/>
+            <a:ext cx="2734628" cy="487102"/>
           </a:xfrm>
           <a:prstGeom prst="roundRect">
             <a:avLst/>
@@ -5119,7 +5124,7 @@
           <a:lstStyle/>
           <a:p>
             <a:r>
-              <a:rPr lang="en-US" sz="1200" i="1" dirty="0" smtClean="0">
+              <a:rPr lang="en-US" sz="979" i="1" dirty="0">
                 <a:solidFill>
                   <a:schemeClr val="tx1"/>
                 </a:solidFill>
@@ -5130,7 +5135,7 @@
               <a:t>p1</a:t>
             </a:r>
             <a:r>
-              <a:rPr lang="en-US" sz="1200" dirty="0" smtClean="0">
+              <a:rPr lang="en-US" sz="979" dirty="0">
                 <a:solidFill>
                   <a:schemeClr val="tx1"/>
                 </a:solidFill>
@@ -5141,7 +5146,7 @@
               <a:t>: Create </a:t>
             </a:r>
             <a:r>
-              <a:rPr lang="en-US" sz="1200" dirty="0">
+              <a:rPr lang="en-US" sz="979" dirty="0">
                 <a:solidFill>
                   <a:schemeClr val="tx1"/>
                 </a:solidFill>
@@ -5152,7 +5157,7 @@
               <a:t>a list of all existing </a:t>
             </a:r>
             <a:r>
-              <a:rPr lang="en-US" sz="1200" i="1" dirty="0" smtClean="0">
+              <a:rPr lang="en-US" sz="979" i="1" dirty="0">
                 <a:solidFill>
                   <a:schemeClr val="tx1"/>
                 </a:solidFill>
@@ -5163,7 +5168,7 @@
               <a:t>house numbers </a:t>
             </a:r>
             <a:r>
-              <a:rPr lang="en-US" sz="1200" dirty="0">
+              <a:rPr lang="en-US" sz="979" dirty="0">
                 <a:solidFill>
                   <a:schemeClr val="tx1"/>
                 </a:solidFill>
@@ -5184,8 +5189,8 @@
         </p:nvSpPr>
         <p:spPr>
           <a:xfrm>
-            <a:off x="5295699" y="2973369"/>
-            <a:ext cx="3352800" cy="597213"/>
+            <a:off x="8347585" y="3501876"/>
+            <a:ext cx="2734628" cy="487102"/>
           </a:xfrm>
           <a:prstGeom prst="roundRect">
             <a:avLst/>
@@ -5220,7 +5225,7 @@
           <a:lstStyle/>
           <a:p>
             <a:r>
-              <a:rPr lang="en-US" sz="1200" i="1" dirty="0" smtClean="0">
+              <a:rPr lang="en-US" sz="979" i="1" dirty="0">
                 <a:solidFill>
                   <a:schemeClr val="tx1"/>
                 </a:solidFill>
@@ -5231,7 +5236,7 @@
               <a:t>p2</a:t>
             </a:r>
             <a:r>
-              <a:rPr lang="en-US" sz="1200" dirty="0" smtClean="0">
+              <a:rPr lang="en-US" sz="979" dirty="0">
                 <a:solidFill>
                   <a:schemeClr val="tx1"/>
                 </a:solidFill>
@@ -5242,7 +5247,7 @@
               <a:t>: Create </a:t>
             </a:r>
             <a:r>
-              <a:rPr lang="en-US" sz="1200" dirty="0">
+              <a:rPr lang="en-US" sz="979" dirty="0">
                 <a:solidFill>
                   <a:schemeClr val="tx1"/>
                 </a:solidFill>
@@ -5253,7 +5258,7 @@
               <a:t>a list of all existing </a:t>
             </a:r>
             <a:r>
-              <a:rPr lang="en-US" sz="1200" i="1" dirty="0" smtClean="0">
+              <a:rPr lang="en-US" sz="979" i="1" dirty="0">
                 <a:solidFill>
                   <a:schemeClr val="tx1"/>
                 </a:solidFill>
@@ -5264,7 +5269,7 @@
               <a:t>house names</a:t>
             </a:r>
             <a:r>
-              <a:rPr lang="en-US" sz="1200" dirty="0" smtClean="0">
+              <a:rPr lang="en-US" sz="979" dirty="0">
                 <a:solidFill>
                   <a:schemeClr val="tx1"/>
                 </a:solidFill>
@@ -5275,7 +5280,7 @@
               <a:t> </a:t>
             </a:r>
             <a:r>
-              <a:rPr lang="en-US" sz="1200" dirty="0">
+              <a:rPr lang="en-US" sz="979" dirty="0">
                 <a:solidFill>
                   <a:schemeClr val="tx1"/>
                 </a:solidFill>
@@ -5286,7 +5291,7 @@
               <a:t>for each road listed in </a:t>
             </a:r>
             <a:r>
-              <a:rPr lang="en-US" sz="1200" dirty="0" smtClean="0">
+              <a:rPr lang="en-US" sz="979" dirty="0">
                 <a:solidFill>
                   <a:schemeClr val="tx1"/>
                 </a:solidFill>
@@ -5296,7 +5301,7 @@
               </a:rPr>
               <a:t>OSON</a:t>
             </a:r>
-            <a:endParaRPr lang="en-US" sz="1200" dirty="0">
+            <a:endParaRPr lang="en-US" sz="979" dirty="0">
               <a:solidFill>
                 <a:schemeClr val="tx1"/>
               </a:solidFill>
@@ -5315,8 +5320,8 @@
         </p:nvSpPr>
         <p:spPr>
           <a:xfrm>
-            <a:off x="5295699" y="3780193"/>
-            <a:ext cx="3352800" cy="907879"/>
+            <a:off x="8347585" y="4159944"/>
+            <a:ext cx="2734628" cy="740489"/>
           </a:xfrm>
           <a:prstGeom prst="roundRect">
             <a:avLst/>
@@ -5351,7 +5356,7 @@
           <a:lstStyle/>
           <a:p>
             <a:r>
-              <a:rPr lang="en-US" sz="1200" dirty="0" smtClean="0">
+              <a:rPr lang="en-US" sz="979" dirty="0">
                 <a:solidFill>
                   <a:schemeClr val="tx1"/>
                 </a:solidFill>
@@ -5362,7 +5367,7 @@
               <a:t>p3: Create </a:t>
             </a:r>
             <a:r>
-              <a:rPr lang="en-US" sz="1200" dirty="0">
+              <a:rPr lang="en-US" sz="979" dirty="0">
                 <a:solidFill>
                   <a:schemeClr val="tx1"/>
                 </a:solidFill>
@@ -5373,7 +5378,7 @@
               <a:t>a list of the associations between each of the house </a:t>
             </a:r>
             <a:r>
-              <a:rPr lang="en-US" sz="1200" dirty="0" smtClean="0">
+              <a:rPr lang="en-US" sz="979" dirty="0">
                 <a:solidFill>
                   <a:schemeClr val="tx1"/>
                 </a:solidFill>
@@ -5384,7 +5389,7 @@
               <a:t>numbers </a:t>
             </a:r>
             <a:r>
-              <a:rPr lang="en-US" sz="1200" dirty="0">
+              <a:rPr lang="en-US" sz="979" dirty="0">
                 <a:solidFill>
                   <a:schemeClr val="tx1"/>
                 </a:solidFill>
@@ -5395,7 +5400,7 @@
               <a:t>and names above and the list of </a:t>
             </a:r>
             <a:r>
-              <a:rPr lang="en-US" sz="1200" dirty="0" smtClean="0">
+              <a:rPr lang="en-US" sz="979" dirty="0">
                 <a:solidFill>
                   <a:schemeClr val="tx1"/>
                 </a:solidFill>
@@ -5405,7 +5410,7 @@
               </a:rPr>
               <a:t>postcodes in OSON </a:t>
             </a:r>
-            <a:endParaRPr lang="en-US" sz="1200" dirty="0">
+            <a:endParaRPr lang="en-US" sz="979" dirty="0">
               <a:solidFill>
                 <a:schemeClr val="tx1"/>
               </a:solidFill>
@@ -5427,8 +5432,8 @@
         </p:nvCxnSpPr>
         <p:spPr>
           <a:xfrm flipV="1">
-            <a:off x="4546249" y="2465152"/>
-            <a:ext cx="749450" cy="817908"/>
+            <a:off x="7736315" y="3087362"/>
+            <a:ext cx="611270" cy="667106"/>
           </a:xfrm>
           <a:prstGeom prst="straightConnector1">
             <a:avLst/>
@@ -5466,8 +5471,8 @@
         </p:nvCxnSpPr>
         <p:spPr>
           <a:xfrm flipV="1">
-            <a:off x="4546249" y="3271976"/>
-            <a:ext cx="749450" cy="11084"/>
+            <a:off x="7736315" y="3745427"/>
+            <a:ext cx="611270" cy="9040"/>
           </a:xfrm>
           <a:prstGeom prst="straightConnector1">
             <a:avLst/>
@@ -5505,8 +5510,8 @@
         </p:nvCxnSpPr>
         <p:spPr>
           <a:xfrm>
-            <a:off x="4546249" y="3283060"/>
-            <a:ext cx="749450" cy="951073"/>
+            <a:off x="7736315" y="3754470"/>
+            <a:ext cx="611270" cy="775719"/>
           </a:xfrm>
           <a:prstGeom prst="straightConnector1">
             <a:avLst/>
@@ -5571,8 +5576,8 @@
         </p:nvSpPr>
         <p:spPr>
           <a:xfrm>
-            <a:off x="1393767" y="3083981"/>
-            <a:ext cx="806824" cy="806824"/>
+            <a:off x="5165072" y="3592094"/>
+            <a:ext cx="658066" cy="658066"/>
           </a:xfrm>
           <a:prstGeom prst="ellipse">
             <a:avLst/>
@@ -5608,7 +5613,7 @@
           <a:p>
             <a:pPr algn="ctr"/>
             <a:r>
-              <a:rPr lang="en-US" sz="1200" dirty="0" smtClean="0">
+              <a:rPr lang="en-US" sz="979" dirty="0">
                 <a:solidFill>
                   <a:schemeClr val="tx1"/>
                 </a:solidFill>
@@ -5618,7 +5623,7 @@
               </a:rPr>
               <a:t>OLAF</a:t>
             </a:r>
-            <a:endParaRPr lang="en-US" sz="1200" dirty="0">
+            <a:endParaRPr lang="en-US" sz="979" dirty="0">
               <a:solidFill>
                 <a:schemeClr val="tx1"/>
               </a:solidFill>
@@ -5637,8 +5642,8 @@
         </p:nvSpPr>
         <p:spPr>
           <a:xfrm>
-            <a:off x="2950041" y="2370878"/>
-            <a:ext cx="3352800" cy="597213"/>
+            <a:off x="6434408" y="3010470"/>
+            <a:ext cx="2734628" cy="487102"/>
           </a:xfrm>
           <a:prstGeom prst="roundRect">
             <a:avLst/>
@@ -5673,7 +5678,7 @@
           <a:lstStyle/>
           <a:p>
             <a:r>
-              <a:rPr lang="en-US" sz="1200" i="1" dirty="0" smtClean="0">
+              <a:rPr lang="en-US" sz="979" i="1" dirty="0">
                 <a:solidFill>
                   <a:schemeClr val="tx1"/>
                 </a:solidFill>
@@ -5684,7 +5689,7 @@
               <a:t>p1</a:t>
             </a:r>
             <a:r>
-              <a:rPr lang="en-US" sz="1200" dirty="0" smtClean="0">
+              <a:rPr lang="en-US" sz="979" dirty="0">
                 <a:solidFill>
                   <a:schemeClr val="tx1"/>
                 </a:solidFill>
@@ -5695,7 +5700,7 @@
               <a:t>: Create </a:t>
             </a:r>
             <a:r>
-              <a:rPr lang="en-US" sz="1200" dirty="0">
+              <a:rPr lang="en-US" sz="979" dirty="0">
                 <a:solidFill>
                   <a:schemeClr val="tx1"/>
                 </a:solidFill>
@@ -5706,7 +5711,7 @@
               <a:t>a list of all existing </a:t>
             </a:r>
             <a:r>
-              <a:rPr lang="en-US" sz="1200" i="1" dirty="0" smtClean="0">
+              <a:rPr lang="en-US" sz="979" i="1" dirty="0">
                 <a:solidFill>
                   <a:schemeClr val="tx1"/>
                 </a:solidFill>
@@ -5717,7 +5722,7 @@
               <a:t>house numbers </a:t>
             </a:r>
             <a:r>
-              <a:rPr lang="en-US" sz="1200" dirty="0">
+              <a:rPr lang="en-US" sz="979" dirty="0">
                 <a:solidFill>
                   <a:schemeClr val="tx1"/>
                 </a:solidFill>
@@ -5738,8 +5743,8 @@
         </p:nvSpPr>
         <p:spPr>
           <a:xfrm>
-            <a:off x="2950041" y="3177702"/>
-            <a:ext cx="3352800" cy="597213"/>
+            <a:off x="6434408" y="3668535"/>
+            <a:ext cx="2734628" cy="487102"/>
           </a:xfrm>
           <a:prstGeom prst="roundRect">
             <a:avLst/>
@@ -5776,7 +5781,7 @@
           <a:lstStyle/>
           <a:p>
             <a:r>
-              <a:rPr lang="en-US" sz="1200" i="1" dirty="0" smtClean="0">
+              <a:rPr lang="en-US" sz="979" i="1" dirty="0">
                 <a:solidFill>
                   <a:schemeClr val="tx1"/>
                 </a:solidFill>
@@ -5787,7 +5792,7 @@
               <a:t>p2</a:t>
             </a:r>
             <a:r>
-              <a:rPr lang="en-US" sz="1200" dirty="0" smtClean="0">
+              <a:rPr lang="en-US" sz="979" dirty="0">
                 <a:solidFill>
                   <a:schemeClr val="tx1"/>
                 </a:solidFill>
@@ -5798,7 +5803,7 @@
               <a:t>: Create </a:t>
             </a:r>
             <a:r>
-              <a:rPr lang="en-US" sz="1200" dirty="0">
+              <a:rPr lang="en-US" sz="979" dirty="0">
                 <a:solidFill>
                   <a:schemeClr val="tx1"/>
                 </a:solidFill>
@@ -5809,7 +5814,7 @@
               <a:t>a list of all existing </a:t>
             </a:r>
             <a:r>
-              <a:rPr lang="en-US" sz="1200" i="1" dirty="0" smtClean="0">
+              <a:rPr lang="en-US" sz="979" i="1" dirty="0">
                 <a:solidFill>
                   <a:schemeClr val="tx1"/>
                 </a:solidFill>
@@ -5820,7 +5825,7 @@
               <a:t>house names</a:t>
             </a:r>
             <a:r>
-              <a:rPr lang="en-US" sz="1200" dirty="0" smtClean="0">
+              <a:rPr lang="en-US" sz="979" dirty="0">
                 <a:solidFill>
                   <a:schemeClr val="tx1"/>
                 </a:solidFill>
@@ -5831,7 +5836,7 @@
               <a:t> </a:t>
             </a:r>
             <a:r>
-              <a:rPr lang="en-US" sz="1200" dirty="0">
+              <a:rPr lang="en-US" sz="979" dirty="0">
                 <a:solidFill>
                   <a:schemeClr val="tx1"/>
                 </a:solidFill>
@@ -5842,7 +5847,7 @@
               <a:t>for each road listed in </a:t>
             </a:r>
             <a:r>
-              <a:rPr lang="en-US" sz="1200" dirty="0" smtClean="0">
+              <a:rPr lang="en-US" sz="979" dirty="0">
                 <a:solidFill>
                   <a:schemeClr val="tx1"/>
                 </a:solidFill>
@@ -5852,7 +5857,7 @@
               </a:rPr>
               <a:t>OSON</a:t>
             </a:r>
-            <a:endParaRPr lang="en-US" sz="1200" dirty="0">
+            <a:endParaRPr lang="en-US" sz="979" dirty="0">
               <a:solidFill>
                 <a:schemeClr val="tx1"/>
               </a:solidFill>
@@ -5871,8 +5876,8 @@
         </p:nvSpPr>
         <p:spPr>
           <a:xfrm>
-            <a:off x="2950041" y="3984526"/>
-            <a:ext cx="3352800" cy="907879"/>
+            <a:off x="6434408" y="4326603"/>
+            <a:ext cx="2734628" cy="740489"/>
           </a:xfrm>
           <a:prstGeom prst="roundRect">
             <a:avLst/>
@@ -5909,7 +5914,7 @@
           <a:lstStyle/>
           <a:p>
             <a:r>
-              <a:rPr lang="en-US" sz="1200" dirty="0" smtClean="0">
+              <a:rPr lang="en-US" sz="979" dirty="0">
                 <a:solidFill>
                   <a:schemeClr val="tx1"/>
                 </a:solidFill>
@@ -5920,7 +5925,7 @@
               <a:t>p3: Create </a:t>
             </a:r>
             <a:r>
-              <a:rPr lang="en-US" sz="1200" dirty="0">
+              <a:rPr lang="en-US" sz="979" dirty="0">
                 <a:solidFill>
                   <a:schemeClr val="tx1"/>
                 </a:solidFill>
@@ -5931,7 +5936,7 @@
               <a:t>a list of the associations between each of the house </a:t>
             </a:r>
             <a:r>
-              <a:rPr lang="en-US" sz="1200" dirty="0" smtClean="0">
+              <a:rPr lang="en-US" sz="979" dirty="0">
                 <a:solidFill>
                   <a:schemeClr val="tx1"/>
                 </a:solidFill>
@@ -5942,7 +5947,7 @@
               <a:t>numbers </a:t>
             </a:r>
             <a:r>
-              <a:rPr lang="en-US" sz="1200" dirty="0">
+              <a:rPr lang="en-US" sz="979" dirty="0">
                 <a:solidFill>
                   <a:schemeClr val="tx1"/>
                 </a:solidFill>
@@ -5953,7 +5958,7 @@
               <a:t>and names above and the list of </a:t>
             </a:r>
             <a:r>
-              <a:rPr lang="en-US" sz="1200" dirty="0" smtClean="0">
+              <a:rPr lang="en-US" sz="979" dirty="0">
                 <a:solidFill>
                   <a:schemeClr val="tx1"/>
                 </a:solidFill>
@@ -5963,7 +5968,7 @@
               </a:rPr>
               <a:t>postcodes in OSON </a:t>
             </a:r>
-            <a:endParaRPr lang="en-US" sz="1200" dirty="0">
+            <a:endParaRPr lang="en-US" sz="979" dirty="0">
               <a:solidFill>
                 <a:schemeClr val="tx1"/>
               </a:solidFill>
@@ -5985,8 +5990,8 @@
         </p:nvCxnSpPr>
         <p:spPr>
           <a:xfrm flipV="1">
-            <a:off x="2200591" y="2669485"/>
-            <a:ext cx="749450" cy="817908"/>
+            <a:off x="5823138" y="3254021"/>
+            <a:ext cx="611270" cy="667106"/>
           </a:xfrm>
           <a:prstGeom prst="straightConnector1">
             <a:avLst/>
@@ -6024,8 +6029,8 @@
         </p:nvCxnSpPr>
         <p:spPr>
           <a:xfrm flipV="1">
-            <a:off x="2200591" y="3476309"/>
-            <a:ext cx="749450" cy="11084"/>
+            <a:off x="5823138" y="3912087"/>
+            <a:ext cx="611270" cy="9040"/>
           </a:xfrm>
           <a:prstGeom prst="straightConnector1">
             <a:avLst/>
@@ -6063,8 +6068,8 @@
         </p:nvCxnSpPr>
         <p:spPr>
           <a:xfrm>
-            <a:off x="2200591" y="3487393"/>
-            <a:ext cx="749450" cy="951073"/>
+            <a:off x="5823138" y="3921129"/>
+            <a:ext cx="611270" cy="775719"/>
           </a:xfrm>
           <a:prstGeom prst="straightConnector1">
             <a:avLst/>
@@ -6099,8 +6104,8 @@
         </p:nvSpPr>
         <p:spPr>
           <a:xfrm>
-            <a:off x="7080978" y="1878095"/>
-            <a:ext cx="3352800" cy="713104"/>
+            <a:off x="9803703" y="2608545"/>
+            <a:ext cx="2734628" cy="581625"/>
           </a:xfrm>
           <a:prstGeom prst="roundRect">
             <a:avLst/>
@@ -6135,7 +6140,7 @@
           <a:lstStyle/>
           <a:p>
             <a:r>
-              <a:rPr lang="en-US" sz="1200" i="1" dirty="0" smtClean="0">
+              <a:rPr lang="en-US" sz="979" i="1" dirty="0">
                 <a:solidFill>
                   <a:schemeClr val="tx1"/>
                 </a:solidFill>
@@ -6146,7 +6151,7 @@
               <a:t>p1.1</a:t>
             </a:r>
             <a:r>
-              <a:rPr lang="en-US" sz="1200" dirty="0">
+              <a:rPr lang="en-US" sz="979" dirty="0">
                 <a:solidFill>
                   <a:schemeClr val="tx1"/>
                 </a:solidFill>
@@ -6167,8 +6172,8 @@
         </p:nvSpPr>
         <p:spPr>
           <a:xfrm>
-            <a:off x="7080978" y="2952489"/>
-            <a:ext cx="3352800" cy="713104"/>
+            <a:off x="9803703" y="3484848"/>
+            <a:ext cx="2734628" cy="581625"/>
           </a:xfrm>
           <a:prstGeom prst="roundRect">
             <a:avLst/>
@@ -6203,7 +6208,7 @@
           <a:lstStyle/>
           <a:p>
             <a:r>
-              <a:rPr lang="en-US" sz="1200" i="1" dirty="0" smtClean="0">
+              <a:rPr lang="en-US" sz="979" i="1" dirty="0">
                 <a:solidFill>
                   <a:schemeClr val="tx1"/>
                 </a:solidFill>
@@ -6214,7 +6219,7 @@
               <a:t>p1.2</a:t>
             </a:r>
             <a:r>
-              <a:rPr lang="en-US" sz="1200" dirty="0" smtClean="0">
+              <a:rPr lang="en-US" sz="979" dirty="0">
                 <a:solidFill>
                   <a:schemeClr val="tx1"/>
                 </a:solidFill>
@@ -6225,7 +6230,7 @@
               <a:t>: </a:t>
             </a:r>
             <a:r>
-              <a:rPr lang="en-US" sz="1200" dirty="0">
+              <a:rPr lang="en-US" sz="979" dirty="0">
                 <a:solidFill>
                   <a:schemeClr val="tx1"/>
                 </a:solidFill>
@@ -6236,7 +6241,7 @@
               <a:t>Statistically infer the existence of house numbers from the house numbers collected at </a:t>
             </a:r>
             <a:r>
-              <a:rPr lang="en-US" sz="1200" i="1" dirty="0" smtClean="0">
+              <a:rPr lang="en-US" sz="979" i="1" dirty="0">
                 <a:solidFill>
                   <a:schemeClr val="tx1"/>
                 </a:solidFill>
@@ -6246,7 +6251,7 @@
               </a:rPr>
               <a:t>p1.1</a:t>
             </a:r>
-            <a:endParaRPr lang="en-US" sz="1200" i="1" dirty="0">
+            <a:endParaRPr lang="en-US" sz="979" i="1" dirty="0">
               <a:solidFill>
                 <a:schemeClr val="tx1"/>
               </a:solidFill>
@@ -6265,8 +6270,8 @@
         </p:nvSpPr>
         <p:spPr>
           <a:xfrm>
-            <a:off x="7080978" y="4535853"/>
-            <a:ext cx="3352800" cy="713104"/>
+            <a:off x="9803703" y="4776279"/>
+            <a:ext cx="2734628" cy="581625"/>
           </a:xfrm>
           <a:prstGeom prst="roundRect">
             <a:avLst/>
@@ -6301,7 +6306,7 @@
           <a:lstStyle/>
           <a:p>
             <a:r>
-              <a:rPr lang="en-US" sz="1200" i="1" dirty="0" smtClean="0">
+              <a:rPr lang="en-US" sz="979" i="1" dirty="0">
                 <a:solidFill>
                   <a:schemeClr val="tx1"/>
                 </a:solidFill>
@@ -6312,7 +6317,7 @@
               <a:t>p1.4</a:t>
             </a:r>
             <a:r>
-              <a:rPr lang="en-US" sz="1200" dirty="0" smtClean="0">
+              <a:rPr lang="en-US" sz="979" dirty="0">
                 <a:solidFill>
                   <a:schemeClr val="tx1"/>
                 </a:solidFill>
@@ -6323,7 +6328,7 @@
               <a:t>: </a:t>
             </a:r>
             <a:r>
-              <a:rPr lang="en-US" sz="1200" dirty="0">
+              <a:rPr lang="en-US" sz="979" dirty="0">
                 <a:solidFill>
                   <a:schemeClr val="tx1"/>
                 </a:solidFill>
@@ -6334,7 +6339,7 @@
               <a:t>Enable the further application of </a:t>
             </a:r>
             <a:r>
-              <a:rPr lang="en-US" sz="1200" i="1" dirty="0" smtClean="0">
+              <a:rPr lang="en-US" sz="979" i="1" dirty="0">
                 <a:solidFill>
                   <a:schemeClr val="tx1"/>
                 </a:solidFill>
@@ -6345,7 +6350,7 @@
               <a:t>p1.2</a:t>
             </a:r>
             <a:r>
-              <a:rPr lang="en-US" sz="1200" dirty="0" smtClean="0">
+              <a:rPr lang="en-US" sz="979" dirty="0">
                 <a:solidFill>
                   <a:schemeClr val="tx1"/>
                 </a:solidFill>
@@ -6356,7 +6361,7 @@
               <a:t> </a:t>
             </a:r>
             <a:r>
-              <a:rPr lang="en-US" sz="1200" dirty="0">
+              <a:rPr lang="en-US" sz="979" dirty="0">
                 <a:solidFill>
                   <a:schemeClr val="tx1"/>
                 </a:solidFill>
@@ -6367,7 +6372,7 @@
               <a:t>by creating the necessary data through </a:t>
             </a:r>
             <a:r>
-              <a:rPr lang="en-US" sz="1200" dirty="0" smtClean="0">
+              <a:rPr lang="en-US" sz="979" dirty="0">
                 <a:solidFill>
                   <a:schemeClr val="tx1"/>
                 </a:solidFill>
@@ -6377,7 +6382,7 @@
               </a:rPr>
               <a:t>crowdsourcing</a:t>
             </a:r>
-            <a:endParaRPr lang="en-US" sz="1200" i="1" dirty="0">
+            <a:endParaRPr lang="en-US" sz="979" i="1" dirty="0">
               <a:solidFill>
                 <a:schemeClr val="tx1"/>
               </a:solidFill>
@@ -6396,8 +6401,8 @@
         </p:nvSpPr>
         <p:spPr>
           <a:xfrm>
-            <a:off x="7080978" y="3960954"/>
-            <a:ext cx="3352800" cy="304812"/>
+            <a:off x="9803703" y="4307375"/>
+            <a:ext cx="2734628" cy="248612"/>
           </a:xfrm>
           <a:prstGeom prst="roundRect">
             <a:avLst/>
@@ -6432,7 +6437,7 @@
           <a:lstStyle/>
           <a:p>
             <a:r>
-              <a:rPr lang="en-US" sz="1200" i="1" dirty="0" smtClean="0">
+              <a:rPr lang="en-US" sz="979" i="1" dirty="0">
                 <a:solidFill>
                   <a:schemeClr val="tx1"/>
                 </a:solidFill>
@@ -6443,7 +6448,7 @@
               <a:t>p1.3</a:t>
             </a:r>
             <a:r>
-              <a:rPr lang="en-US" sz="1200" dirty="0" smtClean="0">
+              <a:rPr lang="en-US" sz="979" dirty="0">
                 <a:solidFill>
                   <a:schemeClr val="tx1"/>
                 </a:solidFill>
@@ -6454,7 +6459,7 @@
               <a:t>: </a:t>
             </a:r>
             <a:r>
-              <a:rPr lang="en-US" sz="1200" dirty="0">
+              <a:rPr lang="en-US" sz="979" dirty="0">
                 <a:solidFill>
                   <a:schemeClr val="tx1"/>
                 </a:solidFill>
@@ -6465,7 +6470,7 @@
               <a:t>Correct the output of </a:t>
             </a:r>
             <a:r>
-              <a:rPr lang="en-US" sz="1200" i="1" dirty="0" smtClean="0">
+              <a:rPr lang="en-US" sz="979" i="1" dirty="0">
                 <a:solidFill>
                   <a:schemeClr val="tx1"/>
                 </a:solidFill>
@@ -6475,7 +6480,7 @@
               </a:rPr>
               <a:t>p1.2</a:t>
             </a:r>
-            <a:endParaRPr lang="en-US" sz="1200" i="1" dirty="0">
+            <a:endParaRPr lang="en-US" sz="979" i="1" dirty="0">
               <a:solidFill>
                 <a:schemeClr val="tx1"/>
               </a:solidFill>
@@ -6497,8 +6502,8 @@
         </p:nvCxnSpPr>
         <p:spPr>
           <a:xfrm flipV="1">
-            <a:off x="6302841" y="2234647"/>
-            <a:ext cx="778137" cy="434838"/>
+            <a:off x="9169036" y="2899358"/>
+            <a:ext cx="634668" cy="354665"/>
           </a:xfrm>
           <a:prstGeom prst="straightConnector1">
             <a:avLst/>
@@ -6536,8 +6541,8 @@
         </p:nvCxnSpPr>
         <p:spPr>
           <a:xfrm>
-            <a:off x="6302841" y="2669485"/>
-            <a:ext cx="778137" cy="639556"/>
+            <a:off x="9169036" y="3254021"/>
+            <a:ext cx="634668" cy="521638"/>
           </a:xfrm>
           <a:prstGeom prst="straightConnector1">
             <a:avLst/>
@@ -6575,8 +6580,8 @@
         </p:nvCxnSpPr>
         <p:spPr>
           <a:xfrm>
-            <a:off x="6302841" y="2669485"/>
-            <a:ext cx="778137" cy="2222920"/>
+            <a:off x="9169036" y="3254023"/>
+            <a:ext cx="634668" cy="1813069"/>
           </a:xfrm>
           <a:prstGeom prst="straightConnector1">
             <a:avLst/>
@@ -6614,8 +6619,8 @@
         </p:nvCxnSpPr>
         <p:spPr>
           <a:xfrm>
-            <a:off x="6302841" y="2669485"/>
-            <a:ext cx="778137" cy="1443875"/>
+            <a:off x="9169036" y="3254023"/>
+            <a:ext cx="634668" cy="1177661"/>
           </a:xfrm>
           <a:prstGeom prst="straightConnector1">
             <a:avLst/>
@@ -6653,8 +6658,8 @@
         </p:nvCxnSpPr>
         <p:spPr>
           <a:xfrm>
-            <a:off x="8757378" y="2591199"/>
-            <a:ext cx="0" cy="361290"/>
+            <a:off x="11171017" y="3190171"/>
+            <a:ext cx="0" cy="294677"/>
           </a:xfrm>
           <a:prstGeom prst="straightConnector1">
             <a:avLst/>
@@ -6692,8 +6697,8 @@
         </p:nvCxnSpPr>
         <p:spPr>
           <a:xfrm flipV="1">
-            <a:off x="10433778" y="3309041"/>
-            <a:ext cx="12700" cy="1583364"/>
+            <a:off x="12538331" y="3775661"/>
+            <a:ext cx="10358" cy="1291431"/>
           </a:xfrm>
           <a:prstGeom prst="bentConnector3">
             <a:avLst>
@@ -6733,8 +6738,8 @@
         </p:nvCxnSpPr>
         <p:spPr>
           <a:xfrm>
-            <a:off x="8757378" y="3665593"/>
-            <a:ext cx="0" cy="295361"/>
+            <a:off x="11171017" y="4066471"/>
+            <a:ext cx="0" cy="240904"/>
           </a:xfrm>
           <a:prstGeom prst="straightConnector1">
             <a:avLst/>
@@ -6799,8 +6804,8 @@
         </p:nvSpPr>
         <p:spPr>
           <a:xfrm>
-            <a:off x="697282" y="1302324"/>
-            <a:ext cx="909851" cy="609600"/>
+            <a:off x="4597004" y="2138932"/>
+            <a:ext cx="742097" cy="497205"/>
           </a:xfrm>
           <a:prstGeom prst="flowChartMagneticDisk">
             <a:avLst/>
@@ -6836,7 +6841,7 @@
           <a:p>
             <a:pPr algn="ctr"/>
             <a:r>
-              <a:rPr lang="en-US" sz="1200" dirty="0" smtClean="0">
+              <a:rPr lang="en-US" sz="979" dirty="0">
                 <a:solidFill>
                   <a:schemeClr val="tx1"/>
                 </a:solidFill>
@@ -6846,7 +6851,7 @@
               </a:rPr>
               <a:t>OSON</a:t>
             </a:r>
-            <a:endParaRPr lang="en-US" sz="1200" dirty="0">
+            <a:endParaRPr lang="en-US" sz="979" dirty="0">
               <a:solidFill>
                 <a:schemeClr val="tx1"/>
               </a:solidFill>
@@ -6865,8 +6870,8 @@
         </p:nvSpPr>
         <p:spPr>
           <a:xfrm>
-            <a:off x="697282" y="2618510"/>
-            <a:ext cx="909851" cy="609600"/>
+            <a:off x="4597004" y="3212446"/>
+            <a:ext cx="742097" cy="497205"/>
           </a:xfrm>
           <a:prstGeom prst="flowChartMagneticDisk">
             <a:avLst/>
@@ -6902,7 +6907,7 @@
           <a:p>
             <a:pPr algn="ctr"/>
             <a:r>
-              <a:rPr lang="en-US" sz="1200" dirty="0" smtClean="0">
+              <a:rPr lang="en-US" sz="979" dirty="0">
                 <a:solidFill>
                   <a:schemeClr val="tx1"/>
                 </a:solidFill>
@@ -6912,7 +6917,7 @@
               </a:rPr>
               <a:t>LRPP</a:t>
             </a:r>
-            <a:endParaRPr lang="en-US" sz="1200" dirty="0">
+            <a:endParaRPr lang="en-US" sz="979" dirty="0">
               <a:solidFill>
                 <a:schemeClr val="tx1"/>
               </a:solidFill>
@@ -6931,8 +6936,8 @@
         </p:nvSpPr>
         <p:spPr>
           <a:xfrm>
-            <a:off x="2152009" y="1025233"/>
-            <a:ext cx="909851" cy="1163783"/>
+            <a:off x="5783516" y="1912930"/>
+            <a:ext cx="742097" cy="949211"/>
           </a:xfrm>
           <a:prstGeom prst="flowChartMagneticDisk">
             <a:avLst/>
@@ -6968,7 +6973,7 @@
           <a:p>
             <a:pPr algn="ctr"/>
             <a:r>
-              <a:rPr lang="en-US" sz="1200" dirty="0" smtClean="0">
+              <a:rPr lang="en-US" sz="979" dirty="0">
                 <a:solidFill>
                   <a:schemeClr val="tx1"/>
                 </a:solidFill>
@@ -6978,7 +6983,7 @@
               </a:rPr>
               <a:t>Reference data</a:t>
             </a:r>
-            <a:endParaRPr lang="en-US" sz="1200" dirty="0">
+            <a:endParaRPr lang="en-US" sz="979" dirty="0">
               <a:solidFill>
                 <a:schemeClr val="tx1"/>
               </a:solidFill>
@@ -7000,8 +7005,8 @@
         </p:nvCxnSpPr>
         <p:spPr>
           <a:xfrm>
-            <a:off x="1607133" y="1607124"/>
-            <a:ext cx="544876" cy="1"/>
+            <a:off x="5339099" y="2387535"/>
+            <a:ext cx="444414" cy="1"/>
           </a:xfrm>
           <a:prstGeom prst="bentConnector3">
             <a:avLst>
@@ -7041,8 +7046,8 @@
         </p:nvCxnSpPr>
         <p:spPr>
           <a:xfrm flipV="1">
-            <a:off x="1607133" y="2202870"/>
-            <a:ext cx="2479963" cy="720440"/>
+            <a:off x="5339099" y="2873440"/>
+            <a:ext cx="2022720" cy="587609"/>
           </a:xfrm>
           <a:prstGeom prst="bentConnector3">
             <a:avLst>
@@ -7079,8 +7084,8 @@
         </p:nvSpPr>
         <p:spPr>
           <a:xfrm>
-            <a:off x="4087096" y="1620978"/>
-            <a:ext cx="909851" cy="1163783"/>
+            <a:off x="7361821" y="2398834"/>
+            <a:ext cx="742097" cy="949211"/>
           </a:xfrm>
           <a:prstGeom prst="flowChartMagneticDisk">
             <a:avLst/>
@@ -7116,7 +7121,7 @@
           <a:p>
             <a:pPr algn="ctr"/>
             <a:r>
-              <a:rPr lang="en-US" sz="1200" dirty="0" smtClean="0">
+              <a:rPr lang="en-US" sz="979" dirty="0">
                 <a:solidFill>
                   <a:schemeClr val="tx1"/>
                 </a:solidFill>
@@ -7126,7 +7131,7 @@
               </a:rPr>
               <a:t>Known house numbers</a:t>
             </a:r>
-            <a:endParaRPr lang="en-US" sz="1200" dirty="0">
+            <a:endParaRPr lang="en-US" sz="979" dirty="0">
               <a:solidFill>
                 <a:schemeClr val="tx1"/>
               </a:solidFill>
@@ -7148,8 +7153,8 @@
         </p:nvCxnSpPr>
         <p:spPr>
           <a:xfrm>
-            <a:off x="3061860" y="1607125"/>
-            <a:ext cx="1025236" cy="595745"/>
+            <a:off x="6525611" y="2387535"/>
+            <a:ext cx="836208" cy="485905"/>
           </a:xfrm>
           <a:prstGeom prst="bentConnector3">
             <a:avLst>
@@ -7186,8 +7191,8 @@
         </p:nvSpPr>
         <p:spPr>
           <a:xfrm>
-            <a:off x="7804662" y="1620978"/>
-            <a:ext cx="909851" cy="1163783"/>
+            <a:off x="10393961" y="2398834"/>
+            <a:ext cx="742097" cy="949211"/>
           </a:xfrm>
           <a:prstGeom prst="flowChartMagneticDisk">
             <a:avLst/>
@@ -7223,7 +7228,7 @@
           <a:p>
             <a:pPr algn="ctr"/>
             <a:r>
-              <a:rPr lang="en-US" sz="1200" dirty="0" smtClean="0">
+              <a:rPr lang="en-US" sz="979" dirty="0">
                 <a:solidFill>
                   <a:schemeClr val="tx1"/>
                 </a:solidFill>
@@ -7233,7 +7238,7 @@
               </a:rPr>
               <a:t>Inference data</a:t>
             </a:r>
-            <a:endParaRPr lang="en-US" sz="1200" dirty="0">
+            <a:endParaRPr lang="en-US" sz="979" dirty="0">
               <a:solidFill>
                 <a:schemeClr val="tx1"/>
               </a:solidFill>
@@ -7255,8 +7260,8 @@
         </p:nvCxnSpPr>
         <p:spPr>
           <a:xfrm flipV="1">
-            <a:off x="4996947" y="2202869"/>
-            <a:ext cx="992877" cy="1"/>
+            <a:off x="8103918" y="2873439"/>
+            <a:ext cx="809815" cy="1"/>
           </a:xfrm>
           <a:prstGeom prst="bentConnector3">
             <a:avLst>
@@ -7293,8 +7298,8 @@
         </p:nvSpPr>
         <p:spPr>
           <a:xfrm>
-            <a:off x="5989824" y="1859969"/>
-            <a:ext cx="1015931" cy="685799"/>
+            <a:off x="8913733" y="2593761"/>
+            <a:ext cx="828619" cy="559355"/>
           </a:xfrm>
           <a:prstGeom prst="rect">
             <a:avLst/>
@@ -7330,7 +7335,7 @@
           <a:p>
             <a:pPr algn="ctr"/>
             <a:r>
-              <a:rPr lang="en-US" sz="1200" smtClean="0">
+              <a:rPr lang="en-US" sz="979">
                 <a:solidFill>
                   <a:schemeClr val="tx1"/>
                 </a:solidFill>
@@ -7340,7 +7345,7 @@
               </a:rPr>
               <a:t>Inference</a:t>
             </a:r>
-            <a:endParaRPr lang="en-US" sz="1200" dirty="0">
+            <a:endParaRPr lang="en-US" sz="979" dirty="0">
               <a:solidFill>
                 <a:schemeClr val="tx1"/>
               </a:solidFill>
@@ -7362,8 +7367,8 @@
         </p:nvCxnSpPr>
         <p:spPr>
           <a:xfrm>
-            <a:off x="7005755" y="2202869"/>
-            <a:ext cx="798907" cy="1"/>
+            <a:off x="9742352" y="2873439"/>
+            <a:ext cx="651609" cy="1"/>
           </a:xfrm>
           <a:prstGeom prst="bentConnector3">
             <a:avLst>
@@ -7400,8 +7405,8 @@
         </p:nvSpPr>
         <p:spPr>
           <a:xfrm>
-            <a:off x="752701" y="5496794"/>
-            <a:ext cx="909851" cy="609600"/>
+            <a:off x="4642205" y="5560046"/>
+            <a:ext cx="742097" cy="497205"/>
           </a:xfrm>
           <a:prstGeom prst="flowChartMagneticDisk">
             <a:avLst/>
@@ -7437,7 +7442,7 @@
           <a:p>
             <a:pPr algn="ctr"/>
             <a:r>
-              <a:rPr lang="en-US" sz="1200" dirty="0" smtClean="0">
+              <a:rPr lang="en-US" sz="979" dirty="0">
                 <a:solidFill>
                   <a:schemeClr val="tx1"/>
                 </a:solidFill>
@@ -7447,7 +7452,7 @@
               </a:rPr>
               <a:t>OSOR</a:t>
             </a:r>
-            <a:endParaRPr lang="en-US" sz="1200" dirty="0">
+            <a:endParaRPr lang="en-US" sz="979" dirty="0">
               <a:solidFill>
                 <a:schemeClr val="tx1"/>
               </a:solidFill>
@@ -7466,8 +7471,8 @@
         </p:nvSpPr>
         <p:spPr>
           <a:xfrm>
-            <a:off x="4087096" y="3671460"/>
-            <a:ext cx="909851" cy="1163783"/>
+            <a:off x="7361821" y="4071259"/>
+            <a:ext cx="742097" cy="949211"/>
           </a:xfrm>
           <a:prstGeom prst="flowChartMagneticDisk">
             <a:avLst/>
@@ -7503,7 +7508,7 @@
           <a:p>
             <a:pPr algn="ctr"/>
             <a:r>
-              <a:rPr lang="en-US" sz="1200" dirty="0" smtClean="0">
+              <a:rPr lang="en-US" sz="979" dirty="0">
                 <a:solidFill>
                   <a:schemeClr val="tx1"/>
                 </a:solidFill>
@@ -7513,7 +7518,7 @@
               </a:rPr>
               <a:t>Streets for which data is missing</a:t>
             </a:r>
-            <a:endParaRPr lang="en-US" sz="1200" dirty="0">
+            <a:endParaRPr lang="en-US" sz="979" dirty="0">
               <a:solidFill>
                 <a:schemeClr val="tx1"/>
               </a:solidFill>
@@ -7535,8 +7540,8 @@
         </p:nvCxnSpPr>
         <p:spPr>
           <a:xfrm>
-            <a:off x="3061860" y="1607125"/>
-            <a:ext cx="1025236" cy="2646227"/>
+            <a:off x="6525611" y="2387536"/>
+            <a:ext cx="836208" cy="2158329"/>
           </a:xfrm>
           <a:prstGeom prst="bentConnector3">
             <a:avLst>
@@ -7568,16 +7573,13 @@
       <p:cxnSp>
         <p:nvCxnSpPr>
           <p:cNvPr id="100" name="Elbow Connector 99"/>
-          <p:cNvCxnSpPr>
-            <a:stCxn id="36" idx="4"/>
-            <a:endCxn id="96" idx="2"/>
-          </p:cNvCxnSpPr>
+          <p:cNvCxnSpPr/>
           <p:nvPr/>
         </p:nvCxnSpPr>
         <p:spPr>
           <a:xfrm>
-            <a:off x="1607133" y="2923310"/>
-            <a:ext cx="2479963" cy="1330042"/>
+            <a:off x="5339099" y="3461048"/>
+            <a:ext cx="2022720" cy="1084816"/>
           </a:xfrm>
           <a:prstGeom prst="bentConnector3">
             <a:avLst>
@@ -7614,8 +7616,8 @@
         </p:nvSpPr>
         <p:spPr>
           <a:xfrm>
-            <a:off x="6488592" y="4849102"/>
-            <a:ext cx="1366947" cy="924790"/>
+            <a:off x="9320539" y="5031771"/>
+            <a:ext cx="1114916" cy="754282"/>
           </a:xfrm>
           <a:prstGeom prst="rect">
             <a:avLst/>
@@ -7651,7 +7653,7 @@
           <a:p>
             <a:pPr algn="ctr"/>
             <a:r>
-              <a:rPr lang="en-US" sz="1200" dirty="0" smtClean="0">
+              <a:rPr lang="en-US" sz="979" dirty="0">
                 <a:solidFill>
                   <a:schemeClr val="tx1"/>
                 </a:solidFill>
@@ -7661,7 +7663,7 @@
               </a:rPr>
               <a:t>Augmentation with elements to support crowdsourcing</a:t>
             </a:r>
-            <a:endParaRPr lang="en-US" sz="1200" dirty="0">
+            <a:endParaRPr lang="en-US" sz="979" dirty="0">
               <a:solidFill>
                 <a:schemeClr val="tx1"/>
               </a:solidFill>
@@ -7683,8 +7685,8 @@
         </p:nvCxnSpPr>
         <p:spPr>
           <a:xfrm flipV="1">
-            <a:off x="1662552" y="5311497"/>
-            <a:ext cx="4826040" cy="490097"/>
+            <a:off x="5384302" y="5408914"/>
+            <a:ext cx="3936239" cy="399735"/>
           </a:xfrm>
           <a:prstGeom prst="bentConnector3">
             <a:avLst>
@@ -7724,8 +7726,8 @@
         </p:nvCxnSpPr>
         <p:spPr>
           <a:xfrm>
-            <a:off x="4996947" y="4253352"/>
-            <a:ext cx="494214" cy="3458"/>
+            <a:off x="8103918" y="4545862"/>
+            <a:ext cx="403093" cy="2820"/>
           </a:xfrm>
           <a:prstGeom prst="bentConnector3">
             <a:avLst>
@@ -7762,8 +7764,8 @@
         </p:nvSpPr>
         <p:spPr>
           <a:xfrm>
-            <a:off x="8344997" y="4892392"/>
-            <a:ext cx="1011382" cy="827807"/>
+            <a:off x="10834669" y="5067080"/>
+            <a:ext cx="824908" cy="675180"/>
           </a:xfrm>
           <a:prstGeom prst="cloud">
             <a:avLst/>
@@ -7799,7 +7801,7 @@
           <a:p>
             <a:pPr algn="ctr"/>
             <a:r>
-              <a:rPr lang="en-US" sz="1200" dirty="0" err="1" smtClean="0">
+              <a:rPr lang="en-US" sz="979" dirty="0" err="1">
                 <a:solidFill>
                   <a:schemeClr val="tx1"/>
                 </a:solidFill>
@@ -7809,7 +7811,7 @@
               </a:rPr>
               <a:t>Crowdflower</a:t>
             </a:r>
-            <a:endParaRPr lang="en-US" sz="1200" dirty="0">
+            <a:endParaRPr lang="en-US" sz="979" dirty="0">
               <a:solidFill>
                 <a:schemeClr val="tx1"/>
               </a:solidFill>
@@ -7831,8 +7833,8 @@
         </p:nvCxnSpPr>
         <p:spPr>
           <a:xfrm flipV="1">
-            <a:off x="7855539" y="5306296"/>
-            <a:ext cx="492595" cy="5201"/>
+            <a:off x="10435457" y="5404670"/>
+            <a:ext cx="401773" cy="4242"/>
           </a:xfrm>
           <a:prstGeom prst="bentConnector3">
             <a:avLst>
@@ -7869,8 +7871,8 @@
         </p:nvSpPr>
         <p:spPr>
           <a:xfrm>
-            <a:off x="9777322" y="4963395"/>
-            <a:ext cx="1366947" cy="685799"/>
+            <a:off x="12002910" y="5124993"/>
+            <a:ext cx="1114916" cy="559355"/>
           </a:xfrm>
           <a:prstGeom prst="rect">
             <a:avLst/>
@@ -7906,7 +7908,7 @@
           <a:p>
             <a:pPr algn="ctr"/>
             <a:r>
-              <a:rPr lang="en-US" sz="1200" dirty="0" smtClean="0">
+              <a:rPr lang="en-US" sz="979" dirty="0">
                 <a:solidFill>
                   <a:schemeClr val="tx1"/>
                 </a:solidFill>
@@ -7916,7 +7918,7 @@
               </a:rPr>
               <a:t>Results collection and aggregation</a:t>
             </a:r>
-            <a:endParaRPr lang="en-US" sz="1200" dirty="0">
+            <a:endParaRPr lang="en-US" sz="979" dirty="0">
               <a:solidFill>
                 <a:schemeClr val="tx1"/>
               </a:solidFill>
@@ -7938,8 +7940,8 @@
         </p:nvCxnSpPr>
         <p:spPr>
           <a:xfrm flipH="1" flipV="1">
-            <a:off x="4542022" y="2784761"/>
-            <a:ext cx="6602247" cy="2521534"/>
+            <a:off x="7732868" y="3348043"/>
+            <a:ext cx="5384958" cy="2056626"/>
           </a:xfrm>
           <a:prstGeom prst="bentConnector4">
             <a:avLst>
@@ -7980,8 +7982,8 @@
         </p:nvCxnSpPr>
         <p:spPr>
           <a:xfrm flipV="1">
-            <a:off x="9355536" y="5306295"/>
-            <a:ext cx="421786" cy="1"/>
+            <a:off x="11658892" y="5404671"/>
+            <a:ext cx="344019" cy="1"/>
           </a:xfrm>
           <a:prstGeom prst="bentConnector3">
             <a:avLst>
@@ -8021,8 +8023,8 @@
         </p:nvCxnSpPr>
         <p:spPr>
           <a:xfrm rot="16200000" flipV="1">
-            <a:off x="6855442" y="1358041"/>
-            <a:ext cx="1291935" cy="5918774"/>
+            <a:off x="9619752" y="2184374"/>
+            <a:ext cx="1053734" cy="4827500"/>
           </a:xfrm>
           <a:prstGeom prst="bentConnector3">
             <a:avLst>
@@ -8059,8 +8061,8 @@
         </p:nvSpPr>
         <p:spPr>
           <a:xfrm>
-            <a:off x="11144269" y="5347859"/>
-            <a:ext cx="708848" cy="276999"/>
+            <a:off x="13117828" y="5438572"/>
+            <a:ext cx="607859" cy="243015"/>
           </a:xfrm>
           <a:prstGeom prst="rect">
             <a:avLst/>
@@ -8074,14 +8076,14 @@
           <a:lstStyle/>
           <a:p>
             <a:r>
-              <a:rPr lang="en-US" sz="1200" dirty="0" smtClean="0">
+              <a:rPr lang="en-US" sz="979" dirty="0">
                 <a:latin typeface="CMU Typewriter Text Variable Width Medium" charset="0"/>
                 <a:ea typeface="CMU Typewriter Text Variable Width Medium" charset="0"/>
                 <a:cs typeface="CMU Typewriter Text Variable Width Medium" charset="0"/>
               </a:rPr>
               <a:t>Success</a:t>
             </a:r>
-            <a:endParaRPr lang="en-US" sz="1200" dirty="0">
+            <a:endParaRPr lang="en-US" sz="979" dirty="0">
               <a:latin typeface="CMU Typewriter Text Variable Width Medium" charset="0"/>
               <a:ea typeface="CMU Typewriter Text Variable Width Medium" charset="0"/>
               <a:cs typeface="CMU Typewriter Text Variable Width Medium" charset="0"/>
@@ -8097,8 +8099,8 @@
         </p:nvSpPr>
         <p:spPr>
           <a:xfrm>
-            <a:off x="10435422" y="4670816"/>
-            <a:ext cx="455574" cy="276999"/>
+            <a:off x="12539672" y="4886359"/>
+            <a:ext cx="405880" cy="243015"/>
           </a:xfrm>
           <a:prstGeom prst="rect">
             <a:avLst/>
@@ -8112,14 +8114,14 @@
           <a:lstStyle/>
           <a:p>
             <a:r>
-              <a:rPr lang="en-US" sz="1200" dirty="0" smtClean="0">
+              <a:rPr lang="en-US" sz="979" dirty="0">
                 <a:latin typeface="CMU Typewriter Text Variable Width Medium" charset="0"/>
                 <a:ea typeface="CMU Typewriter Text Variable Width Medium" charset="0"/>
                 <a:cs typeface="CMU Typewriter Text Variable Width Medium" charset="0"/>
               </a:rPr>
               <a:t>Fail</a:t>
             </a:r>
-            <a:endParaRPr lang="en-US" sz="1200" dirty="0">
+            <a:endParaRPr lang="en-US" sz="979" dirty="0">
               <a:latin typeface="CMU Typewriter Text Variable Width Medium" charset="0"/>
               <a:ea typeface="CMU Typewriter Text Variable Width Medium" charset="0"/>
               <a:cs typeface="CMU Typewriter Text Variable Width Medium" charset="0"/>
@@ -8135,8 +8137,8 @@
         </p:nvSpPr>
         <p:spPr>
           <a:xfrm>
-            <a:off x="9404923" y="713070"/>
-            <a:ext cx="1553435" cy="1104034"/>
+            <a:off x="11699172" y="1658319"/>
+            <a:ext cx="1267020" cy="900478"/>
           </a:xfrm>
           <a:prstGeom prst="cloud">
             <a:avLst/>
@@ -8172,7 +8174,7 @@
           <a:p>
             <a:pPr algn="ctr"/>
             <a:r>
-              <a:rPr lang="en-US" sz="1200" dirty="0" smtClean="0">
+              <a:rPr lang="en-US" sz="979" dirty="0">
                 <a:solidFill>
                   <a:schemeClr val="tx1"/>
                 </a:solidFill>
@@ -8182,7 +8184,7 @@
               </a:rPr>
               <a:t>Other OLAF creation processes</a:t>
             </a:r>
-            <a:endParaRPr lang="en-US" sz="1200" dirty="0">
+            <a:endParaRPr lang="en-US" sz="979" dirty="0">
               <a:solidFill>
                 <a:schemeClr val="tx1"/>
               </a:solidFill>
@@ -8204,8 +8206,8 @@
         </p:nvCxnSpPr>
         <p:spPr>
           <a:xfrm flipV="1">
-            <a:off x="8714513" y="1815928"/>
-            <a:ext cx="1467128" cy="386942"/>
+            <a:off x="11136056" y="2557838"/>
+            <a:ext cx="1196626" cy="315600"/>
           </a:xfrm>
           <a:prstGeom prst="bentConnector2">
             <a:avLst/>
@@ -8243,8 +8245,8 @@
         </p:nvCxnSpPr>
         <p:spPr>
           <a:xfrm flipV="1">
-            <a:off x="4996947" y="1265087"/>
-            <a:ext cx="4412795" cy="937783"/>
+            <a:off x="8103916" y="2108561"/>
+            <a:ext cx="3599186" cy="764879"/>
           </a:xfrm>
           <a:prstGeom prst="bentConnector3">
             <a:avLst>
@@ -8284,8 +8286,8 @@
         </p:nvCxnSpPr>
         <p:spPr>
           <a:xfrm>
-            <a:off x="3061860" y="1607125"/>
-            <a:ext cx="3426732" cy="3704372"/>
+            <a:off x="6525611" y="2387533"/>
+            <a:ext cx="2794928" cy="3021378"/>
           </a:xfrm>
           <a:prstGeom prst="bentConnector3">
             <a:avLst>
@@ -8322,8 +8324,8 @@
         </p:nvSpPr>
         <p:spPr>
           <a:xfrm>
-            <a:off x="5491161" y="3964996"/>
-            <a:ext cx="1366947" cy="583627"/>
+            <a:off x="8507010" y="4310674"/>
+            <a:ext cx="1114916" cy="476021"/>
           </a:xfrm>
           <a:prstGeom prst="rect">
             <a:avLst/>
@@ -8359,7 +8361,7 @@
           <a:p>
             <a:pPr algn="ctr"/>
             <a:r>
-              <a:rPr lang="en-US" sz="1200" dirty="0" err="1" smtClean="0">
+              <a:rPr lang="en-US" sz="979" dirty="0" err="1">
                 <a:solidFill>
                   <a:schemeClr val="tx1"/>
                 </a:solidFill>
@@ -8370,7 +8372,7 @@
               <a:t>Prioritisation</a:t>
             </a:r>
             <a:r>
-              <a:rPr lang="en-US" sz="1200" dirty="0" smtClean="0">
+              <a:rPr lang="en-US" sz="979" dirty="0">
                 <a:solidFill>
                   <a:schemeClr val="tx1"/>
                 </a:solidFill>
@@ -8380,7 +8382,7 @@
               </a:rPr>
               <a:t> / filtering</a:t>
             </a:r>
-            <a:endParaRPr lang="en-US" sz="1200" dirty="0">
+            <a:endParaRPr lang="en-US" sz="979" dirty="0">
               <a:solidFill>
                 <a:schemeClr val="tx1"/>
               </a:solidFill>
@@ -8402,8 +8404,8 @@
         </p:nvCxnSpPr>
         <p:spPr>
           <a:xfrm>
-            <a:off x="6858108" y="4256810"/>
-            <a:ext cx="313958" cy="592292"/>
+            <a:off x="9621925" y="4548683"/>
+            <a:ext cx="256072" cy="483088"/>
           </a:xfrm>
           <a:prstGeom prst="bentConnector2">
             <a:avLst/>
@@ -8443,10 +8445,1728 @@
 </p:sld>
 </file>
 
+<file path=ppt/slides/slide7.xml><?xml version="1.0" encoding="utf-8"?>
+<p:sld xmlns:a="http://schemas.openxmlformats.org/drawingml/2006/main" xmlns:r="http://schemas.openxmlformats.org/officeDocument/2006/relationships" xmlns:p="http://schemas.openxmlformats.org/presentationml/2006/main">
+  <p:cSld>
+    <p:spTree>
+      <p:nvGrpSpPr>
+        <p:cNvPr id="1" name=""/>
+        <p:cNvGrpSpPr/>
+        <p:nvPr/>
+      </p:nvGrpSpPr>
+      <p:grpSpPr>
+        <a:xfrm>
+          <a:off x="0" y="0"/>
+          <a:ext cx="0" cy="0"/>
+          <a:chOff x="0" y="0"/>
+          <a:chExt cx="0" cy="0"/>
+        </a:xfrm>
+      </p:grpSpPr>
+      <p:sp>
+        <p:nvSpPr>
+          <p:cNvPr id="13" name="Oval 12"/>
+          <p:cNvSpPr/>
+          <p:nvPr/>
+        </p:nvSpPr>
+        <p:spPr>
+          <a:xfrm>
+            <a:off x="3361980" y="2553845"/>
+            <a:ext cx="200025" cy="200025"/>
+          </a:xfrm>
+          <a:prstGeom prst="ellipse">
+            <a:avLst/>
+          </a:prstGeom>
+          <a:solidFill>
+            <a:schemeClr val="tx1"/>
+          </a:solidFill>
+          <a:ln>
+            <a:solidFill>
+              <a:schemeClr val="tx1"/>
+            </a:solidFill>
+          </a:ln>
+        </p:spPr>
+        <p:style>
+          <a:lnRef idx="2">
+            <a:schemeClr val="accent1">
+              <a:shade val="50000"/>
+            </a:schemeClr>
+          </a:lnRef>
+          <a:fillRef idx="1">
+            <a:schemeClr val="accent1"/>
+          </a:fillRef>
+          <a:effectRef idx="0">
+            <a:schemeClr val="accent1"/>
+          </a:effectRef>
+          <a:fontRef idx="minor">
+            <a:schemeClr val="lt1"/>
+          </a:fontRef>
+        </p:style>
+        <p:txBody>
+          <a:bodyPr rot="0" spcFirstLastPara="0" vertOverflow="overflow" horzOverflow="overflow" vert="horz" wrap="square" lIns="91440" tIns="45720" rIns="91440" bIns="45720" numCol="1" spcCol="0" rtlCol="0" fromWordArt="0" anchor="ctr" anchorCtr="0" forceAA="0" compatLnSpc="1">
+            <a:prstTxWarp prst="textNoShape">
+              <a:avLst/>
+            </a:prstTxWarp>
+            <a:noAutofit/>
+          </a:bodyPr>
+          <a:lstStyle/>
+          <a:p>
+            <a:pPr algn="ctr"/>
+            <a:endParaRPr lang="en-US"/>
+          </a:p>
+        </p:txBody>
+      </p:sp>
+      <p:grpSp>
+        <p:nvGrpSpPr>
+          <p:cNvPr id="57" name="Group 56"/>
+          <p:cNvGrpSpPr/>
+          <p:nvPr/>
+        </p:nvGrpSpPr>
+        <p:grpSpPr>
+          <a:xfrm>
+            <a:off x="15096500" y="2453832"/>
+            <a:ext cx="200025" cy="200025"/>
+            <a:chOff x="11844832" y="985836"/>
+            <a:chExt cx="200025" cy="200025"/>
+          </a:xfrm>
+        </p:grpSpPr>
+        <p:sp>
+          <p:nvSpPr>
+            <p:cNvPr id="45" name="Oval 44"/>
+            <p:cNvSpPr/>
+            <p:nvPr/>
+          </p:nvSpPr>
+          <p:spPr>
+            <a:xfrm>
+              <a:off x="11844832" y="985836"/>
+              <a:ext cx="200025" cy="200025"/>
+            </a:xfrm>
+            <a:prstGeom prst="ellipse">
+              <a:avLst/>
+            </a:prstGeom>
+            <a:solidFill>
+              <a:schemeClr val="tx1"/>
+            </a:solidFill>
+            <a:ln>
+              <a:solidFill>
+                <a:schemeClr val="tx1"/>
+              </a:solidFill>
+            </a:ln>
+          </p:spPr>
+          <p:style>
+            <a:lnRef idx="2">
+              <a:schemeClr val="accent1">
+                <a:shade val="50000"/>
+              </a:schemeClr>
+            </a:lnRef>
+            <a:fillRef idx="1">
+              <a:schemeClr val="accent1"/>
+            </a:fillRef>
+            <a:effectRef idx="0">
+              <a:schemeClr val="accent1"/>
+            </a:effectRef>
+            <a:fontRef idx="minor">
+              <a:schemeClr val="lt1"/>
+            </a:fontRef>
+          </p:style>
+          <p:txBody>
+            <a:bodyPr rot="0" spcFirstLastPara="0" vertOverflow="overflow" horzOverflow="overflow" vert="horz" wrap="square" lIns="91440" tIns="45720" rIns="91440" bIns="45720" numCol="1" spcCol="0" rtlCol="0" fromWordArt="0" anchor="ctr" anchorCtr="0" forceAA="0" compatLnSpc="1">
+              <a:prstTxWarp prst="textNoShape">
+                <a:avLst/>
+              </a:prstTxWarp>
+              <a:noAutofit/>
+            </a:bodyPr>
+            <a:lstStyle/>
+            <a:p>
+              <a:pPr algn="ctr"/>
+              <a:endParaRPr lang="en-US"/>
+            </a:p>
+          </p:txBody>
+        </p:sp>
+        <p:sp>
+          <p:nvSpPr>
+            <p:cNvPr id="46" name="Oval 45"/>
+            <p:cNvSpPr/>
+            <p:nvPr/>
+          </p:nvSpPr>
+          <p:spPr>
+            <a:xfrm>
+              <a:off x="11857386" y="998390"/>
+              <a:ext cx="174916" cy="174916"/>
+            </a:xfrm>
+            <a:prstGeom prst="ellipse">
+              <a:avLst/>
+            </a:prstGeom>
+            <a:noFill/>
+            <a:ln>
+              <a:solidFill>
+                <a:schemeClr val="bg1"/>
+              </a:solidFill>
+            </a:ln>
+          </p:spPr>
+          <p:style>
+            <a:lnRef idx="2">
+              <a:schemeClr val="accent1">
+                <a:shade val="50000"/>
+              </a:schemeClr>
+            </a:lnRef>
+            <a:fillRef idx="1">
+              <a:schemeClr val="accent1"/>
+            </a:fillRef>
+            <a:effectRef idx="0">
+              <a:schemeClr val="accent1"/>
+            </a:effectRef>
+            <a:fontRef idx="minor">
+              <a:schemeClr val="lt1"/>
+            </a:fontRef>
+          </p:style>
+          <p:txBody>
+            <a:bodyPr rot="0" spcFirstLastPara="0" vertOverflow="overflow" horzOverflow="overflow" vert="horz" wrap="square" lIns="91440" tIns="45720" rIns="91440" bIns="45720" numCol="1" spcCol="0" rtlCol="0" fromWordArt="0" anchor="ctr" anchorCtr="0" forceAA="0" compatLnSpc="1">
+              <a:prstTxWarp prst="textNoShape">
+                <a:avLst/>
+              </a:prstTxWarp>
+              <a:noAutofit/>
+            </a:bodyPr>
+            <a:lstStyle/>
+            <a:p>
+              <a:pPr algn="ctr"/>
+              <a:endParaRPr lang="en-US"/>
+            </a:p>
+          </p:txBody>
+        </p:sp>
+      </p:grpSp>
+      <p:sp>
+        <p:nvSpPr>
+          <p:cNvPr id="15" name="Rounded Rectangle 14"/>
+          <p:cNvSpPr/>
+          <p:nvPr/>
+        </p:nvSpPr>
+        <p:spPr>
+          <a:xfrm>
+            <a:off x="3893246" y="2302069"/>
+            <a:ext cx="1032141" cy="703578"/>
+          </a:xfrm>
+          <a:prstGeom prst="roundRect">
+            <a:avLst/>
+          </a:prstGeom>
+          <a:solidFill>
+            <a:schemeClr val="bg1"/>
+          </a:solidFill>
+          <a:ln>
+            <a:solidFill>
+              <a:schemeClr val="tx1"/>
+            </a:solidFill>
+          </a:ln>
+        </p:spPr>
+        <p:style>
+          <a:lnRef idx="2">
+            <a:schemeClr val="accent1">
+              <a:shade val="50000"/>
+            </a:schemeClr>
+          </a:lnRef>
+          <a:fillRef idx="1">
+            <a:schemeClr val="accent1"/>
+          </a:fillRef>
+          <a:effectRef idx="0">
+            <a:schemeClr val="accent1"/>
+          </a:effectRef>
+          <a:fontRef idx="minor">
+            <a:schemeClr val="lt1"/>
+          </a:fontRef>
+        </p:style>
+        <p:txBody>
+          <a:bodyPr rot="0" spcFirstLastPara="0" vertOverflow="overflow" horzOverflow="overflow" vert="horz" wrap="square" lIns="91440" tIns="45720" rIns="91440" bIns="45720" numCol="1" spcCol="0" rtlCol="0" fromWordArt="0" anchor="ctr" anchorCtr="0" forceAA="0" compatLnSpc="1">
+            <a:prstTxWarp prst="textNoShape">
+              <a:avLst/>
+            </a:prstTxWarp>
+            <a:noAutofit/>
+          </a:bodyPr>
+          <a:lstStyle/>
+          <a:p>
+            <a:pPr algn="ctr"/>
+            <a:r>
+              <a:rPr lang="en-US" sz="1000" dirty="0">
+                <a:solidFill>
+                  <a:schemeClr val="tx1"/>
+                </a:solidFill>
+                <a:latin typeface="CMU Typewriter Text Variable Width Medium" charset="0"/>
+                <a:ea typeface="CMU Typewriter Text Variable Width Medium" charset="0"/>
+                <a:cs typeface="CMU Typewriter Text Variable Width Medium" charset="0"/>
+              </a:rPr>
+              <a:t>Ingestion of primary data sources</a:t>
+            </a:r>
+          </a:p>
+        </p:txBody>
+      </p:sp>
+      <p:cxnSp>
+        <p:nvCxnSpPr>
+          <p:cNvPr id="62" name="Straight Arrow Connector 61"/>
+          <p:cNvCxnSpPr>
+            <a:stCxn id="13" idx="6"/>
+            <a:endCxn id="15" idx="1"/>
+          </p:cNvCxnSpPr>
+          <p:nvPr/>
+        </p:nvCxnSpPr>
+        <p:spPr>
+          <a:xfrm>
+            <a:off x="3562005" y="2653858"/>
+            <a:ext cx="331241" cy="0"/>
+          </a:xfrm>
+          <a:prstGeom prst="straightConnector1">
+            <a:avLst/>
+          </a:prstGeom>
+          <a:ln>
+            <a:solidFill>
+              <a:schemeClr val="tx1"/>
+            </a:solidFill>
+            <a:tailEnd type="triangle" w="lg" len="lg"/>
+          </a:ln>
+        </p:spPr>
+        <p:style>
+          <a:lnRef idx="1">
+            <a:schemeClr val="accent1"/>
+          </a:lnRef>
+          <a:fillRef idx="0">
+            <a:schemeClr val="accent1"/>
+          </a:fillRef>
+          <a:effectRef idx="0">
+            <a:schemeClr val="accent1"/>
+          </a:effectRef>
+          <a:fontRef idx="minor">
+            <a:schemeClr val="tx1"/>
+          </a:fontRef>
+        </p:style>
+      </p:cxnSp>
+      <p:sp>
+        <p:nvSpPr>
+          <p:cNvPr id="26" name="Rectangle 25"/>
+          <p:cNvSpPr/>
+          <p:nvPr/>
+        </p:nvSpPr>
+        <p:spPr>
+          <a:xfrm>
+            <a:off x="5226880" y="1777645"/>
+            <a:ext cx="45719" cy="2203804"/>
+          </a:xfrm>
+          <a:prstGeom prst="rect">
+            <a:avLst/>
+          </a:prstGeom>
+          <a:solidFill>
+            <a:schemeClr val="tx1"/>
+          </a:solidFill>
+          <a:ln>
+            <a:noFill/>
+          </a:ln>
+        </p:spPr>
+        <p:style>
+          <a:lnRef idx="2">
+            <a:schemeClr val="accent1">
+              <a:shade val="50000"/>
+            </a:schemeClr>
+          </a:lnRef>
+          <a:fillRef idx="1">
+            <a:schemeClr val="accent1"/>
+          </a:fillRef>
+          <a:effectRef idx="0">
+            <a:schemeClr val="accent1"/>
+          </a:effectRef>
+          <a:fontRef idx="minor">
+            <a:schemeClr val="lt1"/>
+          </a:fontRef>
+        </p:style>
+        <p:txBody>
+          <a:bodyPr rot="0" spcFirstLastPara="0" vertOverflow="overflow" horzOverflow="overflow" vert="horz" wrap="square" lIns="91440" tIns="45720" rIns="91440" bIns="45720" numCol="1" spcCol="0" rtlCol="0" fromWordArt="0" anchor="ctr" anchorCtr="0" forceAA="0" compatLnSpc="1">
+            <a:prstTxWarp prst="textNoShape">
+              <a:avLst/>
+            </a:prstTxWarp>
+            <a:noAutofit/>
+          </a:bodyPr>
+          <a:lstStyle/>
+          <a:p>
+            <a:pPr algn="ctr"/>
+            <a:endParaRPr lang="en-US"/>
+          </a:p>
+        </p:txBody>
+      </p:sp>
+      <p:cxnSp>
+        <p:nvCxnSpPr>
+          <p:cNvPr id="77" name="Straight Arrow Connector 76"/>
+          <p:cNvCxnSpPr>
+            <a:stCxn id="15" idx="3"/>
+          </p:cNvCxnSpPr>
+          <p:nvPr/>
+        </p:nvCxnSpPr>
+        <p:spPr>
+          <a:xfrm flipV="1">
+            <a:off x="4925387" y="2653857"/>
+            <a:ext cx="301493" cy="1"/>
+          </a:xfrm>
+          <a:prstGeom prst="straightConnector1">
+            <a:avLst/>
+          </a:prstGeom>
+          <a:ln>
+            <a:solidFill>
+              <a:schemeClr val="tx1"/>
+            </a:solidFill>
+            <a:tailEnd type="triangle" w="lg" len="lg"/>
+          </a:ln>
+        </p:spPr>
+        <p:style>
+          <a:lnRef idx="1">
+            <a:schemeClr val="accent1"/>
+          </a:lnRef>
+          <a:fillRef idx="0">
+            <a:schemeClr val="accent1"/>
+          </a:fillRef>
+          <a:effectRef idx="0">
+            <a:schemeClr val="accent1"/>
+          </a:effectRef>
+          <a:fontRef idx="minor">
+            <a:schemeClr val="tx1"/>
+          </a:fontRef>
+        </p:style>
+      </p:cxnSp>
+      <p:sp>
+        <p:nvSpPr>
+          <p:cNvPr id="80" name="Rounded Rectangle 79"/>
+          <p:cNvSpPr/>
+          <p:nvPr/>
+        </p:nvSpPr>
+        <p:spPr>
+          <a:xfrm>
+            <a:off x="13847590" y="1678008"/>
+            <a:ext cx="790819" cy="691296"/>
+          </a:xfrm>
+          <a:prstGeom prst="roundRect">
+            <a:avLst/>
+          </a:prstGeom>
+          <a:solidFill>
+            <a:schemeClr val="bg1"/>
+          </a:solidFill>
+          <a:ln>
+            <a:solidFill>
+              <a:schemeClr val="tx1"/>
+            </a:solidFill>
+          </a:ln>
+        </p:spPr>
+        <p:style>
+          <a:lnRef idx="2">
+            <a:schemeClr val="accent1">
+              <a:shade val="50000"/>
+            </a:schemeClr>
+          </a:lnRef>
+          <a:fillRef idx="1">
+            <a:schemeClr val="accent1"/>
+          </a:fillRef>
+          <a:effectRef idx="0">
+            <a:schemeClr val="accent1"/>
+          </a:effectRef>
+          <a:fontRef idx="minor">
+            <a:schemeClr val="lt1"/>
+          </a:fontRef>
+        </p:style>
+        <p:txBody>
+          <a:bodyPr rot="0" spcFirstLastPara="0" vertOverflow="overflow" horzOverflow="overflow" vert="horz" wrap="square" lIns="91440" tIns="45720" rIns="91440" bIns="45720" numCol="1" spcCol="0" rtlCol="0" fromWordArt="0" anchor="ctr" anchorCtr="0" forceAA="0" compatLnSpc="1">
+            <a:prstTxWarp prst="textNoShape">
+              <a:avLst/>
+            </a:prstTxWarp>
+            <a:noAutofit/>
+          </a:bodyPr>
+          <a:lstStyle/>
+          <a:p>
+            <a:pPr algn="ctr"/>
+            <a:r>
+              <a:rPr lang="en-US" sz="1000">
+                <a:solidFill>
+                  <a:schemeClr val="tx1"/>
+                </a:solidFill>
+                <a:latin typeface="CMU Typewriter Text Variable Width Medium" charset="0"/>
+                <a:ea typeface="CMU Typewriter Text Variable Width Medium" charset="0"/>
+                <a:cs typeface="CMU Typewriter Text Variable Width Medium" charset="0"/>
+              </a:rPr>
+              <a:t>Inference</a:t>
+            </a:r>
+            <a:endParaRPr lang="en-US" sz="1000" dirty="0">
+              <a:solidFill>
+                <a:schemeClr val="tx1"/>
+              </a:solidFill>
+              <a:latin typeface="CMU Typewriter Text Variable Width Medium" charset="0"/>
+              <a:ea typeface="CMU Typewriter Text Variable Width Medium" charset="0"/>
+              <a:cs typeface="CMU Typewriter Text Variable Width Medium" charset="0"/>
+            </a:endParaRPr>
+          </a:p>
+        </p:txBody>
+      </p:sp>
+      <p:sp>
+        <p:nvSpPr>
+          <p:cNvPr id="84" name="Rounded Rectangle 83"/>
+          <p:cNvSpPr/>
+          <p:nvPr/>
+        </p:nvSpPr>
+        <p:spPr>
+          <a:xfrm>
+            <a:off x="8490891" y="3336854"/>
+            <a:ext cx="1301787" cy="693132"/>
+          </a:xfrm>
+          <a:prstGeom prst="roundRect">
+            <a:avLst/>
+          </a:prstGeom>
+          <a:solidFill>
+            <a:schemeClr val="bg1"/>
+          </a:solidFill>
+          <a:ln>
+            <a:solidFill>
+              <a:schemeClr val="tx1"/>
+            </a:solidFill>
+          </a:ln>
+        </p:spPr>
+        <p:style>
+          <a:lnRef idx="2">
+            <a:schemeClr val="accent1">
+              <a:shade val="50000"/>
+            </a:schemeClr>
+          </a:lnRef>
+          <a:fillRef idx="1">
+            <a:schemeClr val="accent1"/>
+          </a:fillRef>
+          <a:effectRef idx="0">
+            <a:schemeClr val="accent1"/>
+          </a:effectRef>
+          <a:fontRef idx="minor">
+            <a:schemeClr val="lt1"/>
+          </a:fontRef>
+        </p:style>
+        <p:txBody>
+          <a:bodyPr rot="0" spcFirstLastPara="0" vertOverflow="overflow" horzOverflow="overflow" vert="horz" wrap="square" lIns="91440" tIns="45720" rIns="91440" bIns="45720" numCol="1" spcCol="0" rtlCol="0" fromWordArt="0" anchor="ctr" anchorCtr="0" forceAA="0" compatLnSpc="1">
+            <a:prstTxWarp prst="textNoShape">
+              <a:avLst/>
+            </a:prstTxWarp>
+            <a:noAutofit/>
+          </a:bodyPr>
+          <a:lstStyle/>
+          <a:p>
+            <a:pPr algn="ctr"/>
+            <a:r>
+              <a:rPr lang="en-US" sz="1000" dirty="0">
+                <a:solidFill>
+                  <a:schemeClr val="tx1"/>
+                </a:solidFill>
+                <a:latin typeface="CMU Typewriter Text Variable Width Medium" charset="0"/>
+                <a:ea typeface="CMU Typewriter Text Variable Width Medium" charset="0"/>
+                <a:cs typeface="CMU Typewriter Text Variable Width Medium" charset="0"/>
+              </a:rPr>
+              <a:t>Preparation and augmentation for crowdsourcing</a:t>
+            </a:r>
+          </a:p>
+        </p:txBody>
+      </p:sp>
+      <p:sp>
+        <p:nvSpPr>
+          <p:cNvPr id="91" name="Rounded Rectangle 90"/>
+          <p:cNvSpPr/>
+          <p:nvPr/>
+        </p:nvSpPr>
+        <p:spPr>
+          <a:xfrm>
+            <a:off x="10152747" y="3340167"/>
+            <a:ext cx="1100742" cy="693132"/>
+          </a:xfrm>
+          <a:prstGeom prst="roundRect">
+            <a:avLst/>
+          </a:prstGeom>
+          <a:solidFill>
+            <a:schemeClr val="bg1"/>
+          </a:solidFill>
+          <a:ln>
+            <a:solidFill>
+              <a:schemeClr val="tx1"/>
+            </a:solidFill>
+          </a:ln>
+        </p:spPr>
+        <p:style>
+          <a:lnRef idx="2">
+            <a:schemeClr val="accent1">
+              <a:shade val="50000"/>
+            </a:schemeClr>
+          </a:lnRef>
+          <a:fillRef idx="1">
+            <a:schemeClr val="accent1"/>
+          </a:fillRef>
+          <a:effectRef idx="0">
+            <a:schemeClr val="accent1"/>
+          </a:effectRef>
+          <a:fontRef idx="minor">
+            <a:schemeClr val="lt1"/>
+          </a:fontRef>
+        </p:style>
+        <p:txBody>
+          <a:bodyPr rot="0" spcFirstLastPara="0" vertOverflow="overflow" horzOverflow="overflow" vert="horz" wrap="square" lIns="91440" tIns="45720" rIns="91440" bIns="45720" numCol="1" spcCol="0" rtlCol="0" fromWordArt="0" anchor="ctr" anchorCtr="0" forceAA="0" compatLnSpc="1">
+            <a:prstTxWarp prst="textNoShape">
+              <a:avLst/>
+            </a:prstTxWarp>
+            <a:noAutofit/>
+          </a:bodyPr>
+          <a:lstStyle/>
+          <a:p>
+            <a:pPr algn="ctr"/>
+            <a:r>
+              <a:rPr lang="en-US" sz="1000" dirty="0">
+                <a:solidFill>
+                  <a:schemeClr val="tx1"/>
+                </a:solidFill>
+                <a:latin typeface="CMU Typewriter Text Variable Width Medium" charset="0"/>
+                <a:ea typeface="CMU Typewriter Text Variable Width Medium" charset="0"/>
+                <a:cs typeface="CMU Typewriter Text Variable Width Medium" charset="0"/>
+              </a:rPr>
+              <a:t>Data collection in </a:t>
+            </a:r>
+            <a:r>
+              <a:rPr lang="en-US" sz="1000" dirty="0" err="1">
+                <a:solidFill>
+                  <a:schemeClr val="tx1"/>
+                </a:solidFill>
+                <a:latin typeface="CMU Typewriter Text Variable Width Medium" charset="0"/>
+                <a:ea typeface="CMU Typewriter Text Variable Width Medium" charset="0"/>
+                <a:cs typeface="CMU Typewriter Text Variable Width Medium" charset="0"/>
+              </a:rPr>
+              <a:t>CrowdFlower</a:t>
+            </a:r>
+            <a:endParaRPr lang="en-US" sz="1000" dirty="0">
+              <a:solidFill>
+                <a:schemeClr val="tx1"/>
+              </a:solidFill>
+              <a:latin typeface="CMU Typewriter Text Variable Width Medium" charset="0"/>
+              <a:ea typeface="CMU Typewriter Text Variable Width Medium" charset="0"/>
+              <a:cs typeface="CMU Typewriter Text Variable Width Medium" charset="0"/>
+            </a:endParaRPr>
+          </a:p>
+        </p:txBody>
+      </p:sp>
+      <p:sp>
+        <p:nvSpPr>
+          <p:cNvPr id="98" name="Diamond 97"/>
+          <p:cNvSpPr/>
+          <p:nvPr/>
+        </p:nvSpPr>
+        <p:spPr>
+          <a:xfrm>
+            <a:off x="6930495" y="3418403"/>
+            <a:ext cx="530034" cy="530034"/>
+          </a:xfrm>
+          <a:prstGeom prst="diamond">
+            <a:avLst/>
+          </a:prstGeom>
+          <a:solidFill>
+            <a:schemeClr val="bg1"/>
+          </a:solidFill>
+          <a:ln>
+            <a:solidFill>
+              <a:schemeClr val="tx1"/>
+            </a:solidFill>
+          </a:ln>
+        </p:spPr>
+        <p:style>
+          <a:lnRef idx="2">
+            <a:schemeClr val="accent1">
+              <a:shade val="50000"/>
+            </a:schemeClr>
+          </a:lnRef>
+          <a:fillRef idx="1">
+            <a:schemeClr val="accent1"/>
+          </a:fillRef>
+          <a:effectRef idx="0">
+            <a:schemeClr val="accent1"/>
+          </a:effectRef>
+          <a:fontRef idx="minor">
+            <a:schemeClr val="lt1"/>
+          </a:fontRef>
+        </p:style>
+        <p:txBody>
+          <a:bodyPr rot="0" spcFirstLastPara="0" vertOverflow="overflow" horzOverflow="overflow" vert="horz" wrap="square" lIns="91440" tIns="45720" rIns="91440" bIns="45720" numCol="1" spcCol="0" rtlCol="0" fromWordArt="0" anchor="ctr" anchorCtr="0" forceAA="0" compatLnSpc="1">
+            <a:prstTxWarp prst="textNoShape">
+              <a:avLst/>
+            </a:prstTxWarp>
+            <a:noAutofit/>
+          </a:bodyPr>
+          <a:lstStyle/>
+          <a:p>
+            <a:pPr algn="ctr"/>
+            <a:endParaRPr lang="en-US"/>
+          </a:p>
+        </p:txBody>
+      </p:sp>
+      <p:sp>
+        <p:nvSpPr>
+          <p:cNvPr id="101" name="TextBox 100"/>
+          <p:cNvSpPr txBox="1"/>
+          <p:nvPr/>
+        </p:nvSpPr>
+        <p:spPr>
+          <a:xfrm>
+            <a:off x="7409187" y="3125024"/>
+            <a:ext cx="1055097" cy="553998"/>
+          </a:xfrm>
+          <a:prstGeom prst="rect">
+            <a:avLst/>
+          </a:prstGeom>
+          <a:noFill/>
+        </p:spPr>
+        <p:txBody>
+          <a:bodyPr wrap="none" rtlCol="0">
+            <a:spAutoFit/>
+          </a:bodyPr>
+          <a:lstStyle/>
+          <a:p>
+            <a:r>
+              <a:rPr lang="en-US" sz="1000" dirty="0" smtClean="0">
+                <a:latin typeface="CMU Typewriter Text Variable Width Medium" charset="0"/>
+                <a:ea typeface="CMU Typewriter Text Variable Width Medium" charset="0"/>
+                <a:cs typeface="CMU Typewriter Text Variable Width Medium" charset="0"/>
+              </a:rPr>
+              <a:t>[roads </a:t>
+            </a:r>
+            <a:r>
+              <a:rPr lang="en-US" sz="1000" smtClean="0">
+                <a:latin typeface="CMU Typewriter Text Variable Width Medium" charset="0"/>
+                <a:ea typeface="CMU Typewriter Text Variable Width Medium" charset="0"/>
+                <a:cs typeface="CMU Typewriter Text Variable Width Medium" charset="0"/>
+              </a:rPr>
+              <a:t>lack </a:t>
+            </a:r>
+            <a:br>
+              <a:rPr lang="en-US" sz="1000" smtClean="0">
+                <a:latin typeface="CMU Typewriter Text Variable Width Medium" charset="0"/>
+                <a:ea typeface="CMU Typewriter Text Variable Width Medium" charset="0"/>
+                <a:cs typeface="CMU Typewriter Text Variable Width Medium" charset="0"/>
+              </a:rPr>
+            </a:br>
+            <a:r>
+              <a:rPr lang="en-US" sz="1000" smtClean="0">
+                <a:latin typeface="CMU Typewriter Text Variable Width Medium" charset="0"/>
+                <a:ea typeface="CMU Typewriter Text Variable Width Medium" charset="0"/>
+                <a:cs typeface="CMU Typewriter Text Variable Width Medium" charset="0"/>
+              </a:rPr>
+              <a:t>house number </a:t>
+            </a:r>
+            <a:br>
+              <a:rPr lang="en-US" sz="1000" smtClean="0">
+                <a:latin typeface="CMU Typewriter Text Variable Width Medium" charset="0"/>
+                <a:ea typeface="CMU Typewriter Text Variable Width Medium" charset="0"/>
+                <a:cs typeface="CMU Typewriter Text Variable Width Medium" charset="0"/>
+              </a:rPr>
+            </a:br>
+            <a:r>
+              <a:rPr lang="en-US" sz="1000" smtClean="0">
+                <a:latin typeface="CMU Typewriter Text Variable Width Medium" charset="0"/>
+                <a:ea typeface="CMU Typewriter Text Variable Width Medium" charset="0"/>
+                <a:cs typeface="CMU Typewriter Text Variable Width Medium" charset="0"/>
+              </a:rPr>
+              <a:t>data</a:t>
+            </a:r>
+            <a:r>
+              <a:rPr lang="en-US" sz="1000" dirty="0" smtClean="0">
+                <a:latin typeface="CMU Typewriter Text Variable Width Medium" charset="0"/>
+                <a:ea typeface="CMU Typewriter Text Variable Width Medium" charset="0"/>
+                <a:cs typeface="CMU Typewriter Text Variable Width Medium" charset="0"/>
+              </a:rPr>
+              <a:t>]</a:t>
+            </a:r>
+            <a:endParaRPr lang="en-US" sz="1000" dirty="0">
+              <a:latin typeface="CMU Typewriter Text Variable Width Medium" charset="0"/>
+              <a:ea typeface="CMU Typewriter Text Variable Width Medium" charset="0"/>
+              <a:cs typeface="CMU Typewriter Text Variable Width Medium" charset="0"/>
+            </a:endParaRPr>
+          </a:p>
+        </p:txBody>
+      </p:sp>
+      <p:sp>
+        <p:nvSpPr>
+          <p:cNvPr id="102" name="TextBox 101"/>
+          <p:cNvSpPr txBox="1"/>
+          <p:nvPr/>
+        </p:nvSpPr>
+        <p:spPr>
+          <a:xfrm>
+            <a:off x="7219627" y="3958860"/>
+            <a:ext cx="1055097" cy="553998"/>
+          </a:xfrm>
+          <a:prstGeom prst="rect">
+            <a:avLst/>
+          </a:prstGeom>
+          <a:noFill/>
+        </p:spPr>
+        <p:txBody>
+          <a:bodyPr wrap="none" rtlCol="0">
+            <a:spAutoFit/>
+          </a:bodyPr>
+          <a:lstStyle/>
+          <a:p>
+            <a:r>
+              <a:rPr lang="en-US" sz="1000" dirty="0" smtClean="0">
+                <a:latin typeface="CMU Typewriter Text Variable Width Medium" charset="0"/>
+                <a:ea typeface="CMU Typewriter Text Variable Width Medium" charset="0"/>
+                <a:cs typeface="CMU Typewriter Text Variable Width Medium" charset="0"/>
+              </a:rPr>
+              <a:t>[no road lacks </a:t>
+            </a:r>
+            <a:br>
+              <a:rPr lang="en-US" sz="1000" dirty="0" smtClean="0">
+                <a:latin typeface="CMU Typewriter Text Variable Width Medium" charset="0"/>
+                <a:ea typeface="CMU Typewriter Text Variable Width Medium" charset="0"/>
+                <a:cs typeface="CMU Typewriter Text Variable Width Medium" charset="0"/>
+              </a:rPr>
+            </a:br>
+            <a:r>
+              <a:rPr lang="en-US" sz="1000" dirty="0" smtClean="0">
+                <a:latin typeface="CMU Typewriter Text Variable Width Medium" charset="0"/>
+                <a:ea typeface="CMU Typewriter Text Variable Width Medium" charset="0"/>
+                <a:cs typeface="CMU Typewriter Text Variable Width Medium" charset="0"/>
+              </a:rPr>
+              <a:t>house number </a:t>
+            </a:r>
+            <a:br>
+              <a:rPr lang="en-US" sz="1000" dirty="0" smtClean="0">
+                <a:latin typeface="CMU Typewriter Text Variable Width Medium" charset="0"/>
+                <a:ea typeface="CMU Typewriter Text Variable Width Medium" charset="0"/>
+                <a:cs typeface="CMU Typewriter Text Variable Width Medium" charset="0"/>
+              </a:rPr>
+            </a:br>
+            <a:r>
+              <a:rPr lang="en-US" sz="1000" dirty="0" smtClean="0">
+                <a:latin typeface="CMU Typewriter Text Variable Width Medium" charset="0"/>
+                <a:ea typeface="CMU Typewriter Text Variable Width Medium" charset="0"/>
+                <a:cs typeface="CMU Typewriter Text Variable Width Medium" charset="0"/>
+              </a:rPr>
+              <a:t>data]</a:t>
+            </a:r>
+            <a:endParaRPr lang="en-US" sz="1000" dirty="0">
+              <a:latin typeface="CMU Typewriter Text Variable Width Medium" charset="0"/>
+              <a:ea typeface="CMU Typewriter Text Variable Width Medium" charset="0"/>
+              <a:cs typeface="CMU Typewriter Text Variable Width Medium" charset="0"/>
+            </a:endParaRPr>
+          </a:p>
+        </p:txBody>
+      </p:sp>
+      <p:cxnSp>
+        <p:nvCxnSpPr>
+          <p:cNvPr id="103" name="Straight Arrow Connector 102"/>
+          <p:cNvCxnSpPr>
+            <a:stCxn id="98" idx="3"/>
+            <a:endCxn id="84" idx="1"/>
+          </p:cNvCxnSpPr>
+          <p:nvPr/>
+        </p:nvCxnSpPr>
+        <p:spPr>
+          <a:xfrm>
+            <a:off x="7460529" y="3683420"/>
+            <a:ext cx="1030362" cy="0"/>
+          </a:xfrm>
+          <a:prstGeom prst="straightConnector1">
+            <a:avLst/>
+          </a:prstGeom>
+          <a:ln>
+            <a:solidFill>
+              <a:schemeClr val="tx1"/>
+            </a:solidFill>
+            <a:tailEnd type="triangle" w="lg" len="lg"/>
+          </a:ln>
+        </p:spPr>
+        <p:style>
+          <a:lnRef idx="1">
+            <a:schemeClr val="accent1"/>
+          </a:lnRef>
+          <a:fillRef idx="0">
+            <a:schemeClr val="accent1"/>
+          </a:fillRef>
+          <a:effectRef idx="0">
+            <a:schemeClr val="accent1"/>
+          </a:effectRef>
+          <a:fontRef idx="minor">
+            <a:schemeClr val="tx1"/>
+          </a:fontRef>
+        </p:style>
+      </p:cxnSp>
+      <p:cxnSp>
+        <p:nvCxnSpPr>
+          <p:cNvPr id="108" name="Straight Arrow Connector 107"/>
+          <p:cNvCxnSpPr>
+            <a:stCxn id="84" idx="3"/>
+            <a:endCxn id="91" idx="1"/>
+          </p:cNvCxnSpPr>
+          <p:nvPr/>
+        </p:nvCxnSpPr>
+        <p:spPr>
+          <a:xfrm>
+            <a:off x="9792678" y="3683420"/>
+            <a:ext cx="360069" cy="3313"/>
+          </a:xfrm>
+          <a:prstGeom prst="straightConnector1">
+            <a:avLst/>
+          </a:prstGeom>
+          <a:ln>
+            <a:solidFill>
+              <a:schemeClr val="tx1"/>
+            </a:solidFill>
+            <a:tailEnd type="triangle" w="lg" len="lg"/>
+          </a:ln>
+        </p:spPr>
+        <p:style>
+          <a:lnRef idx="1">
+            <a:schemeClr val="accent1"/>
+          </a:lnRef>
+          <a:fillRef idx="0">
+            <a:schemeClr val="accent1"/>
+          </a:fillRef>
+          <a:effectRef idx="0">
+            <a:schemeClr val="accent1"/>
+          </a:effectRef>
+          <a:fontRef idx="minor">
+            <a:schemeClr val="tx1"/>
+          </a:fontRef>
+        </p:style>
+      </p:cxnSp>
+      <p:sp>
+        <p:nvSpPr>
+          <p:cNvPr id="113" name="Diamond 112"/>
+          <p:cNvSpPr/>
+          <p:nvPr/>
+        </p:nvSpPr>
+        <p:spPr>
+          <a:xfrm>
+            <a:off x="13055261" y="3418403"/>
+            <a:ext cx="530034" cy="530034"/>
+          </a:xfrm>
+          <a:prstGeom prst="diamond">
+            <a:avLst/>
+          </a:prstGeom>
+          <a:solidFill>
+            <a:schemeClr val="bg1"/>
+          </a:solidFill>
+          <a:ln>
+            <a:solidFill>
+              <a:schemeClr val="tx1"/>
+            </a:solidFill>
+          </a:ln>
+        </p:spPr>
+        <p:style>
+          <a:lnRef idx="2">
+            <a:schemeClr val="accent1">
+              <a:shade val="50000"/>
+            </a:schemeClr>
+          </a:lnRef>
+          <a:fillRef idx="1">
+            <a:schemeClr val="accent1"/>
+          </a:fillRef>
+          <a:effectRef idx="0">
+            <a:schemeClr val="accent1"/>
+          </a:effectRef>
+          <a:fontRef idx="minor">
+            <a:schemeClr val="lt1"/>
+          </a:fontRef>
+        </p:style>
+        <p:txBody>
+          <a:bodyPr rot="0" spcFirstLastPara="0" vertOverflow="overflow" horzOverflow="overflow" vert="horz" wrap="square" lIns="91440" tIns="45720" rIns="91440" bIns="45720" numCol="1" spcCol="0" rtlCol="0" fromWordArt="0" anchor="ctr" anchorCtr="0" forceAA="0" compatLnSpc="1">
+            <a:prstTxWarp prst="textNoShape">
+              <a:avLst/>
+            </a:prstTxWarp>
+            <a:noAutofit/>
+          </a:bodyPr>
+          <a:lstStyle/>
+          <a:p>
+            <a:pPr algn="ctr"/>
+            <a:endParaRPr lang="en-US"/>
+          </a:p>
+        </p:txBody>
+      </p:sp>
+      <p:cxnSp>
+        <p:nvCxnSpPr>
+          <p:cNvPr id="114" name="Straight Arrow Connector 113"/>
+          <p:cNvCxnSpPr>
+            <a:stCxn id="91" idx="3"/>
+            <a:endCxn id="166" idx="1"/>
+          </p:cNvCxnSpPr>
+          <p:nvPr/>
+        </p:nvCxnSpPr>
+        <p:spPr>
+          <a:xfrm>
+            <a:off x="11253489" y="3686733"/>
+            <a:ext cx="406702" cy="0"/>
+          </a:xfrm>
+          <a:prstGeom prst="straightConnector1">
+            <a:avLst/>
+          </a:prstGeom>
+          <a:ln>
+            <a:solidFill>
+              <a:schemeClr val="tx1"/>
+            </a:solidFill>
+            <a:tailEnd type="triangle" w="lg" len="lg"/>
+          </a:ln>
+        </p:spPr>
+        <p:style>
+          <a:lnRef idx="1">
+            <a:schemeClr val="accent1"/>
+          </a:lnRef>
+          <a:fillRef idx="0">
+            <a:schemeClr val="accent1"/>
+          </a:fillRef>
+          <a:effectRef idx="0">
+            <a:schemeClr val="accent1"/>
+          </a:effectRef>
+          <a:fontRef idx="minor">
+            <a:schemeClr val="tx1"/>
+          </a:fontRef>
+        </p:style>
+      </p:cxnSp>
+      <p:cxnSp>
+        <p:nvCxnSpPr>
+          <p:cNvPr id="119" name="Elbow Connector 118"/>
+          <p:cNvCxnSpPr>
+            <a:stCxn id="113" idx="3"/>
+            <a:endCxn id="80" idx="2"/>
+          </p:cNvCxnSpPr>
+          <p:nvPr/>
+        </p:nvCxnSpPr>
+        <p:spPr>
+          <a:xfrm flipV="1">
+            <a:off x="13585295" y="2369304"/>
+            <a:ext cx="657705" cy="1314116"/>
+          </a:xfrm>
+          <a:prstGeom prst="bentConnector2">
+            <a:avLst/>
+          </a:prstGeom>
+          <a:ln>
+            <a:solidFill>
+              <a:schemeClr val="tx1"/>
+            </a:solidFill>
+            <a:tailEnd type="triangle" w="lg" len="lg"/>
+          </a:ln>
+        </p:spPr>
+        <p:style>
+          <a:lnRef idx="1">
+            <a:schemeClr val="accent1"/>
+          </a:lnRef>
+          <a:fillRef idx="0">
+            <a:schemeClr val="accent1"/>
+          </a:fillRef>
+          <a:effectRef idx="0">
+            <a:schemeClr val="accent1"/>
+          </a:effectRef>
+          <a:fontRef idx="minor">
+            <a:schemeClr val="tx1"/>
+          </a:fontRef>
+        </p:style>
+      </p:cxnSp>
+      <p:cxnSp>
+        <p:nvCxnSpPr>
+          <p:cNvPr id="121" name="Elbow Connector 120"/>
+          <p:cNvCxnSpPr>
+            <a:stCxn id="113" idx="0"/>
+            <a:endCxn id="139" idx="0"/>
+          </p:cNvCxnSpPr>
+          <p:nvPr/>
+        </p:nvCxnSpPr>
+        <p:spPr>
+          <a:xfrm rot="16200000" flipV="1">
+            <a:off x="9626652" y="-275224"/>
+            <a:ext cx="12700" cy="7387253"/>
+          </a:xfrm>
+          <a:prstGeom prst="bentConnector3">
+            <a:avLst>
+              <a:gd name="adj1" fmla="val 6141173"/>
+            </a:avLst>
+          </a:prstGeom>
+          <a:ln>
+            <a:solidFill>
+              <a:schemeClr val="tx1"/>
+            </a:solidFill>
+            <a:tailEnd type="triangle" w="lg" len="lg"/>
+          </a:ln>
+        </p:spPr>
+        <p:style>
+          <a:lnRef idx="1">
+            <a:schemeClr val="accent1"/>
+          </a:lnRef>
+          <a:fillRef idx="0">
+            <a:schemeClr val="accent1"/>
+          </a:fillRef>
+          <a:effectRef idx="0">
+            <a:schemeClr val="accent1"/>
+          </a:effectRef>
+          <a:fontRef idx="minor">
+            <a:schemeClr val="tx1"/>
+          </a:fontRef>
+        </p:style>
+      </p:cxnSp>
+      <p:sp>
+        <p:nvSpPr>
+          <p:cNvPr id="136" name="TextBox 135"/>
+          <p:cNvSpPr txBox="1"/>
+          <p:nvPr/>
+        </p:nvSpPr>
+        <p:spPr>
+          <a:xfrm>
+            <a:off x="12254504" y="2619400"/>
+            <a:ext cx="1080745" cy="400110"/>
+          </a:xfrm>
+          <a:prstGeom prst="rect">
+            <a:avLst/>
+          </a:prstGeom>
+          <a:noFill/>
+        </p:spPr>
+        <p:txBody>
+          <a:bodyPr wrap="none" rtlCol="0">
+            <a:spAutoFit/>
+          </a:bodyPr>
+          <a:lstStyle/>
+          <a:p>
+            <a:r>
+              <a:rPr lang="en-US" sz="1000" dirty="0" smtClean="0">
+                <a:latin typeface="CMU Typewriter Text Variable Width Medium" charset="0"/>
+                <a:ea typeface="CMU Typewriter Text Variable Width Medium" charset="0"/>
+                <a:cs typeface="CMU Typewriter Text Variable Width Medium" charset="0"/>
+              </a:rPr>
+              <a:t>[collection was </a:t>
+            </a:r>
+            <a:br>
+              <a:rPr lang="en-US" sz="1000" dirty="0" smtClean="0">
+                <a:latin typeface="CMU Typewriter Text Variable Width Medium" charset="0"/>
+                <a:ea typeface="CMU Typewriter Text Variable Width Medium" charset="0"/>
+                <a:cs typeface="CMU Typewriter Text Variable Width Medium" charset="0"/>
+              </a:rPr>
+            </a:br>
+            <a:r>
+              <a:rPr lang="en-US" sz="1000" dirty="0" smtClean="0">
+                <a:latin typeface="CMU Typewriter Text Variable Width Medium" charset="0"/>
+                <a:ea typeface="CMU Typewriter Text Variable Width Medium" charset="0"/>
+                <a:cs typeface="CMU Typewriter Text Variable Width Medium" charset="0"/>
+              </a:rPr>
+              <a:t>not successful]</a:t>
+            </a:r>
+            <a:endParaRPr lang="en-US" sz="1000" dirty="0">
+              <a:latin typeface="CMU Typewriter Text Variable Width Medium" charset="0"/>
+              <a:ea typeface="CMU Typewriter Text Variable Width Medium" charset="0"/>
+              <a:cs typeface="CMU Typewriter Text Variable Width Medium" charset="0"/>
+            </a:endParaRPr>
+          </a:p>
+        </p:txBody>
+      </p:sp>
+      <p:sp>
+        <p:nvSpPr>
+          <p:cNvPr id="137" name="TextBox 136"/>
+          <p:cNvSpPr txBox="1"/>
+          <p:nvPr/>
+        </p:nvSpPr>
+        <p:spPr>
+          <a:xfrm>
+            <a:off x="13505109" y="3667700"/>
+            <a:ext cx="819455" cy="553998"/>
+          </a:xfrm>
+          <a:prstGeom prst="rect">
+            <a:avLst/>
+          </a:prstGeom>
+          <a:noFill/>
+        </p:spPr>
+        <p:txBody>
+          <a:bodyPr wrap="none" rtlCol="0">
+            <a:spAutoFit/>
+          </a:bodyPr>
+          <a:lstStyle/>
+          <a:p>
+            <a:r>
+              <a:rPr lang="en-US" sz="1000" dirty="0" smtClean="0">
+                <a:latin typeface="CMU Typewriter Text Variable Width Medium" charset="0"/>
+                <a:ea typeface="CMU Typewriter Text Variable Width Medium" charset="0"/>
+                <a:cs typeface="CMU Typewriter Text Variable Width Medium" charset="0"/>
+              </a:rPr>
+              <a:t>[collection </a:t>
+            </a:r>
+            <a:br>
+              <a:rPr lang="en-US" sz="1000" dirty="0" smtClean="0">
+                <a:latin typeface="CMU Typewriter Text Variable Width Medium" charset="0"/>
+                <a:ea typeface="CMU Typewriter Text Variable Width Medium" charset="0"/>
+                <a:cs typeface="CMU Typewriter Text Variable Width Medium" charset="0"/>
+              </a:rPr>
+            </a:br>
+            <a:r>
+              <a:rPr lang="en-US" sz="1000" dirty="0" smtClean="0">
+                <a:latin typeface="CMU Typewriter Text Variable Width Medium" charset="0"/>
+                <a:ea typeface="CMU Typewriter Text Variable Width Medium" charset="0"/>
+                <a:cs typeface="CMU Typewriter Text Variable Width Medium" charset="0"/>
+              </a:rPr>
+              <a:t>was </a:t>
+            </a:r>
+            <a:br>
+              <a:rPr lang="en-US" sz="1000" dirty="0" smtClean="0">
+                <a:latin typeface="CMU Typewriter Text Variable Width Medium" charset="0"/>
+                <a:ea typeface="CMU Typewriter Text Variable Width Medium" charset="0"/>
+                <a:cs typeface="CMU Typewriter Text Variable Width Medium" charset="0"/>
+              </a:rPr>
+            </a:br>
+            <a:r>
+              <a:rPr lang="en-US" sz="1000" dirty="0" smtClean="0">
+                <a:latin typeface="CMU Typewriter Text Variable Width Medium" charset="0"/>
+                <a:ea typeface="CMU Typewriter Text Variable Width Medium" charset="0"/>
+                <a:cs typeface="CMU Typewriter Text Variable Width Medium" charset="0"/>
+              </a:rPr>
+              <a:t>successful]</a:t>
+            </a:r>
+            <a:endParaRPr lang="en-US" sz="1000" dirty="0">
+              <a:latin typeface="CMU Typewriter Text Variable Width Medium" charset="0"/>
+              <a:ea typeface="CMU Typewriter Text Variable Width Medium" charset="0"/>
+              <a:cs typeface="CMU Typewriter Text Variable Width Medium" charset="0"/>
+            </a:endParaRPr>
+          </a:p>
+        </p:txBody>
+      </p:sp>
+      <p:sp>
+        <p:nvSpPr>
+          <p:cNvPr id="139" name="Diamond 138"/>
+          <p:cNvSpPr/>
+          <p:nvPr/>
+        </p:nvSpPr>
+        <p:spPr>
+          <a:xfrm>
+            <a:off x="5668008" y="3418403"/>
+            <a:ext cx="530034" cy="530034"/>
+          </a:xfrm>
+          <a:prstGeom prst="diamond">
+            <a:avLst/>
+          </a:prstGeom>
+          <a:solidFill>
+            <a:schemeClr val="bg1"/>
+          </a:solidFill>
+          <a:ln>
+            <a:solidFill>
+              <a:schemeClr val="tx1"/>
+            </a:solidFill>
+          </a:ln>
+        </p:spPr>
+        <p:style>
+          <a:lnRef idx="2">
+            <a:schemeClr val="accent1">
+              <a:shade val="50000"/>
+            </a:schemeClr>
+          </a:lnRef>
+          <a:fillRef idx="1">
+            <a:schemeClr val="accent1"/>
+          </a:fillRef>
+          <a:effectRef idx="0">
+            <a:schemeClr val="accent1"/>
+          </a:effectRef>
+          <a:fontRef idx="minor">
+            <a:schemeClr val="lt1"/>
+          </a:fontRef>
+        </p:style>
+        <p:txBody>
+          <a:bodyPr rot="0" spcFirstLastPara="0" vertOverflow="overflow" horzOverflow="overflow" vert="horz" wrap="square" lIns="91440" tIns="45720" rIns="91440" bIns="45720" numCol="1" spcCol="0" rtlCol="0" fromWordArt="0" anchor="ctr" anchorCtr="0" forceAA="0" compatLnSpc="1">
+            <a:prstTxWarp prst="textNoShape">
+              <a:avLst/>
+            </a:prstTxWarp>
+            <a:noAutofit/>
+          </a:bodyPr>
+          <a:lstStyle/>
+          <a:p>
+            <a:pPr algn="ctr"/>
+            <a:endParaRPr lang="en-US"/>
+          </a:p>
+        </p:txBody>
+      </p:sp>
+      <p:cxnSp>
+        <p:nvCxnSpPr>
+          <p:cNvPr id="142" name="Straight Arrow Connector 141"/>
+          <p:cNvCxnSpPr>
+            <a:stCxn id="139" idx="3"/>
+            <a:endCxn id="98" idx="1"/>
+          </p:cNvCxnSpPr>
+          <p:nvPr/>
+        </p:nvCxnSpPr>
+        <p:spPr>
+          <a:xfrm>
+            <a:off x="6198042" y="3683420"/>
+            <a:ext cx="732453" cy="0"/>
+          </a:xfrm>
+          <a:prstGeom prst="straightConnector1">
+            <a:avLst/>
+          </a:prstGeom>
+          <a:ln>
+            <a:solidFill>
+              <a:schemeClr val="tx1"/>
+            </a:solidFill>
+            <a:tailEnd type="triangle" w="lg" len="lg"/>
+          </a:ln>
+        </p:spPr>
+        <p:style>
+          <a:lnRef idx="1">
+            <a:schemeClr val="accent1"/>
+          </a:lnRef>
+          <a:fillRef idx="0">
+            <a:schemeClr val="accent1"/>
+          </a:fillRef>
+          <a:effectRef idx="0">
+            <a:schemeClr val="accent1"/>
+          </a:effectRef>
+          <a:fontRef idx="minor">
+            <a:schemeClr val="tx1"/>
+          </a:fontRef>
+        </p:style>
+      </p:cxnSp>
+      <p:sp>
+        <p:nvSpPr>
+          <p:cNvPr id="147" name="TextBox 146"/>
+          <p:cNvSpPr txBox="1"/>
+          <p:nvPr/>
+        </p:nvSpPr>
+        <p:spPr>
+          <a:xfrm>
+            <a:off x="6117229" y="3125024"/>
+            <a:ext cx="790601" cy="553998"/>
+          </a:xfrm>
+          <a:prstGeom prst="rect">
+            <a:avLst/>
+          </a:prstGeom>
+          <a:noFill/>
+        </p:spPr>
+        <p:txBody>
+          <a:bodyPr wrap="none" rtlCol="0">
+            <a:spAutoFit/>
+          </a:bodyPr>
+          <a:lstStyle/>
+          <a:p>
+            <a:r>
+              <a:rPr lang="en-US" sz="1000" dirty="0" smtClean="0">
+                <a:latin typeface="CMU Typewriter Text Variable Width Medium" charset="0"/>
+                <a:ea typeface="CMU Typewriter Text Variable Width Medium" charset="0"/>
+                <a:cs typeface="CMU Typewriter Text Variable Width Medium" charset="0"/>
+              </a:rPr>
+              <a:t>[no stop </a:t>
+            </a:r>
+            <a:br>
+              <a:rPr lang="en-US" sz="1000" dirty="0" smtClean="0">
+                <a:latin typeface="CMU Typewriter Text Variable Width Medium" charset="0"/>
+                <a:ea typeface="CMU Typewriter Text Variable Width Medium" charset="0"/>
+                <a:cs typeface="CMU Typewriter Text Variable Width Medium" charset="0"/>
+              </a:rPr>
+            </a:br>
+            <a:r>
+              <a:rPr lang="en-US" sz="1000" dirty="0" smtClean="0">
+                <a:latin typeface="CMU Typewriter Text Variable Width Medium" charset="0"/>
+                <a:ea typeface="CMU Typewriter Text Variable Width Medium" charset="0"/>
+                <a:cs typeface="CMU Typewriter Text Variable Width Medium" charset="0"/>
+              </a:rPr>
+              <a:t>condition</a:t>
+            </a:r>
+          </a:p>
+          <a:p>
+            <a:r>
+              <a:rPr lang="en-US" sz="1000" dirty="0" smtClean="0">
+                <a:latin typeface="CMU Typewriter Text Variable Width Medium" charset="0"/>
+                <a:ea typeface="CMU Typewriter Text Variable Width Medium" charset="0"/>
+                <a:cs typeface="CMU Typewriter Text Variable Width Medium" charset="0"/>
+              </a:rPr>
+              <a:t>is verified]</a:t>
+            </a:r>
+            <a:endParaRPr lang="en-US" sz="1000" dirty="0">
+              <a:latin typeface="CMU Typewriter Text Variable Width Medium" charset="0"/>
+              <a:ea typeface="CMU Typewriter Text Variable Width Medium" charset="0"/>
+              <a:cs typeface="CMU Typewriter Text Variable Width Medium" charset="0"/>
+            </a:endParaRPr>
+          </a:p>
+        </p:txBody>
+      </p:sp>
+      <p:cxnSp>
+        <p:nvCxnSpPr>
+          <p:cNvPr id="150" name="Straight Arrow Connector 149"/>
+          <p:cNvCxnSpPr>
+            <a:endCxn id="139" idx="1"/>
+          </p:cNvCxnSpPr>
+          <p:nvPr/>
+        </p:nvCxnSpPr>
+        <p:spPr>
+          <a:xfrm>
+            <a:off x="5266176" y="3683420"/>
+            <a:ext cx="401832" cy="0"/>
+          </a:xfrm>
+          <a:prstGeom prst="straightConnector1">
+            <a:avLst/>
+          </a:prstGeom>
+          <a:ln>
+            <a:solidFill>
+              <a:schemeClr val="tx1"/>
+            </a:solidFill>
+            <a:tailEnd type="triangle" w="lg" len="lg"/>
+          </a:ln>
+        </p:spPr>
+        <p:style>
+          <a:lnRef idx="1">
+            <a:schemeClr val="accent1"/>
+          </a:lnRef>
+          <a:fillRef idx="0">
+            <a:schemeClr val="accent1"/>
+          </a:fillRef>
+          <a:effectRef idx="0">
+            <a:schemeClr val="accent1"/>
+          </a:effectRef>
+          <a:fontRef idx="minor">
+            <a:schemeClr val="tx1"/>
+          </a:fontRef>
+        </p:style>
+      </p:cxnSp>
+      <p:sp>
+        <p:nvSpPr>
+          <p:cNvPr id="166" name="Rounded Rectangle 165"/>
+          <p:cNvSpPr/>
+          <p:nvPr/>
+        </p:nvSpPr>
+        <p:spPr>
+          <a:xfrm>
+            <a:off x="11660191" y="3340167"/>
+            <a:ext cx="982286" cy="693132"/>
+          </a:xfrm>
+          <a:prstGeom prst="roundRect">
+            <a:avLst/>
+          </a:prstGeom>
+          <a:solidFill>
+            <a:schemeClr val="bg1"/>
+          </a:solidFill>
+          <a:ln>
+            <a:solidFill>
+              <a:schemeClr val="tx1"/>
+            </a:solidFill>
+          </a:ln>
+        </p:spPr>
+        <p:style>
+          <a:lnRef idx="2">
+            <a:schemeClr val="accent1">
+              <a:shade val="50000"/>
+            </a:schemeClr>
+          </a:lnRef>
+          <a:fillRef idx="1">
+            <a:schemeClr val="accent1"/>
+          </a:fillRef>
+          <a:effectRef idx="0">
+            <a:schemeClr val="accent1"/>
+          </a:effectRef>
+          <a:fontRef idx="minor">
+            <a:schemeClr val="lt1"/>
+          </a:fontRef>
+        </p:style>
+        <p:txBody>
+          <a:bodyPr rot="0" spcFirstLastPara="0" vertOverflow="overflow" horzOverflow="overflow" vert="horz" wrap="square" lIns="91440" tIns="45720" rIns="91440" bIns="45720" numCol="1" spcCol="0" rtlCol="0" fromWordArt="0" anchor="ctr" anchorCtr="0" forceAA="0" compatLnSpc="1">
+            <a:prstTxWarp prst="textNoShape">
+              <a:avLst/>
+            </a:prstTxWarp>
+            <a:noAutofit/>
+          </a:bodyPr>
+          <a:lstStyle/>
+          <a:p>
+            <a:pPr algn="ctr"/>
+            <a:r>
+              <a:rPr lang="en-US" sz="1000" dirty="0" smtClean="0">
+                <a:solidFill>
+                  <a:schemeClr val="tx1"/>
+                </a:solidFill>
+                <a:latin typeface="CMU Typewriter Text Variable Width Medium" charset="0"/>
+                <a:ea typeface="CMU Typewriter Text Variable Width Medium" charset="0"/>
+                <a:cs typeface="CMU Typewriter Text Variable Width Medium" charset="0"/>
+              </a:rPr>
+              <a:t>Assessment of collected data</a:t>
+            </a:r>
+            <a:endParaRPr lang="en-US" sz="1000" dirty="0">
+              <a:solidFill>
+                <a:schemeClr val="tx1"/>
+              </a:solidFill>
+              <a:latin typeface="CMU Typewriter Text Variable Width Medium" charset="0"/>
+              <a:ea typeface="CMU Typewriter Text Variable Width Medium" charset="0"/>
+              <a:cs typeface="CMU Typewriter Text Variable Width Medium" charset="0"/>
+            </a:endParaRPr>
+          </a:p>
+        </p:txBody>
+      </p:sp>
+      <p:cxnSp>
+        <p:nvCxnSpPr>
+          <p:cNvPr id="168" name="Straight Arrow Connector 167"/>
+          <p:cNvCxnSpPr>
+            <a:stCxn id="166" idx="3"/>
+            <a:endCxn id="113" idx="1"/>
+          </p:cNvCxnSpPr>
+          <p:nvPr/>
+        </p:nvCxnSpPr>
+        <p:spPr>
+          <a:xfrm flipV="1">
+            <a:off x="12642477" y="3683420"/>
+            <a:ext cx="412784" cy="3313"/>
+          </a:xfrm>
+          <a:prstGeom prst="straightConnector1">
+            <a:avLst/>
+          </a:prstGeom>
+          <a:ln>
+            <a:solidFill>
+              <a:schemeClr val="tx1"/>
+            </a:solidFill>
+            <a:tailEnd type="triangle" w="lg" len="lg"/>
+          </a:ln>
+        </p:spPr>
+        <p:style>
+          <a:lnRef idx="1">
+            <a:schemeClr val="accent1"/>
+          </a:lnRef>
+          <a:fillRef idx="0">
+            <a:schemeClr val="accent1"/>
+          </a:fillRef>
+          <a:effectRef idx="0">
+            <a:schemeClr val="accent1"/>
+          </a:effectRef>
+          <a:fontRef idx="minor">
+            <a:schemeClr val="tx1"/>
+          </a:fontRef>
+        </p:style>
+      </p:cxnSp>
+      <p:cxnSp>
+        <p:nvCxnSpPr>
+          <p:cNvPr id="185" name="Straight Arrow Connector 184"/>
+          <p:cNvCxnSpPr>
+            <a:endCxn id="80" idx="1"/>
+          </p:cNvCxnSpPr>
+          <p:nvPr/>
+        </p:nvCxnSpPr>
+        <p:spPr>
+          <a:xfrm>
+            <a:off x="5266176" y="2023656"/>
+            <a:ext cx="8581414" cy="0"/>
+          </a:xfrm>
+          <a:prstGeom prst="straightConnector1">
+            <a:avLst/>
+          </a:prstGeom>
+          <a:ln>
+            <a:solidFill>
+              <a:schemeClr val="tx1"/>
+            </a:solidFill>
+            <a:tailEnd type="triangle" w="lg" len="lg"/>
+          </a:ln>
+        </p:spPr>
+        <p:style>
+          <a:lnRef idx="1">
+            <a:schemeClr val="accent1"/>
+          </a:lnRef>
+          <a:fillRef idx="0">
+            <a:schemeClr val="accent1"/>
+          </a:fillRef>
+          <a:effectRef idx="0">
+            <a:schemeClr val="accent1"/>
+          </a:effectRef>
+          <a:fontRef idx="minor">
+            <a:schemeClr val="tx1"/>
+          </a:fontRef>
+        </p:style>
+      </p:cxnSp>
+      <p:cxnSp>
+        <p:nvCxnSpPr>
+          <p:cNvPr id="194" name="Elbow Connector 193"/>
+          <p:cNvCxnSpPr>
+            <a:stCxn id="80" idx="3"/>
+            <a:endCxn id="46" idx="0"/>
+          </p:cNvCxnSpPr>
+          <p:nvPr/>
+        </p:nvCxnSpPr>
+        <p:spPr>
+          <a:xfrm>
+            <a:off x="14638409" y="2023656"/>
+            <a:ext cx="558103" cy="442730"/>
+          </a:xfrm>
+          <a:prstGeom prst="bentConnector2">
+            <a:avLst/>
+          </a:prstGeom>
+          <a:ln>
+            <a:solidFill>
+              <a:schemeClr val="tx1"/>
+            </a:solidFill>
+            <a:tailEnd type="triangle" w="lg" len="lg"/>
+          </a:ln>
+        </p:spPr>
+        <p:style>
+          <a:lnRef idx="1">
+            <a:schemeClr val="accent1"/>
+          </a:lnRef>
+          <a:fillRef idx="0">
+            <a:schemeClr val="accent1"/>
+          </a:fillRef>
+          <a:effectRef idx="0">
+            <a:schemeClr val="accent1"/>
+          </a:effectRef>
+          <a:fontRef idx="minor">
+            <a:schemeClr val="tx1"/>
+          </a:fontRef>
+        </p:style>
+      </p:cxnSp>
+      <p:cxnSp>
+        <p:nvCxnSpPr>
+          <p:cNvPr id="198" name="Elbow Connector 197"/>
+          <p:cNvCxnSpPr>
+            <a:stCxn id="98" idx="2"/>
+            <a:endCxn id="46" idx="4"/>
+          </p:cNvCxnSpPr>
+          <p:nvPr/>
+        </p:nvCxnSpPr>
+        <p:spPr>
+          <a:xfrm rot="5400000" flipH="1" flipV="1">
+            <a:off x="10542444" y="-705630"/>
+            <a:ext cx="1307135" cy="8001000"/>
+          </a:xfrm>
+          <a:prstGeom prst="bentConnector3">
+            <a:avLst>
+              <a:gd name="adj1" fmla="val -66676"/>
+            </a:avLst>
+          </a:prstGeom>
+          <a:ln>
+            <a:solidFill>
+              <a:schemeClr val="tx1"/>
+            </a:solidFill>
+            <a:tailEnd type="triangle" w="lg" len="lg"/>
+          </a:ln>
+        </p:spPr>
+        <p:style>
+          <a:lnRef idx="1">
+            <a:schemeClr val="accent1"/>
+          </a:lnRef>
+          <a:fillRef idx="0">
+            <a:schemeClr val="accent1"/>
+          </a:fillRef>
+          <a:effectRef idx="0">
+            <a:schemeClr val="accent1"/>
+          </a:effectRef>
+          <a:fontRef idx="minor">
+            <a:schemeClr val="tx1"/>
+          </a:fontRef>
+        </p:style>
+      </p:cxnSp>
+      <p:cxnSp>
+        <p:nvCxnSpPr>
+          <p:cNvPr id="202" name="Elbow Connector 201"/>
+          <p:cNvCxnSpPr>
+            <a:stCxn id="139" idx="2"/>
+            <a:endCxn id="45" idx="4"/>
+          </p:cNvCxnSpPr>
+          <p:nvPr/>
+        </p:nvCxnSpPr>
+        <p:spPr>
+          <a:xfrm rot="5400000" flipH="1" flipV="1">
+            <a:off x="9917479" y="-1330597"/>
+            <a:ext cx="1294580" cy="9263488"/>
+          </a:xfrm>
+          <a:prstGeom prst="bentConnector3">
+            <a:avLst>
+              <a:gd name="adj1" fmla="val -67241"/>
+            </a:avLst>
+          </a:prstGeom>
+          <a:ln>
+            <a:solidFill>
+              <a:schemeClr val="tx1"/>
+            </a:solidFill>
+            <a:tailEnd type="triangle" w="lg" len="lg"/>
+          </a:ln>
+        </p:spPr>
+        <p:style>
+          <a:lnRef idx="1">
+            <a:schemeClr val="accent1"/>
+          </a:lnRef>
+          <a:fillRef idx="0">
+            <a:schemeClr val="accent1"/>
+          </a:fillRef>
+          <a:effectRef idx="0">
+            <a:schemeClr val="accent1"/>
+          </a:effectRef>
+          <a:fontRef idx="minor">
+            <a:schemeClr val="tx1"/>
+          </a:fontRef>
+        </p:style>
+      </p:cxnSp>
+      <p:sp>
+        <p:nvSpPr>
+          <p:cNvPr id="211" name="TextBox 210"/>
+          <p:cNvSpPr txBox="1"/>
+          <p:nvPr/>
+        </p:nvSpPr>
+        <p:spPr>
+          <a:xfrm>
+            <a:off x="5938565" y="3958860"/>
+            <a:ext cx="790601" cy="553998"/>
+          </a:xfrm>
+          <a:prstGeom prst="rect">
+            <a:avLst/>
+          </a:prstGeom>
+          <a:noFill/>
+        </p:spPr>
+        <p:txBody>
+          <a:bodyPr wrap="none" rtlCol="0">
+            <a:spAutoFit/>
+          </a:bodyPr>
+          <a:lstStyle/>
+          <a:p>
+            <a:r>
+              <a:rPr lang="en-US" sz="1000" smtClean="0">
+                <a:latin typeface="CMU Typewriter Text Variable Width Medium" charset="0"/>
+                <a:ea typeface="CMU Typewriter Text Variable Width Medium" charset="0"/>
+                <a:cs typeface="CMU Typewriter Text Variable Width Medium" charset="0"/>
+              </a:rPr>
+              <a:t>[any </a:t>
+            </a:r>
+            <a:r>
+              <a:rPr lang="en-US" sz="1000" dirty="0" smtClean="0">
+                <a:latin typeface="CMU Typewriter Text Variable Width Medium" charset="0"/>
+                <a:ea typeface="CMU Typewriter Text Variable Width Medium" charset="0"/>
+                <a:cs typeface="CMU Typewriter Text Variable Width Medium" charset="0"/>
+              </a:rPr>
+              <a:t>stop </a:t>
+            </a:r>
+            <a:br>
+              <a:rPr lang="en-US" sz="1000" dirty="0" smtClean="0">
+                <a:latin typeface="CMU Typewriter Text Variable Width Medium" charset="0"/>
+                <a:ea typeface="CMU Typewriter Text Variable Width Medium" charset="0"/>
+                <a:cs typeface="CMU Typewriter Text Variable Width Medium" charset="0"/>
+              </a:rPr>
+            </a:br>
+            <a:r>
+              <a:rPr lang="en-US" sz="1000" dirty="0" smtClean="0">
+                <a:latin typeface="CMU Typewriter Text Variable Width Medium" charset="0"/>
+                <a:ea typeface="CMU Typewriter Text Variable Width Medium" charset="0"/>
+                <a:cs typeface="CMU Typewriter Text Variable Width Medium" charset="0"/>
+              </a:rPr>
+              <a:t>condition</a:t>
+            </a:r>
+          </a:p>
+          <a:p>
+            <a:r>
+              <a:rPr lang="en-US" sz="1000" dirty="0" smtClean="0">
+                <a:latin typeface="CMU Typewriter Text Variable Width Medium" charset="0"/>
+                <a:ea typeface="CMU Typewriter Text Variable Width Medium" charset="0"/>
+                <a:cs typeface="CMU Typewriter Text Variable Width Medium" charset="0"/>
+              </a:rPr>
+              <a:t>is verified]</a:t>
+            </a:r>
+            <a:endParaRPr lang="en-US" sz="1000" dirty="0">
+              <a:latin typeface="CMU Typewriter Text Variable Width Medium" charset="0"/>
+              <a:ea typeface="CMU Typewriter Text Variable Width Medium" charset="0"/>
+              <a:cs typeface="CMU Typewriter Text Variable Width Medium" charset="0"/>
+            </a:endParaRPr>
+          </a:p>
+        </p:txBody>
+      </p:sp>
+    </p:spTree>
+    <p:extLst>
+      <p:ext uri="{BB962C8B-B14F-4D97-AF65-F5344CB8AC3E}">
+        <p14:creationId xmlns:p14="http://schemas.microsoft.com/office/powerpoint/2010/main" val="1950742923"/>
+      </p:ext>
+    </p:extLst>
+  </p:cSld>
+  <p:clrMapOvr>
+    <a:masterClrMapping/>
+  </p:clrMapOvr>
+</p:sld>
+</file>
+
 <file path=ppt/theme/theme1.xml><?xml version="1.0" encoding="utf-8"?>
 <a:theme xmlns:a="http://schemas.openxmlformats.org/drawingml/2006/main" name="Office Theme">
   <a:themeElements>
-    <a:clrScheme name="Office">
+    <a:clrScheme name="Office Theme">
       <a:dk1>
         <a:sysClr val="windowText" lastClr="000000"/>
       </a:dk1>
@@ -8484,14 +10204,14 @@
         <a:srgbClr val="954F72"/>
       </a:folHlink>
     </a:clrScheme>
-    <a:fontScheme name="Office">
+    <a:fontScheme name="Office Theme">
       <a:majorFont>
         <a:latin typeface="Calibri Light" panose="020F0302020204030204"/>
         <a:ea typeface=""/>
         <a:cs typeface=""/>
-        <a:font script="Jpan" typeface="Yu Gothic Light"/>
+        <a:font script="Jpan" typeface="ＭＳ Ｐゴシック"/>
         <a:font script="Hang" typeface="맑은 고딕"/>
-        <a:font script="Hans" typeface="DengXian Light"/>
+        <a:font script="Hans" typeface="宋体"/>
         <a:font script="Hant" typeface="新細明體"/>
         <a:font script="Arab" typeface="Times New Roman"/>
         <a:font script="Hebr" typeface="Times New Roman"/>
@@ -8524,9 +10244,9 @@
         <a:latin typeface="Calibri" panose="020F0502020204030204"/>
         <a:ea typeface=""/>
         <a:cs typeface=""/>
-        <a:font script="Jpan" typeface="Yu Gothic"/>
+        <a:font script="Jpan" typeface="ＭＳ Ｐゴシック"/>
         <a:font script="Hang" typeface="맑은 고딕"/>
-        <a:font script="Hans" typeface="DengXian"/>
+        <a:font script="Hans" typeface="宋体"/>
         <a:font script="Hant" typeface="新細明體"/>
         <a:font script="Arab" typeface="Arial"/>
         <a:font script="Hebr" typeface="Arial"/>
@@ -8556,7 +10276,7 @@
         <a:font script="Geor" typeface="Sylfaen"/>
       </a:minorFont>
     </a:fontScheme>
-    <a:fmtScheme name="Office">
+    <a:fmtScheme name="Office Theme">
       <a:fillStyleLst>
         <a:solidFill>
           <a:schemeClr val="phClr"/>

--- a/images_src/misc_powerpoint.pptx
+++ b/images_src/misc_powerpoint.pptx
@@ -2,7 +2,7 @@
 <file path=ppt/presentation.xml><?xml version="1.0" encoding="utf-8"?>
 <p:presentation xmlns:a="http://schemas.openxmlformats.org/drawingml/2006/main" xmlns:r="http://schemas.openxmlformats.org/officeDocument/2006/relationships" xmlns:p="http://schemas.openxmlformats.org/presentationml/2006/main" saveSubsetFonts="1" autoCompressPictures="0">
   <p:sldMasterIdLst>
-    <p:sldMasterId id="2147483684" r:id="rId1"/>
+    <p:sldMasterId id="2147483696" r:id="rId1"/>
   </p:sldMasterIdLst>
   <p:notesMasterIdLst>
     <p:notesMasterId r:id="rId9"/>
@@ -16,7 +16,7 @@
     <p:sldId id="263" r:id="rId7"/>
     <p:sldId id="264" r:id="rId8"/>
   </p:sldIdLst>
-  <p:sldSz cx="18000663" cy="7747000"/>
+  <p:sldSz cx="14400213" cy="7747000"/>
   <p:notesSz cx="6858000" cy="9144000"/>
   <p:defaultTextStyle>
     <a:defPPr>
@@ -221,8 +221,8 @@
         </p:nvSpPr>
         <p:spPr>
           <a:xfrm>
-            <a:off x="-155575" y="1143000"/>
-            <a:ext cx="7169150" cy="3086100"/>
+            <a:off x="560388" y="1143000"/>
+            <a:ext cx="5737225" cy="3086100"/>
           </a:xfrm>
           <a:prstGeom prst="rect">
             <a:avLst/>
@@ -526,8 +526,8 @@
         </p:nvSpPr>
         <p:spPr>
           <a:xfrm>
-            <a:off x="-554038" y="685800"/>
-            <a:ext cx="7966076" cy="3429000"/>
+            <a:off x="241300" y="685800"/>
+            <a:ext cx="6375400" cy="3429000"/>
           </a:xfrm>
           <a:ln/>
         </p:spPr>
@@ -639,8 +639,8 @@
         </p:nvSpPr>
         <p:spPr>
           <a:xfrm>
-            <a:off x="-554038" y="685800"/>
-            <a:ext cx="7966076" cy="3429000"/>
+            <a:off x="241300" y="685800"/>
+            <a:ext cx="6375400" cy="3429000"/>
           </a:xfrm>
           <a:ln/>
         </p:spPr>
@@ -726,8 +726,8 @@
         </p:nvSpPr>
         <p:spPr>
           <a:xfrm>
-            <a:off x="2250083" y="1267854"/>
-            <a:ext cx="13500497" cy="2697104"/>
+            <a:off x="1800027" y="1267854"/>
+            <a:ext cx="10800160" cy="2697104"/>
           </a:xfrm>
         </p:spPr>
         <p:txBody>
@@ -758,8 +758,8 @@
         </p:nvSpPr>
         <p:spPr>
           <a:xfrm>
-            <a:off x="2250083" y="4068969"/>
-            <a:ext cx="13500497" cy="1870398"/>
+            <a:off x="1800027" y="4068969"/>
+            <a:ext cx="10800160" cy="1870398"/>
           </a:xfrm>
         </p:spPr>
         <p:txBody>
@@ -879,7 +879,7 @@
     </p:spTree>
     <p:extLst>
       <p:ext uri="{BB962C8B-B14F-4D97-AF65-F5344CB8AC3E}">
-        <p14:creationId xmlns:p14="http://schemas.microsoft.com/office/powerpoint/2010/main" val="314931153"/>
+        <p14:creationId xmlns:p14="http://schemas.microsoft.com/office/powerpoint/2010/main" val="1924130357"/>
       </p:ext>
     </p:extLst>
   </p:cSld>
@@ -1049,7 +1049,7 @@
     </p:spTree>
     <p:extLst>
       <p:ext uri="{BB962C8B-B14F-4D97-AF65-F5344CB8AC3E}">
-        <p14:creationId xmlns:p14="http://schemas.microsoft.com/office/powerpoint/2010/main" val="684790019"/>
+        <p14:creationId xmlns:p14="http://schemas.microsoft.com/office/powerpoint/2010/main" val="1870925266"/>
       </p:ext>
     </p:extLst>
   </p:cSld>
@@ -1088,8 +1088,8 @@
         </p:nvSpPr>
         <p:spPr>
           <a:xfrm>
-            <a:off x="12881724" y="412456"/>
-            <a:ext cx="3881393" cy="6565224"/>
+            <a:off x="10305152" y="412456"/>
+            <a:ext cx="3105046" cy="6565224"/>
           </a:xfrm>
         </p:spPr>
         <p:txBody>
@@ -1116,8 +1116,8 @@
         </p:nvSpPr>
         <p:spPr>
           <a:xfrm>
-            <a:off x="1237545" y="412456"/>
-            <a:ext cx="11419171" cy="6565224"/>
+            <a:off x="990015" y="412456"/>
+            <a:ext cx="9135135" cy="6565224"/>
           </a:xfrm>
         </p:spPr>
         <p:txBody>
@@ -1229,7 +1229,7 @@
     </p:spTree>
     <p:extLst>
       <p:ext uri="{BB962C8B-B14F-4D97-AF65-F5344CB8AC3E}">
-        <p14:creationId xmlns:p14="http://schemas.microsoft.com/office/powerpoint/2010/main" val="900985060"/>
+        <p14:creationId xmlns:p14="http://schemas.microsoft.com/office/powerpoint/2010/main" val="1185386288"/>
       </p:ext>
     </p:extLst>
   </p:cSld>
@@ -1399,7 +1399,7 @@
     </p:spTree>
     <p:extLst>
       <p:ext uri="{BB962C8B-B14F-4D97-AF65-F5344CB8AC3E}">
-        <p14:creationId xmlns:p14="http://schemas.microsoft.com/office/powerpoint/2010/main" val="1648182263"/>
+        <p14:creationId xmlns:p14="http://schemas.microsoft.com/office/powerpoint/2010/main" val="2050153573"/>
       </p:ext>
     </p:extLst>
   </p:cSld>
@@ -1438,8 +1438,8 @@
         </p:nvSpPr>
         <p:spPr>
           <a:xfrm>
-            <a:off x="1228170" y="1931371"/>
-            <a:ext cx="15525572" cy="3222536"/>
+            <a:off x="982514" y="1931371"/>
+            <a:ext cx="12420184" cy="3222536"/>
           </a:xfrm>
         </p:spPr>
         <p:txBody>
@@ -1470,8 +1470,8 @@
         </p:nvSpPr>
         <p:spPr>
           <a:xfrm>
-            <a:off x="1228170" y="5184394"/>
-            <a:ext cx="15525572" cy="1694656"/>
+            <a:off x="982514" y="5184394"/>
+            <a:ext cx="12420184" cy="1694656"/>
           </a:xfrm>
         </p:spPr>
         <p:txBody>
@@ -1645,7 +1645,7 @@
     </p:spTree>
     <p:extLst>
       <p:ext uri="{BB962C8B-B14F-4D97-AF65-F5344CB8AC3E}">
-        <p14:creationId xmlns:p14="http://schemas.microsoft.com/office/powerpoint/2010/main" val="607731588"/>
+        <p14:creationId xmlns:p14="http://schemas.microsoft.com/office/powerpoint/2010/main" val="555985296"/>
       </p:ext>
     </p:extLst>
   </p:cSld>
@@ -1707,8 +1707,8 @@
         </p:nvSpPr>
         <p:spPr>
           <a:xfrm>
-            <a:off x="1237545" y="2062280"/>
-            <a:ext cx="7650282" cy="4915400"/>
+            <a:off x="990014" y="2062280"/>
+            <a:ext cx="6120091" cy="4915400"/>
           </a:xfrm>
         </p:spPr>
         <p:txBody>
@@ -1764,8 +1764,8 @@
         </p:nvSpPr>
         <p:spPr>
           <a:xfrm>
-            <a:off x="9112836" y="2062280"/>
-            <a:ext cx="7650282" cy="4915400"/>
+            <a:off x="7290108" y="2062280"/>
+            <a:ext cx="6120091" cy="4915400"/>
           </a:xfrm>
         </p:spPr>
         <p:txBody>
@@ -1877,7 +1877,7 @@
     </p:spTree>
     <p:extLst>
       <p:ext uri="{BB962C8B-B14F-4D97-AF65-F5344CB8AC3E}">
-        <p14:creationId xmlns:p14="http://schemas.microsoft.com/office/powerpoint/2010/main" val="712574384"/>
+        <p14:creationId xmlns:p14="http://schemas.microsoft.com/office/powerpoint/2010/main" val="743521775"/>
       </p:ext>
     </p:extLst>
   </p:cSld>
@@ -1916,8 +1916,8 @@
         </p:nvSpPr>
         <p:spPr>
           <a:xfrm>
-            <a:off x="1239890" y="412457"/>
-            <a:ext cx="15525572" cy="1497395"/>
+            <a:off x="991890" y="412457"/>
+            <a:ext cx="12420184" cy="1497395"/>
           </a:xfrm>
         </p:spPr>
         <p:txBody>
@@ -1944,8 +1944,8 @@
         </p:nvSpPr>
         <p:spPr>
           <a:xfrm>
-            <a:off x="1239891" y="1899092"/>
-            <a:ext cx="7615123" cy="930715"/>
+            <a:off x="991891" y="1899092"/>
+            <a:ext cx="6091965" cy="930715"/>
           </a:xfrm>
         </p:spPr>
         <p:txBody>
@@ -2009,8 +2009,8 @@
         </p:nvSpPr>
         <p:spPr>
           <a:xfrm>
-            <a:off x="1239891" y="2829807"/>
-            <a:ext cx="7615123" cy="4162220"/>
+            <a:off x="991891" y="2829807"/>
+            <a:ext cx="6091965" cy="4162220"/>
           </a:xfrm>
         </p:spPr>
         <p:txBody>
@@ -2066,8 +2066,8 @@
         </p:nvSpPr>
         <p:spPr>
           <a:xfrm>
-            <a:off x="9112836" y="1899092"/>
-            <a:ext cx="7652626" cy="930715"/>
+            <a:off x="7290108" y="1899092"/>
+            <a:ext cx="6121966" cy="930715"/>
           </a:xfrm>
         </p:spPr>
         <p:txBody>
@@ -2131,8 +2131,8 @@
         </p:nvSpPr>
         <p:spPr>
           <a:xfrm>
-            <a:off x="9112836" y="2829807"/>
-            <a:ext cx="7652626" cy="4162220"/>
+            <a:off x="7290108" y="2829807"/>
+            <a:ext cx="6121966" cy="4162220"/>
           </a:xfrm>
         </p:spPr>
         <p:txBody>
@@ -2244,7 +2244,7 @@
     </p:spTree>
     <p:extLst>
       <p:ext uri="{BB962C8B-B14F-4D97-AF65-F5344CB8AC3E}">
-        <p14:creationId xmlns:p14="http://schemas.microsoft.com/office/powerpoint/2010/main" val="1868856216"/>
+        <p14:creationId xmlns:p14="http://schemas.microsoft.com/office/powerpoint/2010/main" val="163130532"/>
       </p:ext>
     </p:extLst>
   </p:cSld>
@@ -2362,7 +2362,7 @@
     </p:spTree>
     <p:extLst>
       <p:ext uri="{BB962C8B-B14F-4D97-AF65-F5344CB8AC3E}">
-        <p14:creationId xmlns:p14="http://schemas.microsoft.com/office/powerpoint/2010/main" val="770601290"/>
+        <p14:creationId xmlns:p14="http://schemas.microsoft.com/office/powerpoint/2010/main" val="1545717752"/>
       </p:ext>
     </p:extLst>
   </p:cSld>
@@ -2457,7 +2457,7 @@
     </p:spTree>
     <p:extLst>
       <p:ext uri="{BB962C8B-B14F-4D97-AF65-F5344CB8AC3E}">
-        <p14:creationId xmlns:p14="http://schemas.microsoft.com/office/powerpoint/2010/main" val="22005973"/>
+        <p14:creationId xmlns:p14="http://schemas.microsoft.com/office/powerpoint/2010/main" val="768580105"/>
       </p:ext>
     </p:extLst>
   </p:cSld>
@@ -2496,8 +2496,8 @@
         </p:nvSpPr>
         <p:spPr>
           <a:xfrm>
-            <a:off x="1239891" y="516467"/>
-            <a:ext cx="5805682" cy="1807633"/>
+            <a:off x="991891" y="516467"/>
+            <a:ext cx="4644443" cy="1807633"/>
           </a:xfrm>
         </p:spPr>
         <p:txBody>
@@ -2528,8 +2528,8 @@
         </p:nvSpPr>
         <p:spPr>
           <a:xfrm>
-            <a:off x="7652626" y="1115425"/>
-            <a:ext cx="9112836" cy="5505391"/>
+            <a:off x="6121966" y="1115425"/>
+            <a:ext cx="7290108" cy="5505391"/>
           </a:xfrm>
         </p:spPr>
         <p:txBody>
@@ -2613,8 +2613,8 @@
         </p:nvSpPr>
         <p:spPr>
           <a:xfrm>
-            <a:off x="1239891" y="2324100"/>
-            <a:ext cx="5805682" cy="4305683"/>
+            <a:off x="991891" y="2324100"/>
+            <a:ext cx="4644443" cy="4305683"/>
           </a:xfrm>
         </p:spPr>
         <p:txBody>
@@ -2734,7 +2734,7 @@
     </p:spTree>
     <p:extLst>
       <p:ext uri="{BB962C8B-B14F-4D97-AF65-F5344CB8AC3E}">
-        <p14:creationId xmlns:p14="http://schemas.microsoft.com/office/powerpoint/2010/main" val="487200927"/>
+        <p14:creationId xmlns:p14="http://schemas.microsoft.com/office/powerpoint/2010/main" val="411688030"/>
       </p:ext>
     </p:extLst>
   </p:cSld>
@@ -2773,8 +2773,8 @@
         </p:nvSpPr>
         <p:spPr>
           <a:xfrm>
-            <a:off x="1239891" y="516467"/>
-            <a:ext cx="5805682" cy="1807633"/>
+            <a:off x="991891" y="516467"/>
+            <a:ext cx="4644443" cy="1807633"/>
           </a:xfrm>
         </p:spPr>
         <p:txBody>
@@ -2805,8 +2805,8 @@
         </p:nvSpPr>
         <p:spPr>
           <a:xfrm>
-            <a:off x="7652626" y="1115425"/>
-            <a:ext cx="9112836" cy="5505391"/>
+            <a:off x="6121966" y="1115425"/>
+            <a:ext cx="7290108" cy="5505391"/>
           </a:xfrm>
         </p:spPr>
         <p:txBody>
@@ -2870,8 +2870,8 @@
         </p:nvSpPr>
         <p:spPr>
           <a:xfrm>
-            <a:off x="1239891" y="2324100"/>
-            <a:ext cx="5805682" cy="4305683"/>
+            <a:off x="991891" y="2324100"/>
+            <a:ext cx="4644443" cy="4305683"/>
           </a:xfrm>
         </p:spPr>
         <p:txBody>
@@ -2991,7 +2991,7 @@
     </p:spTree>
     <p:extLst>
       <p:ext uri="{BB962C8B-B14F-4D97-AF65-F5344CB8AC3E}">
-        <p14:creationId xmlns:p14="http://schemas.microsoft.com/office/powerpoint/2010/main" val="30834078"/>
+        <p14:creationId xmlns:p14="http://schemas.microsoft.com/office/powerpoint/2010/main" val="48409576"/>
       </p:ext>
     </p:extLst>
   </p:cSld>
@@ -3035,8 +3035,8 @@
         </p:nvSpPr>
         <p:spPr>
           <a:xfrm>
-            <a:off x="1237546" y="412457"/>
-            <a:ext cx="15525572" cy="1497395"/>
+            <a:off x="990015" y="412457"/>
+            <a:ext cx="12420184" cy="1497395"/>
           </a:xfrm>
           <a:prstGeom prst="rect">
             <a:avLst/>
@@ -3068,8 +3068,8 @@
         </p:nvSpPr>
         <p:spPr>
           <a:xfrm>
-            <a:off x="1237546" y="2062280"/>
-            <a:ext cx="15525572" cy="4915400"/>
+            <a:off x="990015" y="2062280"/>
+            <a:ext cx="12420184" cy="4915400"/>
           </a:xfrm>
           <a:prstGeom prst="rect">
             <a:avLst/>
@@ -3130,8 +3130,8 @@
         </p:nvSpPr>
         <p:spPr>
           <a:xfrm>
-            <a:off x="1237546" y="7180322"/>
-            <a:ext cx="4050149" cy="412456"/>
+            <a:off x="990015" y="7180322"/>
+            <a:ext cx="3240048" cy="412456"/>
           </a:xfrm>
           <a:prstGeom prst="rect">
             <a:avLst/>
@@ -3171,8 +3171,8 @@
         </p:nvSpPr>
         <p:spPr>
           <a:xfrm>
-            <a:off x="5962720" y="7180322"/>
-            <a:ext cx="6075224" cy="412456"/>
+            <a:off x="4770071" y="7180322"/>
+            <a:ext cx="4860072" cy="412456"/>
           </a:xfrm>
           <a:prstGeom prst="rect">
             <a:avLst/>
@@ -3208,8 +3208,8 @@
         </p:nvSpPr>
         <p:spPr>
           <a:xfrm>
-            <a:off x="12712968" y="7180322"/>
-            <a:ext cx="4050149" cy="412456"/>
+            <a:off x="10170150" y="7180322"/>
+            <a:ext cx="3240048" cy="412456"/>
           </a:xfrm>
           <a:prstGeom prst="rect">
             <a:avLst/>
@@ -3240,23 +3240,23 @@
     </p:spTree>
     <p:extLst>
       <p:ext uri="{BB962C8B-B14F-4D97-AF65-F5344CB8AC3E}">
-        <p14:creationId xmlns:p14="http://schemas.microsoft.com/office/powerpoint/2010/main" val="600424858"/>
+        <p14:creationId xmlns:p14="http://schemas.microsoft.com/office/powerpoint/2010/main" val="1241303045"/>
       </p:ext>
     </p:extLst>
   </p:cSld>
   <p:clrMap bg1="lt1" tx1="dk1" bg2="lt2" tx2="dk2" accent1="accent1" accent2="accent2" accent3="accent3" accent4="accent4" accent5="accent5" accent6="accent6" hlink="hlink" folHlink="folHlink"/>
   <p:sldLayoutIdLst>
-    <p:sldLayoutId id="2147483685" r:id="rId1"/>
-    <p:sldLayoutId id="2147483686" r:id="rId2"/>
-    <p:sldLayoutId id="2147483687" r:id="rId3"/>
-    <p:sldLayoutId id="2147483688" r:id="rId4"/>
-    <p:sldLayoutId id="2147483689" r:id="rId5"/>
-    <p:sldLayoutId id="2147483690" r:id="rId6"/>
-    <p:sldLayoutId id="2147483691" r:id="rId7"/>
-    <p:sldLayoutId id="2147483692" r:id="rId8"/>
-    <p:sldLayoutId id="2147483693" r:id="rId9"/>
-    <p:sldLayoutId id="2147483694" r:id="rId10"/>
-    <p:sldLayoutId id="2147483695" r:id="rId11"/>
+    <p:sldLayoutId id="2147483697" r:id="rId1"/>
+    <p:sldLayoutId id="2147483698" r:id="rId2"/>
+    <p:sldLayoutId id="2147483699" r:id="rId3"/>
+    <p:sldLayoutId id="2147483700" r:id="rId4"/>
+    <p:sldLayoutId id="2147483701" r:id="rId5"/>
+    <p:sldLayoutId id="2147483702" r:id="rId6"/>
+    <p:sldLayoutId id="2147483703" r:id="rId7"/>
+    <p:sldLayoutId id="2147483704" r:id="rId8"/>
+    <p:sldLayoutId id="2147483705" r:id="rId9"/>
+    <p:sldLayoutId id="2147483706" r:id="rId10"/>
+    <p:sldLayoutId id="2147483707" r:id="rId11"/>
   </p:sldLayoutIdLst>
   <p:txStyles>
     <p:titleStyle>
@@ -3604,7 +3604,7 @@
         </p:blipFill>
         <p:spPr>
           <a:xfrm>
-            <a:off x="9327694" y="2502734"/>
+            <a:off x="7527469" y="2502734"/>
             <a:ext cx="1164188" cy="182870"/>
           </a:xfrm>
           <a:ln>
@@ -3626,7 +3626,7 @@
         </p:nvSpPr>
         <p:spPr>
           <a:xfrm>
-            <a:off x="11910184" y="6228749"/>
+            <a:off x="10109959" y="6228749"/>
             <a:ext cx="1703838" cy="255078"/>
           </a:xfrm>
         </p:spPr>
@@ -3665,7 +3665,7 @@
         </p:blipFill>
         <p:spPr>
           <a:xfrm>
-            <a:off x="4388568" y="2504907"/>
+            <a:off x="2588343" y="2504907"/>
             <a:ext cx="2606180" cy="3474908"/>
           </a:xfrm>
           <a:prstGeom prst="rect">
@@ -3686,7 +3686,7 @@
         </p:nvSpPr>
         <p:spPr>
           <a:xfrm>
-            <a:off x="4779874" y="5985700"/>
+            <a:off x="2979650" y="5985700"/>
             <a:ext cx="1826939" cy="393506"/>
           </a:xfrm>
           <a:prstGeom prst="rect">
@@ -3715,7 +3715,7 @@
         </p:nvSpPr>
         <p:spPr bwMode="auto">
           <a:xfrm>
-            <a:off x="6995688" y="2498962"/>
+            <a:off x="5195463" y="2498963"/>
             <a:ext cx="1164188" cy="2740409"/>
           </a:xfrm>
           <a:prstGeom prst="rect">
@@ -3771,7 +3771,7 @@
         </p:nvSpPr>
         <p:spPr bwMode="auto">
           <a:xfrm>
-            <a:off x="6995688" y="5239369"/>
+            <a:off x="5195463" y="5239369"/>
             <a:ext cx="1164188" cy="740446"/>
           </a:xfrm>
           <a:prstGeom prst="rect">
@@ -3826,7 +3826,7 @@
         </p:nvSpPr>
         <p:spPr bwMode="auto">
           <a:xfrm>
-            <a:off x="8159877" y="2498962"/>
+            <a:off x="6359652" y="2498963"/>
             <a:ext cx="1164188" cy="497207"/>
           </a:xfrm>
           <a:prstGeom prst="rect">
@@ -3882,7 +3882,7 @@
         </p:nvSpPr>
         <p:spPr bwMode="auto">
           <a:xfrm>
-            <a:off x="8159877" y="2996167"/>
+            <a:off x="6359652" y="2996167"/>
             <a:ext cx="1164188" cy="2243200"/>
           </a:xfrm>
           <a:prstGeom prst="rect">
@@ -3937,7 +3937,7 @@
         </p:nvSpPr>
         <p:spPr bwMode="auto">
           <a:xfrm>
-            <a:off x="9324064" y="2687242"/>
+            <a:off x="7523839" y="2687242"/>
             <a:ext cx="1175752" cy="308922"/>
           </a:xfrm>
           <a:prstGeom prst="rect">
@@ -3992,7 +3992,7 @@
         </p:nvGrpSpPr>
         <p:grpSpPr>
           <a:xfrm>
-            <a:off x="10474389" y="2105302"/>
+            <a:off x="8674164" y="2105303"/>
             <a:ext cx="2649332" cy="2788941"/>
             <a:chOff x="5927455" y="748219"/>
             <a:chExt cx="2436167" cy="2564543"/>
@@ -4182,7 +4182,7 @@
         </p:nvSpPr>
         <p:spPr>
           <a:xfrm>
-            <a:off x="10432989" y="1873749"/>
+            <a:off x="8632764" y="1873750"/>
             <a:ext cx="2733672" cy="206289"/>
           </a:xfrm>
           <a:prstGeom prst="rect">
@@ -4348,7 +4348,7 @@
         </p:blipFill>
         <p:spPr>
           <a:xfrm>
-            <a:off x="4380632" y="1810781"/>
+            <a:off x="2580407" y="1810781"/>
             <a:ext cx="5189666" cy="4108094"/>
           </a:xfrm>
           <a:ln>
@@ -4396,7 +4396,7 @@
         </p:nvSpPr>
         <p:spPr bwMode="auto">
           <a:xfrm>
-            <a:off x="9209193" y="2188596"/>
+            <a:off x="7408968" y="2188597"/>
             <a:ext cx="1164188" cy="3062139"/>
           </a:xfrm>
           <a:prstGeom prst="rect">
@@ -4468,7 +4468,7 @@
         </p:nvSpPr>
         <p:spPr bwMode="auto">
           <a:xfrm>
-            <a:off x="9209193" y="5250736"/>
+            <a:off x="7408968" y="5250737"/>
             <a:ext cx="1164188" cy="448699"/>
           </a:xfrm>
           <a:prstGeom prst="rect">
@@ -4523,7 +4523,7 @@
         </p:nvSpPr>
         <p:spPr bwMode="auto">
           <a:xfrm>
-            <a:off x="8045005" y="2188596"/>
+            <a:off x="6244780" y="2188597"/>
             <a:ext cx="1164188" cy="3510837"/>
           </a:xfrm>
           <a:prstGeom prst="rect">
@@ -4595,7 +4595,7 @@
         </p:nvSpPr>
         <p:spPr bwMode="auto">
           <a:xfrm>
-            <a:off x="8045005" y="5704900"/>
+            <a:off x="6244780" y="5704900"/>
             <a:ext cx="1164188" cy="119342"/>
           </a:xfrm>
           <a:prstGeom prst="rect">
@@ -4650,7 +4650,7 @@
         </p:nvSpPr>
         <p:spPr bwMode="auto">
           <a:xfrm>
-            <a:off x="10373381" y="5037182"/>
+            <a:off x="8573156" y="5037183"/>
             <a:ext cx="1164188" cy="662251"/>
           </a:xfrm>
           <a:prstGeom prst="rect">
@@ -4705,7 +4705,7 @@
         </p:nvSpPr>
         <p:spPr bwMode="auto">
           <a:xfrm>
-            <a:off x="10373381" y="2183126"/>
+            <a:off x="8573156" y="2183127"/>
             <a:ext cx="1164188" cy="2854055"/>
           </a:xfrm>
           <a:prstGeom prst="rect">
@@ -4761,7 +4761,7 @@
         </p:nvSpPr>
         <p:spPr bwMode="auto">
           <a:xfrm>
-            <a:off x="11537570" y="2188596"/>
+            <a:off x="9737345" y="2188597"/>
             <a:ext cx="1164188" cy="933267"/>
           </a:xfrm>
           <a:prstGeom prst="rect">
@@ -4817,7 +4817,7 @@
         </p:nvSpPr>
         <p:spPr bwMode="auto">
           <a:xfrm>
-            <a:off x="11537570" y="3121860"/>
+            <a:off x="9737345" y="3121860"/>
             <a:ext cx="1164188" cy="976580"/>
           </a:xfrm>
           <a:prstGeom prst="rect">
@@ -4873,7 +4873,7 @@
         </p:nvSpPr>
         <p:spPr bwMode="auto">
           <a:xfrm>
-            <a:off x="11537570" y="4103914"/>
+            <a:off x="9737345" y="4103915"/>
             <a:ext cx="1164188" cy="1595519"/>
           </a:xfrm>
           <a:prstGeom prst="rect">
@@ -4960,7 +4960,7 @@
         </p:blipFill>
         <p:spPr bwMode="auto">
           <a:xfrm>
-            <a:off x="5332691" y="2188000"/>
+            <a:off x="3532466" y="2188000"/>
             <a:ext cx="2712798" cy="3632360"/>
           </a:xfrm>
           <a:prstGeom prst="rect">
@@ -5022,7 +5022,7 @@
         </p:nvSpPr>
         <p:spPr>
           <a:xfrm>
-            <a:off x="7078249" y="3425435"/>
+            <a:off x="5278024" y="3425435"/>
             <a:ext cx="658066" cy="658066"/>
           </a:xfrm>
           <a:prstGeom prst="ellipse">
@@ -5088,7 +5088,7 @@
         </p:nvSpPr>
         <p:spPr>
           <a:xfrm>
-            <a:off x="8347585" y="2843810"/>
+            <a:off x="6547360" y="2843810"/>
             <a:ext cx="2734628" cy="487102"/>
           </a:xfrm>
           <a:prstGeom prst="roundRect">
@@ -5189,7 +5189,7 @@
         </p:nvSpPr>
         <p:spPr>
           <a:xfrm>
-            <a:off x="8347585" y="3501876"/>
+            <a:off x="6547360" y="3501876"/>
             <a:ext cx="2734628" cy="487102"/>
           </a:xfrm>
           <a:prstGeom prst="roundRect">
@@ -5320,7 +5320,7 @@
         </p:nvSpPr>
         <p:spPr>
           <a:xfrm>
-            <a:off x="8347585" y="4159944"/>
+            <a:off x="6547360" y="4159945"/>
             <a:ext cx="2734628" cy="740489"/>
           </a:xfrm>
           <a:prstGeom prst="roundRect">
@@ -5432,7 +5432,7 @@
         </p:nvCxnSpPr>
         <p:spPr>
           <a:xfrm flipV="1">
-            <a:off x="7736315" y="3087362"/>
+            <a:off x="5936090" y="3087362"/>
             <a:ext cx="611270" cy="667106"/>
           </a:xfrm>
           <a:prstGeom prst="straightConnector1">
@@ -5471,7 +5471,7 @@
         </p:nvCxnSpPr>
         <p:spPr>
           <a:xfrm flipV="1">
-            <a:off x="7736315" y="3745427"/>
+            <a:off x="5936090" y="3745427"/>
             <a:ext cx="611270" cy="9040"/>
           </a:xfrm>
           <a:prstGeom prst="straightConnector1">
@@ -5510,7 +5510,7 @@
         </p:nvCxnSpPr>
         <p:spPr>
           <a:xfrm>
-            <a:off x="7736315" y="3754470"/>
+            <a:off x="5936090" y="3754471"/>
             <a:ext cx="611270" cy="775719"/>
           </a:xfrm>
           <a:prstGeom prst="straightConnector1">
@@ -5576,7 +5576,7 @@
         </p:nvSpPr>
         <p:spPr>
           <a:xfrm>
-            <a:off x="5165072" y="3592094"/>
+            <a:off x="3364847" y="3592094"/>
             <a:ext cx="658066" cy="658066"/>
           </a:xfrm>
           <a:prstGeom prst="ellipse">
@@ -5642,7 +5642,7 @@
         </p:nvSpPr>
         <p:spPr>
           <a:xfrm>
-            <a:off x="6434408" y="3010470"/>
+            <a:off x="4634183" y="3010470"/>
             <a:ext cx="2734628" cy="487102"/>
           </a:xfrm>
           <a:prstGeom prst="roundRect">
@@ -5743,7 +5743,7 @@
         </p:nvSpPr>
         <p:spPr>
           <a:xfrm>
-            <a:off x="6434408" y="3668535"/>
+            <a:off x="4634183" y="3668535"/>
             <a:ext cx="2734628" cy="487102"/>
           </a:xfrm>
           <a:prstGeom prst="roundRect">
@@ -5876,7 +5876,7 @@
         </p:nvSpPr>
         <p:spPr>
           <a:xfrm>
-            <a:off x="6434408" y="4326603"/>
+            <a:off x="4634183" y="4326604"/>
             <a:ext cx="2734628" cy="740489"/>
           </a:xfrm>
           <a:prstGeom prst="roundRect">
@@ -5990,7 +5990,7 @@
         </p:nvCxnSpPr>
         <p:spPr>
           <a:xfrm flipV="1">
-            <a:off x="5823138" y="3254021"/>
+            <a:off x="4022913" y="3254021"/>
             <a:ext cx="611270" cy="667106"/>
           </a:xfrm>
           <a:prstGeom prst="straightConnector1">
@@ -6029,7 +6029,7 @@
         </p:nvCxnSpPr>
         <p:spPr>
           <a:xfrm flipV="1">
-            <a:off x="5823138" y="3912087"/>
+            <a:off x="4022913" y="3912087"/>
             <a:ext cx="611270" cy="9040"/>
           </a:xfrm>
           <a:prstGeom prst="straightConnector1">
@@ -6068,7 +6068,7 @@
         </p:nvCxnSpPr>
         <p:spPr>
           <a:xfrm>
-            <a:off x="5823138" y="3921129"/>
+            <a:off x="4022913" y="3921130"/>
             <a:ext cx="611270" cy="775719"/>
           </a:xfrm>
           <a:prstGeom prst="straightConnector1">
@@ -6104,7 +6104,7 @@
         </p:nvSpPr>
         <p:spPr>
           <a:xfrm>
-            <a:off x="9803703" y="2608545"/>
+            <a:off x="8003478" y="2608546"/>
             <a:ext cx="2734628" cy="581625"/>
           </a:xfrm>
           <a:prstGeom prst="roundRect">
@@ -6172,7 +6172,7 @@
         </p:nvSpPr>
         <p:spPr>
           <a:xfrm>
-            <a:off x="9803703" y="3484848"/>
+            <a:off x="8003478" y="3484849"/>
             <a:ext cx="2734628" cy="581625"/>
           </a:xfrm>
           <a:prstGeom prst="roundRect">
@@ -6270,7 +6270,7 @@
         </p:nvSpPr>
         <p:spPr>
           <a:xfrm>
-            <a:off x="9803703" y="4776279"/>
+            <a:off x="8003478" y="4776280"/>
             <a:ext cx="2734628" cy="581625"/>
           </a:xfrm>
           <a:prstGeom prst="roundRect">
@@ -6401,7 +6401,7 @@
         </p:nvSpPr>
         <p:spPr>
           <a:xfrm>
-            <a:off x="9803703" y="4307375"/>
+            <a:off x="8003478" y="4307375"/>
             <a:ext cx="2734628" cy="248612"/>
           </a:xfrm>
           <a:prstGeom prst="roundRect">
@@ -6502,7 +6502,7 @@
         </p:nvCxnSpPr>
         <p:spPr>
           <a:xfrm flipV="1">
-            <a:off x="9169036" y="2899358"/>
+            <a:off x="7368811" y="2899359"/>
             <a:ext cx="634668" cy="354665"/>
           </a:xfrm>
           <a:prstGeom prst="straightConnector1">
@@ -6541,7 +6541,7 @@
         </p:nvCxnSpPr>
         <p:spPr>
           <a:xfrm>
-            <a:off x="9169036" y="3254021"/>
+            <a:off x="7368811" y="3254021"/>
             <a:ext cx="634668" cy="521638"/>
           </a:xfrm>
           <a:prstGeom prst="straightConnector1">
@@ -6580,7 +6580,7 @@
         </p:nvCxnSpPr>
         <p:spPr>
           <a:xfrm>
-            <a:off x="9169036" y="3254023"/>
+            <a:off x="7368811" y="3254024"/>
             <a:ext cx="634668" cy="1813069"/>
           </a:xfrm>
           <a:prstGeom prst="straightConnector1">
@@ -6619,7 +6619,7 @@
         </p:nvCxnSpPr>
         <p:spPr>
           <a:xfrm>
-            <a:off x="9169036" y="3254023"/>
+            <a:off x="7368811" y="3254024"/>
             <a:ext cx="634668" cy="1177661"/>
           </a:xfrm>
           <a:prstGeom prst="straightConnector1">
@@ -6658,7 +6658,7 @@
         </p:nvCxnSpPr>
         <p:spPr>
           <a:xfrm>
-            <a:off x="11171017" y="3190171"/>
+            <a:off x="9370792" y="3190172"/>
             <a:ext cx="0" cy="294677"/>
           </a:xfrm>
           <a:prstGeom prst="straightConnector1">
@@ -6697,7 +6697,7 @@
         </p:nvCxnSpPr>
         <p:spPr>
           <a:xfrm flipV="1">
-            <a:off x="12538331" y="3775661"/>
+            <a:off x="10738106" y="3775662"/>
             <a:ext cx="10358" cy="1291431"/>
           </a:xfrm>
           <a:prstGeom prst="bentConnector3">
@@ -6738,7 +6738,7 @@
         </p:nvCxnSpPr>
         <p:spPr>
           <a:xfrm>
-            <a:off x="11171017" y="4066471"/>
+            <a:off x="9370792" y="4066471"/>
             <a:ext cx="0" cy="240904"/>
           </a:xfrm>
           <a:prstGeom prst="straightConnector1">
@@ -6804,7 +6804,7 @@
         </p:nvSpPr>
         <p:spPr>
           <a:xfrm>
-            <a:off x="4597004" y="2138932"/>
+            <a:off x="2796780" y="2138933"/>
             <a:ext cx="742097" cy="497205"/>
           </a:xfrm>
           <a:prstGeom prst="flowChartMagneticDisk">
@@ -6870,7 +6870,7 @@
         </p:nvSpPr>
         <p:spPr>
           <a:xfrm>
-            <a:off x="4597004" y="3212446"/>
+            <a:off x="2796780" y="3212447"/>
             <a:ext cx="742097" cy="497205"/>
           </a:xfrm>
           <a:prstGeom prst="flowChartMagneticDisk">
@@ -6936,7 +6936,7 @@
         </p:nvSpPr>
         <p:spPr>
           <a:xfrm>
-            <a:off x="5783516" y="1912930"/>
+            <a:off x="3983292" y="1912931"/>
             <a:ext cx="742097" cy="949211"/>
           </a:xfrm>
           <a:prstGeom prst="flowChartMagneticDisk">
@@ -7005,7 +7005,7 @@
         </p:nvCxnSpPr>
         <p:spPr>
           <a:xfrm>
-            <a:off x="5339099" y="2387535"/>
+            <a:off x="3538874" y="2387536"/>
             <a:ext cx="444414" cy="1"/>
           </a:xfrm>
           <a:prstGeom prst="bentConnector3">
@@ -7046,7 +7046,7 @@
         </p:nvCxnSpPr>
         <p:spPr>
           <a:xfrm flipV="1">
-            <a:off x="5339099" y="2873440"/>
+            <a:off x="3538874" y="2873441"/>
             <a:ext cx="2022720" cy="587609"/>
           </a:xfrm>
           <a:prstGeom prst="bentConnector3">
@@ -7084,7 +7084,7 @@
         </p:nvSpPr>
         <p:spPr>
           <a:xfrm>
-            <a:off x="7361821" y="2398834"/>
+            <a:off x="5561597" y="2398835"/>
             <a:ext cx="742097" cy="949211"/>
           </a:xfrm>
           <a:prstGeom prst="flowChartMagneticDisk">
@@ -7153,7 +7153,7 @@
         </p:nvCxnSpPr>
         <p:spPr>
           <a:xfrm>
-            <a:off x="6525611" y="2387535"/>
+            <a:off x="4725386" y="2387536"/>
             <a:ext cx="836208" cy="485905"/>
           </a:xfrm>
           <a:prstGeom prst="bentConnector3">
@@ -7191,7 +7191,7 @@
         </p:nvSpPr>
         <p:spPr>
           <a:xfrm>
-            <a:off x="10393961" y="2398834"/>
+            <a:off x="8593737" y="2398835"/>
             <a:ext cx="742097" cy="949211"/>
           </a:xfrm>
           <a:prstGeom prst="flowChartMagneticDisk">
@@ -7260,7 +7260,7 @@
         </p:nvCxnSpPr>
         <p:spPr>
           <a:xfrm flipV="1">
-            <a:off x="8103918" y="2873439"/>
+            <a:off x="6303694" y="2873440"/>
             <a:ext cx="809815" cy="1"/>
           </a:xfrm>
           <a:prstGeom prst="bentConnector3">
@@ -7298,7 +7298,7 @@
         </p:nvSpPr>
         <p:spPr>
           <a:xfrm>
-            <a:off x="8913733" y="2593761"/>
+            <a:off x="7113509" y="2593762"/>
             <a:ext cx="828619" cy="559355"/>
           </a:xfrm>
           <a:prstGeom prst="rect">
@@ -7367,7 +7367,7 @@
         </p:nvCxnSpPr>
         <p:spPr>
           <a:xfrm>
-            <a:off x="9742352" y="2873439"/>
+            <a:off x="7942128" y="2873440"/>
             <a:ext cx="651609" cy="1"/>
           </a:xfrm>
           <a:prstGeom prst="bentConnector3">
@@ -7405,7 +7405,7 @@
         </p:nvSpPr>
         <p:spPr>
           <a:xfrm>
-            <a:off x="4642205" y="5560046"/>
+            <a:off x="2841981" y="5560047"/>
             <a:ext cx="742097" cy="497205"/>
           </a:xfrm>
           <a:prstGeom prst="flowChartMagneticDisk">
@@ -7471,7 +7471,7 @@
         </p:nvSpPr>
         <p:spPr>
           <a:xfrm>
-            <a:off x="7361821" y="4071259"/>
+            <a:off x="5561597" y="4071260"/>
             <a:ext cx="742097" cy="949211"/>
           </a:xfrm>
           <a:prstGeom prst="flowChartMagneticDisk">
@@ -7540,7 +7540,7 @@
         </p:nvCxnSpPr>
         <p:spPr>
           <a:xfrm>
-            <a:off x="6525611" y="2387536"/>
+            <a:off x="4725386" y="2387537"/>
             <a:ext cx="836208" cy="2158329"/>
           </a:xfrm>
           <a:prstGeom prst="bentConnector3">
@@ -7578,7 +7578,7 @@
         </p:nvCxnSpPr>
         <p:spPr>
           <a:xfrm>
-            <a:off x="5339099" y="3461048"/>
+            <a:off x="3538874" y="3461048"/>
             <a:ext cx="2022720" cy="1084816"/>
           </a:xfrm>
           <a:prstGeom prst="bentConnector3">
@@ -7616,7 +7616,7 @@
         </p:nvSpPr>
         <p:spPr>
           <a:xfrm>
-            <a:off x="9320539" y="5031771"/>
+            <a:off x="7520314" y="5031771"/>
             <a:ext cx="1114916" cy="754282"/>
           </a:xfrm>
           <a:prstGeom prst="rect">
@@ -7685,7 +7685,7 @@
         </p:nvCxnSpPr>
         <p:spPr>
           <a:xfrm flipV="1">
-            <a:off x="5384302" y="5408914"/>
+            <a:off x="3584078" y="5408915"/>
             <a:ext cx="3936239" cy="399735"/>
           </a:xfrm>
           <a:prstGeom prst="bentConnector3">
@@ -7726,7 +7726,7 @@
         </p:nvCxnSpPr>
         <p:spPr>
           <a:xfrm>
-            <a:off x="8103918" y="4545862"/>
+            <a:off x="6303694" y="4545862"/>
             <a:ext cx="403093" cy="2820"/>
           </a:xfrm>
           <a:prstGeom prst="bentConnector3">
@@ -7764,7 +7764,7 @@
         </p:nvSpPr>
         <p:spPr>
           <a:xfrm>
-            <a:off x="10834669" y="5067080"/>
+            <a:off x="9034444" y="5067080"/>
             <a:ext cx="824908" cy="675180"/>
           </a:xfrm>
           <a:prstGeom prst="cloud">
@@ -7833,7 +7833,7 @@
         </p:nvCxnSpPr>
         <p:spPr>
           <a:xfrm flipV="1">
-            <a:off x="10435457" y="5404670"/>
+            <a:off x="8635233" y="5404670"/>
             <a:ext cx="401773" cy="4242"/>
           </a:xfrm>
           <a:prstGeom prst="bentConnector3">
@@ -7871,7 +7871,7 @@
         </p:nvSpPr>
         <p:spPr>
           <a:xfrm>
-            <a:off x="12002910" y="5124993"/>
+            <a:off x="10202685" y="5124994"/>
             <a:ext cx="1114916" cy="559355"/>
           </a:xfrm>
           <a:prstGeom prst="rect">
@@ -7940,7 +7940,7 @@
         </p:nvCxnSpPr>
         <p:spPr>
           <a:xfrm flipH="1" flipV="1">
-            <a:off x="7732868" y="3348043"/>
+            <a:off x="5932643" y="3348043"/>
             <a:ext cx="5384958" cy="2056626"/>
           </a:xfrm>
           <a:prstGeom prst="bentConnector4">
@@ -7982,7 +7982,7 @@
         </p:nvCxnSpPr>
         <p:spPr>
           <a:xfrm flipV="1">
-            <a:off x="11658892" y="5404671"/>
+            <a:off x="9858668" y="5404672"/>
             <a:ext cx="344019" cy="1"/>
           </a:xfrm>
           <a:prstGeom prst="bentConnector3">
@@ -8023,7 +8023,7 @@
         </p:nvCxnSpPr>
         <p:spPr>
           <a:xfrm rot="16200000" flipV="1">
-            <a:off x="9619752" y="2184374"/>
+            <a:off x="7819527" y="2184374"/>
             <a:ext cx="1053734" cy="4827500"/>
           </a:xfrm>
           <a:prstGeom prst="bentConnector3">
@@ -8061,7 +8061,7 @@
         </p:nvSpPr>
         <p:spPr>
           <a:xfrm>
-            <a:off x="13117828" y="5438572"/>
+            <a:off x="11317604" y="5438573"/>
             <a:ext cx="607859" cy="243015"/>
           </a:xfrm>
           <a:prstGeom prst="rect">
@@ -8099,7 +8099,7 @@
         </p:nvSpPr>
         <p:spPr>
           <a:xfrm>
-            <a:off x="12539672" y="4886359"/>
+            <a:off x="10739447" y="4886360"/>
             <a:ext cx="405880" cy="243015"/>
           </a:xfrm>
           <a:prstGeom prst="rect">
@@ -8137,7 +8137,7 @@
         </p:nvSpPr>
         <p:spPr>
           <a:xfrm>
-            <a:off x="11699172" y="1658319"/>
+            <a:off x="9898947" y="1658319"/>
             <a:ext cx="1267020" cy="900478"/>
           </a:xfrm>
           <a:prstGeom prst="cloud">
@@ -8206,7 +8206,7 @@
         </p:nvCxnSpPr>
         <p:spPr>
           <a:xfrm flipV="1">
-            <a:off x="11136056" y="2557838"/>
+            <a:off x="9335831" y="2557838"/>
             <a:ext cx="1196626" cy="315600"/>
           </a:xfrm>
           <a:prstGeom prst="bentConnector2">
@@ -8245,7 +8245,7 @@
         </p:nvCxnSpPr>
         <p:spPr>
           <a:xfrm flipV="1">
-            <a:off x="8103916" y="2108561"/>
+            <a:off x="6303691" y="2108562"/>
             <a:ext cx="3599186" cy="764879"/>
           </a:xfrm>
           <a:prstGeom prst="bentConnector3">
@@ -8286,7 +8286,7 @@
         </p:nvCxnSpPr>
         <p:spPr>
           <a:xfrm>
-            <a:off x="6525611" y="2387533"/>
+            <a:off x="4725386" y="2387533"/>
             <a:ext cx="2794928" cy="3021378"/>
           </a:xfrm>
           <a:prstGeom prst="bentConnector3">
@@ -8324,7 +8324,7 @@
         </p:nvSpPr>
         <p:spPr>
           <a:xfrm>
-            <a:off x="8507010" y="4310674"/>
+            <a:off x="6706785" y="4310675"/>
             <a:ext cx="1114916" cy="476021"/>
           </a:xfrm>
           <a:prstGeom prst="rect">
@@ -8404,7 +8404,7 @@
         </p:nvCxnSpPr>
         <p:spPr>
           <a:xfrm>
-            <a:off x="9621925" y="4548683"/>
+            <a:off x="7821700" y="4548683"/>
             <a:ext cx="256072" cy="483088"/>
           </a:xfrm>
           <a:prstGeom prst="bentConnector2">
@@ -8470,7 +8470,7 @@
         </p:nvSpPr>
         <p:spPr>
           <a:xfrm>
-            <a:off x="3361980" y="2553845"/>
+            <a:off x="938955" y="3116881"/>
             <a:ext cx="200025" cy="200025"/>
           </a:xfrm>
           <a:prstGeom prst="ellipse">
@@ -8511,22 +8511,22 @@
           <a:lstStyle/>
           <a:p>
             <a:pPr algn="ctr"/>
-            <a:endParaRPr lang="en-US"/>
+            <a:endParaRPr lang="en-US" sz="1200"/>
           </a:p>
         </p:txBody>
       </p:sp>
       <p:grpSp>
         <p:nvGrpSpPr>
-          <p:cNvPr id="57" name="Group 56"/>
+          <p:cNvPr id="229" name="Group 228"/>
           <p:cNvGrpSpPr/>
           <p:nvPr/>
         </p:nvGrpSpPr>
         <p:grpSpPr>
           <a:xfrm>
-            <a:off x="15096500" y="2453832"/>
-            <a:ext cx="200025" cy="200025"/>
-            <a:chOff x="11844832" y="985836"/>
-            <a:chExt cx="200025" cy="200025"/>
+            <a:off x="12700852" y="2794607"/>
+            <a:ext cx="284554" cy="284554"/>
+            <a:chOff x="12700852" y="2794607"/>
+            <a:chExt cx="284554" cy="284554"/>
           </a:xfrm>
         </p:grpSpPr>
         <p:sp>
@@ -8537,8 +8537,8 @@
           </p:nvSpPr>
           <p:spPr>
             <a:xfrm>
-              <a:off x="11844832" y="985836"/>
-              <a:ext cx="200025" cy="200025"/>
+              <a:off x="12700852" y="2794607"/>
+              <a:ext cx="284554" cy="284554"/>
             </a:xfrm>
             <a:prstGeom prst="ellipse">
               <a:avLst/>
@@ -8578,7 +8578,7 @@
             <a:lstStyle/>
             <a:p>
               <a:pPr algn="ctr"/>
-              <a:endParaRPr lang="en-US"/>
+              <a:endParaRPr lang="en-US" sz="1200"/>
             </a:p>
           </p:txBody>
         </p:sp>
@@ -8590,14 +8590,14 @@
           </p:nvSpPr>
           <p:spPr>
             <a:xfrm>
-              <a:off x="11857386" y="998390"/>
-              <a:ext cx="174916" cy="174916"/>
+              <a:off x="12735725" y="2829480"/>
+              <a:ext cx="214809" cy="214809"/>
             </a:xfrm>
             <a:prstGeom prst="ellipse">
               <a:avLst/>
             </a:prstGeom>
             <a:noFill/>
-            <a:ln>
+            <a:ln w="22225">
               <a:solidFill>
                 <a:schemeClr val="bg1"/>
               </a:solidFill>
@@ -8629,7 +8629,7 @@
             <a:lstStyle/>
             <a:p>
               <a:pPr algn="ctr"/>
-              <a:endParaRPr lang="en-US"/>
+              <a:endParaRPr lang="en-US" sz="1200"/>
             </a:p>
           </p:txBody>
         </p:sp>
@@ -8642,8 +8642,8 @@
         </p:nvSpPr>
         <p:spPr>
           <a:xfrm>
-            <a:off x="3893246" y="2302069"/>
-            <a:ext cx="1032141" cy="703578"/>
+            <a:off x="1470221" y="2808849"/>
+            <a:ext cx="1032141" cy="816086"/>
           </a:xfrm>
           <a:prstGeom prst="roundRect">
             <a:avLst/>
@@ -8684,7 +8684,7 @@
           <a:p>
             <a:pPr algn="ctr"/>
             <a:r>
-              <a:rPr lang="en-US" sz="1000" dirty="0">
+              <a:rPr lang="en-US" sz="1200" dirty="0">
                 <a:solidFill>
                   <a:schemeClr val="tx1"/>
                 </a:solidFill>
@@ -8707,9 +8707,9 @@
           <p:nvPr/>
         </p:nvCxnSpPr>
         <p:spPr>
-          <a:xfrm>
-            <a:off x="3562005" y="2653858"/>
-            <a:ext cx="331241" cy="0"/>
+          <a:xfrm flipV="1">
+            <a:off x="1138980" y="3216892"/>
+            <a:ext cx="331241" cy="2"/>
           </a:xfrm>
           <a:prstGeom prst="straightConnector1">
             <a:avLst/>
@@ -8744,7 +8744,7 @@
         </p:nvSpPr>
         <p:spPr>
           <a:xfrm>
-            <a:off x="5226880" y="1777645"/>
+            <a:off x="2831232" y="2202947"/>
             <a:ext cx="45719" cy="2203804"/>
           </a:xfrm>
           <a:prstGeom prst="rect">
@@ -8783,7 +8783,7 @@
           <a:lstStyle/>
           <a:p>
             <a:pPr algn="ctr"/>
-            <a:endParaRPr lang="en-US"/>
+            <a:endParaRPr lang="en-US" sz="1200"/>
           </a:p>
         </p:txBody>
       </p:sp>
@@ -8796,9 +8796,9 @@
           <p:nvPr/>
         </p:nvCxnSpPr>
         <p:spPr>
-          <a:xfrm flipV="1">
-            <a:off x="4925387" y="2653857"/>
-            <a:ext cx="301493" cy="1"/>
+          <a:xfrm>
+            <a:off x="2502362" y="3216892"/>
+            <a:ext cx="331241" cy="0"/>
           </a:xfrm>
           <a:prstGeom prst="straightConnector1">
             <a:avLst/>
@@ -8833,8 +8833,8 @@
         </p:nvSpPr>
         <p:spPr>
           <a:xfrm>
-            <a:off x="13847590" y="1678008"/>
-            <a:ext cx="790819" cy="691296"/>
+            <a:off x="11265268" y="2103310"/>
+            <a:ext cx="1088334" cy="691296"/>
           </a:xfrm>
           <a:prstGeom prst="roundRect">
             <a:avLst/>
@@ -8875,7 +8875,7 @@
           <a:p>
             <a:pPr algn="ctr"/>
             <a:r>
-              <a:rPr lang="en-US" sz="1000">
+              <a:rPr lang="en-US" sz="1200">
                 <a:solidFill>
                   <a:schemeClr val="tx1"/>
                 </a:solidFill>
@@ -8885,7 +8885,7 @@
               </a:rPr>
               <a:t>Inference</a:t>
             </a:r>
-            <a:endParaRPr lang="en-US" sz="1000" dirty="0">
+            <a:endParaRPr lang="en-US" sz="1200" dirty="0">
               <a:solidFill>
                 <a:schemeClr val="tx1"/>
               </a:solidFill>
@@ -8904,8 +8904,8 @@
         </p:nvSpPr>
         <p:spPr>
           <a:xfrm>
-            <a:off x="8490891" y="3336854"/>
-            <a:ext cx="1301787" cy="693132"/>
+            <a:off x="6206083" y="3765468"/>
+            <a:ext cx="1450447" cy="689819"/>
           </a:xfrm>
           <a:prstGeom prst="roundRect">
             <a:avLst/>
@@ -8946,7 +8946,7 @@
           <a:p>
             <a:pPr algn="ctr"/>
             <a:r>
-              <a:rPr lang="en-US" sz="1000" dirty="0">
+              <a:rPr lang="en-US" sz="1200" dirty="0">
                 <a:solidFill>
                   <a:schemeClr val="tx1"/>
                 </a:solidFill>
@@ -8967,8 +8967,8 @@
         </p:nvSpPr>
         <p:spPr>
           <a:xfrm>
-            <a:off x="10152747" y="3340167"/>
-            <a:ext cx="1100742" cy="693132"/>
+            <a:off x="7978144" y="3765469"/>
+            <a:ext cx="1202738" cy="693132"/>
           </a:xfrm>
           <a:prstGeom prst="roundRect">
             <a:avLst/>
@@ -9009,7 +9009,7 @@
           <a:p>
             <a:pPr algn="ctr"/>
             <a:r>
-              <a:rPr lang="en-US" sz="1000" dirty="0">
+              <a:rPr lang="en-US" sz="1200" dirty="0">
                 <a:solidFill>
                   <a:schemeClr val="tx1"/>
                 </a:solidFill>
@@ -9020,7 +9020,7 @@
               <a:t>Data collection in </a:t>
             </a:r>
             <a:r>
-              <a:rPr lang="en-US" sz="1000" dirty="0" err="1">
+              <a:rPr lang="en-US" sz="1200" dirty="0" err="1">
                 <a:solidFill>
                   <a:schemeClr val="tx1"/>
                 </a:solidFill>
@@ -9030,7 +9030,7 @@
               </a:rPr>
               <a:t>CrowdFlower</a:t>
             </a:r>
-            <a:endParaRPr lang="en-US" sz="1000" dirty="0">
+            <a:endParaRPr lang="en-US" sz="1200" dirty="0">
               <a:solidFill>
                 <a:schemeClr val="tx1"/>
               </a:solidFill>
@@ -9049,7 +9049,7 @@
         </p:nvSpPr>
         <p:spPr>
           <a:xfrm>
-            <a:off x="6930495" y="3418403"/>
+            <a:off x="4590266" y="3843705"/>
             <a:ext cx="530034" cy="530034"/>
           </a:xfrm>
           <a:prstGeom prst="diamond">
@@ -9090,7 +9090,7 @@
           <a:lstStyle/>
           <a:p>
             <a:pPr algn="ctr"/>
-            <a:endParaRPr lang="en-US"/>
+            <a:endParaRPr lang="en-US" sz="1200"/>
           </a:p>
         </p:txBody>
       </p:sp>
@@ -9102,8 +9102,8 @@
         </p:nvSpPr>
         <p:spPr>
           <a:xfrm>
-            <a:off x="7409187" y="3125024"/>
-            <a:ext cx="1055097" cy="553998"/>
+            <a:off x="5068959" y="3454074"/>
+            <a:ext cx="1228221" cy="646331"/>
           </a:xfrm>
           <a:prstGeom prst="rect">
             <a:avLst/>
@@ -9117,45 +9117,45 @@
           <a:lstStyle/>
           <a:p>
             <a:r>
-              <a:rPr lang="en-US" sz="1000" dirty="0" smtClean="0">
+              <a:rPr lang="en-US" sz="1200" dirty="0">
                 <a:latin typeface="CMU Typewriter Text Variable Width Medium" charset="0"/>
                 <a:ea typeface="CMU Typewriter Text Variable Width Medium" charset="0"/>
                 <a:cs typeface="CMU Typewriter Text Variable Width Medium" charset="0"/>
               </a:rPr>
-              <a:t>[roads </a:t>
-            </a:r>
-            <a:r>
-              <a:rPr lang="en-US" sz="1000" smtClean="0">
+              <a:t>[roads lack </a:t>
+            </a:r>
+            <a:br>
+              <a:rPr lang="en-US" sz="1200" dirty="0">
                 <a:latin typeface="CMU Typewriter Text Variable Width Medium" charset="0"/>
                 <a:ea typeface="CMU Typewriter Text Variable Width Medium" charset="0"/>
                 <a:cs typeface="CMU Typewriter Text Variable Width Medium" charset="0"/>
               </a:rPr>
-              <a:t>lack </a:t>
-            </a:r>
-            <a:br>
-              <a:rPr lang="en-US" sz="1000" smtClean="0">
+            </a:br>
+            <a:r>
+              <a:rPr lang="en-US" sz="1200" dirty="0">
                 <a:latin typeface="CMU Typewriter Text Variable Width Medium" charset="0"/>
                 <a:ea typeface="CMU Typewriter Text Variable Width Medium" charset="0"/>
                 <a:cs typeface="CMU Typewriter Text Variable Width Medium" charset="0"/>
               </a:rPr>
-            </a:br>
-            <a:r>
-              <a:rPr lang="en-US" sz="1000" smtClean="0">
+              <a:t>house </a:t>
+            </a:r>
+            <a:r>
+              <a:rPr lang="en-US" sz="1200" dirty="0" smtClean="0">
                 <a:latin typeface="CMU Typewriter Text Variable Width Medium" charset="0"/>
                 <a:ea typeface="CMU Typewriter Text Variable Width Medium" charset="0"/>
                 <a:cs typeface="CMU Typewriter Text Variable Width Medium" charset="0"/>
               </a:rPr>
-              <a:t>house number </a:t>
+              <a:t>number </a:t>
             </a:r>
             <a:br>
-              <a:rPr lang="en-US" sz="1000" smtClean="0">
+              <a:rPr lang="en-US" sz="1200" dirty="0" smtClean="0">
                 <a:latin typeface="CMU Typewriter Text Variable Width Medium" charset="0"/>
                 <a:ea typeface="CMU Typewriter Text Variable Width Medium" charset="0"/>
                 <a:cs typeface="CMU Typewriter Text Variable Width Medium" charset="0"/>
               </a:rPr>
             </a:br>
             <a:r>
-              <a:rPr lang="en-US" sz="1000" smtClean="0">
+              <a:rPr lang="en-US" sz="1200" dirty="0" smtClean="0">
                 <a:latin typeface="CMU Typewriter Text Variable Width Medium" charset="0"/>
                 <a:ea typeface="CMU Typewriter Text Variable Width Medium" charset="0"/>
                 <a:cs typeface="CMU Typewriter Text Variable Width Medium" charset="0"/>
@@ -9163,14 +9163,14 @@
               <a:t>data</a:t>
             </a:r>
             <a:r>
-              <a:rPr lang="en-US" sz="1000" dirty="0" smtClean="0">
+              <a:rPr lang="en-US" sz="1200" dirty="0">
                 <a:latin typeface="CMU Typewriter Text Variable Width Medium" charset="0"/>
                 <a:ea typeface="CMU Typewriter Text Variable Width Medium" charset="0"/>
                 <a:cs typeface="CMU Typewriter Text Variable Width Medium" charset="0"/>
               </a:rPr>
               <a:t>]</a:t>
             </a:r>
-            <a:endParaRPr lang="en-US" sz="1000" dirty="0">
+            <a:endParaRPr lang="en-US" sz="1200" dirty="0">
               <a:latin typeface="CMU Typewriter Text Variable Width Medium" charset="0"/>
               <a:ea typeface="CMU Typewriter Text Variable Width Medium" charset="0"/>
               <a:cs typeface="CMU Typewriter Text Variable Width Medium" charset="0"/>
@@ -9186,8 +9186,8 @@
         </p:nvSpPr>
         <p:spPr>
           <a:xfrm>
-            <a:off x="7219627" y="3958860"/>
-            <a:ext cx="1055097" cy="553998"/>
+            <a:off x="4879399" y="4384162"/>
+            <a:ext cx="1228221" cy="646331"/>
           </a:xfrm>
           <a:prstGeom prst="rect">
             <a:avLst/>
@@ -9201,7 +9201,7 @@
           <a:lstStyle/>
           <a:p>
             <a:r>
-              <a:rPr lang="en-US" sz="1000" dirty="0" smtClean="0">
+              <a:rPr lang="en-US" sz="1200" dirty="0">
                 <a:latin typeface="CMU Typewriter Text Variable Width Medium" charset="0"/>
                 <a:ea typeface="CMU Typewriter Text Variable Width Medium" charset="0"/>
                 <a:cs typeface="CMU Typewriter Text Variable Width Medium" charset="0"/>
@@ -9209,14 +9209,14 @@
               <a:t>[no road lacks </a:t>
             </a:r>
             <a:br>
-              <a:rPr lang="en-US" sz="1000" dirty="0" smtClean="0">
+              <a:rPr lang="en-US" sz="1200" dirty="0">
                 <a:latin typeface="CMU Typewriter Text Variable Width Medium" charset="0"/>
                 <a:ea typeface="CMU Typewriter Text Variable Width Medium" charset="0"/>
                 <a:cs typeface="CMU Typewriter Text Variable Width Medium" charset="0"/>
               </a:rPr>
             </a:br>
             <a:r>
-              <a:rPr lang="en-US" sz="1000" dirty="0" smtClean="0">
+              <a:rPr lang="en-US" sz="1200" dirty="0">
                 <a:latin typeface="CMU Typewriter Text Variable Width Medium" charset="0"/>
                 <a:ea typeface="CMU Typewriter Text Variable Width Medium" charset="0"/>
                 <a:cs typeface="CMU Typewriter Text Variable Width Medium" charset="0"/>
@@ -9224,21 +9224,21 @@
               <a:t>house number </a:t>
             </a:r>
             <a:br>
-              <a:rPr lang="en-US" sz="1000" dirty="0" smtClean="0">
+              <a:rPr lang="en-US" sz="1200" dirty="0">
                 <a:latin typeface="CMU Typewriter Text Variable Width Medium" charset="0"/>
                 <a:ea typeface="CMU Typewriter Text Variable Width Medium" charset="0"/>
                 <a:cs typeface="CMU Typewriter Text Variable Width Medium" charset="0"/>
               </a:rPr>
             </a:br>
             <a:r>
-              <a:rPr lang="en-US" sz="1000" dirty="0" smtClean="0">
+              <a:rPr lang="en-US" sz="1200" dirty="0">
                 <a:latin typeface="CMU Typewriter Text Variable Width Medium" charset="0"/>
                 <a:ea typeface="CMU Typewriter Text Variable Width Medium" charset="0"/>
                 <a:cs typeface="CMU Typewriter Text Variable Width Medium" charset="0"/>
               </a:rPr>
               <a:t>data]</a:t>
             </a:r>
-            <a:endParaRPr lang="en-US" sz="1000" dirty="0">
+            <a:endParaRPr lang="en-US" sz="1200" dirty="0">
               <a:latin typeface="CMU Typewriter Text Variable Width Medium" charset="0"/>
               <a:ea typeface="CMU Typewriter Text Variable Width Medium" charset="0"/>
               <a:cs typeface="CMU Typewriter Text Variable Width Medium" charset="0"/>
@@ -9257,8 +9257,8 @@
         </p:nvCxnSpPr>
         <p:spPr>
           <a:xfrm>
-            <a:off x="7460529" y="3683420"/>
-            <a:ext cx="1030362" cy="0"/>
+            <a:off x="5120300" y="4108722"/>
+            <a:ext cx="1085783" cy="1656"/>
           </a:xfrm>
           <a:prstGeom prst="straightConnector1">
             <a:avLst/>
@@ -9296,8 +9296,8 @@
         </p:nvCxnSpPr>
         <p:spPr>
           <a:xfrm>
-            <a:off x="9792678" y="3683420"/>
-            <a:ext cx="360069" cy="3313"/>
+            <a:off x="7656530" y="4110378"/>
+            <a:ext cx="321614" cy="1657"/>
           </a:xfrm>
           <a:prstGeom prst="straightConnector1">
             <a:avLst/>
@@ -9332,7 +9332,7 @@
         </p:nvSpPr>
         <p:spPr>
           <a:xfrm>
-            <a:off x="13055261" y="3418403"/>
+            <a:off x="10978998" y="3843705"/>
             <a:ext cx="530034" cy="530034"/>
           </a:xfrm>
           <a:prstGeom prst="diamond">
@@ -9373,7 +9373,7 @@
           <a:lstStyle/>
           <a:p>
             <a:pPr algn="ctr"/>
-            <a:endParaRPr lang="en-US"/>
+            <a:endParaRPr lang="en-US" sz="1200"/>
           </a:p>
         </p:txBody>
       </p:sp>
@@ -9388,8 +9388,8 @@
         </p:nvCxnSpPr>
         <p:spPr>
           <a:xfrm>
-            <a:off x="11253489" y="3686733"/>
-            <a:ext cx="406702" cy="0"/>
+            <a:off x="9180882" y="4112035"/>
+            <a:ext cx="290752" cy="0"/>
           </a:xfrm>
           <a:prstGeom prst="straightConnector1">
             <a:avLst/>
@@ -9427,8 +9427,8 @@
         </p:nvCxnSpPr>
         <p:spPr>
           <a:xfrm flipV="1">
-            <a:off x="13585295" y="2369304"/>
-            <a:ext cx="657705" cy="1314116"/>
+            <a:off x="11509032" y="2794606"/>
+            <a:ext cx="300403" cy="1314116"/>
           </a:xfrm>
           <a:prstGeom prst="bentConnector2">
             <a:avLst/>
@@ -9466,12 +9466,12 @@
         </p:nvCxnSpPr>
         <p:spPr>
           <a:xfrm rot="16200000" flipV="1">
-            <a:off x="9626652" y="-275224"/>
-            <a:ext cx="12700" cy="7387253"/>
+            <a:off x="7390696" y="-9615"/>
+            <a:ext cx="12700" cy="7706639"/>
           </a:xfrm>
           <a:prstGeom prst="bentConnector3">
             <a:avLst>
-              <a:gd name="adj1" fmla="val 6141173"/>
+              <a:gd name="adj1" fmla="val 6709079"/>
             </a:avLst>
           </a:prstGeom>
           <a:ln>
@@ -9504,8 +9504,8 @@
         </p:nvSpPr>
         <p:spPr>
           <a:xfrm>
-            <a:off x="12254504" y="2619400"/>
-            <a:ext cx="1080745" cy="400110"/>
+            <a:off x="9987925" y="3003137"/>
+            <a:ext cx="1263487" cy="461665"/>
           </a:xfrm>
           <a:prstGeom prst="rect">
             <a:avLst/>
@@ -9519,7 +9519,7 @@
           <a:lstStyle/>
           <a:p>
             <a:r>
-              <a:rPr lang="en-US" sz="1000" dirty="0" smtClean="0">
+              <a:rPr lang="en-US" sz="1200" dirty="0">
                 <a:latin typeface="CMU Typewriter Text Variable Width Medium" charset="0"/>
                 <a:ea typeface="CMU Typewriter Text Variable Width Medium" charset="0"/>
                 <a:cs typeface="CMU Typewriter Text Variable Width Medium" charset="0"/>
@@ -9527,21 +9527,21 @@
               <a:t>[collection was </a:t>
             </a:r>
             <a:br>
-              <a:rPr lang="en-US" sz="1000" dirty="0" smtClean="0">
+              <a:rPr lang="en-US" sz="1200" dirty="0">
                 <a:latin typeface="CMU Typewriter Text Variable Width Medium" charset="0"/>
                 <a:ea typeface="CMU Typewriter Text Variable Width Medium" charset="0"/>
                 <a:cs typeface="CMU Typewriter Text Variable Width Medium" charset="0"/>
               </a:rPr>
             </a:br>
             <a:r>
-              <a:rPr lang="en-US" sz="1000" dirty="0" smtClean="0">
+              <a:rPr lang="en-US" sz="1200" dirty="0">
                 <a:latin typeface="CMU Typewriter Text Variable Width Medium" charset="0"/>
                 <a:ea typeface="CMU Typewriter Text Variable Width Medium" charset="0"/>
                 <a:cs typeface="CMU Typewriter Text Variable Width Medium" charset="0"/>
               </a:rPr>
               <a:t>not successful]</a:t>
             </a:r>
-            <a:endParaRPr lang="en-US" sz="1000" dirty="0">
+            <a:endParaRPr lang="en-US" sz="1200" dirty="0">
               <a:latin typeface="CMU Typewriter Text Variable Width Medium" charset="0"/>
               <a:ea typeface="CMU Typewriter Text Variable Width Medium" charset="0"/>
               <a:cs typeface="CMU Typewriter Text Variable Width Medium" charset="0"/>
@@ -9557,8 +9557,8 @@
         </p:nvSpPr>
         <p:spPr>
           <a:xfrm>
-            <a:off x="13505109" y="3667700"/>
-            <a:ext cx="819455" cy="553998"/>
+            <a:off x="11456554" y="4125086"/>
+            <a:ext cx="949299" cy="646331"/>
           </a:xfrm>
           <a:prstGeom prst="rect">
             <a:avLst/>
@@ -9572,7 +9572,7 @@
           <a:lstStyle/>
           <a:p>
             <a:r>
-              <a:rPr lang="en-US" sz="1000" dirty="0" smtClean="0">
+              <a:rPr lang="en-US" sz="1200" dirty="0">
                 <a:latin typeface="CMU Typewriter Text Variable Width Medium" charset="0"/>
                 <a:ea typeface="CMU Typewriter Text Variable Width Medium" charset="0"/>
                 <a:cs typeface="CMU Typewriter Text Variable Width Medium" charset="0"/>
@@ -9580,14 +9580,14 @@
               <a:t>[collection </a:t>
             </a:r>
             <a:br>
-              <a:rPr lang="en-US" sz="1000" dirty="0" smtClean="0">
+              <a:rPr lang="en-US" sz="1200" dirty="0">
                 <a:latin typeface="CMU Typewriter Text Variable Width Medium" charset="0"/>
                 <a:ea typeface="CMU Typewriter Text Variable Width Medium" charset="0"/>
                 <a:cs typeface="CMU Typewriter Text Variable Width Medium" charset="0"/>
               </a:rPr>
             </a:br>
             <a:r>
-              <a:rPr lang="en-US" sz="1000" dirty="0" smtClean="0">
+              <a:rPr lang="en-US" sz="1200" dirty="0">
                 <a:latin typeface="CMU Typewriter Text Variable Width Medium" charset="0"/>
                 <a:ea typeface="CMU Typewriter Text Variable Width Medium" charset="0"/>
                 <a:cs typeface="CMU Typewriter Text Variable Width Medium" charset="0"/>
@@ -9595,21 +9595,21 @@
               <a:t>was </a:t>
             </a:r>
             <a:br>
-              <a:rPr lang="en-US" sz="1000" dirty="0" smtClean="0">
+              <a:rPr lang="en-US" sz="1200" dirty="0">
                 <a:latin typeface="CMU Typewriter Text Variable Width Medium" charset="0"/>
                 <a:ea typeface="CMU Typewriter Text Variable Width Medium" charset="0"/>
                 <a:cs typeface="CMU Typewriter Text Variable Width Medium" charset="0"/>
               </a:rPr>
             </a:br>
             <a:r>
-              <a:rPr lang="en-US" sz="1000" dirty="0" smtClean="0">
+              <a:rPr lang="en-US" sz="1200" dirty="0">
                 <a:latin typeface="CMU Typewriter Text Variable Width Medium" charset="0"/>
                 <a:ea typeface="CMU Typewriter Text Variable Width Medium" charset="0"/>
                 <a:cs typeface="CMU Typewriter Text Variable Width Medium" charset="0"/>
               </a:rPr>
               <a:t>successful]</a:t>
             </a:r>
-            <a:endParaRPr lang="en-US" sz="1000" dirty="0">
+            <a:endParaRPr lang="en-US" sz="1200" dirty="0">
               <a:latin typeface="CMU Typewriter Text Variable Width Medium" charset="0"/>
               <a:ea typeface="CMU Typewriter Text Variable Width Medium" charset="0"/>
               <a:cs typeface="CMU Typewriter Text Variable Width Medium" charset="0"/>
@@ -9625,7 +9625,7 @@
         </p:nvSpPr>
         <p:spPr>
           <a:xfrm>
-            <a:off x="5668008" y="3418403"/>
+            <a:off x="3272359" y="3843705"/>
             <a:ext cx="530034" cy="530034"/>
           </a:xfrm>
           <a:prstGeom prst="diamond">
@@ -9666,7 +9666,7 @@
           <a:lstStyle/>
           <a:p>
             <a:pPr algn="ctr"/>
-            <a:endParaRPr lang="en-US"/>
+            <a:endParaRPr lang="en-US" sz="1200"/>
           </a:p>
         </p:txBody>
       </p:sp>
@@ -9681,8 +9681,8 @@
         </p:nvCxnSpPr>
         <p:spPr>
           <a:xfrm>
-            <a:off x="6198042" y="3683420"/>
-            <a:ext cx="732453" cy="0"/>
+            <a:off x="3802393" y="4108722"/>
+            <a:ext cx="787873" cy="0"/>
           </a:xfrm>
           <a:prstGeom prst="straightConnector1">
             <a:avLst/>
@@ -9717,8 +9717,8 @@
         </p:nvSpPr>
         <p:spPr>
           <a:xfrm>
-            <a:off x="6117229" y="3125024"/>
-            <a:ext cx="790601" cy="553998"/>
+            <a:off x="3713194" y="3462392"/>
+            <a:ext cx="915635" cy="646331"/>
           </a:xfrm>
           <a:prstGeom prst="rect">
             <a:avLst/>
@@ -9732,7 +9732,7 @@
           <a:lstStyle/>
           <a:p>
             <a:r>
-              <a:rPr lang="en-US" sz="1000" dirty="0" smtClean="0">
+              <a:rPr lang="en-US" sz="1200" dirty="0">
                 <a:latin typeface="CMU Typewriter Text Variable Width Medium" charset="0"/>
                 <a:ea typeface="CMU Typewriter Text Variable Width Medium" charset="0"/>
                 <a:cs typeface="CMU Typewriter Text Variable Width Medium" charset="0"/>
@@ -9740,14 +9740,14 @@
               <a:t>[no stop </a:t>
             </a:r>
             <a:br>
-              <a:rPr lang="en-US" sz="1000" dirty="0" smtClean="0">
+              <a:rPr lang="en-US" sz="1200" dirty="0">
                 <a:latin typeface="CMU Typewriter Text Variable Width Medium" charset="0"/>
                 <a:ea typeface="CMU Typewriter Text Variable Width Medium" charset="0"/>
                 <a:cs typeface="CMU Typewriter Text Variable Width Medium" charset="0"/>
               </a:rPr>
             </a:br>
             <a:r>
-              <a:rPr lang="en-US" sz="1000" dirty="0" smtClean="0">
+              <a:rPr lang="en-US" sz="1200" dirty="0">
                 <a:latin typeface="CMU Typewriter Text Variable Width Medium" charset="0"/>
                 <a:ea typeface="CMU Typewriter Text Variable Width Medium" charset="0"/>
                 <a:cs typeface="CMU Typewriter Text Variable Width Medium" charset="0"/>
@@ -9757,14 +9757,14 @@
           </a:p>
           <a:p>
             <a:r>
-              <a:rPr lang="en-US" sz="1000" dirty="0" smtClean="0">
+              <a:rPr lang="en-US" sz="1200" dirty="0">
                 <a:latin typeface="CMU Typewriter Text Variable Width Medium" charset="0"/>
                 <a:ea typeface="CMU Typewriter Text Variable Width Medium" charset="0"/>
                 <a:cs typeface="CMU Typewriter Text Variable Width Medium" charset="0"/>
               </a:rPr>
               <a:t>is verified]</a:t>
             </a:r>
-            <a:endParaRPr lang="en-US" sz="1000" dirty="0">
+            <a:endParaRPr lang="en-US" sz="1200" dirty="0">
               <a:latin typeface="CMU Typewriter Text Variable Width Medium" charset="0"/>
               <a:ea typeface="CMU Typewriter Text Variable Width Medium" charset="0"/>
               <a:cs typeface="CMU Typewriter Text Variable Width Medium" charset="0"/>
@@ -9782,7 +9782,7 @@
         </p:nvCxnSpPr>
         <p:spPr>
           <a:xfrm>
-            <a:off x="5266176" y="3683420"/>
+            <a:off x="2870527" y="4108722"/>
             <a:ext cx="401832" cy="0"/>
           </a:xfrm>
           <a:prstGeom prst="straightConnector1">
@@ -9818,8 +9818,8 @@
         </p:nvSpPr>
         <p:spPr>
           <a:xfrm>
-            <a:off x="11660191" y="3340167"/>
-            <a:ext cx="982286" cy="693132"/>
+            <a:off x="9471634" y="3765469"/>
+            <a:ext cx="1183662" cy="693132"/>
           </a:xfrm>
           <a:prstGeom prst="roundRect">
             <a:avLst/>
@@ -9860,7 +9860,7 @@
           <a:p>
             <a:pPr algn="ctr"/>
             <a:r>
-              <a:rPr lang="en-US" sz="1000" dirty="0" smtClean="0">
+              <a:rPr lang="en-US" sz="1200" dirty="0">
                 <a:solidFill>
                   <a:schemeClr val="tx1"/>
                 </a:solidFill>
@@ -9870,14 +9870,6 @@
               </a:rPr>
               <a:t>Assessment of collected data</a:t>
             </a:r>
-            <a:endParaRPr lang="en-US" sz="1000" dirty="0">
-              <a:solidFill>
-                <a:schemeClr val="tx1"/>
-              </a:solidFill>
-              <a:latin typeface="CMU Typewriter Text Variable Width Medium" charset="0"/>
-              <a:ea typeface="CMU Typewriter Text Variable Width Medium" charset="0"/>
-              <a:cs typeface="CMU Typewriter Text Variable Width Medium" charset="0"/>
-            </a:endParaRPr>
           </a:p>
         </p:txBody>
       </p:sp>
@@ -9892,8 +9884,8 @@
         </p:nvCxnSpPr>
         <p:spPr>
           <a:xfrm flipV="1">
-            <a:off x="12642477" y="3683420"/>
-            <a:ext cx="412784" cy="3313"/>
+            <a:off x="10655296" y="4108722"/>
+            <a:ext cx="323702" cy="3313"/>
           </a:xfrm>
           <a:prstGeom prst="straightConnector1">
             <a:avLst/>
@@ -9930,8 +9922,8 @@
         </p:nvCxnSpPr>
         <p:spPr>
           <a:xfrm>
-            <a:off x="5266176" y="2023656"/>
-            <a:ext cx="8581414" cy="0"/>
+            <a:off x="2831232" y="2448958"/>
+            <a:ext cx="8434036" cy="0"/>
           </a:xfrm>
           <a:prstGeom prst="straightConnector1">
             <a:avLst/>
@@ -9963,14 +9955,14 @@
           <p:cNvPr id="194" name="Elbow Connector 193"/>
           <p:cNvCxnSpPr>
             <a:stCxn id="80" idx="3"/>
-            <a:endCxn id="46" idx="0"/>
+            <a:endCxn id="45" idx="0"/>
           </p:cNvCxnSpPr>
           <p:nvPr/>
         </p:nvCxnSpPr>
         <p:spPr>
           <a:xfrm>
-            <a:off x="14638409" y="2023656"/>
-            <a:ext cx="558103" cy="442730"/>
+            <a:off x="12353602" y="2448958"/>
+            <a:ext cx="489527" cy="345649"/>
           </a:xfrm>
           <a:prstGeom prst="bentConnector2">
             <a:avLst/>
@@ -10002,18 +9994,18 @@
           <p:cNvPr id="198" name="Elbow Connector 197"/>
           <p:cNvCxnSpPr>
             <a:stCxn id="98" idx="2"/>
-            <a:endCxn id="46" idx="4"/>
+            <a:endCxn id="45" idx="4"/>
           </p:cNvCxnSpPr>
           <p:nvPr/>
         </p:nvCxnSpPr>
         <p:spPr>
           <a:xfrm rot="5400000" flipH="1" flipV="1">
-            <a:off x="10542444" y="-705630"/>
-            <a:ext cx="1307135" cy="8001000"/>
+            <a:off x="8201917" y="-267473"/>
+            <a:ext cx="1294578" cy="7987846"/>
           </a:xfrm>
           <a:prstGeom prst="bentConnector3">
             <a:avLst>
-              <a:gd name="adj1" fmla="val -66676"/>
+              <a:gd name="adj1" fmla="val -50834"/>
             </a:avLst>
           </a:prstGeom>
           <a:ln>
@@ -10049,12 +10041,12 @@
         </p:nvCxnSpPr>
         <p:spPr>
           <a:xfrm rot="5400000" flipH="1" flipV="1">
-            <a:off x="9917479" y="-1330597"/>
-            <a:ext cx="1294580" cy="9263488"/>
+            <a:off x="7542963" y="-926427"/>
+            <a:ext cx="1294578" cy="9305753"/>
           </a:xfrm>
           <a:prstGeom prst="bentConnector3">
             <a:avLst>
-              <a:gd name="adj1" fmla="val -67241"/>
+              <a:gd name="adj1" fmla="val -50834"/>
             </a:avLst>
           </a:prstGeom>
           <a:ln>
@@ -10087,8 +10079,8 @@
         </p:nvSpPr>
         <p:spPr>
           <a:xfrm>
-            <a:off x="5938565" y="3958860"/>
-            <a:ext cx="790601" cy="553998"/>
+            <a:off x="3542917" y="4384162"/>
+            <a:ext cx="915635" cy="646331"/>
           </a:xfrm>
           <a:prstGeom prst="rect">
             <a:avLst/>
@@ -10102,7 +10094,7 @@
           <a:lstStyle/>
           <a:p>
             <a:r>
-              <a:rPr lang="en-US" sz="1000" smtClean="0">
+              <a:rPr lang="en-US" sz="1200">
                 <a:latin typeface="CMU Typewriter Text Variable Width Medium" charset="0"/>
                 <a:ea typeface="CMU Typewriter Text Variable Width Medium" charset="0"/>
                 <a:cs typeface="CMU Typewriter Text Variable Width Medium" charset="0"/>
@@ -10110,7 +10102,7 @@
               <a:t>[any </a:t>
             </a:r>
             <a:r>
-              <a:rPr lang="en-US" sz="1000" dirty="0" smtClean="0">
+              <a:rPr lang="en-US" sz="1200" dirty="0">
                 <a:latin typeface="CMU Typewriter Text Variable Width Medium" charset="0"/>
                 <a:ea typeface="CMU Typewriter Text Variable Width Medium" charset="0"/>
                 <a:cs typeface="CMU Typewriter Text Variable Width Medium" charset="0"/>
@@ -10118,14 +10110,14 @@
               <a:t>stop </a:t>
             </a:r>
             <a:br>
-              <a:rPr lang="en-US" sz="1000" dirty="0" smtClean="0">
+              <a:rPr lang="en-US" sz="1200" dirty="0">
                 <a:latin typeface="CMU Typewriter Text Variable Width Medium" charset="0"/>
                 <a:ea typeface="CMU Typewriter Text Variable Width Medium" charset="0"/>
                 <a:cs typeface="CMU Typewriter Text Variable Width Medium" charset="0"/>
               </a:rPr>
             </a:br>
             <a:r>
-              <a:rPr lang="en-US" sz="1000" dirty="0" smtClean="0">
+              <a:rPr lang="en-US" sz="1200" dirty="0">
                 <a:latin typeface="CMU Typewriter Text Variable Width Medium" charset="0"/>
                 <a:ea typeface="CMU Typewriter Text Variable Width Medium" charset="0"/>
                 <a:cs typeface="CMU Typewriter Text Variable Width Medium" charset="0"/>
@@ -10135,14 +10127,14 @@
           </a:p>
           <a:p>
             <a:r>
-              <a:rPr lang="en-US" sz="1000" dirty="0" smtClean="0">
+              <a:rPr lang="en-US" sz="1200" dirty="0">
                 <a:latin typeface="CMU Typewriter Text Variable Width Medium" charset="0"/>
                 <a:ea typeface="CMU Typewriter Text Variable Width Medium" charset="0"/>
                 <a:cs typeface="CMU Typewriter Text Variable Width Medium" charset="0"/>
               </a:rPr>
               <a:t>is verified]</a:t>
             </a:r>
-            <a:endParaRPr lang="en-US" sz="1000" dirty="0">
+            <a:endParaRPr lang="en-US" sz="1200" dirty="0">
               <a:latin typeface="CMU Typewriter Text Variable Width Medium" charset="0"/>
               <a:ea typeface="CMU Typewriter Text Variable Width Medium" charset="0"/>
               <a:cs typeface="CMU Typewriter Text Variable Width Medium" charset="0"/>

--- a/images_src/misc_powerpoint.pptx
+++ b/images_src/misc_powerpoint.pptx
@@ -8523,7 +8523,7 @@
         </p:nvGrpSpPr>
         <p:grpSpPr>
           <a:xfrm>
-            <a:off x="12700852" y="2794607"/>
+            <a:off x="12449842" y="2794607"/>
             <a:ext cx="284554" cy="284554"/>
             <a:chOff x="12700852" y="2794607"/>
             <a:chExt cx="284554" cy="284554"/>
@@ -9962,7 +9962,7 @@
         <p:spPr>
           <a:xfrm>
             <a:off x="12353602" y="2448958"/>
-            <a:ext cx="489527" cy="345649"/>
+            <a:ext cx="238517" cy="345649"/>
           </a:xfrm>
           <a:prstGeom prst="bentConnector2">
             <a:avLst/>
@@ -10000,12 +10000,12 @@
         </p:nvCxnSpPr>
         <p:spPr>
           <a:xfrm rot="5400000" flipH="1" flipV="1">
-            <a:off x="8201917" y="-267473"/>
-            <a:ext cx="1294578" cy="7987846"/>
+            <a:off x="8076412" y="-141968"/>
+            <a:ext cx="1294578" cy="7736836"/>
           </a:xfrm>
           <a:prstGeom prst="bentConnector3">
             <a:avLst>
-              <a:gd name="adj1" fmla="val -50834"/>
+              <a:gd name="adj1" fmla="val -55052"/>
             </a:avLst>
           </a:prstGeom>
           <a:ln>
@@ -10041,12 +10041,12 @@
         </p:nvCxnSpPr>
         <p:spPr>
           <a:xfrm rot="5400000" flipH="1" flipV="1">
-            <a:off x="7542963" y="-926427"/>
-            <a:ext cx="1294578" cy="9305753"/>
+            <a:off x="7417458" y="-800922"/>
+            <a:ext cx="1294578" cy="9054743"/>
           </a:xfrm>
           <a:prstGeom prst="bentConnector3">
             <a:avLst>
-              <a:gd name="adj1" fmla="val -50834"/>
+              <a:gd name="adj1" fmla="val -55052"/>
             </a:avLst>
           </a:prstGeom>
           <a:ln>

--- a/images_src/misc_powerpoint.pptx
+++ b/images_src/misc_powerpoint.pptx
@@ -203,7 +203,7 @@
           <a:p>
             <a:fld id="{8A2C6B5F-9BC6-4B49-8DDC-1983D75D835F}" type="datetimeFigureOut">
               <a:rPr lang="en-US" smtClean="0"/>
-              <a:t>1/6/16</a:t>
+              <a:t>1/7/16</a:t>
             </a:fld>
             <a:endParaRPr lang="en-US"/>
           </a:p>
@@ -828,7 +828,7 @@
           <a:p>
             <a:fld id="{70491AAC-A65D-7044-B83C-B384503BD135}" type="datetimeFigureOut">
               <a:rPr lang="en-US" smtClean="0"/>
-              <a:t>1/6/16</a:t>
+              <a:t>1/7/16</a:t>
             </a:fld>
             <a:endParaRPr lang="en-US"/>
           </a:p>
@@ -998,7 +998,7 @@
           <a:p>
             <a:fld id="{70491AAC-A65D-7044-B83C-B384503BD135}" type="datetimeFigureOut">
               <a:rPr lang="en-US" smtClean="0"/>
-              <a:t>1/6/16</a:t>
+              <a:t>1/7/16</a:t>
             </a:fld>
             <a:endParaRPr lang="en-US"/>
           </a:p>
@@ -1178,7 +1178,7 @@
           <a:p>
             <a:fld id="{70491AAC-A65D-7044-B83C-B384503BD135}" type="datetimeFigureOut">
               <a:rPr lang="en-US" smtClean="0"/>
-              <a:t>1/6/16</a:t>
+              <a:t>1/7/16</a:t>
             </a:fld>
             <a:endParaRPr lang="en-US"/>
           </a:p>
@@ -1348,7 +1348,7 @@
           <a:p>
             <a:fld id="{70491AAC-A65D-7044-B83C-B384503BD135}" type="datetimeFigureOut">
               <a:rPr lang="en-US" smtClean="0"/>
-              <a:t>1/6/16</a:t>
+              <a:t>1/7/16</a:t>
             </a:fld>
             <a:endParaRPr lang="en-US"/>
           </a:p>
@@ -1594,7 +1594,7 @@
           <a:p>
             <a:fld id="{70491AAC-A65D-7044-B83C-B384503BD135}" type="datetimeFigureOut">
               <a:rPr lang="en-US" smtClean="0"/>
-              <a:t>1/6/16</a:t>
+              <a:t>1/7/16</a:t>
             </a:fld>
             <a:endParaRPr lang="en-US"/>
           </a:p>
@@ -1826,7 +1826,7 @@
           <a:p>
             <a:fld id="{70491AAC-A65D-7044-B83C-B384503BD135}" type="datetimeFigureOut">
               <a:rPr lang="en-US" smtClean="0"/>
-              <a:t>1/6/16</a:t>
+              <a:t>1/7/16</a:t>
             </a:fld>
             <a:endParaRPr lang="en-US"/>
           </a:p>
@@ -2193,7 +2193,7 @@
           <a:p>
             <a:fld id="{70491AAC-A65D-7044-B83C-B384503BD135}" type="datetimeFigureOut">
               <a:rPr lang="en-US" smtClean="0"/>
-              <a:t>1/6/16</a:t>
+              <a:t>1/7/16</a:t>
             </a:fld>
             <a:endParaRPr lang="en-US"/>
           </a:p>
@@ -2311,7 +2311,7 @@
           <a:p>
             <a:fld id="{70491AAC-A65D-7044-B83C-B384503BD135}" type="datetimeFigureOut">
               <a:rPr lang="en-US" smtClean="0"/>
-              <a:t>1/6/16</a:t>
+              <a:t>1/7/16</a:t>
             </a:fld>
             <a:endParaRPr lang="en-US"/>
           </a:p>
@@ -2406,7 +2406,7 @@
           <a:p>
             <a:fld id="{70491AAC-A65D-7044-B83C-B384503BD135}" type="datetimeFigureOut">
               <a:rPr lang="en-US" smtClean="0"/>
-              <a:t>1/6/16</a:t>
+              <a:t>1/7/16</a:t>
             </a:fld>
             <a:endParaRPr lang="en-US"/>
           </a:p>
@@ -2683,7 +2683,7 @@
           <a:p>
             <a:fld id="{70491AAC-A65D-7044-B83C-B384503BD135}" type="datetimeFigureOut">
               <a:rPr lang="en-US" smtClean="0"/>
-              <a:t>1/6/16</a:t>
+              <a:t>1/7/16</a:t>
             </a:fld>
             <a:endParaRPr lang="en-US"/>
           </a:p>
@@ -2940,7 +2940,7 @@
           <a:p>
             <a:fld id="{70491AAC-A65D-7044-B83C-B384503BD135}" type="datetimeFigureOut">
               <a:rPr lang="en-US" smtClean="0"/>
-              <a:t>1/6/16</a:t>
+              <a:t>1/7/16</a:t>
             </a:fld>
             <a:endParaRPr lang="en-US"/>
           </a:p>
@@ -3153,7 +3153,7 @@
           <a:p>
             <a:fld id="{70491AAC-A65D-7044-B83C-B384503BD135}" type="datetimeFigureOut">
               <a:rPr lang="en-US" smtClean="0"/>
-              <a:t>1/6/16</a:t>
+              <a:t>1/7/16</a:t>
             </a:fld>
             <a:endParaRPr lang="en-US"/>
           </a:p>
@@ -3558,29 +3558,6 @@
           <a:chExt cx="0" cy="0"/>
         </a:xfrm>
       </p:grpSpPr>
-      <p:sp>
-        <p:nvSpPr>
-          <p:cNvPr id="19458" name="Rectangle 4"/>
-          <p:cNvSpPr>
-            <a:spLocks noGrp="1" noChangeArrowheads="1"/>
-          </p:cNvSpPr>
-          <p:nvPr>
-            <p:ph type="title"/>
-          </p:nvPr>
-        </p:nvSpPr>
-        <p:spPr/>
-        <p:txBody>
-          <a:bodyPr/>
-          <a:lstStyle/>
-          <a:p>
-            <a:r>
-              <a:rPr lang="en-GB" dirty="0" smtClean="0"/>
-              <a:t>Geographic scope</a:t>
-            </a:r>
-            <a:endParaRPr lang="en-GB" dirty="0"/>
-          </a:p>
-        </p:txBody>
-      </p:sp>
       <p:pic>
         <p:nvPicPr>
           <p:cNvPr id="12" name="Content Placeholder 4"/>
@@ -3614,35 +3591,6 @@
           </a:ln>
         </p:spPr>
       </p:pic>
-      <p:sp>
-        <p:nvSpPr>
-          <p:cNvPr id="2" name="Slide Number Placeholder 1"/>
-          <p:cNvSpPr>
-            <a:spLocks noGrp="1"/>
-          </p:cNvSpPr>
-          <p:nvPr>
-            <p:ph type="sldNum" sz="quarter" idx="12"/>
-          </p:nvPr>
-        </p:nvSpPr>
-        <p:spPr>
-          <a:xfrm>
-            <a:off x="10109959" y="6228749"/>
-            <a:ext cx="1703838" cy="255078"/>
-          </a:xfrm>
-        </p:spPr>
-        <p:txBody>
-          <a:bodyPr/>
-          <a:lstStyle/>
-          <a:p>
-            <a:fld id="{03AC6681-E0FD-2C4C-B392-04A572FD2AAE}" type="slidenum">
-              <a:rPr lang="en-GB" smtClean="0"/>
-              <a:pPr/>
-              <a:t>1</a:t>
-            </a:fld>
-            <a:endParaRPr lang="en-GB" dirty="0"/>
-          </a:p>
-        </p:txBody>
-      </p:sp>
       <p:pic>
         <p:nvPicPr>
           <p:cNvPr id="3" name="Picture 2"/>
@@ -3653,6 +3601,16 @@
         </p:nvPicPr>
         <p:blipFill>
           <a:blip r:embed="rId4" cstate="print">
+            <a:clrChange>
+              <a:clrFrom>
+                <a:srgbClr val="CDCDCD"/>
+              </a:clrFrom>
+              <a:clrTo>
+                <a:srgbClr val="CDCDCD">
+                  <a:alpha val="0"/>
+                </a:srgbClr>
+              </a:clrTo>
+            </a:clrChange>
             <a:extLst>
               <a:ext uri="{28A0092B-C50C-407E-A947-70E740481C1C}">
                 <a14:useLocalDpi xmlns:a14="http://schemas.microsoft.com/office/drawing/2010/main"/>
@@ -3665,8 +3623,8 @@
         </p:blipFill>
         <p:spPr>
           <a:xfrm>
-            <a:off x="2588343" y="2504907"/>
-            <a:ext cx="2606180" cy="3474908"/>
+            <a:off x="2588343" y="2509114"/>
+            <a:ext cx="2606180" cy="3464174"/>
           </a:xfrm>
           <a:prstGeom prst="rect">
             <a:avLst/>
@@ -3686,8 +3644,8 @@
         </p:nvSpPr>
         <p:spPr>
           <a:xfrm>
-            <a:off x="2979650" y="5985700"/>
-            <a:ext cx="1826939" cy="393506"/>
+            <a:off x="2587404" y="5985700"/>
+            <a:ext cx="2607120" cy="276999"/>
           </a:xfrm>
           <a:prstGeom prst="rect">
             <a:avLst/>
@@ -3700,8 +3658,13 @@
           </a:bodyPr>
           <a:lstStyle/>
           <a:p>
-            <a:r>
-              <a:rPr lang="en-US" sz="1957"/>
+            <a:pPr algn="ctr"/>
+            <a:r>
+              <a:rPr lang="en-US" sz="1200">
+                <a:latin typeface="CMU Typewriter Text Variable Width Medium" charset="0"/>
+                <a:ea typeface="CMU Typewriter Text Variable Width Medium" charset="0"/>
+                <a:cs typeface="CMU Typewriter Text Variable Width Medium" charset="0"/>
+              </a:rPr>
               <a:t>35m addresses</a:t>
             </a:r>
           </a:p>
@@ -3753,10 +3716,10 @@
               </a:spcAft>
             </a:pPr>
             <a:r>
-              <a:rPr lang="en-US" sz="1305" dirty="0">
-                <a:latin typeface="Lucida Sans" pitchFamily="-106" charset="0"/>
-                <a:ea typeface="ＭＳ Ｐゴシック" pitchFamily="-106" charset="-128"/>
-                <a:cs typeface="ＭＳ Ｐゴシック" pitchFamily="-106" charset="-128"/>
+              <a:rPr lang="en-US" sz="1200" dirty="0">
+                <a:latin typeface="CMU Typewriter Text Variable Width Medium" charset="0"/>
+                <a:ea typeface="CMU Typewriter Text Variable Width Medium" charset="0"/>
+                <a:cs typeface="CMU Typewriter Text Variable Width Medium" charset="0"/>
               </a:rPr>
               <a:t>84% of addresses are in England and Wales</a:t>
             </a:r>
@@ -3810,10 +3773,10 @@
                 <a:spcPct val="0"/>
               </a:spcAft>
             </a:pPr>
-            <a:endParaRPr lang="en-US" sz="1305" dirty="0">
-              <a:latin typeface="Lucida Sans" pitchFamily="-106" charset="0"/>
-              <a:ea typeface="ＭＳ Ｐゴシック" pitchFamily="-106" charset="-128"/>
-              <a:cs typeface="ＭＳ Ｐゴシック" pitchFamily="-106" charset="-128"/>
+            <a:endParaRPr lang="en-US" sz="1200" dirty="0">
+              <a:latin typeface="CMU Typewriter Text Variable Width Medium" charset="0"/>
+              <a:ea typeface="CMU Typewriter Text Variable Width Medium" charset="0"/>
+              <a:cs typeface="CMU Typewriter Text Variable Width Medium" charset="0"/>
             </a:endParaRPr>
           </a:p>
         </p:txBody>
@@ -3864,10 +3827,10 @@
               </a:spcAft>
             </a:pPr>
             <a:r>
-              <a:rPr lang="en-US" sz="1305" dirty="0">
-                <a:latin typeface="Lucida Sans" pitchFamily="-106" charset="0"/>
-                <a:ea typeface="ＭＳ Ｐゴシック" pitchFamily="-106" charset="-128"/>
-                <a:cs typeface="ＭＳ Ｐゴシック" pitchFamily="-106" charset="-128"/>
+              <a:rPr lang="en-US" sz="1200" dirty="0">
+                <a:latin typeface="CMU Typewriter Text Variable Width Medium" charset="0"/>
+                <a:ea typeface="CMU Typewriter Text Variable Width Medium" charset="0"/>
+                <a:cs typeface="CMU Typewriter Text Variable Width Medium" charset="0"/>
               </a:rPr>
               <a:t>14% in London</a:t>
             </a:r>
@@ -3921,10 +3884,10 @@
                 <a:spcPct val="0"/>
               </a:spcAft>
             </a:pPr>
-            <a:endParaRPr lang="en-US" sz="1305" dirty="0">
-              <a:latin typeface="Lucida Sans" pitchFamily="-106" charset="0"/>
-              <a:ea typeface="ＭＳ Ｐゴシック" pitchFamily="-106" charset="-128"/>
-              <a:cs typeface="ＭＳ Ｐゴシック" pitchFamily="-106" charset="-128"/>
+            <a:endParaRPr lang="en-US" sz="1200" dirty="0">
+              <a:latin typeface="CMU Typewriter Text Variable Width Medium" charset="0"/>
+              <a:ea typeface="CMU Typewriter Text Variable Width Medium" charset="0"/>
+              <a:cs typeface="CMU Typewriter Text Variable Width Medium" charset="0"/>
             </a:endParaRPr>
           </a:p>
         </p:txBody>
@@ -3976,10 +3939,10 @@
                 <a:spcPct val="0"/>
               </a:spcAft>
             </a:pPr>
-            <a:endParaRPr lang="en-US" sz="1305" dirty="0">
-              <a:latin typeface="Lucida Sans" pitchFamily="-106" charset="0"/>
-              <a:ea typeface="ＭＳ Ｐゴシック" pitchFamily="-106" charset="-128"/>
-              <a:cs typeface="ＭＳ Ｐゴシック" pitchFamily="-106" charset="-128"/>
+            <a:endParaRPr lang="en-US" sz="1200" dirty="0">
+              <a:latin typeface="CMU Typewriter Text Variable Width Medium" charset="0"/>
+              <a:ea typeface="CMU Typewriter Text Variable Width Medium" charset="0"/>
+              <a:cs typeface="CMU Typewriter Text Variable Width Medium" charset="0"/>
             </a:endParaRPr>
           </a:p>
         </p:txBody>
@@ -3992,9 +3955,9 @@
         </p:nvGrpSpPr>
         <p:grpSpPr>
           <a:xfrm>
-            <a:off x="8674164" y="2105303"/>
+            <a:off x="7693928" y="3124876"/>
             <a:ext cx="2649332" cy="2788941"/>
-            <a:chOff x="5927455" y="748219"/>
+            <a:chOff x="5692023" y="979017"/>
             <a:chExt cx="2436167" cy="2564543"/>
           </a:xfrm>
         </p:grpSpPr>
@@ -4006,13 +3969,13 @@
           </p:nvSpPr>
           <p:spPr bwMode="auto">
             <a:xfrm>
-              <a:off x="5927455" y="748219"/>
+              <a:off x="5692023" y="979017"/>
               <a:ext cx="2436167" cy="2564543"/>
             </a:xfrm>
             <a:prstGeom prst="wedgeRoundRectCallout">
               <a:avLst>
-                <a:gd name="adj1" fmla="val -62189"/>
-                <a:gd name="adj2" fmla="val -33305"/>
+                <a:gd name="adj1" fmla="val -25741"/>
+                <a:gd name="adj2" fmla="val -68715"/>
                 <a:gd name="adj3" fmla="val 16667"/>
               </a:avLst>
             </a:prstGeom>
@@ -4056,28 +4019,12 @@
                 <a:buChar char="•"/>
               </a:pPr>
               <a:r>
-                <a:rPr lang="en-US" sz="1305" dirty="0">
-                  <a:latin typeface="Lucida Sans" pitchFamily="-106" charset="0"/>
-                  <a:ea typeface="ＭＳ Ｐゴシック" pitchFamily="-106" charset="-128"/>
-                  <a:cs typeface="ＭＳ Ｐゴシック" pitchFamily="-106" charset="-128"/>
+                <a:rPr lang="en-US" sz="1200" dirty="0">
+                  <a:latin typeface="CMU Typewriter Text Variable Width Medium" charset="0"/>
+                  <a:ea typeface="CMU Typewriter Text Variable Width Medium" charset="0"/>
+                  <a:cs typeface="CMU Typewriter Text Variable Width Medium" charset="0"/>
                 </a:rPr>
-                <a:t>~</a:t>
-              </a:r>
-              <a:r>
-                <a:rPr lang="en-US" sz="1305" dirty="0">
-                  <a:latin typeface="Lucida Sans" pitchFamily="-106" charset="0"/>
-                  <a:ea typeface="ＭＳ Ｐゴシック" pitchFamily="-106" charset="-128"/>
-                  <a:cs typeface="ＭＳ Ｐゴシック" pitchFamily="-106" charset="-128"/>
-                </a:rPr>
-                <a:t>113km2 </a:t>
-              </a:r>
-              <a:r>
-                <a:rPr lang="en-US" sz="1305" dirty="0">
-                  <a:latin typeface="Lucida Sans" pitchFamily="-106" charset="0"/>
-                  <a:ea typeface="ＭＳ Ｐゴシック" pitchFamily="-106" charset="-128"/>
-                  <a:cs typeface="ＭＳ Ｐゴシック" pitchFamily="-106" charset="-128"/>
-                </a:rPr>
-                <a:t>area (2%)</a:t>
+                <a:t>~113km2 area (2%)</a:t>
               </a:r>
             </a:p>
             <a:p>
@@ -4092,10 +4039,10 @@
                 <a:buChar char="•"/>
               </a:pPr>
               <a:r>
-                <a:rPr lang="en-US" sz="1305" dirty="0">
-                  <a:latin typeface="Lucida Sans" pitchFamily="-106" charset="0"/>
-                  <a:ea typeface="ＭＳ Ｐゴシック" pitchFamily="-106" charset="-128"/>
-                  <a:cs typeface="ＭＳ Ｐゴシック" pitchFamily="-106" charset="-128"/>
+                <a:rPr lang="en-US" sz="1200" dirty="0">
+                  <a:latin typeface="CMU Typewriter Text Variable Width Medium" charset="0"/>
+                  <a:ea typeface="CMU Typewriter Text Variable Width Medium" charset="0"/>
+                  <a:cs typeface="CMU Typewriter Text Variable Width Medium" charset="0"/>
                 </a:rPr>
                 <a:t>4,401 “named roads”</a:t>
               </a:r>
@@ -4112,25 +4059,32 @@
                 <a:buChar char="•"/>
               </a:pPr>
               <a:r>
-                <a:rPr lang="en-US" sz="1305" dirty="0">
-                  <a:latin typeface="Lucida Sans" pitchFamily="-106" charset="0"/>
-                  <a:ea typeface="ＭＳ Ｐゴシック" pitchFamily="-106" charset="-128"/>
-                  <a:cs typeface="ＭＳ Ｐゴシック" pitchFamily="-106" charset="-128"/>
+                <a:rPr lang="en-US" sz="1200" dirty="0">
+                  <a:latin typeface="CMU Typewriter Text Variable Width Medium" charset="0"/>
+                  <a:ea typeface="CMU Typewriter Text Variable Width Medium" charset="0"/>
+                  <a:cs typeface="CMU Typewriter Text Variable Width Medium" charset="0"/>
                 </a:rPr>
                 <a:t>14,088 </a:t>
               </a:r>
               <a:r>
-                <a:rPr lang="en-US" sz="1305" dirty="0">
-                  <a:latin typeface="Lucida Sans" pitchFamily="-106" charset="0"/>
-                  <a:ea typeface="ＭＳ Ｐゴシック" pitchFamily="-106" charset="-128"/>
-                  <a:cs typeface="ＭＳ Ｐゴシック" pitchFamily="-106" charset="-128"/>
+                <a:rPr lang="en-US" sz="1200" dirty="0" smtClean="0">
+                  <a:latin typeface="CMU Typewriter Text Variable Width Medium" charset="0"/>
+                  <a:ea typeface="CMU Typewriter Text Variable Width Medium" charset="0"/>
+                  <a:cs typeface="CMU Typewriter Text Variable Width Medium" charset="0"/>
                 </a:rPr>
                 <a:t>postcodes</a:t>
               </a:r>
-              <a:endParaRPr lang="en-US" sz="1305" dirty="0">
-                <a:latin typeface="Lucida Sans" pitchFamily="-106" charset="0"/>
-                <a:ea typeface="ＭＳ Ｐゴシック" pitchFamily="-106" charset="-128"/>
-                <a:cs typeface="ＭＳ Ｐゴシック" pitchFamily="-106" charset="-128"/>
+              <a:br>
+                <a:rPr lang="en-US" sz="1200" dirty="0" smtClean="0">
+                  <a:latin typeface="CMU Typewriter Text Variable Width Medium" charset="0"/>
+                  <a:ea typeface="CMU Typewriter Text Variable Width Medium" charset="0"/>
+                  <a:cs typeface="CMU Typewriter Text Variable Width Medium" charset="0"/>
+                </a:rPr>
+              </a:br>
+              <a:endParaRPr lang="en-US" sz="1200" dirty="0">
+                <a:latin typeface="CMU Typewriter Text Variable Width Medium" charset="0"/>
+                <a:ea typeface="CMU Typewriter Text Variable Width Medium" charset="0"/>
+                <a:cs typeface="CMU Typewriter Text Variable Width Medium" charset="0"/>
               </a:endParaRPr>
             </a:p>
           </p:txBody>
@@ -4156,7 +4110,7 @@
           </p:blipFill>
           <p:spPr bwMode="auto">
             <a:xfrm>
-              <a:off x="6199397" y="979017"/>
+              <a:off x="5977542" y="1181350"/>
               <a:ext cx="1865128" cy="1280161"/>
             </a:xfrm>
             <a:prstGeom prst="rect">
@@ -4216,7 +4170,11 @@
           <a:lstStyle/>
           <a:p>
             <a:pPr algn="ctr"/>
-            <a:endParaRPr lang="en-US" sz="1468"/>
+            <a:endParaRPr lang="en-US" sz="1200">
+              <a:latin typeface="CMU Typewriter Text Variable Width Medium" charset="0"/>
+              <a:ea typeface="CMU Typewriter Text Variable Width Medium" charset="0"/>
+              <a:cs typeface="CMU Typewriter Text Variable Width Medium" charset="0"/>
+            </a:endParaRPr>
           </a:p>
         </p:txBody>
       </p:sp>
@@ -5069,14 +5027,6 @@
               </a:rPr>
               <a:t>OLAF</a:t>
             </a:r>
-            <a:endParaRPr lang="en-US" sz="979" dirty="0">
-              <a:solidFill>
-                <a:schemeClr val="tx1"/>
-              </a:solidFill>
-              <a:latin typeface="CMU Typewriter Text Variable Width Medium" charset="0"/>
-              <a:ea typeface="CMU Typewriter Text Variable Width Medium" charset="0"/>
-              <a:cs typeface="CMU Typewriter Text Variable Width Medium" charset="0"/>
-            </a:endParaRPr>
           </a:p>
         </p:txBody>
       </p:sp>
@@ -5143,18 +5093,7 @@
                 <a:ea typeface="CMU Typewriter Text Variable Width Medium" charset="0"/>
                 <a:cs typeface="CMU Typewriter Text Variable Width Medium" charset="0"/>
               </a:rPr>
-              <a:t>: Create </a:t>
-            </a:r>
-            <a:r>
-              <a:rPr lang="en-US" sz="979" dirty="0">
-                <a:solidFill>
-                  <a:schemeClr val="tx1"/>
-                </a:solidFill>
-                <a:latin typeface="CMU Typewriter Text Variable Width Medium" charset="0"/>
-                <a:ea typeface="CMU Typewriter Text Variable Width Medium" charset="0"/>
-                <a:cs typeface="CMU Typewriter Text Variable Width Medium" charset="0"/>
-              </a:rPr>
-              <a:t>a list of all existing </a:t>
+              <a:t>: Create a list of all existing </a:t>
             </a:r>
             <a:r>
               <a:rPr lang="en-US" sz="979" i="1" dirty="0">
@@ -5244,18 +5183,7 @@
                 <a:ea typeface="CMU Typewriter Text Variable Width Medium" charset="0"/>
                 <a:cs typeface="CMU Typewriter Text Variable Width Medium" charset="0"/>
               </a:rPr>
-              <a:t>: Create </a:t>
-            </a:r>
-            <a:r>
-              <a:rPr lang="en-US" sz="979" dirty="0">
-                <a:solidFill>
-                  <a:schemeClr val="tx1"/>
-                </a:solidFill>
-                <a:latin typeface="CMU Typewriter Text Variable Width Medium" charset="0"/>
-                <a:ea typeface="CMU Typewriter Text Variable Width Medium" charset="0"/>
-                <a:cs typeface="CMU Typewriter Text Variable Width Medium" charset="0"/>
-              </a:rPr>
-              <a:t>a list of all existing </a:t>
+              <a:t>: Create a list of all existing </a:t>
             </a:r>
             <a:r>
               <a:rPr lang="en-US" sz="979" i="1" dirty="0">
@@ -5277,8 +5205,54 @@
                 <a:ea typeface="CMU Typewriter Text Variable Width Medium" charset="0"/>
                 <a:cs typeface="CMU Typewriter Text Variable Width Medium" charset="0"/>
               </a:rPr>
-              <a:t> </a:t>
-            </a:r>
+              <a:t> for each road listed in OSON</a:t>
+            </a:r>
+          </a:p>
+        </p:txBody>
+      </p:sp>
+      <p:sp>
+        <p:nvSpPr>
+          <p:cNvPr id="19" name="Rounded Rectangle 18"/>
+          <p:cNvSpPr/>
+          <p:nvPr/>
+        </p:nvSpPr>
+        <p:spPr>
+          <a:xfrm>
+            <a:off x="6547360" y="4159945"/>
+            <a:ext cx="2734628" cy="740489"/>
+          </a:xfrm>
+          <a:prstGeom prst="roundRect">
+            <a:avLst/>
+          </a:prstGeom>
+          <a:solidFill>
+            <a:schemeClr val="bg1"/>
+          </a:solidFill>
+          <a:ln>
+            <a:solidFill>
+              <a:schemeClr val="tx1"/>
+            </a:solidFill>
+          </a:ln>
+        </p:spPr>
+        <p:style>
+          <a:lnRef idx="2">
+            <a:schemeClr val="accent1">
+              <a:shade val="50000"/>
+            </a:schemeClr>
+          </a:lnRef>
+          <a:fillRef idx="1">
+            <a:schemeClr val="accent1"/>
+          </a:fillRef>
+          <a:effectRef idx="0">
+            <a:schemeClr val="accent1"/>
+          </a:effectRef>
+          <a:fontRef idx="minor">
+            <a:schemeClr val="lt1"/>
+          </a:fontRef>
+        </p:style>
+        <p:txBody>
+          <a:bodyPr rtlCol="0" anchor="ctr"/>
+          <a:lstStyle/>
+          <a:p>
             <a:r>
               <a:rPr lang="en-US" sz="979" dirty="0">
                 <a:solidFill>
@@ -5288,136 +5262,8 @@
                 <a:ea typeface="CMU Typewriter Text Variable Width Medium" charset="0"/>
                 <a:cs typeface="CMU Typewriter Text Variable Width Medium" charset="0"/>
               </a:rPr>
-              <a:t>for each road listed in </a:t>
-            </a:r>
-            <a:r>
-              <a:rPr lang="en-US" sz="979" dirty="0">
-                <a:solidFill>
-                  <a:schemeClr val="tx1"/>
-                </a:solidFill>
-                <a:latin typeface="CMU Typewriter Text Variable Width Medium" charset="0"/>
-                <a:ea typeface="CMU Typewriter Text Variable Width Medium" charset="0"/>
-                <a:cs typeface="CMU Typewriter Text Variable Width Medium" charset="0"/>
-              </a:rPr>
-              <a:t>OSON</a:t>
-            </a:r>
-            <a:endParaRPr lang="en-US" sz="979" dirty="0">
-              <a:solidFill>
-                <a:schemeClr val="tx1"/>
-              </a:solidFill>
-              <a:latin typeface="CMU Typewriter Text Variable Width Medium" charset="0"/>
-              <a:ea typeface="CMU Typewriter Text Variable Width Medium" charset="0"/>
-              <a:cs typeface="CMU Typewriter Text Variable Width Medium" charset="0"/>
-            </a:endParaRPr>
-          </a:p>
-        </p:txBody>
-      </p:sp>
-      <p:sp>
-        <p:nvSpPr>
-          <p:cNvPr id="19" name="Rounded Rectangle 18"/>
-          <p:cNvSpPr/>
-          <p:nvPr/>
-        </p:nvSpPr>
-        <p:spPr>
-          <a:xfrm>
-            <a:off x="6547360" y="4159945"/>
-            <a:ext cx="2734628" cy="740489"/>
-          </a:xfrm>
-          <a:prstGeom prst="roundRect">
-            <a:avLst/>
-          </a:prstGeom>
-          <a:solidFill>
-            <a:schemeClr val="bg1"/>
-          </a:solidFill>
-          <a:ln>
-            <a:solidFill>
-              <a:schemeClr val="tx1"/>
-            </a:solidFill>
-          </a:ln>
-        </p:spPr>
-        <p:style>
-          <a:lnRef idx="2">
-            <a:schemeClr val="accent1">
-              <a:shade val="50000"/>
-            </a:schemeClr>
-          </a:lnRef>
-          <a:fillRef idx="1">
-            <a:schemeClr val="accent1"/>
-          </a:fillRef>
-          <a:effectRef idx="0">
-            <a:schemeClr val="accent1"/>
-          </a:effectRef>
-          <a:fontRef idx="minor">
-            <a:schemeClr val="lt1"/>
-          </a:fontRef>
-        </p:style>
-        <p:txBody>
-          <a:bodyPr rtlCol="0" anchor="ctr"/>
-          <a:lstStyle/>
-          <a:p>
-            <a:r>
-              <a:rPr lang="en-US" sz="979" dirty="0">
-                <a:solidFill>
-                  <a:schemeClr val="tx1"/>
-                </a:solidFill>
-                <a:latin typeface="CMU Typewriter Text Variable Width Medium" charset="0"/>
-                <a:ea typeface="CMU Typewriter Text Variable Width Medium" charset="0"/>
-                <a:cs typeface="CMU Typewriter Text Variable Width Medium" charset="0"/>
-              </a:rPr>
-              <a:t>p3: Create </a:t>
-            </a:r>
-            <a:r>
-              <a:rPr lang="en-US" sz="979" dirty="0">
-                <a:solidFill>
-                  <a:schemeClr val="tx1"/>
-                </a:solidFill>
-                <a:latin typeface="CMU Typewriter Text Variable Width Medium" charset="0"/>
-                <a:ea typeface="CMU Typewriter Text Variable Width Medium" charset="0"/>
-                <a:cs typeface="CMU Typewriter Text Variable Width Medium" charset="0"/>
-              </a:rPr>
-              <a:t>a list of the associations between each of the house </a:t>
-            </a:r>
-            <a:r>
-              <a:rPr lang="en-US" sz="979" dirty="0">
-                <a:solidFill>
-                  <a:schemeClr val="tx1"/>
-                </a:solidFill>
-                <a:latin typeface="CMU Typewriter Text Variable Width Medium" charset="0"/>
-                <a:ea typeface="CMU Typewriter Text Variable Width Medium" charset="0"/>
-                <a:cs typeface="CMU Typewriter Text Variable Width Medium" charset="0"/>
-              </a:rPr>
-              <a:t>numbers </a:t>
-            </a:r>
-            <a:r>
-              <a:rPr lang="en-US" sz="979" dirty="0">
-                <a:solidFill>
-                  <a:schemeClr val="tx1"/>
-                </a:solidFill>
-                <a:latin typeface="CMU Typewriter Text Variable Width Medium" charset="0"/>
-                <a:ea typeface="CMU Typewriter Text Variable Width Medium" charset="0"/>
-                <a:cs typeface="CMU Typewriter Text Variable Width Medium" charset="0"/>
-              </a:rPr>
-              <a:t>and names above and the list of </a:t>
-            </a:r>
-            <a:r>
-              <a:rPr lang="en-US" sz="979" dirty="0">
-                <a:solidFill>
-                  <a:schemeClr val="tx1"/>
-                </a:solidFill>
-                <a:latin typeface="CMU Typewriter Text Variable Width Medium" charset="0"/>
-                <a:ea typeface="CMU Typewriter Text Variable Width Medium" charset="0"/>
-                <a:cs typeface="CMU Typewriter Text Variable Width Medium" charset="0"/>
-              </a:rPr>
-              <a:t>postcodes in OSON </a:t>
-            </a:r>
-            <a:endParaRPr lang="en-US" sz="979" dirty="0">
-              <a:solidFill>
-                <a:schemeClr val="tx1"/>
-              </a:solidFill>
-              <a:latin typeface="CMU Typewriter Text Variable Width Medium" charset="0"/>
-              <a:ea typeface="CMU Typewriter Text Variable Width Medium" charset="0"/>
-              <a:cs typeface="CMU Typewriter Text Variable Width Medium" charset="0"/>
-            </a:endParaRPr>
+              <a:t>p3: Create a list of the associations between each of the house numbers and names above and the list of postcodes in OSON </a:t>
+            </a:r>
           </a:p>
         </p:txBody>
       </p:sp>
@@ -5623,14 +5469,6 @@
               </a:rPr>
               <a:t>OLAF</a:t>
             </a:r>
-            <a:endParaRPr lang="en-US" sz="979" dirty="0">
-              <a:solidFill>
-                <a:schemeClr val="tx1"/>
-              </a:solidFill>
-              <a:latin typeface="CMU Typewriter Text Variable Width Medium" charset="0"/>
-              <a:ea typeface="CMU Typewriter Text Variable Width Medium" charset="0"/>
-              <a:cs typeface="CMU Typewriter Text Variable Width Medium" charset="0"/>
-            </a:endParaRPr>
           </a:p>
         </p:txBody>
       </p:sp>
@@ -5697,18 +5535,7 @@
                 <a:ea typeface="CMU Typewriter Text Variable Width Medium" charset="0"/>
                 <a:cs typeface="CMU Typewriter Text Variable Width Medium" charset="0"/>
               </a:rPr>
-              <a:t>: Create </a:t>
-            </a:r>
-            <a:r>
-              <a:rPr lang="en-US" sz="979" dirty="0">
-                <a:solidFill>
-                  <a:schemeClr val="tx1"/>
-                </a:solidFill>
-                <a:latin typeface="CMU Typewriter Text Variable Width Medium" charset="0"/>
-                <a:ea typeface="CMU Typewriter Text Variable Width Medium" charset="0"/>
-                <a:cs typeface="CMU Typewriter Text Variable Width Medium" charset="0"/>
-              </a:rPr>
-              <a:t>a list of all existing </a:t>
+              <a:t>: Create a list of all existing </a:t>
             </a:r>
             <a:r>
               <a:rPr lang="en-US" sz="979" i="1" dirty="0">
@@ -5800,18 +5627,7 @@
                 <a:ea typeface="CMU Typewriter Text Variable Width Medium" charset="0"/>
                 <a:cs typeface="CMU Typewriter Text Variable Width Medium" charset="0"/>
               </a:rPr>
-              <a:t>: Create </a:t>
-            </a:r>
-            <a:r>
-              <a:rPr lang="en-US" sz="979" dirty="0">
-                <a:solidFill>
-                  <a:schemeClr val="tx1"/>
-                </a:solidFill>
-                <a:latin typeface="CMU Typewriter Text Variable Width Medium" charset="0"/>
-                <a:ea typeface="CMU Typewriter Text Variable Width Medium" charset="0"/>
-                <a:cs typeface="CMU Typewriter Text Variable Width Medium" charset="0"/>
-              </a:rPr>
-              <a:t>a list of all existing </a:t>
+              <a:t>: Create a list of all existing </a:t>
             </a:r>
             <a:r>
               <a:rPr lang="en-US" sz="979" i="1" dirty="0">
@@ -5833,38 +5649,8 @@
                 <a:ea typeface="CMU Typewriter Text Variable Width Medium" charset="0"/>
                 <a:cs typeface="CMU Typewriter Text Variable Width Medium" charset="0"/>
               </a:rPr>
-              <a:t> </a:t>
-            </a:r>
-            <a:r>
-              <a:rPr lang="en-US" sz="979" dirty="0">
-                <a:solidFill>
-                  <a:schemeClr val="tx1"/>
-                </a:solidFill>
-                <a:latin typeface="CMU Typewriter Text Variable Width Medium" charset="0"/>
-                <a:ea typeface="CMU Typewriter Text Variable Width Medium" charset="0"/>
-                <a:cs typeface="CMU Typewriter Text Variable Width Medium" charset="0"/>
-              </a:rPr>
-              <a:t>for each road listed in </a:t>
-            </a:r>
-            <a:r>
-              <a:rPr lang="en-US" sz="979" dirty="0">
-                <a:solidFill>
-                  <a:schemeClr val="tx1"/>
-                </a:solidFill>
-                <a:latin typeface="CMU Typewriter Text Variable Width Medium" charset="0"/>
-                <a:ea typeface="CMU Typewriter Text Variable Width Medium" charset="0"/>
-                <a:cs typeface="CMU Typewriter Text Variable Width Medium" charset="0"/>
-              </a:rPr>
-              <a:t>OSON</a:t>
-            </a:r>
-            <a:endParaRPr lang="en-US" sz="979" dirty="0">
-              <a:solidFill>
-                <a:schemeClr val="tx1"/>
-              </a:solidFill>
-              <a:latin typeface="CMU Typewriter Text Variable Width Medium" charset="0"/>
-              <a:ea typeface="CMU Typewriter Text Variable Width Medium" charset="0"/>
-              <a:cs typeface="CMU Typewriter Text Variable Width Medium" charset="0"/>
-            </a:endParaRPr>
+              <a:t> for each road listed in OSON</a:t>
+            </a:r>
           </a:p>
         </p:txBody>
       </p:sp>
@@ -5922,60 +5708,8 @@
                 <a:ea typeface="CMU Typewriter Text Variable Width Medium" charset="0"/>
                 <a:cs typeface="CMU Typewriter Text Variable Width Medium" charset="0"/>
               </a:rPr>
-              <a:t>p3: Create </a:t>
-            </a:r>
-            <a:r>
-              <a:rPr lang="en-US" sz="979" dirty="0">
-                <a:solidFill>
-                  <a:schemeClr val="tx1"/>
-                </a:solidFill>
-                <a:latin typeface="CMU Typewriter Text Variable Width Medium" charset="0"/>
-                <a:ea typeface="CMU Typewriter Text Variable Width Medium" charset="0"/>
-                <a:cs typeface="CMU Typewriter Text Variable Width Medium" charset="0"/>
-              </a:rPr>
-              <a:t>a list of the associations between each of the house </a:t>
-            </a:r>
-            <a:r>
-              <a:rPr lang="en-US" sz="979" dirty="0">
-                <a:solidFill>
-                  <a:schemeClr val="tx1"/>
-                </a:solidFill>
-                <a:latin typeface="CMU Typewriter Text Variable Width Medium" charset="0"/>
-                <a:ea typeface="CMU Typewriter Text Variable Width Medium" charset="0"/>
-                <a:cs typeface="CMU Typewriter Text Variable Width Medium" charset="0"/>
-              </a:rPr>
-              <a:t>numbers </a:t>
-            </a:r>
-            <a:r>
-              <a:rPr lang="en-US" sz="979" dirty="0">
-                <a:solidFill>
-                  <a:schemeClr val="tx1"/>
-                </a:solidFill>
-                <a:latin typeface="CMU Typewriter Text Variable Width Medium" charset="0"/>
-                <a:ea typeface="CMU Typewriter Text Variable Width Medium" charset="0"/>
-                <a:cs typeface="CMU Typewriter Text Variable Width Medium" charset="0"/>
-              </a:rPr>
-              <a:t>and names above and the list of </a:t>
-            </a:r>
-            <a:r>
-              <a:rPr lang="en-US" sz="979" dirty="0">
-                <a:solidFill>
-                  <a:schemeClr val="tx1"/>
-                </a:solidFill>
-                <a:latin typeface="CMU Typewriter Text Variable Width Medium" charset="0"/>
-                <a:ea typeface="CMU Typewriter Text Variable Width Medium" charset="0"/>
-                <a:cs typeface="CMU Typewriter Text Variable Width Medium" charset="0"/>
-              </a:rPr>
-              <a:t>postcodes in OSON </a:t>
-            </a:r>
-            <a:endParaRPr lang="en-US" sz="979" dirty="0">
-              <a:solidFill>
-                <a:schemeClr val="tx1"/>
-              </a:solidFill>
-              <a:latin typeface="CMU Typewriter Text Variable Width Medium" charset="0"/>
-              <a:ea typeface="CMU Typewriter Text Variable Width Medium" charset="0"/>
-              <a:cs typeface="CMU Typewriter Text Variable Width Medium" charset="0"/>
-            </a:endParaRPr>
+              <a:t>p3: Create a list of the associations between each of the house numbers and names above and the list of postcodes in OSON </a:t>
+            </a:r>
           </a:p>
         </p:txBody>
       </p:sp>
@@ -6227,18 +5961,7 @@
                 <a:ea typeface="CMU Typewriter Text Variable Width Medium" charset="0"/>
                 <a:cs typeface="CMU Typewriter Text Variable Width Medium" charset="0"/>
               </a:rPr>
-              <a:t>: </a:t>
-            </a:r>
-            <a:r>
-              <a:rPr lang="en-US" sz="979" dirty="0">
-                <a:solidFill>
-                  <a:schemeClr val="tx1"/>
-                </a:solidFill>
-                <a:latin typeface="CMU Typewriter Text Variable Width Medium" charset="0"/>
-                <a:ea typeface="CMU Typewriter Text Variable Width Medium" charset="0"/>
-                <a:cs typeface="CMU Typewriter Text Variable Width Medium" charset="0"/>
-              </a:rPr>
-              <a:t>Statistically infer the existence of house numbers from the house numbers collected at </a:t>
+              <a:t>: Statistically infer the existence of house numbers from the house numbers collected at </a:t>
             </a:r>
             <a:r>
               <a:rPr lang="en-US" sz="979" i="1" dirty="0">
@@ -6251,14 +5974,6 @@
               </a:rPr>
               <a:t>p1.1</a:t>
             </a:r>
-            <a:endParaRPr lang="en-US" sz="979" i="1" dirty="0">
-              <a:solidFill>
-                <a:schemeClr val="tx1"/>
-              </a:solidFill>
-              <a:latin typeface="CMU Typewriter Text Variable Width Medium" charset="0"/>
-              <a:ea typeface="CMU Typewriter Text Variable Width Medium" charset="0"/>
-              <a:cs typeface="CMU Typewriter Text Variable Width Medium" charset="0"/>
-            </a:endParaRPr>
           </a:p>
         </p:txBody>
       </p:sp>
@@ -6325,18 +6040,7 @@
                 <a:ea typeface="CMU Typewriter Text Variable Width Medium" charset="0"/>
                 <a:cs typeface="CMU Typewriter Text Variable Width Medium" charset="0"/>
               </a:rPr>
-              <a:t>: </a:t>
-            </a:r>
-            <a:r>
-              <a:rPr lang="en-US" sz="979" dirty="0">
-                <a:solidFill>
-                  <a:schemeClr val="tx1"/>
-                </a:solidFill>
-                <a:latin typeface="CMU Typewriter Text Variable Width Medium" charset="0"/>
-                <a:ea typeface="CMU Typewriter Text Variable Width Medium" charset="0"/>
-                <a:cs typeface="CMU Typewriter Text Variable Width Medium" charset="0"/>
-              </a:rPr>
-              <a:t>Enable the further application of </a:t>
+              <a:t>: Enable the further application of </a:t>
             </a:r>
             <a:r>
               <a:rPr lang="en-US" sz="979" i="1" dirty="0">
@@ -6358,29 +6062,7 @@
                 <a:ea typeface="CMU Typewriter Text Variable Width Medium" charset="0"/>
                 <a:cs typeface="CMU Typewriter Text Variable Width Medium" charset="0"/>
               </a:rPr>
-              <a:t> </a:t>
-            </a:r>
-            <a:r>
-              <a:rPr lang="en-US" sz="979" dirty="0">
-                <a:solidFill>
-                  <a:schemeClr val="tx1"/>
-                </a:solidFill>
-                <a:latin typeface="CMU Typewriter Text Variable Width Medium" charset="0"/>
-                <a:ea typeface="CMU Typewriter Text Variable Width Medium" charset="0"/>
-                <a:cs typeface="CMU Typewriter Text Variable Width Medium" charset="0"/>
-              </a:rPr>
-              <a:t>by creating the necessary data through </a:t>
-            </a:r>
-            <a:r>
-              <a:rPr lang="en-US" sz="979" dirty="0">
-                <a:solidFill>
-                  <a:schemeClr val="tx1"/>
-                </a:solidFill>
-                <a:latin typeface="CMU Typewriter Text Variable Width Medium" charset="0"/>
-                <a:ea typeface="CMU Typewriter Text Variable Width Medium" charset="0"/>
-                <a:cs typeface="CMU Typewriter Text Variable Width Medium" charset="0"/>
-              </a:rPr>
-              <a:t>crowdsourcing</a:t>
+              <a:t> by creating the necessary data through crowdsourcing</a:t>
             </a:r>
             <a:endParaRPr lang="en-US" sz="979" i="1" dirty="0">
               <a:solidFill>
@@ -6456,18 +6138,7 @@
                 <a:ea typeface="CMU Typewriter Text Variable Width Medium" charset="0"/>
                 <a:cs typeface="CMU Typewriter Text Variable Width Medium" charset="0"/>
               </a:rPr>
-              <a:t>: </a:t>
-            </a:r>
-            <a:r>
-              <a:rPr lang="en-US" sz="979" dirty="0">
-                <a:solidFill>
-                  <a:schemeClr val="tx1"/>
-                </a:solidFill>
-                <a:latin typeface="CMU Typewriter Text Variable Width Medium" charset="0"/>
-                <a:ea typeface="CMU Typewriter Text Variable Width Medium" charset="0"/>
-                <a:cs typeface="CMU Typewriter Text Variable Width Medium" charset="0"/>
-              </a:rPr>
-              <a:t>Correct the output of </a:t>
+              <a:t>: Correct the output of </a:t>
             </a:r>
             <a:r>
               <a:rPr lang="en-US" sz="979" i="1" dirty="0">
@@ -6480,14 +6151,6 @@
               </a:rPr>
               <a:t>p1.2</a:t>
             </a:r>
-            <a:endParaRPr lang="en-US" sz="979" i="1" dirty="0">
-              <a:solidFill>
-                <a:schemeClr val="tx1"/>
-              </a:solidFill>
-              <a:latin typeface="CMU Typewriter Text Variable Width Medium" charset="0"/>
-              <a:ea typeface="CMU Typewriter Text Variable Width Medium" charset="0"/>
-              <a:cs typeface="CMU Typewriter Text Variable Width Medium" charset="0"/>
-            </a:endParaRPr>
           </a:p>
         </p:txBody>
       </p:sp>
@@ -6851,14 +6514,6 @@
               </a:rPr>
               <a:t>OSON</a:t>
             </a:r>
-            <a:endParaRPr lang="en-US" sz="979" dirty="0">
-              <a:solidFill>
-                <a:schemeClr val="tx1"/>
-              </a:solidFill>
-              <a:latin typeface="CMU Typewriter Text Variable Width Medium" charset="0"/>
-              <a:ea typeface="CMU Typewriter Text Variable Width Medium" charset="0"/>
-              <a:cs typeface="CMU Typewriter Text Variable Width Medium" charset="0"/>
-            </a:endParaRPr>
           </a:p>
         </p:txBody>
       </p:sp>
@@ -6917,14 +6572,6 @@
               </a:rPr>
               <a:t>LRPP</a:t>
             </a:r>
-            <a:endParaRPr lang="en-US" sz="979" dirty="0">
-              <a:solidFill>
-                <a:schemeClr val="tx1"/>
-              </a:solidFill>
-              <a:latin typeface="CMU Typewriter Text Variable Width Medium" charset="0"/>
-              <a:ea typeface="CMU Typewriter Text Variable Width Medium" charset="0"/>
-              <a:cs typeface="CMU Typewriter Text Variable Width Medium" charset="0"/>
-            </a:endParaRPr>
           </a:p>
         </p:txBody>
       </p:sp>
@@ -6983,14 +6630,6 @@
               </a:rPr>
               <a:t>Reference data</a:t>
             </a:r>
-            <a:endParaRPr lang="en-US" sz="979" dirty="0">
-              <a:solidFill>
-                <a:schemeClr val="tx1"/>
-              </a:solidFill>
-              <a:latin typeface="CMU Typewriter Text Variable Width Medium" charset="0"/>
-              <a:ea typeface="CMU Typewriter Text Variable Width Medium" charset="0"/>
-              <a:cs typeface="CMU Typewriter Text Variable Width Medium" charset="0"/>
-            </a:endParaRPr>
           </a:p>
         </p:txBody>
       </p:sp>
@@ -7131,14 +6770,6 @@
               </a:rPr>
               <a:t>Known house numbers</a:t>
             </a:r>
-            <a:endParaRPr lang="en-US" sz="979" dirty="0">
-              <a:solidFill>
-                <a:schemeClr val="tx1"/>
-              </a:solidFill>
-              <a:latin typeface="CMU Typewriter Text Variable Width Medium" charset="0"/>
-              <a:ea typeface="CMU Typewriter Text Variable Width Medium" charset="0"/>
-              <a:cs typeface="CMU Typewriter Text Variable Width Medium" charset="0"/>
-            </a:endParaRPr>
           </a:p>
         </p:txBody>
       </p:sp>
@@ -7238,14 +6869,6 @@
               </a:rPr>
               <a:t>Inference data</a:t>
             </a:r>
-            <a:endParaRPr lang="en-US" sz="979" dirty="0">
-              <a:solidFill>
-                <a:schemeClr val="tx1"/>
-              </a:solidFill>
-              <a:latin typeface="CMU Typewriter Text Variable Width Medium" charset="0"/>
-              <a:ea typeface="CMU Typewriter Text Variable Width Medium" charset="0"/>
-              <a:cs typeface="CMU Typewriter Text Variable Width Medium" charset="0"/>
-            </a:endParaRPr>
           </a:p>
         </p:txBody>
       </p:sp>
@@ -7452,14 +7075,6 @@
               </a:rPr>
               <a:t>OSOR</a:t>
             </a:r>
-            <a:endParaRPr lang="en-US" sz="979" dirty="0">
-              <a:solidFill>
-                <a:schemeClr val="tx1"/>
-              </a:solidFill>
-              <a:latin typeface="CMU Typewriter Text Variable Width Medium" charset="0"/>
-              <a:ea typeface="CMU Typewriter Text Variable Width Medium" charset="0"/>
-              <a:cs typeface="CMU Typewriter Text Variable Width Medium" charset="0"/>
-            </a:endParaRPr>
           </a:p>
         </p:txBody>
       </p:sp>
@@ -7518,14 +7133,6 @@
               </a:rPr>
               <a:t>Streets for which data is missing</a:t>
             </a:r>
-            <a:endParaRPr lang="en-US" sz="979" dirty="0">
-              <a:solidFill>
-                <a:schemeClr val="tx1"/>
-              </a:solidFill>
-              <a:latin typeface="CMU Typewriter Text Variable Width Medium" charset="0"/>
-              <a:ea typeface="CMU Typewriter Text Variable Width Medium" charset="0"/>
-              <a:cs typeface="CMU Typewriter Text Variable Width Medium" charset="0"/>
-            </a:endParaRPr>
           </a:p>
         </p:txBody>
       </p:sp>
@@ -7663,14 +7270,6 @@
               </a:rPr>
               <a:t>Augmentation with elements to support crowdsourcing</a:t>
             </a:r>
-            <a:endParaRPr lang="en-US" sz="979" dirty="0">
-              <a:solidFill>
-                <a:schemeClr val="tx1"/>
-              </a:solidFill>
-              <a:latin typeface="CMU Typewriter Text Variable Width Medium" charset="0"/>
-              <a:ea typeface="CMU Typewriter Text Variable Width Medium" charset="0"/>
-              <a:cs typeface="CMU Typewriter Text Variable Width Medium" charset="0"/>
-            </a:endParaRPr>
           </a:p>
         </p:txBody>
       </p:sp>
@@ -7918,14 +7517,6 @@
               </a:rPr>
               <a:t>Results collection and aggregation</a:t>
             </a:r>
-            <a:endParaRPr lang="en-US" sz="979" dirty="0">
-              <a:solidFill>
-                <a:schemeClr val="tx1"/>
-              </a:solidFill>
-              <a:latin typeface="CMU Typewriter Text Variable Width Medium" charset="0"/>
-              <a:ea typeface="CMU Typewriter Text Variable Width Medium" charset="0"/>
-              <a:cs typeface="CMU Typewriter Text Variable Width Medium" charset="0"/>
-            </a:endParaRPr>
           </a:p>
         </p:txBody>
       </p:sp>
@@ -8083,11 +7674,6 @@
               </a:rPr>
               <a:t>Success</a:t>
             </a:r>
-            <a:endParaRPr lang="en-US" sz="979" dirty="0">
-              <a:latin typeface="CMU Typewriter Text Variable Width Medium" charset="0"/>
-              <a:ea typeface="CMU Typewriter Text Variable Width Medium" charset="0"/>
-              <a:cs typeface="CMU Typewriter Text Variable Width Medium" charset="0"/>
-            </a:endParaRPr>
           </a:p>
         </p:txBody>
       </p:sp>
@@ -8121,11 +7707,6 @@
               </a:rPr>
               <a:t>Fail</a:t>
             </a:r>
-            <a:endParaRPr lang="en-US" sz="979" dirty="0">
-              <a:latin typeface="CMU Typewriter Text Variable Width Medium" charset="0"/>
-              <a:ea typeface="CMU Typewriter Text Variable Width Medium" charset="0"/>
-              <a:cs typeface="CMU Typewriter Text Variable Width Medium" charset="0"/>
-            </a:endParaRPr>
           </a:p>
         </p:txBody>
       </p:sp>
@@ -8184,14 +7765,6 @@
               </a:rPr>
               <a:t>Other OLAF creation processes</a:t>
             </a:r>
-            <a:endParaRPr lang="en-US" sz="979" dirty="0">
-              <a:solidFill>
-                <a:schemeClr val="tx1"/>
-              </a:solidFill>
-              <a:latin typeface="CMU Typewriter Text Variable Width Medium" charset="0"/>
-              <a:ea typeface="CMU Typewriter Text Variable Width Medium" charset="0"/>
-              <a:cs typeface="CMU Typewriter Text Variable Width Medium" charset="0"/>
-            </a:endParaRPr>
           </a:p>
         </p:txBody>
       </p:sp>
@@ -8382,14 +7955,6 @@
               </a:rPr>
               <a:t> / filtering</a:t>
             </a:r>
-            <a:endParaRPr lang="en-US" sz="979" dirty="0">
-              <a:solidFill>
-                <a:schemeClr val="tx1"/>
-              </a:solidFill>
-              <a:latin typeface="CMU Typewriter Text Variable Width Medium" charset="0"/>
-              <a:ea typeface="CMU Typewriter Text Variable Width Medium" charset="0"/>
-              <a:cs typeface="CMU Typewriter Text Variable Width Medium" charset="0"/>
-            </a:endParaRPr>
           </a:p>
         </p:txBody>
       </p:sp>
@@ -9170,11 +8735,6 @@
               </a:rPr>
               <a:t>]</a:t>
             </a:r>
-            <a:endParaRPr lang="en-US" sz="1200" dirty="0">
-              <a:latin typeface="CMU Typewriter Text Variable Width Medium" charset="0"/>
-              <a:ea typeface="CMU Typewriter Text Variable Width Medium" charset="0"/>
-              <a:cs typeface="CMU Typewriter Text Variable Width Medium" charset="0"/>
-            </a:endParaRPr>
           </a:p>
         </p:txBody>
       </p:sp>
@@ -9238,11 +8798,6 @@
               </a:rPr>
               <a:t>data]</a:t>
             </a:r>
-            <a:endParaRPr lang="en-US" sz="1200" dirty="0">
-              <a:latin typeface="CMU Typewriter Text Variable Width Medium" charset="0"/>
-              <a:ea typeface="CMU Typewriter Text Variable Width Medium" charset="0"/>
-              <a:cs typeface="CMU Typewriter Text Variable Width Medium" charset="0"/>
-            </a:endParaRPr>
           </a:p>
         </p:txBody>
       </p:sp>
@@ -9541,11 +9096,6 @@
               </a:rPr>
               <a:t>not successful]</a:t>
             </a:r>
-            <a:endParaRPr lang="en-US" sz="1200" dirty="0">
-              <a:latin typeface="CMU Typewriter Text Variable Width Medium" charset="0"/>
-              <a:ea typeface="CMU Typewriter Text Variable Width Medium" charset="0"/>
-              <a:cs typeface="CMU Typewriter Text Variable Width Medium" charset="0"/>
-            </a:endParaRPr>
           </a:p>
         </p:txBody>
       </p:sp>
@@ -9609,11 +9159,6 @@
               </a:rPr>
               <a:t>successful]</a:t>
             </a:r>
-            <a:endParaRPr lang="en-US" sz="1200" dirty="0">
-              <a:latin typeface="CMU Typewriter Text Variable Width Medium" charset="0"/>
-              <a:ea typeface="CMU Typewriter Text Variable Width Medium" charset="0"/>
-              <a:cs typeface="CMU Typewriter Text Variable Width Medium" charset="0"/>
-            </a:endParaRPr>
           </a:p>
         </p:txBody>
       </p:sp>
@@ -9764,11 +9309,6 @@
               </a:rPr>
               <a:t>is verified]</a:t>
             </a:r>
-            <a:endParaRPr lang="en-US" sz="1200" dirty="0">
-              <a:latin typeface="CMU Typewriter Text Variable Width Medium" charset="0"/>
-              <a:ea typeface="CMU Typewriter Text Variable Width Medium" charset="0"/>
-              <a:cs typeface="CMU Typewriter Text Variable Width Medium" charset="0"/>
-            </a:endParaRPr>
           </a:p>
         </p:txBody>
       </p:sp>
@@ -10134,11 +9674,6 @@
               </a:rPr>
               <a:t>is verified]</a:t>
             </a:r>
-            <a:endParaRPr lang="en-US" sz="1200" dirty="0">
-              <a:latin typeface="CMU Typewriter Text Variable Width Medium" charset="0"/>
-              <a:ea typeface="CMU Typewriter Text Variable Width Medium" charset="0"/>
-              <a:cs typeface="CMU Typewriter Text Variable Width Medium" charset="0"/>
-            </a:endParaRPr>
           </a:p>
         </p:txBody>
       </p:sp>

--- a/images_src/misc_powerpoint.pptx
+++ b/images_src/misc_powerpoint.pptx
@@ -3576,13 +3576,13 @@
               </a:ext>
             </a:extLst>
           </a:blip>
-          <a:srcRect/>
+          <a:srcRect b="56171"/>
           <a:stretch/>
         </p:blipFill>
         <p:spPr>
           <a:xfrm>
             <a:off x="7527469" y="2502734"/>
-            <a:ext cx="1164188" cy="182870"/>
+            <a:ext cx="1164188" cy="80149"/>
           </a:xfrm>
           <a:ln>
             <a:solidFill>
@@ -3678,8 +3678,8 @@
         </p:nvSpPr>
         <p:spPr bwMode="auto">
           <a:xfrm>
-            <a:off x="5195463" y="2498963"/>
-            <a:ext cx="1164188" cy="2740409"/>
+            <a:off x="5195463" y="2498962"/>
+            <a:ext cx="1164188" cy="2908800"/>
           </a:xfrm>
           <a:prstGeom prst="rect">
             <a:avLst/>
@@ -3734,8 +3734,8 @@
         </p:nvSpPr>
         <p:spPr bwMode="auto">
           <a:xfrm>
-            <a:off x="5195463" y="5239369"/>
-            <a:ext cx="1164188" cy="740446"/>
+            <a:off x="5195463" y="5407761"/>
+            <a:ext cx="1164188" cy="572053"/>
           </a:xfrm>
           <a:prstGeom prst="rect">
             <a:avLst/>
@@ -3790,7 +3790,7 @@
         <p:spPr bwMode="auto">
           <a:xfrm>
             <a:off x="6359652" y="2498963"/>
-            <a:ext cx="1164188" cy="497207"/>
+            <a:ext cx="1164188" cy="406799"/>
           </a:xfrm>
           <a:prstGeom prst="rect">
             <a:avLst/>
@@ -3810,7 +3810,7 @@
           <a:effectLst/>
         </p:spPr>
         <p:txBody>
-          <a:bodyPr vert="horz" wrap="square" lIns="99441" tIns="49721" rIns="99441" bIns="0" numCol="1" rtlCol="0" anchor="ctr" anchorCtr="0" compatLnSpc="1">
+          <a:bodyPr vert="horz" wrap="square" lIns="0" tIns="0" rIns="0" bIns="0" numCol="1" rtlCol="0" anchor="ctr" anchorCtr="0" compatLnSpc="1">
             <a:prstTxWarp prst="textNoShape">
               <a:avLst/>
             </a:prstTxWarp>
@@ -3845,8 +3845,8 @@
         </p:nvSpPr>
         <p:spPr bwMode="auto">
           <a:xfrm>
-            <a:off x="6359652" y="2996167"/>
-            <a:ext cx="1164188" cy="2243200"/>
+            <a:off x="6359652" y="2905762"/>
+            <a:ext cx="1164188" cy="2496113"/>
           </a:xfrm>
           <a:prstGeom prst="rect">
             <a:avLst/>
@@ -3900,8 +3900,8 @@
         </p:nvSpPr>
         <p:spPr bwMode="auto">
           <a:xfrm>
-            <a:off x="7523839" y="2687242"/>
-            <a:ext cx="1175752" cy="308922"/>
+            <a:off x="7523840" y="2582883"/>
+            <a:ext cx="1175752" cy="316992"/>
           </a:xfrm>
           <a:prstGeom prst="rect">
             <a:avLst/>
@@ -3955,7 +3955,7 @@
         </p:nvGrpSpPr>
         <p:grpSpPr>
           <a:xfrm>
-            <a:off x="7693928" y="3124876"/>
+            <a:off x="7693928" y="3071434"/>
             <a:ext cx="2649332" cy="2788941"/>
             <a:chOff x="5692023" y="979017"/>
             <a:chExt cx="2436167" cy="2564543"/>

--- a/images_src/misc_powerpoint.pptx
+++ b/images_src/misc_powerpoint.pptx
@@ -4355,7 +4355,7 @@
         <p:spPr bwMode="auto">
           <a:xfrm>
             <a:off x="7408968" y="2188597"/>
-            <a:ext cx="1164188" cy="3062139"/>
+            <a:ext cx="1164188" cy="2912400"/>
           </a:xfrm>
           <a:prstGeom prst="rect">
             <a:avLst/>
@@ -4392,29 +4392,26 @@
               </a:spcAft>
             </a:pPr>
             <a:r>
-              <a:rPr lang="en-US" sz="1305" dirty="0">
-                <a:latin typeface="Lucida Sans" pitchFamily="-106" charset="0"/>
-                <a:ea typeface="ＭＳ Ｐゴシック" pitchFamily="-106" charset="-128"/>
-                <a:cs typeface="ＭＳ Ｐゴシック" pitchFamily="-106" charset="-128"/>
+              <a:rPr lang="en-US" sz="1200" dirty="0">
+                <a:latin typeface="CMU Typewriter Text Variable Width Medium" charset="0"/>
+                <a:ea typeface="CMU Typewriter Text Variable Width Medium" charset="0"/>
+                <a:cs typeface="CMU Typewriter Text Variable Width Medium" charset="0"/>
               </a:rPr>
-              <a:t>82% of </a:t>
-            </a:r>
-            <a:r>
-              <a:rPr lang="en-US" sz="1305" u="sng" dirty="0">
-                <a:latin typeface="Lucida Sans" pitchFamily="-106" charset="0"/>
-                <a:ea typeface="ＭＳ Ｐゴシック" pitchFamily="-106" charset="-128"/>
-                <a:cs typeface="ＭＳ Ｐゴシック" pitchFamily="-106" charset="-128"/>
+              <a:t>82% of streets are referenced in </a:t>
+            </a:r>
+            <a:r>
+              <a:rPr lang="en-US" sz="1200" dirty="0" smtClean="0">
+                <a:latin typeface="CMU Typewriter Text Variable Width Medium" charset="0"/>
+                <a:ea typeface="CMU Typewriter Text Variable Width Medium" charset="0"/>
+                <a:cs typeface="CMU Typewriter Text Variable Width Medium" charset="0"/>
               </a:rPr>
-              <a:t>streets</a:t>
-            </a:r>
-            <a:r>
-              <a:rPr lang="en-US" sz="1305" dirty="0">
-                <a:latin typeface="Lucida Sans" pitchFamily="-106" charset="0"/>
-                <a:ea typeface="ＭＳ Ｐゴシック" pitchFamily="-106" charset="-128"/>
-                <a:cs typeface="ＭＳ Ｐゴシック" pitchFamily="-106" charset="-128"/>
-              </a:rPr>
-              <a:t> are referenced in Land Registry’s “Price Paid Data” (LRPP)</a:t>
-            </a:r>
+              <a:t>LRPP</a:t>
+            </a:r>
+            <a:endParaRPr lang="en-US" sz="1200" dirty="0">
+              <a:latin typeface="CMU Typewriter Text Variable Width Medium" charset="0"/>
+              <a:ea typeface="CMU Typewriter Text Variable Width Medium" charset="0"/>
+              <a:cs typeface="CMU Typewriter Text Variable Width Medium" charset="0"/>
+            </a:endParaRPr>
           </a:p>
         </p:txBody>
       </p:sp>
@@ -4426,8 +4423,8 @@
         </p:nvSpPr>
         <p:spPr bwMode="auto">
           <a:xfrm>
-            <a:off x="7408968" y="5250737"/>
-            <a:ext cx="1164188" cy="448699"/>
+            <a:off x="7408968" y="5100998"/>
+            <a:ext cx="1164188" cy="637718"/>
           </a:xfrm>
           <a:prstGeom prst="rect">
             <a:avLst/>
@@ -4465,10 +4462,10 @@
                 <a:spcPct val="0"/>
               </a:spcAft>
             </a:pPr>
-            <a:endParaRPr lang="en-US" sz="1305" dirty="0">
-              <a:latin typeface="Lucida Sans" pitchFamily="-106" charset="0"/>
-              <a:ea typeface="ＭＳ Ｐゴシック" pitchFamily="-106" charset="-128"/>
-              <a:cs typeface="ＭＳ Ｐゴシック" pitchFamily="-106" charset="-128"/>
+            <a:endParaRPr lang="en-US" sz="1200" dirty="0">
+              <a:latin typeface="CMU Typewriter Text Variable Width Medium" charset="0"/>
+              <a:ea typeface="CMU Typewriter Text Variable Width Medium" charset="0"/>
+              <a:cs typeface="CMU Typewriter Text Variable Width Medium" charset="0"/>
             </a:endParaRPr>
           </a:p>
         </p:txBody>
@@ -4482,7 +4479,7 @@
         <p:spPr bwMode="auto">
           <a:xfrm>
             <a:off x="6244780" y="2188597"/>
-            <a:ext cx="1164188" cy="3510837"/>
+            <a:ext cx="1164188" cy="3553199"/>
           </a:xfrm>
           <a:prstGeom prst="rect">
             <a:avLst/>
@@ -4519,26 +4516,26 @@
               </a:spcAft>
             </a:pPr>
             <a:r>
-              <a:rPr lang="en-US" sz="1305" dirty="0">
-                <a:latin typeface="Lucida Sans" pitchFamily="-106" charset="0"/>
-                <a:ea typeface="ＭＳ Ｐゴシック" pitchFamily="-106" charset="-128"/>
-                <a:cs typeface="ＭＳ Ｐゴシック" pitchFamily="-106" charset="-128"/>
+              <a:rPr lang="en-US" sz="1200" dirty="0">
+                <a:latin typeface="CMU Typewriter Text Variable Width Medium" charset="0"/>
+                <a:ea typeface="CMU Typewriter Text Variable Width Medium" charset="0"/>
+                <a:cs typeface="CMU Typewriter Text Variable Width Medium" charset="0"/>
               </a:rPr>
               <a:t>98% of </a:t>
             </a:r>
             <a:r>
-              <a:rPr lang="en-US" sz="1305">
-                <a:latin typeface="Lucida Sans" pitchFamily="-106" charset="0"/>
-                <a:ea typeface="ＭＳ Ｐゴシック" pitchFamily="-106" charset="-128"/>
-                <a:cs typeface="ＭＳ Ｐゴシック" pitchFamily="-106" charset="-128"/>
+              <a:rPr lang="en-US" sz="1200">
+                <a:latin typeface="CMU Typewriter Text Variable Width Medium" charset="0"/>
+                <a:ea typeface="CMU Typewriter Text Variable Width Medium" charset="0"/>
+                <a:cs typeface="CMU Typewriter Text Variable Width Medium" charset="0"/>
               </a:rPr>
               <a:t>addresses include a </a:t>
             </a:r>
             <a:r>
-              <a:rPr lang="en-US" sz="1305" dirty="0">
-                <a:latin typeface="Lucida Sans" pitchFamily="-106" charset="0"/>
-                <a:ea typeface="ＭＳ Ｐゴシック" pitchFamily="-106" charset="-128"/>
-                <a:cs typeface="ＭＳ Ｐゴシック" pitchFamily="-106" charset="-128"/>
+              <a:rPr lang="en-US" sz="1200" dirty="0">
+                <a:latin typeface="CMU Typewriter Text Variable Width Medium" charset="0"/>
+                <a:ea typeface="CMU Typewriter Text Variable Width Medium" charset="0"/>
+                <a:cs typeface="CMU Typewriter Text Variable Width Medium" charset="0"/>
               </a:rPr>
               <a:t>house number</a:t>
             </a:r>
@@ -4553,8 +4550,8 @@
         </p:nvSpPr>
         <p:spPr bwMode="auto">
           <a:xfrm>
-            <a:off x="6244780" y="5704900"/>
-            <a:ext cx="1164188" cy="119342"/>
+            <a:off x="6244780" y="5741796"/>
+            <a:ext cx="1164188" cy="82446"/>
           </a:xfrm>
           <a:prstGeom prst="rect">
             <a:avLst/>
@@ -4592,10 +4589,10 @@
                 <a:spcPct val="0"/>
               </a:spcAft>
             </a:pPr>
-            <a:endParaRPr lang="en-US" sz="1305" dirty="0">
-              <a:latin typeface="Lucida Sans" pitchFamily="-106" charset="0"/>
-              <a:ea typeface="ＭＳ Ｐゴシック" pitchFamily="-106" charset="-128"/>
-              <a:cs typeface="ＭＳ Ｐゴシック" pitchFamily="-106" charset="-128"/>
+            <a:endParaRPr lang="en-US" sz="1200" dirty="0">
+              <a:latin typeface="CMU Typewriter Text Variable Width Medium" charset="0"/>
+              <a:ea typeface="CMU Typewriter Text Variable Width Medium" charset="0"/>
+              <a:cs typeface="CMU Typewriter Text Variable Width Medium" charset="0"/>
             </a:endParaRPr>
           </a:p>
         </p:txBody>
@@ -4608,8 +4605,8 @@
         </p:nvSpPr>
         <p:spPr bwMode="auto">
           <a:xfrm>
-            <a:off x="8573156" y="5037183"/>
-            <a:ext cx="1164188" cy="662251"/>
+            <a:off x="8573156" y="4703128"/>
+            <a:ext cx="1164188" cy="1029958"/>
           </a:xfrm>
           <a:prstGeom prst="rect">
             <a:avLst/>
@@ -4647,10 +4644,10 @@
                 <a:spcPct val="0"/>
               </a:spcAft>
             </a:pPr>
-            <a:endParaRPr lang="en-US" sz="1305" dirty="0">
-              <a:latin typeface="Lucida Sans" pitchFamily="-106" charset="0"/>
-              <a:ea typeface="ＭＳ Ｐゴシック" pitchFamily="-106" charset="-128"/>
-              <a:cs typeface="ＭＳ Ｐゴシック" pitchFamily="-106" charset="-128"/>
+            <a:endParaRPr lang="en-US" sz="1200" dirty="0">
+              <a:latin typeface="CMU Typewriter Text Variable Width Medium" charset="0"/>
+              <a:ea typeface="CMU Typewriter Text Variable Width Medium" charset="0"/>
+              <a:cs typeface="CMU Typewriter Text Variable Width Medium" charset="0"/>
             </a:endParaRPr>
           </a:p>
         </p:txBody>
@@ -4664,7 +4661,7 @@
         <p:spPr bwMode="auto">
           <a:xfrm>
             <a:off x="8573156" y="2183127"/>
-            <a:ext cx="1164188" cy="2854055"/>
+            <a:ext cx="1164188" cy="2520000"/>
           </a:xfrm>
           <a:prstGeom prst="rect">
             <a:avLst/>
@@ -4701,10 +4698,10 @@
               </a:spcAft>
             </a:pPr>
             <a:r>
-              <a:rPr lang="en-US" sz="1305" dirty="0">
-                <a:latin typeface="Lucida Sans" pitchFamily="-106" charset="0"/>
-                <a:ea typeface="ＭＳ Ｐゴシック" pitchFamily="-106" charset="-128"/>
-                <a:cs typeface="ＭＳ Ｐゴシック" pitchFamily="-106" charset="-128"/>
+              <a:rPr lang="en-US" sz="1200" dirty="0">
+                <a:latin typeface="CMU Typewriter Text Variable Width Medium" charset="0"/>
+                <a:ea typeface="CMU Typewriter Text Variable Width Medium" charset="0"/>
+                <a:cs typeface="CMU Typewriter Text Variable Width Medium" charset="0"/>
               </a:rPr>
               <a:t>74% of the streets qualify for house number inference</a:t>
             </a:r>
@@ -4757,10 +4754,10 @@
               </a:spcAft>
             </a:pPr>
             <a:r>
-              <a:rPr lang="en-US" sz="1142" dirty="0">
-                <a:latin typeface="Lucida Sans" pitchFamily="-106" charset="0"/>
-                <a:ea typeface="ＭＳ Ｐゴシック" pitchFamily="-106" charset="-128"/>
-                <a:cs typeface="ＭＳ Ｐゴシック" pitchFamily="-106" charset="-128"/>
+              <a:rPr lang="en-US" sz="1200" dirty="0">
+                <a:latin typeface="CMU Typewriter Text Variable Width Medium" charset="0"/>
+                <a:ea typeface="CMU Typewriter Text Variable Width Medium" charset="0"/>
+                <a:cs typeface="CMU Typewriter Text Variable Width Medium" charset="0"/>
               </a:rPr>
               <a:t>111k house numbers are in LRPP</a:t>
             </a:r>
@@ -4813,86 +4810,12 @@
               </a:spcAft>
             </a:pPr>
             <a:r>
-              <a:rPr lang="en-US" sz="1142" dirty="0">
-                <a:latin typeface="Lucida Sans" pitchFamily="-106" charset="0"/>
-                <a:ea typeface="ＭＳ Ｐゴシック" pitchFamily="-106" charset="-128"/>
-                <a:cs typeface="ＭＳ Ｐゴシック" pitchFamily="-106" charset="-128"/>
+              <a:rPr lang="en-US" sz="1200" dirty="0">
+                <a:latin typeface="CMU Typewriter Text Variable Width Medium" charset="0"/>
+                <a:ea typeface="CMU Typewriter Text Variable Width Medium" charset="0"/>
+                <a:cs typeface="CMU Typewriter Text Variable Width Medium" charset="0"/>
               </a:rPr>
               <a:t>113k house numbers can be inferred</a:t>
-            </a:r>
-          </a:p>
-        </p:txBody>
-      </p:sp>
-      <p:sp>
-        <p:nvSpPr>
-          <p:cNvPr id="16" name="Rectangle 15"/>
-          <p:cNvSpPr/>
-          <p:nvPr/>
-        </p:nvSpPr>
-        <p:spPr bwMode="auto">
-          <a:xfrm>
-            <a:off x="9737345" y="4103915"/>
-            <a:ext cx="1164188" cy="1595519"/>
-          </a:xfrm>
-          <a:prstGeom prst="rect">
-            <a:avLst/>
-          </a:prstGeom>
-          <a:solidFill>
-            <a:schemeClr val="bg1"/>
-          </a:solidFill>
-          <a:ln w="12700" cap="flat" cmpd="sng" algn="ctr">
-            <a:solidFill>
-              <a:srgbClr val="000000"/>
-            </a:solidFill>
-            <a:prstDash val="solid"/>
-            <a:round/>
-            <a:headEnd type="none" w="med" len="med"/>
-            <a:tailEnd type="none" w="med" len="med"/>
-          </a:ln>
-          <a:effectLst/>
-        </p:spPr>
-        <p:txBody>
-          <a:bodyPr vert="horz" wrap="square" lIns="99441" tIns="49721" rIns="99441" bIns="0" numCol="1" rtlCol="0" anchor="ctr" anchorCtr="0" compatLnSpc="1">
-            <a:prstTxWarp prst="textNoShape">
-              <a:avLst/>
-            </a:prstTxWarp>
-            <a:noAutofit/>
-          </a:bodyPr>
-          <a:lstStyle/>
-          <a:p>
-            <a:pPr algn="ctr" defTabSz="994355" eaLnBrk="0" fontAlgn="base" hangingPunct="0">
-              <a:spcBef>
-                <a:spcPct val="0"/>
-              </a:spcBef>
-              <a:spcAft>
-                <a:spcPct val="0"/>
-              </a:spcAft>
-            </a:pPr>
-            <a:r>
-              <a:rPr lang="en-US" sz="3480" b="1" dirty="0">
-                <a:latin typeface="Lucida Sans" pitchFamily="-106" charset="0"/>
-                <a:ea typeface="ＭＳ Ｐゴシック" pitchFamily="-106" charset="-128"/>
-                <a:cs typeface="ＭＳ Ｐゴシック" pitchFamily="-106" charset="-128"/>
-              </a:rPr>
-              <a:t>?</a:t>
-            </a:r>
-          </a:p>
-          <a:p>
-            <a:pPr algn="ctr" defTabSz="994355" eaLnBrk="0" fontAlgn="base" hangingPunct="0">
-              <a:spcBef>
-                <a:spcPct val="0"/>
-              </a:spcBef>
-              <a:spcAft>
-                <a:spcPct val="0"/>
-              </a:spcAft>
-            </a:pPr>
-            <a:r>
-              <a:rPr lang="en-US" sz="1142" dirty="0">
-                <a:latin typeface="Lucida Sans" pitchFamily="-106" charset="0"/>
-                <a:ea typeface="ＭＳ Ｐゴシック" pitchFamily="-106" charset="-128"/>
-                <a:cs typeface="ＭＳ Ｐゴシック" pitchFamily="-106" charset="-128"/>
-              </a:rPr>
-              <a:t>Not known and not suitable for inference</a:t>
             </a:r>
           </a:p>
         </p:txBody>
@@ -4918,8 +4841,8 @@
         </p:blipFill>
         <p:spPr bwMode="auto">
           <a:xfrm>
-            <a:off x="3532466" y="2188000"/>
-            <a:ext cx="2712798" cy="3632360"/>
+            <a:off x="3532466" y="2196934"/>
+            <a:ext cx="2712798" cy="3623425"/>
           </a:xfrm>
           <a:prstGeom prst="rect">
             <a:avLst/>
@@ -4935,6 +4858,79 @@
           </a:ln>
         </p:spPr>
       </p:pic>
+      <p:sp>
+        <p:nvSpPr>
+          <p:cNvPr id="2" name="Cloud 1"/>
+          <p:cNvSpPr/>
+          <p:nvPr/>
+        </p:nvSpPr>
+        <p:spPr>
+          <a:xfrm>
+            <a:off x="9624732" y="4008646"/>
+            <a:ext cx="1389413" cy="1811713"/>
+          </a:xfrm>
+          <a:prstGeom prst="cloud">
+            <a:avLst/>
+          </a:prstGeom>
+          <a:solidFill>
+            <a:schemeClr val="bg1"/>
+          </a:solidFill>
+          <a:ln>
+            <a:solidFill>
+              <a:schemeClr val="tx1"/>
+            </a:solidFill>
+          </a:ln>
+        </p:spPr>
+        <p:style>
+          <a:lnRef idx="2">
+            <a:schemeClr val="accent1">
+              <a:shade val="50000"/>
+            </a:schemeClr>
+          </a:lnRef>
+          <a:fillRef idx="1">
+            <a:schemeClr val="accent1"/>
+          </a:fillRef>
+          <a:effectRef idx="0">
+            <a:schemeClr val="accent1"/>
+          </a:effectRef>
+          <a:fontRef idx="minor">
+            <a:schemeClr val="lt1"/>
+          </a:fontRef>
+        </p:style>
+        <p:txBody>
+          <a:bodyPr lIns="0" rtlCol="0" anchor="ctr"/>
+          <a:lstStyle/>
+          <a:p>
+            <a:pPr algn="ctr" defTabSz="994355" eaLnBrk="0" fontAlgn="base" hangingPunct="0">
+              <a:spcBef>
+                <a:spcPct val="0"/>
+              </a:spcBef>
+              <a:spcAft>
+                <a:spcPct val="0"/>
+              </a:spcAft>
+            </a:pPr>
+            <a:r>
+              <a:rPr lang="en-US" sz="1200" dirty="0">
+                <a:solidFill>
+                  <a:schemeClr val="tx1"/>
+                </a:solidFill>
+                <a:latin typeface="CMU Typewriter Text Variable Width Medium" charset="0"/>
+                <a:ea typeface="CMU Typewriter Text Variable Width Medium" charset="0"/>
+                <a:cs typeface="CMU Typewriter Text Variable Width Medium" charset="0"/>
+              </a:rPr>
+              <a:t>Not known and not suitable for inference</a:t>
+            </a:r>
+            <a:endParaRPr lang="en-US" sz="1200" dirty="0">
+              <a:solidFill>
+                <a:schemeClr val="tx1"/>
+              </a:solidFill>
+              <a:latin typeface="CMU Typewriter Text Variable Width Medium" charset="0"/>
+              <a:ea typeface="CMU Typewriter Text Variable Width Medium" charset="0"/>
+              <a:cs typeface="CMU Typewriter Text Variable Width Medium" charset="0"/>
+            </a:endParaRPr>
+          </a:p>
+        </p:txBody>
+      </p:sp>
     </p:spTree>
     <p:extLst>
       <p:ext uri="{BB962C8B-B14F-4D97-AF65-F5344CB8AC3E}">

--- a/images_src/misc_powerpoint.pptx
+++ b/images_src/misc_powerpoint.pptx
@@ -3956,9 +3956,9 @@
         <p:grpSpPr>
           <a:xfrm>
             <a:off x="7693928" y="3071434"/>
-            <a:ext cx="2649332" cy="2788941"/>
+            <a:ext cx="2649332" cy="2330441"/>
             <a:chOff x="5692023" y="979017"/>
-            <a:chExt cx="2436167" cy="2564543"/>
+            <a:chExt cx="2436167" cy="2142934"/>
           </a:xfrm>
         </p:grpSpPr>
         <p:sp>
@@ -3970,7 +3970,7 @@
           <p:spPr bwMode="auto">
             <a:xfrm>
               <a:off x="5692023" y="979017"/>
-              <a:ext cx="2436167" cy="2564543"/>
+              <a:ext cx="2436167" cy="2142934"/>
             </a:xfrm>
             <a:prstGeom prst="wedgeRoundRectCallout">
               <a:avLst>
@@ -4039,32 +4039,12 @@
                 <a:buChar char="•"/>
               </a:pPr>
               <a:r>
-                <a:rPr lang="en-US" sz="1200" dirty="0">
+                <a:rPr lang="en-US" sz="1200" dirty="0" smtClean="0">
                   <a:latin typeface="CMU Typewriter Text Variable Width Medium" charset="0"/>
                   <a:ea typeface="CMU Typewriter Text Variable Width Medium" charset="0"/>
                   <a:cs typeface="CMU Typewriter Text Variable Width Medium" charset="0"/>
                 </a:rPr>
-                <a:t>4,401 “named roads”</a:t>
-              </a:r>
-            </a:p>
-            <a:p>
-              <a:pPr marL="186441" indent="-186441" defTabSz="994355" eaLnBrk="0" fontAlgn="base" hangingPunct="0">
-                <a:spcBef>
-                  <a:spcPct val="0"/>
-                </a:spcBef>
-                <a:spcAft>
-                  <a:spcPts val="652"/>
-                </a:spcAft>
-                <a:buFont typeface="Arial" charset="0"/>
-                <a:buChar char="•"/>
-              </a:pPr>
-              <a:r>
-                <a:rPr lang="en-US" sz="1200" dirty="0">
-                  <a:latin typeface="CMU Typewriter Text Variable Width Medium" charset="0"/>
-                  <a:ea typeface="CMU Typewriter Text Variable Width Medium" charset="0"/>
-                  <a:cs typeface="CMU Typewriter Text Variable Width Medium" charset="0"/>
-                </a:rPr>
-                <a:t>14,088 </a:t>
+                <a:t>3,982 “named roads</a:t>
               </a:r>
               <a:r>
                 <a:rPr lang="en-US" sz="1200" dirty="0" smtClean="0">
@@ -4072,15 +4052,8 @@
                   <a:ea typeface="CMU Typewriter Text Variable Width Medium" charset="0"/>
                   <a:cs typeface="CMU Typewriter Text Variable Width Medium" charset="0"/>
                 </a:rPr>
-                <a:t>postcodes</a:t>
+                <a:t>”</a:t>
               </a:r>
-              <a:br>
-                <a:rPr lang="en-US" sz="1200" dirty="0" smtClean="0">
-                  <a:latin typeface="CMU Typewriter Text Variable Width Medium" charset="0"/>
-                  <a:ea typeface="CMU Typewriter Text Variable Width Medium" charset="0"/>
-                  <a:cs typeface="CMU Typewriter Text Variable Width Medium" charset="0"/>
-                </a:rPr>
-              </a:br>
               <a:endParaRPr lang="en-US" sz="1200" dirty="0">
                 <a:latin typeface="CMU Typewriter Text Variable Width Medium" charset="0"/>
                 <a:ea typeface="CMU Typewriter Text Variable Width Medium" charset="0"/>

--- a/images_src/misc_powerpoint.pptx
+++ b/images_src/misc_powerpoint.pptx
@@ -5,7 +5,7 @@
     <p:sldMasterId id="2147483696" r:id="rId1"/>
   </p:sldMasterIdLst>
   <p:notesMasterIdLst>
-    <p:notesMasterId r:id="rId9"/>
+    <p:notesMasterId r:id="rId10"/>
   </p:notesMasterIdLst>
   <p:sldIdLst>
     <p:sldId id="258" r:id="rId2"/>
@@ -15,6 +15,7 @@
     <p:sldId id="262" r:id="rId6"/>
     <p:sldId id="263" r:id="rId7"/>
     <p:sldId id="264" r:id="rId8"/>
+    <p:sldId id="265" r:id="rId9"/>
   </p:sldIdLst>
   <p:sldSz cx="14400213" cy="7747000"/>
   <p:notesSz cx="6858000" cy="9144000"/>
@@ -4044,15 +4045,7 @@
                   <a:ea typeface="CMU Typewriter Text Variable Width Medium" charset="0"/>
                   <a:cs typeface="CMU Typewriter Text Variable Width Medium" charset="0"/>
                 </a:rPr>
-                <a:t>3,982 “named roads</a:t>
-              </a:r>
-              <a:r>
-                <a:rPr lang="en-US" sz="1200" dirty="0" smtClean="0">
-                  <a:latin typeface="CMU Typewriter Text Variable Width Medium" charset="0"/>
-                  <a:ea typeface="CMU Typewriter Text Variable Width Medium" charset="0"/>
-                  <a:cs typeface="CMU Typewriter Text Variable Width Medium" charset="0"/>
-                </a:rPr>
-                <a:t>”</a:t>
+                <a:t>3,982 “named roads”</a:t>
               </a:r>
               <a:endParaRPr lang="en-US" sz="1200" dirty="0">
                 <a:latin typeface="CMU Typewriter Text Variable Width Medium" charset="0"/>
@@ -4893,14 +4886,6 @@
               </a:rPr>
               <a:t>Not known and not suitable for inference</a:t>
             </a:r>
-            <a:endParaRPr lang="en-US" sz="1200" dirty="0">
-              <a:solidFill>
-                <a:schemeClr val="tx1"/>
-              </a:solidFill>
-              <a:latin typeface="CMU Typewriter Text Variable Width Medium" charset="0"/>
-              <a:ea typeface="CMU Typewriter Text Variable Width Medium" charset="0"/>
-              <a:cs typeface="CMU Typewriter Text Variable Width Medium" charset="0"/>
-            </a:endParaRPr>
           </a:p>
         </p:txBody>
       </p:sp>
@@ -8367,8 +8352,8 @@
         </p:nvSpPr>
         <p:spPr>
           <a:xfrm>
-            <a:off x="11265268" y="2103310"/>
-            <a:ext cx="1088334" cy="691296"/>
+            <a:off x="10806545" y="2103310"/>
+            <a:ext cx="1547057" cy="691296"/>
           </a:xfrm>
           <a:prstGeom prst="roundRect">
             <a:avLst/>
@@ -8409,7 +8394,7 @@
           <a:p>
             <a:pPr algn="ctr"/>
             <a:r>
-              <a:rPr lang="en-US" sz="1200">
+              <a:rPr lang="en-US" sz="1200" dirty="0" smtClean="0">
                 <a:solidFill>
                   <a:schemeClr val="tx1"/>
                 </a:solidFill>
@@ -8417,7 +8402,7 @@
                 <a:ea typeface="CMU Typewriter Text Variable Width Medium" charset="0"/>
                 <a:cs typeface="CMU Typewriter Text Variable Width Medium" charset="0"/>
               </a:rPr>
-              <a:t>Inference</a:t>
+              <a:t>Computation of additional data (e.g. inference)</a:t>
             </a:r>
             <a:endParaRPr lang="en-US" sz="1200" dirty="0">
               <a:solidFill>
@@ -8438,7 +8423,7 @@
         </p:nvSpPr>
         <p:spPr>
           <a:xfrm>
-            <a:off x="6206083" y="3765468"/>
+            <a:off x="6277339" y="3765468"/>
             <a:ext cx="1450447" cy="689819"/>
           </a:xfrm>
           <a:prstGeom prst="roundRect">
@@ -8501,7 +8486,7 @@
         </p:nvSpPr>
         <p:spPr>
           <a:xfrm>
-            <a:off x="7978144" y="3765469"/>
+            <a:off x="8007834" y="3765469"/>
             <a:ext cx="1202738" cy="693132"/>
           </a:xfrm>
           <a:prstGeom prst="roundRect">
@@ -8543,7 +8528,7 @@
           <a:p>
             <a:pPr algn="ctr"/>
             <a:r>
-              <a:rPr lang="en-US" sz="1200" dirty="0">
+              <a:rPr lang="en-US" sz="1200" dirty="0" smtClean="0">
                 <a:solidFill>
                   <a:schemeClr val="tx1"/>
                 </a:solidFill>
@@ -8551,10 +8536,10 @@
                 <a:ea typeface="CMU Typewriter Text Variable Width Medium" charset="0"/>
                 <a:cs typeface="CMU Typewriter Text Variable Width Medium" charset="0"/>
               </a:rPr>
-              <a:t>Data collection in </a:t>
-            </a:r>
-            <a:r>
-              <a:rPr lang="en-US" sz="1200" dirty="0" err="1">
+              <a:t>Crowd</a:t>
+            </a:r>
+            <a:br>
+              <a:rPr lang="en-US" sz="1200" dirty="0" smtClean="0">
                 <a:solidFill>
                   <a:schemeClr val="tx1"/>
                 </a:solidFill>
@@ -8562,7 +8547,17 @@
                 <a:ea typeface="CMU Typewriter Text Variable Width Medium" charset="0"/>
                 <a:cs typeface="CMU Typewriter Text Variable Width Medium" charset="0"/>
               </a:rPr>
-              <a:t>CrowdFlower</a:t>
+            </a:br>
+            <a:r>
+              <a:rPr lang="en-US" sz="1200" dirty="0" smtClean="0">
+                <a:solidFill>
+                  <a:schemeClr val="tx1"/>
+                </a:solidFill>
+                <a:latin typeface="CMU Typewriter Text Variable Width Medium" charset="0"/>
+                <a:ea typeface="CMU Typewriter Text Variable Width Medium" charset="0"/>
+                <a:cs typeface="CMU Typewriter Text Variable Width Medium" charset="0"/>
+              </a:rPr>
+              <a:t>sourcing</a:t>
             </a:r>
             <a:endParaRPr lang="en-US" sz="1200" dirty="0">
               <a:solidFill>
@@ -8636,8 +8631,8 @@
         </p:nvSpPr>
         <p:spPr>
           <a:xfrm>
-            <a:off x="5068959" y="3454074"/>
-            <a:ext cx="1228221" cy="646331"/>
+            <a:off x="5068959" y="3091877"/>
+            <a:ext cx="1335622" cy="1015663"/>
           </a:xfrm>
           <a:prstGeom prst="rect">
             <a:avLst/>
@@ -8651,27 +8646,35 @@
           <a:lstStyle/>
           <a:p>
             <a:r>
-              <a:rPr lang="en-US" sz="1200" dirty="0">
-                <a:latin typeface="CMU Typewriter Text Variable Width Medium" charset="0"/>
-                <a:ea typeface="CMU Typewriter Text Variable Width Medium" charset="0"/>
-                <a:cs typeface="CMU Typewriter Text Variable Width Medium" charset="0"/>
-              </a:rPr>
-              <a:t>[roads lack </a:t>
+              <a:rPr lang="en-US" sz="1200" dirty="0" smtClean="0">
+                <a:latin typeface="CMU Typewriter Text Variable Width Medium" charset="0"/>
+                <a:ea typeface="CMU Typewriter Text Variable Width Medium" charset="0"/>
+                <a:cs typeface="CMU Typewriter Text Variable Width Medium" charset="0"/>
+              </a:rPr>
+              <a:t>[data is </a:t>
+            </a:r>
+            <a:r>
+              <a:rPr lang="en-US" sz="1200" smtClean="0">
+                <a:latin typeface="CMU Typewriter Text Variable Width Medium" charset="0"/>
+                <a:ea typeface="CMU Typewriter Text Variable Width Medium" charset="0"/>
+                <a:cs typeface="CMU Typewriter Text Variable Width Medium" charset="0"/>
+              </a:rPr>
+              <a:t>missing </a:t>
             </a:r>
             <a:br>
-              <a:rPr lang="en-US" sz="1200" dirty="0">
+              <a:rPr lang="en-US" sz="1200" smtClean="0">
                 <a:latin typeface="CMU Typewriter Text Variable Width Medium" charset="0"/>
                 <a:ea typeface="CMU Typewriter Text Variable Width Medium" charset="0"/>
                 <a:cs typeface="CMU Typewriter Text Variable Width Medium" charset="0"/>
               </a:rPr>
             </a:br>
             <a:r>
-              <a:rPr lang="en-US" sz="1200" dirty="0">
-                <a:latin typeface="CMU Typewriter Text Variable Width Medium" charset="0"/>
-                <a:ea typeface="CMU Typewriter Text Variable Width Medium" charset="0"/>
-                <a:cs typeface="CMU Typewriter Text Variable Width Medium" charset="0"/>
-              </a:rPr>
-              <a:t>house </a:t>
+              <a:rPr lang="en-US" sz="1200" smtClean="0">
+                <a:latin typeface="CMU Typewriter Text Variable Width Medium" charset="0"/>
+                <a:ea typeface="CMU Typewriter Text Variable Width Medium" charset="0"/>
+                <a:cs typeface="CMU Typewriter Text Variable Width Medium" charset="0"/>
+              </a:rPr>
+              <a:t>that </a:t>
             </a:r>
             <a:r>
               <a:rPr lang="en-US" sz="1200" dirty="0" smtClean="0">
@@ -8679,31 +8682,66 @@
                 <a:ea typeface="CMU Typewriter Text Variable Width Medium" charset="0"/>
                 <a:cs typeface="CMU Typewriter Text Variable Width Medium" charset="0"/>
               </a:rPr>
-              <a:t>number </a:t>
+              <a:t>cannot </a:t>
+            </a:r>
+            <a:r>
+              <a:rPr lang="en-US" sz="1200" smtClean="0">
+                <a:latin typeface="CMU Typewriter Text Variable Width Medium" charset="0"/>
+                <a:ea typeface="CMU Typewriter Text Variable Width Medium" charset="0"/>
+                <a:cs typeface="CMU Typewriter Text Variable Width Medium" charset="0"/>
+              </a:rPr>
+              <a:t>be </a:t>
             </a:r>
             <a:br>
-              <a:rPr lang="en-US" sz="1200" dirty="0" smtClean="0">
+              <a:rPr lang="en-US" sz="1200" smtClean="0">
                 <a:latin typeface="CMU Typewriter Text Variable Width Medium" charset="0"/>
                 <a:ea typeface="CMU Typewriter Text Variable Width Medium" charset="0"/>
                 <a:cs typeface="CMU Typewriter Text Variable Width Medium" charset="0"/>
               </a:rPr>
             </a:br>
             <a:r>
-              <a:rPr lang="en-US" sz="1200" dirty="0" smtClean="0">
-                <a:latin typeface="CMU Typewriter Text Variable Width Medium" charset="0"/>
-                <a:ea typeface="CMU Typewriter Text Variable Width Medium" charset="0"/>
-                <a:cs typeface="CMU Typewriter Text Variable Width Medium" charset="0"/>
-              </a:rPr>
-              <a:t>data</a:t>
-            </a:r>
-            <a:r>
-              <a:rPr lang="en-US" sz="1200" dirty="0">
-                <a:latin typeface="CMU Typewriter Text Variable Width Medium" charset="0"/>
-                <a:ea typeface="CMU Typewriter Text Variable Width Medium" charset="0"/>
-                <a:cs typeface="CMU Typewriter Text Variable Width Medium" charset="0"/>
-              </a:rPr>
-              <a:t>]</a:t>
-            </a:r>
+              <a:rPr lang="en-US" sz="1200" smtClean="0">
+                <a:latin typeface="CMU Typewriter Text Variable Width Medium" charset="0"/>
+                <a:ea typeface="CMU Typewriter Text Variable Width Medium" charset="0"/>
+                <a:cs typeface="CMU Typewriter Text Variable Width Medium" charset="0"/>
+              </a:rPr>
+              <a:t>produced but </a:t>
+            </a:r>
+            <a:br>
+              <a:rPr lang="en-US" sz="1200" smtClean="0">
+                <a:latin typeface="CMU Typewriter Text Variable Width Medium" charset="0"/>
+                <a:ea typeface="CMU Typewriter Text Variable Width Medium" charset="0"/>
+                <a:cs typeface="CMU Typewriter Text Variable Width Medium" charset="0"/>
+              </a:rPr>
+            </a:br>
+            <a:r>
+              <a:rPr lang="en-US" sz="1200" smtClean="0">
+                <a:latin typeface="CMU Typewriter Text Variable Width Medium" charset="0"/>
+                <a:ea typeface="CMU Typewriter Text Variable Width Medium" charset="0"/>
+                <a:cs typeface="CMU Typewriter Text Variable Width Medium" charset="0"/>
+              </a:rPr>
+              <a:t>through human </a:t>
+            </a:r>
+            <a:br>
+              <a:rPr lang="en-US" sz="1200" smtClean="0">
+                <a:latin typeface="CMU Typewriter Text Variable Width Medium" charset="0"/>
+                <a:ea typeface="CMU Typewriter Text Variable Width Medium" charset="0"/>
+                <a:cs typeface="CMU Typewriter Text Variable Width Medium" charset="0"/>
+              </a:rPr>
+            </a:br>
+            <a:r>
+              <a:rPr lang="en-US" sz="1200" smtClean="0">
+                <a:latin typeface="CMU Typewriter Text Variable Width Medium" charset="0"/>
+                <a:ea typeface="CMU Typewriter Text Variable Width Medium" charset="0"/>
+                <a:cs typeface="CMU Typewriter Text Variable Width Medium" charset="0"/>
+              </a:rPr>
+              <a:t>contribution]</a:t>
+            </a:r>
+            <a:endParaRPr lang="en-US" sz="1200" dirty="0">
+              <a:latin typeface="CMU Typewriter Text Variable Width Medium" charset="0"/>
+              <a:ea typeface="CMU Typewriter Text Variable Width Medium" charset="0"/>
+              <a:cs typeface="CMU Typewriter Text Variable Width Medium" charset="0"/>
+            </a:endParaRPr>
           </a:p>
         </p:txBody>
       </p:sp>
@@ -8716,7 +8754,7 @@
         <p:spPr>
           <a:xfrm>
             <a:off x="4879399" y="4384162"/>
-            <a:ext cx="1228221" cy="646331"/>
+            <a:ext cx="917239" cy="461665"/>
           </a:xfrm>
           <a:prstGeom prst="rect">
             <a:avLst/>
@@ -8735,38 +8773,31 @@
                 <a:ea typeface="CMU Typewriter Text Variable Width Medium" charset="0"/>
                 <a:cs typeface="CMU Typewriter Text Variable Width Medium" charset="0"/>
               </a:rPr>
-              <a:t>[no road lacks </a:t>
-            </a:r>
-            <a:br>
-              <a:rPr lang="en-US" sz="1200" dirty="0">
-                <a:latin typeface="CMU Typewriter Text Variable Width Medium" charset="0"/>
-                <a:ea typeface="CMU Typewriter Text Variable Width Medium" charset="0"/>
-                <a:cs typeface="CMU Typewriter Text Variable Width Medium" charset="0"/>
-              </a:rPr>
-            </a:br>
-            <a:r>
-              <a:rPr lang="en-US" sz="1200" dirty="0">
-                <a:latin typeface="CMU Typewriter Text Variable Width Medium" charset="0"/>
-                <a:ea typeface="CMU Typewriter Text Variable Width Medium" charset="0"/>
-                <a:cs typeface="CMU Typewriter Text Variable Width Medium" charset="0"/>
-              </a:rPr>
-              <a:t>house number </a:t>
-            </a:r>
-            <a:br>
-              <a:rPr lang="en-US" sz="1200" dirty="0">
-                <a:latin typeface="CMU Typewriter Text Variable Width Medium" charset="0"/>
-                <a:ea typeface="CMU Typewriter Text Variable Width Medium" charset="0"/>
-                <a:cs typeface="CMU Typewriter Text Variable Width Medium" charset="0"/>
-              </a:rPr>
-            </a:br>
-            <a:r>
-              <a:rPr lang="en-US" sz="1200" dirty="0">
-                <a:latin typeface="CMU Typewriter Text Variable Width Medium" charset="0"/>
-                <a:ea typeface="CMU Typewriter Text Variable Width Medium" charset="0"/>
-                <a:cs typeface="CMU Typewriter Text Variable Width Medium" charset="0"/>
-              </a:rPr>
-              <a:t>data]</a:t>
-            </a:r>
+              <a:t>[no </a:t>
+            </a:r>
+            <a:r>
+              <a:rPr lang="en-US" sz="1200" dirty="0" smtClean="0">
+                <a:latin typeface="CMU Typewriter Text Variable Width Medium" charset="0"/>
+                <a:ea typeface="CMU Typewriter Text Variable Width Medium" charset="0"/>
+                <a:cs typeface="CMU Typewriter Text Variable Width Medium" charset="0"/>
+              </a:rPr>
+              <a:t>data </a:t>
+            </a:r>
+          </a:p>
+          <a:p>
+            <a:r>
+              <a:rPr lang="en-US" sz="1200" dirty="0" smtClean="0">
+                <a:latin typeface="CMU Typewriter Text Variable Width Medium" charset="0"/>
+                <a:ea typeface="CMU Typewriter Text Variable Width Medium" charset="0"/>
+                <a:cs typeface="CMU Typewriter Text Variable Width Medium" charset="0"/>
+              </a:rPr>
+              <a:t>is missing]</a:t>
+            </a:r>
+            <a:endParaRPr lang="en-US" sz="1200" dirty="0">
+              <a:latin typeface="CMU Typewriter Text Variable Width Medium" charset="0"/>
+              <a:ea typeface="CMU Typewriter Text Variable Width Medium" charset="0"/>
+              <a:cs typeface="CMU Typewriter Text Variable Width Medium" charset="0"/>
+            </a:endParaRPr>
           </a:p>
         </p:txBody>
       </p:sp>
@@ -8782,7 +8813,7 @@
         <p:spPr>
           <a:xfrm>
             <a:off x="5120300" y="4108722"/>
-            <a:ext cx="1085783" cy="1656"/>
+            <a:ext cx="1157039" cy="1656"/>
           </a:xfrm>
           <a:prstGeom prst="straightConnector1">
             <a:avLst/>
@@ -8820,8 +8851,8 @@
         </p:nvCxnSpPr>
         <p:spPr>
           <a:xfrm>
-            <a:off x="7656530" y="4110378"/>
-            <a:ext cx="321614" cy="1657"/>
+            <a:off x="7727786" y="4110378"/>
+            <a:ext cx="280048" cy="1657"/>
           </a:xfrm>
           <a:prstGeom prst="straightConnector1">
             <a:avLst/>
@@ -8912,8 +8943,8 @@
         </p:nvCxnSpPr>
         <p:spPr>
           <a:xfrm>
-            <a:off x="9180882" y="4112035"/>
-            <a:ext cx="290752" cy="0"/>
+            <a:off x="9210572" y="4112035"/>
+            <a:ext cx="261062" cy="0"/>
           </a:xfrm>
           <a:prstGeom prst="straightConnector1">
             <a:avLst/>
@@ -8952,7 +8983,7 @@
         <p:spPr>
           <a:xfrm flipV="1">
             <a:off x="11509032" y="2794606"/>
-            <a:ext cx="300403" cy="1314116"/>
+            <a:ext cx="71042" cy="1314116"/>
           </a:xfrm>
           <a:prstGeom prst="bentConnector2">
             <a:avLst/>
@@ -9432,7 +9463,7 @@
         <p:spPr>
           <a:xfrm>
             <a:off x="2831232" y="2448958"/>
-            <a:ext cx="8434036" cy="0"/>
+            <a:ext cx="7975313" cy="0"/>
           </a:xfrm>
           <a:prstGeom prst="straightConnector1">
             <a:avLst/>
@@ -9650,6 +9681,1675 @@
     <p:extLst>
       <p:ext uri="{BB962C8B-B14F-4D97-AF65-F5344CB8AC3E}">
         <p14:creationId xmlns:p14="http://schemas.microsoft.com/office/powerpoint/2010/main" val="1950742923"/>
+      </p:ext>
+    </p:extLst>
+  </p:cSld>
+  <p:clrMapOvr>
+    <a:masterClrMapping/>
+  </p:clrMapOvr>
+</p:sld>
+</file>
+
+<file path=ppt/slides/slide8.xml><?xml version="1.0" encoding="utf-8"?>
+<p:sld xmlns:a="http://schemas.openxmlformats.org/drawingml/2006/main" xmlns:r="http://schemas.openxmlformats.org/officeDocument/2006/relationships" xmlns:p="http://schemas.openxmlformats.org/presentationml/2006/main">
+  <p:cSld>
+    <p:spTree>
+      <p:nvGrpSpPr>
+        <p:cNvPr id="1" name=""/>
+        <p:cNvGrpSpPr/>
+        <p:nvPr/>
+      </p:nvGrpSpPr>
+      <p:grpSpPr>
+        <a:xfrm>
+          <a:off x="0" y="0"/>
+          <a:ext cx="0" cy="0"/>
+          <a:chOff x="0" y="0"/>
+          <a:chExt cx="0" cy="0"/>
+        </a:xfrm>
+      </p:grpSpPr>
+      <p:sp>
+        <p:nvSpPr>
+          <p:cNvPr id="13" name="Oval 12"/>
+          <p:cNvSpPr/>
+          <p:nvPr/>
+        </p:nvSpPr>
+        <p:spPr>
+          <a:xfrm>
+            <a:off x="938955" y="3116881"/>
+            <a:ext cx="200025" cy="200025"/>
+          </a:xfrm>
+          <a:prstGeom prst="ellipse">
+            <a:avLst/>
+          </a:prstGeom>
+          <a:solidFill>
+            <a:schemeClr val="tx1"/>
+          </a:solidFill>
+          <a:ln>
+            <a:solidFill>
+              <a:schemeClr val="tx1"/>
+            </a:solidFill>
+          </a:ln>
+        </p:spPr>
+        <p:style>
+          <a:lnRef idx="2">
+            <a:schemeClr val="accent1">
+              <a:shade val="50000"/>
+            </a:schemeClr>
+          </a:lnRef>
+          <a:fillRef idx="1">
+            <a:schemeClr val="accent1"/>
+          </a:fillRef>
+          <a:effectRef idx="0">
+            <a:schemeClr val="accent1"/>
+          </a:effectRef>
+          <a:fontRef idx="minor">
+            <a:schemeClr val="lt1"/>
+          </a:fontRef>
+        </p:style>
+        <p:txBody>
+          <a:bodyPr rot="0" spcFirstLastPara="0" vertOverflow="overflow" horzOverflow="overflow" vert="horz" wrap="square" lIns="91440" tIns="45720" rIns="91440" bIns="45720" numCol="1" spcCol="0" rtlCol="0" fromWordArt="0" anchor="ctr" anchorCtr="0" forceAA="0" compatLnSpc="1">
+            <a:prstTxWarp prst="textNoShape">
+              <a:avLst/>
+            </a:prstTxWarp>
+            <a:noAutofit/>
+          </a:bodyPr>
+          <a:lstStyle/>
+          <a:p>
+            <a:pPr algn="ctr"/>
+            <a:endParaRPr lang="en-US" sz="1200"/>
+          </a:p>
+        </p:txBody>
+      </p:sp>
+      <p:grpSp>
+        <p:nvGrpSpPr>
+          <p:cNvPr id="229" name="Group 228"/>
+          <p:cNvGrpSpPr/>
+          <p:nvPr/>
+        </p:nvGrpSpPr>
+        <p:grpSpPr>
+          <a:xfrm>
+            <a:off x="12449842" y="2794607"/>
+            <a:ext cx="284554" cy="284554"/>
+            <a:chOff x="12700852" y="2794607"/>
+            <a:chExt cx="284554" cy="284554"/>
+          </a:xfrm>
+        </p:grpSpPr>
+        <p:sp>
+          <p:nvSpPr>
+            <p:cNvPr id="45" name="Oval 44"/>
+            <p:cNvSpPr/>
+            <p:nvPr/>
+          </p:nvSpPr>
+          <p:spPr>
+            <a:xfrm>
+              <a:off x="12700852" y="2794607"/>
+              <a:ext cx="284554" cy="284554"/>
+            </a:xfrm>
+            <a:prstGeom prst="ellipse">
+              <a:avLst/>
+            </a:prstGeom>
+            <a:solidFill>
+              <a:schemeClr val="tx1"/>
+            </a:solidFill>
+            <a:ln>
+              <a:solidFill>
+                <a:schemeClr val="tx1"/>
+              </a:solidFill>
+            </a:ln>
+          </p:spPr>
+          <p:style>
+            <a:lnRef idx="2">
+              <a:schemeClr val="accent1">
+                <a:shade val="50000"/>
+              </a:schemeClr>
+            </a:lnRef>
+            <a:fillRef idx="1">
+              <a:schemeClr val="accent1"/>
+            </a:fillRef>
+            <a:effectRef idx="0">
+              <a:schemeClr val="accent1"/>
+            </a:effectRef>
+            <a:fontRef idx="minor">
+              <a:schemeClr val="lt1"/>
+            </a:fontRef>
+          </p:style>
+          <p:txBody>
+            <a:bodyPr rot="0" spcFirstLastPara="0" vertOverflow="overflow" horzOverflow="overflow" vert="horz" wrap="square" lIns="91440" tIns="45720" rIns="91440" bIns="45720" numCol="1" spcCol="0" rtlCol="0" fromWordArt="0" anchor="ctr" anchorCtr="0" forceAA="0" compatLnSpc="1">
+              <a:prstTxWarp prst="textNoShape">
+                <a:avLst/>
+              </a:prstTxWarp>
+              <a:noAutofit/>
+            </a:bodyPr>
+            <a:lstStyle/>
+            <a:p>
+              <a:pPr algn="ctr"/>
+              <a:endParaRPr lang="en-US" sz="1200"/>
+            </a:p>
+          </p:txBody>
+        </p:sp>
+        <p:sp>
+          <p:nvSpPr>
+            <p:cNvPr id="46" name="Oval 45"/>
+            <p:cNvSpPr/>
+            <p:nvPr/>
+          </p:nvSpPr>
+          <p:spPr>
+            <a:xfrm>
+              <a:off x="12735725" y="2829480"/>
+              <a:ext cx="214809" cy="214809"/>
+            </a:xfrm>
+            <a:prstGeom prst="ellipse">
+              <a:avLst/>
+            </a:prstGeom>
+            <a:noFill/>
+            <a:ln w="22225">
+              <a:solidFill>
+                <a:schemeClr val="bg1"/>
+              </a:solidFill>
+            </a:ln>
+          </p:spPr>
+          <p:style>
+            <a:lnRef idx="2">
+              <a:schemeClr val="accent1">
+                <a:shade val="50000"/>
+              </a:schemeClr>
+            </a:lnRef>
+            <a:fillRef idx="1">
+              <a:schemeClr val="accent1"/>
+            </a:fillRef>
+            <a:effectRef idx="0">
+              <a:schemeClr val="accent1"/>
+            </a:effectRef>
+            <a:fontRef idx="minor">
+              <a:schemeClr val="lt1"/>
+            </a:fontRef>
+          </p:style>
+          <p:txBody>
+            <a:bodyPr rot="0" spcFirstLastPara="0" vertOverflow="overflow" horzOverflow="overflow" vert="horz" wrap="square" lIns="91440" tIns="45720" rIns="91440" bIns="45720" numCol="1" spcCol="0" rtlCol="0" fromWordArt="0" anchor="ctr" anchorCtr="0" forceAA="0" compatLnSpc="1">
+              <a:prstTxWarp prst="textNoShape">
+                <a:avLst/>
+              </a:prstTxWarp>
+              <a:noAutofit/>
+            </a:bodyPr>
+            <a:lstStyle/>
+            <a:p>
+              <a:pPr algn="ctr"/>
+              <a:endParaRPr lang="en-US" sz="1200"/>
+            </a:p>
+          </p:txBody>
+        </p:sp>
+      </p:grpSp>
+      <p:sp>
+        <p:nvSpPr>
+          <p:cNvPr id="15" name="Rounded Rectangle 14"/>
+          <p:cNvSpPr/>
+          <p:nvPr/>
+        </p:nvSpPr>
+        <p:spPr>
+          <a:xfrm>
+            <a:off x="1470221" y="2808849"/>
+            <a:ext cx="1032141" cy="816086"/>
+          </a:xfrm>
+          <a:prstGeom prst="roundRect">
+            <a:avLst/>
+          </a:prstGeom>
+          <a:solidFill>
+            <a:schemeClr val="bg1"/>
+          </a:solidFill>
+          <a:ln>
+            <a:solidFill>
+              <a:schemeClr val="tx1"/>
+            </a:solidFill>
+          </a:ln>
+        </p:spPr>
+        <p:style>
+          <a:lnRef idx="2">
+            <a:schemeClr val="accent1">
+              <a:shade val="50000"/>
+            </a:schemeClr>
+          </a:lnRef>
+          <a:fillRef idx="1">
+            <a:schemeClr val="accent1"/>
+          </a:fillRef>
+          <a:effectRef idx="0">
+            <a:schemeClr val="accent1"/>
+          </a:effectRef>
+          <a:fontRef idx="minor">
+            <a:schemeClr val="lt1"/>
+          </a:fontRef>
+        </p:style>
+        <p:txBody>
+          <a:bodyPr rot="0" spcFirstLastPara="0" vertOverflow="overflow" horzOverflow="overflow" vert="horz" wrap="square" lIns="91440" tIns="45720" rIns="91440" bIns="45720" numCol="1" spcCol="0" rtlCol="0" fromWordArt="0" anchor="ctr" anchorCtr="0" forceAA="0" compatLnSpc="1">
+            <a:prstTxWarp prst="textNoShape">
+              <a:avLst/>
+            </a:prstTxWarp>
+            <a:noAutofit/>
+          </a:bodyPr>
+          <a:lstStyle/>
+          <a:p>
+            <a:pPr algn="ctr"/>
+            <a:r>
+              <a:rPr lang="en-US" sz="1200" dirty="0">
+                <a:solidFill>
+                  <a:schemeClr val="tx1"/>
+                </a:solidFill>
+                <a:latin typeface="CMU Typewriter Text Variable Width Medium" charset="0"/>
+                <a:ea typeface="CMU Typewriter Text Variable Width Medium" charset="0"/>
+                <a:cs typeface="CMU Typewriter Text Variable Width Medium" charset="0"/>
+              </a:rPr>
+              <a:t>Ingestion of primary data sources</a:t>
+            </a:r>
+          </a:p>
+        </p:txBody>
+      </p:sp>
+      <p:cxnSp>
+        <p:nvCxnSpPr>
+          <p:cNvPr id="62" name="Straight Arrow Connector 61"/>
+          <p:cNvCxnSpPr>
+            <a:stCxn id="13" idx="6"/>
+            <a:endCxn id="15" idx="1"/>
+          </p:cNvCxnSpPr>
+          <p:nvPr/>
+        </p:nvCxnSpPr>
+        <p:spPr>
+          <a:xfrm flipV="1">
+            <a:off x="1138980" y="3216892"/>
+            <a:ext cx="331241" cy="2"/>
+          </a:xfrm>
+          <a:prstGeom prst="straightConnector1">
+            <a:avLst/>
+          </a:prstGeom>
+          <a:ln>
+            <a:solidFill>
+              <a:schemeClr val="tx1"/>
+            </a:solidFill>
+            <a:tailEnd type="triangle" w="lg" len="lg"/>
+          </a:ln>
+        </p:spPr>
+        <p:style>
+          <a:lnRef idx="1">
+            <a:schemeClr val="accent1"/>
+          </a:lnRef>
+          <a:fillRef idx="0">
+            <a:schemeClr val="accent1"/>
+          </a:fillRef>
+          <a:effectRef idx="0">
+            <a:schemeClr val="accent1"/>
+          </a:effectRef>
+          <a:fontRef idx="minor">
+            <a:schemeClr val="tx1"/>
+          </a:fontRef>
+        </p:style>
+      </p:cxnSp>
+      <p:sp>
+        <p:nvSpPr>
+          <p:cNvPr id="26" name="Rectangle 25"/>
+          <p:cNvSpPr/>
+          <p:nvPr/>
+        </p:nvSpPr>
+        <p:spPr>
+          <a:xfrm>
+            <a:off x="2831232" y="2202947"/>
+            <a:ext cx="45719" cy="2203804"/>
+          </a:xfrm>
+          <a:prstGeom prst="rect">
+            <a:avLst/>
+          </a:prstGeom>
+          <a:solidFill>
+            <a:schemeClr val="tx1"/>
+          </a:solidFill>
+          <a:ln>
+            <a:noFill/>
+          </a:ln>
+        </p:spPr>
+        <p:style>
+          <a:lnRef idx="2">
+            <a:schemeClr val="accent1">
+              <a:shade val="50000"/>
+            </a:schemeClr>
+          </a:lnRef>
+          <a:fillRef idx="1">
+            <a:schemeClr val="accent1"/>
+          </a:fillRef>
+          <a:effectRef idx="0">
+            <a:schemeClr val="accent1"/>
+          </a:effectRef>
+          <a:fontRef idx="minor">
+            <a:schemeClr val="lt1"/>
+          </a:fontRef>
+        </p:style>
+        <p:txBody>
+          <a:bodyPr rot="0" spcFirstLastPara="0" vertOverflow="overflow" horzOverflow="overflow" vert="horz" wrap="square" lIns="91440" tIns="45720" rIns="91440" bIns="45720" numCol="1" spcCol="0" rtlCol="0" fromWordArt="0" anchor="ctr" anchorCtr="0" forceAA="0" compatLnSpc="1">
+            <a:prstTxWarp prst="textNoShape">
+              <a:avLst/>
+            </a:prstTxWarp>
+            <a:noAutofit/>
+          </a:bodyPr>
+          <a:lstStyle/>
+          <a:p>
+            <a:pPr algn="ctr"/>
+            <a:endParaRPr lang="en-US" sz="1200"/>
+          </a:p>
+        </p:txBody>
+      </p:sp>
+      <p:cxnSp>
+        <p:nvCxnSpPr>
+          <p:cNvPr id="77" name="Straight Arrow Connector 76"/>
+          <p:cNvCxnSpPr>
+            <a:stCxn id="15" idx="3"/>
+          </p:cNvCxnSpPr>
+          <p:nvPr/>
+        </p:nvCxnSpPr>
+        <p:spPr>
+          <a:xfrm>
+            <a:off x="2502362" y="3216892"/>
+            <a:ext cx="331241" cy="0"/>
+          </a:xfrm>
+          <a:prstGeom prst="straightConnector1">
+            <a:avLst/>
+          </a:prstGeom>
+          <a:ln>
+            <a:solidFill>
+              <a:schemeClr val="tx1"/>
+            </a:solidFill>
+            <a:tailEnd type="triangle" w="lg" len="lg"/>
+          </a:ln>
+        </p:spPr>
+        <p:style>
+          <a:lnRef idx="1">
+            <a:schemeClr val="accent1"/>
+          </a:lnRef>
+          <a:fillRef idx="0">
+            <a:schemeClr val="accent1"/>
+          </a:fillRef>
+          <a:effectRef idx="0">
+            <a:schemeClr val="accent1"/>
+          </a:effectRef>
+          <a:fontRef idx="minor">
+            <a:schemeClr val="tx1"/>
+          </a:fontRef>
+        </p:style>
+      </p:cxnSp>
+      <p:sp>
+        <p:nvSpPr>
+          <p:cNvPr id="80" name="Rounded Rectangle 79"/>
+          <p:cNvSpPr/>
+          <p:nvPr/>
+        </p:nvSpPr>
+        <p:spPr>
+          <a:xfrm>
+            <a:off x="11265268" y="2103310"/>
+            <a:ext cx="1088334" cy="691296"/>
+          </a:xfrm>
+          <a:prstGeom prst="roundRect">
+            <a:avLst/>
+          </a:prstGeom>
+          <a:solidFill>
+            <a:schemeClr val="bg1"/>
+          </a:solidFill>
+          <a:ln>
+            <a:solidFill>
+              <a:schemeClr val="tx1"/>
+            </a:solidFill>
+          </a:ln>
+        </p:spPr>
+        <p:style>
+          <a:lnRef idx="2">
+            <a:schemeClr val="accent1">
+              <a:shade val="50000"/>
+            </a:schemeClr>
+          </a:lnRef>
+          <a:fillRef idx="1">
+            <a:schemeClr val="accent1"/>
+          </a:fillRef>
+          <a:effectRef idx="0">
+            <a:schemeClr val="accent1"/>
+          </a:effectRef>
+          <a:fontRef idx="minor">
+            <a:schemeClr val="lt1"/>
+          </a:fontRef>
+        </p:style>
+        <p:txBody>
+          <a:bodyPr rot="0" spcFirstLastPara="0" vertOverflow="overflow" horzOverflow="overflow" vert="horz" wrap="square" lIns="91440" tIns="45720" rIns="91440" bIns="45720" numCol="1" spcCol="0" rtlCol="0" fromWordArt="0" anchor="ctr" anchorCtr="0" forceAA="0" compatLnSpc="1">
+            <a:prstTxWarp prst="textNoShape">
+              <a:avLst/>
+            </a:prstTxWarp>
+            <a:noAutofit/>
+          </a:bodyPr>
+          <a:lstStyle/>
+          <a:p>
+            <a:pPr algn="ctr"/>
+            <a:r>
+              <a:rPr lang="en-US" sz="1200">
+                <a:solidFill>
+                  <a:schemeClr val="tx1"/>
+                </a:solidFill>
+                <a:latin typeface="CMU Typewriter Text Variable Width Medium" charset="0"/>
+                <a:ea typeface="CMU Typewriter Text Variable Width Medium" charset="0"/>
+                <a:cs typeface="CMU Typewriter Text Variable Width Medium" charset="0"/>
+              </a:rPr>
+              <a:t>Inference</a:t>
+            </a:r>
+            <a:endParaRPr lang="en-US" sz="1200" dirty="0">
+              <a:solidFill>
+                <a:schemeClr val="tx1"/>
+              </a:solidFill>
+              <a:latin typeface="CMU Typewriter Text Variable Width Medium" charset="0"/>
+              <a:ea typeface="CMU Typewriter Text Variable Width Medium" charset="0"/>
+              <a:cs typeface="CMU Typewriter Text Variable Width Medium" charset="0"/>
+            </a:endParaRPr>
+          </a:p>
+        </p:txBody>
+      </p:sp>
+      <p:sp>
+        <p:nvSpPr>
+          <p:cNvPr id="84" name="Rounded Rectangle 83"/>
+          <p:cNvSpPr/>
+          <p:nvPr/>
+        </p:nvSpPr>
+        <p:spPr>
+          <a:xfrm>
+            <a:off x="6206083" y="3765468"/>
+            <a:ext cx="1450447" cy="689819"/>
+          </a:xfrm>
+          <a:prstGeom prst="roundRect">
+            <a:avLst/>
+          </a:prstGeom>
+          <a:solidFill>
+            <a:schemeClr val="bg1"/>
+          </a:solidFill>
+          <a:ln>
+            <a:solidFill>
+              <a:schemeClr val="tx1"/>
+            </a:solidFill>
+          </a:ln>
+        </p:spPr>
+        <p:style>
+          <a:lnRef idx="2">
+            <a:schemeClr val="accent1">
+              <a:shade val="50000"/>
+            </a:schemeClr>
+          </a:lnRef>
+          <a:fillRef idx="1">
+            <a:schemeClr val="accent1"/>
+          </a:fillRef>
+          <a:effectRef idx="0">
+            <a:schemeClr val="accent1"/>
+          </a:effectRef>
+          <a:fontRef idx="minor">
+            <a:schemeClr val="lt1"/>
+          </a:fontRef>
+        </p:style>
+        <p:txBody>
+          <a:bodyPr rot="0" spcFirstLastPara="0" vertOverflow="overflow" horzOverflow="overflow" vert="horz" wrap="square" lIns="91440" tIns="45720" rIns="91440" bIns="45720" numCol="1" spcCol="0" rtlCol="0" fromWordArt="0" anchor="ctr" anchorCtr="0" forceAA="0" compatLnSpc="1">
+            <a:prstTxWarp prst="textNoShape">
+              <a:avLst/>
+            </a:prstTxWarp>
+            <a:noAutofit/>
+          </a:bodyPr>
+          <a:lstStyle/>
+          <a:p>
+            <a:pPr algn="ctr"/>
+            <a:r>
+              <a:rPr lang="en-US" sz="1200" dirty="0">
+                <a:solidFill>
+                  <a:schemeClr val="tx1"/>
+                </a:solidFill>
+                <a:latin typeface="CMU Typewriter Text Variable Width Medium" charset="0"/>
+                <a:ea typeface="CMU Typewriter Text Variable Width Medium" charset="0"/>
+                <a:cs typeface="CMU Typewriter Text Variable Width Medium" charset="0"/>
+              </a:rPr>
+              <a:t>Preparation and augmentation for crowdsourcing</a:t>
+            </a:r>
+          </a:p>
+        </p:txBody>
+      </p:sp>
+      <p:sp>
+        <p:nvSpPr>
+          <p:cNvPr id="91" name="Rounded Rectangle 90"/>
+          <p:cNvSpPr/>
+          <p:nvPr/>
+        </p:nvSpPr>
+        <p:spPr>
+          <a:xfrm>
+            <a:off x="7978144" y="3765469"/>
+            <a:ext cx="1202738" cy="693132"/>
+          </a:xfrm>
+          <a:prstGeom prst="roundRect">
+            <a:avLst/>
+          </a:prstGeom>
+          <a:solidFill>
+            <a:schemeClr val="bg1"/>
+          </a:solidFill>
+          <a:ln>
+            <a:solidFill>
+              <a:schemeClr val="tx1"/>
+            </a:solidFill>
+          </a:ln>
+        </p:spPr>
+        <p:style>
+          <a:lnRef idx="2">
+            <a:schemeClr val="accent1">
+              <a:shade val="50000"/>
+            </a:schemeClr>
+          </a:lnRef>
+          <a:fillRef idx="1">
+            <a:schemeClr val="accent1"/>
+          </a:fillRef>
+          <a:effectRef idx="0">
+            <a:schemeClr val="accent1"/>
+          </a:effectRef>
+          <a:fontRef idx="minor">
+            <a:schemeClr val="lt1"/>
+          </a:fontRef>
+        </p:style>
+        <p:txBody>
+          <a:bodyPr rot="0" spcFirstLastPara="0" vertOverflow="overflow" horzOverflow="overflow" vert="horz" wrap="square" lIns="91440" tIns="45720" rIns="91440" bIns="45720" numCol="1" spcCol="0" rtlCol="0" fromWordArt="0" anchor="ctr" anchorCtr="0" forceAA="0" compatLnSpc="1">
+            <a:prstTxWarp prst="textNoShape">
+              <a:avLst/>
+            </a:prstTxWarp>
+            <a:noAutofit/>
+          </a:bodyPr>
+          <a:lstStyle/>
+          <a:p>
+            <a:pPr algn="ctr"/>
+            <a:r>
+              <a:rPr lang="en-US" sz="1200" dirty="0">
+                <a:solidFill>
+                  <a:schemeClr val="tx1"/>
+                </a:solidFill>
+                <a:latin typeface="CMU Typewriter Text Variable Width Medium" charset="0"/>
+                <a:ea typeface="CMU Typewriter Text Variable Width Medium" charset="0"/>
+                <a:cs typeface="CMU Typewriter Text Variable Width Medium" charset="0"/>
+              </a:rPr>
+              <a:t>Data collection in </a:t>
+            </a:r>
+            <a:r>
+              <a:rPr lang="en-US" sz="1200" dirty="0" err="1">
+                <a:solidFill>
+                  <a:schemeClr val="tx1"/>
+                </a:solidFill>
+                <a:latin typeface="CMU Typewriter Text Variable Width Medium" charset="0"/>
+                <a:ea typeface="CMU Typewriter Text Variable Width Medium" charset="0"/>
+                <a:cs typeface="CMU Typewriter Text Variable Width Medium" charset="0"/>
+              </a:rPr>
+              <a:t>CrowdFlower</a:t>
+            </a:r>
+            <a:endParaRPr lang="en-US" sz="1200" dirty="0">
+              <a:solidFill>
+                <a:schemeClr val="tx1"/>
+              </a:solidFill>
+              <a:latin typeface="CMU Typewriter Text Variable Width Medium" charset="0"/>
+              <a:ea typeface="CMU Typewriter Text Variable Width Medium" charset="0"/>
+              <a:cs typeface="CMU Typewriter Text Variable Width Medium" charset="0"/>
+            </a:endParaRPr>
+          </a:p>
+        </p:txBody>
+      </p:sp>
+      <p:sp>
+        <p:nvSpPr>
+          <p:cNvPr id="98" name="Diamond 97"/>
+          <p:cNvSpPr/>
+          <p:nvPr/>
+        </p:nvSpPr>
+        <p:spPr>
+          <a:xfrm>
+            <a:off x="4590266" y="3843705"/>
+            <a:ext cx="530034" cy="530034"/>
+          </a:xfrm>
+          <a:prstGeom prst="diamond">
+            <a:avLst/>
+          </a:prstGeom>
+          <a:solidFill>
+            <a:schemeClr val="bg1"/>
+          </a:solidFill>
+          <a:ln>
+            <a:solidFill>
+              <a:schemeClr val="tx1"/>
+            </a:solidFill>
+          </a:ln>
+        </p:spPr>
+        <p:style>
+          <a:lnRef idx="2">
+            <a:schemeClr val="accent1">
+              <a:shade val="50000"/>
+            </a:schemeClr>
+          </a:lnRef>
+          <a:fillRef idx="1">
+            <a:schemeClr val="accent1"/>
+          </a:fillRef>
+          <a:effectRef idx="0">
+            <a:schemeClr val="accent1"/>
+          </a:effectRef>
+          <a:fontRef idx="minor">
+            <a:schemeClr val="lt1"/>
+          </a:fontRef>
+        </p:style>
+        <p:txBody>
+          <a:bodyPr rot="0" spcFirstLastPara="0" vertOverflow="overflow" horzOverflow="overflow" vert="horz" wrap="square" lIns="91440" tIns="45720" rIns="91440" bIns="45720" numCol="1" spcCol="0" rtlCol="0" fromWordArt="0" anchor="ctr" anchorCtr="0" forceAA="0" compatLnSpc="1">
+            <a:prstTxWarp prst="textNoShape">
+              <a:avLst/>
+            </a:prstTxWarp>
+            <a:noAutofit/>
+          </a:bodyPr>
+          <a:lstStyle/>
+          <a:p>
+            <a:pPr algn="ctr"/>
+            <a:endParaRPr lang="en-US" sz="1200"/>
+          </a:p>
+        </p:txBody>
+      </p:sp>
+      <p:sp>
+        <p:nvSpPr>
+          <p:cNvPr id="101" name="TextBox 100"/>
+          <p:cNvSpPr txBox="1"/>
+          <p:nvPr/>
+        </p:nvSpPr>
+        <p:spPr>
+          <a:xfrm>
+            <a:off x="5068959" y="3454074"/>
+            <a:ext cx="1228221" cy="646331"/>
+          </a:xfrm>
+          <a:prstGeom prst="rect">
+            <a:avLst/>
+          </a:prstGeom>
+          <a:noFill/>
+        </p:spPr>
+        <p:txBody>
+          <a:bodyPr wrap="none" rtlCol="0">
+            <a:spAutoFit/>
+          </a:bodyPr>
+          <a:lstStyle/>
+          <a:p>
+            <a:r>
+              <a:rPr lang="en-US" sz="1200" dirty="0" smtClean="0">
+                <a:latin typeface="CMU Typewriter Text Variable Width Medium" charset="0"/>
+                <a:ea typeface="CMU Typewriter Text Variable Width Medium" charset="0"/>
+                <a:cs typeface="CMU Typewriter Text Variable Width Medium" charset="0"/>
+              </a:rPr>
+              <a:t>[roads lack </a:t>
+            </a:r>
+            <a:br>
+              <a:rPr lang="en-US" sz="1200" dirty="0" smtClean="0">
+                <a:latin typeface="CMU Typewriter Text Variable Width Medium" charset="0"/>
+                <a:ea typeface="CMU Typewriter Text Variable Width Medium" charset="0"/>
+                <a:cs typeface="CMU Typewriter Text Variable Width Medium" charset="0"/>
+              </a:rPr>
+            </a:br>
+            <a:r>
+              <a:rPr lang="en-US" sz="1200" dirty="0" smtClean="0">
+                <a:latin typeface="CMU Typewriter Text Variable Width Medium" charset="0"/>
+                <a:ea typeface="CMU Typewriter Text Variable Width Medium" charset="0"/>
+                <a:cs typeface="CMU Typewriter Text Variable Width Medium" charset="0"/>
+              </a:rPr>
+              <a:t>house number </a:t>
+            </a:r>
+            <a:br>
+              <a:rPr lang="en-US" sz="1200" dirty="0" smtClean="0">
+                <a:latin typeface="CMU Typewriter Text Variable Width Medium" charset="0"/>
+                <a:ea typeface="CMU Typewriter Text Variable Width Medium" charset="0"/>
+                <a:cs typeface="CMU Typewriter Text Variable Width Medium" charset="0"/>
+              </a:rPr>
+            </a:br>
+            <a:r>
+              <a:rPr lang="en-US" sz="1200" dirty="0" smtClean="0">
+                <a:latin typeface="CMU Typewriter Text Variable Width Medium" charset="0"/>
+                <a:ea typeface="CMU Typewriter Text Variable Width Medium" charset="0"/>
+                <a:cs typeface="CMU Typewriter Text Variable Width Medium" charset="0"/>
+              </a:rPr>
+              <a:t>data]</a:t>
+            </a:r>
+            <a:endParaRPr lang="en-US" sz="1200" dirty="0">
+              <a:latin typeface="CMU Typewriter Text Variable Width Medium" charset="0"/>
+              <a:ea typeface="CMU Typewriter Text Variable Width Medium" charset="0"/>
+              <a:cs typeface="CMU Typewriter Text Variable Width Medium" charset="0"/>
+            </a:endParaRPr>
+          </a:p>
+        </p:txBody>
+      </p:sp>
+      <p:sp>
+        <p:nvSpPr>
+          <p:cNvPr id="102" name="TextBox 101"/>
+          <p:cNvSpPr txBox="1"/>
+          <p:nvPr/>
+        </p:nvSpPr>
+        <p:spPr>
+          <a:xfrm>
+            <a:off x="4879399" y="4384162"/>
+            <a:ext cx="1228221" cy="646331"/>
+          </a:xfrm>
+          <a:prstGeom prst="rect">
+            <a:avLst/>
+          </a:prstGeom>
+          <a:noFill/>
+        </p:spPr>
+        <p:txBody>
+          <a:bodyPr wrap="none" rtlCol="0">
+            <a:spAutoFit/>
+          </a:bodyPr>
+          <a:lstStyle/>
+          <a:p>
+            <a:r>
+              <a:rPr lang="en-US" sz="1200" dirty="0">
+                <a:latin typeface="CMU Typewriter Text Variable Width Medium" charset="0"/>
+                <a:ea typeface="CMU Typewriter Text Variable Width Medium" charset="0"/>
+                <a:cs typeface="CMU Typewriter Text Variable Width Medium" charset="0"/>
+              </a:rPr>
+              <a:t>[no road lacks </a:t>
+            </a:r>
+            <a:br>
+              <a:rPr lang="en-US" sz="1200" dirty="0">
+                <a:latin typeface="CMU Typewriter Text Variable Width Medium" charset="0"/>
+                <a:ea typeface="CMU Typewriter Text Variable Width Medium" charset="0"/>
+                <a:cs typeface="CMU Typewriter Text Variable Width Medium" charset="0"/>
+              </a:rPr>
+            </a:br>
+            <a:r>
+              <a:rPr lang="en-US" sz="1200" dirty="0">
+                <a:latin typeface="CMU Typewriter Text Variable Width Medium" charset="0"/>
+                <a:ea typeface="CMU Typewriter Text Variable Width Medium" charset="0"/>
+                <a:cs typeface="CMU Typewriter Text Variable Width Medium" charset="0"/>
+              </a:rPr>
+              <a:t>house number </a:t>
+            </a:r>
+            <a:br>
+              <a:rPr lang="en-US" sz="1200" dirty="0">
+                <a:latin typeface="CMU Typewriter Text Variable Width Medium" charset="0"/>
+                <a:ea typeface="CMU Typewriter Text Variable Width Medium" charset="0"/>
+                <a:cs typeface="CMU Typewriter Text Variable Width Medium" charset="0"/>
+              </a:rPr>
+            </a:br>
+            <a:r>
+              <a:rPr lang="en-US" sz="1200" dirty="0">
+                <a:latin typeface="CMU Typewriter Text Variable Width Medium" charset="0"/>
+                <a:ea typeface="CMU Typewriter Text Variable Width Medium" charset="0"/>
+                <a:cs typeface="CMU Typewriter Text Variable Width Medium" charset="0"/>
+              </a:rPr>
+              <a:t>data]</a:t>
+            </a:r>
+          </a:p>
+        </p:txBody>
+      </p:sp>
+      <p:cxnSp>
+        <p:nvCxnSpPr>
+          <p:cNvPr id="103" name="Straight Arrow Connector 102"/>
+          <p:cNvCxnSpPr>
+            <a:stCxn id="98" idx="3"/>
+            <a:endCxn id="84" idx="1"/>
+          </p:cNvCxnSpPr>
+          <p:nvPr/>
+        </p:nvCxnSpPr>
+        <p:spPr>
+          <a:xfrm>
+            <a:off x="5120300" y="4108722"/>
+            <a:ext cx="1085783" cy="1656"/>
+          </a:xfrm>
+          <a:prstGeom prst="straightConnector1">
+            <a:avLst/>
+          </a:prstGeom>
+          <a:ln>
+            <a:solidFill>
+              <a:schemeClr val="tx1"/>
+            </a:solidFill>
+            <a:tailEnd type="triangle" w="lg" len="lg"/>
+          </a:ln>
+        </p:spPr>
+        <p:style>
+          <a:lnRef idx="1">
+            <a:schemeClr val="accent1"/>
+          </a:lnRef>
+          <a:fillRef idx="0">
+            <a:schemeClr val="accent1"/>
+          </a:fillRef>
+          <a:effectRef idx="0">
+            <a:schemeClr val="accent1"/>
+          </a:effectRef>
+          <a:fontRef idx="minor">
+            <a:schemeClr val="tx1"/>
+          </a:fontRef>
+        </p:style>
+      </p:cxnSp>
+      <p:cxnSp>
+        <p:nvCxnSpPr>
+          <p:cNvPr id="108" name="Straight Arrow Connector 107"/>
+          <p:cNvCxnSpPr>
+            <a:stCxn id="84" idx="3"/>
+            <a:endCxn id="91" idx="1"/>
+          </p:cNvCxnSpPr>
+          <p:nvPr/>
+        </p:nvCxnSpPr>
+        <p:spPr>
+          <a:xfrm>
+            <a:off x="7656530" y="4110378"/>
+            <a:ext cx="321614" cy="1657"/>
+          </a:xfrm>
+          <a:prstGeom prst="straightConnector1">
+            <a:avLst/>
+          </a:prstGeom>
+          <a:ln>
+            <a:solidFill>
+              <a:schemeClr val="tx1"/>
+            </a:solidFill>
+            <a:tailEnd type="triangle" w="lg" len="lg"/>
+          </a:ln>
+        </p:spPr>
+        <p:style>
+          <a:lnRef idx="1">
+            <a:schemeClr val="accent1"/>
+          </a:lnRef>
+          <a:fillRef idx="0">
+            <a:schemeClr val="accent1"/>
+          </a:fillRef>
+          <a:effectRef idx="0">
+            <a:schemeClr val="accent1"/>
+          </a:effectRef>
+          <a:fontRef idx="minor">
+            <a:schemeClr val="tx1"/>
+          </a:fontRef>
+        </p:style>
+      </p:cxnSp>
+      <p:sp>
+        <p:nvSpPr>
+          <p:cNvPr id="113" name="Diamond 112"/>
+          <p:cNvSpPr/>
+          <p:nvPr/>
+        </p:nvSpPr>
+        <p:spPr>
+          <a:xfrm>
+            <a:off x="10978998" y="3843705"/>
+            <a:ext cx="530034" cy="530034"/>
+          </a:xfrm>
+          <a:prstGeom prst="diamond">
+            <a:avLst/>
+          </a:prstGeom>
+          <a:solidFill>
+            <a:schemeClr val="bg1"/>
+          </a:solidFill>
+          <a:ln>
+            <a:solidFill>
+              <a:schemeClr val="tx1"/>
+            </a:solidFill>
+          </a:ln>
+        </p:spPr>
+        <p:style>
+          <a:lnRef idx="2">
+            <a:schemeClr val="accent1">
+              <a:shade val="50000"/>
+            </a:schemeClr>
+          </a:lnRef>
+          <a:fillRef idx="1">
+            <a:schemeClr val="accent1"/>
+          </a:fillRef>
+          <a:effectRef idx="0">
+            <a:schemeClr val="accent1"/>
+          </a:effectRef>
+          <a:fontRef idx="minor">
+            <a:schemeClr val="lt1"/>
+          </a:fontRef>
+        </p:style>
+        <p:txBody>
+          <a:bodyPr rot="0" spcFirstLastPara="0" vertOverflow="overflow" horzOverflow="overflow" vert="horz" wrap="square" lIns="91440" tIns="45720" rIns="91440" bIns="45720" numCol="1" spcCol="0" rtlCol="0" fromWordArt="0" anchor="ctr" anchorCtr="0" forceAA="0" compatLnSpc="1">
+            <a:prstTxWarp prst="textNoShape">
+              <a:avLst/>
+            </a:prstTxWarp>
+            <a:noAutofit/>
+          </a:bodyPr>
+          <a:lstStyle/>
+          <a:p>
+            <a:pPr algn="ctr"/>
+            <a:endParaRPr lang="en-US" sz="1200"/>
+          </a:p>
+        </p:txBody>
+      </p:sp>
+      <p:cxnSp>
+        <p:nvCxnSpPr>
+          <p:cNvPr id="114" name="Straight Arrow Connector 113"/>
+          <p:cNvCxnSpPr>
+            <a:stCxn id="91" idx="3"/>
+            <a:endCxn id="166" idx="1"/>
+          </p:cNvCxnSpPr>
+          <p:nvPr/>
+        </p:nvCxnSpPr>
+        <p:spPr>
+          <a:xfrm>
+            <a:off x="9180882" y="4112035"/>
+            <a:ext cx="290752" cy="0"/>
+          </a:xfrm>
+          <a:prstGeom prst="straightConnector1">
+            <a:avLst/>
+          </a:prstGeom>
+          <a:ln>
+            <a:solidFill>
+              <a:schemeClr val="tx1"/>
+            </a:solidFill>
+            <a:tailEnd type="triangle" w="lg" len="lg"/>
+          </a:ln>
+        </p:spPr>
+        <p:style>
+          <a:lnRef idx="1">
+            <a:schemeClr val="accent1"/>
+          </a:lnRef>
+          <a:fillRef idx="0">
+            <a:schemeClr val="accent1"/>
+          </a:fillRef>
+          <a:effectRef idx="0">
+            <a:schemeClr val="accent1"/>
+          </a:effectRef>
+          <a:fontRef idx="minor">
+            <a:schemeClr val="tx1"/>
+          </a:fontRef>
+        </p:style>
+      </p:cxnSp>
+      <p:cxnSp>
+        <p:nvCxnSpPr>
+          <p:cNvPr id="119" name="Elbow Connector 118"/>
+          <p:cNvCxnSpPr>
+            <a:stCxn id="113" idx="3"/>
+            <a:endCxn id="80" idx="2"/>
+          </p:cNvCxnSpPr>
+          <p:nvPr/>
+        </p:nvCxnSpPr>
+        <p:spPr>
+          <a:xfrm flipV="1">
+            <a:off x="11509032" y="2794606"/>
+            <a:ext cx="300403" cy="1314116"/>
+          </a:xfrm>
+          <a:prstGeom prst="bentConnector2">
+            <a:avLst/>
+          </a:prstGeom>
+          <a:ln>
+            <a:solidFill>
+              <a:schemeClr val="tx1"/>
+            </a:solidFill>
+            <a:tailEnd type="triangle" w="lg" len="lg"/>
+          </a:ln>
+        </p:spPr>
+        <p:style>
+          <a:lnRef idx="1">
+            <a:schemeClr val="accent1"/>
+          </a:lnRef>
+          <a:fillRef idx="0">
+            <a:schemeClr val="accent1"/>
+          </a:fillRef>
+          <a:effectRef idx="0">
+            <a:schemeClr val="accent1"/>
+          </a:effectRef>
+          <a:fontRef idx="minor">
+            <a:schemeClr val="tx1"/>
+          </a:fontRef>
+        </p:style>
+      </p:cxnSp>
+      <p:cxnSp>
+        <p:nvCxnSpPr>
+          <p:cNvPr id="121" name="Elbow Connector 120"/>
+          <p:cNvCxnSpPr>
+            <a:stCxn id="113" idx="0"/>
+            <a:endCxn id="139" idx="0"/>
+          </p:cNvCxnSpPr>
+          <p:nvPr/>
+        </p:nvCxnSpPr>
+        <p:spPr>
+          <a:xfrm rot="16200000" flipV="1">
+            <a:off x="7390696" y="-9615"/>
+            <a:ext cx="12700" cy="7706639"/>
+          </a:xfrm>
+          <a:prstGeom prst="bentConnector3">
+            <a:avLst>
+              <a:gd name="adj1" fmla="val 6709079"/>
+            </a:avLst>
+          </a:prstGeom>
+          <a:ln>
+            <a:solidFill>
+              <a:schemeClr val="tx1"/>
+            </a:solidFill>
+            <a:tailEnd type="triangle" w="lg" len="lg"/>
+          </a:ln>
+        </p:spPr>
+        <p:style>
+          <a:lnRef idx="1">
+            <a:schemeClr val="accent1"/>
+          </a:lnRef>
+          <a:fillRef idx="0">
+            <a:schemeClr val="accent1"/>
+          </a:fillRef>
+          <a:effectRef idx="0">
+            <a:schemeClr val="accent1"/>
+          </a:effectRef>
+          <a:fontRef idx="minor">
+            <a:schemeClr val="tx1"/>
+          </a:fontRef>
+        </p:style>
+      </p:cxnSp>
+      <p:sp>
+        <p:nvSpPr>
+          <p:cNvPr id="136" name="TextBox 135"/>
+          <p:cNvSpPr txBox="1"/>
+          <p:nvPr/>
+        </p:nvSpPr>
+        <p:spPr>
+          <a:xfrm>
+            <a:off x="9987925" y="3003137"/>
+            <a:ext cx="1263487" cy="461665"/>
+          </a:xfrm>
+          <a:prstGeom prst="rect">
+            <a:avLst/>
+          </a:prstGeom>
+          <a:noFill/>
+        </p:spPr>
+        <p:txBody>
+          <a:bodyPr wrap="none" rtlCol="0">
+            <a:spAutoFit/>
+          </a:bodyPr>
+          <a:lstStyle/>
+          <a:p>
+            <a:r>
+              <a:rPr lang="en-US" sz="1200" dirty="0">
+                <a:latin typeface="CMU Typewriter Text Variable Width Medium" charset="0"/>
+                <a:ea typeface="CMU Typewriter Text Variable Width Medium" charset="0"/>
+                <a:cs typeface="CMU Typewriter Text Variable Width Medium" charset="0"/>
+              </a:rPr>
+              <a:t>[collection was </a:t>
+            </a:r>
+            <a:br>
+              <a:rPr lang="en-US" sz="1200" dirty="0">
+                <a:latin typeface="CMU Typewriter Text Variable Width Medium" charset="0"/>
+                <a:ea typeface="CMU Typewriter Text Variable Width Medium" charset="0"/>
+                <a:cs typeface="CMU Typewriter Text Variable Width Medium" charset="0"/>
+              </a:rPr>
+            </a:br>
+            <a:r>
+              <a:rPr lang="en-US" sz="1200" dirty="0">
+                <a:latin typeface="CMU Typewriter Text Variable Width Medium" charset="0"/>
+                <a:ea typeface="CMU Typewriter Text Variable Width Medium" charset="0"/>
+                <a:cs typeface="CMU Typewriter Text Variable Width Medium" charset="0"/>
+              </a:rPr>
+              <a:t>not successful]</a:t>
+            </a:r>
+          </a:p>
+        </p:txBody>
+      </p:sp>
+      <p:sp>
+        <p:nvSpPr>
+          <p:cNvPr id="137" name="TextBox 136"/>
+          <p:cNvSpPr txBox="1"/>
+          <p:nvPr/>
+        </p:nvSpPr>
+        <p:spPr>
+          <a:xfrm>
+            <a:off x="11456554" y="4125086"/>
+            <a:ext cx="949299" cy="646331"/>
+          </a:xfrm>
+          <a:prstGeom prst="rect">
+            <a:avLst/>
+          </a:prstGeom>
+          <a:noFill/>
+        </p:spPr>
+        <p:txBody>
+          <a:bodyPr wrap="none" rtlCol="0">
+            <a:spAutoFit/>
+          </a:bodyPr>
+          <a:lstStyle/>
+          <a:p>
+            <a:r>
+              <a:rPr lang="en-US" sz="1200" dirty="0">
+                <a:latin typeface="CMU Typewriter Text Variable Width Medium" charset="0"/>
+                <a:ea typeface="CMU Typewriter Text Variable Width Medium" charset="0"/>
+                <a:cs typeface="CMU Typewriter Text Variable Width Medium" charset="0"/>
+              </a:rPr>
+              <a:t>[collection </a:t>
+            </a:r>
+            <a:br>
+              <a:rPr lang="en-US" sz="1200" dirty="0">
+                <a:latin typeface="CMU Typewriter Text Variable Width Medium" charset="0"/>
+                <a:ea typeface="CMU Typewriter Text Variable Width Medium" charset="0"/>
+                <a:cs typeface="CMU Typewriter Text Variable Width Medium" charset="0"/>
+              </a:rPr>
+            </a:br>
+            <a:r>
+              <a:rPr lang="en-US" sz="1200" dirty="0">
+                <a:latin typeface="CMU Typewriter Text Variable Width Medium" charset="0"/>
+                <a:ea typeface="CMU Typewriter Text Variable Width Medium" charset="0"/>
+                <a:cs typeface="CMU Typewriter Text Variable Width Medium" charset="0"/>
+              </a:rPr>
+              <a:t>was </a:t>
+            </a:r>
+            <a:br>
+              <a:rPr lang="en-US" sz="1200" dirty="0">
+                <a:latin typeface="CMU Typewriter Text Variable Width Medium" charset="0"/>
+                <a:ea typeface="CMU Typewriter Text Variable Width Medium" charset="0"/>
+                <a:cs typeface="CMU Typewriter Text Variable Width Medium" charset="0"/>
+              </a:rPr>
+            </a:br>
+            <a:r>
+              <a:rPr lang="en-US" sz="1200" dirty="0">
+                <a:latin typeface="CMU Typewriter Text Variable Width Medium" charset="0"/>
+                <a:ea typeface="CMU Typewriter Text Variable Width Medium" charset="0"/>
+                <a:cs typeface="CMU Typewriter Text Variable Width Medium" charset="0"/>
+              </a:rPr>
+              <a:t>successful]</a:t>
+            </a:r>
+          </a:p>
+        </p:txBody>
+      </p:sp>
+      <p:sp>
+        <p:nvSpPr>
+          <p:cNvPr id="139" name="Diamond 138"/>
+          <p:cNvSpPr/>
+          <p:nvPr/>
+        </p:nvSpPr>
+        <p:spPr>
+          <a:xfrm>
+            <a:off x="3272359" y="3843705"/>
+            <a:ext cx="530034" cy="530034"/>
+          </a:xfrm>
+          <a:prstGeom prst="diamond">
+            <a:avLst/>
+          </a:prstGeom>
+          <a:solidFill>
+            <a:schemeClr val="bg1"/>
+          </a:solidFill>
+          <a:ln>
+            <a:solidFill>
+              <a:schemeClr val="tx1"/>
+            </a:solidFill>
+          </a:ln>
+        </p:spPr>
+        <p:style>
+          <a:lnRef idx="2">
+            <a:schemeClr val="accent1">
+              <a:shade val="50000"/>
+            </a:schemeClr>
+          </a:lnRef>
+          <a:fillRef idx="1">
+            <a:schemeClr val="accent1"/>
+          </a:fillRef>
+          <a:effectRef idx="0">
+            <a:schemeClr val="accent1"/>
+          </a:effectRef>
+          <a:fontRef idx="minor">
+            <a:schemeClr val="lt1"/>
+          </a:fontRef>
+        </p:style>
+        <p:txBody>
+          <a:bodyPr rot="0" spcFirstLastPara="0" vertOverflow="overflow" horzOverflow="overflow" vert="horz" wrap="square" lIns="91440" tIns="45720" rIns="91440" bIns="45720" numCol="1" spcCol="0" rtlCol="0" fromWordArt="0" anchor="ctr" anchorCtr="0" forceAA="0" compatLnSpc="1">
+            <a:prstTxWarp prst="textNoShape">
+              <a:avLst/>
+            </a:prstTxWarp>
+            <a:noAutofit/>
+          </a:bodyPr>
+          <a:lstStyle/>
+          <a:p>
+            <a:pPr algn="ctr"/>
+            <a:endParaRPr lang="en-US" sz="1200"/>
+          </a:p>
+        </p:txBody>
+      </p:sp>
+      <p:cxnSp>
+        <p:nvCxnSpPr>
+          <p:cNvPr id="142" name="Straight Arrow Connector 141"/>
+          <p:cNvCxnSpPr>
+            <a:stCxn id="139" idx="3"/>
+            <a:endCxn id="98" idx="1"/>
+          </p:cNvCxnSpPr>
+          <p:nvPr/>
+        </p:nvCxnSpPr>
+        <p:spPr>
+          <a:xfrm>
+            <a:off x="3802393" y="4108722"/>
+            <a:ext cx="787873" cy="0"/>
+          </a:xfrm>
+          <a:prstGeom prst="straightConnector1">
+            <a:avLst/>
+          </a:prstGeom>
+          <a:ln>
+            <a:solidFill>
+              <a:schemeClr val="tx1"/>
+            </a:solidFill>
+            <a:tailEnd type="triangle" w="lg" len="lg"/>
+          </a:ln>
+        </p:spPr>
+        <p:style>
+          <a:lnRef idx="1">
+            <a:schemeClr val="accent1"/>
+          </a:lnRef>
+          <a:fillRef idx="0">
+            <a:schemeClr val="accent1"/>
+          </a:fillRef>
+          <a:effectRef idx="0">
+            <a:schemeClr val="accent1"/>
+          </a:effectRef>
+          <a:fontRef idx="minor">
+            <a:schemeClr val="tx1"/>
+          </a:fontRef>
+        </p:style>
+      </p:cxnSp>
+      <p:sp>
+        <p:nvSpPr>
+          <p:cNvPr id="147" name="TextBox 146"/>
+          <p:cNvSpPr txBox="1"/>
+          <p:nvPr/>
+        </p:nvSpPr>
+        <p:spPr>
+          <a:xfrm>
+            <a:off x="3713194" y="3462392"/>
+            <a:ext cx="915635" cy="646331"/>
+          </a:xfrm>
+          <a:prstGeom prst="rect">
+            <a:avLst/>
+          </a:prstGeom>
+          <a:noFill/>
+        </p:spPr>
+        <p:txBody>
+          <a:bodyPr wrap="none" rtlCol="0">
+            <a:spAutoFit/>
+          </a:bodyPr>
+          <a:lstStyle/>
+          <a:p>
+            <a:r>
+              <a:rPr lang="en-US" sz="1200" dirty="0">
+                <a:latin typeface="CMU Typewriter Text Variable Width Medium" charset="0"/>
+                <a:ea typeface="CMU Typewriter Text Variable Width Medium" charset="0"/>
+                <a:cs typeface="CMU Typewriter Text Variable Width Medium" charset="0"/>
+              </a:rPr>
+              <a:t>[no stop </a:t>
+            </a:r>
+            <a:br>
+              <a:rPr lang="en-US" sz="1200" dirty="0">
+                <a:latin typeface="CMU Typewriter Text Variable Width Medium" charset="0"/>
+                <a:ea typeface="CMU Typewriter Text Variable Width Medium" charset="0"/>
+                <a:cs typeface="CMU Typewriter Text Variable Width Medium" charset="0"/>
+              </a:rPr>
+            </a:br>
+            <a:r>
+              <a:rPr lang="en-US" sz="1200" dirty="0">
+                <a:latin typeface="CMU Typewriter Text Variable Width Medium" charset="0"/>
+                <a:ea typeface="CMU Typewriter Text Variable Width Medium" charset="0"/>
+                <a:cs typeface="CMU Typewriter Text Variable Width Medium" charset="0"/>
+              </a:rPr>
+              <a:t>condition</a:t>
+            </a:r>
+          </a:p>
+          <a:p>
+            <a:r>
+              <a:rPr lang="en-US" sz="1200" dirty="0">
+                <a:latin typeface="CMU Typewriter Text Variable Width Medium" charset="0"/>
+                <a:ea typeface="CMU Typewriter Text Variable Width Medium" charset="0"/>
+                <a:cs typeface="CMU Typewriter Text Variable Width Medium" charset="0"/>
+              </a:rPr>
+              <a:t>is verified]</a:t>
+            </a:r>
+          </a:p>
+        </p:txBody>
+      </p:sp>
+      <p:cxnSp>
+        <p:nvCxnSpPr>
+          <p:cNvPr id="150" name="Straight Arrow Connector 149"/>
+          <p:cNvCxnSpPr>
+            <a:endCxn id="139" idx="1"/>
+          </p:cNvCxnSpPr>
+          <p:nvPr/>
+        </p:nvCxnSpPr>
+        <p:spPr>
+          <a:xfrm>
+            <a:off x="2870527" y="4108722"/>
+            <a:ext cx="401832" cy="0"/>
+          </a:xfrm>
+          <a:prstGeom prst="straightConnector1">
+            <a:avLst/>
+          </a:prstGeom>
+          <a:ln>
+            <a:solidFill>
+              <a:schemeClr val="tx1"/>
+            </a:solidFill>
+            <a:tailEnd type="triangle" w="lg" len="lg"/>
+          </a:ln>
+        </p:spPr>
+        <p:style>
+          <a:lnRef idx="1">
+            <a:schemeClr val="accent1"/>
+          </a:lnRef>
+          <a:fillRef idx="0">
+            <a:schemeClr val="accent1"/>
+          </a:fillRef>
+          <a:effectRef idx="0">
+            <a:schemeClr val="accent1"/>
+          </a:effectRef>
+          <a:fontRef idx="minor">
+            <a:schemeClr val="tx1"/>
+          </a:fontRef>
+        </p:style>
+      </p:cxnSp>
+      <p:sp>
+        <p:nvSpPr>
+          <p:cNvPr id="166" name="Rounded Rectangle 165"/>
+          <p:cNvSpPr/>
+          <p:nvPr/>
+        </p:nvSpPr>
+        <p:spPr>
+          <a:xfrm>
+            <a:off x="9471634" y="3765469"/>
+            <a:ext cx="1183662" cy="693132"/>
+          </a:xfrm>
+          <a:prstGeom prst="roundRect">
+            <a:avLst/>
+          </a:prstGeom>
+          <a:solidFill>
+            <a:schemeClr val="bg1"/>
+          </a:solidFill>
+          <a:ln>
+            <a:solidFill>
+              <a:schemeClr val="tx1"/>
+            </a:solidFill>
+          </a:ln>
+        </p:spPr>
+        <p:style>
+          <a:lnRef idx="2">
+            <a:schemeClr val="accent1">
+              <a:shade val="50000"/>
+            </a:schemeClr>
+          </a:lnRef>
+          <a:fillRef idx="1">
+            <a:schemeClr val="accent1"/>
+          </a:fillRef>
+          <a:effectRef idx="0">
+            <a:schemeClr val="accent1"/>
+          </a:effectRef>
+          <a:fontRef idx="minor">
+            <a:schemeClr val="lt1"/>
+          </a:fontRef>
+        </p:style>
+        <p:txBody>
+          <a:bodyPr rot="0" spcFirstLastPara="0" vertOverflow="overflow" horzOverflow="overflow" vert="horz" wrap="square" lIns="91440" tIns="45720" rIns="91440" bIns="45720" numCol="1" spcCol="0" rtlCol="0" fromWordArt="0" anchor="ctr" anchorCtr="0" forceAA="0" compatLnSpc="1">
+            <a:prstTxWarp prst="textNoShape">
+              <a:avLst/>
+            </a:prstTxWarp>
+            <a:noAutofit/>
+          </a:bodyPr>
+          <a:lstStyle/>
+          <a:p>
+            <a:pPr algn="ctr"/>
+            <a:r>
+              <a:rPr lang="en-US" sz="1200" dirty="0">
+                <a:solidFill>
+                  <a:schemeClr val="tx1"/>
+                </a:solidFill>
+                <a:latin typeface="CMU Typewriter Text Variable Width Medium" charset="0"/>
+                <a:ea typeface="CMU Typewriter Text Variable Width Medium" charset="0"/>
+                <a:cs typeface="CMU Typewriter Text Variable Width Medium" charset="0"/>
+              </a:rPr>
+              <a:t>Assessment of collected data</a:t>
+            </a:r>
+          </a:p>
+        </p:txBody>
+      </p:sp>
+      <p:cxnSp>
+        <p:nvCxnSpPr>
+          <p:cNvPr id="168" name="Straight Arrow Connector 167"/>
+          <p:cNvCxnSpPr>
+            <a:stCxn id="166" idx="3"/>
+            <a:endCxn id="113" idx="1"/>
+          </p:cNvCxnSpPr>
+          <p:nvPr/>
+        </p:nvCxnSpPr>
+        <p:spPr>
+          <a:xfrm flipV="1">
+            <a:off x="10655296" y="4108722"/>
+            <a:ext cx="323702" cy="3313"/>
+          </a:xfrm>
+          <a:prstGeom prst="straightConnector1">
+            <a:avLst/>
+          </a:prstGeom>
+          <a:ln>
+            <a:solidFill>
+              <a:schemeClr val="tx1"/>
+            </a:solidFill>
+            <a:tailEnd type="triangle" w="lg" len="lg"/>
+          </a:ln>
+        </p:spPr>
+        <p:style>
+          <a:lnRef idx="1">
+            <a:schemeClr val="accent1"/>
+          </a:lnRef>
+          <a:fillRef idx="0">
+            <a:schemeClr val="accent1"/>
+          </a:fillRef>
+          <a:effectRef idx="0">
+            <a:schemeClr val="accent1"/>
+          </a:effectRef>
+          <a:fontRef idx="minor">
+            <a:schemeClr val="tx1"/>
+          </a:fontRef>
+        </p:style>
+      </p:cxnSp>
+      <p:cxnSp>
+        <p:nvCxnSpPr>
+          <p:cNvPr id="185" name="Straight Arrow Connector 184"/>
+          <p:cNvCxnSpPr>
+            <a:endCxn id="80" idx="1"/>
+          </p:cNvCxnSpPr>
+          <p:nvPr/>
+        </p:nvCxnSpPr>
+        <p:spPr>
+          <a:xfrm>
+            <a:off x="2831232" y="2448958"/>
+            <a:ext cx="8434036" cy="0"/>
+          </a:xfrm>
+          <a:prstGeom prst="straightConnector1">
+            <a:avLst/>
+          </a:prstGeom>
+          <a:ln>
+            <a:solidFill>
+              <a:schemeClr val="tx1"/>
+            </a:solidFill>
+            <a:tailEnd type="triangle" w="lg" len="lg"/>
+          </a:ln>
+        </p:spPr>
+        <p:style>
+          <a:lnRef idx="1">
+            <a:schemeClr val="accent1"/>
+          </a:lnRef>
+          <a:fillRef idx="0">
+            <a:schemeClr val="accent1"/>
+          </a:fillRef>
+          <a:effectRef idx="0">
+            <a:schemeClr val="accent1"/>
+          </a:effectRef>
+          <a:fontRef idx="minor">
+            <a:schemeClr val="tx1"/>
+          </a:fontRef>
+        </p:style>
+      </p:cxnSp>
+      <p:cxnSp>
+        <p:nvCxnSpPr>
+          <p:cNvPr id="194" name="Elbow Connector 193"/>
+          <p:cNvCxnSpPr>
+            <a:stCxn id="80" idx="3"/>
+            <a:endCxn id="45" idx="0"/>
+          </p:cNvCxnSpPr>
+          <p:nvPr/>
+        </p:nvCxnSpPr>
+        <p:spPr>
+          <a:xfrm>
+            <a:off x="12353602" y="2448958"/>
+            <a:ext cx="238517" cy="345649"/>
+          </a:xfrm>
+          <a:prstGeom prst="bentConnector2">
+            <a:avLst/>
+          </a:prstGeom>
+          <a:ln>
+            <a:solidFill>
+              <a:schemeClr val="tx1"/>
+            </a:solidFill>
+            <a:tailEnd type="triangle" w="lg" len="lg"/>
+          </a:ln>
+        </p:spPr>
+        <p:style>
+          <a:lnRef idx="1">
+            <a:schemeClr val="accent1"/>
+          </a:lnRef>
+          <a:fillRef idx="0">
+            <a:schemeClr val="accent1"/>
+          </a:fillRef>
+          <a:effectRef idx="0">
+            <a:schemeClr val="accent1"/>
+          </a:effectRef>
+          <a:fontRef idx="minor">
+            <a:schemeClr val="tx1"/>
+          </a:fontRef>
+        </p:style>
+      </p:cxnSp>
+      <p:cxnSp>
+        <p:nvCxnSpPr>
+          <p:cNvPr id="198" name="Elbow Connector 197"/>
+          <p:cNvCxnSpPr>
+            <a:stCxn id="98" idx="2"/>
+            <a:endCxn id="45" idx="4"/>
+          </p:cNvCxnSpPr>
+          <p:nvPr/>
+        </p:nvCxnSpPr>
+        <p:spPr>
+          <a:xfrm rot="5400000" flipH="1" flipV="1">
+            <a:off x="8076412" y="-141968"/>
+            <a:ext cx="1294578" cy="7736836"/>
+          </a:xfrm>
+          <a:prstGeom prst="bentConnector3">
+            <a:avLst>
+              <a:gd name="adj1" fmla="val -55052"/>
+            </a:avLst>
+          </a:prstGeom>
+          <a:ln>
+            <a:solidFill>
+              <a:schemeClr val="tx1"/>
+            </a:solidFill>
+            <a:tailEnd type="triangle" w="lg" len="lg"/>
+          </a:ln>
+        </p:spPr>
+        <p:style>
+          <a:lnRef idx="1">
+            <a:schemeClr val="accent1"/>
+          </a:lnRef>
+          <a:fillRef idx="0">
+            <a:schemeClr val="accent1"/>
+          </a:fillRef>
+          <a:effectRef idx="0">
+            <a:schemeClr val="accent1"/>
+          </a:effectRef>
+          <a:fontRef idx="minor">
+            <a:schemeClr val="tx1"/>
+          </a:fontRef>
+        </p:style>
+      </p:cxnSp>
+      <p:cxnSp>
+        <p:nvCxnSpPr>
+          <p:cNvPr id="202" name="Elbow Connector 201"/>
+          <p:cNvCxnSpPr>
+            <a:stCxn id="139" idx="2"/>
+            <a:endCxn id="45" idx="4"/>
+          </p:cNvCxnSpPr>
+          <p:nvPr/>
+        </p:nvCxnSpPr>
+        <p:spPr>
+          <a:xfrm rot="5400000" flipH="1" flipV="1">
+            <a:off x="7417458" y="-800922"/>
+            <a:ext cx="1294578" cy="9054743"/>
+          </a:xfrm>
+          <a:prstGeom prst="bentConnector3">
+            <a:avLst>
+              <a:gd name="adj1" fmla="val -55052"/>
+            </a:avLst>
+          </a:prstGeom>
+          <a:ln>
+            <a:solidFill>
+              <a:schemeClr val="tx1"/>
+            </a:solidFill>
+            <a:tailEnd type="triangle" w="lg" len="lg"/>
+          </a:ln>
+        </p:spPr>
+        <p:style>
+          <a:lnRef idx="1">
+            <a:schemeClr val="accent1"/>
+          </a:lnRef>
+          <a:fillRef idx="0">
+            <a:schemeClr val="accent1"/>
+          </a:fillRef>
+          <a:effectRef idx="0">
+            <a:schemeClr val="accent1"/>
+          </a:effectRef>
+          <a:fontRef idx="minor">
+            <a:schemeClr val="tx1"/>
+          </a:fontRef>
+        </p:style>
+      </p:cxnSp>
+      <p:sp>
+        <p:nvSpPr>
+          <p:cNvPr id="211" name="TextBox 210"/>
+          <p:cNvSpPr txBox="1"/>
+          <p:nvPr/>
+        </p:nvSpPr>
+        <p:spPr>
+          <a:xfrm>
+            <a:off x="3542917" y="4384162"/>
+            <a:ext cx="915635" cy="646331"/>
+          </a:xfrm>
+          <a:prstGeom prst="rect">
+            <a:avLst/>
+          </a:prstGeom>
+          <a:noFill/>
+        </p:spPr>
+        <p:txBody>
+          <a:bodyPr wrap="none" rtlCol="0">
+            <a:spAutoFit/>
+          </a:bodyPr>
+          <a:lstStyle/>
+          <a:p>
+            <a:r>
+              <a:rPr lang="en-US" sz="1200">
+                <a:latin typeface="CMU Typewriter Text Variable Width Medium" charset="0"/>
+                <a:ea typeface="CMU Typewriter Text Variable Width Medium" charset="0"/>
+                <a:cs typeface="CMU Typewriter Text Variable Width Medium" charset="0"/>
+              </a:rPr>
+              <a:t>[any </a:t>
+            </a:r>
+            <a:r>
+              <a:rPr lang="en-US" sz="1200" dirty="0">
+                <a:latin typeface="CMU Typewriter Text Variable Width Medium" charset="0"/>
+                <a:ea typeface="CMU Typewriter Text Variable Width Medium" charset="0"/>
+                <a:cs typeface="CMU Typewriter Text Variable Width Medium" charset="0"/>
+              </a:rPr>
+              <a:t>stop </a:t>
+            </a:r>
+            <a:br>
+              <a:rPr lang="en-US" sz="1200" dirty="0">
+                <a:latin typeface="CMU Typewriter Text Variable Width Medium" charset="0"/>
+                <a:ea typeface="CMU Typewriter Text Variable Width Medium" charset="0"/>
+                <a:cs typeface="CMU Typewriter Text Variable Width Medium" charset="0"/>
+              </a:rPr>
+            </a:br>
+            <a:r>
+              <a:rPr lang="en-US" sz="1200" dirty="0">
+                <a:latin typeface="CMU Typewriter Text Variable Width Medium" charset="0"/>
+                <a:ea typeface="CMU Typewriter Text Variable Width Medium" charset="0"/>
+                <a:cs typeface="CMU Typewriter Text Variable Width Medium" charset="0"/>
+              </a:rPr>
+              <a:t>condition</a:t>
+            </a:r>
+          </a:p>
+          <a:p>
+            <a:r>
+              <a:rPr lang="en-US" sz="1200" dirty="0">
+                <a:latin typeface="CMU Typewriter Text Variable Width Medium" charset="0"/>
+                <a:ea typeface="CMU Typewriter Text Variable Width Medium" charset="0"/>
+                <a:cs typeface="CMU Typewriter Text Variable Width Medium" charset="0"/>
+              </a:rPr>
+              <a:t>is verified]</a:t>
+            </a:r>
+          </a:p>
+        </p:txBody>
+      </p:sp>
+    </p:spTree>
+    <p:extLst>
+      <p:ext uri="{BB962C8B-B14F-4D97-AF65-F5344CB8AC3E}">
+        <p14:creationId xmlns:p14="http://schemas.microsoft.com/office/powerpoint/2010/main" val="262439839"/>
       </p:ext>
     </p:extLst>
   </p:cSld>

--- a/images_src/misc_powerpoint.pptx
+++ b/images_src/misc_powerpoint.pptx
@@ -204,7 +204,7 @@
           <a:p>
             <a:fld id="{8A2C6B5F-9BC6-4B49-8DDC-1983D75D835F}" type="datetimeFigureOut">
               <a:rPr lang="en-US" smtClean="0"/>
-              <a:t>1/7/16</a:t>
+              <a:t>1/10/16</a:t>
             </a:fld>
             <a:endParaRPr lang="en-US"/>
           </a:p>
@@ -829,7 +829,7 @@
           <a:p>
             <a:fld id="{70491AAC-A65D-7044-B83C-B384503BD135}" type="datetimeFigureOut">
               <a:rPr lang="en-US" smtClean="0"/>
-              <a:t>1/7/16</a:t>
+              <a:t>1/10/16</a:t>
             </a:fld>
             <a:endParaRPr lang="en-US"/>
           </a:p>
@@ -999,7 +999,7 @@
           <a:p>
             <a:fld id="{70491AAC-A65D-7044-B83C-B384503BD135}" type="datetimeFigureOut">
               <a:rPr lang="en-US" smtClean="0"/>
-              <a:t>1/7/16</a:t>
+              <a:t>1/10/16</a:t>
             </a:fld>
             <a:endParaRPr lang="en-US"/>
           </a:p>
@@ -1179,7 +1179,7 @@
           <a:p>
             <a:fld id="{70491AAC-A65D-7044-B83C-B384503BD135}" type="datetimeFigureOut">
               <a:rPr lang="en-US" smtClean="0"/>
-              <a:t>1/7/16</a:t>
+              <a:t>1/10/16</a:t>
             </a:fld>
             <a:endParaRPr lang="en-US"/>
           </a:p>
@@ -1349,7 +1349,7 @@
           <a:p>
             <a:fld id="{70491AAC-A65D-7044-B83C-B384503BD135}" type="datetimeFigureOut">
               <a:rPr lang="en-US" smtClean="0"/>
-              <a:t>1/7/16</a:t>
+              <a:t>1/10/16</a:t>
             </a:fld>
             <a:endParaRPr lang="en-US"/>
           </a:p>
@@ -1595,7 +1595,7 @@
           <a:p>
             <a:fld id="{70491AAC-A65D-7044-B83C-B384503BD135}" type="datetimeFigureOut">
               <a:rPr lang="en-US" smtClean="0"/>
-              <a:t>1/7/16</a:t>
+              <a:t>1/10/16</a:t>
             </a:fld>
             <a:endParaRPr lang="en-US"/>
           </a:p>
@@ -1827,7 +1827,7 @@
           <a:p>
             <a:fld id="{70491AAC-A65D-7044-B83C-B384503BD135}" type="datetimeFigureOut">
               <a:rPr lang="en-US" smtClean="0"/>
-              <a:t>1/7/16</a:t>
+              <a:t>1/10/16</a:t>
             </a:fld>
             <a:endParaRPr lang="en-US"/>
           </a:p>
@@ -2194,7 +2194,7 @@
           <a:p>
             <a:fld id="{70491AAC-A65D-7044-B83C-B384503BD135}" type="datetimeFigureOut">
               <a:rPr lang="en-US" smtClean="0"/>
-              <a:t>1/7/16</a:t>
+              <a:t>1/10/16</a:t>
             </a:fld>
             <a:endParaRPr lang="en-US"/>
           </a:p>
@@ -2312,7 +2312,7 @@
           <a:p>
             <a:fld id="{70491AAC-A65D-7044-B83C-B384503BD135}" type="datetimeFigureOut">
               <a:rPr lang="en-US" smtClean="0"/>
-              <a:t>1/7/16</a:t>
+              <a:t>1/10/16</a:t>
             </a:fld>
             <a:endParaRPr lang="en-US"/>
           </a:p>
@@ -2407,7 +2407,7 @@
           <a:p>
             <a:fld id="{70491AAC-A65D-7044-B83C-B384503BD135}" type="datetimeFigureOut">
               <a:rPr lang="en-US" smtClean="0"/>
-              <a:t>1/7/16</a:t>
+              <a:t>1/10/16</a:t>
             </a:fld>
             <a:endParaRPr lang="en-US"/>
           </a:p>
@@ -2684,7 +2684,7 @@
           <a:p>
             <a:fld id="{70491AAC-A65D-7044-B83C-B384503BD135}" type="datetimeFigureOut">
               <a:rPr lang="en-US" smtClean="0"/>
-              <a:t>1/7/16</a:t>
+              <a:t>1/10/16</a:t>
             </a:fld>
             <a:endParaRPr lang="en-US"/>
           </a:p>
@@ -2941,7 +2941,7 @@
           <a:p>
             <a:fld id="{70491AAC-A65D-7044-B83C-B384503BD135}" type="datetimeFigureOut">
               <a:rPr lang="en-US" smtClean="0"/>
-              <a:t>1/7/16</a:t>
+              <a:t>1/10/16</a:t>
             </a:fld>
             <a:endParaRPr lang="en-US"/>
           </a:p>
@@ -3154,7 +3154,7 @@
           <a:p>
             <a:fld id="{70491AAC-A65D-7044-B83C-B384503BD135}" type="datetimeFigureOut">
               <a:rPr lang="en-US" smtClean="0"/>
-              <a:t>1/7/16</a:t>
+              <a:t>1/10/16</a:t>
             </a:fld>
             <a:endParaRPr lang="en-US"/>
           </a:p>
@@ -5376,7 +5376,7 @@
         </p:nvSpPr>
         <p:spPr>
           <a:xfrm>
-            <a:off x="3364847" y="3592094"/>
+            <a:off x="3364846" y="3484810"/>
             <a:ext cx="658066" cy="658066"/>
           </a:xfrm>
           <a:prstGeom prst="ellipse">
@@ -5434,7 +5434,7 @@
         </p:nvSpPr>
         <p:spPr>
           <a:xfrm>
-            <a:off x="4634183" y="3010470"/>
+            <a:off x="4634182" y="2903186"/>
             <a:ext cx="2734628" cy="487102"/>
           </a:xfrm>
           <a:prstGeom prst="roundRect">
@@ -5524,7 +5524,7 @@
         </p:nvSpPr>
         <p:spPr>
           <a:xfrm>
-            <a:off x="4634183" y="3668535"/>
+            <a:off x="4634182" y="3561251"/>
             <a:ext cx="2734628" cy="487102"/>
           </a:xfrm>
           <a:prstGeom prst="roundRect">
@@ -5532,7 +5532,7 @@
           </a:prstGeom>
           <a:solidFill>
             <a:schemeClr val="bg1">
-              <a:lumMod val="75000"/>
+              <a:lumMod val="85000"/>
             </a:schemeClr>
           </a:solidFill>
           <a:ln>
@@ -5616,7 +5616,7 @@
         </p:nvSpPr>
         <p:spPr>
           <a:xfrm>
-            <a:off x="4634183" y="4326604"/>
+            <a:off x="4634182" y="4219320"/>
             <a:ext cx="2734628" cy="740489"/>
           </a:xfrm>
           <a:prstGeom prst="roundRect">
@@ -5624,7 +5624,7 @@
           </a:prstGeom>
           <a:solidFill>
             <a:schemeClr val="bg1">
-              <a:lumMod val="75000"/>
+              <a:lumMod val="85000"/>
             </a:schemeClr>
           </a:solidFill>
           <a:ln>
@@ -5678,7 +5678,7 @@
         </p:nvCxnSpPr>
         <p:spPr>
           <a:xfrm flipV="1">
-            <a:off x="4022913" y="3254021"/>
+            <a:off x="4022912" y="3146737"/>
             <a:ext cx="611270" cy="667106"/>
           </a:xfrm>
           <a:prstGeom prst="straightConnector1">
@@ -5717,8 +5717,8 @@
         </p:nvCxnSpPr>
         <p:spPr>
           <a:xfrm flipV="1">
-            <a:off x="4022913" y="3912087"/>
-            <a:ext cx="611270" cy="9040"/>
+            <a:off x="4022912" y="3804802"/>
+            <a:ext cx="611270" cy="9041"/>
           </a:xfrm>
           <a:prstGeom prst="straightConnector1">
             <a:avLst/>
@@ -5756,8 +5756,8 @@
         </p:nvCxnSpPr>
         <p:spPr>
           <a:xfrm>
-            <a:off x="4022913" y="3921130"/>
-            <a:ext cx="611270" cy="775719"/>
+            <a:off x="4022912" y="3813843"/>
+            <a:ext cx="611270" cy="775722"/>
           </a:xfrm>
           <a:prstGeom prst="straightConnector1">
             <a:avLst/>
@@ -6044,7 +6044,9 @@
             <a:avLst/>
           </a:prstGeom>
           <a:solidFill>
-            <a:schemeClr val="bg1"/>
+            <a:schemeClr val="bg1">
+              <a:lumMod val="85000"/>
+            </a:schemeClr>
           </a:solidFill>
           <a:ln>
             <a:solidFill>
@@ -6119,8 +6121,8 @@
         </p:nvCxnSpPr>
         <p:spPr>
           <a:xfrm flipV="1">
-            <a:off x="7368811" y="2899359"/>
-            <a:ext cx="634668" cy="354665"/>
+            <a:off x="7368810" y="2899359"/>
+            <a:ext cx="634668" cy="247378"/>
           </a:xfrm>
           <a:prstGeom prst="straightConnector1">
             <a:avLst/>
@@ -6158,8 +6160,8 @@
         </p:nvCxnSpPr>
         <p:spPr>
           <a:xfrm>
-            <a:off x="7368811" y="3254021"/>
-            <a:ext cx="634668" cy="521638"/>
+            <a:off x="7368810" y="3146737"/>
+            <a:ext cx="634668" cy="628925"/>
           </a:xfrm>
           <a:prstGeom prst="straightConnector1">
             <a:avLst/>
@@ -6197,8 +6199,8 @@
         </p:nvCxnSpPr>
         <p:spPr>
           <a:xfrm>
-            <a:off x="7368811" y="3254024"/>
-            <a:ext cx="634668" cy="1813069"/>
+            <a:off x="7368810" y="3146737"/>
+            <a:ext cx="634668" cy="1920356"/>
           </a:xfrm>
           <a:prstGeom prst="straightConnector1">
             <a:avLst/>
@@ -6236,8 +6238,8 @@
         </p:nvCxnSpPr>
         <p:spPr>
           <a:xfrm>
-            <a:off x="7368811" y="3254024"/>
-            <a:ext cx="634668" cy="1177661"/>
+            <a:off x="7368810" y="3146737"/>
+            <a:ext cx="634668" cy="1284944"/>
           </a:xfrm>
           <a:prstGeom prst="straightConnector1">
             <a:avLst/>
@@ -6383,6 +6385,115 @@
           </a:fontRef>
         </p:style>
       </p:cxnSp>
+      <p:grpSp>
+        <p:nvGrpSpPr>
+          <p:cNvPr id="3" name="Group 2"/>
+          <p:cNvGrpSpPr/>
+          <p:nvPr/>
+        </p:nvGrpSpPr>
+        <p:grpSpPr>
+          <a:xfrm>
+            <a:off x="3364846" y="5145608"/>
+            <a:ext cx="5032952" cy="215444"/>
+            <a:chOff x="3372342" y="5543426"/>
+            <a:chExt cx="5032952" cy="215444"/>
+          </a:xfrm>
+        </p:grpSpPr>
+        <p:sp>
+          <p:nvSpPr>
+            <p:cNvPr id="22" name="Rounded Rectangle 21"/>
+            <p:cNvSpPr/>
+            <p:nvPr/>
+          </p:nvSpPr>
+          <p:spPr>
+            <a:xfrm>
+              <a:off x="3372342" y="5597177"/>
+              <a:ext cx="98265" cy="95058"/>
+            </a:xfrm>
+            <a:prstGeom prst="roundRect">
+              <a:avLst/>
+            </a:prstGeom>
+            <a:solidFill>
+              <a:schemeClr val="bg1">
+                <a:lumMod val="85000"/>
+              </a:schemeClr>
+            </a:solidFill>
+            <a:ln>
+              <a:solidFill>
+                <a:schemeClr val="tx1"/>
+              </a:solidFill>
+            </a:ln>
+          </p:spPr>
+          <p:style>
+            <a:lnRef idx="2">
+              <a:schemeClr val="accent1">
+                <a:shade val="50000"/>
+              </a:schemeClr>
+            </a:lnRef>
+            <a:fillRef idx="1">
+              <a:schemeClr val="accent1"/>
+            </a:fillRef>
+            <a:effectRef idx="0">
+              <a:schemeClr val="accent1"/>
+            </a:effectRef>
+            <a:fontRef idx="minor">
+              <a:schemeClr val="lt1"/>
+            </a:fontRef>
+          </p:style>
+          <p:txBody>
+            <a:bodyPr rtlCol="0" anchor="ctr"/>
+            <a:lstStyle/>
+            <a:p>
+              <a:endParaRPr lang="en-US" sz="979" i="1" dirty="0">
+                <a:solidFill>
+                  <a:schemeClr val="tx1"/>
+                </a:solidFill>
+                <a:latin typeface="CMU Typewriter Text Variable Width Medium" charset="0"/>
+                <a:ea typeface="CMU Typewriter Text Variable Width Medium" charset="0"/>
+                <a:cs typeface="CMU Typewriter Text Variable Width Medium" charset="0"/>
+              </a:endParaRPr>
+            </a:p>
+          </p:txBody>
+        </p:sp>
+        <p:sp>
+          <p:nvSpPr>
+            <p:cNvPr id="2" name="TextBox 1"/>
+            <p:cNvSpPr txBox="1"/>
+            <p:nvPr/>
+          </p:nvSpPr>
+          <p:spPr>
+            <a:xfrm>
+              <a:off x="3418142" y="5543426"/>
+              <a:ext cx="4987152" cy="215444"/>
+            </a:xfrm>
+            <a:prstGeom prst="rect">
+              <a:avLst/>
+            </a:prstGeom>
+            <a:noFill/>
+          </p:spPr>
+          <p:txBody>
+            <a:bodyPr wrap="square" rtlCol="0">
+              <a:spAutoFit/>
+            </a:bodyPr>
+            <a:lstStyle/>
+            <a:p>
+              <a:r>
+                <a:rPr lang="en-US" sz="800" dirty="0" smtClean="0">
+                  <a:latin typeface="CMU Typewriter Text Variable Width Medium" charset="0"/>
+                  <a:ea typeface="CMU Typewriter Text Variable Width Medium" charset="0"/>
+                  <a:cs typeface="CMU Typewriter Text Variable Width Medium" charset="0"/>
+                </a:rPr>
+                <a:t>Greyed-out boxes indicate processes that are not developed in this document</a:t>
+              </a:r>
+              <a:endParaRPr lang="en-US" sz="800" dirty="0">
+                <a:latin typeface="CMU Typewriter Text Variable Width Medium" charset="0"/>
+                <a:ea typeface="CMU Typewriter Text Variable Width Medium" charset="0"/>
+                <a:cs typeface="CMU Typewriter Text Variable Width Medium" charset="0"/>
+              </a:endParaRPr>
+            </a:p>
+          </p:txBody>
+        </p:sp>
+      </p:grpSp>
     </p:spTree>
     <p:extLst>
       <p:ext uri="{BB962C8B-B14F-4D97-AF65-F5344CB8AC3E}">

--- a/images_src/misc_powerpoint.pptx
+++ b/images_src/misc_powerpoint.pptx
@@ -9798,6 +9798,13 @@
   <p:clrMapOvr>
     <a:masterClrMapping/>
   </p:clrMapOvr>
+  <p:timing>
+    <p:tnLst>
+      <p:par>
+        <p:cTn id="1" dur="indefinite" restart="never" nodeType="tmRoot"/>
+      </p:par>
+    </p:tnLst>
+  </p:timing>
 </p:sld>
 </file>
 
@@ -9820,25 +9827,28 @@
       </p:grpSpPr>
       <p:sp>
         <p:nvSpPr>
-          <p:cNvPr id="13" name="Oval 12"/>
+          <p:cNvPr id="2" name="Rectangle 1"/>
           <p:cNvSpPr/>
           <p:nvPr/>
         </p:nvSpPr>
         <p:spPr>
           <a:xfrm>
-            <a:off x="938955" y="3116881"/>
-            <a:ext cx="200025" cy="200025"/>
-          </a:xfrm>
-          <a:prstGeom prst="ellipse">
+            <a:off x="3026986" y="2769577"/>
+            <a:ext cx="9759588" cy="2485004"/>
+          </a:xfrm>
+          <a:prstGeom prst="rect">
             <a:avLst/>
           </a:prstGeom>
           <a:solidFill>
-            <a:schemeClr val="tx1"/>
+            <a:schemeClr val="bg1">
+              <a:lumMod val="95000"/>
+            </a:schemeClr>
           </a:solidFill>
           <a:ln>
             <a:solidFill>
               <a:schemeClr val="tx1"/>
             </a:solidFill>
+            <a:prstDash val="dash"/>
           </a:ln>
         </p:spPr>
         <p:style>
@@ -9858,6 +9868,156 @@
           </a:fontRef>
         </p:style>
         <p:txBody>
+          <a:bodyPr rtlCol="0" anchor="ctr"/>
+          <a:lstStyle/>
+          <a:p>
+            <a:pPr algn="ctr"/>
+            <a:endParaRPr lang="en-US"/>
+          </a:p>
+        </p:txBody>
+      </p:sp>
+      <p:sp>
+        <p:nvSpPr>
+          <p:cNvPr id="50" name="Rectangle 49"/>
+          <p:cNvSpPr/>
+          <p:nvPr/>
+        </p:nvSpPr>
+        <p:spPr>
+          <a:xfrm>
+            <a:off x="1289016" y="2687141"/>
+            <a:ext cx="1348834" cy="1078325"/>
+          </a:xfrm>
+          <a:prstGeom prst="rect">
+            <a:avLst/>
+          </a:prstGeom>
+          <a:solidFill>
+            <a:schemeClr val="bg1">
+              <a:lumMod val="95000"/>
+            </a:schemeClr>
+          </a:solidFill>
+          <a:ln>
+            <a:solidFill>
+              <a:schemeClr val="tx1"/>
+            </a:solidFill>
+            <a:prstDash val="dash"/>
+          </a:ln>
+        </p:spPr>
+        <p:style>
+          <a:lnRef idx="2">
+            <a:schemeClr val="accent1">
+              <a:shade val="50000"/>
+            </a:schemeClr>
+          </a:lnRef>
+          <a:fillRef idx="1">
+            <a:schemeClr val="accent1"/>
+          </a:fillRef>
+          <a:effectRef idx="0">
+            <a:schemeClr val="accent1"/>
+          </a:effectRef>
+          <a:fontRef idx="minor">
+            <a:schemeClr val="lt1"/>
+          </a:fontRef>
+        </p:style>
+        <p:txBody>
+          <a:bodyPr rtlCol="0" anchor="ctr"/>
+          <a:lstStyle/>
+          <a:p>
+            <a:pPr algn="ctr"/>
+            <a:endParaRPr lang="en-US"/>
+          </a:p>
+        </p:txBody>
+      </p:sp>
+      <p:sp>
+        <p:nvSpPr>
+          <p:cNvPr id="51" name="Rectangle 50"/>
+          <p:cNvSpPr/>
+          <p:nvPr/>
+        </p:nvSpPr>
+        <p:spPr>
+          <a:xfrm>
+            <a:off x="11437257" y="1629057"/>
+            <a:ext cx="1349317" cy="966939"/>
+          </a:xfrm>
+          <a:prstGeom prst="rect">
+            <a:avLst/>
+          </a:prstGeom>
+          <a:solidFill>
+            <a:schemeClr val="bg1">
+              <a:lumMod val="95000"/>
+            </a:schemeClr>
+          </a:solidFill>
+          <a:ln>
+            <a:solidFill>
+              <a:schemeClr val="tx1"/>
+            </a:solidFill>
+            <a:prstDash val="dash"/>
+          </a:ln>
+        </p:spPr>
+        <p:style>
+          <a:lnRef idx="2">
+            <a:schemeClr val="accent1">
+              <a:shade val="50000"/>
+            </a:schemeClr>
+          </a:lnRef>
+          <a:fillRef idx="1">
+            <a:schemeClr val="accent1"/>
+          </a:fillRef>
+          <a:effectRef idx="0">
+            <a:schemeClr val="accent1"/>
+          </a:effectRef>
+          <a:fontRef idx="minor">
+            <a:schemeClr val="lt1"/>
+          </a:fontRef>
+        </p:style>
+        <p:txBody>
+          <a:bodyPr rtlCol="0" anchor="ctr"/>
+          <a:lstStyle/>
+          <a:p>
+            <a:pPr algn="ctr"/>
+            <a:endParaRPr lang="en-US"/>
+          </a:p>
+        </p:txBody>
+      </p:sp>
+      <p:sp>
+        <p:nvSpPr>
+          <p:cNvPr id="13" name="Oval 12"/>
+          <p:cNvSpPr/>
+          <p:nvPr/>
+        </p:nvSpPr>
+        <p:spPr>
+          <a:xfrm>
+            <a:off x="938955" y="3116881"/>
+            <a:ext cx="200025" cy="200025"/>
+          </a:xfrm>
+          <a:prstGeom prst="ellipse">
+            <a:avLst/>
+          </a:prstGeom>
+          <a:solidFill>
+            <a:schemeClr val="tx1"/>
+          </a:solidFill>
+          <a:ln>
+            <a:solidFill>
+              <a:schemeClr val="tx1"/>
+            </a:solidFill>
+          </a:ln>
+        </p:spPr>
+        <p:style>
+          <a:lnRef idx="2">
+            <a:schemeClr val="accent1">
+              <a:shade val="50000"/>
+            </a:schemeClr>
+          </a:lnRef>
+          <a:fillRef idx="1">
+            <a:schemeClr val="accent1"/>
+          </a:fillRef>
+          <a:effectRef idx="0">
+            <a:schemeClr val="accent1"/>
+          </a:effectRef>
+          <a:fontRef idx="minor">
+            <a:schemeClr val="lt1"/>
+          </a:fontRef>
+        </p:style>
+        <p:txBody>
           <a:bodyPr rot="0" spcFirstLastPara="0" vertOverflow="overflow" horzOverflow="overflow" vert="horz" wrap="square" lIns="91440" tIns="45720" rIns="91440" bIns="45720" numCol="1" spcCol="0" rtlCol="0" fromWordArt="0" anchor="ctr" anchorCtr="0" forceAA="0" compatLnSpc="1">
             <a:prstTxWarp prst="textNoShape">
               <a:avLst/>
@@ -9879,7 +10039,7 @@
         </p:nvGrpSpPr>
         <p:grpSpPr>
           <a:xfrm>
-            <a:off x="12449842" y="2794607"/>
+            <a:off x="12897247" y="2794607"/>
             <a:ext cx="284554" cy="284554"/>
             <a:chOff x="12700852" y="2794607"/>
             <a:chExt cx="284554" cy="284554"/>
@@ -10100,8 +10260,8 @@
         </p:nvSpPr>
         <p:spPr>
           <a:xfrm>
-            <a:off x="2831232" y="2202947"/>
-            <a:ext cx="45719" cy="2203804"/>
+            <a:off x="2831232" y="1881554"/>
+            <a:ext cx="45719" cy="2525197"/>
           </a:xfrm>
           <a:prstGeom prst="rect">
             <a:avLst/>
@@ -10189,7 +10349,7 @@
         </p:nvSpPr>
         <p:spPr>
           <a:xfrm>
-            <a:off x="11265268" y="2103310"/>
+            <a:off x="11631028" y="1709119"/>
             <a:ext cx="1088334" cy="691296"/>
           </a:xfrm>
           <a:prstGeom prst="roundRect">
@@ -10231,7 +10391,7 @@
           <a:p>
             <a:pPr algn="ctr"/>
             <a:r>
-              <a:rPr lang="en-US" sz="1200">
+              <a:rPr lang="en-US" sz="1200" dirty="0">
                 <a:solidFill>
                   <a:schemeClr val="tx1"/>
                 </a:solidFill>
@@ -10240,6 +10400,143 @@
                 <a:cs typeface="CMU Typewriter Text Variable Width Medium" charset="0"/>
               </a:rPr>
               <a:t>Inference</a:t>
+            </a:r>
+          </a:p>
+        </p:txBody>
+      </p:sp>
+      <p:sp>
+        <p:nvSpPr>
+          <p:cNvPr id="84" name="Rounded Rectangle 83"/>
+          <p:cNvSpPr/>
+          <p:nvPr/>
+        </p:nvSpPr>
+        <p:spPr>
+          <a:xfrm>
+            <a:off x="6490563" y="3765468"/>
+            <a:ext cx="1450447" cy="689819"/>
+          </a:xfrm>
+          <a:prstGeom prst="roundRect">
+            <a:avLst/>
+          </a:prstGeom>
+          <a:solidFill>
+            <a:schemeClr val="bg1"/>
+          </a:solidFill>
+          <a:ln>
+            <a:solidFill>
+              <a:schemeClr val="tx1"/>
+            </a:solidFill>
+          </a:ln>
+        </p:spPr>
+        <p:style>
+          <a:lnRef idx="2">
+            <a:schemeClr val="accent1">
+              <a:shade val="50000"/>
+            </a:schemeClr>
+          </a:lnRef>
+          <a:fillRef idx="1">
+            <a:schemeClr val="accent1"/>
+          </a:fillRef>
+          <a:effectRef idx="0">
+            <a:schemeClr val="accent1"/>
+          </a:effectRef>
+          <a:fontRef idx="minor">
+            <a:schemeClr val="lt1"/>
+          </a:fontRef>
+        </p:style>
+        <p:txBody>
+          <a:bodyPr rot="0" spcFirstLastPara="0" vertOverflow="overflow" horzOverflow="overflow" vert="horz" wrap="square" lIns="91440" tIns="45720" rIns="91440" bIns="45720" numCol="1" spcCol="0" rtlCol="0" fromWordArt="0" anchor="ctr" anchorCtr="0" forceAA="0" compatLnSpc="1">
+            <a:prstTxWarp prst="textNoShape">
+              <a:avLst/>
+            </a:prstTxWarp>
+            <a:noAutofit/>
+          </a:bodyPr>
+          <a:lstStyle/>
+          <a:p>
+            <a:pPr algn="ctr"/>
+            <a:r>
+              <a:rPr lang="en-US" sz="1200" dirty="0">
+                <a:solidFill>
+                  <a:schemeClr val="tx1"/>
+                </a:solidFill>
+                <a:latin typeface="CMU Typewriter Text Variable Width Medium" charset="0"/>
+                <a:ea typeface="CMU Typewriter Text Variable Width Medium" charset="0"/>
+                <a:cs typeface="CMU Typewriter Text Variable Width Medium" charset="0"/>
+              </a:rPr>
+              <a:t>Preparation and augmentation for crowdsourcing</a:t>
+            </a:r>
+          </a:p>
+        </p:txBody>
+      </p:sp>
+      <p:sp>
+        <p:nvSpPr>
+          <p:cNvPr id="91" name="Rounded Rectangle 90"/>
+          <p:cNvSpPr/>
+          <p:nvPr/>
+        </p:nvSpPr>
+        <p:spPr>
+          <a:xfrm>
+            <a:off x="8262624" y="3765469"/>
+            <a:ext cx="1202738" cy="693132"/>
+          </a:xfrm>
+          <a:prstGeom prst="roundRect">
+            <a:avLst/>
+          </a:prstGeom>
+          <a:solidFill>
+            <a:schemeClr val="bg1"/>
+          </a:solidFill>
+          <a:ln>
+            <a:solidFill>
+              <a:schemeClr val="tx1"/>
+            </a:solidFill>
+          </a:ln>
+        </p:spPr>
+        <p:style>
+          <a:lnRef idx="2">
+            <a:schemeClr val="accent1">
+              <a:shade val="50000"/>
+            </a:schemeClr>
+          </a:lnRef>
+          <a:fillRef idx="1">
+            <a:schemeClr val="accent1"/>
+          </a:fillRef>
+          <a:effectRef idx="0">
+            <a:schemeClr val="accent1"/>
+          </a:effectRef>
+          <a:fontRef idx="minor">
+            <a:schemeClr val="lt1"/>
+          </a:fontRef>
+        </p:style>
+        <p:txBody>
+          <a:bodyPr rot="0" spcFirstLastPara="0" vertOverflow="overflow" horzOverflow="overflow" vert="horz" wrap="square" lIns="91440" tIns="45720" rIns="91440" bIns="45720" numCol="1" spcCol="0" rtlCol="0" fromWordArt="0" anchor="ctr" anchorCtr="0" forceAA="0" compatLnSpc="1">
+            <a:prstTxWarp prst="textNoShape">
+              <a:avLst/>
+            </a:prstTxWarp>
+            <a:noAutofit/>
+          </a:bodyPr>
+          <a:lstStyle/>
+          <a:p>
+            <a:pPr algn="ctr"/>
+            <a:r>
+              <a:rPr lang="en-US" sz="1200" dirty="0">
+                <a:solidFill>
+                  <a:schemeClr val="tx1"/>
+                </a:solidFill>
+                <a:latin typeface="CMU Typewriter Text Variable Width Medium" charset="0"/>
+                <a:ea typeface="CMU Typewriter Text Variable Width Medium" charset="0"/>
+                <a:cs typeface="CMU Typewriter Text Variable Width Medium" charset="0"/>
+              </a:rPr>
+              <a:t>Data collection in </a:t>
+            </a:r>
+            <a:r>
+              <a:rPr lang="en-US" sz="1200" dirty="0" err="1">
+                <a:solidFill>
+                  <a:schemeClr val="tx1"/>
+                </a:solidFill>
+                <a:latin typeface="CMU Typewriter Text Variable Width Medium" charset="0"/>
+                <a:ea typeface="CMU Typewriter Text Variable Width Medium" charset="0"/>
+                <a:cs typeface="CMU Typewriter Text Variable Width Medium" charset="0"/>
+              </a:rPr>
+              <a:t>CrowdFlower</a:t>
             </a:r>
             <a:endParaRPr lang="en-US" sz="1200" dirty="0">
               <a:solidFill>
@@ -10254,16 +10551,16 @@
       </p:sp>
       <p:sp>
         <p:nvSpPr>
-          <p:cNvPr id="84" name="Rounded Rectangle 83"/>
+          <p:cNvPr id="98" name="Diamond 97"/>
           <p:cNvSpPr/>
           <p:nvPr/>
         </p:nvSpPr>
         <p:spPr>
           <a:xfrm>
-            <a:off x="6206083" y="3765468"/>
-            <a:ext cx="1450447" cy="689819"/>
-          </a:xfrm>
-          <a:prstGeom prst="roundRect">
+            <a:off x="4590266" y="3843705"/>
+            <a:ext cx="530034" cy="530034"/>
+          </a:xfrm>
+          <a:prstGeom prst="diamond">
             <a:avLst/>
           </a:prstGeom>
           <a:solidFill>
@@ -10301,151 +10598,6 @@
           <a:lstStyle/>
           <a:p>
             <a:pPr algn="ctr"/>
-            <a:r>
-              <a:rPr lang="en-US" sz="1200" dirty="0">
-                <a:solidFill>
-                  <a:schemeClr val="tx1"/>
-                </a:solidFill>
-                <a:latin typeface="CMU Typewriter Text Variable Width Medium" charset="0"/>
-                <a:ea typeface="CMU Typewriter Text Variable Width Medium" charset="0"/>
-                <a:cs typeface="CMU Typewriter Text Variable Width Medium" charset="0"/>
-              </a:rPr>
-              <a:t>Preparation and augmentation for crowdsourcing</a:t>
-            </a:r>
-          </a:p>
-        </p:txBody>
-      </p:sp>
-      <p:sp>
-        <p:nvSpPr>
-          <p:cNvPr id="91" name="Rounded Rectangle 90"/>
-          <p:cNvSpPr/>
-          <p:nvPr/>
-        </p:nvSpPr>
-        <p:spPr>
-          <a:xfrm>
-            <a:off x="7978144" y="3765469"/>
-            <a:ext cx="1202738" cy="693132"/>
-          </a:xfrm>
-          <a:prstGeom prst="roundRect">
-            <a:avLst/>
-          </a:prstGeom>
-          <a:solidFill>
-            <a:schemeClr val="bg1"/>
-          </a:solidFill>
-          <a:ln>
-            <a:solidFill>
-              <a:schemeClr val="tx1"/>
-            </a:solidFill>
-          </a:ln>
-        </p:spPr>
-        <p:style>
-          <a:lnRef idx="2">
-            <a:schemeClr val="accent1">
-              <a:shade val="50000"/>
-            </a:schemeClr>
-          </a:lnRef>
-          <a:fillRef idx="1">
-            <a:schemeClr val="accent1"/>
-          </a:fillRef>
-          <a:effectRef idx="0">
-            <a:schemeClr val="accent1"/>
-          </a:effectRef>
-          <a:fontRef idx="minor">
-            <a:schemeClr val="lt1"/>
-          </a:fontRef>
-        </p:style>
-        <p:txBody>
-          <a:bodyPr rot="0" spcFirstLastPara="0" vertOverflow="overflow" horzOverflow="overflow" vert="horz" wrap="square" lIns="91440" tIns="45720" rIns="91440" bIns="45720" numCol="1" spcCol="0" rtlCol="0" fromWordArt="0" anchor="ctr" anchorCtr="0" forceAA="0" compatLnSpc="1">
-            <a:prstTxWarp prst="textNoShape">
-              <a:avLst/>
-            </a:prstTxWarp>
-            <a:noAutofit/>
-          </a:bodyPr>
-          <a:lstStyle/>
-          <a:p>
-            <a:pPr algn="ctr"/>
-            <a:r>
-              <a:rPr lang="en-US" sz="1200" dirty="0">
-                <a:solidFill>
-                  <a:schemeClr val="tx1"/>
-                </a:solidFill>
-                <a:latin typeface="CMU Typewriter Text Variable Width Medium" charset="0"/>
-                <a:ea typeface="CMU Typewriter Text Variable Width Medium" charset="0"/>
-                <a:cs typeface="CMU Typewriter Text Variable Width Medium" charset="0"/>
-              </a:rPr>
-              <a:t>Data collection in </a:t>
-            </a:r>
-            <a:r>
-              <a:rPr lang="en-US" sz="1200" dirty="0" err="1">
-                <a:solidFill>
-                  <a:schemeClr val="tx1"/>
-                </a:solidFill>
-                <a:latin typeface="CMU Typewriter Text Variable Width Medium" charset="0"/>
-                <a:ea typeface="CMU Typewriter Text Variable Width Medium" charset="0"/>
-                <a:cs typeface="CMU Typewriter Text Variable Width Medium" charset="0"/>
-              </a:rPr>
-              <a:t>CrowdFlower</a:t>
-            </a:r>
-            <a:endParaRPr lang="en-US" sz="1200" dirty="0">
-              <a:solidFill>
-                <a:schemeClr val="tx1"/>
-              </a:solidFill>
-              <a:latin typeface="CMU Typewriter Text Variable Width Medium" charset="0"/>
-              <a:ea typeface="CMU Typewriter Text Variable Width Medium" charset="0"/>
-              <a:cs typeface="CMU Typewriter Text Variable Width Medium" charset="0"/>
-            </a:endParaRPr>
-          </a:p>
-        </p:txBody>
-      </p:sp>
-      <p:sp>
-        <p:nvSpPr>
-          <p:cNvPr id="98" name="Diamond 97"/>
-          <p:cNvSpPr/>
-          <p:nvPr/>
-        </p:nvSpPr>
-        <p:spPr>
-          <a:xfrm>
-            <a:off x="4590266" y="3843705"/>
-            <a:ext cx="530034" cy="530034"/>
-          </a:xfrm>
-          <a:prstGeom prst="diamond">
-            <a:avLst/>
-          </a:prstGeom>
-          <a:solidFill>
-            <a:schemeClr val="bg1"/>
-          </a:solidFill>
-          <a:ln>
-            <a:solidFill>
-              <a:schemeClr val="tx1"/>
-            </a:solidFill>
-          </a:ln>
-        </p:spPr>
-        <p:style>
-          <a:lnRef idx="2">
-            <a:schemeClr val="accent1">
-              <a:shade val="50000"/>
-            </a:schemeClr>
-          </a:lnRef>
-          <a:fillRef idx="1">
-            <a:schemeClr val="accent1"/>
-          </a:fillRef>
-          <a:effectRef idx="0">
-            <a:schemeClr val="accent1"/>
-          </a:effectRef>
-          <a:fontRef idx="minor">
-            <a:schemeClr val="lt1"/>
-          </a:fontRef>
-        </p:style>
-        <p:txBody>
-          <a:bodyPr rot="0" spcFirstLastPara="0" vertOverflow="overflow" horzOverflow="overflow" vert="horz" wrap="square" lIns="91440" tIns="45720" rIns="91440" bIns="45720" numCol="1" spcCol="0" rtlCol="0" fromWordArt="0" anchor="ctr" anchorCtr="0" forceAA="0" compatLnSpc="1">
-            <a:prstTxWarp prst="textNoShape">
-              <a:avLst/>
-            </a:prstTxWarp>
-            <a:noAutofit/>
-          </a:bodyPr>
-          <a:lstStyle/>
-          <a:p>
-            <a:pPr algn="ctr"/>
             <a:endParaRPr lang="en-US" sz="1200"/>
           </a:p>
         </p:txBody>
@@ -10593,7 +10745,7 @@
         <p:spPr>
           <a:xfrm>
             <a:off x="5120300" y="4108722"/>
-            <a:ext cx="1085783" cy="1656"/>
+            <a:ext cx="1370263" cy="1656"/>
           </a:xfrm>
           <a:prstGeom prst="straightConnector1">
             <a:avLst/>
@@ -10631,7 +10783,7 @@
         </p:nvCxnSpPr>
         <p:spPr>
           <a:xfrm>
-            <a:off x="7656530" y="4110378"/>
+            <a:off x="7941010" y="4110378"/>
             <a:ext cx="321614" cy="1657"/>
           </a:xfrm>
           <a:prstGeom prst="straightConnector1">
@@ -10667,7 +10819,7 @@
         </p:nvSpPr>
         <p:spPr>
           <a:xfrm>
-            <a:off x="10978998" y="3843705"/>
+            <a:off x="11344758" y="3843705"/>
             <a:ext cx="530034" cy="530034"/>
           </a:xfrm>
           <a:prstGeom prst="diamond">
@@ -10723,7 +10875,7 @@
         </p:nvCxnSpPr>
         <p:spPr>
           <a:xfrm>
-            <a:off x="9180882" y="4112035"/>
+            <a:off x="9465362" y="4112035"/>
             <a:ext cx="290752" cy="0"/>
           </a:xfrm>
           <a:prstGeom prst="straightConnector1">
@@ -10762,8 +10914,8 @@
         </p:nvCxnSpPr>
         <p:spPr>
           <a:xfrm flipV="1">
-            <a:off x="11509032" y="2794606"/>
-            <a:ext cx="300403" cy="1314116"/>
+            <a:off x="11874792" y="2400415"/>
+            <a:ext cx="300403" cy="1708307"/>
           </a:xfrm>
           <a:prstGeom prst="bentConnector2">
             <a:avLst/>
@@ -10801,12 +10953,12 @@
         </p:nvCxnSpPr>
         <p:spPr>
           <a:xfrm rot="16200000" flipV="1">
-            <a:off x="7390696" y="-9615"/>
-            <a:ext cx="12700" cy="7706639"/>
+            <a:off x="7573576" y="-192495"/>
+            <a:ext cx="12700" cy="8072399"/>
           </a:xfrm>
           <a:prstGeom prst="bentConnector3">
             <a:avLst>
-              <a:gd name="adj1" fmla="val 6709079"/>
+              <a:gd name="adj1" fmla="val 4558307"/>
             </a:avLst>
           </a:prstGeom>
           <a:ln>
@@ -10839,7 +10991,7 @@
         </p:nvSpPr>
         <p:spPr>
           <a:xfrm>
-            <a:off x="9987925" y="3003137"/>
+            <a:off x="10526405" y="2797073"/>
             <a:ext cx="1263487" cy="461665"/>
           </a:xfrm>
           <a:prstGeom prst="rect">
@@ -10887,7 +11039,7 @@
         </p:nvSpPr>
         <p:spPr>
           <a:xfrm>
-            <a:off x="11456554" y="4125086"/>
+            <a:off x="11791834" y="4125086"/>
             <a:ext cx="949299" cy="646331"/>
           </a:xfrm>
           <a:prstGeom prst="rect">
@@ -11138,7 +11290,7 @@
         </p:nvSpPr>
         <p:spPr>
           <a:xfrm>
-            <a:off x="9471634" y="3765469"/>
+            <a:off x="9756114" y="3765469"/>
             <a:ext cx="1183662" cy="693132"/>
           </a:xfrm>
           <a:prstGeom prst="roundRect">
@@ -11204,8 +11356,8 @@
         </p:nvCxnSpPr>
         <p:spPr>
           <a:xfrm flipV="1">
-            <a:off x="10655296" y="4108722"/>
-            <a:ext cx="323702" cy="3313"/>
+            <a:off x="10939776" y="4108722"/>
+            <a:ext cx="404982" cy="3313"/>
           </a:xfrm>
           <a:prstGeom prst="straightConnector1">
             <a:avLst/>
@@ -11242,8 +11394,8 @@
         </p:nvCxnSpPr>
         <p:spPr>
           <a:xfrm>
-            <a:off x="2831232" y="2448958"/>
-            <a:ext cx="8434036" cy="0"/>
+            <a:off x="2854091" y="2054767"/>
+            <a:ext cx="8776937" cy="0"/>
           </a:xfrm>
           <a:prstGeom prst="straightConnector1">
             <a:avLst/>
@@ -11281,8 +11433,8 @@
         </p:nvCxnSpPr>
         <p:spPr>
           <a:xfrm>
-            <a:off x="12353602" y="2448958"/>
-            <a:ext cx="238517" cy="345649"/>
+            <a:off x="12719362" y="2054767"/>
+            <a:ext cx="320162" cy="739840"/>
           </a:xfrm>
           <a:prstGeom prst="bentConnector2">
             <a:avLst/>
@@ -11320,12 +11472,12 @@
         </p:nvCxnSpPr>
         <p:spPr>
           <a:xfrm rot="5400000" flipH="1" flipV="1">
-            <a:off x="8076412" y="-141968"/>
-            <a:ext cx="1294578" cy="7736836"/>
+            <a:off x="8300114" y="-365671"/>
+            <a:ext cx="1294578" cy="8184241"/>
           </a:xfrm>
           <a:prstGeom prst="bentConnector3">
             <a:avLst>
-              <a:gd name="adj1" fmla="val -55052"/>
+              <a:gd name="adj1" fmla="val -50452"/>
             </a:avLst>
           </a:prstGeom>
           <a:ln>
@@ -11361,12 +11513,12 @@
         </p:nvCxnSpPr>
         <p:spPr>
           <a:xfrm rot="5400000" flipH="1" flipV="1">
-            <a:off x="7417458" y="-800922"/>
-            <a:ext cx="1294578" cy="9054743"/>
+            <a:off x="7641161" y="-1024624"/>
+            <a:ext cx="1294578" cy="9502148"/>
           </a:xfrm>
           <a:prstGeom prst="bentConnector3">
             <a:avLst>
-              <a:gd name="adj1" fmla="val -55052"/>
+              <a:gd name="adj1" fmla="val -50452"/>
             </a:avLst>
           </a:prstGeom>
           <a:ln>
@@ -11454,6 +11606,168 @@
               </a:rPr>
               <a:t>is verified]</a:t>
             </a:r>
+          </a:p>
+        </p:txBody>
+      </p:sp>
+      <p:sp>
+        <p:nvSpPr>
+          <p:cNvPr id="42" name="TextBox 41"/>
+          <p:cNvSpPr txBox="1"/>
+          <p:nvPr/>
+        </p:nvSpPr>
+        <p:spPr>
+          <a:xfrm>
+            <a:off x="4304672" y="5287166"/>
+            <a:ext cx="7204216" cy="276999"/>
+          </a:xfrm>
+          <a:prstGeom prst="rect">
+            <a:avLst/>
+          </a:prstGeom>
+          <a:noFill/>
+        </p:spPr>
+        <p:txBody>
+          <a:bodyPr wrap="none" rtlCol="0">
+            <a:spAutoFit/>
+          </a:bodyPr>
+          <a:lstStyle/>
+          <a:p>
+            <a:r>
+              <a:rPr lang="en-US" sz="1200" b="1" i="1" dirty="0">
+                <a:latin typeface="CMU Typewriter Text Variable Width Medium" charset="0"/>
+                <a:ea typeface="CMU Typewriter Text Variable Width Medium" charset="0"/>
+                <a:cs typeface="CMU Typewriter Text Variable Width Medium" charset="0"/>
+              </a:rPr>
+              <a:t>p1.4</a:t>
+            </a:r>
+            <a:r>
+              <a:rPr lang="en-US" sz="1200" dirty="0">
+                <a:latin typeface="CMU Typewriter Text Variable Width Medium" charset="0"/>
+                <a:ea typeface="CMU Typewriter Text Variable Width Medium" charset="0"/>
+                <a:cs typeface="CMU Typewriter Text Variable Width Medium" charset="0"/>
+              </a:rPr>
+              <a:t>: Enable the further application of </a:t>
+            </a:r>
+            <a:r>
+              <a:rPr lang="en-US" sz="1200" i="1" dirty="0">
+                <a:latin typeface="CMU Typewriter Text Variable Width Medium" charset="0"/>
+                <a:ea typeface="CMU Typewriter Text Variable Width Medium" charset="0"/>
+                <a:cs typeface="CMU Typewriter Text Variable Width Medium" charset="0"/>
+              </a:rPr>
+              <a:t>p1.2</a:t>
+            </a:r>
+            <a:r>
+              <a:rPr lang="en-US" sz="1200" dirty="0">
+                <a:latin typeface="CMU Typewriter Text Variable Width Medium" charset="0"/>
+                <a:ea typeface="CMU Typewriter Text Variable Width Medium" charset="0"/>
+                <a:cs typeface="CMU Typewriter Text Variable Width Medium" charset="0"/>
+              </a:rPr>
+              <a:t> by creating the necessary data through crowdsourcing</a:t>
+            </a:r>
+            <a:endParaRPr lang="en-US" sz="1200" i="1" dirty="0">
+              <a:latin typeface="CMU Typewriter Text Variable Width Medium" charset="0"/>
+              <a:ea typeface="CMU Typewriter Text Variable Width Medium" charset="0"/>
+              <a:cs typeface="CMU Typewriter Text Variable Width Medium" charset="0"/>
+            </a:endParaRPr>
+          </a:p>
+        </p:txBody>
+      </p:sp>
+      <p:sp>
+        <p:nvSpPr>
+          <p:cNvPr id="48" name="TextBox 47"/>
+          <p:cNvSpPr txBox="1"/>
+          <p:nvPr/>
+        </p:nvSpPr>
+        <p:spPr>
+          <a:xfrm>
+            <a:off x="9427176" y="1164216"/>
+            <a:ext cx="3808286" cy="461665"/>
+          </a:xfrm>
+          <a:prstGeom prst="rect">
+            <a:avLst/>
+          </a:prstGeom>
+          <a:noFill/>
+        </p:spPr>
+        <p:txBody>
+          <a:bodyPr wrap="square" rtlCol="0">
+            <a:spAutoFit/>
+          </a:bodyPr>
+          <a:lstStyle/>
+          <a:p>
+            <a:r>
+              <a:rPr lang="en-US" sz="1200" b="1" i="1" dirty="0">
+                <a:latin typeface="CMU Typewriter Text Variable Width Medium" charset="0"/>
+                <a:ea typeface="CMU Typewriter Text Variable Width Medium" charset="0"/>
+                <a:cs typeface="CMU Typewriter Text Variable Width Medium" charset="0"/>
+              </a:rPr>
+              <a:t>p1.2</a:t>
+            </a:r>
+            <a:r>
+              <a:rPr lang="en-US" sz="1200" dirty="0">
+                <a:latin typeface="CMU Typewriter Text Variable Width Medium" charset="0"/>
+                <a:ea typeface="CMU Typewriter Text Variable Width Medium" charset="0"/>
+                <a:cs typeface="CMU Typewriter Text Variable Width Medium" charset="0"/>
+              </a:rPr>
+              <a:t>: Statistically infer the existence of house numbers from the house numbers collected at </a:t>
+            </a:r>
+            <a:r>
+              <a:rPr lang="en-US" sz="1200" i="1" dirty="0">
+                <a:latin typeface="CMU Typewriter Text Variable Width Medium" charset="0"/>
+                <a:ea typeface="CMU Typewriter Text Variable Width Medium" charset="0"/>
+                <a:cs typeface="CMU Typewriter Text Variable Width Medium" charset="0"/>
+              </a:rPr>
+              <a:t>p1.1</a:t>
+            </a:r>
+            <a:endParaRPr lang="en-US" sz="1200" i="1" dirty="0">
+              <a:latin typeface="CMU Typewriter Text Variable Width Medium" charset="0"/>
+              <a:ea typeface="CMU Typewriter Text Variable Width Medium" charset="0"/>
+              <a:cs typeface="CMU Typewriter Text Variable Width Medium" charset="0"/>
+            </a:endParaRPr>
+          </a:p>
+        </p:txBody>
+      </p:sp>
+      <p:sp>
+        <p:nvSpPr>
+          <p:cNvPr id="49" name="TextBox 48"/>
+          <p:cNvSpPr txBox="1"/>
+          <p:nvPr/>
+        </p:nvSpPr>
+        <p:spPr>
+          <a:xfrm>
+            <a:off x="1289016" y="3772679"/>
+            <a:ext cx="1342928" cy="1384995"/>
+          </a:xfrm>
+          <a:prstGeom prst="rect">
+            <a:avLst/>
+          </a:prstGeom>
+          <a:noFill/>
+        </p:spPr>
+        <p:txBody>
+          <a:bodyPr wrap="square" rtlCol="0">
+            <a:spAutoFit/>
+          </a:bodyPr>
+          <a:lstStyle/>
+          <a:p>
+            <a:r>
+              <a:rPr lang="en-US" sz="1200" b="1" i="1" dirty="0">
+                <a:latin typeface="CMU Typewriter Text Variable Width Medium" charset="0"/>
+                <a:ea typeface="CMU Typewriter Text Variable Width Medium" charset="0"/>
+                <a:cs typeface="CMU Typewriter Text Variable Width Medium" charset="0"/>
+              </a:rPr>
+              <a:t>p1.1</a:t>
+            </a:r>
+            <a:r>
+              <a:rPr lang="en-US" sz="1200" dirty="0">
+                <a:latin typeface="CMU Typewriter Text Variable Width Medium" charset="0"/>
+                <a:ea typeface="CMU Typewriter Text Variable Width Medium" charset="0"/>
+                <a:cs typeface="CMU Typewriter Text Variable Width Medium" charset="0"/>
+              </a:rPr>
+              <a:t>: Identify the list of house numbers in each OSON road through references in other open data</a:t>
+            </a:r>
+            <a:endParaRPr lang="en-US" sz="1200" dirty="0">
+              <a:latin typeface="CMU Typewriter Text Variable Width Medium" charset="0"/>
+              <a:ea typeface="CMU Typewriter Text Variable Width Medium" charset="0"/>
+              <a:cs typeface="CMU Typewriter Text Variable Width Medium" charset="0"/>
+            </a:endParaRPr>
           </a:p>
         </p:txBody>
       </p:sp>
@@ -11467,6 +11781,13 @@
   <p:clrMapOvr>
     <a:masterClrMapping/>
   </p:clrMapOvr>
+  <p:timing>
+    <p:tnLst>
+      <p:par>
+        <p:cTn id="1" dur="indefinite" restart="never" nodeType="tmRoot"/>
+      </p:par>
+    </p:tnLst>
+  </p:timing>
 </p:sld>
 </file>
 

--- a/images_src/misc_powerpoint.pptx
+++ b/images_src/misc_powerpoint.pptx
@@ -5,17 +5,14 @@
     <p:sldMasterId id="2147483696" r:id="rId1"/>
   </p:sldMasterIdLst>
   <p:notesMasterIdLst>
-    <p:notesMasterId r:id="rId10"/>
+    <p:notesMasterId r:id="rId7"/>
   </p:notesMasterIdLst>
   <p:sldIdLst>
-    <p:sldId id="258" r:id="rId2"/>
-    <p:sldId id="259" r:id="rId3"/>
-    <p:sldId id="260" r:id="rId4"/>
-    <p:sldId id="261" r:id="rId5"/>
-    <p:sldId id="262" r:id="rId6"/>
-    <p:sldId id="263" r:id="rId7"/>
-    <p:sldId id="264" r:id="rId8"/>
-    <p:sldId id="265" r:id="rId9"/>
+    <p:sldId id="261" r:id="rId2"/>
+    <p:sldId id="262" r:id="rId3"/>
+    <p:sldId id="263" r:id="rId4"/>
+    <p:sldId id="264" r:id="rId5"/>
+    <p:sldId id="265" r:id="rId6"/>
   </p:sldIdLst>
   <p:sldSz cx="14400213" cy="7747000"/>
   <p:notesSz cx="6858000" cy="9144000"/>
@@ -204,7 +201,7 @@
           <a:p>
             <a:fld id="{8A2C6B5F-9BC6-4B49-8DDC-1983D75D835F}" type="datetimeFigureOut">
               <a:rPr lang="en-US" smtClean="0"/>
-              <a:t>1/10/16</a:t>
+              <a:t>1/12/16</a:t>
             </a:fld>
             <a:endParaRPr lang="en-US"/>
           </a:p>
@@ -472,232 +469,6 @@
 </p:notesMaster>
 </file>
 
-<file path=ppt/notesSlides/notesSlide1.xml><?xml version="1.0" encoding="utf-8"?>
-<p:notes xmlns:a="http://schemas.openxmlformats.org/drawingml/2006/main" xmlns:r="http://schemas.openxmlformats.org/officeDocument/2006/relationships" xmlns:p="http://schemas.openxmlformats.org/presentationml/2006/main">
-  <p:cSld>
-    <p:spTree>
-      <p:nvGrpSpPr>
-        <p:cNvPr id="1" name=""/>
-        <p:cNvGrpSpPr/>
-        <p:nvPr/>
-      </p:nvGrpSpPr>
-      <p:grpSpPr>
-        <a:xfrm>
-          <a:off x="0" y="0"/>
-          <a:ext cx="0" cy="0"/>
-          <a:chOff x="0" y="0"/>
-          <a:chExt cx="0" cy="0"/>
-        </a:xfrm>
-      </p:grpSpPr>
-      <p:sp>
-        <p:nvSpPr>
-          <p:cNvPr id="20482" name="Rectangle 7"/>
-          <p:cNvSpPr>
-            <a:spLocks noGrp="1" noChangeArrowheads="1"/>
-          </p:cNvSpPr>
-          <p:nvPr>
-            <p:ph type="sldNum" sz="quarter" idx="5"/>
-          </p:nvPr>
-        </p:nvSpPr>
-        <p:spPr>
-          <a:noFill/>
-        </p:spPr>
-        <p:txBody>
-          <a:bodyPr/>
-          <a:lstStyle/>
-          <a:p>
-            <a:fld id="{76734F6A-AB36-C748-8F7D-322521CEE13A}" type="slidenum">
-              <a:rPr lang="en-GB"/>
-              <a:pPr/>
-              <a:t>1</a:t>
-            </a:fld>
-            <a:endParaRPr lang="en-GB"/>
-          </a:p>
-        </p:txBody>
-      </p:sp>
-      <p:sp>
-        <p:nvSpPr>
-          <p:cNvPr id="20483" name="Rectangle 2"/>
-          <p:cNvSpPr>
-            <a:spLocks noGrp="1" noRot="1" noChangeAspect="1" noChangeArrowheads="1" noTextEdit="1"/>
-          </p:cNvSpPr>
-          <p:nvPr>
-            <p:ph type="sldImg"/>
-          </p:nvPr>
-        </p:nvSpPr>
-        <p:spPr>
-          <a:xfrm>
-            <a:off x="241300" y="685800"/>
-            <a:ext cx="6375400" cy="3429000"/>
-          </a:xfrm>
-          <a:ln/>
-        </p:spPr>
-      </p:sp>
-      <p:sp>
-        <p:nvSpPr>
-          <p:cNvPr id="20484" name="Rectangle 3"/>
-          <p:cNvSpPr>
-            <a:spLocks noGrp="1" noChangeArrowheads="1"/>
-          </p:cNvSpPr>
-          <p:nvPr>
-            <p:ph type="body" idx="1"/>
-          </p:nvPr>
-        </p:nvSpPr>
-        <p:spPr>
-          <a:noFill/>
-          <a:ln/>
-        </p:spPr>
-        <p:txBody>
-          <a:bodyPr/>
-          <a:lstStyle/>
-          <a:p>
-            <a:pPr marL="171450" marR="0" indent="-171450" algn="l" defTabSz="457200" rtl="0" eaLnBrk="1" fontAlgn="auto" latinLnBrk="0" hangingPunct="1">
-              <a:lnSpc>
-                <a:spcPct val="100000"/>
-              </a:lnSpc>
-              <a:spcBef>
-                <a:spcPts val="0"/>
-              </a:spcBef>
-              <a:spcAft>
-                <a:spcPts val="0"/>
-              </a:spcAft>
-              <a:buClrTx/>
-              <a:buSzTx/>
-              <a:buFont typeface="Arial"/>
-              <a:buChar char="•"/>
-              <a:tabLst/>
-              <a:defRPr/>
-            </a:pPr>
-            <a:endParaRPr lang="en-GB" sz="1200" dirty="0" smtClean="0"/>
-          </a:p>
-        </p:txBody>
-      </p:sp>
-    </p:spTree>
-    <p:extLst>
-      <p:ext uri="{BB962C8B-B14F-4D97-AF65-F5344CB8AC3E}">
-        <p14:creationId xmlns:p14="http://schemas.microsoft.com/office/powerpoint/2010/main" val="950813419"/>
-      </p:ext>
-    </p:extLst>
-  </p:cSld>
-  <p:clrMapOvr>
-    <a:masterClrMapping/>
-  </p:clrMapOvr>
-</p:notes>
-</file>
-
-<file path=ppt/notesSlides/notesSlide2.xml><?xml version="1.0" encoding="utf-8"?>
-<p:notes xmlns:a="http://schemas.openxmlformats.org/drawingml/2006/main" xmlns:r="http://schemas.openxmlformats.org/officeDocument/2006/relationships" xmlns:p="http://schemas.openxmlformats.org/presentationml/2006/main">
-  <p:cSld>
-    <p:spTree>
-      <p:nvGrpSpPr>
-        <p:cNvPr id="1" name=""/>
-        <p:cNvGrpSpPr/>
-        <p:nvPr/>
-      </p:nvGrpSpPr>
-      <p:grpSpPr>
-        <a:xfrm>
-          <a:off x="0" y="0"/>
-          <a:ext cx="0" cy="0"/>
-          <a:chOff x="0" y="0"/>
-          <a:chExt cx="0" cy="0"/>
-        </a:xfrm>
-      </p:grpSpPr>
-      <p:sp>
-        <p:nvSpPr>
-          <p:cNvPr id="20482" name="Rectangle 7"/>
-          <p:cNvSpPr>
-            <a:spLocks noGrp="1" noChangeArrowheads="1"/>
-          </p:cNvSpPr>
-          <p:nvPr>
-            <p:ph type="sldNum" sz="quarter" idx="5"/>
-          </p:nvPr>
-        </p:nvSpPr>
-        <p:spPr>
-          <a:noFill/>
-        </p:spPr>
-        <p:txBody>
-          <a:bodyPr/>
-          <a:lstStyle/>
-          <a:p>
-            <a:fld id="{76734F6A-AB36-C748-8F7D-322521CEE13A}" type="slidenum">
-              <a:rPr lang="en-GB"/>
-              <a:pPr/>
-              <a:t>3</a:t>
-            </a:fld>
-            <a:endParaRPr lang="en-GB"/>
-          </a:p>
-        </p:txBody>
-      </p:sp>
-      <p:sp>
-        <p:nvSpPr>
-          <p:cNvPr id="20483" name="Rectangle 2"/>
-          <p:cNvSpPr>
-            <a:spLocks noGrp="1" noRot="1" noChangeAspect="1" noChangeArrowheads="1" noTextEdit="1"/>
-          </p:cNvSpPr>
-          <p:nvPr>
-            <p:ph type="sldImg"/>
-          </p:nvPr>
-        </p:nvSpPr>
-        <p:spPr>
-          <a:xfrm>
-            <a:off x="241300" y="685800"/>
-            <a:ext cx="6375400" cy="3429000"/>
-          </a:xfrm>
-          <a:ln/>
-        </p:spPr>
-      </p:sp>
-      <p:sp>
-        <p:nvSpPr>
-          <p:cNvPr id="20484" name="Rectangle 3"/>
-          <p:cNvSpPr>
-            <a:spLocks noGrp="1" noChangeArrowheads="1"/>
-          </p:cNvSpPr>
-          <p:nvPr>
-            <p:ph type="body" idx="1"/>
-          </p:nvPr>
-        </p:nvSpPr>
-        <p:spPr>
-          <a:noFill/>
-          <a:ln/>
-        </p:spPr>
-        <p:txBody>
-          <a:bodyPr/>
-          <a:lstStyle/>
-          <a:p>
-            <a:pPr marL="171450" marR="0" indent="-171450" algn="l" defTabSz="457200" rtl="0" eaLnBrk="1" fontAlgn="auto" latinLnBrk="0" hangingPunct="1">
-              <a:lnSpc>
-                <a:spcPct val="100000"/>
-              </a:lnSpc>
-              <a:spcBef>
-                <a:spcPts val="0"/>
-              </a:spcBef>
-              <a:spcAft>
-                <a:spcPts val="0"/>
-              </a:spcAft>
-              <a:buClrTx/>
-              <a:buSzTx/>
-              <a:buFont typeface="Arial"/>
-              <a:buChar char="•"/>
-              <a:tabLst/>
-              <a:defRPr/>
-            </a:pPr>
-            <a:endParaRPr lang="en-GB" sz="1200" dirty="0" smtClean="0"/>
-          </a:p>
-        </p:txBody>
-      </p:sp>
-    </p:spTree>
-    <p:extLst>
-      <p:ext uri="{BB962C8B-B14F-4D97-AF65-F5344CB8AC3E}">
-        <p14:creationId xmlns:p14="http://schemas.microsoft.com/office/powerpoint/2010/main" val="185492562"/>
-      </p:ext>
-    </p:extLst>
-  </p:cSld>
-  <p:clrMapOvr>
-    <a:masterClrMapping/>
-  </p:clrMapOvr>
-</p:notes>
-</file>
-
 <file path=ppt/slideLayouts/slideLayout1.xml><?xml version="1.0" encoding="utf-8"?>
 <p:sldLayout xmlns:a="http://schemas.openxmlformats.org/drawingml/2006/main" xmlns:r="http://schemas.openxmlformats.org/officeDocument/2006/relationships" xmlns:p="http://schemas.openxmlformats.org/presentationml/2006/main" type="title" preserve="1">
   <p:cSld name="Title Slide">
@@ -829,7 +600,7 @@
           <a:p>
             <a:fld id="{70491AAC-A65D-7044-B83C-B384503BD135}" type="datetimeFigureOut">
               <a:rPr lang="en-US" smtClean="0"/>
-              <a:t>1/10/16</a:t>
+              <a:t>1/12/16</a:t>
             </a:fld>
             <a:endParaRPr lang="en-US"/>
           </a:p>
@@ -999,7 +770,7 @@
           <a:p>
             <a:fld id="{70491AAC-A65D-7044-B83C-B384503BD135}" type="datetimeFigureOut">
               <a:rPr lang="en-US" smtClean="0"/>
-              <a:t>1/10/16</a:t>
+              <a:t>1/12/16</a:t>
             </a:fld>
             <a:endParaRPr lang="en-US"/>
           </a:p>
@@ -1179,7 +950,7 @@
           <a:p>
             <a:fld id="{70491AAC-A65D-7044-B83C-B384503BD135}" type="datetimeFigureOut">
               <a:rPr lang="en-US" smtClean="0"/>
-              <a:t>1/10/16</a:t>
+              <a:t>1/12/16</a:t>
             </a:fld>
             <a:endParaRPr lang="en-US"/>
           </a:p>
@@ -1349,7 +1120,7 @@
           <a:p>
             <a:fld id="{70491AAC-A65D-7044-B83C-B384503BD135}" type="datetimeFigureOut">
               <a:rPr lang="en-US" smtClean="0"/>
-              <a:t>1/10/16</a:t>
+              <a:t>1/12/16</a:t>
             </a:fld>
             <a:endParaRPr lang="en-US"/>
           </a:p>
@@ -1595,7 +1366,7 @@
           <a:p>
             <a:fld id="{70491AAC-A65D-7044-B83C-B384503BD135}" type="datetimeFigureOut">
               <a:rPr lang="en-US" smtClean="0"/>
-              <a:t>1/10/16</a:t>
+              <a:t>1/12/16</a:t>
             </a:fld>
             <a:endParaRPr lang="en-US"/>
           </a:p>
@@ -1827,7 +1598,7 @@
           <a:p>
             <a:fld id="{70491AAC-A65D-7044-B83C-B384503BD135}" type="datetimeFigureOut">
               <a:rPr lang="en-US" smtClean="0"/>
-              <a:t>1/10/16</a:t>
+              <a:t>1/12/16</a:t>
             </a:fld>
             <a:endParaRPr lang="en-US"/>
           </a:p>
@@ -2194,7 +1965,7 @@
           <a:p>
             <a:fld id="{70491AAC-A65D-7044-B83C-B384503BD135}" type="datetimeFigureOut">
               <a:rPr lang="en-US" smtClean="0"/>
-              <a:t>1/10/16</a:t>
+              <a:t>1/12/16</a:t>
             </a:fld>
             <a:endParaRPr lang="en-US"/>
           </a:p>
@@ -2312,7 +2083,7 @@
           <a:p>
             <a:fld id="{70491AAC-A65D-7044-B83C-B384503BD135}" type="datetimeFigureOut">
               <a:rPr lang="en-US" smtClean="0"/>
-              <a:t>1/10/16</a:t>
+              <a:t>1/12/16</a:t>
             </a:fld>
             <a:endParaRPr lang="en-US"/>
           </a:p>
@@ -2407,7 +2178,7 @@
           <a:p>
             <a:fld id="{70491AAC-A65D-7044-B83C-B384503BD135}" type="datetimeFigureOut">
               <a:rPr lang="en-US" smtClean="0"/>
-              <a:t>1/10/16</a:t>
+              <a:t>1/12/16</a:t>
             </a:fld>
             <a:endParaRPr lang="en-US"/>
           </a:p>
@@ -2684,7 +2455,7 @@
           <a:p>
             <a:fld id="{70491AAC-A65D-7044-B83C-B384503BD135}" type="datetimeFigureOut">
               <a:rPr lang="en-US" smtClean="0"/>
-              <a:t>1/10/16</a:t>
+              <a:t>1/12/16</a:t>
             </a:fld>
             <a:endParaRPr lang="en-US"/>
           </a:p>
@@ -2941,7 +2712,7 @@
           <a:p>
             <a:fld id="{70491AAC-A65D-7044-B83C-B384503BD135}" type="datetimeFigureOut">
               <a:rPr lang="en-US" smtClean="0"/>
-              <a:t>1/10/16</a:t>
+              <a:t>1/12/16</a:t>
             </a:fld>
             <a:endParaRPr lang="en-US"/>
           </a:p>
@@ -3154,7 +2925,7 @@
           <a:p>
             <a:fld id="{70491AAC-A65D-7044-B83C-B384503BD135}" type="datetimeFigureOut">
               <a:rPr lang="en-US" smtClean="0"/>
-              <a:t>1/10/16</a:t>
+              <a:t>1/12/16</a:t>
             </a:fld>
             <a:endParaRPr lang="en-US"/>
           </a:p>
@@ -3559,1373 +3330,6 @@
           <a:chExt cx="0" cy="0"/>
         </a:xfrm>
       </p:grpSpPr>
-      <p:pic>
-        <p:nvPicPr>
-          <p:cNvPr id="12" name="Content Placeholder 4"/>
-          <p:cNvPicPr>
-            <a:picLocks noGrp="1" noChangeAspect="1"/>
-          </p:cNvPicPr>
-          <p:nvPr>
-            <p:ph idx="1"/>
-          </p:nvPr>
-        </p:nvPicPr>
-        <p:blipFill rotWithShape="1">
-          <a:blip r:embed="rId3" cstate="print">
-            <a:extLst>
-              <a:ext uri="{28A0092B-C50C-407E-A947-70E740481C1C}">
-                <a14:useLocalDpi xmlns:a14="http://schemas.microsoft.com/office/drawing/2010/main"/>
-              </a:ext>
-            </a:extLst>
-          </a:blip>
-          <a:srcRect b="56171"/>
-          <a:stretch/>
-        </p:blipFill>
-        <p:spPr>
-          <a:xfrm>
-            <a:off x="7527469" y="2502734"/>
-            <a:ext cx="1164188" cy="80149"/>
-          </a:xfrm>
-          <a:ln>
-            <a:solidFill>
-              <a:schemeClr val="tx1"/>
-            </a:solidFill>
-          </a:ln>
-        </p:spPr>
-      </p:pic>
-      <p:pic>
-        <p:nvPicPr>
-          <p:cNvPr id="3" name="Picture 2"/>
-          <p:cNvPicPr>
-            <a:picLocks noChangeAspect="1"/>
-          </p:cNvPicPr>
-          <p:nvPr/>
-        </p:nvPicPr>
-        <p:blipFill>
-          <a:blip r:embed="rId4" cstate="print">
-            <a:clrChange>
-              <a:clrFrom>
-                <a:srgbClr val="CDCDCD"/>
-              </a:clrFrom>
-              <a:clrTo>
-                <a:srgbClr val="CDCDCD">
-                  <a:alpha val="0"/>
-                </a:srgbClr>
-              </a:clrTo>
-            </a:clrChange>
-            <a:extLst>
-              <a:ext uri="{28A0092B-C50C-407E-A947-70E740481C1C}">
-                <a14:useLocalDpi xmlns:a14="http://schemas.microsoft.com/office/drawing/2010/main"/>
-              </a:ext>
-            </a:extLst>
-          </a:blip>
-          <a:stretch>
-            <a:fillRect/>
-          </a:stretch>
-        </p:blipFill>
-        <p:spPr>
-          <a:xfrm>
-            <a:off x="2588343" y="2509114"/>
-            <a:ext cx="2606180" cy="3464174"/>
-          </a:xfrm>
-          <a:prstGeom prst="rect">
-            <a:avLst/>
-          </a:prstGeom>
-          <a:ln w="12700">
-            <a:solidFill>
-              <a:srgbClr val="000000"/>
-            </a:solidFill>
-          </a:ln>
-        </p:spPr>
-      </p:pic>
-      <p:sp>
-        <p:nvSpPr>
-          <p:cNvPr id="13" name="TextBox 12"/>
-          <p:cNvSpPr txBox="1"/>
-          <p:nvPr/>
-        </p:nvSpPr>
-        <p:spPr>
-          <a:xfrm>
-            <a:off x="2587404" y="5985700"/>
-            <a:ext cx="2607120" cy="276999"/>
-          </a:xfrm>
-          <a:prstGeom prst="rect">
-            <a:avLst/>
-          </a:prstGeom>
-          <a:noFill/>
-        </p:spPr>
-        <p:txBody>
-          <a:bodyPr wrap="square" rtlCol="0">
-            <a:spAutoFit/>
-          </a:bodyPr>
-          <a:lstStyle/>
-          <a:p>
-            <a:pPr algn="ctr"/>
-            <a:r>
-              <a:rPr lang="en-US" sz="1200">
-                <a:latin typeface="CMU Typewriter Text Variable Width Medium" charset="0"/>
-                <a:ea typeface="CMU Typewriter Text Variable Width Medium" charset="0"/>
-                <a:cs typeface="CMU Typewriter Text Variable Width Medium" charset="0"/>
-              </a:rPr>
-              <a:t>35m addresses</a:t>
-            </a:r>
-          </a:p>
-        </p:txBody>
-      </p:sp>
-      <p:sp>
-        <p:nvSpPr>
-          <p:cNvPr id="19" name="Rectangle 18"/>
-          <p:cNvSpPr/>
-          <p:nvPr/>
-        </p:nvSpPr>
-        <p:spPr bwMode="auto">
-          <a:xfrm>
-            <a:off x="5195463" y="2498962"/>
-            <a:ext cx="1164188" cy="2908800"/>
-          </a:xfrm>
-          <a:prstGeom prst="rect">
-            <a:avLst/>
-          </a:prstGeom>
-          <a:solidFill>
-            <a:schemeClr val="bg1"/>
-          </a:solidFill>
-          <a:ln w="12700" cap="flat" cmpd="sng" algn="ctr">
-            <a:solidFill>
-              <a:schemeClr val="tx1"/>
-            </a:solidFill>
-            <a:prstDash val="solid"/>
-            <a:round/>
-            <a:headEnd type="none" w="med" len="med"/>
-            <a:tailEnd type="none" w="med" len="med"/>
-          </a:ln>
-          <a:effectLst/>
-        </p:spPr>
-        <p:txBody>
-          <a:bodyPr vert="horz" wrap="square" lIns="99441" tIns="49721" rIns="99441" bIns="0" numCol="1" rtlCol="0" anchor="ctr" anchorCtr="0" compatLnSpc="1">
-            <a:prstTxWarp prst="textNoShape">
-              <a:avLst/>
-            </a:prstTxWarp>
-            <a:noAutofit/>
-          </a:bodyPr>
-          <a:lstStyle/>
-          <a:p>
-            <a:pPr algn="ctr" defTabSz="994355" eaLnBrk="0" fontAlgn="base" hangingPunct="0">
-              <a:spcBef>
-                <a:spcPct val="0"/>
-              </a:spcBef>
-              <a:spcAft>
-                <a:spcPct val="0"/>
-              </a:spcAft>
-            </a:pPr>
-            <a:r>
-              <a:rPr lang="en-US" sz="1200" dirty="0">
-                <a:latin typeface="CMU Typewriter Text Variable Width Medium" charset="0"/>
-                <a:ea typeface="CMU Typewriter Text Variable Width Medium" charset="0"/>
-                <a:cs typeface="CMU Typewriter Text Variable Width Medium" charset="0"/>
-              </a:rPr>
-              <a:t>84% of addresses are in England and Wales</a:t>
-            </a:r>
-          </a:p>
-        </p:txBody>
-      </p:sp>
-      <p:sp>
-        <p:nvSpPr>
-          <p:cNvPr id="21" name="Rectangle 20"/>
-          <p:cNvSpPr/>
-          <p:nvPr/>
-        </p:nvSpPr>
-        <p:spPr bwMode="auto">
-          <a:xfrm>
-            <a:off x="5195463" y="5407761"/>
-            <a:ext cx="1164188" cy="572053"/>
-          </a:xfrm>
-          <a:prstGeom prst="rect">
-            <a:avLst/>
-          </a:prstGeom>
-          <a:solidFill>
-            <a:schemeClr val="bg1">
-              <a:lumMod val="85000"/>
-            </a:schemeClr>
-          </a:solidFill>
-          <a:ln w="12700" cap="flat" cmpd="sng" algn="ctr">
-            <a:solidFill>
-              <a:schemeClr val="tx1"/>
-            </a:solidFill>
-            <a:prstDash val="solid"/>
-            <a:round/>
-            <a:headEnd type="none" w="med" len="med"/>
-            <a:tailEnd type="none" w="med" len="med"/>
-          </a:ln>
-          <a:effectLst/>
-        </p:spPr>
-        <p:txBody>
-          <a:bodyPr vert="horz" wrap="square" lIns="99441" tIns="49721" rIns="99441" bIns="0" numCol="1" rtlCol="0" anchor="ctr" anchorCtr="0" compatLnSpc="1">
-            <a:prstTxWarp prst="textNoShape">
-              <a:avLst/>
-            </a:prstTxWarp>
-            <a:noAutofit/>
-          </a:bodyPr>
-          <a:lstStyle/>
-          <a:p>
-            <a:pPr algn="ctr" defTabSz="994355" eaLnBrk="0" fontAlgn="base" hangingPunct="0">
-              <a:spcBef>
-                <a:spcPct val="0"/>
-              </a:spcBef>
-              <a:spcAft>
-                <a:spcPct val="0"/>
-              </a:spcAft>
-            </a:pPr>
-            <a:endParaRPr lang="en-US" sz="1200" dirty="0">
-              <a:latin typeface="CMU Typewriter Text Variable Width Medium" charset="0"/>
-              <a:ea typeface="CMU Typewriter Text Variable Width Medium" charset="0"/>
-              <a:cs typeface="CMU Typewriter Text Variable Width Medium" charset="0"/>
-            </a:endParaRPr>
-          </a:p>
-        </p:txBody>
-      </p:sp>
-      <p:sp>
-        <p:nvSpPr>
-          <p:cNvPr id="22" name="Rectangle 21"/>
-          <p:cNvSpPr/>
-          <p:nvPr/>
-        </p:nvSpPr>
-        <p:spPr bwMode="auto">
-          <a:xfrm>
-            <a:off x="6359652" y="2498963"/>
-            <a:ext cx="1164188" cy="406799"/>
-          </a:xfrm>
-          <a:prstGeom prst="rect">
-            <a:avLst/>
-          </a:prstGeom>
-          <a:solidFill>
-            <a:schemeClr val="bg1"/>
-          </a:solidFill>
-          <a:ln w="12700" cap="flat" cmpd="sng" algn="ctr">
-            <a:solidFill>
-              <a:schemeClr val="tx1"/>
-            </a:solidFill>
-            <a:prstDash val="solid"/>
-            <a:round/>
-            <a:headEnd type="none" w="med" len="med"/>
-            <a:tailEnd type="none" w="med" len="med"/>
-          </a:ln>
-          <a:effectLst/>
-        </p:spPr>
-        <p:txBody>
-          <a:bodyPr vert="horz" wrap="square" lIns="0" tIns="0" rIns="0" bIns="0" numCol="1" rtlCol="0" anchor="ctr" anchorCtr="0" compatLnSpc="1">
-            <a:prstTxWarp prst="textNoShape">
-              <a:avLst/>
-            </a:prstTxWarp>
-            <a:noAutofit/>
-          </a:bodyPr>
-          <a:lstStyle/>
-          <a:p>
-            <a:pPr algn="ctr" defTabSz="994355" eaLnBrk="0" fontAlgn="base" hangingPunct="0">
-              <a:spcBef>
-                <a:spcPct val="0"/>
-              </a:spcBef>
-              <a:spcAft>
-                <a:spcPct val="0"/>
-              </a:spcAft>
-            </a:pPr>
-            <a:r>
-              <a:rPr lang="en-US" sz="1200" dirty="0">
-                <a:latin typeface="CMU Typewriter Text Variable Width Medium" charset="0"/>
-                <a:ea typeface="CMU Typewriter Text Variable Width Medium" charset="0"/>
-                <a:cs typeface="CMU Typewriter Text Variable Width Medium" charset="0"/>
-              </a:rPr>
-              <a:t>14% in London</a:t>
-            </a:r>
-          </a:p>
-        </p:txBody>
-      </p:sp>
-      <p:sp>
-        <p:nvSpPr>
-          <p:cNvPr id="23" name="Rectangle 22"/>
-          <p:cNvSpPr/>
-          <p:nvPr/>
-        </p:nvSpPr>
-        <p:spPr bwMode="auto">
-          <a:xfrm>
-            <a:off x="6359652" y="2905762"/>
-            <a:ext cx="1164188" cy="2496113"/>
-          </a:xfrm>
-          <a:prstGeom prst="rect">
-            <a:avLst/>
-          </a:prstGeom>
-          <a:solidFill>
-            <a:schemeClr val="bg1">
-              <a:lumMod val="85000"/>
-            </a:schemeClr>
-          </a:solidFill>
-          <a:ln w="12700" cap="flat" cmpd="sng" algn="ctr">
-            <a:solidFill>
-              <a:schemeClr val="tx1"/>
-            </a:solidFill>
-            <a:prstDash val="solid"/>
-            <a:round/>
-            <a:headEnd type="none" w="med" len="med"/>
-            <a:tailEnd type="none" w="med" len="med"/>
-          </a:ln>
-          <a:effectLst/>
-        </p:spPr>
-        <p:txBody>
-          <a:bodyPr vert="horz" wrap="square" lIns="99441" tIns="49721" rIns="99441" bIns="0" numCol="1" rtlCol="0" anchor="ctr" anchorCtr="0" compatLnSpc="1">
-            <a:prstTxWarp prst="textNoShape">
-              <a:avLst/>
-            </a:prstTxWarp>
-            <a:noAutofit/>
-          </a:bodyPr>
-          <a:lstStyle/>
-          <a:p>
-            <a:pPr algn="ctr" defTabSz="994355" eaLnBrk="0" fontAlgn="base" hangingPunct="0">
-              <a:spcBef>
-                <a:spcPct val="0"/>
-              </a:spcBef>
-              <a:spcAft>
-                <a:spcPct val="0"/>
-              </a:spcAft>
-            </a:pPr>
-            <a:endParaRPr lang="en-US" sz="1200" dirty="0">
-              <a:latin typeface="CMU Typewriter Text Variable Width Medium" charset="0"/>
-              <a:ea typeface="CMU Typewriter Text Variable Width Medium" charset="0"/>
-              <a:cs typeface="CMU Typewriter Text Variable Width Medium" charset="0"/>
-            </a:endParaRPr>
-          </a:p>
-        </p:txBody>
-      </p:sp>
-      <p:sp>
-        <p:nvSpPr>
-          <p:cNvPr id="15" name="Rectangle 14"/>
-          <p:cNvSpPr/>
-          <p:nvPr/>
-        </p:nvSpPr>
-        <p:spPr bwMode="auto">
-          <a:xfrm>
-            <a:off x="7523840" y="2582883"/>
-            <a:ext cx="1175752" cy="316992"/>
-          </a:xfrm>
-          <a:prstGeom prst="rect">
-            <a:avLst/>
-          </a:prstGeom>
-          <a:solidFill>
-            <a:schemeClr val="bg1">
-              <a:lumMod val="85000"/>
-            </a:schemeClr>
-          </a:solidFill>
-          <a:ln w="12700" cap="flat" cmpd="sng" algn="ctr">
-            <a:solidFill>
-              <a:schemeClr val="tx1"/>
-            </a:solidFill>
-            <a:prstDash val="solid"/>
-            <a:round/>
-            <a:headEnd type="none" w="med" len="med"/>
-            <a:tailEnd type="none" w="med" len="med"/>
-          </a:ln>
-          <a:effectLst/>
-        </p:spPr>
-        <p:txBody>
-          <a:bodyPr vert="horz" wrap="square" lIns="99441" tIns="49721" rIns="99441" bIns="0" numCol="1" rtlCol="0" anchor="ctr" anchorCtr="0" compatLnSpc="1">
-            <a:prstTxWarp prst="textNoShape">
-              <a:avLst/>
-            </a:prstTxWarp>
-            <a:noAutofit/>
-          </a:bodyPr>
-          <a:lstStyle/>
-          <a:p>
-            <a:pPr algn="ctr" defTabSz="994355" eaLnBrk="0" fontAlgn="base" hangingPunct="0">
-              <a:spcBef>
-                <a:spcPct val="0"/>
-              </a:spcBef>
-              <a:spcAft>
-                <a:spcPct val="0"/>
-              </a:spcAft>
-            </a:pPr>
-            <a:endParaRPr lang="en-US" sz="1200" dirty="0">
-              <a:latin typeface="CMU Typewriter Text Variable Width Medium" charset="0"/>
-              <a:ea typeface="CMU Typewriter Text Variable Width Medium" charset="0"/>
-              <a:cs typeface="CMU Typewriter Text Variable Width Medium" charset="0"/>
-            </a:endParaRPr>
-          </a:p>
-        </p:txBody>
-      </p:sp>
-      <p:grpSp>
-        <p:nvGrpSpPr>
-          <p:cNvPr id="7" name="Group 6"/>
-          <p:cNvGrpSpPr/>
-          <p:nvPr/>
-        </p:nvGrpSpPr>
-        <p:grpSpPr>
-          <a:xfrm>
-            <a:off x="7693928" y="3071434"/>
-            <a:ext cx="2649332" cy="2330441"/>
-            <a:chOff x="5692023" y="979017"/>
-            <a:chExt cx="2436167" cy="2142934"/>
-          </a:xfrm>
-        </p:grpSpPr>
-        <p:sp>
-          <p:nvSpPr>
-            <p:cNvPr id="18" name="Rounded Rectangular Callout 17"/>
-            <p:cNvSpPr/>
-            <p:nvPr/>
-          </p:nvSpPr>
-          <p:spPr bwMode="auto">
-            <a:xfrm>
-              <a:off x="5692023" y="979017"/>
-              <a:ext cx="2436167" cy="2142934"/>
-            </a:xfrm>
-            <a:prstGeom prst="wedgeRoundRectCallout">
-              <a:avLst>
-                <a:gd name="adj1" fmla="val -25741"/>
-                <a:gd name="adj2" fmla="val -68715"/>
-                <a:gd name="adj3" fmla="val 16667"/>
-              </a:avLst>
-            </a:prstGeom>
-            <a:solidFill>
-              <a:schemeClr val="bg1"/>
-            </a:solidFill>
-            <a:ln w="12700" cap="flat" cmpd="sng" algn="ctr">
-              <a:solidFill>
-                <a:schemeClr val="tx1"/>
-              </a:solidFill>
-              <a:prstDash val="solid"/>
-              <a:round/>
-              <a:headEnd type="none" w="med" len="med"/>
-              <a:tailEnd type="none" w="med" len="med"/>
-            </a:ln>
-            <a:effectLst>
-              <a:outerShdw blurRad="50800" dist="76200" dir="2700000" algn="tl" rotWithShape="0">
-                <a:prstClr val="black">
-                  <a:alpha val="40000"/>
-                </a:prstClr>
-              </a:outerShdw>
-            </a:effectLst>
-          </p:spPr>
-          <p:txBody>
-            <a:bodyPr vert="horz" wrap="square" lIns="99441" tIns="49721" rIns="99441" bIns="0" numCol="1" rtlCol="0" anchor="b" anchorCtr="0" compatLnSpc="1">
-              <a:prstTxWarp prst="textNoShape">
-                <a:avLst/>
-              </a:prstTxWarp>
-              <a:noAutofit/>
-            </a:bodyPr>
-            <a:lstStyle/>
-            <a:p>
-              <a:pPr marL="186441" indent="-186441" defTabSz="994355" eaLnBrk="0" fontAlgn="base" hangingPunct="0">
-                <a:spcBef>
-                  <a:spcPct val="0"/>
-                </a:spcBef>
-                <a:spcAft>
-                  <a:spcPts val="652"/>
-                </a:spcAft>
-                <a:buFont typeface="Arial" charset="0"/>
-                <a:buChar char="•"/>
-              </a:pPr>
-              <a:r>
-                <a:rPr lang="en-US" sz="1200" dirty="0">
-                  <a:latin typeface="CMU Typewriter Text Variable Width Medium" charset="0"/>
-                  <a:ea typeface="CMU Typewriter Text Variable Width Medium" charset="0"/>
-                  <a:cs typeface="CMU Typewriter Text Variable Width Medium" charset="0"/>
-                </a:rPr>
-                <a:t>~113km2 area (2%)</a:t>
-              </a:r>
-            </a:p>
-            <a:p>
-              <a:pPr marL="186441" indent="-186441" defTabSz="994355" eaLnBrk="0" fontAlgn="base" hangingPunct="0">
-                <a:spcBef>
-                  <a:spcPct val="0"/>
-                </a:spcBef>
-                <a:spcAft>
-                  <a:spcPts val="652"/>
-                </a:spcAft>
-                <a:buFont typeface="Arial" charset="0"/>
-                <a:buChar char="•"/>
-              </a:pPr>
-              <a:r>
-                <a:rPr lang="en-US" sz="1200" dirty="0" smtClean="0">
-                  <a:latin typeface="CMU Typewriter Text Variable Width Medium" charset="0"/>
-                  <a:ea typeface="CMU Typewriter Text Variable Width Medium" charset="0"/>
-                  <a:cs typeface="CMU Typewriter Text Variable Width Medium" charset="0"/>
-                </a:rPr>
-                <a:t>3,982 “named roads”</a:t>
-              </a:r>
-              <a:endParaRPr lang="en-US" sz="1200" dirty="0">
-                <a:latin typeface="CMU Typewriter Text Variable Width Medium" charset="0"/>
-                <a:ea typeface="CMU Typewriter Text Variable Width Medium" charset="0"/>
-                <a:cs typeface="CMU Typewriter Text Variable Width Medium" charset="0"/>
-              </a:endParaRPr>
-            </a:p>
-          </p:txBody>
-        </p:sp>
-        <p:pic>
-          <p:nvPicPr>
-            <p:cNvPr id="16" name="Content Placeholder 4"/>
-            <p:cNvPicPr>
-              <a:picLocks noChangeAspect="1"/>
-            </p:cNvPicPr>
-            <p:nvPr/>
-          </p:nvPicPr>
-          <p:blipFill rotWithShape="1">
-            <a:blip r:embed="rId5" cstate="print">
-              <a:extLst>
-                <a:ext uri="{28A0092B-C50C-407E-A947-70E740481C1C}">
-                  <a14:useLocalDpi xmlns:a14="http://schemas.microsoft.com/office/drawing/2010/main"/>
-                </a:ext>
-              </a:extLst>
-            </a:blip>
-            <a:srcRect/>
-            <a:stretch/>
-          </p:blipFill>
-          <p:spPr bwMode="auto">
-            <a:xfrm>
-              <a:off x="5977542" y="1181350"/>
-              <a:ext cx="1865128" cy="1280161"/>
-            </a:xfrm>
-            <a:prstGeom prst="rect">
-              <a:avLst/>
-            </a:prstGeom>
-            <a:noFill/>
-            <a:ln w="12700">
-              <a:solidFill>
-                <a:schemeClr val="tx1"/>
-              </a:solidFill>
-              <a:miter lim="800000"/>
-              <a:headEnd/>
-              <a:tailEnd/>
-            </a:ln>
-          </p:spPr>
-        </p:pic>
-      </p:grpSp>
-      <p:sp>
-        <p:nvSpPr>
-          <p:cNvPr id="5" name="Rectangle 4"/>
-          <p:cNvSpPr/>
-          <p:nvPr/>
-        </p:nvSpPr>
-        <p:spPr>
-          <a:xfrm>
-            <a:off x="8632764" y="1873750"/>
-            <a:ext cx="2733672" cy="206289"/>
-          </a:xfrm>
-          <a:prstGeom prst="rect">
-            <a:avLst/>
-          </a:prstGeom>
-          <a:solidFill>
-            <a:schemeClr val="bg1"/>
-          </a:solidFill>
-          <a:ln>
-            <a:noFill/>
-          </a:ln>
-        </p:spPr>
-        <p:style>
-          <a:lnRef idx="2">
-            <a:schemeClr val="accent1">
-              <a:shade val="50000"/>
-            </a:schemeClr>
-          </a:lnRef>
-          <a:fillRef idx="1">
-            <a:schemeClr val="accent1"/>
-          </a:fillRef>
-          <a:effectRef idx="0">
-            <a:schemeClr val="accent1"/>
-          </a:effectRef>
-          <a:fontRef idx="minor">
-            <a:schemeClr val="lt1"/>
-          </a:fontRef>
-        </p:style>
-        <p:txBody>
-          <a:bodyPr rtlCol="0" anchor="ctr"/>
-          <a:lstStyle/>
-          <a:p>
-            <a:pPr algn="ctr"/>
-            <a:endParaRPr lang="en-US" sz="1200">
-              <a:latin typeface="CMU Typewriter Text Variable Width Medium" charset="0"/>
-              <a:ea typeface="CMU Typewriter Text Variable Width Medium" charset="0"/>
-              <a:cs typeface="CMU Typewriter Text Variable Width Medium" charset="0"/>
-            </a:endParaRPr>
-          </a:p>
-        </p:txBody>
-      </p:sp>
-    </p:spTree>
-    <p:extLst>
-      <p:ext uri="{BB962C8B-B14F-4D97-AF65-F5344CB8AC3E}">
-        <p14:creationId xmlns:p14="http://schemas.microsoft.com/office/powerpoint/2010/main" val="1584571638"/>
-      </p:ext>
-    </p:extLst>
-  </p:cSld>
-  <p:clrMapOvr>
-    <a:masterClrMapping/>
-  </p:clrMapOvr>
-  <p:timing>
-    <p:tnLst>
-      <p:par>
-        <p:cTn id="1" dur="indefinite" restart="never" nodeType="tmRoot">
-          <p:childTnLst>
-            <p:seq concurrent="1" nextAc="seek">
-              <p:cTn id="2" dur="indefinite" nodeType="mainSeq">
-                <p:childTnLst>
-                  <p:par>
-                    <p:cTn id="3" fill="hold">
-                      <p:stCondLst>
-                        <p:cond delay="indefinite"/>
-                      </p:stCondLst>
-                      <p:childTnLst>
-                        <p:par>
-                          <p:cTn id="4" fill="hold">
-                            <p:stCondLst>
-                              <p:cond delay="0"/>
-                            </p:stCondLst>
-                            <p:childTnLst>
-                              <p:par>
-                                <p:cTn id="5" presetID="1" presetClass="entr" presetSubtype="0" fill="hold" nodeType="clickEffect">
-                                  <p:stCondLst>
-                                    <p:cond delay="0"/>
-                                  </p:stCondLst>
-                                  <p:childTnLst>
-                                    <p:set>
-                                      <p:cBhvr>
-                                        <p:cTn id="6" dur="1" fill="hold">
-                                          <p:stCondLst>
-                                            <p:cond delay="0"/>
-                                          </p:stCondLst>
-                                        </p:cTn>
-                                        <p:tgtEl>
-                                          <p:spTgt spid="7"/>
-                                        </p:tgtEl>
-                                        <p:attrNameLst>
-                                          <p:attrName>style.visibility</p:attrName>
-                                        </p:attrNameLst>
-                                      </p:cBhvr>
-                                      <p:to>
-                                        <p:strVal val="visible"/>
-                                      </p:to>
-                                    </p:set>
-                                  </p:childTnLst>
-                                </p:cTn>
-                              </p:par>
-                            </p:childTnLst>
-                          </p:cTn>
-                        </p:par>
-                      </p:childTnLst>
-                    </p:cTn>
-                  </p:par>
-                </p:childTnLst>
-              </p:cTn>
-              <p:prevCondLst>
-                <p:cond evt="onPrev" delay="0">
-                  <p:tgtEl>
-                    <p:sldTgt/>
-                  </p:tgtEl>
-                </p:cond>
-              </p:prevCondLst>
-              <p:nextCondLst>
-                <p:cond evt="onNext" delay="0">
-                  <p:tgtEl>
-                    <p:sldTgt/>
-                  </p:tgtEl>
-                </p:cond>
-              </p:nextCondLst>
-            </p:seq>
-          </p:childTnLst>
-        </p:cTn>
-      </p:par>
-    </p:tnLst>
-  </p:timing>
-</p:sld>
-</file>
-
-<file path=ppt/slides/slide2.xml><?xml version="1.0" encoding="utf-8"?>
-<p:sld xmlns:a="http://schemas.openxmlformats.org/drawingml/2006/main" xmlns:r="http://schemas.openxmlformats.org/officeDocument/2006/relationships" xmlns:p="http://schemas.openxmlformats.org/presentationml/2006/main">
-  <p:cSld>
-    <p:spTree>
-      <p:nvGrpSpPr>
-        <p:cNvPr id="1" name=""/>
-        <p:cNvGrpSpPr/>
-        <p:nvPr/>
-      </p:nvGrpSpPr>
-      <p:grpSpPr>
-        <a:xfrm>
-          <a:off x="0" y="0"/>
-          <a:ext cx="0" cy="0"/>
-          <a:chOff x="0" y="0"/>
-          <a:chExt cx="0" cy="0"/>
-        </a:xfrm>
-      </p:grpSpPr>
-      <p:pic>
-        <p:nvPicPr>
-          <p:cNvPr id="4" name="Content Placeholder 4"/>
-          <p:cNvPicPr>
-            <a:picLocks noGrp="1" noChangeAspect="1"/>
-          </p:cNvPicPr>
-          <p:nvPr>
-            <p:ph idx="1"/>
-          </p:nvPr>
-        </p:nvPicPr>
-        <p:blipFill rotWithShape="1">
-          <a:blip r:embed="rId2">
-            <a:extLst>
-              <a:ext uri="{28A0092B-C50C-407E-A947-70E740481C1C}">
-                <a14:useLocalDpi xmlns:a14="http://schemas.microsoft.com/office/drawing/2010/main" val="0"/>
-              </a:ext>
-            </a:extLst>
-          </a:blip>
-          <a:srcRect t="4354"/>
-          <a:stretch/>
-        </p:blipFill>
-        <p:spPr>
-          <a:xfrm>
-            <a:off x="2580407" y="1810781"/>
-            <a:ext cx="5189666" cy="4108094"/>
-          </a:xfrm>
-          <a:ln>
-            <a:solidFill>
-              <a:schemeClr val="accent1"/>
-            </a:solidFill>
-          </a:ln>
-        </p:spPr>
-      </p:pic>
-    </p:spTree>
-    <p:extLst>
-      <p:ext uri="{BB962C8B-B14F-4D97-AF65-F5344CB8AC3E}">
-        <p14:creationId xmlns:p14="http://schemas.microsoft.com/office/powerpoint/2010/main" val="994333688"/>
-      </p:ext>
-    </p:extLst>
-  </p:cSld>
-  <p:clrMapOvr>
-    <a:masterClrMapping/>
-  </p:clrMapOvr>
-</p:sld>
-</file>
-
-<file path=ppt/slides/slide3.xml><?xml version="1.0" encoding="utf-8"?>
-<p:sld xmlns:a="http://schemas.openxmlformats.org/drawingml/2006/main" xmlns:r="http://schemas.openxmlformats.org/officeDocument/2006/relationships" xmlns:p="http://schemas.openxmlformats.org/presentationml/2006/main">
-  <p:cSld>
-    <p:spTree>
-      <p:nvGrpSpPr>
-        <p:cNvPr id="1" name=""/>
-        <p:cNvGrpSpPr/>
-        <p:nvPr/>
-      </p:nvGrpSpPr>
-      <p:grpSpPr>
-        <a:xfrm>
-          <a:off x="0" y="0"/>
-          <a:ext cx="0" cy="0"/>
-          <a:chOff x="0" y="0"/>
-          <a:chExt cx="0" cy="0"/>
-        </a:xfrm>
-      </p:grpSpPr>
-      <p:sp>
-        <p:nvSpPr>
-          <p:cNvPr id="5" name="Rectangle 4"/>
-          <p:cNvSpPr/>
-          <p:nvPr/>
-        </p:nvSpPr>
-        <p:spPr bwMode="auto">
-          <a:xfrm>
-            <a:off x="7408968" y="2188597"/>
-            <a:ext cx="1164188" cy="2912400"/>
-          </a:xfrm>
-          <a:prstGeom prst="rect">
-            <a:avLst/>
-          </a:prstGeom>
-          <a:solidFill>
-            <a:schemeClr val="bg1"/>
-          </a:solidFill>
-          <a:ln w="12700" cap="flat" cmpd="sng" algn="ctr">
-            <a:solidFill>
-              <a:srgbClr val="000000"/>
-            </a:solidFill>
-            <a:prstDash val="solid"/>
-            <a:round/>
-            <a:headEnd type="none" w="med" len="med"/>
-            <a:tailEnd type="none" w="med" len="med"/>
-          </a:ln>
-          <a:effectLst/>
-        </p:spPr>
-        <p:txBody>
-          <a:bodyPr vert="horz" wrap="square" lIns="99441" tIns="49721" rIns="99441" bIns="0" numCol="1" rtlCol="0" anchor="ctr" anchorCtr="0" compatLnSpc="1">
-            <a:prstTxWarp prst="textNoShape">
-              <a:avLst/>
-            </a:prstTxWarp>
-            <a:noAutofit/>
-          </a:bodyPr>
-          <a:lstStyle/>
-          <a:p>
-            <a:pPr algn="ctr" defTabSz="994355" eaLnBrk="0" fontAlgn="base" hangingPunct="0">
-              <a:spcBef>
-                <a:spcPct val="0"/>
-              </a:spcBef>
-              <a:spcAft>
-                <a:spcPct val="0"/>
-              </a:spcAft>
-            </a:pPr>
-            <a:r>
-              <a:rPr lang="en-US" sz="1200" dirty="0">
-                <a:latin typeface="CMU Typewriter Text Variable Width Medium" charset="0"/>
-                <a:ea typeface="CMU Typewriter Text Variable Width Medium" charset="0"/>
-                <a:cs typeface="CMU Typewriter Text Variable Width Medium" charset="0"/>
-              </a:rPr>
-              <a:t>82% of streets are referenced in </a:t>
-            </a:r>
-            <a:r>
-              <a:rPr lang="en-US" sz="1200" dirty="0" smtClean="0">
-                <a:latin typeface="CMU Typewriter Text Variable Width Medium" charset="0"/>
-                <a:ea typeface="CMU Typewriter Text Variable Width Medium" charset="0"/>
-                <a:cs typeface="CMU Typewriter Text Variable Width Medium" charset="0"/>
-              </a:rPr>
-              <a:t>LRPP</a:t>
-            </a:r>
-            <a:endParaRPr lang="en-US" sz="1200" dirty="0">
-              <a:latin typeface="CMU Typewriter Text Variable Width Medium" charset="0"/>
-              <a:ea typeface="CMU Typewriter Text Variable Width Medium" charset="0"/>
-              <a:cs typeface="CMU Typewriter Text Variable Width Medium" charset="0"/>
-            </a:endParaRPr>
-          </a:p>
-        </p:txBody>
-      </p:sp>
-      <p:sp>
-        <p:nvSpPr>
-          <p:cNvPr id="8" name="Rectangle 7"/>
-          <p:cNvSpPr/>
-          <p:nvPr/>
-        </p:nvSpPr>
-        <p:spPr bwMode="auto">
-          <a:xfrm>
-            <a:off x="7408968" y="5100998"/>
-            <a:ext cx="1164188" cy="637718"/>
-          </a:xfrm>
-          <a:prstGeom prst="rect">
-            <a:avLst/>
-          </a:prstGeom>
-          <a:solidFill>
-            <a:schemeClr val="bg1">
-              <a:lumMod val="85000"/>
-            </a:schemeClr>
-          </a:solidFill>
-          <a:ln w="12700" cap="flat" cmpd="sng" algn="ctr">
-            <a:solidFill>
-              <a:srgbClr val="000000"/>
-            </a:solidFill>
-            <a:prstDash val="solid"/>
-            <a:round/>
-            <a:headEnd type="none" w="med" len="med"/>
-            <a:tailEnd type="none" w="med" len="med"/>
-          </a:ln>
-          <a:effectLst/>
-        </p:spPr>
-        <p:txBody>
-          <a:bodyPr vert="horz" wrap="square" lIns="99441" tIns="49721" rIns="99441" bIns="0" numCol="1" rtlCol="0" anchor="ctr" anchorCtr="0" compatLnSpc="1">
-            <a:prstTxWarp prst="textNoShape">
-              <a:avLst/>
-            </a:prstTxWarp>
-            <a:noAutofit/>
-          </a:bodyPr>
-          <a:lstStyle/>
-          <a:p>
-            <a:pPr algn="ctr" defTabSz="994355" eaLnBrk="0" fontAlgn="base" hangingPunct="0">
-              <a:spcBef>
-                <a:spcPct val="0"/>
-              </a:spcBef>
-              <a:spcAft>
-                <a:spcPct val="0"/>
-              </a:spcAft>
-            </a:pPr>
-            <a:endParaRPr lang="en-US" sz="1200" dirty="0">
-              <a:latin typeface="CMU Typewriter Text Variable Width Medium" charset="0"/>
-              <a:ea typeface="CMU Typewriter Text Variable Width Medium" charset="0"/>
-              <a:cs typeface="CMU Typewriter Text Variable Width Medium" charset="0"/>
-            </a:endParaRPr>
-          </a:p>
-        </p:txBody>
-      </p:sp>
-      <p:sp>
-        <p:nvSpPr>
-          <p:cNvPr id="9" name="Rectangle 8"/>
-          <p:cNvSpPr/>
-          <p:nvPr/>
-        </p:nvSpPr>
-        <p:spPr bwMode="auto">
-          <a:xfrm>
-            <a:off x="6244780" y="2188597"/>
-            <a:ext cx="1164188" cy="3553199"/>
-          </a:xfrm>
-          <a:prstGeom prst="rect">
-            <a:avLst/>
-          </a:prstGeom>
-          <a:solidFill>
-            <a:schemeClr val="bg1"/>
-          </a:solidFill>
-          <a:ln w="12700" cap="flat" cmpd="sng" algn="ctr">
-            <a:solidFill>
-              <a:srgbClr val="000000"/>
-            </a:solidFill>
-            <a:prstDash val="solid"/>
-            <a:round/>
-            <a:headEnd type="none" w="med" len="med"/>
-            <a:tailEnd type="none" w="med" len="med"/>
-          </a:ln>
-          <a:effectLst/>
-        </p:spPr>
-        <p:txBody>
-          <a:bodyPr vert="horz" wrap="square" lIns="99441" tIns="49721" rIns="99441" bIns="0" numCol="1" rtlCol="0" anchor="ctr" anchorCtr="0" compatLnSpc="1">
-            <a:prstTxWarp prst="textNoShape">
-              <a:avLst/>
-            </a:prstTxWarp>
-            <a:noAutofit/>
-          </a:bodyPr>
-          <a:lstStyle/>
-          <a:p>
-            <a:pPr algn="ctr" defTabSz="994355" eaLnBrk="0" fontAlgn="base" hangingPunct="0">
-              <a:spcBef>
-                <a:spcPct val="0"/>
-              </a:spcBef>
-              <a:spcAft>
-                <a:spcPct val="0"/>
-              </a:spcAft>
-            </a:pPr>
-            <a:r>
-              <a:rPr lang="en-US" sz="1200" dirty="0">
-                <a:latin typeface="CMU Typewriter Text Variable Width Medium" charset="0"/>
-                <a:ea typeface="CMU Typewriter Text Variable Width Medium" charset="0"/>
-                <a:cs typeface="CMU Typewriter Text Variable Width Medium" charset="0"/>
-              </a:rPr>
-              <a:t>98% of </a:t>
-            </a:r>
-            <a:r>
-              <a:rPr lang="en-US" sz="1200">
-                <a:latin typeface="CMU Typewriter Text Variable Width Medium" charset="0"/>
-                <a:ea typeface="CMU Typewriter Text Variable Width Medium" charset="0"/>
-                <a:cs typeface="CMU Typewriter Text Variable Width Medium" charset="0"/>
-              </a:rPr>
-              <a:t>addresses include a </a:t>
-            </a:r>
-            <a:r>
-              <a:rPr lang="en-US" sz="1200" dirty="0">
-                <a:latin typeface="CMU Typewriter Text Variable Width Medium" charset="0"/>
-                <a:ea typeface="CMU Typewriter Text Variable Width Medium" charset="0"/>
-                <a:cs typeface="CMU Typewriter Text Variable Width Medium" charset="0"/>
-              </a:rPr>
-              <a:t>house number</a:t>
-            </a:r>
-          </a:p>
-        </p:txBody>
-      </p:sp>
-      <p:sp>
-        <p:nvSpPr>
-          <p:cNvPr id="10" name="Rectangle 9"/>
-          <p:cNvSpPr/>
-          <p:nvPr/>
-        </p:nvSpPr>
-        <p:spPr bwMode="auto">
-          <a:xfrm>
-            <a:off x="6244780" y="5741796"/>
-            <a:ext cx="1164188" cy="82446"/>
-          </a:xfrm>
-          <a:prstGeom prst="rect">
-            <a:avLst/>
-          </a:prstGeom>
-          <a:solidFill>
-            <a:schemeClr val="bg1">
-              <a:lumMod val="85000"/>
-            </a:schemeClr>
-          </a:solidFill>
-          <a:ln w="12700" cap="flat" cmpd="sng" algn="ctr">
-            <a:solidFill>
-              <a:srgbClr val="000000"/>
-            </a:solidFill>
-            <a:prstDash val="solid"/>
-            <a:round/>
-            <a:headEnd type="none" w="med" len="med"/>
-            <a:tailEnd type="none" w="med" len="med"/>
-          </a:ln>
-          <a:effectLst/>
-        </p:spPr>
-        <p:txBody>
-          <a:bodyPr vert="horz" wrap="square" lIns="99441" tIns="49721" rIns="99441" bIns="0" numCol="1" rtlCol="0" anchor="ctr" anchorCtr="0" compatLnSpc="1">
-            <a:prstTxWarp prst="textNoShape">
-              <a:avLst/>
-            </a:prstTxWarp>
-            <a:noAutofit/>
-          </a:bodyPr>
-          <a:lstStyle/>
-          <a:p>
-            <a:pPr algn="ctr" defTabSz="994355" eaLnBrk="0" fontAlgn="base" hangingPunct="0">
-              <a:spcBef>
-                <a:spcPct val="0"/>
-              </a:spcBef>
-              <a:spcAft>
-                <a:spcPct val="0"/>
-              </a:spcAft>
-            </a:pPr>
-            <a:endParaRPr lang="en-US" sz="1200" dirty="0">
-              <a:latin typeface="CMU Typewriter Text Variable Width Medium" charset="0"/>
-              <a:ea typeface="CMU Typewriter Text Variable Width Medium" charset="0"/>
-              <a:cs typeface="CMU Typewriter Text Variable Width Medium" charset="0"/>
-            </a:endParaRPr>
-          </a:p>
-        </p:txBody>
-      </p:sp>
-      <p:sp>
-        <p:nvSpPr>
-          <p:cNvPr id="11" name="Rectangle 10"/>
-          <p:cNvSpPr/>
-          <p:nvPr/>
-        </p:nvSpPr>
-        <p:spPr bwMode="auto">
-          <a:xfrm>
-            <a:off x="8573156" y="4703128"/>
-            <a:ext cx="1164188" cy="1029958"/>
-          </a:xfrm>
-          <a:prstGeom prst="rect">
-            <a:avLst/>
-          </a:prstGeom>
-          <a:solidFill>
-            <a:schemeClr val="bg1">
-              <a:lumMod val="85000"/>
-            </a:schemeClr>
-          </a:solidFill>
-          <a:ln w="12700" cap="flat" cmpd="sng" algn="ctr">
-            <a:solidFill>
-              <a:srgbClr val="000000"/>
-            </a:solidFill>
-            <a:prstDash val="solid"/>
-            <a:round/>
-            <a:headEnd type="none" w="med" len="med"/>
-            <a:tailEnd type="none" w="med" len="med"/>
-          </a:ln>
-          <a:effectLst/>
-        </p:spPr>
-        <p:txBody>
-          <a:bodyPr vert="horz" wrap="square" lIns="99441" tIns="49721" rIns="99441" bIns="0" numCol="1" rtlCol="0" anchor="ctr" anchorCtr="0" compatLnSpc="1">
-            <a:prstTxWarp prst="textNoShape">
-              <a:avLst/>
-            </a:prstTxWarp>
-            <a:noAutofit/>
-          </a:bodyPr>
-          <a:lstStyle/>
-          <a:p>
-            <a:pPr algn="ctr" defTabSz="994355" eaLnBrk="0" fontAlgn="base" hangingPunct="0">
-              <a:spcBef>
-                <a:spcPct val="0"/>
-              </a:spcBef>
-              <a:spcAft>
-                <a:spcPct val="0"/>
-              </a:spcAft>
-            </a:pPr>
-            <a:endParaRPr lang="en-US" sz="1200" dirty="0">
-              <a:latin typeface="CMU Typewriter Text Variable Width Medium" charset="0"/>
-              <a:ea typeface="CMU Typewriter Text Variable Width Medium" charset="0"/>
-              <a:cs typeface="CMU Typewriter Text Variable Width Medium" charset="0"/>
-            </a:endParaRPr>
-          </a:p>
-        </p:txBody>
-      </p:sp>
-      <p:sp>
-        <p:nvSpPr>
-          <p:cNvPr id="12" name="Rectangle 11"/>
-          <p:cNvSpPr/>
-          <p:nvPr/>
-        </p:nvSpPr>
-        <p:spPr bwMode="auto">
-          <a:xfrm>
-            <a:off x="8573156" y="2183127"/>
-            <a:ext cx="1164188" cy="2520000"/>
-          </a:xfrm>
-          <a:prstGeom prst="rect">
-            <a:avLst/>
-          </a:prstGeom>
-          <a:solidFill>
-            <a:schemeClr val="bg1"/>
-          </a:solidFill>
-          <a:ln w="12700" cap="flat" cmpd="sng" algn="ctr">
-            <a:solidFill>
-              <a:srgbClr val="000000"/>
-            </a:solidFill>
-            <a:prstDash val="solid"/>
-            <a:round/>
-            <a:headEnd type="none" w="med" len="med"/>
-            <a:tailEnd type="none" w="med" len="med"/>
-          </a:ln>
-          <a:effectLst/>
-        </p:spPr>
-        <p:txBody>
-          <a:bodyPr vert="horz" wrap="square" lIns="99441" tIns="49721" rIns="99441" bIns="0" numCol="1" rtlCol="0" anchor="ctr" anchorCtr="0" compatLnSpc="1">
-            <a:prstTxWarp prst="textNoShape">
-              <a:avLst/>
-            </a:prstTxWarp>
-            <a:noAutofit/>
-          </a:bodyPr>
-          <a:lstStyle/>
-          <a:p>
-            <a:pPr algn="ctr" defTabSz="994355" eaLnBrk="0" fontAlgn="base" hangingPunct="0">
-              <a:spcBef>
-                <a:spcPct val="0"/>
-              </a:spcBef>
-              <a:spcAft>
-                <a:spcPct val="0"/>
-              </a:spcAft>
-            </a:pPr>
-            <a:r>
-              <a:rPr lang="en-US" sz="1200" dirty="0">
-                <a:latin typeface="CMU Typewriter Text Variable Width Medium" charset="0"/>
-                <a:ea typeface="CMU Typewriter Text Variable Width Medium" charset="0"/>
-                <a:cs typeface="CMU Typewriter Text Variable Width Medium" charset="0"/>
-              </a:rPr>
-              <a:t>74% of the streets qualify for house number inference</a:t>
-            </a:r>
-          </a:p>
-        </p:txBody>
-      </p:sp>
-      <p:sp>
-        <p:nvSpPr>
-          <p:cNvPr id="14" name="Rectangle 13"/>
-          <p:cNvSpPr/>
-          <p:nvPr/>
-        </p:nvSpPr>
-        <p:spPr bwMode="auto">
-          <a:xfrm>
-            <a:off x="9737345" y="2188597"/>
-            <a:ext cx="1164188" cy="933267"/>
-          </a:xfrm>
-          <a:prstGeom prst="rect">
-            <a:avLst/>
-          </a:prstGeom>
-          <a:solidFill>
-            <a:schemeClr val="bg1"/>
-          </a:solidFill>
-          <a:ln w="12700" cap="flat" cmpd="sng" algn="ctr">
-            <a:solidFill>
-              <a:srgbClr val="000000"/>
-            </a:solidFill>
-            <a:prstDash val="solid"/>
-            <a:round/>
-            <a:headEnd type="none" w="med" len="med"/>
-            <a:tailEnd type="none" w="med" len="med"/>
-          </a:ln>
-          <a:effectLst/>
-        </p:spPr>
-        <p:txBody>
-          <a:bodyPr vert="horz" wrap="square" lIns="99441" tIns="49721" rIns="99441" bIns="0" numCol="1" rtlCol="0" anchor="ctr" anchorCtr="0" compatLnSpc="1">
-            <a:prstTxWarp prst="textNoShape">
-              <a:avLst/>
-            </a:prstTxWarp>
-            <a:noAutofit/>
-          </a:bodyPr>
-          <a:lstStyle/>
-          <a:p>
-            <a:pPr algn="ctr" defTabSz="994355" eaLnBrk="0" fontAlgn="base" hangingPunct="0">
-              <a:spcBef>
-                <a:spcPct val="0"/>
-              </a:spcBef>
-              <a:spcAft>
-                <a:spcPct val="0"/>
-              </a:spcAft>
-            </a:pPr>
-            <a:r>
-              <a:rPr lang="en-US" sz="1200" dirty="0">
-                <a:latin typeface="CMU Typewriter Text Variable Width Medium" charset="0"/>
-                <a:ea typeface="CMU Typewriter Text Variable Width Medium" charset="0"/>
-                <a:cs typeface="CMU Typewriter Text Variable Width Medium" charset="0"/>
-              </a:rPr>
-              <a:t>111k house numbers are in LRPP</a:t>
-            </a:r>
-          </a:p>
-        </p:txBody>
-      </p:sp>
-      <p:sp>
-        <p:nvSpPr>
-          <p:cNvPr id="15" name="Rectangle 14"/>
-          <p:cNvSpPr/>
-          <p:nvPr/>
-        </p:nvSpPr>
-        <p:spPr bwMode="auto">
-          <a:xfrm>
-            <a:off x="9737345" y="3121860"/>
-            <a:ext cx="1164188" cy="976580"/>
-          </a:xfrm>
-          <a:prstGeom prst="rect">
-            <a:avLst/>
-          </a:prstGeom>
-          <a:solidFill>
-            <a:schemeClr val="bg1"/>
-          </a:solidFill>
-          <a:ln w="12700" cap="flat" cmpd="sng" algn="ctr">
-            <a:solidFill>
-              <a:srgbClr val="000000"/>
-            </a:solidFill>
-            <a:prstDash val="solid"/>
-            <a:round/>
-            <a:headEnd type="none" w="med" len="med"/>
-            <a:tailEnd type="none" w="med" len="med"/>
-          </a:ln>
-          <a:effectLst/>
-        </p:spPr>
-        <p:txBody>
-          <a:bodyPr vert="horz" wrap="square" lIns="99441" tIns="49721" rIns="99441" bIns="0" numCol="1" rtlCol="0" anchor="ctr" anchorCtr="0" compatLnSpc="1">
-            <a:prstTxWarp prst="textNoShape">
-              <a:avLst/>
-            </a:prstTxWarp>
-            <a:noAutofit/>
-          </a:bodyPr>
-          <a:lstStyle/>
-          <a:p>
-            <a:pPr algn="ctr" defTabSz="994355" eaLnBrk="0" fontAlgn="base" hangingPunct="0">
-              <a:spcBef>
-                <a:spcPct val="0"/>
-              </a:spcBef>
-              <a:spcAft>
-                <a:spcPct val="0"/>
-              </a:spcAft>
-            </a:pPr>
-            <a:r>
-              <a:rPr lang="en-US" sz="1200" dirty="0">
-                <a:latin typeface="CMU Typewriter Text Variable Width Medium" charset="0"/>
-                <a:ea typeface="CMU Typewriter Text Variable Width Medium" charset="0"/>
-                <a:cs typeface="CMU Typewriter Text Variable Width Medium" charset="0"/>
-              </a:rPr>
-              <a:t>113k house numbers can be inferred</a:t>
-            </a:r>
-          </a:p>
-        </p:txBody>
-      </p:sp>
-      <p:pic>
-        <p:nvPicPr>
-          <p:cNvPr id="17" name="Content Placeholder 4"/>
-          <p:cNvPicPr>
-            <a:picLocks noChangeAspect="1"/>
-          </p:cNvPicPr>
-          <p:nvPr/>
-        </p:nvPicPr>
-        <p:blipFill rotWithShape="1">
-          <a:blip r:embed="rId3" cstate="print">
-            <a:extLst>
-              <a:ext uri="{28A0092B-C50C-407E-A947-70E740481C1C}">
-                <a14:useLocalDpi xmlns:a14="http://schemas.microsoft.com/office/drawing/2010/main"/>
-              </a:ext>
-            </a:extLst>
-          </a:blip>
-          <a:srcRect/>
-          <a:stretch/>
-        </p:blipFill>
-        <p:spPr bwMode="auto">
-          <a:xfrm>
-            <a:off x="3532466" y="2196934"/>
-            <a:ext cx="2712798" cy="3623425"/>
-          </a:xfrm>
-          <a:prstGeom prst="rect">
-            <a:avLst/>
-          </a:prstGeom>
-          <a:noFill/>
-          <a:ln w="9525">
-            <a:solidFill>
-              <a:srgbClr val="000000"/>
-            </a:solidFill>
-            <a:miter lim="800000"/>
-            <a:headEnd/>
-            <a:tailEnd/>
-          </a:ln>
-        </p:spPr>
-      </p:pic>
-      <p:sp>
-        <p:nvSpPr>
-          <p:cNvPr id="2" name="Cloud 1"/>
-          <p:cNvSpPr/>
-          <p:nvPr/>
-        </p:nvSpPr>
-        <p:spPr>
-          <a:xfrm>
-            <a:off x="9624732" y="4008646"/>
-            <a:ext cx="1389413" cy="1811713"/>
-          </a:xfrm>
-          <a:prstGeom prst="cloud">
-            <a:avLst/>
-          </a:prstGeom>
-          <a:solidFill>
-            <a:schemeClr val="bg1"/>
-          </a:solidFill>
-          <a:ln>
-            <a:solidFill>
-              <a:schemeClr val="tx1"/>
-            </a:solidFill>
-          </a:ln>
-        </p:spPr>
-        <p:style>
-          <a:lnRef idx="2">
-            <a:schemeClr val="accent1">
-              <a:shade val="50000"/>
-            </a:schemeClr>
-          </a:lnRef>
-          <a:fillRef idx="1">
-            <a:schemeClr val="accent1"/>
-          </a:fillRef>
-          <a:effectRef idx="0">
-            <a:schemeClr val="accent1"/>
-          </a:effectRef>
-          <a:fontRef idx="minor">
-            <a:schemeClr val="lt1"/>
-          </a:fontRef>
-        </p:style>
-        <p:txBody>
-          <a:bodyPr lIns="0" rtlCol="0" anchor="ctr"/>
-          <a:lstStyle/>
-          <a:p>
-            <a:pPr algn="ctr" defTabSz="994355" eaLnBrk="0" fontAlgn="base" hangingPunct="0">
-              <a:spcBef>
-                <a:spcPct val="0"/>
-              </a:spcBef>
-              <a:spcAft>
-                <a:spcPct val="0"/>
-              </a:spcAft>
-            </a:pPr>
-            <a:r>
-              <a:rPr lang="en-US" sz="1200" dirty="0">
-                <a:solidFill>
-                  <a:schemeClr val="tx1"/>
-                </a:solidFill>
-                <a:latin typeface="CMU Typewriter Text Variable Width Medium" charset="0"/>
-                <a:ea typeface="CMU Typewriter Text Variable Width Medium" charset="0"/>
-                <a:cs typeface="CMU Typewriter Text Variable Width Medium" charset="0"/>
-              </a:rPr>
-              <a:t>Not known and not suitable for inference</a:t>
-            </a:r>
-          </a:p>
-        </p:txBody>
-      </p:sp>
-    </p:spTree>
-    <p:extLst>
-      <p:ext uri="{BB962C8B-B14F-4D97-AF65-F5344CB8AC3E}">
-        <p14:creationId xmlns:p14="http://schemas.microsoft.com/office/powerpoint/2010/main" val="670436853"/>
-      </p:ext>
-    </p:extLst>
-  </p:cSld>
-  <p:clrMapOvr>
-    <a:masterClrMapping/>
-  </p:clrMapOvr>
-  <p:timing>
-    <p:tnLst>
-      <p:par>
-        <p:cTn id="1" dur="indefinite" restart="never" nodeType="tmRoot"/>
-      </p:par>
-    </p:tnLst>
-  </p:timing>
-</p:sld>
-</file>
-
-<file path=ppt/slides/slide4.xml><?xml version="1.0" encoding="utf-8"?>
-<p:sld xmlns:a="http://schemas.openxmlformats.org/drawingml/2006/main" xmlns:r="http://schemas.openxmlformats.org/officeDocument/2006/relationships" xmlns:p="http://schemas.openxmlformats.org/presentationml/2006/main">
-  <p:cSld>
-    <p:spTree>
-      <p:nvGrpSpPr>
-        <p:cNvPr id="1" name=""/>
-        <p:cNvGrpSpPr/>
-        <p:nvPr/>
-      </p:nvGrpSpPr>
-      <p:grpSpPr>
-        <a:xfrm>
-          <a:off x="0" y="0"/>
-          <a:ext cx="0" cy="0"/>
-          <a:chOff x="0" y="0"/>
-          <a:chExt cx="0" cy="0"/>
-        </a:xfrm>
-      </p:grpSpPr>
       <p:sp>
         <p:nvSpPr>
           <p:cNvPr id="16" name="Oval 15"/>
@@ -5351,7 +3755,7 @@
 </p:sld>
 </file>
 
-<file path=ppt/slides/slide5.xml><?xml version="1.0" encoding="utf-8"?>
+<file path=ppt/slides/slide2.xml><?xml version="1.0" encoding="utf-8"?>
 <p:sld xmlns:a="http://schemas.openxmlformats.org/drawingml/2006/main" xmlns:r="http://schemas.openxmlformats.org/officeDocument/2006/relationships" xmlns:p="http://schemas.openxmlformats.org/presentationml/2006/main">
   <p:cSld>
     <p:spTree>
@@ -6507,7 +4911,7 @@
 </p:sld>
 </file>
 
-<file path=ppt/slides/slide6.xml><?xml version="1.0" encoding="utf-8"?>
+<file path=ppt/slides/slide3.xml><?xml version="1.0" encoding="utf-8"?>
 <p:sld xmlns:a="http://schemas.openxmlformats.org/drawingml/2006/main" xmlns:r="http://schemas.openxmlformats.org/officeDocument/2006/relationships" xmlns:p="http://schemas.openxmlformats.org/presentationml/2006/main">
   <p:cSld>
     <p:spTree>
@@ -8075,7 +6479,7 @@
 </p:sld>
 </file>
 
-<file path=ppt/slides/slide7.xml><?xml version="1.0" encoding="utf-8"?>
+<file path=ppt/slides/slide4.xml><?xml version="1.0" encoding="utf-8"?>
 <p:sld xmlns:a="http://schemas.openxmlformats.org/drawingml/2006/main" xmlns:r="http://schemas.openxmlformats.org/officeDocument/2006/relationships" xmlns:p="http://schemas.openxmlformats.org/presentationml/2006/main">
   <p:cSld>
     <p:spTree>
@@ -9808,7 +8212,7 @@
 </p:sld>
 </file>
 
-<file path=ppt/slides/slide8.xml><?xml version="1.0" encoding="utf-8"?>
+<file path=ppt/slides/slide5.xml><?xml version="1.0" encoding="utf-8"?>
 <p:sld xmlns:a="http://schemas.openxmlformats.org/drawingml/2006/main" xmlns:r="http://schemas.openxmlformats.org/officeDocument/2006/relationships" xmlns:p="http://schemas.openxmlformats.org/presentationml/2006/main">
   <p:cSld>
     <p:spTree>
@@ -11717,11 +10121,6 @@
               </a:rPr>
               <a:t>p1.1</a:t>
             </a:r>
-            <a:endParaRPr lang="en-US" sz="1200" i="1" dirty="0">
-              <a:latin typeface="CMU Typewriter Text Variable Width Medium" charset="0"/>
-              <a:ea typeface="CMU Typewriter Text Variable Width Medium" charset="0"/>
-              <a:cs typeface="CMU Typewriter Text Variable Width Medium" charset="0"/>
-            </a:endParaRPr>
           </a:p>
         </p:txBody>
       </p:sp>
@@ -11763,11 +10162,6 @@
               </a:rPr>
               <a:t>: Identify the list of house numbers in each OSON road through references in other open data</a:t>
             </a:r>
-            <a:endParaRPr lang="en-US" sz="1200" dirty="0">
-              <a:latin typeface="CMU Typewriter Text Variable Width Medium" charset="0"/>
-              <a:ea typeface="CMU Typewriter Text Variable Width Medium" charset="0"/>
-              <a:cs typeface="CMU Typewriter Text Variable Width Medium" charset="0"/>
-            </a:endParaRPr>
           </a:p>
         </p:txBody>
       </p:sp>
